--- a/Esercitazione_4/esercitazione4.pptx
+++ b/Esercitazione_4/esercitazione4.pptx
@@ -5,10 +5,10 @@
     <p:sldMasterId id="2147483687" r:id="rId4"/>
   </p:sldMasterIdLst>
   <p:notesMasterIdLst>
-    <p:notesMasterId r:id="rId12"/>
+    <p:notesMasterId r:id="rId13"/>
   </p:notesMasterIdLst>
   <p:handoutMasterIdLst>
-    <p:handoutMasterId r:id="rId13"/>
+    <p:handoutMasterId r:id="rId14"/>
   </p:handoutMasterIdLst>
   <p:sldIdLst>
     <p:sldId id="312" r:id="rId5"/>
@@ -16,8 +16,9 @@
     <p:sldId id="300" r:id="rId7"/>
     <p:sldId id="313" r:id="rId8"/>
     <p:sldId id="314" r:id="rId9"/>
-    <p:sldId id="315" r:id="rId10"/>
-    <p:sldId id="295" r:id="rId11"/>
+    <p:sldId id="316" r:id="rId10"/>
+    <p:sldId id="315" r:id="rId11"/>
+    <p:sldId id="295" r:id="rId12"/>
   </p:sldIdLst>
   <p:sldSz cx="12192000" cy="6858000"/>
   <p:notesSz cx="6858000" cy="9144000"/>
@@ -241,7 +242,7 @@
           <a:p>
             <a:fld id="{B55857BA-F4AF-4FDB-9BD7-33CC67AEAE19}" type="datetimeFigureOut">
               <a:rPr lang="it-IT" smtClean="0"/>
-              <a:t>06/11/2021</a:t>
+              <a:t>07/11/2021</a:t>
             </a:fld>
             <a:endParaRPr lang="it-IT"/>
           </a:p>
@@ -419,7 +420,7 @@
           <a:p>
             <a:fld id="{1FCC0C39-E717-4206-B48F-03024D75E04C}" type="datetimeFigureOut">
               <a:rPr lang="it-IT" noProof="0" smtClean="0"/>
-              <a:t>06/11/2021</a:t>
+              <a:t>07/11/2021</a:t>
             </a:fld>
             <a:endParaRPr lang="it-IT" noProof="0"/>
           </a:p>
@@ -13934,12 +13935,8 @@
           <a:p>
             <a:pPr algn="ctr"/>
             <a:r>
-              <a:rPr lang="en-US" sz="6000" dirty="0"/>
-              <a:t> </a:t>
-            </a:r>
-            <a:r>
               <a:rPr lang="en-US" sz="6000" dirty="0" err="1"/>
-              <a:t>Clienti</a:t>
+              <a:t>Specifiche</a:t>
             </a:r>
             <a:endParaRPr lang="en-US" sz="6000" dirty="0"/>
           </a:p>
@@ -19556,7 +19553,7 @@
         </p:nvSpPr>
         <p:spPr>
           <a:xfrm>
-            <a:off x="673211" y="1143645"/>
+            <a:off x="739397" y="786204"/>
             <a:ext cx="2712168" cy="2308324"/>
           </a:xfrm>
           <a:prstGeom prst="rect">
@@ -19645,8 +19642,8 @@
         </p:blipFill>
         <p:spPr>
           <a:xfrm>
-            <a:off x="6210991" y="1349029"/>
-            <a:ext cx="5547612" cy="4973721"/>
+            <a:off x="5561400" y="1205624"/>
+            <a:ext cx="5891203" cy="5281768"/>
           </a:xfrm>
           <a:prstGeom prst="roundRect">
             <a:avLst>
@@ -19678,7 +19675,7 @@
         </p:nvSpPr>
         <p:spPr>
           <a:xfrm>
-            <a:off x="3291278" y="2948914"/>
+            <a:off x="2662986" y="2915158"/>
             <a:ext cx="2168291" cy="369332"/>
           </a:xfrm>
           <a:prstGeom prst="rect">
@@ -19713,7 +19710,7 @@
         </p:nvSpPr>
         <p:spPr>
           <a:xfrm>
-            <a:off x="3506977" y="4109292"/>
+            <a:off x="2823175" y="4090816"/>
             <a:ext cx="2014598" cy="338554"/>
           </a:xfrm>
           <a:prstGeom prst="rect">
@@ -19748,7 +19745,7 @@
         </p:nvSpPr>
         <p:spPr>
           <a:xfrm>
-            <a:off x="4518255" y="5279824"/>
+            <a:off x="3841966" y="5229225"/>
             <a:ext cx="960898" cy="369332"/>
           </a:xfrm>
           <a:prstGeom prst="rect">
@@ -19786,7 +19783,7 @@
         </p:nvCxnSpPr>
         <p:spPr>
           <a:xfrm>
-            <a:off x="5459569" y="3133580"/>
+            <a:off x="4831277" y="3099824"/>
             <a:ext cx="660289" cy="0"/>
           </a:xfrm>
           <a:prstGeom prst="straightConnector1">
@@ -19834,7 +19831,7 @@
         </p:nvCxnSpPr>
         <p:spPr>
           <a:xfrm>
-            <a:off x="5521575" y="4278569"/>
+            <a:off x="4837773" y="4260093"/>
             <a:ext cx="621749" cy="0"/>
           </a:xfrm>
           <a:prstGeom prst="straightConnector1">
@@ -19882,7 +19879,7 @@
         </p:nvCxnSpPr>
         <p:spPr>
           <a:xfrm>
-            <a:off x="5479153" y="5464490"/>
+            <a:off x="4802864" y="5413891"/>
             <a:ext cx="657932" cy="0"/>
           </a:xfrm>
           <a:prstGeom prst="straightConnector1">
@@ -22638,7 +22635,7 @@
         </p:nvSpPr>
         <p:spPr>
           <a:xfrm>
-            <a:off x="1071244" y="488949"/>
+            <a:off x="664953" y="761754"/>
             <a:ext cx="2885590" cy="2308324"/>
           </a:xfrm>
           <a:prstGeom prst="rect">
@@ -22705,47 +22702,6 @@
           </a:p>
         </p:txBody>
       </p:sp>
-      <p:pic>
-        <p:nvPicPr>
-          <p:cNvPr id="12" name="Immagine 11">
-            <a:extLst>
-              <a:ext uri="{FF2B5EF4-FFF2-40B4-BE49-F238E27FC236}">
-                <a16:creationId xmlns:a16="http://schemas.microsoft.com/office/drawing/2014/main" id="{6A4A233F-25F6-4A62-9D39-0ACE08B7D22C}"/>
-              </a:ext>
-            </a:extLst>
-          </p:cNvPr>
-          <p:cNvPicPr>
-            <a:picLocks noChangeAspect="1"/>
-          </p:cNvPicPr>
-          <p:nvPr/>
-        </p:nvPicPr>
-        <p:blipFill>
-          <a:blip r:embed="rId3"/>
-          <a:stretch>
-            <a:fillRect/>
-          </a:stretch>
-        </p:blipFill>
-        <p:spPr>
-          <a:xfrm>
-            <a:off x="4789489" y="2031316"/>
-            <a:ext cx="6984241" cy="3950805"/>
-          </a:xfrm>
-          <a:prstGeom prst="roundRect">
-            <a:avLst>
-              <a:gd name="adj" fmla="val 3786"/>
-            </a:avLst>
-          </a:prstGeom>
-          <a:solidFill>
-            <a:srgbClr val="FFFFFF">
-              <a:shade val="85000"/>
-            </a:srgbClr>
-          </a:solidFill>
-          <a:ln>
-            <a:noFill/>
-          </a:ln>
-          <a:effectLst/>
-        </p:spPr>
-      </p:pic>
       <p:sp>
         <p:nvSpPr>
           <p:cNvPr id="14" name="CasellaDiTesto 13">
@@ -22760,7 +22716,7 @@
         </p:nvSpPr>
         <p:spPr>
           <a:xfrm>
-            <a:off x="730308" y="2991602"/>
+            <a:off x="517525" y="2993829"/>
             <a:ext cx="3328874" cy="369332"/>
           </a:xfrm>
           <a:prstGeom prst="rect">
@@ -22797,9 +22753,9 @@
           <p:nvPr/>
         </p:nvCxnSpPr>
         <p:spPr>
-          <a:xfrm>
-            <a:off x="4059182" y="3176268"/>
-            <a:ext cx="667393" cy="0"/>
+          <a:xfrm flipV="1">
+            <a:off x="3846399" y="2366963"/>
+            <a:ext cx="767934" cy="811532"/>
           </a:xfrm>
           <a:prstGeom prst="straightConnector1">
             <a:avLst/>
@@ -22843,7 +22799,7 @@
         </p:nvSpPr>
         <p:spPr>
           <a:xfrm>
-            <a:off x="976578" y="4441023"/>
+            <a:off x="758032" y="4430475"/>
             <a:ext cx="2988734" cy="369332"/>
           </a:xfrm>
           <a:prstGeom prst="rect">
@@ -22880,9 +22836,9 @@
           <p:nvPr/>
         </p:nvCxnSpPr>
         <p:spPr>
-          <a:xfrm>
-            <a:off x="3965312" y="4625689"/>
-            <a:ext cx="790990" cy="0"/>
+          <a:xfrm flipV="1">
+            <a:off x="3746766" y="4021138"/>
+            <a:ext cx="867567" cy="594003"/>
           </a:xfrm>
           <a:prstGeom prst="straightConnector1">
             <a:avLst/>
@@ -22912,6 +22868,47 @@
           </a:fontRef>
         </p:style>
       </p:cxnSp>
+      <p:pic>
+        <p:nvPicPr>
+          <p:cNvPr id="7" name="Immagine 6">
+            <a:extLst>
+              <a:ext uri="{FF2B5EF4-FFF2-40B4-BE49-F238E27FC236}">
+                <a16:creationId xmlns:a16="http://schemas.microsoft.com/office/drawing/2014/main" id="{7EC26F5B-5B2A-44BD-B4F8-7A9A97B00588}"/>
+              </a:ext>
+            </a:extLst>
+          </p:cNvPr>
+          <p:cNvPicPr>
+            <a:picLocks noChangeAspect="1"/>
+          </p:cNvPicPr>
+          <p:nvPr/>
+        </p:nvPicPr>
+        <p:blipFill>
+          <a:blip r:embed="rId3"/>
+          <a:stretch>
+            <a:fillRect/>
+          </a:stretch>
+        </p:blipFill>
+        <p:spPr>
+          <a:xfrm>
+            <a:off x="4698132" y="1607777"/>
+            <a:ext cx="7146203" cy="4568063"/>
+          </a:xfrm>
+          <a:prstGeom prst="roundRect">
+            <a:avLst>
+              <a:gd name="adj" fmla="val 3724"/>
+            </a:avLst>
+          </a:prstGeom>
+          <a:solidFill>
+            <a:srgbClr val="FFFFFF">
+              <a:shade val="85000"/>
+            </a:srgbClr>
+          </a:solidFill>
+          <a:ln>
+            <a:noFill/>
+          </a:ln>
+          <a:effectLst/>
+        </p:spPr>
+      </p:pic>
     </p:spTree>
     <p:extLst>
       <p:ext uri="{BB962C8B-B14F-4D97-AF65-F5344CB8AC3E}">
@@ -25761,7 +25758,7 @@
           <a:noFill/>
           <a:extLst>
             <a:ext uri="{909E8E84-426E-40dd-AFC4-6F175D3DCCD1}">
-              <a14:hiddenFill xmlns="" xmlns:a16="http://schemas.microsoft.com/office/drawing/2014/main" xmlns:p14="http://schemas.microsoft.com/office/powerpoint/2010/main" xmlns:a14="http://schemas.microsoft.com/office/drawing/2010/main">
+              <a14:hiddenFill xmlns:a14="http://schemas.microsoft.com/office/drawing/2010/main" xmlns:p14="http://schemas.microsoft.com/office/powerpoint/2010/main" xmlns:a16="http://schemas.microsoft.com/office/drawing/2014/main" xmlns="">
                 <a:solidFill>
                   <a:srgbClr val="FFFFFF"/>
                 </a:solidFill>
@@ -25894,7 +25891,7 @@
             </a:ln>
             <a:extLst>
               <a:ext uri="{91240B29-F687-4f45-9708-019B960494DF}">
-                <a14:hiddenLine xmlns="" xmlns:a16="http://schemas.microsoft.com/office/drawing/2014/main" xmlns:p14="http://schemas.microsoft.com/office/powerpoint/2010/main" xmlns:a14="http://schemas.microsoft.com/office/drawing/2010/main" w="9525">
+                <a14:hiddenLine xmlns:a14="http://schemas.microsoft.com/office/drawing/2010/main" xmlns:p14="http://schemas.microsoft.com/office/powerpoint/2010/main" xmlns:a16="http://schemas.microsoft.com/office/drawing/2014/main" xmlns="" w="9525">
                   <a:solidFill>
                     <a:srgbClr val="000000"/>
                   </a:solidFill>
@@ -25999,7 +25996,7 @@
             </a:ln>
             <a:extLst>
               <a:ext uri="{91240B29-F687-4f45-9708-019B960494DF}">
-                <a14:hiddenLine xmlns="" xmlns:a16="http://schemas.microsoft.com/office/drawing/2014/main" xmlns:p14="http://schemas.microsoft.com/office/powerpoint/2010/main" xmlns:a14="http://schemas.microsoft.com/office/drawing/2010/main" w="9525">
+                <a14:hiddenLine xmlns:a14="http://schemas.microsoft.com/office/drawing/2010/main" xmlns:p14="http://schemas.microsoft.com/office/powerpoint/2010/main" xmlns:a16="http://schemas.microsoft.com/office/drawing/2014/main" xmlns="" w="9525">
                   <a:solidFill>
                     <a:srgbClr val="000000"/>
                   </a:solidFill>
@@ -26104,7 +26101,7 @@
             </a:ln>
             <a:extLst>
               <a:ext uri="{91240B29-F687-4f45-9708-019B960494DF}">
-                <a14:hiddenLine xmlns="" xmlns:a16="http://schemas.microsoft.com/office/drawing/2014/main" xmlns:p14="http://schemas.microsoft.com/office/powerpoint/2010/main" xmlns:a14="http://schemas.microsoft.com/office/drawing/2010/main" w="9525">
+                <a14:hiddenLine xmlns:a14="http://schemas.microsoft.com/office/drawing/2010/main" xmlns:p14="http://schemas.microsoft.com/office/powerpoint/2010/main" xmlns:a16="http://schemas.microsoft.com/office/drawing/2014/main" xmlns="" w="9525">
                   <a:solidFill>
                     <a:srgbClr val="000000"/>
                   </a:solidFill>
@@ -26181,7 +26178,7 @@
             </a:ln>
             <a:extLst>
               <a:ext uri="{91240B29-F687-4f45-9708-019B960494DF}">
-                <a14:hiddenLine xmlns="" xmlns:a16="http://schemas.microsoft.com/office/drawing/2014/main" xmlns:p14="http://schemas.microsoft.com/office/powerpoint/2010/main" xmlns:a14="http://schemas.microsoft.com/office/drawing/2010/main" w="9525">
+                <a14:hiddenLine xmlns:a14="http://schemas.microsoft.com/office/drawing/2010/main" xmlns:p14="http://schemas.microsoft.com/office/powerpoint/2010/main" xmlns:a16="http://schemas.microsoft.com/office/drawing/2014/main" xmlns="" w="9525">
                   <a:solidFill>
                     <a:srgbClr val="000000"/>
                   </a:solidFill>
@@ -26286,7 +26283,7 @@
             </a:ln>
             <a:extLst>
               <a:ext uri="{91240B29-F687-4f45-9708-019B960494DF}">
-                <a14:hiddenLine xmlns="" xmlns:a16="http://schemas.microsoft.com/office/drawing/2014/main" xmlns:p14="http://schemas.microsoft.com/office/powerpoint/2010/main" xmlns:a14="http://schemas.microsoft.com/office/drawing/2010/main" w="9525">
+                <a14:hiddenLine xmlns:a14="http://schemas.microsoft.com/office/drawing/2010/main" xmlns:p14="http://schemas.microsoft.com/office/powerpoint/2010/main" xmlns:a16="http://schemas.microsoft.com/office/drawing/2014/main" xmlns="" w="9525">
                   <a:solidFill>
                     <a:srgbClr val="000000"/>
                   </a:solidFill>
@@ -26363,7 +26360,7 @@
             </a:ln>
             <a:extLst>
               <a:ext uri="{91240B29-F687-4f45-9708-019B960494DF}">
-                <a14:hiddenLine xmlns="" xmlns:a16="http://schemas.microsoft.com/office/drawing/2014/main" xmlns:p14="http://schemas.microsoft.com/office/powerpoint/2010/main" xmlns:a14="http://schemas.microsoft.com/office/drawing/2010/main" w="9525">
+                <a14:hiddenLine xmlns:a14="http://schemas.microsoft.com/office/drawing/2010/main" xmlns:p14="http://schemas.microsoft.com/office/powerpoint/2010/main" xmlns:a16="http://schemas.microsoft.com/office/drawing/2014/main" xmlns="" w="9525">
                   <a:solidFill>
                     <a:srgbClr val="000000"/>
                   </a:solidFill>
@@ -26440,7 +26437,7 @@
             </a:ln>
             <a:extLst>
               <a:ext uri="{91240B29-F687-4f45-9708-019B960494DF}">
-                <a14:hiddenLine xmlns="" xmlns:a16="http://schemas.microsoft.com/office/drawing/2014/main" xmlns:p14="http://schemas.microsoft.com/office/powerpoint/2010/main" xmlns:a14="http://schemas.microsoft.com/office/drawing/2010/main" w="9525">
+                <a14:hiddenLine xmlns:a14="http://schemas.microsoft.com/office/drawing/2010/main" xmlns:p14="http://schemas.microsoft.com/office/powerpoint/2010/main" xmlns:a16="http://schemas.microsoft.com/office/drawing/2014/main" xmlns="" w="9525">
                   <a:solidFill>
                     <a:srgbClr val="000000"/>
                   </a:solidFill>
@@ -26545,7 +26542,7 @@
             </a:ln>
             <a:extLst>
               <a:ext uri="{91240B29-F687-4f45-9708-019B960494DF}">
-                <a14:hiddenLine xmlns="" xmlns:a16="http://schemas.microsoft.com/office/drawing/2014/main" xmlns:p14="http://schemas.microsoft.com/office/powerpoint/2010/main" xmlns:a14="http://schemas.microsoft.com/office/drawing/2010/main" w="9525">
+                <a14:hiddenLine xmlns:a14="http://schemas.microsoft.com/office/drawing/2010/main" xmlns:p14="http://schemas.microsoft.com/office/powerpoint/2010/main" xmlns:a16="http://schemas.microsoft.com/office/drawing/2014/main" xmlns="" w="9525">
                   <a:solidFill>
                     <a:srgbClr val="000000"/>
                   </a:solidFill>
@@ -26650,7 +26647,7 @@
             </a:ln>
             <a:extLst>
               <a:ext uri="{91240B29-F687-4f45-9708-019B960494DF}">
-                <a14:hiddenLine xmlns="" xmlns:a16="http://schemas.microsoft.com/office/drawing/2014/main" xmlns:p14="http://schemas.microsoft.com/office/powerpoint/2010/main" xmlns:a14="http://schemas.microsoft.com/office/drawing/2010/main" w="9525">
+                <a14:hiddenLine xmlns:a14="http://schemas.microsoft.com/office/drawing/2010/main" xmlns:p14="http://schemas.microsoft.com/office/powerpoint/2010/main" xmlns:a16="http://schemas.microsoft.com/office/drawing/2014/main" xmlns="" w="9525">
                   <a:solidFill>
                     <a:srgbClr val="000000"/>
                   </a:solidFill>
@@ -26727,7 +26724,7 @@
             </a:ln>
             <a:extLst>
               <a:ext uri="{91240B29-F687-4f45-9708-019B960494DF}">
-                <a14:hiddenLine xmlns="" xmlns:a16="http://schemas.microsoft.com/office/drawing/2014/main" xmlns:p14="http://schemas.microsoft.com/office/powerpoint/2010/main" xmlns:a14="http://schemas.microsoft.com/office/drawing/2010/main" w="9525">
+                <a14:hiddenLine xmlns:a14="http://schemas.microsoft.com/office/drawing/2010/main" xmlns:p14="http://schemas.microsoft.com/office/powerpoint/2010/main" xmlns:a16="http://schemas.microsoft.com/office/drawing/2014/main" xmlns="" w="9525">
                   <a:solidFill>
                     <a:srgbClr val="000000"/>
                   </a:solidFill>
@@ -26852,7 +26849,7 @@
             </a:ln>
             <a:extLst>
               <a:ext uri="{91240B29-F687-4f45-9708-019B960494DF}">
-                <a14:hiddenLine xmlns="" xmlns:a16="http://schemas.microsoft.com/office/drawing/2014/main" xmlns:p14="http://schemas.microsoft.com/office/powerpoint/2010/main" xmlns:a14="http://schemas.microsoft.com/office/drawing/2010/main" w="9525">
+                <a14:hiddenLine xmlns:a14="http://schemas.microsoft.com/office/drawing/2010/main" xmlns:p14="http://schemas.microsoft.com/office/powerpoint/2010/main" xmlns:a16="http://schemas.microsoft.com/office/drawing/2014/main" xmlns="" w="9525">
                   <a:solidFill>
                     <a:srgbClr val="000000"/>
                   </a:solidFill>
@@ -26966,6 +26963,3029 @@
             </a:ln>
             <a:extLst>
               <a:ext uri="{91240B29-F687-4f45-9708-019B960494DF}">
+                <a14:hiddenLine xmlns:a14="http://schemas.microsoft.com/office/drawing/2010/main" xmlns:p14="http://schemas.microsoft.com/office/powerpoint/2010/main" xmlns:a16="http://schemas.microsoft.com/office/drawing/2014/main" xmlns="" w="9525">
+                  <a:solidFill>
+                    <a:srgbClr val="000000"/>
+                  </a:solidFill>
+                  <a:round/>
+                  <a:headEnd/>
+                  <a:tailEnd/>
+                </a14:hiddenLine>
+              </a:ext>
+            </a:extLst>
+          </p:spPr>
+        </p:sp>
+        <p:sp>
+          <p:nvSpPr>
+            <p:cNvPr id="65" name="Freeform 18">
+              <a:extLst>
+                <a:ext uri="{FF2B5EF4-FFF2-40B4-BE49-F238E27FC236}">
+                  <a16:creationId xmlns:a16="http://schemas.microsoft.com/office/drawing/2014/main" id="{1C806824-5C2D-4747-B038-69EE4074B366}"/>
+                </a:ext>
+                <a:ext uri="{C183D7F6-B498-43B3-948B-1728B52AA6E4}">
+                  <adec:decorative xmlns:adec="http://schemas.microsoft.com/office/drawing/2017/decorative" val="1"/>
+                </a:ext>
+              </a:extLst>
+            </p:cNvPr>
+            <p:cNvSpPr/>
+            <p:nvPr>
+              <p:extLst>
+                <p:ext uri="{386F3935-93C4-4BCD-93E2-E3B085C9AB24}">
+                  <p16:designElem xmlns:p16="http://schemas.microsoft.com/office/powerpoint/2015/main" val="1"/>
+                </p:ext>
+              </p:extLst>
+            </p:nvPr>
+          </p:nvSpPr>
+          <p:spPr bwMode="auto">
+            <a:xfrm>
+              <a:off x="-9525" y="3549650"/>
+              <a:ext cx="147638" cy="481013"/>
+            </a:xfrm>
+            <a:custGeom>
+              <a:avLst/>
+              <a:gdLst/>
+              <a:ahLst/>
+              <a:cxnLst/>
+              <a:rect l="0" t="0" r="r" b="b"/>
+              <a:pathLst>
+                <a:path w="93" h="303">
+                  <a:moveTo>
+                    <a:pt x="93" y="303"/>
+                  </a:moveTo>
+                  <a:lnTo>
+                    <a:pt x="78" y="303"/>
+                  </a:lnTo>
+                  <a:lnTo>
+                    <a:pt x="78" y="78"/>
+                  </a:lnTo>
+                  <a:lnTo>
+                    <a:pt x="0" y="12"/>
+                  </a:lnTo>
+                  <a:lnTo>
+                    <a:pt x="12" y="0"/>
+                  </a:lnTo>
+                  <a:lnTo>
+                    <a:pt x="93" y="69"/>
+                  </a:lnTo>
+                  <a:lnTo>
+                    <a:pt x="93" y="303"/>
+                  </a:lnTo>
+                  <a:close/>
+                </a:path>
+              </a:pathLst>
+            </a:custGeom>
+            <a:grpFill/>
+            <a:ln>
+              <a:noFill/>
+            </a:ln>
+            <a:extLst>
+              <a:ext uri="{91240B29-F687-4f45-9708-019B960494DF}">
+                <a14:hiddenLine xmlns:a14="http://schemas.microsoft.com/office/drawing/2010/main" xmlns:p14="http://schemas.microsoft.com/office/powerpoint/2010/main" xmlns:a16="http://schemas.microsoft.com/office/drawing/2014/main" xmlns="" w="9525">
+                  <a:solidFill>
+                    <a:srgbClr val="000000"/>
+                  </a:solidFill>
+                  <a:round/>
+                  <a:headEnd/>
+                  <a:tailEnd/>
+                </a14:hiddenLine>
+              </a:ext>
+            </a:extLst>
+          </p:spPr>
+        </p:sp>
+        <p:sp>
+          <p:nvSpPr>
+            <p:cNvPr id="66" name="Freeform 19">
+              <a:extLst>
+                <a:ext uri="{FF2B5EF4-FFF2-40B4-BE49-F238E27FC236}">
+                  <a16:creationId xmlns:a16="http://schemas.microsoft.com/office/drawing/2014/main" id="{3B33F710-16D7-4F48-BFCA-66C9CA2352CB}"/>
+                </a:ext>
+                <a:ext uri="{C183D7F6-B498-43B3-948B-1728B52AA6E4}">
+                  <adec:decorative xmlns:adec="http://schemas.microsoft.com/office/drawing/2017/decorative" val="1"/>
+                </a:ext>
+              </a:extLst>
+            </p:cNvPr>
+            <p:cNvSpPr/>
+            <p:nvPr>
+              <p:extLst>
+                <p:ext uri="{386F3935-93C4-4BCD-93E2-E3B085C9AB24}">
+                  <p16:designElem xmlns:p16="http://schemas.microsoft.com/office/powerpoint/2015/main" val="1"/>
+                </p:ext>
+              </p:extLst>
+            </p:nvPr>
+          </p:nvSpPr>
+          <p:spPr bwMode="auto">
+            <a:xfrm>
+              <a:off x="128587" y="1382713"/>
+              <a:ext cx="142875" cy="476250"/>
+            </a:xfrm>
+            <a:custGeom>
+              <a:avLst/>
+              <a:gdLst/>
+              <a:ahLst/>
+              <a:cxnLst/>
+              <a:rect l="0" t="0" r="r" b="b"/>
+              <a:pathLst>
+                <a:path w="90" h="300">
+                  <a:moveTo>
+                    <a:pt x="90" y="300"/>
+                  </a:moveTo>
+                  <a:lnTo>
+                    <a:pt x="78" y="300"/>
+                  </a:lnTo>
+                  <a:lnTo>
+                    <a:pt x="78" y="84"/>
+                  </a:lnTo>
+                  <a:lnTo>
+                    <a:pt x="0" y="9"/>
+                  </a:lnTo>
+                  <a:lnTo>
+                    <a:pt x="9" y="0"/>
+                  </a:lnTo>
+                  <a:lnTo>
+                    <a:pt x="90" y="81"/>
+                  </a:lnTo>
+                  <a:lnTo>
+                    <a:pt x="90" y="300"/>
+                  </a:lnTo>
+                  <a:close/>
+                </a:path>
+              </a:pathLst>
+            </a:custGeom>
+            <a:grpFill/>
+            <a:ln>
+              <a:noFill/>
+            </a:ln>
+            <a:extLst>
+              <a:ext uri="{91240B29-F687-4f45-9708-019B960494DF}">
+                <a14:hiddenLine xmlns:a14="http://schemas.microsoft.com/office/drawing/2010/main" xmlns:p14="http://schemas.microsoft.com/office/powerpoint/2010/main" xmlns:a16="http://schemas.microsoft.com/office/drawing/2014/main" xmlns="" w="9525">
+                  <a:solidFill>
+                    <a:srgbClr val="000000"/>
+                  </a:solidFill>
+                  <a:round/>
+                  <a:headEnd/>
+                  <a:tailEnd/>
+                </a14:hiddenLine>
+              </a:ext>
+            </a:extLst>
+          </p:spPr>
+        </p:sp>
+        <p:sp>
+          <p:nvSpPr>
+            <p:cNvPr id="67" name="Freeform 20">
+              <a:extLst>
+                <a:ext uri="{FF2B5EF4-FFF2-40B4-BE49-F238E27FC236}">
+                  <a16:creationId xmlns:a16="http://schemas.microsoft.com/office/drawing/2014/main" id="{6C8C8ED4-90FA-4E97-AAF0-D5D51E6A935E}"/>
+                </a:ext>
+                <a:ext uri="{C183D7F6-B498-43B3-948B-1728B52AA6E4}">
+                  <adec:decorative xmlns:adec="http://schemas.microsoft.com/office/drawing/2017/decorative" val="1"/>
+                </a:ext>
+              </a:extLst>
+            </p:cNvPr>
+            <p:cNvSpPr>
+              <a:spLocks noEditPoints="1"/>
+            </p:cNvSpPr>
+            <p:nvPr>
+              <p:extLst>
+                <p:ext uri="{386F3935-93C4-4BCD-93E2-E3B085C9AB24}">
+                  <p16:designElem xmlns:p16="http://schemas.microsoft.com/office/powerpoint/2015/main" val="1"/>
+                </p:ext>
+              </p:extLst>
+            </p:nvPr>
+          </p:nvSpPr>
+          <p:spPr bwMode="auto">
+            <a:xfrm>
+              <a:off x="204787" y="1849438"/>
+              <a:ext cx="114300" cy="107950"/>
+            </a:xfrm>
+            <a:custGeom>
+              <a:avLst/>
+              <a:gdLst/>
+              <a:ahLst/>
+              <a:cxnLst/>
+              <a:rect l="0" t="0" r="r" b="b"/>
+              <a:pathLst>
+                <a:path w="24" h="23">
+                  <a:moveTo>
+                    <a:pt x="12" y="23"/>
+                  </a:moveTo>
+                  <a:cubicBezTo>
+                    <a:pt x="6" y="23"/>
+                    <a:pt x="0" y="18"/>
+                    <a:pt x="0" y="12"/>
+                  </a:cubicBezTo>
+                  <a:cubicBezTo>
+                    <a:pt x="0" y="5"/>
+                    <a:pt x="6" y="0"/>
+                    <a:pt x="12" y="0"/>
+                  </a:cubicBezTo>
+                  <a:cubicBezTo>
+                    <a:pt x="18" y="0"/>
+                    <a:pt x="24" y="5"/>
+                    <a:pt x="24" y="12"/>
+                  </a:cubicBezTo>
+                  <a:cubicBezTo>
+                    <a:pt x="24" y="18"/>
+                    <a:pt x="18" y="23"/>
+                    <a:pt x="12" y="23"/>
+                  </a:cubicBezTo>
+                  <a:close/>
+                  <a:moveTo>
+                    <a:pt x="12" y="4"/>
+                  </a:moveTo>
+                  <a:cubicBezTo>
+                    <a:pt x="8" y="4"/>
+                    <a:pt x="4" y="8"/>
+                    <a:pt x="4" y="12"/>
+                  </a:cubicBezTo>
+                  <a:cubicBezTo>
+                    <a:pt x="4" y="16"/>
+                    <a:pt x="8" y="19"/>
+                    <a:pt x="12" y="19"/>
+                  </a:cubicBezTo>
+                  <a:cubicBezTo>
+                    <a:pt x="16" y="19"/>
+                    <a:pt x="20" y="16"/>
+                    <a:pt x="20" y="12"/>
+                  </a:cubicBezTo>
+                  <a:cubicBezTo>
+                    <a:pt x="20" y="8"/>
+                    <a:pt x="16" y="4"/>
+                    <a:pt x="12" y="4"/>
+                  </a:cubicBezTo>
+                  <a:close/>
+                </a:path>
+              </a:pathLst>
+            </a:custGeom>
+            <a:grpFill/>
+            <a:ln>
+              <a:noFill/>
+            </a:ln>
+            <a:extLst>
+              <a:ext uri="{91240B29-F687-4f45-9708-019B960494DF}">
+                <a14:hiddenLine xmlns:a14="http://schemas.microsoft.com/office/drawing/2010/main" xmlns:p14="http://schemas.microsoft.com/office/powerpoint/2010/main" xmlns:a16="http://schemas.microsoft.com/office/drawing/2014/main" xmlns="" w="9525">
+                  <a:solidFill>
+                    <a:srgbClr val="000000"/>
+                  </a:solidFill>
+                  <a:round/>
+                  <a:headEnd/>
+                  <a:tailEnd/>
+                </a14:hiddenLine>
+              </a:ext>
+            </a:extLst>
+          </p:spPr>
+        </p:sp>
+        <p:sp>
+          <p:nvSpPr>
+            <p:cNvPr id="68" name="Rectangle 21">
+              <a:extLst>
+                <a:ext uri="{FF2B5EF4-FFF2-40B4-BE49-F238E27FC236}">
+                  <a16:creationId xmlns:a16="http://schemas.microsoft.com/office/drawing/2014/main" id="{6C5EB9C1-B25F-4172-8A96-5950ECC828FC}"/>
+                </a:ext>
+                <a:ext uri="{C183D7F6-B498-43B3-948B-1728B52AA6E4}">
+                  <adec:decorative xmlns:adec="http://schemas.microsoft.com/office/drawing/2017/decorative" val="1"/>
+                </a:ext>
+              </a:extLst>
+            </p:cNvPr>
+            <p:cNvSpPr>
+              <a:spLocks noChangeArrowheads="1"/>
+            </p:cNvSpPr>
+            <p:nvPr>
+              <p:extLst>
+                <p:ext uri="{386F3935-93C4-4BCD-93E2-E3B085C9AB24}">
+                  <p16:designElem xmlns:p16="http://schemas.microsoft.com/office/powerpoint/2015/main" val="1"/>
+                </p:ext>
+              </p:extLst>
+            </p:nvPr>
+          </p:nvSpPr>
+          <p:spPr bwMode="auto">
+            <a:xfrm>
+              <a:off x="133350" y="4662488"/>
+              <a:ext cx="23813" cy="2181225"/>
+            </a:xfrm>
+            <a:prstGeom prst="rect">
+              <a:avLst/>
+            </a:prstGeom>
+            <a:grpFill/>
+            <a:ln>
+              <a:noFill/>
+            </a:ln>
+            <a:extLst>
+              <a:ext uri="{91240B29-F687-4f45-9708-019B960494DF}">
+                <a14:hiddenLine xmlns:a14="http://schemas.microsoft.com/office/drawing/2010/main" xmlns:p14="http://schemas.microsoft.com/office/powerpoint/2010/main" xmlns:a16="http://schemas.microsoft.com/office/drawing/2014/main" xmlns="" w="9525">
+                  <a:solidFill>
+                    <a:srgbClr val="000000"/>
+                  </a:solidFill>
+                  <a:miter lim="800000"/>
+                  <a:headEnd/>
+                  <a:tailEnd/>
+                </a14:hiddenLine>
+              </a:ext>
+            </a:extLst>
+          </p:spPr>
+        </p:sp>
+        <p:sp>
+          <p:nvSpPr>
+            <p:cNvPr id="69" name="Freeform 22">
+              <a:extLst>
+                <a:ext uri="{FF2B5EF4-FFF2-40B4-BE49-F238E27FC236}">
+                  <a16:creationId xmlns:a16="http://schemas.microsoft.com/office/drawing/2014/main" id="{097E6E8A-9373-4655-882B-21715CCE97EE}"/>
+                </a:ext>
+                <a:ext uri="{C183D7F6-B498-43B3-948B-1728B52AA6E4}">
+                  <adec:decorative xmlns:adec="http://schemas.microsoft.com/office/drawing/2017/decorative" val="1"/>
+                </a:ext>
+              </a:extLst>
+            </p:cNvPr>
+            <p:cNvSpPr/>
+            <p:nvPr>
+              <p:extLst>
+                <p:ext uri="{386F3935-93C4-4BCD-93E2-E3B085C9AB24}">
+                  <p16:designElem xmlns:p16="http://schemas.microsoft.com/office/powerpoint/2015/main" val="1"/>
+                </p:ext>
+              </p:extLst>
+            </p:nvPr>
+          </p:nvSpPr>
+          <p:spPr bwMode="auto">
+            <a:xfrm>
+              <a:off x="223837" y="5041900"/>
+              <a:ext cx="369888" cy="1801813"/>
+            </a:xfrm>
+            <a:custGeom>
+              <a:avLst/>
+              <a:gdLst/>
+              <a:ahLst/>
+              <a:cxnLst/>
+              <a:rect l="0" t="0" r="r" b="b"/>
+              <a:pathLst>
+                <a:path w="233" h="1135">
+                  <a:moveTo>
+                    <a:pt x="15" y="1135"/>
+                  </a:moveTo>
+                  <a:lnTo>
+                    <a:pt x="0" y="1135"/>
+                  </a:lnTo>
+                  <a:lnTo>
+                    <a:pt x="0" y="515"/>
+                  </a:lnTo>
+                  <a:lnTo>
+                    <a:pt x="0" y="512"/>
+                  </a:lnTo>
+                  <a:lnTo>
+                    <a:pt x="218" y="0"/>
+                  </a:lnTo>
+                  <a:lnTo>
+                    <a:pt x="233" y="6"/>
+                  </a:lnTo>
+                  <a:lnTo>
+                    <a:pt x="15" y="518"/>
+                  </a:lnTo>
+                  <a:lnTo>
+                    <a:pt x="15" y="1135"/>
+                  </a:lnTo>
+                  <a:close/>
+                </a:path>
+              </a:pathLst>
+            </a:custGeom>
+            <a:grpFill/>
+            <a:ln>
+              <a:noFill/>
+            </a:ln>
+            <a:extLst>
+              <a:ext uri="{91240B29-F687-4f45-9708-019B960494DF}">
+                <a14:hiddenLine xmlns:a14="http://schemas.microsoft.com/office/drawing/2010/main" xmlns:p14="http://schemas.microsoft.com/office/powerpoint/2010/main" xmlns:a16="http://schemas.microsoft.com/office/drawing/2014/main" xmlns="" w="9525">
+                  <a:solidFill>
+                    <a:srgbClr val="000000"/>
+                  </a:solidFill>
+                  <a:round/>
+                  <a:headEnd/>
+                  <a:tailEnd/>
+                </a14:hiddenLine>
+              </a:ext>
+            </a:extLst>
+          </p:spPr>
+        </p:sp>
+        <p:sp>
+          <p:nvSpPr>
+            <p:cNvPr id="70" name="Freeform 23">
+              <a:extLst>
+                <a:ext uri="{FF2B5EF4-FFF2-40B4-BE49-F238E27FC236}">
+                  <a16:creationId xmlns:a16="http://schemas.microsoft.com/office/drawing/2014/main" id="{EB8CC766-1206-4372-ACAF-8230AF4D5421}"/>
+                </a:ext>
+                <a:ext uri="{C183D7F6-B498-43B3-948B-1728B52AA6E4}">
+                  <adec:decorative xmlns:adec="http://schemas.microsoft.com/office/drawing/2017/decorative" val="1"/>
+                </a:ext>
+              </a:extLst>
+            </p:cNvPr>
+            <p:cNvSpPr>
+              <a:spLocks noEditPoints="1"/>
+            </p:cNvSpPr>
+            <p:nvPr>
+              <p:extLst>
+                <p:ext uri="{386F3935-93C4-4BCD-93E2-E3B085C9AB24}">
+                  <p16:designElem xmlns:p16="http://schemas.microsoft.com/office/powerpoint/2015/main" val="1"/>
+                </p:ext>
+              </p:extLst>
+            </p:nvPr>
+          </p:nvSpPr>
+          <p:spPr bwMode="auto">
+            <a:xfrm>
+              <a:off x="52387" y="4481513"/>
+              <a:ext cx="190500" cy="190500"/>
+            </a:xfrm>
+            <a:custGeom>
+              <a:avLst/>
+              <a:gdLst/>
+              <a:ahLst/>
+              <a:cxnLst/>
+              <a:rect l="0" t="0" r="r" b="b"/>
+              <a:pathLst>
+                <a:path w="40" h="40">
+                  <a:moveTo>
+                    <a:pt x="20" y="40"/>
+                  </a:moveTo>
+                  <a:cubicBezTo>
+                    <a:pt x="9" y="40"/>
+                    <a:pt x="0" y="31"/>
+                    <a:pt x="0" y="20"/>
+                  </a:cubicBezTo>
+                  <a:cubicBezTo>
+                    <a:pt x="0" y="9"/>
+                    <a:pt x="9" y="0"/>
+                    <a:pt x="20" y="0"/>
+                  </a:cubicBezTo>
+                  <a:cubicBezTo>
+                    <a:pt x="31" y="0"/>
+                    <a:pt x="40" y="9"/>
+                    <a:pt x="40" y="20"/>
+                  </a:cubicBezTo>
+                  <a:cubicBezTo>
+                    <a:pt x="40" y="31"/>
+                    <a:pt x="31" y="40"/>
+                    <a:pt x="20" y="40"/>
+                  </a:cubicBezTo>
+                  <a:close/>
+                  <a:moveTo>
+                    <a:pt x="20" y="4"/>
+                  </a:moveTo>
+                  <a:cubicBezTo>
+                    <a:pt x="11" y="4"/>
+                    <a:pt x="4" y="11"/>
+                    <a:pt x="4" y="20"/>
+                  </a:cubicBezTo>
+                  <a:cubicBezTo>
+                    <a:pt x="4" y="29"/>
+                    <a:pt x="11" y="36"/>
+                    <a:pt x="20" y="36"/>
+                  </a:cubicBezTo>
+                  <a:cubicBezTo>
+                    <a:pt x="28" y="36"/>
+                    <a:pt x="36" y="29"/>
+                    <a:pt x="36" y="20"/>
+                  </a:cubicBezTo>
+                  <a:cubicBezTo>
+                    <a:pt x="36" y="11"/>
+                    <a:pt x="28" y="4"/>
+                    <a:pt x="20" y="4"/>
+                  </a:cubicBezTo>
+                  <a:close/>
+                </a:path>
+              </a:pathLst>
+            </a:custGeom>
+            <a:grpFill/>
+            <a:ln>
+              <a:noFill/>
+            </a:ln>
+            <a:extLst>
+              <a:ext uri="{91240B29-F687-4f45-9708-019B960494DF}">
+                <a14:hiddenLine xmlns:a14="http://schemas.microsoft.com/office/drawing/2010/main" xmlns:p14="http://schemas.microsoft.com/office/powerpoint/2010/main" xmlns:a16="http://schemas.microsoft.com/office/drawing/2014/main" xmlns="" w="9525">
+                  <a:solidFill>
+                    <a:srgbClr val="000000"/>
+                  </a:solidFill>
+                  <a:round/>
+                  <a:headEnd/>
+                  <a:tailEnd/>
+                </a14:hiddenLine>
+              </a:ext>
+            </a:extLst>
+          </p:spPr>
+        </p:sp>
+        <p:sp>
+          <p:nvSpPr>
+            <p:cNvPr id="71" name="Freeform 24">
+              <a:extLst>
+                <a:ext uri="{FF2B5EF4-FFF2-40B4-BE49-F238E27FC236}">
+                  <a16:creationId xmlns:a16="http://schemas.microsoft.com/office/drawing/2014/main" id="{1C8E2511-2489-47B2-9C19-C410910DD901}"/>
+                </a:ext>
+                <a:ext uri="{C183D7F6-B498-43B3-948B-1728B52AA6E4}">
+                  <adec:decorative xmlns:adec="http://schemas.microsoft.com/office/drawing/2017/decorative" val="1"/>
+                </a:ext>
+              </a:extLst>
+            </p:cNvPr>
+            <p:cNvSpPr/>
+            <p:nvPr>
+              <p:extLst>
+                <p:ext uri="{386F3935-93C4-4BCD-93E2-E3B085C9AB24}">
+                  <p16:designElem xmlns:p16="http://schemas.microsoft.com/office/powerpoint/2015/main" val="1"/>
+                </p:ext>
+              </p:extLst>
+            </p:nvPr>
+          </p:nvSpPr>
+          <p:spPr bwMode="auto">
+            <a:xfrm>
+              <a:off x="-14288" y="5627688"/>
+              <a:ext cx="85725" cy="1216025"/>
+            </a:xfrm>
+            <a:custGeom>
+              <a:avLst/>
+              <a:gdLst/>
+              <a:ahLst/>
+              <a:cxnLst/>
+              <a:rect l="0" t="0" r="r" b="b"/>
+              <a:pathLst>
+                <a:path w="54" h="766">
+                  <a:moveTo>
+                    <a:pt x="54" y="766"/>
+                  </a:moveTo>
+                  <a:lnTo>
+                    <a:pt x="36" y="766"/>
+                  </a:lnTo>
+                  <a:lnTo>
+                    <a:pt x="36" y="149"/>
+                  </a:lnTo>
+                  <a:lnTo>
+                    <a:pt x="0" y="3"/>
+                  </a:lnTo>
+                  <a:lnTo>
+                    <a:pt x="18" y="0"/>
+                  </a:lnTo>
+                  <a:lnTo>
+                    <a:pt x="54" y="146"/>
+                  </a:lnTo>
+                  <a:lnTo>
+                    <a:pt x="54" y="766"/>
+                  </a:lnTo>
+                  <a:close/>
+                </a:path>
+              </a:pathLst>
+            </a:custGeom>
+            <a:grpFill/>
+            <a:ln>
+              <a:noFill/>
+            </a:ln>
+            <a:extLst>
+              <a:ext uri="{91240B29-F687-4f45-9708-019B960494DF}">
+                <a14:hiddenLine xmlns:a14="http://schemas.microsoft.com/office/drawing/2010/main" xmlns:p14="http://schemas.microsoft.com/office/powerpoint/2010/main" xmlns:a16="http://schemas.microsoft.com/office/drawing/2014/main" xmlns="" w="9525">
+                  <a:solidFill>
+                    <a:srgbClr val="000000"/>
+                  </a:solidFill>
+                  <a:round/>
+                  <a:headEnd/>
+                  <a:tailEnd/>
+                </a14:hiddenLine>
+              </a:ext>
+            </a:extLst>
+          </p:spPr>
+        </p:sp>
+        <p:sp>
+          <p:nvSpPr>
+            <p:cNvPr id="72" name="Freeform 25">
+              <a:extLst>
+                <a:ext uri="{FF2B5EF4-FFF2-40B4-BE49-F238E27FC236}">
+                  <a16:creationId xmlns:a16="http://schemas.microsoft.com/office/drawing/2014/main" id="{D7820196-0A47-47EF-832C-A688E8977D60}"/>
+                </a:ext>
+                <a:ext uri="{C183D7F6-B498-43B3-948B-1728B52AA6E4}">
+                  <adec:decorative xmlns:adec="http://schemas.microsoft.com/office/drawing/2017/decorative" val="1"/>
+                </a:ext>
+              </a:extLst>
+            </p:cNvPr>
+            <p:cNvSpPr>
+              <a:spLocks noEditPoints="1"/>
+            </p:cNvSpPr>
+            <p:nvPr>
+              <p:extLst>
+                <p:ext uri="{386F3935-93C4-4BCD-93E2-E3B085C9AB24}">
+                  <p16:designElem xmlns:p16="http://schemas.microsoft.com/office/powerpoint/2015/main" val="1"/>
+                </p:ext>
+              </p:extLst>
+            </p:nvPr>
+          </p:nvSpPr>
+          <p:spPr bwMode="auto">
+            <a:xfrm>
+              <a:off x="527050" y="4867275"/>
+              <a:ext cx="190500" cy="188913"/>
+            </a:xfrm>
+            <a:custGeom>
+              <a:avLst/>
+              <a:gdLst/>
+              <a:ahLst/>
+              <a:cxnLst/>
+              <a:rect l="0" t="0" r="r" b="b"/>
+              <a:pathLst>
+                <a:path w="40" h="40">
+                  <a:moveTo>
+                    <a:pt x="20" y="40"/>
+                  </a:moveTo>
+                  <a:cubicBezTo>
+                    <a:pt x="9" y="40"/>
+                    <a:pt x="0" y="31"/>
+                    <a:pt x="0" y="20"/>
+                  </a:cubicBezTo>
+                  <a:cubicBezTo>
+                    <a:pt x="0" y="9"/>
+                    <a:pt x="9" y="0"/>
+                    <a:pt x="20" y="0"/>
+                  </a:cubicBezTo>
+                  <a:cubicBezTo>
+                    <a:pt x="31" y="0"/>
+                    <a:pt x="40" y="9"/>
+                    <a:pt x="40" y="20"/>
+                  </a:cubicBezTo>
+                  <a:cubicBezTo>
+                    <a:pt x="40" y="31"/>
+                    <a:pt x="31" y="40"/>
+                    <a:pt x="20" y="40"/>
+                  </a:cubicBezTo>
+                  <a:close/>
+                  <a:moveTo>
+                    <a:pt x="20" y="4"/>
+                  </a:moveTo>
+                  <a:cubicBezTo>
+                    <a:pt x="11" y="4"/>
+                    <a:pt x="4" y="11"/>
+                    <a:pt x="4" y="20"/>
+                  </a:cubicBezTo>
+                  <a:cubicBezTo>
+                    <a:pt x="4" y="29"/>
+                    <a:pt x="11" y="36"/>
+                    <a:pt x="20" y="36"/>
+                  </a:cubicBezTo>
+                  <a:cubicBezTo>
+                    <a:pt x="29" y="36"/>
+                    <a:pt x="36" y="29"/>
+                    <a:pt x="36" y="20"/>
+                  </a:cubicBezTo>
+                  <a:cubicBezTo>
+                    <a:pt x="36" y="11"/>
+                    <a:pt x="29" y="4"/>
+                    <a:pt x="20" y="4"/>
+                  </a:cubicBezTo>
+                  <a:close/>
+                </a:path>
+              </a:pathLst>
+            </a:custGeom>
+            <a:grpFill/>
+            <a:ln>
+              <a:noFill/>
+            </a:ln>
+            <a:extLst>
+              <a:ext uri="{91240B29-F687-4f45-9708-019B960494DF}">
+                <a14:hiddenLine xmlns:a14="http://schemas.microsoft.com/office/drawing/2010/main" xmlns:p14="http://schemas.microsoft.com/office/powerpoint/2010/main" xmlns:a16="http://schemas.microsoft.com/office/drawing/2014/main" xmlns="" w="9525">
+                  <a:solidFill>
+                    <a:srgbClr val="000000"/>
+                  </a:solidFill>
+                  <a:round/>
+                  <a:headEnd/>
+                  <a:tailEnd/>
+                </a14:hiddenLine>
+              </a:ext>
+            </a:extLst>
+          </p:spPr>
+        </p:sp>
+        <p:sp>
+          <p:nvSpPr>
+            <p:cNvPr id="73" name="Freeform 26">
+              <a:extLst>
+                <a:ext uri="{FF2B5EF4-FFF2-40B4-BE49-F238E27FC236}">
+                  <a16:creationId xmlns:a16="http://schemas.microsoft.com/office/drawing/2014/main" id="{4982E0BF-34AE-48A3-AD6B-E0F3CD05DB34}"/>
+                </a:ext>
+                <a:ext uri="{C183D7F6-B498-43B3-948B-1728B52AA6E4}">
+                  <adec:decorative xmlns:adec="http://schemas.microsoft.com/office/drawing/2017/decorative" val="1"/>
+                </a:ext>
+              </a:extLst>
+            </p:cNvPr>
+            <p:cNvSpPr/>
+            <p:nvPr>
+              <p:extLst>
+                <p:ext uri="{386F3935-93C4-4BCD-93E2-E3B085C9AB24}">
+                  <p16:designElem xmlns:p16="http://schemas.microsoft.com/office/powerpoint/2015/main" val="1"/>
+                </p:ext>
+              </p:extLst>
+            </p:nvPr>
+          </p:nvSpPr>
+          <p:spPr bwMode="auto">
+            <a:xfrm>
+              <a:off x="309562" y="5422900"/>
+              <a:ext cx="374650" cy="1425575"/>
+            </a:xfrm>
+            <a:custGeom>
+              <a:avLst/>
+              <a:gdLst/>
+              <a:ahLst/>
+              <a:cxnLst/>
+              <a:rect l="0" t="0" r="r" b="b"/>
+              <a:pathLst>
+                <a:path w="236" h="898">
+                  <a:moveTo>
+                    <a:pt x="18" y="898"/>
+                  </a:moveTo>
+                  <a:lnTo>
+                    <a:pt x="0" y="898"/>
+                  </a:lnTo>
+                  <a:lnTo>
+                    <a:pt x="0" y="515"/>
+                  </a:lnTo>
+                  <a:lnTo>
+                    <a:pt x="3" y="512"/>
+                  </a:lnTo>
+                  <a:lnTo>
+                    <a:pt x="221" y="0"/>
+                  </a:lnTo>
+                  <a:lnTo>
+                    <a:pt x="236" y="6"/>
+                  </a:lnTo>
+                  <a:lnTo>
+                    <a:pt x="18" y="518"/>
+                  </a:lnTo>
+                  <a:lnTo>
+                    <a:pt x="18" y="898"/>
+                  </a:lnTo>
+                  <a:close/>
+                </a:path>
+              </a:pathLst>
+            </a:custGeom>
+            <a:grpFill/>
+            <a:ln>
+              <a:noFill/>
+            </a:ln>
+            <a:extLst>
+              <a:ext uri="{91240B29-F687-4f45-9708-019B960494DF}">
+                <a14:hiddenLine xmlns:a14="http://schemas.microsoft.com/office/drawing/2010/main" xmlns:p14="http://schemas.microsoft.com/office/powerpoint/2010/main" xmlns:a16="http://schemas.microsoft.com/office/drawing/2014/main" xmlns="" w="9525">
+                  <a:solidFill>
+                    <a:srgbClr val="000000"/>
+                  </a:solidFill>
+                  <a:round/>
+                  <a:headEnd/>
+                  <a:tailEnd/>
+                </a14:hiddenLine>
+              </a:ext>
+            </a:extLst>
+          </p:spPr>
+        </p:sp>
+        <p:sp>
+          <p:nvSpPr>
+            <p:cNvPr id="74" name="Freeform 27">
+              <a:extLst>
+                <a:ext uri="{FF2B5EF4-FFF2-40B4-BE49-F238E27FC236}">
+                  <a16:creationId xmlns:a16="http://schemas.microsoft.com/office/drawing/2014/main" id="{CD34643B-9DF2-4310-8868-48252C3393F0}"/>
+                </a:ext>
+                <a:ext uri="{C183D7F6-B498-43B3-948B-1728B52AA6E4}">
+                  <adec:decorative xmlns:adec="http://schemas.microsoft.com/office/drawing/2017/decorative" val="1"/>
+                </a:ext>
+              </a:extLst>
+            </p:cNvPr>
+            <p:cNvSpPr/>
+            <p:nvPr>
+              <p:extLst>
+                <p:ext uri="{386F3935-93C4-4BCD-93E2-E3B085C9AB24}">
+                  <p16:designElem xmlns:p16="http://schemas.microsoft.com/office/powerpoint/2015/main" val="1"/>
+                </p:ext>
+              </p:extLst>
+            </p:nvPr>
+          </p:nvSpPr>
+          <p:spPr bwMode="auto">
+            <a:xfrm>
+              <a:off x="569912" y="5945188"/>
+              <a:ext cx="152400" cy="912813"/>
+            </a:xfrm>
+            <a:custGeom>
+              <a:avLst/>
+              <a:gdLst/>
+              <a:ahLst/>
+              <a:cxnLst/>
+              <a:rect l="0" t="0" r="r" b="b"/>
+              <a:pathLst>
+                <a:path w="96" h="575">
+                  <a:moveTo>
+                    <a:pt x="15" y="575"/>
+                  </a:moveTo>
+                  <a:lnTo>
+                    <a:pt x="0" y="569"/>
+                  </a:lnTo>
+                  <a:lnTo>
+                    <a:pt x="81" y="383"/>
+                  </a:lnTo>
+                  <a:lnTo>
+                    <a:pt x="81" y="0"/>
+                  </a:lnTo>
+                  <a:lnTo>
+                    <a:pt x="96" y="0"/>
+                  </a:lnTo>
+                  <a:lnTo>
+                    <a:pt x="96" y="386"/>
+                  </a:lnTo>
+                  <a:lnTo>
+                    <a:pt x="15" y="575"/>
+                  </a:lnTo>
+                  <a:close/>
+                </a:path>
+              </a:pathLst>
+            </a:custGeom>
+            <a:grpFill/>
+            <a:ln>
+              <a:noFill/>
+            </a:ln>
+            <a:extLst>
+              <a:ext uri="{91240B29-F687-4f45-9708-019B960494DF}">
+                <a14:hiddenLine xmlns:a14="http://schemas.microsoft.com/office/drawing/2010/main" xmlns:p14="http://schemas.microsoft.com/office/powerpoint/2010/main" xmlns:a16="http://schemas.microsoft.com/office/drawing/2014/main" xmlns="" w="9525">
+                  <a:solidFill>
+                    <a:srgbClr val="000000"/>
+                  </a:solidFill>
+                  <a:round/>
+                  <a:headEnd/>
+                  <a:tailEnd/>
+                </a14:hiddenLine>
+              </a:ext>
+            </a:extLst>
+          </p:spPr>
+        </p:sp>
+        <p:sp>
+          <p:nvSpPr>
+            <p:cNvPr id="75" name="Freeform 28">
+              <a:extLst>
+                <a:ext uri="{FF2B5EF4-FFF2-40B4-BE49-F238E27FC236}">
+                  <a16:creationId xmlns:a16="http://schemas.microsoft.com/office/drawing/2014/main" id="{4E020C4E-AF64-44A8-B830-779541D8D549}"/>
+                </a:ext>
+                <a:ext uri="{C183D7F6-B498-43B3-948B-1728B52AA6E4}">
+                  <adec:decorative xmlns:adec="http://schemas.microsoft.com/office/drawing/2017/decorative" val="1"/>
+                </a:ext>
+              </a:extLst>
+            </p:cNvPr>
+            <p:cNvSpPr>
+              <a:spLocks noEditPoints="1"/>
+            </p:cNvSpPr>
+            <p:nvPr>
+              <p:extLst>
+                <p:ext uri="{386F3935-93C4-4BCD-93E2-E3B085C9AB24}">
+                  <p16:designElem xmlns:p16="http://schemas.microsoft.com/office/powerpoint/2015/main" val="1"/>
+                </p:ext>
+              </p:extLst>
+            </p:nvPr>
+          </p:nvSpPr>
+          <p:spPr bwMode="auto">
+            <a:xfrm>
+              <a:off x="612775" y="5246688"/>
+              <a:ext cx="190500" cy="190500"/>
+            </a:xfrm>
+            <a:custGeom>
+              <a:avLst/>
+              <a:gdLst/>
+              <a:ahLst/>
+              <a:cxnLst/>
+              <a:rect l="0" t="0" r="r" b="b"/>
+              <a:pathLst>
+                <a:path w="40" h="40">
+                  <a:moveTo>
+                    <a:pt x="20" y="40"/>
+                  </a:moveTo>
+                  <a:cubicBezTo>
+                    <a:pt x="9" y="40"/>
+                    <a:pt x="0" y="31"/>
+                    <a:pt x="0" y="20"/>
+                  </a:cubicBezTo>
+                  <a:cubicBezTo>
+                    <a:pt x="0" y="9"/>
+                    <a:pt x="9" y="0"/>
+                    <a:pt x="20" y="0"/>
+                  </a:cubicBezTo>
+                  <a:cubicBezTo>
+                    <a:pt x="31" y="0"/>
+                    <a:pt x="40" y="9"/>
+                    <a:pt x="40" y="20"/>
+                  </a:cubicBezTo>
+                  <a:cubicBezTo>
+                    <a:pt x="40" y="31"/>
+                    <a:pt x="31" y="40"/>
+                    <a:pt x="20" y="40"/>
+                  </a:cubicBezTo>
+                  <a:close/>
+                  <a:moveTo>
+                    <a:pt x="20" y="4"/>
+                  </a:moveTo>
+                  <a:cubicBezTo>
+                    <a:pt x="12" y="4"/>
+                    <a:pt x="4" y="11"/>
+                    <a:pt x="4" y="20"/>
+                  </a:cubicBezTo>
+                  <a:cubicBezTo>
+                    <a:pt x="4" y="29"/>
+                    <a:pt x="12" y="36"/>
+                    <a:pt x="20" y="36"/>
+                  </a:cubicBezTo>
+                  <a:cubicBezTo>
+                    <a:pt x="29" y="36"/>
+                    <a:pt x="36" y="29"/>
+                    <a:pt x="36" y="20"/>
+                  </a:cubicBezTo>
+                  <a:cubicBezTo>
+                    <a:pt x="36" y="11"/>
+                    <a:pt x="29" y="4"/>
+                    <a:pt x="20" y="4"/>
+                  </a:cubicBezTo>
+                  <a:close/>
+                </a:path>
+              </a:pathLst>
+            </a:custGeom>
+            <a:grpFill/>
+            <a:ln>
+              <a:noFill/>
+            </a:ln>
+            <a:extLst>
+              <a:ext uri="{91240B29-F687-4f45-9708-019B960494DF}">
+                <a14:hiddenLine xmlns:a14="http://schemas.microsoft.com/office/drawing/2010/main" xmlns:p14="http://schemas.microsoft.com/office/powerpoint/2010/main" xmlns:a16="http://schemas.microsoft.com/office/drawing/2014/main" xmlns="" w="9525">
+                  <a:solidFill>
+                    <a:srgbClr val="000000"/>
+                  </a:solidFill>
+                  <a:round/>
+                  <a:headEnd/>
+                  <a:tailEnd/>
+                </a14:hiddenLine>
+              </a:ext>
+            </a:extLst>
+          </p:spPr>
+        </p:sp>
+        <p:sp>
+          <p:nvSpPr>
+            <p:cNvPr id="76" name="Freeform 29">
+              <a:extLst>
+                <a:ext uri="{FF2B5EF4-FFF2-40B4-BE49-F238E27FC236}">
+                  <a16:creationId xmlns:a16="http://schemas.microsoft.com/office/drawing/2014/main" id="{D97BC3D3-B1B3-4825-9169-BBEF1DBCF055}"/>
+                </a:ext>
+                <a:ext uri="{C183D7F6-B498-43B3-948B-1728B52AA6E4}">
+                  <adec:decorative xmlns:adec="http://schemas.microsoft.com/office/drawing/2017/decorative" val="1"/>
+                </a:ext>
+              </a:extLst>
+            </p:cNvPr>
+            <p:cNvSpPr>
+              <a:spLocks noEditPoints="1"/>
+            </p:cNvSpPr>
+            <p:nvPr>
+              <p:extLst>
+                <p:ext uri="{386F3935-93C4-4BCD-93E2-E3B085C9AB24}">
+                  <p16:designElem xmlns:p16="http://schemas.microsoft.com/office/powerpoint/2015/main" val="1"/>
+                </p:ext>
+              </p:extLst>
+            </p:nvPr>
+          </p:nvSpPr>
+          <p:spPr bwMode="auto">
+            <a:xfrm>
+              <a:off x="612775" y="5764213"/>
+              <a:ext cx="190500" cy="190500"/>
+            </a:xfrm>
+            <a:custGeom>
+              <a:avLst/>
+              <a:gdLst/>
+              <a:ahLst/>
+              <a:cxnLst/>
+              <a:rect l="0" t="0" r="r" b="b"/>
+              <a:pathLst>
+                <a:path w="40" h="40">
+                  <a:moveTo>
+                    <a:pt x="20" y="40"/>
+                  </a:moveTo>
+                  <a:cubicBezTo>
+                    <a:pt x="9" y="40"/>
+                    <a:pt x="0" y="31"/>
+                    <a:pt x="0" y="20"/>
+                  </a:cubicBezTo>
+                  <a:cubicBezTo>
+                    <a:pt x="0" y="9"/>
+                    <a:pt x="9" y="0"/>
+                    <a:pt x="20" y="0"/>
+                  </a:cubicBezTo>
+                  <a:cubicBezTo>
+                    <a:pt x="31" y="0"/>
+                    <a:pt x="40" y="9"/>
+                    <a:pt x="40" y="20"/>
+                  </a:cubicBezTo>
+                  <a:cubicBezTo>
+                    <a:pt x="40" y="31"/>
+                    <a:pt x="31" y="40"/>
+                    <a:pt x="20" y="40"/>
+                  </a:cubicBezTo>
+                  <a:close/>
+                  <a:moveTo>
+                    <a:pt x="20" y="4"/>
+                  </a:moveTo>
+                  <a:cubicBezTo>
+                    <a:pt x="12" y="4"/>
+                    <a:pt x="4" y="11"/>
+                    <a:pt x="4" y="20"/>
+                  </a:cubicBezTo>
+                  <a:cubicBezTo>
+                    <a:pt x="4" y="29"/>
+                    <a:pt x="12" y="36"/>
+                    <a:pt x="20" y="36"/>
+                  </a:cubicBezTo>
+                  <a:cubicBezTo>
+                    <a:pt x="29" y="36"/>
+                    <a:pt x="36" y="29"/>
+                    <a:pt x="36" y="20"/>
+                  </a:cubicBezTo>
+                  <a:cubicBezTo>
+                    <a:pt x="36" y="11"/>
+                    <a:pt x="29" y="4"/>
+                    <a:pt x="20" y="4"/>
+                  </a:cubicBezTo>
+                  <a:close/>
+                </a:path>
+              </a:pathLst>
+            </a:custGeom>
+            <a:grpFill/>
+            <a:ln>
+              <a:noFill/>
+            </a:ln>
+            <a:extLst>
+              <a:ext uri="{91240B29-F687-4f45-9708-019B960494DF}">
+                <a14:hiddenLine xmlns:a14="http://schemas.microsoft.com/office/drawing/2010/main" xmlns:p14="http://schemas.microsoft.com/office/powerpoint/2010/main" xmlns:a16="http://schemas.microsoft.com/office/drawing/2014/main" xmlns="" w="9525">
+                  <a:solidFill>
+                    <a:srgbClr val="000000"/>
+                  </a:solidFill>
+                  <a:round/>
+                  <a:headEnd/>
+                  <a:tailEnd/>
+                </a14:hiddenLine>
+              </a:ext>
+            </a:extLst>
+          </p:spPr>
+        </p:sp>
+        <p:sp>
+          <p:nvSpPr>
+            <p:cNvPr id="77" name="Freeform 30">
+              <a:extLst>
+                <a:ext uri="{FF2B5EF4-FFF2-40B4-BE49-F238E27FC236}">
+                  <a16:creationId xmlns:a16="http://schemas.microsoft.com/office/drawing/2014/main" id="{A750DC4F-1DAF-470E-98C6-6C68DEB93363}"/>
+                </a:ext>
+                <a:ext uri="{C183D7F6-B498-43B3-948B-1728B52AA6E4}">
+                  <adec:decorative xmlns:adec="http://schemas.microsoft.com/office/drawing/2017/decorative" val="1"/>
+                </a:ext>
+              </a:extLst>
+            </p:cNvPr>
+            <p:cNvSpPr/>
+            <p:nvPr>
+              <p:extLst>
+                <p:ext uri="{386F3935-93C4-4BCD-93E2-E3B085C9AB24}">
+                  <p16:designElem xmlns:p16="http://schemas.microsoft.com/office/powerpoint/2015/main" val="1"/>
+                </p:ext>
+              </p:extLst>
+            </p:nvPr>
+          </p:nvSpPr>
+          <p:spPr bwMode="auto">
+            <a:xfrm>
+              <a:off x="669925" y="6330950"/>
+              <a:ext cx="417513" cy="517525"/>
+            </a:xfrm>
+            <a:custGeom>
+              <a:avLst/>
+              <a:gdLst/>
+              <a:ahLst/>
+              <a:cxnLst/>
+              <a:rect l="0" t="0" r="r" b="b"/>
+              <a:pathLst>
+                <a:path w="263" h="326">
+                  <a:moveTo>
+                    <a:pt x="15" y="326"/>
+                  </a:moveTo>
+                  <a:lnTo>
+                    <a:pt x="0" y="320"/>
+                  </a:lnTo>
+                  <a:lnTo>
+                    <a:pt x="45" y="206"/>
+                  </a:lnTo>
+                  <a:lnTo>
+                    <a:pt x="48" y="206"/>
+                  </a:lnTo>
+                  <a:lnTo>
+                    <a:pt x="254" y="0"/>
+                  </a:lnTo>
+                  <a:lnTo>
+                    <a:pt x="263" y="12"/>
+                  </a:lnTo>
+                  <a:lnTo>
+                    <a:pt x="60" y="215"/>
+                  </a:lnTo>
+                  <a:lnTo>
+                    <a:pt x="15" y="326"/>
+                  </a:lnTo>
+                  <a:close/>
+                </a:path>
+              </a:pathLst>
+            </a:custGeom>
+            <a:grpFill/>
+            <a:ln>
+              <a:noFill/>
+            </a:ln>
+            <a:extLst>
+              <a:ext uri="{91240B29-F687-4f45-9708-019B960494DF}">
+                <a14:hiddenLine xmlns:a14="http://schemas.microsoft.com/office/drawing/2010/main" xmlns:p14="http://schemas.microsoft.com/office/powerpoint/2010/main" xmlns:a16="http://schemas.microsoft.com/office/drawing/2014/main" xmlns="" w="9525">
+                  <a:solidFill>
+                    <a:srgbClr val="000000"/>
+                  </a:solidFill>
+                  <a:round/>
+                  <a:headEnd/>
+                  <a:tailEnd/>
+                </a14:hiddenLine>
+              </a:ext>
+            </a:extLst>
+          </p:spPr>
+        </p:sp>
+        <p:sp>
+          <p:nvSpPr>
+            <p:cNvPr id="81" name="Freeform 31">
+              <a:extLst>
+                <a:ext uri="{FF2B5EF4-FFF2-40B4-BE49-F238E27FC236}">
+                  <a16:creationId xmlns:a16="http://schemas.microsoft.com/office/drawing/2014/main" id="{2F99594A-5BBD-4E10-A818-8BE52B7D952C}"/>
+                </a:ext>
+                <a:ext uri="{C183D7F6-B498-43B3-948B-1728B52AA6E4}">
+                  <adec:decorative xmlns:adec="http://schemas.microsoft.com/office/drawing/2017/decorative" val="1"/>
+                </a:ext>
+              </a:extLst>
+            </p:cNvPr>
+            <p:cNvSpPr>
+              <a:spLocks noEditPoints="1"/>
+            </p:cNvSpPr>
+            <p:nvPr>
+              <p:extLst>
+                <p:ext uri="{386F3935-93C4-4BCD-93E2-E3B085C9AB24}">
+                  <p16:designElem xmlns:p16="http://schemas.microsoft.com/office/powerpoint/2015/main" val="1"/>
+                </p:ext>
+              </p:extLst>
+            </p:nvPr>
+          </p:nvSpPr>
+          <p:spPr bwMode="auto">
+            <a:xfrm>
+              <a:off x="1049337" y="6221413"/>
+              <a:ext cx="157163" cy="147638"/>
+            </a:xfrm>
+            <a:custGeom>
+              <a:avLst/>
+              <a:gdLst/>
+              <a:ahLst/>
+              <a:cxnLst/>
+              <a:rect l="0" t="0" r="r" b="b"/>
+              <a:pathLst>
+                <a:path w="33" h="31">
+                  <a:moveTo>
+                    <a:pt x="16" y="31"/>
+                  </a:moveTo>
+                  <a:cubicBezTo>
+                    <a:pt x="12" y="31"/>
+                    <a:pt x="8" y="29"/>
+                    <a:pt x="5" y="26"/>
+                  </a:cubicBezTo>
+                  <a:cubicBezTo>
+                    <a:pt x="2" y="24"/>
+                    <a:pt x="0" y="20"/>
+                    <a:pt x="0" y="15"/>
+                  </a:cubicBezTo>
+                  <a:cubicBezTo>
+                    <a:pt x="0" y="11"/>
+                    <a:pt x="2" y="7"/>
+                    <a:pt x="5" y="4"/>
+                  </a:cubicBezTo>
+                  <a:cubicBezTo>
+                    <a:pt x="8" y="1"/>
+                    <a:pt x="12" y="0"/>
+                    <a:pt x="16" y="0"/>
+                  </a:cubicBezTo>
+                  <a:cubicBezTo>
+                    <a:pt x="20" y="0"/>
+                    <a:pt x="24" y="1"/>
+                    <a:pt x="27" y="4"/>
+                  </a:cubicBezTo>
+                  <a:cubicBezTo>
+                    <a:pt x="33" y="10"/>
+                    <a:pt x="33" y="20"/>
+                    <a:pt x="27" y="26"/>
+                  </a:cubicBezTo>
+                  <a:cubicBezTo>
+                    <a:pt x="24" y="29"/>
+                    <a:pt x="20" y="31"/>
+                    <a:pt x="16" y="31"/>
+                  </a:cubicBezTo>
+                  <a:close/>
+                  <a:moveTo>
+                    <a:pt x="16" y="4"/>
+                  </a:moveTo>
+                  <a:cubicBezTo>
+                    <a:pt x="13" y="4"/>
+                    <a:pt x="10" y="5"/>
+                    <a:pt x="8" y="7"/>
+                  </a:cubicBezTo>
+                  <a:cubicBezTo>
+                    <a:pt x="6" y="9"/>
+                    <a:pt x="4" y="12"/>
+                    <a:pt x="4" y="15"/>
+                  </a:cubicBezTo>
+                  <a:cubicBezTo>
+                    <a:pt x="4" y="19"/>
+                    <a:pt x="6" y="21"/>
+                    <a:pt x="8" y="24"/>
+                  </a:cubicBezTo>
+                  <a:cubicBezTo>
+                    <a:pt x="10" y="26"/>
+                    <a:pt x="13" y="27"/>
+                    <a:pt x="16" y="27"/>
+                  </a:cubicBezTo>
+                  <a:cubicBezTo>
+                    <a:pt x="19" y="27"/>
+                    <a:pt x="22" y="26"/>
+                    <a:pt x="24" y="24"/>
+                  </a:cubicBezTo>
+                  <a:cubicBezTo>
+                    <a:pt x="29" y="19"/>
+                    <a:pt x="29" y="12"/>
+                    <a:pt x="24" y="7"/>
+                  </a:cubicBezTo>
+                  <a:cubicBezTo>
+                    <a:pt x="22" y="5"/>
+                    <a:pt x="19" y="4"/>
+                    <a:pt x="16" y="4"/>
+                  </a:cubicBezTo>
+                  <a:close/>
+                </a:path>
+              </a:pathLst>
+            </a:custGeom>
+            <a:grpFill/>
+            <a:ln>
+              <a:noFill/>
+            </a:ln>
+            <a:extLst>
+              <a:ext uri="{91240B29-F687-4f45-9708-019B960494DF}">
+                <a14:hiddenLine xmlns:a14="http://schemas.microsoft.com/office/drawing/2010/main" xmlns:p14="http://schemas.microsoft.com/office/powerpoint/2010/main" xmlns:a16="http://schemas.microsoft.com/office/drawing/2014/main" xmlns="" w="9525">
+                  <a:solidFill>
+                    <a:srgbClr val="000000"/>
+                  </a:solidFill>
+                  <a:round/>
+                  <a:headEnd/>
+                  <a:tailEnd/>
+                </a14:hiddenLine>
+              </a:ext>
+            </a:extLst>
+          </p:spPr>
+        </p:sp>
+      </p:grpSp>
+      <p:sp>
+        <p:nvSpPr>
+          <p:cNvPr id="3" name="Segnaposto piè di pagina 2">
+            <a:extLst>
+              <a:ext uri="{FF2B5EF4-FFF2-40B4-BE49-F238E27FC236}">
+                <a16:creationId xmlns:a16="http://schemas.microsoft.com/office/drawing/2014/main" id="{FBF7A850-89B1-4613-B321-7E0C5F557A91}"/>
+              </a:ext>
+            </a:extLst>
+          </p:cNvPr>
+          <p:cNvSpPr>
+            <a:spLocks noGrp="1"/>
+          </p:cNvSpPr>
+          <p:nvPr>
+            <p:ph type="ftr" sz="quarter" idx="11"/>
+          </p:nvPr>
+        </p:nvSpPr>
+        <p:spPr>
+          <a:xfrm>
+            <a:off x="1149349" y="6394611"/>
+            <a:ext cx="6239309" cy="365125"/>
+          </a:xfrm>
+        </p:spPr>
+        <p:txBody>
+          <a:bodyPr/>
+          <a:lstStyle/>
+          <a:p>
+            <a:pPr rtl="0"/>
+            <a:r>
+              <a:rPr lang="it-IT" noProof="0" dirty="0"/>
+              <a:t>Anno Accademico 2021/2022</a:t>
+            </a:r>
+          </a:p>
+        </p:txBody>
+      </p:sp>
+      <p:sp>
+        <p:nvSpPr>
+          <p:cNvPr id="6" name="Segnaposto data 5">
+            <a:extLst>
+              <a:ext uri="{FF2B5EF4-FFF2-40B4-BE49-F238E27FC236}">
+                <a16:creationId xmlns:a16="http://schemas.microsoft.com/office/drawing/2014/main" id="{85DBA455-560A-4C35-8506-C8D87ABE9AC7}"/>
+              </a:ext>
+            </a:extLst>
+          </p:cNvPr>
+          <p:cNvSpPr>
+            <a:spLocks noGrp="1"/>
+          </p:cNvSpPr>
+          <p:nvPr>
+            <p:ph type="dt" sz="half" idx="10"/>
+          </p:nvPr>
+        </p:nvSpPr>
+        <p:spPr>
+          <a:xfrm>
+            <a:off x="7675329" y="6393288"/>
+            <a:ext cx="2743200" cy="365125"/>
+          </a:xfrm>
+        </p:spPr>
+        <p:txBody>
+          <a:bodyPr/>
+          <a:lstStyle/>
+          <a:p>
+            <a:pPr rtl="0"/>
+            <a:r>
+              <a:rPr lang="it-IT" noProof="0" dirty="0"/>
+              <a:t>Università degli Studi di Bologna</a:t>
+            </a:r>
+          </a:p>
+        </p:txBody>
+      </p:sp>
+      <p:sp>
+        <p:nvSpPr>
+          <p:cNvPr id="4" name="Segnaposto numero diapositiva 3">
+            <a:extLst>
+              <a:ext uri="{FF2B5EF4-FFF2-40B4-BE49-F238E27FC236}">
+                <a16:creationId xmlns:a16="http://schemas.microsoft.com/office/drawing/2014/main" id="{66708894-FD84-4235-A5FB-07D5CA6172BD}"/>
+              </a:ext>
+            </a:extLst>
+          </p:cNvPr>
+          <p:cNvSpPr>
+            <a:spLocks noGrp="1"/>
+          </p:cNvSpPr>
+          <p:nvPr>
+            <p:ph type="sldNum" sz="quarter" idx="12"/>
+          </p:nvPr>
+        </p:nvSpPr>
+        <p:spPr>
+          <a:xfrm>
+            <a:off x="10481895" y="6407944"/>
+            <a:ext cx="771089" cy="365125"/>
+          </a:xfrm>
+        </p:spPr>
+        <p:txBody>
+          <a:bodyPr/>
+          <a:lstStyle/>
+          <a:p>
+            <a:pPr rtl="0"/>
+            <a:fld id="{6D22F896-40B5-4ADD-8801-0D06FADFA095}" type="slidenum">
+              <a:rPr lang="it-IT" noProof="0" smtClean="0"/>
+              <a:t>6</a:t>
+            </a:fld>
+            <a:endParaRPr lang="it-IT" noProof="0" dirty="0"/>
+          </a:p>
+        </p:txBody>
+      </p:sp>
+      <p:pic>
+        <p:nvPicPr>
+          <p:cNvPr id="7" name="Immagine 6">
+            <a:extLst>
+              <a:ext uri="{FF2B5EF4-FFF2-40B4-BE49-F238E27FC236}">
+                <a16:creationId xmlns:a16="http://schemas.microsoft.com/office/drawing/2014/main" id="{7F601DBC-4208-48AF-B280-C1233D7756A3}"/>
+              </a:ext>
+            </a:extLst>
+          </p:cNvPr>
+          <p:cNvPicPr>
+            <a:picLocks noChangeAspect="1"/>
+          </p:cNvPicPr>
+          <p:nvPr/>
+        </p:nvPicPr>
+        <p:blipFill>
+          <a:blip r:embed="rId3"/>
+          <a:stretch>
+            <a:fillRect/>
+          </a:stretch>
+        </p:blipFill>
+        <p:spPr>
+          <a:xfrm>
+            <a:off x="3877266" y="1528572"/>
+            <a:ext cx="4648849" cy="2419688"/>
+          </a:xfrm>
+          <a:prstGeom prst="roundRect">
+            <a:avLst>
+              <a:gd name="adj" fmla="val 4745"/>
+            </a:avLst>
+          </a:prstGeom>
+          <a:solidFill>
+            <a:srgbClr val="FFFFFF">
+              <a:shade val="85000"/>
+            </a:srgbClr>
+          </a:solidFill>
+          <a:ln>
+            <a:noFill/>
+          </a:ln>
+          <a:effectLst/>
+        </p:spPr>
+      </p:pic>
+      <p:pic>
+        <p:nvPicPr>
+          <p:cNvPr id="9" name="Immagine 8">
+            <a:extLst>
+              <a:ext uri="{FF2B5EF4-FFF2-40B4-BE49-F238E27FC236}">
+                <a16:creationId xmlns:a16="http://schemas.microsoft.com/office/drawing/2014/main" id="{0A2B08A3-2DC0-421C-9583-58093CFF77F3}"/>
+              </a:ext>
+            </a:extLst>
+          </p:cNvPr>
+          <p:cNvPicPr>
+            <a:picLocks noChangeAspect="1"/>
+          </p:cNvPicPr>
+          <p:nvPr/>
+        </p:nvPicPr>
+        <p:blipFill>
+          <a:blip r:embed="rId4"/>
+          <a:stretch>
+            <a:fillRect/>
+          </a:stretch>
+        </p:blipFill>
+        <p:spPr>
+          <a:xfrm>
+            <a:off x="6523954" y="3589363"/>
+            <a:ext cx="5232215" cy="2637463"/>
+          </a:xfrm>
+          <a:prstGeom prst="roundRect">
+            <a:avLst>
+              <a:gd name="adj" fmla="val 4995"/>
+            </a:avLst>
+          </a:prstGeom>
+          <a:solidFill>
+            <a:srgbClr val="FFFFFF">
+              <a:shade val="85000"/>
+            </a:srgbClr>
+          </a:solidFill>
+          <a:ln>
+            <a:noFill/>
+          </a:ln>
+          <a:effectLst/>
+        </p:spPr>
+      </p:pic>
+      <p:sp>
+        <p:nvSpPr>
+          <p:cNvPr id="10" name="CasellaDiTesto 9">
+            <a:extLst>
+              <a:ext uri="{FF2B5EF4-FFF2-40B4-BE49-F238E27FC236}">
+                <a16:creationId xmlns:a16="http://schemas.microsoft.com/office/drawing/2014/main" id="{DBB19828-F64A-43E6-BF2C-76A6C988480E}"/>
+              </a:ext>
+            </a:extLst>
+          </p:cNvPr>
+          <p:cNvSpPr txBox="1"/>
+          <p:nvPr/>
+        </p:nvSpPr>
+        <p:spPr>
+          <a:xfrm>
+            <a:off x="9221096" y="1689422"/>
+            <a:ext cx="3336028" cy="430887"/>
+          </a:xfrm>
+          <a:prstGeom prst="rect">
+            <a:avLst/>
+          </a:prstGeom>
+          <a:noFill/>
+        </p:spPr>
+        <p:txBody>
+          <a:bodyPr wrap="square" rtlCol="0">
+            <a:spAutoFit/>
+          </a:bodyPr>
+          <a:lstStyle/>
+          <a:p>
+            <a:r>
+              <a:rPr lang="it-IT" sz="2200" dirty="0"/>
+              <a:t>Ciclo accettazione </a:t>
+            </a:r>
+            <a:r>
+              <a:rPr lang="it-IT" sz="2200" dirty="0" err="1"/>
+              <a:t>select</a:t>
+            </a:r>
+            <a:endParaRPr lang="it-IT" sz="2200" dirty="0"/>
+          </a:p>
+        </p:txBody>
+      </p:sp>
+      <p:sp>
+        <p:nvSpPr>
+          <p:cNvPr id="11" name="CasellaDiTesto 10">
+            <a:extLst>
+              <a:ext uri="{FF2B5EF4-FFF2-40B4-BE49-F238E27FC236}">
+                <a16:creationId xmlns:a16="http://schemas.microsoft.com/office/drawing/2014/main" id="{F582CE11-46A7-4794-BA59-480D2FF746A2}"/>
+              </a:ext>
+            </a:extLst>
+          </p:cNvPr>
+          <p:cNvSpPr txBox="1"/>
+          <p:nvPr/>
+        </p:nvSpPr>
+        <p:spPr>
+          <a:xfrm>
+            <a:off x="2215707" y="4279340"/>
+            <a:ext cx="2885590" cy="769441"/>
+          </a:xfrm>
+          <a:prstGeom prst="rect">
+            <a:avLst/>
+          </a:prstGeom>
+          <a:noFill/>
+        </p:spPr>
+        <p:txBody>
+          <a:bodyPr wrap="square" rtlCol="0">
+            <a:spAutoFit/>
+          </a:bodyPr>
+          <a:lstStyle/>
+          <a:p>
+            <a:r>
+              <a:rPr lang="it-IT" sz="2200" dirty="0"/>
+              <a:t>Gestione richiesta TCP</a:t>
+            </a:r>
+          </a:p>
+          <a:p>
+            <a:r>
+              <a:rPr lang="it-IT" sz="2200" dirty="0"/>
+              <a:t>con </a:t>
+            </a:r>
+            <a:r>
+              <a:rPr lang="it-IT" sz="2200" dirty="0" err="1"/>
+              <a:t>accept</a:t>
+            </a:r>
+            <a:r>
+              <a:rPr lang="it-IT" sz="2200" dirty="0"/>
+              <a:t> </a:t>
+            </a:r>
+          </a:p>
+        </p:txBody>
+      </p:sp>
+      <p:cxnSp>
+        <p:nvCxnSpPr>
+          <p:cNvPr id="13" name="Connettore 2 12">
+            <a:extLst>
+              <a:ext uri="{FF2B5EF4-FFF2-40B4-BE49-F238E27FC236}">
+                <a16:creationId xmlns:a16="http://schemas.microsoft.com/office/drawing/2014/main" id="{36BF56E0-CCE8-4F24-8FD7-FEEF516D30A1}"/>
+              </a:ext>
+            </a:extLst>
+          </p:cNvPr>
+          <p:cNvCxnSpPr>
+            <a:cxnSpLocks/>
+            <a:stCxn id="10" idx="1"/>
+          </p:cNvCxnSpPr>
+          <p:nvPr/>
+        </p:nvCxnSpPr>
+        <p:spPr>
+          <a:xfrm flipH="1">
+            <a:off x="8526115" y="1904866"/>
+            <a:ext cx="694981" cy="0"/>
+          </a:xfrm>
+          <a:prstGeom prst="straightConnector1">
+            <a:avLst/>
+          </a:prstGeom>
+          <a:ln w="22225">
+            <a:solidFill>
+              <a:schemeClr val="tx2">
+                <a:lumMod val="60000"/>
+                <a:lumOff val="40000"/>
+              </a:schemeClr>
+            </a:solidFill>
+            <a:tailEnd type="triangle"/>
+          </a:ln>
+        </p:spPr>
+        <p:style>
+          <a:lnRef idx="1">
+            <a:schemeClr val="accent5"/>
+          </a:lnRef>
+          <a:fillRef idx="0">
+            <a:schemeClr val="accent5"/>
+          </a:fillRef>
+          <a:effectRef idx="0">
+            <a:schemeClr val="accent5"/>
+          </a:effectRef>
+          <a:fontRef idx="minor">
+            <a:schemeClr val="tx1"/>
+          </a:fontRef>
+        </p:style>
+      </p:cxnSp>
+      <p:sp>
+        <p:nvSpPr>
+          <p:cNvPr id="45" name="CasellaDiTesto 44">
+            <a:extLst>
+              <a:ext uri="{FF2B5EF4-FFF2-40B4-BE49-F238E27FC236}">
+                <a16:creationId xmlns:a16="http://schemas.microsoft.com/office/drawing/2014/main" id="{79022B80-A220-4597-BEEB-3F286BAEFCE4}"/>
+              </a:ext>
+            </a:extLst>
+          </p:cNvPr>
+          <p:cNvSpPr txBox="1"/>
+          <p:nvPr/>
+        </p:nvSpPr>
+        <p:spPr>
+          <a:xfrm>
+            <a:off x="664953" y="761754"/>
+            <a:ext cx="2885590" cy="2739211"/>
+          </a:xfrm>
+          <a:prstGeom prst="rect">
+            <a:avLst/>
+          </a:prstGeom>
+          <a:noFill/>
+        </p:spPr>
+        <p:txBody>
+          <a:bodyPr wrap="square" rtlCol="0">
+            <a:spAutoFit/>
+          </a:bodyPr>
+          <a:lstStyle/>
+          <a:p>
+            <a:pPr algn="ctr"/>
+            <a:r>
+              <a:rPr lang="it-IT" sz="2200" dirty="0"/>
+              <a:t>Controllo argomenti</a:t>
+            </a:r>
+          </a:p>
+          <a:p>
+            <a:pPr algn="ctr"/>
+            <a:r>
+              <a:rPr lang="it-IT" sz="2200" dirty="0"/>
+              <a:t>+</a:t>
+            </a:r>
+          </a:p>
+          <a:p>
+            <a:pPr algn="ctr"/>
+            <a:r>
+              <a:rPr lang="it-IT" sz="2200" dirty="0"/>
+              <a:t>Creazione ed apertura </a:t>
+            </a:r>
+            <a:r>
+              <a:rPr lang="it-IT" sz="2200" dirty="0" err="1"/>
+              <a:t>socket</a:t>
+            </a:r>
+            <a:endParaRPr lang="it-IT" sz="2200" dirty="0"/>
+          </a:p>
+          <a:p>
+            <a:pPr algn="ctr"/>
+            <a:r>
+              <a:rPr lang="it-IT" sz="2200" dirty="0"/>
+              <a:t>+</a:t>
+            </a:r>
+          </a:p>
+          <a:p>
+            <a:pPr algn="ctr"/>
+            <a:r>
+              <a:rPr lang="it-IT" sz="2200" dirty="0"/>
+              <a:t>Assegnazione IP e porta (</a:t>
+            </a:r>
+            <a:r>
+              <a:rPr lang="it-IT" sz="2200" dirty="0" err="1"/>
+              <a:t>bind</a:t>
+            </a:r>
+            <a:r>
+              <a:rPr lang="it-IT" sz="2200" dirty="0"/>
+              <a:t>)</a:t>
+            </a:r>
+          </a:p>
+          <a:p>
+            <a:pPr algn="ctr"/>
+            <a:endParaRPr lang="it-IT" dirty="0"/>
+          </a:p>
+        </p:txBody>
+      </p:sp>
+      <p:cxnSp>
+        <p:nvCxnSpPr>
+          <p:cNvPr id="16" name="Connettore 2 15">
+            <a:extLst>
+              <a:ext uri="{FF2B5EF4-FFF2-40B4-BE49-F238E27FC236}">
+                <a16:creationId xmlns:a16="http://schemas.microsoft.com/office/drawing/2014/main" id="{64FEAA3F-833B-497C-B836-D80A4071200F}"/>
+              </a:ext>
+            </a:extLst>
+          </p:cNvPr>
+          <p:cNvCxnSpPr>
+            <a:cxnSpLocks/>
+            <a:stCxn id="11" idx="3"/>
+          </p:cNvCxnSpPr>
+          <p:nvPr/>
+        </p:nvCxnSpPr>
+        <p:spPr>
+          <a:xfrm flipV="1">
+            <a:off x="5101297" y="4619757"/>
+            <a:ext cx="1248119" cy="44304"/>
+          </a:xfrm>
+          <a:prstGeom prst="straightConnector1">
+            <a:avLst/>
+          </a:prstGeom>
+          <a:ln w="22225">
+            <a:solidFill>
+              <a:schemeClr val="tx2">
+                <a:lumMod val="60000"/>
+                <a:lumOff val="40000"/>
+              </a:schemeClr>
+            </a:solidFill>
+            <a:tailEnd type="triangle"/>
+          </a:ln>
+        </p:spPr>
+        <p:style>
+          <a:lnRef idx="1">
+            <a:schemeClr val="accent1"/>
+          </a:lnRef>
+          <a:fillRef idx="0">
+            <a:schemeClr val="accent1"/>
+          </a:fillRef>
+          <a:effectRef idx="0">
+            <a:schemeClr val="accent1"/>
+          </a:effectRef>
+          <a:fontRef idx="minor">
+            <a:schemeClr val="tx1"/>
+          </a:fontRef>
+        </p:style>
+      </p:cxnSp>
+    </p:spTree>
+    <p:extLst>
+      <p:ext uri="{BB962C8B-B14F-4D97-AF65-F5344CB8AC3E}">
+        <p14:creationId xmlns:p14="http://schemas.microsoft.com/office/powerpoint/2010/main" val="1247825911"/>
+      </p:ext>
+    </p:extLst>
+  </p:cSld>
+  <p:clrMapOvr>
+    <a:masterClrMapping/>
+  </p:clrMapOvr>
+</p:sld>
+</file>
+
+<file path=ppt/slides/slide7.xml><?xml version="1.0" encoding="utf-8"?>
+<p:sld xmlns:a="http://schemas.openxmlformats.org/drawingml/2006/main" xmlns:r="http://schemas.openxmlformats.org/officeDocument/2006/relationships" xmlns:p="http://schemas.openxmlformats.org/presentationml/2006/main">
+  <p:cSld>
+    <p:spTree>
+      <p:nvGrpSpPr>
+        <p:cNvPr id="1" name=""/>
+        <p:cNvGrpSpPr/>
+        <p:nvPr/>
+      </p:nvGrpSpPr>
+      <p:grpSpPr>
+        <a:xfrm>
+          <a:off x="0" y="0"/>
+          <a:ext cx="0" cy="0"/>
+          <a:chOff x="0" y="0"/>
+          <a:chExt cx="0" cy="0"/>
+        </a:xfrm>
+      </p:grpSpPr>
+      <p:sp useBgFill="1">
+        <p:nvSpPr>
+          <p:cNvPr id="43" name="Rectangle 46">
+            <a:extLst>
+              <a:ext uri="{FF2B5EF4-FFF2-40B4-BE49-F238E27FC236}">
+                <a16:creationId xmlns:a16="http://schemas.microsoft.com/office/drawing/2014/main" id="{C2E4E997-8672-4FFD-B8EC-9932A8E4714B}"/>
+              </a:ext>
+              <a:ext uri="{C183D7F6-B498-43B3-948B-1728B52AA6E4}">
+                <adec:decorative xmlns:adec="http://schemas.microsoft.com/office/drawing/2017/decorative" val="1"/>
+              </a:ext>
+            </a:extLst>
+          </p:cNvPr>
+          <p:cNvSpPr>
+            <a:spLocks noGrp="1" noRot="1" noChangeAspect="1" noMove="1" noResize="1" noEditPoints="1" noAdjustHandles="1" noChangeArrowheads="1" noChangeShapeType="1" noTextEdit="1"/>
+          </p:cNvSpPr>
+          <p:nvPr>
+            <p:extLst>
+              <p:ext uri="{386F3935-93C4-4BCD-93E2-E3B085C9AB24}">
+                <p16:designElem xmlns:p16="http://schemas.microsoft.com/office/powerpoint/2015/main" val="1"/>
+              </p:ext>
+            </p:extLst>
+          </p:nvPr>
+        </p:nvSpPr>
+        <p:spPr>
+          <a:xfrm>
+            <a:off x="0" y="0"/>
+            <a:ext cx="12192000" cy="6858000"/>
+          </a:xfrm>
+          <a:prstGeom prst="rect">
+            <a:avLst/>
+          </a:prstGeom>
+          <a:ln>
+            <a:noFill/>
+          </a:ln>
+        </p:spPr>
+        <p:style>
+          <a:lnRef idx="2">
+            <a:schemeClr val="accent1">
+              <a:shade val="50000"/>
+            </a:schemeClr>
+          </a:lnRef>
+          <a:fillRef idx="1003">
+            <a:schemeClr val="dk2"/>
+          </a:fillRef>
+          <a:effectRef idx="0">
+            <a:schemeClr val="accent1"/>
+          </a:effectRef>
+          <a:fontRef idx="minor">
+            <a:schemeClr val="lt1"/>
+          </a:fontRef>
+        </p:style>
+        <p:txBody>
+          <a:bodyPr rtlCol="0" anchor="ctr"/>
+          <a:lstStyle/>
+          <a:p>
+            <a:pPr algn="ctr"/>
+            <a:endParaRPr lang="en-US" dirty="0"/>
+          </a:p>
+        </p:txBody>
+      </p:sp>
+      <p:pic>
+        <p:nvPicPr>
+          <p:cNvPr id="49" name="Picture 2">
+            <a:extLst>
+              <a:ext uri="{FF2B5EF4-FFF2-40B4-BE49-F238E27FC236}">
+                <a16:creationId xmlns:a16="http://schemas.microsoft.com/office/drawing/2014/main" id="{FE6BA9E6-1D9E-4D30-B528-D49FA1342E4E}"/>
+              </a:ext>
+              <a:ext uri="{C183D7F6-B498-43B3-948B-1728B52AA6E4}">
+                <adec:decorative xmlns:adec="http://schemas.microsoft.com/office/drawing/2017/decorative" val="1"/>
+              </a:ext>
+            </a:extLst>
+          </p:cNvPr>
+          <p:cNvPicPr>
+            <a:picLocks noGrp="1" noRot="1" noChangeAspect="1" noMove="1" noResize="1" noEditPoints="1" noAdjustHandles="1" noChangeArrowheads="1" noChangeShapeType="1" noCrop="1"/>
+          </p:cNvPicPr>
+          <p:nvPr>
+            <p:extLst>
+              <p:ext uri="{386F3935-93C4-4BCD-93E2-E3B085C9AB24}">
+                <p16:designElem xmlns:p16="http://schemas.microsoft.com/office/powerpoint/2015/main" val="1"/>
+              </p:ext>
+            </p:extLst>
+          </p:nvPr>
+        </p:nvPicPr>
+        <p:blipFill>
+          <a:blip r:embed="rId2">
+            <a:alphaModFix amt="30000"/>
+            <a:extLst>
+              <a:ext uri="{28A0092B-C50C-407E-A947-70E740481C1C}">
+                <a14:useLocalDpi xmlns:a14="http://schemas.microsoft.com/office/drawing/2010/main" val="0"/>
+              </a:ext>
+            </a:extLst>
+          </a:blip>
+          <a:srcRect/>
+          <a:stretch>
+            <a:fillRect/>
+          </a:stretch>
+        </p:blipFill>
+        <p:spPr bwMode="auto">
+          <a:xfrm>
+            <a:off x="0" y="0"/>
+            <a:ext cx="12192003" cy="6858001"/>
+          </a:xfrm>
+          <a:prstGeom prst="rect">
+            <a:avLst/>
+          </a:prstGeom>
+          <a:noFill/>
+          <a:extLst>
+            <a:ext uri="{909E8E84-426E-40dd-AFC4-6F175D3DCCD1}">
+              <a14:hiddenFill xmlns="" xmlns:a16="http://schemas.microsoft.com/office/drawing/2014/main" xmlns:p14="http://schemas.microsoft.com/office/powerpoint/2010/main" xmlns:a14="http://schemas.microsoft.com/office/drawing/2010/main">
+                <a:solidFill>
+                  <a:srgbClr val="FFFFFF"/>
+                </a:solidFill>
+              </a14:hiddenFill>
+            </a:ext>
+          </a:extLst>
+        </p:spPr>
+      </p:pic>
+      <p:grpSp>
+        <p:nvGrpSpPr>
+          <p:cNvPr id="48" name="Group 50">
+            <a:extLst>
+              <a:ext uri="{FF2B5EF4-FFF2-40B4-BE49-F238E27FC236}">
+                <a16:creationId xmlns:a16="http://schemas.microsoft.com/office/drawing/2014/main" id="{453E4DEE-E996-40F8-8635-0FF43D7348F9}"/>
+              </a:ext>
+              <a:ext uri="{C183D7F6-B498-43B3-948B-1728B52AA6E4}">
+                <adec:decorative xmlns:adec="http://schemas.microsoft.com/office/drawing/2017/decorative" val="1"/>
+              </a:ext>
+            </a:extLst>
+          </p:cNvPr>
+          <p:cNvGrpSpPr>
+            <a:grpSpLocks noGrp="1" noUngrp="1" noRot="1" noChangeAspect="1" noMove="1" noResize="1"/>
+          </p:cNvGrpSpPr>
+          <p:nvPr>
+            <p:extLst>
+              <p:ext uri="{386F3935-93C4-4BCD-93E2-E3B085C9AB24}">
+                <p16:designElem xmlns:p16="http://schemas.microsoft.com/office/powerpoint/2015/main" val="1"/>
+              </p:ext>
+            </p:extLst>
+          </p:nvPr>
+        </p:nvGrpSpPr>
+        <p:grpSpPr>
+          <a:xfrm>
+            <a:off x="0" y="0"/>
+            <a:ext cx="1220788" cy="6858001"/>
+            <a:chOff x="-14288" y="0"/>
+            <a:chExt cx="1220788" cy="6858001"/>
+          </a:xfrm>
+          <a:gradFill flip="none" rotWithShape="1">
+            <a:gsLst>
+              <a:gs pos="0">
+                <a:schemeClr val="tx2"/>
+              </a:gs>
+              <a:gs pos="100000">
+                <a:schemeClr val="bg2">
+                  <a:lumMod val="60000"/>
+                  <a:lumOff val="40000"/>
+                </a:schemeClr>
+              </a:gs>
+            </a:gsLst>
+            <a:lin ang="5400000" scaled="0"/>
+            <a:tileRect/>
+          </a:gradFill>
+        </p:grpSpPr>
+        <p:sp>
+          <p:nvSpPr>
+            <p:cNvPr id="52" name="Rectangle 5">
+              <a:extLst>
+                <a:ext uri="{FF2B5EF4-FFF2-40B4-BE49-F238E27FC236}">
+                  <a16:creationId xmlns:a16="http://schemas.microsoft.com/office/drawing/2014/main" id="{08BD1D3E-43CE-49EB-A424-0738950C6424}"/>
+                </a:ext>
+                <a:ext uri="{C183D7F6-B498-43B3-948B-1728B52AA6E4}">
+                  <adec:decorative xmlns:adec="http://schemas.microsoft.com/office/drawing/2017/decorative" val="1"/>
+                </a:ext>
+              </a:extLst>
+            </p:cNvPr>
+            <p:cNvSpPr>
+              <a:spLocks noChangeArrowheads="1"/>
+            </p:cNvSpPr>
+            <p:nvPr>
+              <p:extLst>
+                <p:ext uri="{386F3935-93C4-4BCD-93E2-E3B085C9AB24}">
+                  <p16:designElem xmlns:p16="http://schemas.microsoft.com/office/powerpoint/2015/main" val="1"/>
+                </p:ext>
+              </p:extLst>
+            </p:nvPr>
+          </p:nvSpPr>
+          <p:spPr bwMode="auto">
+            <a:xfrm>
+              <a:off x="114300" y="4763"/>
+              <a:ext cx="23813" cy="2181225"/>
+            </a:xfrm>
+            <a:prstGeom prst="rect">
+              <a:avLst/>
+            </a:prstGeom>
+            <a:grpFill/>
+            <a:ln>
+              <a:noFill/>
+            </a:ln>
+            <a:extLst>
+              <a:ext uri="{91240B29-F687-4f45-9708-019B960494DF}">
+                <a14:hiddenLine xmlns="" xmlns:a16="http://schemas.microsoft.com/office/drawing/2014/main" xmlns:p14="http://schemas.microsoft.com/office/powerpoint/2010/main" xmlns:a14="http://schemas.microsoft.com/office/drawing/2010/main" w="9525">
+                  <a:solidFill>
+                    <a:srgbClr val="000000"/>
+                  </a:solidFill>
+                  <a:miter lim="800000"/>
+                  <a:headEnd/>
+                  <a:tailEnd/>
+                </a14:hiddenLine>
+              </a:ext>
+            </a:extLst>
+          </p:spPr>
+        </p:sp>
+        <p:sp>
+          <p:nvSpPr>
+            <p:cNvPr id="53" name="Freeform 6">
+              <a:extLst>
+                <a:ext uri="{FF2B5EF4-FFF2-40B4-BE49-F238E27FC236}">
+                  <a16:creationId xmlns:a16="http://schemas.microsoft.com/office/drawing/2014/main" id="{E9182037-E3FA-489A-95D5-29E4248420D8}"/>
+                </a:ext>
+                <a:ext uri="{C183D7F6-B498-43B3-948B-1728B52AA6E4}">
+                  <adec:decorative xmlns:adec="http://schemas.microsoft.com/office/drawing/2017/decorative" val="1"/>
+                </a:ext>
+              </a:extLst>
+            </p:cNvPr>
+            <p:cNvSpPr>
+              <a:spLocks noEditPoints="1"/>
+            </p:cNvSpPr>
+            <p:nvPr>
+              <p:extLst>
+                <p:ext uri="{386F3935-93C4-4BCD-93E2-E3B085C9AB24}">
+                  <p16:designElem xmlns:p16="http://schemas.microsoft.com/office/powerpoint/2015/main" val="1"/>
+                </p:ext>
+              </p:extLst>
+            </p:nvPr>
+          </p:nvSpPr>
+          <p:spPr bwMode="auto">
+            <a:xfrm>
+              <a:off x="33337" y="2176463"/>
+              <a:ext cx="190500" cy="190500"/>
+            </a:xfrm>
+            <a:custGeom>
+              <a:avLst/>
+              <a:gdLst/>
+              <a:ahLst/>
+              <a:cxnLst/>
+              <a:rect l="0" t="0" r="r" b="b"/>
+              <a:pathLst>
+                <a:path w="40" h="40">
+                  <a:moveTo>
+                    <a:pt x="20" y="40"/>
+                  </a:moveTo>
+                  <a:cubicBezTo>
+                    <a:pt x="9" y="40"/>
+                    <a:pt x="0" y="31"/>
+                    <a:pt x="0" y="20"/>
+                  </a:cubicBezTo>
+                  <a:cubicBezTo>
+                    <a:pt x="0" y="9"/>
+                    <a:pt x="9" y="0"/>
+                    <a:pt x="20" y="0"/>
+                  </a:cubicBezTo>
+                  <a:cubicBezTo>
+                    <a:pt x="31" y="0"/>
+                    <a:pt x="40" y="9"/>
+                    <a:pt x="40" y="20"/>
+                  </a:cubicBezTo>
+                  <a:cubicBezTo>
+                    <a:pt x="40" y="31"/>
+                    <a:pt x="31" y="40"/>
+                    <a:pt x="20" y="40"/>
+                  </a:cubicBezTo>
+                  <a:close/>
+                  <a:moveTo>
+                    <a:pt x="20" y="4"/>
+                  </a:moveTo>
+                  <a:cubicBezTo>
+                    <a:pt x="11" y="4"/>
+                    <a:pt x="4" y="11"/>
+                    <a:pt x="4" y="20"/>
+                  </a:cubicBezTo>
+                  <a:cubicBezTo>
+                    <a:pt x="4" y="29"/>
+                    <a:pt x="11" y="36"/>
+                    <a:pt x="20" y="36"/>
+                  </a:cubicBezTo>
+                  <a:cubicBezTo>
+                    <a:pt x="28" y="36"/>
+                    <a:pt x="36" y="29"/>
+                    <a:pt x="36" y="20"/>
+                  </a:cubicBezTo>
+                  <a:cubicBezTo>
+                    <a:pt x="36" y="11"/>
+                    <a:pt x="28" y="4"/>
+                    <a:pt x="20" y="4"/>
+                  </a:cubicBezTo>
+                  <a:close/>
+                </a:path>
+              </a:pathLst>
+            </a:custGeom>
+            <a:grpFill/>
+            <a:ln>
+              <a:noFill/>
+            </a:ln>
+            <a:extLst>
+              <a:ext uri="{91240B29-F687-4f45-9708-019B960494DF}">
+                <a14:hiddenLine xmlns="" xmlns:a16="http://schemas.microsoft.com/office/drawing/2014/main" xmlns:p14="http://schemas.microsoft.com/office/powerpoint/2010/main" xmlns:a14="http://schemas.microsoft.com/office/drawing/2010/main" w="9525">
+                  <a:solidFill>
+                    <a:srgbClr val="000000"/>
+                  </a:solidFill>
+                  <a:round/>
+                  <a:headEnd/>
+                  <a:tailEnd/>
+                </a14:hiddenLine>
+              </a:ext>
+            </a:extLst>
+          </p:spPr>
+        </p:sp>
+        <p:sp>
+          <p:nvSpPr>
+            <p:cNvPr id="54" name="Freeform 7">
+              <a:extLst>
+                <a:ext uri="{FF2B5EF4-FFF2-40B4-BE49-F238E27FC236}">
+                  <a16:creationId xmlns:a16="http://schemas.microsoft.com/office/drawing/2014/main" id="{E8864E76-AD7F-4BEE-B3F6-A78FA42AEFAC}"/>
+                </a:ext>
+                <a:ext uri="{C183D7F6-B498-43B3-948B-1728B52AA6E4}">
+                  <adec:decorative xmlns:adec="http://schemas.microsoft.com/office/drawing/2017/decorative" val="1"/>
+                </a:ext>
+              </a:extLst>
+            </p:cNvPr>
+            <p:cNvSpPr>
+              <a:spLocks noEditPoints="1"/>
+            </p:cNvSpPr>
+            <p:nvPr>
+              <p:extLst>
+                <p:ext uri="{386F3935-93C4-4BCD-93E2-E3B085C9AB24}">
+                  <p16:designElem xmlns:p16="http://schemas.microsoft.com/office/powerpoint/2015/main" val="1"/>
+                </p:ext>
+              </p:extLst>
+            </p:nvPr>
+          </p:nvSpPr>
+          <p:spPr bwMode="auto">
+            <a:xfrm>
+              <a:off x="28575" y="4021138"/>
+              <a:ext cx="190500" cy="188913"/>
+            </a:xfrm>
+            <a:custGeom>
+              <a:avLst/>
+              <a:gdLst/>
+              <a:ahLst/>
+              <a:cxnLst/>
+              <a:rect l="0" t="0" r="r" b="b"/>
+              <a:pathLst>
+                <a:path w="40" h="40">
+                  <a:moveTo>
+                    <a:pt x="20" y="40"/>
+                  </a:moveTo>
+                  <a:cubicBezTo>
+                    <a:pt x="9" y="40"/>
+                    <a:pt x="0" y="31"/>
+                    <a:pt x="0" y="20"/>
+                  </a:cubicBezTo>
+                  <a:cubicBezTo>
+                    <a:pt x="0" y="9"/>
+                    <a:pt x="9" y="0"/>
+                    <a:pt x="20" y="0"/>
+                  </a:cubicBezTo>
+                  <a:cubicBezTo>
+                    <a:pt x="31" y="0"/>
+                    <a:pt x="40" y="9"/>
+                    <a:pt x="40" y="20"/>
+                  </a:cubicBezTo>
+                  <a:cubicBezTo>
+                    <a:pt x="40" y="31"/>
+                    <a:pt x="31" y="40"/>
+                    <a:pt x="20" y="40"/>
+                  </a:cubicBezTo>
+                  <a:close/>
+                  <a:moveTo>
+                    <a:pt x="20" y="4"/>
+                  </a:moveTo>
+                  <a:cubicBezTo>
+                    <a:pt x="12" y="4"/>
+                    <a:pt x="4" y="11"/>
+                    <a:pt x="4" y="20"/>
+                  </a:cubicBezTo>
+                  <a:cubicBezTo>
+                    <a:pt x="4" y="29"/>
+                    <a:pt x="12" y="36"/>
+                    <a:pt x="20" y="36"/>
+                  </a:cubicBezTo>
+                  <a:cubicBezTo>
+                    <a:pt x="29" y="36"/>
+                    <a:pt x="36" y="29"/>
+                    <a:pt x="36" y="20"/>
+                  </a:cubicBezTo>
+                  <a:cubicBezTo>
+                    <a:pt x="36" y="11"/>
+                    <a:pt x="29" y="4"/>
+                    <a:pt x="20" y="4"/>
+                  </a:cubicBezTo>
+                  <a:close/>
+                </a:path>
+              </a:pathLst>
+            </a:custGeom>
+            <a:grpFill/>
+            <a:ln>
+              <a:noFill/>
+            </a:ln>
+            <a:extLst>
+              <a:ext uri="{91240B29-F687-4f45-9708-019B960494DF}">
+                <a14:hiddenLine xmlns="" xmlns:a16="http://schemas.microsoft.com/office/drawing/2014/main" xmlns:p14="http://schemas.microsoft.com/office/powerpoint/2010/main" xmlns:a14="http://schemas.microsoft.com/office/drawing/2010/main" w="9525">
+                  <a:solidFill>
+                    <a:srgbClr val="000000"/>
+                  </a:solidFill>
+                  <a:round/>
+                  <a:headEnd/>
+                  <a:tailEnd/>
+                </a14:hiddenLine>
+              </a:ext>
+            </a:extLst>
+          </p:spPr>
+        </p:sp>
+        <p:sp>
+          <p:nvSpPr>
+            <p:cNvPr id="55" name="Freeform 8">
+              <a:extLst>
+                <a:ext uri="{FF2B5EF4-FFF2-40B4-BE49-F238E27FC236}">
+                  <a16:creationId xmlns:a16="http://schemas.microsoft.com/office/drawing/2014/main" id="{8AD071B3-046D-4479-91FE-01E9AD7C8AAB}"/>
+                </a:ext>
+                <a:ext uri="{C183D7F6-B498-43B3-948B-1728B52AA6E4}">
+                  <adec:decorative xmlns:adec="http://schemas.microsoft.com/office/drawing/2017/decorative" val="1"/>
+                </a:ext>
+              </a:extLst>
+            </p:cNvPr>
+            <p:cNvSpPr/>
+            <p:nvPr>
+              <p:extLst>
+                <p:ext uri="{386F3935-93C4-4BCD-93E2-E3B085C9AB24}">
+                  <p16:designElem xmlns:p16="http://schemas.microsoft.com/office/powerpoint/2015/main" val="1"/>
+                </p:ext>
+              </p:extLst>
+            </p:nvPr>
+          </p:nvSpPr>
+          <p:spPr bwMode="auto">
+            <a:xfrm>
+              <a:off x="200025" y="4763"/>
+              <a:ext cx="369888" cy="1811338"/>
+            </a:xfrm>
+            <a:custGeom>
+              <a:avLst/>
+              <a:gdLst/>
+              <a:ahLst/>
+              <a:cxnLst/>
+              <a:rect l="0" t="0" r="r" b="b"/>
+              <a:pathLst>
+                <a:path w="233" h="1141">
+                  <a:moveTo>
+                    <a:pt x="218" y="1141"/>
+                  </a:moveTo>
+                  <a:lnTo>
+                    <a:pt x="0" y="626"/>
+                  </a:lnTo>
+                  <a:lnTo>
+                    <a:pt x="0" y="0"/>
+                  </a:lnTo>
+                  <a:lnTo>
+                    <a:pt x="15" y="0"/>
+                  </a:lnTo>
+                  <a:lnTo>
+                    <a:pt x="15" y="623"/>
+                  </a:lnTo>
+                  <a:lnTo>
+                    <a:pt x="233" y="1135"/>
+                  </a:lnTo>
+                  <a:lnTo>
+                    <a:pt x="218" y="1141"/>
+                  </a:lnTo>
+                  <a:close/>
+                </a:path>
+              </a:pathLst>
+            </a:custGeom>
+            <a:grpFill/>
+            <a:ln>
+              <a:noFill/>
+            </a:ln>
+            <a:extLst>
+              <a:ext uri="{91240B29-F687-4f45-9708-019B960494DF}">
+                <a14:hiddenLine xmlns="" xmlns:a16="http://schemas.microsoft.com/office/drawing/2014/main" xmlns:p14="http://schemas.microsoft.com/office/powerpoint/2010/main" xmlns:a14="http://schemas.microsoft.com/office/drawing/2010/main" w="9525">
+                  <a:solidFill>
+                    <a:srgbClr val="000000"/>
+                  </a:solidFill>
+                  <a:round/>
+                  <a:headEnd/>
+                  <a:tailEnd/>
+                </a14:hiddenLine>
+              </a:ext>
+            </a:extLst>
+          </p:spPr>
+        </p:sp>
+        <p:sp>
+          <p:nvSpPr>
+            <p:cNvPr id="56" name="Freeform 9">
+              <a:extLst>
+                <a:ext uri="{FF2B5EF4-FFF2-40B4-BE49-F238E27FC236}">
+                  <a16:creationId xmlns:a16="http://schemas.microsoft.com/office/drawing/2014/main" id="{91D776F5-E902-4A4D-A75D-A46E063C9F38}"/>
+                </a:ext>
+                <a:ext uri="{C183D7F6-B498-43B3-948B-1728B52AA6E4}">
+                  <adec:decorative xmlns:adec="http://schemas.microsoft.com/office/drawing/2017/decorative" val="1"/>
+                </a:ext>
+              </a:extLst>
+            </p:cNvPr>
+            <p:cNvSpPr>
+              <a:spLocks noEditPoints="1"/>
+            </p:cNvSpPr>
+            <p:nvPr>
+              <p:extLst>
+                <p:ext uri="{386F3935-93C4-4BCD-93E2-E3B085C9AB24}">
+                  <p16:designElem xmlns:p16="http://schemas.microsoft.com/office/powerpoint/2015/main" val="1"/>
+                </p:ext>
+              </p:extLst>
+            </p:nvPr>
+          </p:nvSpPr>
+          <p:spPr bwMode="auto">
+            <a:xfrm>
+              <a:off x="503237" y="1801813"/>
+              <a:ext cx="190500" cy="188913"/>
+            </a:xfrm>
+            <a:custGeom>
+              <a:avLst/>
+              <a:gdLst/>
+              <a:ahLst/>
+              <a:cxnLst/>
+              <a:rect l="0" t="0" r="r" b="b"/>
+              <a:pathLst>
+                <a:path w="40" h="40">
+                  <a:moveTo>
+                    <a:pt x="20" y="40"/>
+                  </a:moveTo>
+                  <a:cubicBezTo>
+                    <a:pt x="9" y="40"/>
+                    <a:pt x="0" y="31"/>
+                    <a:pt x="0" y="20"/>
+                  </a:cubicBezTo>
+                  <a:cubicBezTo>
+                    <a:pt x="0" y="9"/>
+                    <a:pt x="9" y="0"/>
+                    <a:pt x="20" y="0"/>
+                  </a:cubicBezTo>
+                  <a:cubicBezTo>
+                    <a:pt x="33" y="0"/>
+                    <a:pt x="40" y="6"/>
+                    <a:pt x="40" y="20"/>
+                  </a:cubicBezTo>
+                  <a:cubicBezTo>
+                    <a:pt x="40" y="31"/>
+                    <a:pt x="31" y="40"/>
+                    <a:pt x="20" y="40"/>
+                  </a:cubicBezTo>
+                  <a:close/>
+                  <a:moveTo>
+                    <a:pt x="20" y="4"/>
+                  </a:moveTo>
+                  <a:cubicBezTo>
+                    <a:pt x="11" y="4"/>
+                    <a:pt x="4" y="11"/>
+                    <a:pt x="4" y="20"/>
+                  </a:cubicBezTo>
+                  <a:cubicBezTo>
+                    <a:pt x="4" y="29"/>
+                    <a:pt x="11" y="36"/>
+                    <a:pt x="20" y="36"/>
+                  </a:cubicBezTo>
+                  <a:cubicBezTo>
+                    <a:pt x="28" y="36"/>
+                    <a:pt x="36" y="29"/>
+                    <a:pt x="36" y="20"/>
+                  </a:cubicBezTo>
+                  <a:cubicBezTo>
+                    <a:pt x="36" y="9"/>
+                    <a:pt x="31" y="4"/>
+                    <a:pt x="20" y="4"/>
+                  </a:cubicBezTo>
+                  <a:close/>
+                </a:path>
+              </a:pathLst>
+            </a:custGeom>
+            <a:grpFill/>
+            <a:ln>
+              <a:noFill/>
+            </a:ln>
+            <a:extLst>
+              <a:ext uri="{91240B29-F687-4f45-9708-019B960494DF}">
+                <a14:hiddenLine xmlns="" xmlns:a16="http://schemas.microsoft.com/office/drawing/2014/main" xmlns:p14="http://schemas.microsoft.com/office/powerpoint/2010/main" xmlns:a14="http://schemas.microsoft.com/office/drawing/2010/main" w="9525">
+                  <a:solidFill>
+                    <a:srgbClr val="000000"/>
+                  </a:solidFill>
+                  <a:round/>
+                  <a:headEnd/>
+                  <a:tailEnd/>
+                </a14:hiddenLine>
+              </a:ext>
+            </a:extLst>
+          </p:spPr>
+        </p:sp>
+        <p:sp>
+          <p:nvSpPr>
+            <p:cNvPr id="57" name="Freeform 10">
+              <a:extLst>
+                <a:ext uri="{FF2B5EF4-FFF2-40B4-BE49-F238E27FC236}">
+                  <a16:creationId xmlns:a16="http://schemas.microsoft.com/office/drawing/2014/main" id="{EBED8F24-A998-4952-AB68-E2074F0746FE}"/>
+                </a:ext>
+                <a:ext uri="{C183D7F6-B498-43B3-948B-1728B52AA6E4}">
+                  <adec:decorative xmlns:adec="http://schemas.microsoft.com/office/drawing/2017/decorative" val="1"/>
+                </a:ext>
+              </a:extLst>
+            </p:cNvPr>
+            <p:cNvSpPr/>
+            <p:nvPr>
+              <p:extLst>
+                <p:ext uri="{386F3935-93C4-4BCD-93E2-E3B085C9AB24}">
+                  <p16:designElem xmlns:p16="http://schemas.microsoft.com/office/powerpoint/2015/main" val="1"/>
+                </p:ext>
+              </p:extLst>
+            </p:nvPr>
+          </p:nvSpPr>
+          <p:spPr bwMode="auto">
+            <a:xfrm>
+              <a:off x="285750" y="4763"/>
+              <a:ext cx="369888" cy="1430338"/>
+            </a:xfrm>
+            <a:custGeom>
+              <a:avLst/>
+              <a:gdLst/>
+              <a:ahLst/>
+              <a:cxnLst/>
+              <a:rect l="0" t="0" r="r" b="b"/>
+              <a:pathLst>
+                <a:path w="233" h="901">
+                  <a:moveTo>
+                    <a:pt x="221" y="901"/>
+                  </a:moveTo>
+                  <a:lnTo>
+                    <a:pt x="0" y="383"/>
+                  </a:lnTo>
+                  <a:lnTo>
+                    <a:pt x="0" y="0"/>
+                  </a:lnTo>
+                  <a:lnTo>
+                    <a:pt x="18" y="0"/>
+                  </a:lnTo>
+                  <a:lnTo>
+                    <a:pt x="18" y="380"/>
+                  </a:lnTo>
+                  <a:lnTo>
+                    <a:pt x="233" y="895"/>
+                  </a:lnTo>
+                  <a:lnTo>
+                    <a:pt x="221" y="901"/>
+                  </a:lnTo>
+                  <a:close/>
+                </a:path>
+              </a:pathLst>
+            </a:custGeom>
+            <a:grpFill/>
+            <a:ln>
+              <a:noFill/>
+            </a:ln>
+            <a:extLst>
+              <a:ext uri="{91240B29-F687-4f45-9708-019B960494DF}">
+                <a14:hiddenLine xmlns="" xmlns:a16="http://schemas.microsoft.com/office/drawing/2014/main" xmlns:p14="http://schemas.microsoft.com/office/powerpoint/2010/main" xmlns:a14="http://schemas.microsoft.com/office/drawing/2010/main" w="9525">
+                  <a:solidFill>
+                    <a:srgbClr val="000000"/>
+                  </a:solidFill>
+                  <a:round/>
+                  <a:headEnd/>
+                  <a:tailEnd/>
+                </a14:hiddenLine>
+              </a:ext>
+            </a:extLst>
+          </p:spPr>
+        </p:sp>
+        <p:sp>
+          <p:nvSpPr>
+            <p:cNvPr id="58" name="Freeform 11">
+              <a:extLst>
+                <a:ext uri="{FF2B5EF4-FFF2-40B4-BE49-F238E27FC236}">
+                  <a16:creationId xmlns:a16="http://schemas.microsoft.com/office/drawing/2014/main" id="{74D7A646-8CDC-49B3-9C44-3EF38DB4264C}"/>
+                </a:ext>
+                <a:ext uri="{C183D7F6-B498-43B3-948B-1728B52AA6E4}">
+                  <adec:decorative xmlns:adec="http://schemas.microsoft.com/office/drawing/2017/decorative" val="1"/>
+                </a:ext>
+              </a:extLst>
+            </p:cNvPr>
+            <p:cNvSpPr/>
+            <p:nvPr>
+              <p:extLst>
+                <p:ext uri="{386F3935-93C4-4BCD-93E2-E3B085C9AB24}">
+                  <p16:designElem xmlns:p16="http://schemas.microsoft.com/office/powerpoint/2015/main" val="1"/>
+                </p:ext>
+              </p:extLst>
+            </p:nvPr>
+          </p:nvSpPr>
+          <p:spPr bwMode="auto">
+            <a:xfrm>
+              <a:off x="546100" y="0"/>
+              <a:ext cx="152400" cy="912813"/>
+            </a:xfrm>
+            <a:custGeom>
+              <a:avLst/>
+              <a:gdLst/>
+              <a:ahLst/>
+              <a:cxnLst/>
+              <a:rect l="0" t="0" r="r" b="b"/>
+              <a:pathLst>
+                <a:path w="96" h="575">
+                  <a:moveTo>
+                    <a:pt x="96" y="575"/>
+                  </a:moveTo>
+                  <a:lnTo>
+                    <a:pt x="78" y="575"/>
+                  </a:lnTo>
+                  <a:lnTo>
+                    <a:pt x="78" y="192"/>
+                  </a:lnTo>
+                  <a:lnTo>
+                    <a:pt x="0" y="6"/>
+                  </a:lnTo>
+                  <a:lnTo>
+                    <a:pt x="15" y="0"/>
+                  </a:lnTo>
+                  <a:lnTo>
+                    <a:pt x="96" y="189"/>
+                  </a:lnTo>
+                  <a:lnTo>
+                    <a:pt x="96" y="575"/>
+                  </a:lnTo>
+                  <a:close/>
+                </a:path>
+              </a:pathLst>
+            </a:custGeom>
+            <a:grpFill/>
+            <a:ln>
+              <a:noFill/>
+            </a:ln>
+            <a:extLst>
+              <a:ext uri="{91240B29-F687-4f45-9708-019B960494DF}">
+                <a14:hiddenLine xmlns="" xmlns:a16="http://schemas.microsoft.com/office/drawing/2014/main" xmlns:p14="http://schemas.microsoft.com/office/powerpoint/2010/main" xmlns:a14="http://schemas.microsoft.com/office/drawing/2010/main" w="9525">
+                  <a:solidFill>
+                    <a:srgbClr val="000000"/>
+                  </a:solidFill>
+                  <a:round/>
+                  <a:headEnd/>
+                  <a:tailEnd/>
+                </a14:hiddenLine>
+              </a:ext>
+            </a:extLst>
+          </p:spPr>
+        </p:sp>
+        <p:sp>
+          <p:nvSpPr>
+            <p:cNvPr id="59" name="Freeform 12">
+              <a:extLst>
+                <a:ext uri="{FF2B5EF4-FFF2-40B4-BE49-F238E27FC236}">
+                  <a16:creationId xmlns:a16="http://schemas.microsoft.com/office/drawing/2014/main" id="{D4E99D14-E4F4-419B-9AAF-8D1CEAB28A2D}"/>
+                </a:ext>
+                <a:ext uri="{C183D7F6-B498-43B3-948B-1728B52AA6E4}">
+                  <adec:decorative xmlns:adec="http://schemas.microsoft.com/office/drawing/2017/decorative" val="1"/>
+                </a:ext>
+              </a:extLst>
+            </p:cNvPr>
+            <p:cNvSpPr>
+              <a:spLocks noEditPoints="1"/>
+            </p:cNvSpPr>
+            <p:nvPr>
+              <p:extLst>
+                <p:ext uri="{386F3935-93C4-4BCD-93E2-E3B085C9AB24}">
+                  <p16:designElem xmlns:p16="http://schemas.microsoft.com/office/powerpoint/2015/main" val="1"/>
+                </p:ext>
+              </p:extLst>
+            </p:nvPr>
+          </p:nvSpPr>
+          <p:spPr bwMode="auto">
+            <a:xfrm>
+              <a:off x="588962" y="1420813"/>
+              <a:ext cx="190500" cy="190500"/>
+            </a:xfrm>
+            <a:custGeom>
+              <a:avLst/>
+              <a:gdLst/>
+              <a:ahLst/>
+              <a:cxnLst/>
+              <a:rect l="0" t="0" r="r" b="b"/>
+              <a:pathLst>
+                <a:path w="40" h="40">
+                  <a:moveTo>
+                    <a:pt x="20" y="40"/>
+                  </a:moveTo>
+                  <a:cubicBezTo>
+                    <a:pt x="9" y="40"/>
+                    <a:pt x="0" y="31"/>
+                    <a:pt x="0" y="20"/>
+                  </a:cubicBezTo>
+                  <a:cubicBezTo>
+                    <a:pt x="0" y="9"/>
+                    <a:pt x="9" y="0"/>
+                    <a:pt x="20" y="0"/>
+                  </a:cubicBezTo>
+                  <a:cubicBezTo>
+                    <a:pt x="33" y="0"/>
+                    <a:pt x="40" y="7"/>
+                    <a:pt x="40" y="20"/>
+                  </a:cubicBezTo>
+                  <a:cubicBezTo>
+                    <a:pt x="40" y="31"/>
+                    <a:pt x="31" y="40"/>
+                    <a:pt x="20" y="40"/>
+                  </a:cubicBezTo>
+                  <a:close/>
+                  <a:moveTo>
+                    <a:pt x="20" y="4"/>
+                  </a:moveTo>
+                  <a:cubicBezTo>
+                    <a:pt x="11" y="4"/>
+                    <a:pt x="4" y="11"/>
+                    <a:pt x="4" y="20"/>
+                  </a:cubicBezTo>
+                  <a:cubicBezTo>
+                    <a:pt x="4" y="29"/>
+                    <a:pt x="11" y="36"/>
+                    <a:pt x="20" y="36"/>
+                  </a:cubicBezTo>
+                  <a:cubicBezTo>
+                    <a:pt x="29" y="36"/>
+                    <a:pt x="36" y="29"/>
+                    <a:pt x="36" y="20"/>
+                  </a:cubicBezTo>
+                  <a:cubicBezTo>
+                    <a:pt x="36" y="9"/>
+                    <a:pt x="31" y="4"/>
+                    <a:pt x="20" y="4"/>
+                  </a:cubicBezTo>
+                  <a:close/>
+                </a:path>
+              </a:pathLst>
+            </a:custGeom>
+            <a:grpFill/>
+            <a:ln>
+              <a:noFill/>
+            </a:ln>
+            <a:extLst>
+              <a:ext uri="{91240B29-F687-4f45-9708-019B960494DF}">
+                <a14:hiddenLine xmlns="" xmlns:a16="http://schemas.microsoft.com/office/drawing/2014/main" xmlns:p14="http://schemas.microsoft.com/office/powerpoint/2010/main" xmlns:a14="http://schemas.microsoft.com/office/drawing/2010/main" w="9525">
+                  <a:solidFill>
+                    <a:srgbClr val="000000"/>
+                  </a:solidFill>
+                  <a:round/>
+                  <a:headEnd/>
+                  <a:tailEnd/>
+                </a14:hiddenLine>
+              </a:ext>
+            </a:extLst>
+          </p:spPr>
+        </p:sp>
+        <p:sp>
+          <p:nvSpPr>
+            <p:cNvPr id="60" name="Freeform 13">
+              <a:extLst>
+                <a:ext uri="{FF2B5EF4-FFF2-40B4-BE49-F238E27FC236}">
+                  <a16:creationId xmlns:a16="http://schemas.microsoft.com/office/drawing/2014/main" id="{377E106C-5445-4A52-9F7E-DA1738744291}"/>
+                </a:ext>
+                <a:ext uri="{C183D7F6-B498-43B3-948B-1728B52AA6E4}">
+                  <adec:decorative xmlns:adec="http://schemas.microsoft.com/office/drawing/2017/decorative" val="1"/>
+                </a:ext>
+              </a:extLst>
+            </p:cNvPr>
+            <p:cNvSpPr>
+              <a:spLocks noEditPoints="1"/>
+            </p:cNvSpPr>
+            <p:nvPr>
+              <p:extLst>
+                <p:ext uri="{386F3935-93C4-4BCD-93E2-E3B085C9AB24}">
+                  <p16:designElem xmlns:p16="http://schemas.microsoft.com/office/powerpoint/2015/main" val="1"/>
+                </p:ext>
+              </p:extLst>
+            </p:nvPr>
+          </p:nvSpPr>
+          <p:spPr bwMode="auto">
+            <a:xfrm>
+              <a:off x="588962" y="903288"/>
+              <a:ext cx="190500" cy="190500"/>
+            </a:xfrm>
+            <a:custGeom>
+              <a:avLst/>
+              <a:gdLst/>
+              <a:ahLst/>
+              <a:cxnLst/>
+              <a:rect l="0" t="0" r="r" b="b"/>
+              <a:pathLst>
+                <a:path w="40" h="40">
+                  <a:moveTo>
+                    <a:pt x="20" y="40"/>
+                  </a:moveTo>
+                  <a:cubicBezTo>
+                    <a:pt x="9" y="40"/>
+                    <a:pt x="0" y="31"/>
+                    <a:pt x="0" y="20"/>
+                  </a:cubicBezTo>
+                  <a:cubicBezTo>
+                    <a:pt x="0" y="9"/>
+                    <a:pt x="9" y="0"/>
+                    <a:pt x="20" y="0"/>
+                  </a:cubicBezTo>
+                  <a:cubicBezTo>
+                    <a:pt x="31" y="0"/>
+                    <a:pt x="40" y="9"/>
+                    <a:pt x="40" y="20"/>
+                  </a:cubicBezTo>
+                  <a:cubicBezTo>
+                    <a:pt x="40" y="31"/>
+                    <a:pt x="31" y="40"/>
+                    <a:pt x="20" y="40"/>
+                  </a:cubicBezTo>
+                  <a:close/>
+                  <a:moveTo>
+                    <a:pt x="20" y="4"/>
+                  </a:moveTo>
+                  <a:cubicBezTo>
+                    <a:pt x="11" y="4"/>
+                    <a:pt x="4" y="11"/>
+                    <a:pt x="4" y="20"/>
+                  </a:cubicBezTo>
+                  <a:cubicBezTo>
+                    <a:pt x="4" y="29"/>
+                    <a:pt x="11" y="36"/>
+                    <a:pt x="20" y="36"/>
+                  </a:cubicBezTo>
+                  <a:cubicBezTo>
+                    <a:pt x="29" y="36"/>
+                    <a:pt x="36" y="29"/>
+                    <a:pt x="36" y="20"/>
+                  </a:cubicBezTo>
+                  <a:cubicBezTo>
+                    <a:pt x="36" y="11"/>
+                    <a:pt x="29" y="4"/>
+                    <a:pt x="20" y="4"/>
+                  </a:cubicBezTo>
+                  <a:close/>
+                </a:path>
+              </a:pathLst>
+            </a:custGeom>
+            <a:grpFill/>
+            <a:ln>
+              <a:noFill/>
+            </a:ln>
+            <a:extLst>
+              <a:ext uri="{91240B29-F687-4f45-9708-019B960494DF}">
+                <a14:hiddenLine xmlns="" xmlns:a16="http://schemas.microsoft.com/office/drawing/2014/main" xmlns:p14="http://schemas.microsoft.com/office/powerpoint/2010/main" xmlns:a14="http://schemas.microsoft.com/office/drawing/2010/main" w="9525">
+                  <a:solidFill>
+                    <a:srgbClr val="000000"/>
+                  </a:solidFill>
+                  <a:round/>
+                  <a:headEnd/>
+                  <a:tailEnd/>
+                </a14:hiddenLine>
+              </a:ext>
+            </a:extLst>
+          </p:spPr>
+        </p:sp>
+        <p:sp>
+          <p:nvSpPr>
+            <p:cNvPr id="61" name="Freeform 14">
+              <a:extLst>
+                <a:ext uri="{FF2B5EF4-FFF2-40B4-BE49-F238E27FC236}">
+                  <a16:creationId xmlns:a16="http://schemas.microsoft.com/office/drawing/2014/main" id="{752BFE96-D378-4BAE-A64B-F851A34C4770}"/>
+                </a:ext>
+                <a:ext uri="{C183D7F6-B498-43B3-948B-1728B52AA6E4}">
+                  <adec:decorative xmlns:adec="http://schemas.microsoft.com/office/drawing/2017/decorative" val="1"/>
+                </a:ext>
+              </a:extLst>
+            </p:cNvPr>
+            <p:cNvSpPr/>
+            <p:nvPr>
+              <p:extLst>
+                <p:ext uri="{386F3935-93C4-4BCD-93E2-E3B085C9AB24}">
+                  <p16:designElem xmlns:p16="http://schemas.microsoft.com/office/powerpoint/2015/main" val="1"/>
+                </p:ext>
+              </p:extLst>
+            </p:nvPr>
+          </p:nvSpPr>
+          <p:spPr bwMode="auto">
+            <a:xfrm>
+              <a:off x="641350" y="0"/>
+              <a:ext cx="422275" cy="527050"/>
+            </a:xfrm>
+            <a:custGeom>
+              <a:avLst/>
+              <a:gdLst/>
+              <a:ahLst/>
+              <a:cxnLst/>
+              <a:rect l="0" t="0" r="r" b="b"/>
+              <a:pathLst>
+                <a:path w="266" h="332">
+                  <a:moveTo>
+                    <a:pt x="257" y="332"/>
+                  </a:moveTo>
+                  <a:lnTo>
+                    <a:pt x="48" y="123"/>
+                  </a:lnTo>
+                  <a:lnTo>
+                    <a:pt x="0" y="6"/>
+                  </a:lnTo>
+                  <a:lnTo>
+                    <a:pt x="15" y="0"/>
+                  </a:lnTo>
+                  <a:lnTo>
+                    <a:pt x="63" y="114"/>
+                  </a:lnTo>
+                  <a:lnTo>
+                    <a:pt x="266" y="320"/>
+                  </a:lnTo>
+                  <a:lnTo>
+                    <a:pt x="257" y="332"/>
+                  </a:lnTo>
+                  <a:close/>
+                </a:path>
+              </a:pathLst>
+            </a:custGeom>
+            <a:grpFill/>
+            <a:ln>
+              <a:noFill/>
+            </a:ln>
+            <a:extLst>
+              <a:ext uri="{91240B29-F687-4f45-9708-019B960494DF}">
+                <a14:hiddenLine xmlns="" xmlns:a16="http://schemas.microsoft.com/office/drawing/2014/main" xmlns:p14="http://schemas.microsoft.com/office/powerpoint/2010/main" xmlns:a14="http://schemas.microsoft.com/office/drawing/2010/main" w="9525">
+                  <a:solidFill>
+                    <a:srgbClr val="000000"/>
+                  </a:solidFill>
+                  <a:round/>
+                  <a:headEnd/>
+                  <a:tailEnd/>
+                </a14:hiddenLine>
+              </a:ext>
+            </a:extLst>
+          </p:spPr>
+        </p:sp>
+        <p:sp>
+          <p:nvSpPr>
+            <p:cNvPr id="62" name="Freeform 15">
+              <a:extLst>
+                <a:ext uri="{FF2B5EF4-FFF2-40B4-BE49-F238E27FC236}">
+                  <a16:creationId xmlns:a16="http://schemas.microsoft.com/office/drawing/2014/main" id="{B88FFB19-5A5E-4078-B467-9D4ABD21BD9A}"/>
+                </a:ext>
+                <a:ext uri="{C183D7F6-B498-43B3-948B-1728B52AA6E4}">
+                  <adec:decorative xmlns:adec="http://schemas.microsoft.com/office/drawing/2017/decorative" val="1"/>
+                </a:ext>
+              </a:extLst>
+            </p:cNvPr>
+            <p:cNvSpPr>
+              <a:spLocks noEditPoints="1"/>
+            </p:cNvSpPr>
+            <p:nvPr>
+              <p:extLst>
+                <p:ext uri="{386F3935-93C4-4BCD-93E2-E3B085C9AB24}">
+                  <p16:designElem xmlns:p16="http://schemas.microsoft.com/office/powerpoint/2015/main" val="1"/>
+                </p:ext>
+              </p:extLst>
+            </p:nvPr>
+          </p:nvSpPr>
+          <p:spPr bwMode="auto">
+            <a:xfrm>
+              <a:off x="1020762" y="488950"/>
+              <a:ext cx="161925" cy="147638"/>
+            </a:xfrm>
+            <a:custGeom>
+              <a:avLst/>
+              <a:gdLst/>
+              <a:ahLst/>
+              <a:cxnLst/>
+              <a:rect l="0" t="0" r="r" b="b"/>
+              <a:pathLst>
+                <a:path w="34" h="31">
+                  <a:moveTo>
+                    <a:pt x="17" y="31"/>
+                  </a:moveTo>
+                  <a:cubicBezTo>
+                    <a:pt x="13" y="31"/>
+                    <a:pt x="9" y="30"/>
+                    <a:pt x="6" y="27"/>
+                  </a:cubicBezTo>
+                  <a:cubicBezTo>
+                    <a:pt x="0" y="20"/>
+                    <a:pt x="0" y="10"/>
+                    <a:pt x="6" y="4"/>
+                  </a:cubicBezTo>
+                  <a:cubicBezTo>
+                    <a:pt x="9" y="1"/>
+                    <a:pt x="13" y="0"/>
+                    <a:pt x="17" y="0"/>
+                  </a:cubicBezTo>
+                  <a:cubicBezTo>
+                    <a:pt x="21" y="0"/>
+                    <a:pt x="25" y="1"/>
+                    <a:pt x="28" y="4"/>
+                  </a:cubicBezTo>
+                  <a:cubicBezTo>
+                    <a:pt x="34" y="10"/>
+                    <a:pt x="34" y="20"/>
+                    <a:pt x="28" y="27"/>
+                  </a:cubicBezTo>
+                  <a:cubicBezTo>
+                    <a:pt x="25" y="30"/>
+                    <a:pt x="21" y="31"/>
+                    <a:pt x="17" y="31"/>
+                  </a:cubicBezTo>
+                  <a:close/>
+                  <a:moveTo>
+                    <a:pt x="17" y="4"/>
+                  </a:moveTo>
+                  <a:cubicBezTo>
+                    <a:pt x="14" y="4"/>
+                    <a:pt x="11" y="5"/>
+                    <a:pt x="9" y="7"/>
+                  </a:cubicBezTo>
+                  <a:cubicBezTo>
+                    <a:pt x="4" y="12"/>
+                    <a:pt x="4" y="19"/>
+                    <a:pt x="9" y="24"/>
+                  </a:cubicBezTo>
+                  <a:cubicBezTo>
+                    <a:pt x="11" y="26"/>
+                    <a:pt x="14" y="27"/>
+                    <a:pt x="17" y="27"/>
+                  </a:cubicBezTo>
+                  <a:cubicBezTo>
+                    <a:pt x="20" y="27"/>
+                    <a:pt x="23" y="26"/>
+                    <a:pt x="25" y="24"/>
+                  </a:cubicBezTo>
+                  <a:cubicBezTo>
+                    <a:pt x="30" y="19"/>
+                    <a:pt x="30" y="12"/>
+                    <a:pt x="25" y="7"/>
+                  </a:cubicBezTo>
+                  <a:cubicBezTo>
+                    <a:pt x="23" y="5"/>
+                    <a:pt x="20" y="4"/>
+                    <a:pt x="17" y="4"/>
+                  </a:cubicBezTo>
+                  <a:close/>
+                </a:path>
+              </a:pathLst>
+            </a:custGeom>
+            <a:grpFill/>
+            <a:ln>
+              <a:noFill/>
+            </a:ln>
+            <a:extLst>
+              <a:ext uri="{91240B29-F687-4f45-9708-019B960494DF}">
+                <a14:hiddenLine xmlns="" xmlns:a16="http://schemas.microsoft.com/office/drawing/2014/main" xmlns:p14="http://schemas.microsoft.com/office/powerpoint/2010/main" xmlns:a14="http://schemas.microsoft.com/office/drawing/2010/main" w="9525">
+                  <a:solidFill>
+                    <a:srgbClr val="000000"/>
+                  </a:solidFill>
+                  <a:round/>
+                  <a:headEnd/>
+                  <a:tailEnd/>
+                </a14:hiddenLine>
+              </a:ext>
+            </a:extLst>
+          </p:spPr>
+        </p:sp>
+        <p:sp>
+          <p:nvSpPr>
+            <p:cNvPr id="63" name="Line 16">
+              <a:extLst>
+                <a:ext uri="{FF2B5EF4-FFF2-40B4-BE49-F238E27FC236}">
+                  <a16:creationId xmlns:a16="http://schemas.microsoft.com/office/drawing/2014/main" id="{11042975-3D19-4728-BCDA-D3F5CD633EDB}"/>
+                </a:ext>
+                <a:ext uri="{C183D7F6-B498-43B3-948B-1728B52AA6E4}">
+                  <adec:decorative xmlns:adec="http://schemas.microsoft.com/office/drawing/2017/decorative" val="1"/>
+                </a:ext>
+              </a:extLst>
+            </p:cNvPr>
+            <p:cNvSpPr>
+              <a:spLocks noChangeShapeType="1"/>
+            </p:cNvSpPr>
+            <p:nvPr>
+              <p:extLst>
+                <p:ext uri="{386F3935-93C4-4BCD-93E2-E3B085C9AB24}">
+                  <p16:designElem xmlns:p16="http://schemas.microsoft.com/office/powerpoint/2015/main" val="1"/>
+                </p:ext>
+              </p:extLst>
+            </p:nvPr>
+          </p:nvSpPr>
+          <p:spPr bwMode="auto">
+            <a:xfrm>
+              <a:off x="-4763" y="9525"/>
+              <a:ext cx="0" cy="0"/>
+            </a:xfrm>
+            <a:prstGeom prst="line">
+              <a:avLst/>
+            </a:prstGeom>
+            <a:grpFill/>
+            <a:ln w="15" cap="flat">
+              <a:solidFill>
+                <a:srgbClr val="FFFFFF"/>
+              </a:solidFill>
+              <a:prstDash val="solid"/>
+              <a:miter lim="800000"/>
+              <a:headEnd/>
+              <a:tailEnd/>
+            </a:ln>
+          </p:spPr>
+        </p:sp>
+        <p:sp>
+          <p:nvSpPr>
+            <p:cNvPr id="64" name="Freeform 17">
+              <a:extLst>
+                <a:ext uri="{FF2B5EF4-FFF2-40B4-BE49-F238E27FC236}">
+                  <a16:creationId xmlns:a16="http://schemas.microsoft.com/office/drawing/2014/main" id="{A28972BD-D2E1-4DCA-A907-2E3B6F606649}"/>
+                </a:ext>
+                <a:ext uri="{C183D7F6-B498-43B3-948B-1728B52AA6E4}">
+                  <adec:decorative xmlns:adec="http://schemas.microsoft.com/office/drawing/2017/decorative" val="1"/>
+                </a:ext>
+              </a:extLst>
+            </p:cNvPr>
+            <p:cNvSpPr/>
+            <p:nvPr>
+              <p:extLst>
+                <p:ext uri="{386F3935-93C4-4BCD-93E2-E3B085C9AB24}">
+                  <p16:designElem xmlns:p16="http://schemas.microsoft.com/office/powerpoint/2015/main" val="1"/>
+                </p:ext>
+              </p:extLst>
+            </p:nvPr>
+          </p:nvSpPr>
+          <p:spPr bwMode="auto">
+            <a:xfrm>
+              <a:off x="9525" y="1801813"/>
+              <a:ext cx="123825" cy="127000"/>
+            </a:xfrm>
+            <a:custGeom>
+              <a:avLst/>
+              <a:gdLst/>
+              <a:ahLst/>
+              <a:cxnLst/>
+              <a:rect l="0" t="0" r="r" b="b"/>
+              <a:pathLst>
+                <a:path w="78" h="80">
+                  <a:moveTo>
+                    <a:pt x="6" y="80"/>
+                  </a:moveTo>
+                  <a:lnTo>
+                    <a:pt x="0" y="71"/>
+                  </a:lnTo>
+                  <a:lnTo>
+                    <a:pt x="69" y="0"/>
+                  </a:lnTo>
+                  <a:lnTo>
+                    <a:pt x="78" y="9"/>
+                  </a:lnTo>
+                  <a:lnTo>
+                    <a:pt x="6" y="80"/>
+                  </a:lnTo>
+                  <a:close/>
+                </a:path>
+              </a:pathLst>
+            </a:custGeom>
+            <a:grpFill/>
+            <a:ln>
+              <a:noFill/>
+            </a:ln>
+            <a:extLst>
+              <a:ext uri="{91240B29-F687-4f45-9708-019B960494DF}">
                 <a14:hiddenLine xmlns="" xmlns:a16="http://schemas.microsoft.com/office/drawing/2014/main" xmlns:p14="http://schemas.microsoft.com/office/powerpoint/2010/main" xmlns:a14="http://schemas.microsoft.com/office/drawing/2010/main" w="9525">
                   <a:solidFill>
                     <a:srgbClr val="000000"/>
@@ -28288,7 +31308,7 @@
         </p:nvSpPr>
         <p:spPr>
           <a:xfrm>
-            <a:off x="7675329" y="6393288"/>
+            <a:off x="2583024" y="6394610"/>
             <a:ext cx="2743200" cy="365125"/>
           </a:xfrm>
         </p:spPr>
@@ -28322,7 +31342,7 @@
         </p:nvSpPr>
         <p:spPr>
           <a:xfrm>
-            <a:off x="10481895" y="6407944"/>
+            <a:off x="5291886" y="6392105"/>
             <a:ext cx="771089" cy="365125"/>
           </a:xfrm>
         </p:spPr>
@@ -28333,12 +31353,476 @@
             <a:pPr rtl="0"/>
             <a:fld id="{6D22F896-40B5-4ADD-8801-0D06FADFA095}" type="slidenum">
               <a:rPr lang="it-IT" noProof="0" smtClean="0"/>
-              <a:t>6</a:t>
+              <a:t>7</a:t>
             </a:fld>
             <a:endParaRPr lang="it-IT" noProof="0" dirty="0"/>
           </a:p>
         </p:txBody>
       </p:sp>
+      <p:pic>
+        <p:nvPicPr>
+          <p:cNvPr id="7" name="Immagine 6">
+            <a:extLst>
+              <a:ext uri="{FF2B5EF4-FFF2-40B4-BE49-F238E27FC236}">
+                <a16:creationId xmlns:a16="http://schemas.microsoft.com/office/drawing/2014/main" id="{9D976DA3-3985-4A9E-86AB-FF3876B607F0}"/>
+              </a:ext>
+            </a:extLst>
+          </p:cNvPr>
+          <p:cNvPicPr>
+            <a:picLocks noChangeAspect="1"/>
+          </p:cNvPicPr>
+          <p:nvPr/>
+        </p:nvPicPr>
+        <p:blipFill>
+          <a:blip r:embed="rId3"/>
+          <a:stretch>
+            <a:fillRect/>
+          </a:stretch>
+        </p:blipFill>
+        <p:spPr>
+          <a:xfrm>
+            <a:off x="6294967" y="76216"/>
+            <a:ext cx="5768445" cy="6681014"/>
+          </a:xfrm>
+          <a:prstGeom prst="roundRect">
+            <a:avLst>
+              <a:gd name="adj" fmla="val 2370"/>
+            </a:avLst>
+          </a:prstGeom>
+          <a:solidFill>
+            <a:srgbClr val="FFFFFF">
+              <a:shade val="85000"/>
+            </a:srgbClr>
+          </a:solidFill>
+          <a:ln>
+            <a:noFill/>
+          </a:ln>
+          <a:effectLst/>
+        </p:spPr>
+      </p:pic>
+      <p:sp>
+        <p:nvSpPr>
+          <p:cNvPr id="9" name="CasellaDiTesto 8">
+            <a:extLst>
+              <a:ext uri="{FF2B5EF4-FFF2-40B4-BE49-F238E27FC236}">
+                <a16:creationId xmlns:a16="http://schemas.microsoft.com/office/drawing/2014/main" id="{44F6FB35-BDEF-43E2-A988-0F98E65D9516}"/>
+              </a:ext>
+            </a:extLst>
+          </p:cNvPr>
+          <p:cNvSpPr txBox="1"/>
+          <p:nvPr/>
+        </p:nvSpPr>
+        <p:spPr>
+          <a:xfrm>
+            <a:off x="2124892" y="340034"/>
+            <a:ext cx="2547776" cy="430887"/>
+          </a:xfrm>
+          <a:prstGeom prst="rect">
+            <a:avLst/>
+          </a:prstGeom>
+          <a:noFill/>
+        </p:spPr>
+        <p:txBody>
+          <a:bodyPr wrap="square" rtlCol="0">
+            <a:spAutoFit/>
+          </a:bodyPr>
+          <a:lstStyle/>
+          <a:p>
+            <a:r>
+              <a:rPr lang="it-IT" sz="2200" dirty="0"/>
+              <a:t>Creazione del figlio</a:t>
+            </a:r>
+          </a:p>
+        </p:txBody>
+      </p:sp>
+      <p:sp>
+        <p:nvSpPr>
+          <p:cNvPr id="10" name="CasellaDiTesto 9">
+            <a:extLst>
+              <a:ext uri="{FF2B5EF4-FFF2-40B4-BE49-F238E27FC236}">
+                <a16:creationId xmlns:a16="http://schemas.microsoft.com/office/drawing/2014/main" id="{0602750C-F6A6-43CA-9DAC-FBD7FCC367E6}"/>
+              </a:ext>
+            </a:extLst>
+          </p:cNvPr>
+          <p:cNvSpPr txBox="1"/>
+          <p:nvPr/>
+        </p:nvSpPr>
+        <p:spPr>
+          <a:xfrm>
+            <a:off x="1431007" y="2559961"/>
+            <a:ext cx="3009509" cy="430887"/>
+          </a:xfrm>
+          <a:prstGeom prst="rect">
+            <a:avLst/>
+          </a:prstGeom>
+          <a:noFill/>
+        </p:spPr>
+        <p:txBody>
+          <a:bodyPr wrap="square" rtlCol="0">
+            <a:spAutoFit/>
+          </a:bodyPr>
+          <a:lstStyle/>
+          <a:p>
+            <a:r>
+              <a:rPr lang="it-IT" sz="2200" dirty="0"/>
+              <a:t>Lettura nome directory</a:t>
+            </a:r>
+          </a:p>
+        </p:txBody>
+      </p:sp>
+      <p:sp>
+        <p:nvSpPr>
+          <p:cNvPr id="11" name="CasellaDiTesto 10">
+            <a:extLst>
+              <a:ext uri="{FF2B5EF4-FFF2-40B4-BE49-F238E27FC236}">
+                <a16:creationId xmlns:a16="http://schemas.microsoft.com/office/drawing/2014/main" id="{62C1379A-A82A-451F-847D-B16EAD2F4453}"/>
+              </a:ext>
+            </a:extLst>
+          </p:cNvPr>
+          <p:cNvSpPr txBox="1"/>
+          <p:nvPr/>
+        </p:nvSpPr>
+        <p:spPr>
+          <a:xfrm>
+            <a:off x="1020679" y="1728094"/>
+            <a:ext cx="3680665" cy="430887"/>
+          </a:xfrm>
+          <a:prstGeom prst="rect">
+            <a:avLst/>
+          </a:prstGeom>
+          <a:noFill/>
+        </p:spPr>
+        <p:txBody>
+          <a:bodyPr wrap="square" rtlCol="0">
+            <a:spAutoFit/>
+          </a:bodyPr>
+          <a:lstStyle/>
+          <a:p>
+            <a:r>
+              <a:rPr lang="it-IT" sz="2200" dirty="0"/>
+              <a:t>Controllo e validità directory</a:t>
+            </a:r>
+          </a:p>
+        </p:txBody>
+      </p:sp>
+      <p:sp>
+        <p:nvSpPr>
+          <p:cNvPr id="12" name="CasellaDiTesto 11">
+            <a:extLst>
+              <a:ext uri="{FF2B5EF4-FFF2-40B4-BE49-F238E27FC236}">
+                <a16:creationId xmlns:a16="http://schemas.microsoft.com/office/drawing/2014/main" id="{0440DE73-2EFF-4A9F-A000-6AE6277BE7EF}"/>
+              </a:ext>
+            </a:extLst>
+          </p:cNvPr>
+          <p:cNvSpPr txBox="1"/>
+          <p:nvPr/>
+        </p:nvSpPr>
+        <p:spPr>
+          <a:xfrm>
+            <a:off x="929402" y="3732578"/>
+            <a:ext cx="4005263" cy="769441"/>
+          </a:xfrm>
+          <a:prstGeom prst="rect">
+            <a:avLst/>
+          </a:prstGeom>
+          <a:noFill/>
+        </p:spPr>
+        <p:txBody>
+          <a:bodyPr wrap="square" rtlCol="0">
+            <a:spAutoFit/>
+          </a:bodyPr>
+          <a:lstStyle/>
+          <a:p>
+            <a:r>
+              <a:rPr lang="it-IT" sz="2200" dirty="0"/>
+              <a:t>Ciclo di controllo esistenza sotto-directory</a:t>
+            </a:r>
+          </a:p>
+        </p:txBody>
+      </p:sp>
+      <p:sp>
+        <p:nvSpPr>
+          <p:cNvPr id="15" name="CasellaDiTesto 14">
+            <a:extLst>
+              <a:ext uri="{FF2B5EF4-FFF2-40B4-BE49-F238E27FC236}">
+                <a16:creationId xmlns:a16="http://schemas.microsoft.com/office/drawing/2014/main" id="{97B9A60A-BF16-41F7-89C7-E00B6534D71E}"/>
+              </a:ext>
+            </a:extLst>
+          </p:cNvPr>
+          <p:cNvSpPr txBox="1"/>
+          <p:nvPr/>
+        </p:nvSpPr>
+        <p:spPr>
+          <a:xfrm>
+            <a:off x="1046670" y="5175536"/>
+            <a:ext cx="3893631" cy="769441"/>
+          </a:xfrm>
+          <a:prstGeom prst="rect">
+            <a:avLst/>
+          </a:prstGeom>
+          <a:noFill/>
+        </p:spPr>
+        <p:txBody>
+          <a:bodyPr wrap="square" rtlCol="0">
+            <a:spAutoFit/>
+          </a:bodyPr>
+          <a:lstStyle/>
+          <a:p>
+            <a:r>
+              <a:rPr lang="it-IT" sz="2200" dirty="0"/>
+              <a:t>Scrittura su </a:t>
+            </a:r>
+            <a:r>
+              <a:rPr lang="it-IT" sz="2200" dirty="0" err="1"/>
+              <a:t>socket</a:t>
+            </a:r>
+            <a:r>
+              <a:rPr lang="it-IT" sz="2200" dirty="0"/>
+              <a:t> sotto-directory trovate</a:t>
+            </a:r>
+          </a:p>
+        </p:txBody>
+      </p:sp>
+      <p:cxnSp>
+        <p:nvCxnSpPr>
+          <p:cNvPr id="17" name="Connettore 2 16">
+            <a:extLst>
+              <a:ext uri="{FF2B5EF4-FFF2-40B4-BE49-F238E27FC236}">
+                <a16:creationId xmlns:a16="http://schemas.microsoft.com/office/drawing/2014/main" id="{0455BBCC-CB32-4178-85BC-ED29DA9061C8}"/>
+              </a:ext>
+            </a:extLst>
+          </p:cNvPr>
+          <p:cNvCxnSpPr>
+            <a:cxnSpLocks/>
+            <a:stCxn id="9" idx="3"/>
+          </p:cNvCxnSpPr>
+          <p:nvPr/>
+        </p:nvCxnSpPr>
+        <p:spPr>
+          <a:xfrm flipV="1">
+            <a:off x="4672668" y="241770"/>
+            <a:ext cx="1584130" cy="313708"/>
+          </a:xfrm>
+          <a:prstGeom prst="straightConnector1">
+            <a:avLst/>
+          </a:prstGeom>
+          <a:ln w="22225">
+            <a:solidFill>
+              <a:schemeClr val="tx2">
+                <a:lumMod val="60000"/>
+                <a:lumOff val="40000"/>
+              </a:schemeClr>
+            </a:solidFill>
+            <a:tailEnd type="triangle"/>
+          </a:ln>
+        </p:spPr>
+        <p:style>
+          <a:lnRef idx="1">
+            <a:schemeClr val="accent5"/>
+          </a:lnRef>
+          <a:fillRef idx="0">
+            <a:schemeClr val="accent5"/>
+          </a:fillRef>
+          <a:effectRef idx="0">
+            <a:schemeClr val="accent5"/>
+          </a:effectRef>
+          <a:fontRef idx="minor">
+            <a:schemeClr val="tx1"/>
+          </a:fontRef>
+        </p:style>
+      </p:cxnSp>
+      <p:cxnSp>
+        <p:nvCxnSpPr>
+          <p:cNvPr id="19" name="Connettore 2 18">
+            <a:extLst>
+              <a:ext uri="{FF2B5EF4-FFF2-40B4-BE49-F238E27FC236}">
+                <a16:creationId xmlns:a16="http://schemas.microsoft.com/office/drawing/2014/main" id="{815F70B8-F329-4F1F-B826-0D688A86C8D8}"/>
+              </a:ext>
+            </a:extLst>
+          </p:cNvPr>
+          <p:cNvCxnSpPr>
+            <a:cxnSpLocks/>
+            <a:stCxn id="11" idx="3"/>
+          </p:cNvCxnSpPr>
+          <p:nvPr/>
+        </p:nvCxnSpPr>
+        <p:spPr>
+          <a:xfrm flipV="1">
+            <a:off x="4701344" y="1924536"/>
+            <a:ext cx="1579252" cy="19002"/>
+          </a:xfrm>
+          <a:prstGeom prst="straightConnector1">
+            <a:avLst/>
+          </a:prstGeom>
+          <a:ln w="22225">
+            <a:solidFill>
+              <a:schemeClr val="tx2">
+                <a:lumMod val="60000"/>
+                <a:lumOff val="40000"/>
+              </a:schemeClr>
+            </a:solidFill>
+            <a:tailEnd type="triangle"/>
+          </a:ln>
+        </p:spPr>
+        <p:style>
+          <a:lnRef idx="1">
+            <a:schemeClr val="accent1"/>
+          </a:lnRef>
+          <a:fillRef idx="0">
+            <a:schemeClr val="accent1"/>
+          </a:fillRef>
+          <a:effectRef idx="0">
+            <a:schemeClr val="accent1"/>
+          </a:effectRef>
+          <a:fontRef idx="minor">
+            <a:schemeClr val="tx1"/>
+          </a:fontRef>
+        </p:style>
+      </p:cxnSp>
+      <p:cxnSp>
+        <p:nvCxnSpPr>
+          <p:cNvPr id="21" name="Connettore 2 20">
+            <a:extLst>
+              <a:ext uri="{FF2B5EF4-FFF2-40B4-BE49-F238E27FC236}">
+                <a16:creationId xmlns:a16="http://schemas.microsoft.com/office/drawing/2014/main" id="{E9ADFC1E-BB30-47E1-8950-FCF694CD3094}"/>
+              </a:ext>
+            </a:extLst>
+          </p:cNvPr>
+          <p:cNvCxnSpPr>
+            <a:cxnSpLocks/>
+            <a:stCxn id="10" idx="3"/>
+          </p:cNvCxnSpPr>
+          <p:nvPr/>
+        </p:nvCxnSpPr>
+        <p:spPr>
+          <a:xfrm flipV="1">
+            <a:off x="4440516" y="2747366"/>
+            <a:ext cx="1851737" cy="28039"/>
+          </a:xfrm>
+          <a:prstGeom prst="straightConnector1">
+            <a:avLst/>
+          </a:prstGeom>
+          <a:ln w="22225">
+            <a:solidFill>
+              <a:schemeClr val="tx2">
+                <a:lumMod val="60000"/>
+                <a:lumOff val="40000"/>
+              </a:schemeClr>
+            </a:solidFill>
+            <a:tailEnd type="triangle"/>
+          </a:ln>
+        </p:spPr>
+        <p:style>
+          <a:lnRef idx="1">
+            <a:schemeClr val="accent1"/>
+          </a:lnRef>
+          <a:fillRef idx="0">
+            <a:schemeClr val="accent1"/>
+          </a:fillRef>
+          <a:effectRef idx="0">
+            <a:schemeClr val="accent1"/>
+          </a:effectRef>
+          <a:fontRef idx="minor">
+            <a:schemeClr val="tx1"/>
+          </a:fontRef>
+        </p:style>
+      </p:cxnSp>
+      <p:cxnSp>
+        <p:nvCxnSpPr>
+          <p:cNvPr id="28" name="Connettore 2 27">
+            <a:extLst>
+              <a:ext uri="{FF2B5EF4-FFF2-40B4-BE49-F238E27FC236}">
+                <a16:creationId xmlns:a16="http://schemas.microsoft.com/office/drawing/2014/main" id="{5B3F3D87-3D13-41C1-A943-84B90D3786DB}"/>
+              </a:ext>
+            </a:extLst>
+          </p:cNvPr>
+          <p:cNvCxnSpPr>
+            <a:cxnSpLocks/>
+            <a:stCxn id="12" idx="3"/>
+          </p:cNvCxnSpPr>
+          <p:nvPr/>
+        </p:nvCxnSpPr>
+        <p:spPr>
+          <a:xfrm>
+            <a:off x="4934665" y="4117299"/>
+            <a:ext cx="1357588" cy="0"/>
+          </a:xfrm>
+          <a:prstGeom prst="straightConnector1">
+            <a:avLst/>
+          </a:prstGeom>
+          <a:ln w="22225">
+            <a:solidFill>
+              <a:schemeClr val="tx2">
+                <a:lumMod val="60000"/>
+                <a:lumOff val="40000"/>
+              </a:schemeClr>
+            </a:solidFill>
+            <a:tailEnd type="triangle"/>
+          </a:ln>
+        </p:spPr>
+        <p:style>
+          <a:lnRef idx="1">
+            <a:schemeClr val="accent1"/>
+          </a:lnRef>
+          <a:fillRef idx="0">
+            <a:schemeClr val="accent1"/>
+          </a:fillRef>
+          <a:effectRef idx="0">
+            <a:schemeClr val="accent1"/>
+          </a:effectRef>
+          <a:fontRef idx="minor">
+            <a:schemeClr val="tx1"/>
+          </a:fontRef>
+        </p:style>
+      </p:cxnSp>
+      <p:cxnSp>
+        <p:nvCxnSpPr>
+          <p:cNvPr id="30" name="Connettore 2 29">
+            <a:extLst>
+              <a:ext uri="{FF2B5EF4-FFF2-40B4-BE49-F238E27FC236}">
+                <a16:creationId xmlns:a16="http://schemas.microsoft.com/office/drawing/2014/main" id="{B6E7D6C3-DC84-4E44-93FC-D6D7BB110540}"/>
+              </a:ext>
+            </a:extLst>
+          </p:cNvPr>
+          <p:cNvCxnSpPr>
+            <a:cxnSpLocks/>
+            <a:stCxn id="15" idx="3"/>
+          </p:cNvCxnSpPr>
+          <p:nvPr/>
+        </p:nvCxnSpPr>
+        <p:spPr>
+          <a:xfrm>
+            <a:off x="4940301" y="5560257"/>
+            <a:ext cx="1249892" cy="0"/>
+          </a:xfrm>
+          <a:prstGeom prst="straightConnector1">
+            <a:avLst/>
+          </a:prstGeom>
+          <a:ln w="22225">
+            <a:solidFill>
+              <a:schemeClr val="tx2">
+                <a:lumMod val="60000"/>
+                <a:lumOff val="40000"/>
+              </a:schemeClr>
+            </a:solidFill>
+            <a:tailEnd type="triangle"/>
+          </a:ln>
+        </p:spPr>
+        <p:style>
+          <a:lnRef idx="1">
+            <a:schemeClr val="accent1"/>
+          </a:lnRef>
+          <a:fillRef idx="0">
+            <a:schemeClr val="accent1"/>
+          </a:fillRef>
+          <a:effectRef idx="0">
+            <a:schemeClr val="accent1"/>
+          </a:effectRef>
+          <a:fontRef idx="minor">
+            <a:schemeClr val="tx1"/>
+          </a:fontRef>
+        </p:style>
+      </p:cxnSp>
     </p:spTree>
     <p:extLst>
       <p:ext uri="{BB962C8B-B14F-4D97-AF65-F5344CB8AC3E}">
@@ -28352,7 +31836,7 @@
 </p:sld>
 </file>
 
-<file path=ppt/slides/slide7.xml><?xml version="1.0" encoding="utf-8"?>
+<file path=ppt/slides/slide8.xml><?xml version="1.0" encoding="utf-8"?>
 <p:sld xmlns:a="http://schemas.openxmlformats.org/drawingml/2006/main" xmlns:r="http://schemas.openxmlformats.org/officeDocument/2006/relationships" xmlns:p="http://schemas.openxmlformats.org/presentationml/2006/main">
   <p:cSld>
     <p:spTree>
@@ -31048,7 +34532,7 @@
             <a:pPr rtl="0"/>
             <a:fld id="{6D22F896-40B5-4ADD-8801-0D06FADFA095}" type="slidenum">
               <a:rPr lang="it-IT" noProof="0" smtClean="0"/>
-              <a:t>7</a:t>
+              <a:t>8</a:t>
             </a:fld>
             <a:endParaRPr lang="it-IT" noProof="0" dirty="0"/>
           </a:p>

--- a/Esercitazione_4/esercitazione4.pptx
+++ b/Esercitazione_4/esercitazione4.pptx
@@ -15,9 +15,9 @@
     <p:sldId id="289" r:id="rId6"/>
     <p:sldId id="300" r:id="rId7"/>
     <p:sldId id="313" r:id="rId8"/>
-    <p:sldId id="314" r:id="rId9"/>
-    <p:sldId id="316" r:id="rId10"/>
-    <p:sldId id="315" r:id="rId11"/>
+    <p:sldId id="316" r:id="rId9"/>
+    <p:sldId id="317" r:id="rId10"/>
+    <p:sldId id="314" r:id="rId11"/>
     <p:sldId id="295" r:id="rId12"/>
   </p:sldIdLst>
   <p:sldSz cx="12192000" cy="6858000"/>
@@ -242,7 +242,7 @@
           <a:p>
             <a:fld id="{B55857BA-F4AF-4FDB-9BD7-33CC67AEAE19}" type="datetimeFigureOut">
               <a:rPr lang="it-IT" smtClean="0"/>
-              <a:t>07/11/2021</a:t>
+              <a:t>08/11/2021</a:t>
             </a:fld>
             <a:endParaRPr lang="it-IT"/>
           </a:p>
@@ -420,7 +420,7 @@
           <a:p>
             <a:fld id="{1FCC0C39-E717-4206-B48F-03024D75E04C}" type="datetimeFigureOut">
               <a:rPr lang="it-IT" noProof="0" smtClean="0"/>
-              <a:t>07/11/2021</a:t>
+              <a:t>08/11/2021</a:t>
             </a:fld>
             <a:endParaRPr lang="it-IT" noProof="0"/>
           </a:p>
@@ -23087,8 +23087,13 @@
             <a:pPr algn="ctr"/>
             <a:r>
               <a:rPr lang="en-US" sz="6000" dirty="0"/>
-              <a:t>Server UDP</a:t>
+              <a:t>Server </a:t>
             </a:r>
+            <a:r>
+              <a:rPr lang="en-US" sz="6000" dirty="0" err="1"/>
+              <a:t>tcp</a:t>
+            </a:r>
+            <a:endParaRPr lang="en-US" sz="6000" dirty="0"/>
           </a:p>
         </p:txBody>
       </p:sp>
@@ -25615,2722 +25620,6 @@
             <a:fld id="{6D22F896-40B5-4ADD-8801-0D06FADFA095}" type="slidenum">
               <a:rPr lang="it-IT" noProof="0" smtClean="0"/>
               <a:t>5</a:t>
-            </a:fld>
-            <a:endParaRPr lang="it-IT" noProof="0" dirty="0"/>
-          </a:p>
-        </p:txBody>
-      </p:sp>
-    </p:spTree>
-    <p:extLst>
-      <p:ext uri="{BB962C8B-B14F-4D97-AF65-F5344CB8AC3E}">
-        <p14:creationId xmlns:p14="http://schemas.microsoft.com/office/powerpoint/2010/main" val="478417283"/>
-      </p:ext>
-    </p:extLst>
-  </p:cSld>
-  <p:clrMapOvr>
-    <a:masterClrMapping/>
-  </p:clrMapOvr>
-</p:sld>
-</file>
-
-<file path=ppt/slides/slide6.xml><?xml version="1.0" encoding="utf-8"?>
-<p:sld xmlns:a="http://schemas.openxmlformats.org/drawingml/2006/main" xmlns:r="http://schemas.openxmlformats.org/officeDocument/2006/relationships" xmlns:p="http://schemas.openxmlformats.org/presentationml/2006/main">
-  <p:cSld>
-    <p:spTree>
-      <p:nvGrpSpPr>
-        <p:cNvPr id="1" name=""/>
-        <p:cNvGrpSpPr/>
-        <p:nvPr/>
-      </p:nvGrpSpPr>
-      <p:grpSpPr>
-        <a:xfrm>
-          <a:off x="0" y="0"/>
-          <a:ext cx="0" cy="0"/>
-          <a:chOff x="0" y="0"/>
-          <a:chExt cx="0" cy="0"/>
-        </a:xfrm>
-      </p:grpSpPr>
-      <p:sp useBgFill="1">
-        <p:nvSpPr>
-          <p:cNvPr id="43" name="Rectangle 46">
-            <a:extLst>
-              <a:ext uri="{FF2B5EF4-FFF2-40B4-BE49-F238E27FC236}">
-                <a16:creationId xmlns:a16="http://schemas.microsoft.com/office/drawing/2014/main" id="{C2E4E997-8672-4FFD-B8EC-9932A8E4714B}"/>
-              </a:ext>
-              <a:ext uri="{C183D7F6-B498-43B3-948B-1728B52AA6E4}">
-                <adec:decorative xmlns:adec="http://schemas.microsoft.com/office/drawing/2017/decorative" val="1"/>
-              </a:ext>
-            </a:extLst>
-          </p:cNvPr>
-          <p:cNvSpPr>
-            <a:spLocks noGrp="1" noRot="1" noChangeAspect="1" noMove="1" noResize="1" noEditPoints="1" noAdjustHandles="1" noChangeArrowheads="1" noChangeShapeType="1" noTextEdit="1"/>
-          </p:cNvSpPr>
-          <p:nvPr>
-            <p:extLst>
-              <p:ext uri="{386F3935-93C4-4BCD-93E2-E3B085C9AB24}">
-                <p16:designElem xmlns:p16="http://schemas.microsoft.com/office/powerpoint/2015/main" val="1"/>
-              </p:ext>
-            </p:extLst>
-          </p:nvPr>
-        </p:nvSpPr>
-        <p:spPr>
-          <a:xfrm>
-            <a:off x="0" y="0"/>
-            <a:ext cx="12192000" cy="6858000"/>
-          </a:xfrm>
-          <a:prstGeom prst="rect">
-            <a:avLst/>
-          </a:prstGeom>
-          <a:ln>
-            <a:noFill/>
-          </a:ln>
-        </p:spPr>
-        <p:style>
-          <a:lnRef idx="2">
-            <a:schemeClr val="accent1">
-              <a:shade val="50000"/>
-            </a:schemeClr>
-          </a:lnRef>
-          <a:fillRef idx="1003">
-            <a:schemeClr val="dk2"/>
-          </a:fillRef>
-          <a:effectRef idx="0">
-            <a:schemeClr val="accent1"/>
-          </a:effectRef>
-          <a:fontRef idx="minor">
-            <a:schemeClr val="lt1"/>
-          </a:fontRef>
-        </p:style>
-        <p:txBody>
-          <a:bodyPr rtlCol="0" anchor="ctr"/>
-          <a:lstStyle/>
-          <a:p>
-            <a:pPr algn="ctr"/>
-            <a:endParaRPr lang="en-US" dirty="0"/>
-          </a:p>
-        </p:txBody>
-      </p:sp>
-      <p:pic>
-        <p:nvPicPr>
-          <p:cNvPr id="49" name="Picture 2">
-            <a:extLst>
-              <a:ext uri="{FF2B5EF4-FFF2-40B4-BE49-F238E27FC236}">
-                <a16:creationId xmlns:a16="http://schemas.microsoft.com/office/drawing/2014/main" id="{FE6BA9E6-1D9E-4D30-B528-D49FA1342E4E}"/>
-              </a:ext>
-              <a:ext uri="{C183D7F6-B498-43B3-948B-1728B52AA6E4}">
-                <adec:decorative xmlns:adec="http://schemas.microsoft.com/office/drawing/2017/decorative" val="1"/>
-              </a:ext>
-            </a:extLst>
-          </p:cNvPr>
-          <p:cNvPicPr>
-            <a:picLocks noGrp="1" noRot="1" noChangeAspect="1" noMove="1" noResize="1" noEditPoints="1" noAdjustHandles="1" noChangeArrowheads="1" noChangeShapeType="1" noCrop="1"/>
-          </p:cNvPicPr>
-          <p:nvPr>
-            <p:extLst>
-              <p:ext uri="{386F3935-93C4-4BCD-93E2-E3B085C9AB24}">
-                <p16:designElem xmlns:p16="http://schemas.microsoft.com/office/powerpoint/2015/main" val="1"/>
-              </p:ext>
-            </p:extLst>
-          </p:nvPr>
-        </p:nvPicPr>
-        <p:blipFill>
-          <a:blip r:embed="rId2">
-            <a:alphaModFix amt="30000"/>
-            <a:extLst>
-              <a:ext uri="{28A0092B-C50C-407E-A947-70E740481C1C}">
-                <a14:useLocalDpi xmlns:a14="http://schemas.microsoft.com/office/drawing/2010/main" val="0"/>
-              </a:ext>
-            </a:extLst>
-          </a:blip>
-          <a:srcRect/>
-          <a:stretch>
-            <a:fillRect/>
-          </a:stretch>
-        </p:blipFill>
-        <p:spPr bwMode="auto">
-          <a:xfrm>
-            <a:off x="0" y="0"/>
-            <a:ext cx="12192003" cy="6858001"/>
-          </a:xfrm>
-          <a:prstGeom prst="rect">
-            <a:avLst/>
-          </a:prstGeom>
-          <a:noFill/>
-          <a:extLst>
-            <a:ext uri="{909E8E84-426E-40dd-AFC4-6F175D3DCCD1}">
-              <a14:hiddenFill xmlns:a14="http://schemas.microsoft.com/office/drawing/2010/main" xmlns:p14="http://schemas.microsoft.com/office/powerpoint/2010/main" xmlns:a16="http://schemas.microsoft.com/office/drawing/2014/main" xmlns="">
-                <a:solidFill>
-                  <a:srgbClr val="FFFFFF"/>
-                </a:solidFill>
-              </a14:hiddenFill>
-            </a:ext>
-          </a:extLst>
-        </p:spPr>
-      </p:pic>
-      <p:sp>
-        <p:nvSpPr>
-          <p:cNvPr id="2" name="Title 1">
-            <a:extLst>
-              <a:ext uri="{FF2B5EF4-FFF2-40B4-BE49-F238E27FC236}">
-                <a16:creationId xmlns:a16="http://schemas.microsoft.com/office/drawing/2014/main" id="{78C93F6B-8B30-4101-80EC-44579CCD9C0C}"/>
-              </a:ext>
-            </a:extLst>
-          </p:cNvPr>
-          <p:cNvSpPr>
-            <a:spLocks noGrp="1"/>
-          </p:cNvSpPr>
-          <p:nvPr>
-            <p:ph type="title"/>
-          </p:nvPr>
-        </p:nvSpPr>
-        <p:spPr>
-          <a:xfrm>
-            <a:off x="3658502" y="210852"/>
-            <a:ext cx="4241898" cy="1478570"/>
-          </a:xfrm>
-        </p:spPr>
-        <p:txBody>
-          <a:bodyPr>
-            <a:noAutofit/>
-          </a:bodyPr>
-          <a:lstStyle/>
-          <a:p>
-            <a:pPr algn="ctr"/>
-            <a:r>
-              <a:rPr lang="en-US" sz="6000" dirty="0"/>
-              <a:t>Server </a:t>
-            </a:r>
-            <a:r>
-              <a:rPr lang="en-US" sz="6000" dirty="0" err="1"/>
-              <a:t>tcp</a:t>
-            </a:r>
-            <a:endParaRPr lang="en-US" sz="6000" dirty="0"/>
-          </a:p>
-        </p:txBody>
-      </p:sp>
-      <p:grpSp>
-        <p:nvGrpSpPr>
-          <p:cNvPr id="48" name="Group 50">
-            <a:extLst>
-              <a:ext uri="{FF2B5EF4-FFF2-40B4-BE49-F238E27FC236}">
-                <a16:creationId xmlns:a16="http://schemas.microsoft.com/office/drawing/2014/main" id="{453E4DEE-E996-40F8-8635-0FF43D7348F9}"/>
-              </a:ext>
-              <a:ext uri="{C183D7F6-B498-43B3-948B-1728B52AA6E4}">
-                <adec:decorative xmlns:adec="http://schemas.microsoft.com/office/drawing/2017/decorative" val="1"/>
-              </a:ext>
-            </a:extLst>
-          </p:cNvPr>
-          <p:cNvGrpSpPr>
-            <a:grpSpLocks noGrp="1" noUngrp="1" noRot="1" noChangeAspect="1" noMove="1" noResize="1"/>
-          </p:cNvGrpSpPr>
-          <p:nvPr>
-            <p:extLst>
-              <p:ext uri="{386F3935-93C4-4BCD-93E2-E3B085C9AB24}">
-                <p16:designElem xmlns:p16="http://schemas.microsoft.com/office/powerpoint/2015/main" val="1"/>
-              </p:ext>
-            </p:extLst>
-          </p:nvPr>
-        </p:nvGrpSpPr>
-        <p:grpSpPr>
-          <a:xfrm>
-            <a:off x="0" y="0"/>
-            <a:ext cx="1220788" cy="6858001"/>
-            <a:chOff x="-14288" y="0"/>
-            <a:chExt cx="1220788" cy="6858001"/>
-          </a:xfrm>
-          <a:gradFill flip="none" rotWithShape="1">
-            <a:gsLst>
-              <a:gs pos="0">
-                <a:schemeClr val="tx2"/>
-              </a:gs>
-              <a:gs pos="100000">
-                <a:schemeClr val="bg2">
-                  <a:lumMod val="60000"/>
-                  <a:lumOff val="40000"/>
-                </a:schemeClr>
-              </a:gs>
-            </a:gsLst>
-            <a:lin ang="5400000" scaled="0"/>
-            <a:tileRect/>
-          </a:gradFill>
-        </p:grpSpPr>
-        <p:sp>
-          <p:nvSpPr>
-            <p:cNvPr id="52" name="Rectangle 5">
-              <a:extLst>
-                <a:ext uri="{FF2B5EF4-FFF2-40B4-BE49-F238E27FC236}">
-                  <a16:creationId xmlns:a16="http://schemas.microsoft.com/office/drawing/2014/main" id="{08BD1D3E-43CE-49EB-A424-0738950C6424}"/>
-                </a:ext>
-                <a:ext uri="{C183D7F6-B498-43B3-948B-1728B52AA6E4}">
-                  <adec:decorative xmlns:adec="http://schemas.microsoft.com/office/drawing/2017/decorative" val="1"/>
-                </a:ext>
-              </a:extLst>
-            </p:cNvPr>
-            <p:cNvSpPr>
-              <a:spLocks noChangeArrowheads="1"/>
-            </p:cNvSpPr>
-            <p:nvPr>
-              <p:extLst>
-                <p:ext uri="{386F3935-93C4-4BCD-93E2-E3B085C9AB24}">
-                  <p16:designElem xmlns:p16="http://schemas.microsoft.com/office/powerpoint/2015/main" val="1"/>
-                </p:ext>
-              </p:extLst>
-            </p:nvPr>
-          </p:nvSpPr>
-          <p:spPr bwMode="auto">
-            <a:xfrm>
-              <a:off x="114300" y="4763"/>
-              <a:ext cx="23813" cy="2181225"/>
-            </a:xfrm>
-            <a:prstGeom prst="rect">
-              <a:avLst/>
-            </a:prstGeom>
-            <a:grpFill/>
-            <a:ln>
-              <a:noFill/>
-            </a:ln>
-            <a:extLst>
-              <a:ext uri="{91240B29-F687-4f45-9708-019B960494DF}">
-                <a14:hiddenLine xmlns:a14="http://schemas.microsoft.com/office/drawing/2010/main" xmlns:p14="http://schemas.microsoft.com/office/powerpoint/2010/main" xmlns:a16="http://schemas.microsoft.com/office/drawing/2014/main" xmlns="" w="9525">
-                  <a:solidFill>
-                    <a:srgbClr val="000000"/>
-                  </a:solidFill>
-                  <a:miter lim="800000"/>
-                  <a:headEnd/>
-                  <a:tailEnd/>
-                </a14:hiddenLine>
-              </a:ext>
-            </a:extLst>
-          </p:spPr>
-        </p:sp>
-        <p:sp>
-          <p:nvSpPr>
-            <p:cNvPr id="53" name="Freeform 6">
-              <a:extLst>
-                <a:ext uri="{FF2B5EF4-FFF2-40B4-BE49-F238E27FC236}">
-                  <a16:creationId xmlns:a16="http://schemas.microsoft.com/office/drawing/2014/main" id="{E9182037-E3FA-489A-95D5-29E4248420D8}"/>
-                </a:ext>
-                <a:ext uri="{C183D7F6-B498-43B3-948B-1728B52AA6E4}">
-                  <adec:decorative xmlns:adec="http://schemas.microsoft.com/office/drawing/2017/decorative" val="1"/>
-                </a:ext>
-              </a:extLst>
-            </p:cNvPr>
-            <p:cNvSpPr>
-              <a:spLocks noEditPoints="1"/>
-            </p:cNvSpPr>
-            <p:nvPr>
-              <p:extLst>
-                <p:ext uri="{386F3935-93C4-4BCD-93E2-E3B085C9AB24}">
-                  <p16:designElem xmlns:p16="http://schemas.microsoft.com/office/powerpoint/2015/main" val="1"/>
-                </p:ext>
-              </p:extLst>
-            </p:nvPr>
-          </p:nvSpPr>
-          <p:spPr bwMode="auto">
-            <a:xfrm>
-              <a:off x="33337" y="2176463"/>
-              <a:ext cx="190500" cy="190500"/>
-            </a:xfrm>
-            <a:custGeom>
-              <a:avLst/>
-              <a:gdLst/>
-              <a:ahLst/>
-              <a:cxnLst/>
-              <a:rect l="0" t="0" r="r" b="b"/>
-              <a:pathLst>
-                <a:path w="40" h="40">
-                  <a:moveTo>
-                    <a:pt x="20" y="40"/>
-                  </a:moveTo>
-                  <a:cubicBezTo>
-                    <a:pt x="9" y="40"/>
-                    <a:pt x="0" y="31"/>
-                    <a:pt x="0" y="20"/>
-                  </a:cubicBezTo>
-                  <a:cubicBezTo>
-                    <a:pt x="0" y="9"/>
-                    <a:pt x="9" y="0"/>
-                    <a:pt x="20" y="0"/>
-                  </a:cubicBezTo>
-                  <a:cubicBezTo>
-                    <a:pt x="31" y="0"/>
-                    <a:pt x="40" y="9"/>
-                    <a:pt x="40" y="20"/>
-                  </a:cubicBezTo>
-                  <a:cubicBezTo>
-                    <a:pt x="40" y="31"/>
-                    <a:pt x="31" y="40"/>
-                    <a:pt x="20" y="40"/>
-                  </a:cubicBezTo>
-                  <a:close/>
-                  <a:moveTo>
-                    <a:pt x="20" y="4"/>
-                  </a:moveTo>
-                  <a:cubicBezTo>
-                    <a:pt x="11" y="4"/>
-                    <a:pt x="4" y="11"/>
-                    <a:pt x="4" y="20"/>
-                  </a:cubicBezTo>
-                  <a:cubicBezTo>
-                    <a:pt x="4" y="29"/>
-                    <a:pt x="11" y="36"/>
-                    <a:pt x="20" y="36"/>
-                  </a:cubicBezTo>
-                  <a:cubicBezTo>
-                    <a:pt x="28" y="36"/>
-                    <a:pt x="36" y="29"/>
-                    <a:pt x="36" y="20"/>
-                  </a:cubicBezTo>
-                  <a:cubicBezTo>
-                    <a:pt x="36" y="11"/>
-                    <a:pt x="28" y="4"/>
-                    <a:pt x="20" y="4"/>
-                  </a:cubicBezTo>
-                  <a:close/>
-                </a:path>
-              </a:pathLst>
-            </a:custGeom>
-            <a:grpFill/>
-            <a:ln>
-              <a:noFill/>
-            </a:ln>
-            <a:extLst>
-              <a:ext uri="{91240B29-F687-4f45-9708-019B960494DF}">
-                <a14:hiddenLine xmlns:a14="http://schemas.microsoft.com/office/drawing/2010/main" xmlns:p14="http://schemas.microsoft.com/office/powerpoint/2010/main" xmlns:a16="http://schemas.microsoft.com/office/drawing/2014/main" xmlns="" w="9525">
-                  <a:solidFill>
-                    <a:srgbClr val="000000"/>
-                  </a:solidFill>
-                  <a:round/>
-                  <a:headEnd/>
-                  <a:tailEnd/>
-                </a14:hiddenLine>
-              </a:ext>
-            </a:extLst>
-          </p:spPr>
-        </p:sp>
-        <p:sp>
-          <p:nvSpPr>
-            <p:cNvPr id="54" name="Freeform 7">
-              <a:extLst>
-                <a:ext uri="{FF2B5EF4-FFF2-40B4-BE49-F238E27FC236}">
-                  <a16:creationId xmlns:a16="http://schemas.microsoft.com/office/drawing/2014/main" id="{E8864E76-AD7F-4BEE-B3F6-A78FA42AEFAC}"/>
-                </a:ext>
-                <a:ext uri="{C183D7F6-B498-43B3-948B-1728B52AA6E4}">
-                  <adec:decorative xmlns:adec="http://schemas.microsoft.com/office/drawing/2017/decorative" val="1"/>
-                </a:ext>
-              </a:extLst>
-            </p:cNvPr>
-            <p:cNvSpPr>
-              <a:spLocks noEditPoints="1"/>
-            </p:cNvSpPr>
-            <p:nvPr>
-              <p:extLst>
-                <p:ext uri="{386F3935-93C4-4BCD-93E2-E3B085C9AB24}">
-                  <p16:designElem xmlns:p16="http://schemas.microsoft.com/office/powerpoint/2015/main" val="1"/>
-                </p:ext>
-              </p:extLst>
-            </p:nvPr>
-          </p:nvSpPr>
-          <p:spPr bwMode="auto">
-            <a:xfrm>
-              <a:off x="28575" y="4021138"/>
-              <a:ext cx="190500" cy="188913"/>
-            </a:xfrm>
-            <a:custGeom>
-              <a:avLst/>
-              <a:gdLst/>
-              <a:ahLst/>
-              <a:cxnLst/>
-              <a:rect l="0" t="0" r="r" b="b"/>
-              <a:pathLst>
-                <a:path w="40" h="40">
-                  <a:moveTo>
-                    <a:pt x="20" y="40"/>
-                  </a:moveTo>
-                  <a:cubicBezTo>
-                    <a:pt x="9" y="40"/>
-                    <a:pt x="0" y="31"/>
-                    <a:pt x="0" y="20"/>
-                  </a:cubicBezTo>
-                  <a:cubicBezTo>
-                    <a:pt x="0" y="9"/>
-                    <a:pt x="9" y="0"/>
-                    <a:pt x="20" y="0"/>
-                  </a:cubicBezTo>
-                  <a:cubicBezTo>
-                    <a:pt x="31" y="0"/>
-                    <a:pt x="40" y="9"/>
-                    <a:pt x="40" y="20"/>
-                  </a:cubicBezTo>
-                  <a:cubicBezTo>
-                    <a:pt x="40" y="31"/>
-                    <a:pt x="31" y="40"/>
-                    <a:pt x="20" y="40"/>
-                  </a:cubicBezTo>
-                  <a:close/>
-                  <a:moveTo>
-                    <a:pt x="20" y="4"/>
-                  </a:moveTo>
-                  <a:cubicBezTo>
-                    <a:pt x="12" y="4"/>
-                    <a:pt x="4" y="11"/>
-                    <a:pt x="4" y="20"/>
-                  </a:cubicBezTo>
-                  <a:cubicBezTo>
-                    <a:pt x="4" y="29"/>
-                    <a:pt x="12" y="36"/>
-                    <a:pt x="20" y="36"/>
-                  </a:cubicBezTo>
-                  <a:cubicBezTo>
-                    <a:pt x="29" y="36"/>
-                    <a:pt x="36" y="29"/>
-                    <a:pt x="36" y="20"/>
-                  </a:cubicBezTo>
-                  <a:cubicBezTo>
-                    <a:pt x="36" y="11"/>
-                    <a:pt x="29" y="4"/>
-                    <a:pt x="20" y="4"/>
-                  </a:cubicBezTo>
-                  <a:close/>
-                </a:path>
-              </a:pathLst>
-            </a:custGeom>
-            <a:grpFill/>
-            <a:ln>
-              <a:noFill/>
-            </a:ln>
-            <a:extLst>
-              <a:ext uri="{91240B29-F687-4f45-9708-019B960494DF}">
-                <a14:hiddenLine xmlns:a14="http://schemas.microsoft.com/office/drawing/2010/main" xmlns:p14="http://schemas.microsoft.com/office/powerpoint/2010/main" xmlns:a16="http://schemas.microsoft.com/office/drawing/2014/main" xmlns="" w="9525">
-                  <a:solidFill>
-                    <a:srgbClr val="000000"/>
-                  </a:solidFill>
-                  <a:round/>
-                  <a:headEnd/>
-                  <a:tailEnd/>
-                </a14:hiddenLine>
-              </a:ext>
-            </a:extLst>
-          </p:spPr>
-        </p:sp>
-        <p:sp>
-          <p:nvSpPr>
-            <p:cNvPr id="55" name="Freeform 8">
-              <a:extLst>
-                <a:ext uri="{FF2B5EF4-FFF2-40B4-BE49-F238E27FC236}">
-                  <a16:creationId xmlns:a16="http://schemas.microsoft.com/office/drawing/2014/main" id="{8AD071B3-046D-4479-91FE-01E9AD7C8AAB}"/>
-                </a:ext>
-                <a:ext uri="{C183D7F6-B498-43B3-948B-1728B52AA6E4}">
-                  <adec:decorative xmlns:adec="http://schemas.microsoft.com/office/drawing/2017/decorative" val="1"/>
-                </a:ext>
-              </a:extLst>
-            </p:cNvPr>
-            <p:cNvSpPr/>
-            <p:nvPr>
-              <p:extLst>
-                <p:ext uri="{386F3935-93C4-4BCD-93E2-E3B085C9AB24}">
-                  <p16:designElem xmlns:p16="http://schemas.microsoft.com/office/powerpoint/2015/main" val="1"/>
-                </p:ext>
-              </p:extLst>
-            </p:nvPr>
-          </p:nvSpPr>
-          <p:spPr bwMode="auto">
-            <a:xfrm>
-              <a:off x="200025" y="4763"/>
-              <a:ext cx="369888" cy="1811338"/>
-            </a:xfrm>
-            <a:custGeom>
-              <a:avLst/>
-              <a:gdLst/>
-              <a:ahLst/>
-              <a:cxnLst/>
-              <a:rect l="0" t="0" r="r" b="b"/>
-              <a:pathLst>
-                <a:path w="233" h="1141">
-                  <a:moveTo>
-                    <a:pt x="218" y="1141"/>
-                  </a:moveTo>
-                  <a:lnTo>
-                    <a:pt x="0" y="626"/>
-                  </a:lnTo>
-                  <a:lnTo>
-                    <a:pt x="0" y="0"/>
-                  </a:lnTo>
-                  <a:lnTo>
-                    <a:pt x="15" y="0"/>
-                  </a:lnTo>
-                  <a:lnTo>
-                    <a:pt x="15" y="623"/>
-                  </a:lnTo>
-                  <a:lnTo>
-                    <a:pt x="233" y="1135"/>
-                  </a:lnTo>
-                  <a:lnTo>
-                    <a:pt x="218" y="1141"/>
-                  </a:lnTo>
-                  <a:close/>
-                </a:path>
-              </a:pathLst>
-            </a:custGeom>
-            <a:grpFill/>
-            <a:ln>
-              <a:noFill/>
-            </a:ln>
-            <a:extLst>
-              <a:ext uri="{91240B29-F687-4f45-9708-019B960494DF}">
-                <a14:hiddenLine xmlns:a14="http://schemas.microsoft.com/office/drawing/2010/main" xmlns:p14="http://schemas.microsoft.com/office/powerpoint/2010/main" xmlns:a16="http://schemas.microsoft.com/office/drawing/2014/main" xmlns="" w="9525">
-                  <a:solidFill>
-                    <a:srgbClr val="000000"/>
-                  </a:solidFill>
-                  <a:round/>
-                  <a:headEnd/>
-                  <a:tailEnd/>
-                </a14:hiddenLine>
-              </a:ext>
-            </a:extLst>
-          </p:spPr>
-        </p:sp>
-        <p:sp>
-          <p:nvSpPr>
-            <p:cNvPr id="56" name="Freeform 9">
-              <a:extLst>
-                <a:ext uri="{FF2B5EF4-FFF2-40B4-BE49-F238E27FC236}">
-                  <a16:creationId xmlns:a16="http://schemas.microsoft.com/office/drawing/2014/main" id="{91D776F5-E902-4A4D-A75D-A46E063C9F38}"/>
-                </a:ext>
-                <a:ext uri="{C183D7F6-B498-43B3-948B-1728B52AA6E4}">
-                  <adec:decorative xmlns:adec="http://schemas.microsoft.com/office/drawing/2017/decorative" val="1"/>
-                </a:ext>
-              </a:extLst>
-            </p:cNvPr>
-            <p:cNvSpPr>
-              <a:spLocks noEditPoints="1"/>
-            </p:cNvSpPr>
-            <p:nvPr>
-              <p:extLst>
-                <p:ext uri="{386F3935-93C4-4BCD-93E2-E3B085C9AB24}">
-                  <p16:designElem xmlns:p16="http://schemas.microsoft.com/office/powerpoint/2015/main" val="1"/>
-                </p:ext>
-              </p:extLst>
-            </p:nvPr>
-          </p:nvSpPr>
-          <p:spPr bwMode="auto">
-            <a:xfrm>
-              <a:off x="503237" y="1801813"/>
-              <a:ext cx="190500" cy="188913"/>
-            </a:xfrm>
-            <a:custGeom>
-              <a:avLst/>
-              <a:gdLst/>
-              <a:ahLst/>
-              <a:cxnLst/>
-              <a:rect l="0" t="0" r="r" b="b"/>
-              <a:pathLst>
-                <a:path w="40" h="40">
-                  <a:moveTo>
-                    <a:pt x="20" y="40"/>
-                  </a:moveTo>
-                  <a:cubicBezTo>
-                    <a:pt x="9" y="40"/>
-                    <a:pt x="0" y="31"/>
-                    <a:pt x="0" y="20"/>
-                  </a:cubicBezTo>
-                  <a:cubicBezTo>
-                    <a:pt x="0" y="9"/>
-                    <a:pt x="9" y="0"/>
-                    <a:pt x="20" y="0"/>
-                  </a:cubicBezTo>
-                  <a:cubicBezTo>
-                    <a:pt x="33" y="0"/>
-                    <a:pt x="40" y="6"/>
-                    <a:pt x="40" y="20"/>
-                  </a:cubicBezTo>
-                  <a:cubicBezTo>
-                    <a:pt x="40" y="31"/>
-                    <a:pt x="31" y="40"/>
-                    <a:pt x="20" y="40"/>
-                  </a:cubicBezTo>
-                  <a:close/>
-                  <a:moveTo>
-                    <a:pt x="20" y="4"/>
-                  </a:moveTo>
-                  <a:cubicBezTo>
-                    <a:pt x="11" y="4"/>
-                    <a:pt x="4" y="11"/>
-                    <a:pt x="4" y="20"/>
-                  </a:cubicBezTo>
-                  <a:cubicBezTo>
-                    <a:pt x="4" y="29"/>
-                    <a:pt x="11" y="36"/>
-                    <a:pt x="20" y="36"/>
-                  </a:cubicBezTo>
-                  <a:cubicBezTo>
-                    <a:pt x="28" y="36"/>
-                    <a:pt x="36" y="29"/>
-                    <a:pt x="36" y="20"/>
-                  </a:cubicBezTo>
-                  <a:cubicBezTo>
-                    <a:pt x="36" y="9"/>
-                    <a:pt x="31" y="4"/>
-                    <a:pt x="20" y="4"/>
-                  </a:cubicBezTo>
-                  <a:close/>
-                </a:path>
-              </a:pathLst>
-            </a:custGeom>
-            <a:grpFill/>
-            <a:ln>
-              <a:noFill/>
-            </a:ln>
-            <a:extLst>
-              <a:ext uri="{91240B29-F687-4f45-9708-019B960494DF}">
-                <a14:hiddenLine xmlns:a14="http://schemas.microsoft.com/office/drawing/2010/main" xmlns:p14="http://schemas.microsoft.com/office/powerpoint/2010/main" xmlns:a16="http://schemas.microsoft.com/office/drawing/2014/main" xmlns="" w="9525">
-                  <a:solidFill>
-                    <a:srgbClr val="000000"/>
-                  </a:solidFill>
-                  <a:round/>
-                  <a:headEnd/>
-                  <a:tailEnd/>
-                </a14:hiddenLine>
-              </a:ext>
-            </a:extLst>
-          </p:spPr>
-        </p:sp>
-        <p:sp>
-          <p:nvSpPr>
-            <p:cNvPr id="57" name="Freeform 10">
-              <a:extLst>
-                <a:ext uri="{FF2B5EF4-FFF2-40B4-BE49-F238E27FC236}">
-                  <a16:creationId xmlns:a16="http://schemas.microsoft.com/office/drawing/2014/main" id="{EBED8F24-A998-4952-AB68-E2074F0746FE}"/>
-                </a:ext>
-                <a:ext uri="{C183D7F6-B498-43B3-948B-1728B52AA6E4}">
-                  <adec:decorative xmlns:adec="http://schemas.microsoft.com/office/drawing/2017/decorative" val="1"/>
-                </a:ext>
-              </a:extLst>
-            </p:cNvPr>
-            <p:cNvSpPr/>
-            <p:nvPr>
-              <p:extLst>
-                <p:ext uri="{386F3935-93C4-4BCD-93E2-E3B085C9AB24}">
-                  <p16:designElem xmlns:p16="http://schemas.microsoft.com/office/powerpoint/2015/main" val="1"/>
-                </p:ext>
-              </p:extLst>
-            </p:nvPr>
-          </p:nvSpPr>
-          <p:spPr bwMode="auto">
-            <a:xfrm>
-              <a:off x="285750" y="4763"/>
-              <a:ext cx="369888" cy="1430338"/>
-            </a:xfrm>
-            <a:custGeom>
-              <a:avLst/>
-              <a:gdLst/>
-              <a:ahLst/>
-              <a:cxnLst/>
-              <a:rect l="0" t="0" r="r" b="b"/>
-              <a:pathLst>
-                <a:path w="233" h="901">
-                  <a:moveTo>
-                    <a:pt x="221" y="901"/>
-                  </a:moveTo>
-                  <a:lnTo>
-                    <a:pt x="0" y="383"/>
-                  </a:lnTo>
-                  <a:lnTo>
-                    <a:pt x="0" y="0"/>
-                  </a:lnTo>
-                  <a:lnTo>
-                    <a:pt x="18" y="0"/>
-                  </a:lnTo>
-                  <a:lnTo>
-                    <a:pt x="18" y="380"/>
-                  </a:lnTo>
-                  <a:lnTo>
-                    <a:pt x="233" y="895"/>
-                  </a:lnTo>
-                  <a:lnTo>
-                    <a:pt x="221" y="901"/>
-                  </a:lnTo>
-                  <a:close/>
-                </a:path>
-              </a:pathLst>
-            </a:custGeom>
-            <a:grpFill/>
-            <a:ln>
-              <a:noFill/>
-            </a:ln>
-            <a:extLst>
-              <a:ext uri="{91240B29-F687-4f45-9708-019B960494DF}">
-                <a14:hiddenLine xmlns:a14="http://schemas.microsoft.com/office/drawing/2010/main" xmlns:p14="http://schemas.microsoft.com/office/powerpoint/2010/main" xmlns:a16="http://schemas.microsoft.com/office/drawing/2014/main" xmlns="" w="9525">
-                  <a:solidFill>
-                    <a:srgbClr val="000000"/>
-                  </a:solidFill>
-                  <a:round/>
-                  <a:headEnd/>
-                  <a:tailEnd/>
-                </a14:hiddenLine>
-              </a:ext>
-            </a:extLst>
-          </p:spPr>
-        </p:sp>
-        <p:sp>
-          <p:nvSpPr>
-            <p:cNvPr id="58" name="Freeform 11">
-              <a:extLst>
-                <a:ext uri="{FF2B5EF4-FFF2-40B4-BE49-F238E27FC236}">
-                  <a16:creationId xmlns:a16="http://schemas.microsoft.com/office/drawing/2014/main" id="{74D7A646-8CDC-49B3-9C44-3EF38DB4264C}"/>
-                </a:ext>
-                <a:ext uri="{C183D7F6-B498-43B3-948B-1728B52AA6E4}">
-                  <adec:decorative xmlns:adec="http://schemas.microsoft.com/office/drawing/2017/decorative" val="1"/>
-                </a:ext>
-              </a:extLst>
-            </p:cNvPr>
-            <p:cNvSpPr/>
-            <p:nvPr>
-              <p:extLst>
-                <p:ext uri="{386F3935-93C4-4BCD-93E2-E3B085C9AB24}">
-                  <p16:designElem xmlns:p16="http://schemas.microsoft.com/office/powerpoint/2015/main" val="1"/>
-                </p:ext>
-              </p:extLst>
-            </p:nvPr>
-          </p:nvSpPr>
-          <p:spPr bwMode="auto">
-            <a:xfrm>
-              <a:off x="546100" y="0"/>
-              <a:ext cx="152400" cy="912813"/>
-            </a:xfrm>
-            <a:custGeom>
-              <a:avLst/>
-              <a:gdLst/>
-              <a:ahLst/>
-              <a:cxnLst/>
-              <a:rect l="0" t="0" r="r" b="b"/>
-              <a:pathLst>
-                <a:path w="96" h="575">
-                  <a:moveTo>
-                    <a:pt x="96" y="575"/>
-                  </a:moveTo>
-                  <a:lnTo>
-                    <a:pt x="78" y="575"/>
-                  </a:lnTo>
-                  <a:lnTo>
-                    <a:pt x="78" y="192"/>
-                  </a:lnTo>
-                  <a:lnTo>
-                    <a:pt x="0" y="6"/>
-                  </a:lnTo>
-                  <a:lnTo>
-                    <a:pt x="15" y="0"/>
-                  </a:lnTo>
-                  <a:lnTo>
-                    <a:pt x="96" y="189"/>
-                  </a:lnTo>
-                  <a:lnTo>
-                    <a:pt x="96" y="575"/>
-                  </a:lnTo>
-                  <a:close/>
-                </a:path>
-              </a:pathLst>
-            </a:custGeom>
-            <a:grpFill/>
-            <a:ln>
-              <a:noFill/>
-            </a:ln>
-            <a:extLst>
-              <a:ext uri="{91240B29-F687-4f45-9708-019B960494DF}">
-                <a14:hiddenLine xmlns:a14="http://schemas.microsoft.com/office/drawing/2010/main" xmlns:p14="http://schemas.microsoft.com/office/powerpoint/2010/main" xmlns:a16="http://schemas.microsoft.com/office/drawing/2014/main" xmlns="" w="9525">
-                  <a:solidFill>
-                    <a:srgbClr val="000000"/>
-                  </a:solidFill>
-                  <a:round/>
-                  <a:headEnd/>
-                  <a:tailEnd/>
-                </a14:hiddenLine>
-              </a:ext>
-            </a:extLst>
-          </p:spPr>
-        </p:sp>
-        <p:sp>
-          <p:nvSpPr>
-            <p:cNvPr id="59" name="Freeform 12">
-              <a:extLst>
-                <a:ext uri="{FF2B5EF4-FFF2-40B4-BE49-F238E27FC236}">
-                  <a16:creationId xmlns:a16="http://schemas.microsoft.com/office/drawing/2014/main" id="{D4E99D14-E4F4-419B-9AAF-8D1CEAB28A2D}"/>
-                </a:ext>
-                <a:ext uri="{C183D7F6-B498-43B3-948B-1728B52AA6E4}">
-                  <adec:decorative xmlns:adec="http://schemas.microsoft.com/office/drawing/2017/decorative" val="1"/>
-                </a:ext>
-              </a:extLst>
-            </p:cNvPr>
-            <p:cNvSpPr>
-              <a:spLocks noEditPoints="1"/>
-            </p:cNvSpPr>
-            <p:nvPr>
-              <p:extLst>
-                <p:ext uri="{386F3935-93C4-4BCD-93E2-E3B085C9AB24}">
-                  <p16:designElem xmlns:p16="http://schemas.microsoft.com/office/powerpoint/2015/main" val="1"/>
-                </p:ext>
-              </p:extLst>
-            </p:nvPr>
-          </p:nvSpPr>
-          <p:spPr bwMode="auto">
-            <a:xfrm>
-              <a:off x="588962" y="1420813"/>
-              <a:ext cx="190500" cy="190500"/>
-            </a:xfrm>
-            <a:custGeom>
-              <a:avLst/>
-              <a:gdLst/>
-              <a:ahLst/>
-              <a:cxnLst/>
-              <a:rect l="0" t="0" r="r" b="b"/>
-              <a:pathLst>
-                <a:path w="40" h="40">
-                  <a:moveTo>
-                    <a:pt x="20" y="40"/>
-                  </a:moveTo>
-                  <a:cubicBezTo>
-                    <a:pt x="9" y="40"/>
-                    <a:pt x="0" y="31"/>
-                    <a:pt x="0" y="20"/>
-                  </a:cubicBezTo>
-                  <a:cubicBezTo>
-                    <a:pt x="0" y="9"/>
-                    <a:pt x="9" y="0"/>
-                    <a:pt x="20" y="0"/>
-                  </a:cubicBezTo>
-                  <a:cubicBezTo>
-                    <a:pt x="33" y="0"/>
-                    <a:pt x="40" y="7"/>
-                    <a:pt x="40" y="20"/>
-                  </a:cubicBezTo>
-                  <a:cubicBezTo>
-                    <a:pt x="40" y="31"/>
-                    <a:pt x="31" y="40"/>
-                    <a:pt x="20" y="40"/>
-                  </a:cubicBezTo>
-                  <a:close/>
-                  <a:moveTo>
-                    <a:pt x="20" y="4"/>
-                  </a:moveTo>
-                  <a:cubicBezTo>
-                    <a:pt x="11" y="4"/>
-                    <a:pt x="4" y="11"/>
-                    <a:pt x="4" y="20"/>
-                  </a:cubicBezTo>
-                  <a:cubicBezTo>
-                    <a:pt x="4" y="29"/>
-                    <a:pt x="11" y="36"/>
-                    <a:pt x="20" y="36"/>
-                  </a:cubicBezTo>
-                  <a:cubicBezTo>
-                    <a:pt x="29" y="36"/>
-                    <a:pt x="36" y="29"/>
-                    <a:pt x="36" y="20"/>
-                  </a:cubicBezTo>
-                  <a:cubicBezTo>
-                    <a:pt x="36" y="9"/>
-                    <a:pt x="31" y="4"/>
-                    <a:pt x="20" y="4"/>
-                  </a:cubicBezTo>
-                  <a:close/>
-                </a:path>
-              </a:pathLst>
-            </a:custGeom>
-            <a:grpFill/>
-            <a:ln>
-              <a:noFill/>
-            </a:ln>
-            <a:extLst>
-              <a:ext uri="{91240B29-F687-4f45-9708-019B960494DF}">
-                <a14:hiddenLine xmlns:a14="http://schemas.microsoft.com/office/drawing/2010/main" xmlns:p14="http://schemas.microsoft.com/office/powerpoint/2010/main" xmlns:a16="http://schemas.microsoft.com/office/drawing/2014/main" xmlns="" w="9525">
-                  <a:solidFill>
-                    <a:srgbClr val="000000"/>
-                  </a:solidFill>
-                  <a:round/>
-                  <a:headEnd/>
-                  <a:tailEnd/>
-                </a14:hiddenLine>
-              </a:ext>
-            </a:extLst>
-          </p:spPr>
-        </p:sp>
-        <p:sp>
-          <p:nvSpPr>
-            <p:cNvPr id="60" name="Freeform 13">
-              <a:extLst>
-                <a:ext uri="{FF2B5EF4-FFF2-40B4-BE49-F238E27FC236}">
-                  <a16:creationId xmlns:a16="http://schemas.microsoft.com/office/drawing/2014/main" id="{377E106C-5445-4A52-9F7E-DA1738744291}"/>
-                </a:ext>
-                <a:ext uri="{C183D7F6-B498-43B3-948B-1728B52AA6E4}">
-                  <adec:decorative xmlns:adec="http://schemas.microsoft.com/office/drawing/2017/decorative" val="1"/>
-                </a:ext>
-              </a:extLst>
-            </p:cNvPr>
-            <p:cNvSpPr>
-              <a:spLocks noEditPoints="1"/>
-            </p:cNvSpPr>
-            <p:nvPr>
-              <p:extLst>
-                <p:ext uri="{386F3935-93C4-4BCD-93E2-E3B085C9AB24}">
-                  <p16:designElem xmlns:p16="http://schemas.microsoft.com/office/powerpoint/2015/main" val="1"/>
-                </p:ext>
-              </p:extLst>
-            </p:nvPr>
-          </p:nvSpPr>
-          <p:spPr bwMode="auto">
-            <a:xfrm>
-              <a:off x="588962" y="903288"/>
-              <a:ext cx="190500" cy="190500"/>
-            </a:xfrm>
-            <a:custGeom>
-              <a:avLst/>
-              <a:gdLst/>
-              <a:ahLst/>
-              <a:cxnLst/>
-              <a:rect l="0" t="0" r="r" b="b"/>
-              <a:pathLst>
-                <a:path w="40" h="40">
-                  <a:moveTo>
-                    <a:pt x="20" y="40"/>
-                  </a:moveTo>
-                  <a:cubicBezTo>
-                    <a:pt x="9" y="40"/>
-                    <a:pt x="0" y="31"/>
-                    <a:pt x="0" y="20"/>
-                  </a:cubicBezTo>
-                  <a:cubicBezTo>
-                    <a:pt x="0" y="9"/>
-                    <a:pt x="9" y="0"/>
-                    <a:pt x="20" y="0"/>
-                  </a:cubicBezTo>
-                  <a:cubicBezTo>
-                    <a:pt x="31" y="0"/>
-                    <a:pt x="40" y="9"/>
-                    <a:pt x="40" y="20"/>
-                  </a:cubicBezTo>
-                  <a:cubicBezTo>
-                    <a:pt x="40" y="31"/>
-                    <a:pt x="31" y="40"/>
-                    <a:pt x="20" y="40"/>
-                  </a:cubicBezTo>
-                  <a:close/>
-                  <a:moveTo>
-                    <a:pt x="20" y="4"/>
-                  </a:moveTo>
-                  <a:cubicBezTo>
-                    <a:pt x="11" y="4"/>
-                    <a:pt x="4" y="11"/>
-                    <a:pt x="4" y="20"/>
-                  </a:cubicBezTo>
-                  <a:cubicBezTo>
-                    <a:pt x="4" y="29"/>
-                    <a:pt x="11" y="36"/>
-                    <a:pt x="20" y="36"/>
-                  </a:cubicBezTo>
-                  <a:cubicBezTo>
-                    <a:pt x="29" y="36"/>
-                    <a:pt x="36" y="29"/>
-                    <a:pt x="36" y="20"/>
-                  </a:cubicBezTo>
-                  <a:cubicBezTo>
-                    <a:pt x="36" y="11"/>
-                    <a:pt x="29" y="4"/>
-                    <a:pt x="20" y="4"/>
-                  </a:cubicBezTo>
-                  <a:close/>
-                </a:path>
-              </a:pathLst>
-            </a:custGeom>
-            <a:grpFill/>
-            <a:ln>
-              <a:noFill/>
-            </a:ln>
-            <a:extLst>
-              <a:ext uri="{91240B29-F687-4f45-9708-019B960494DF}">
-                <a14:hiddenLine xmlns:a14="http://schemas.microsoft.com/office/drawing/2010/main" xmlns:p14="http://schemas.microsoft.com/office/powerpoint/2010/main" xmlns:a16="http://schemas.microsoft.com/office/drawing/2014/main" xmlns="" w="9525">
-                  <a:solidFill>
-                    <a:srgbClr val="000000"/>
-                  </a:solidFill>
-                  <a:round/>
-                  <a:headEnd/>
-                  <a:tailEnd/>
-                </a14:hiddenLine>
-              </a:ext>
-            </a:extLst>
-          </p:spPr>
-        </p:sp>
-        <p:sp>
-          <p:nvSpPr>
-            <p:cNvPr id="61" name="Freeform 14">
-              <a:extLst>
-                <a:ext uri="{FF2B5EF4-FFF2-40B4-BE49-F238E27FC236}">
-                  <a16:creationId xmlns:a16="http://schemas.microsoft.com/office/drawing/2014/main" id="{752BFE96-D378-4BAE-A64B-F851A34C4770}"/>
-                </a:ext>
-                <a:ext uri="{C183D7F6-B498-43B3-948B-1728B52AA6E4}">
-                  <adec:decorative xmlns:adec="http://schemas.microsoft.com/office/drawing/2017/decorative" val="1"/>
-                </a:ext>
-              </a:extLst>
-            </p:cNvPr>
-            <p:cNvSpPr/>
-            <p:nvPr>
-              <p:extLst>
-                <p:ext uri="{386F3935-93C4-4BCD-93E2-E3B085C9AB24}">
-                  <p16:designElem xmlns:p16="http://schemas.microsoft.com/office/powerpoint/2015/main" val="1"/>
-                </p:ext>
-              </p:extLst>
-            </p:nvPr>
-          </p:nvSpPr>
-          <p:spPr bwMode="auto">
-            <a:xfrm>
-              <a:off x="641350" y="0"/>
-              <a:ext cx="422275" cy="527050"/>
-            </a:xfrm>
-            <a:custGeom>
-              <a:avLst/>
-              <a:gdLst/>
-              <a:ahLst/>
-              <a:cxnLst/>
-              <a:rect l="0" t="0" r="r" b="b"/>
-              <a:pathLst>
-                <a:path w="266" h="332">
-                  <a:moveTo>
-                    <a:pt x="257" y="332"/>
-                  </a:moveTo>
-                  <a:lnTo>
-                    <a:pt x="48" y="123"/>
-                  </a:lnTo>
-                  <a:lnTo>
-                    <a:pt x="0" y="6"/>
-                  </a:lnTo>
-                  <a:lnTo>
-                    <a:pt x="15" y="0"/>
-                  </a:lnTo>
-                  <a:lnTo>
-                    <a:pt x="63" y="114"/>
-                  </a:lnTo>
-                  <a:lnTo>
-                    <a:pt x="266" y="320"/>
-                  </a:lnTo>
-                  <a:lnTo>
-                    <a:pt x="257" y="332"/>
-                  </a:lnTo>
-                  <a:close/>
-                </a:path>
-              </a:pathLst>
-            </a:custGeom>
-            <a:grpFill/>
-            <a:ln>
-              <a:noFill/>
-            </a:ln>
-            <a:extLst>
-              <a:ext uri="{91240B29-F687-4f45-9708-019B960494DF}">
-                <a14:hiddenLine xmlns:a14="http://schemas.microsoft.com/office/drawing/2010/main" xmlns:p14="http://schemas.microsoft.com/office/powerpoint/2010/main" xmlns:a16="http://schemas.microsoft.com/office/drawing/2014/main" xmlns="" w="9525">
-                  <a:solidFill>
-                    <a:srgbClr val="000000"/>
-                  </a:solidFill>
-                  <a:round/>
-                  <a:headEnd/>
-                  <a:tailEnd/>
-                </a14:hiddenLine>
-              </a:ext>
-            </a:extLst>
-          </p:spPr>
-        </p:sp>
-        <p:sp>
-          <p:nvSpPr>
-            <p:cNvPr id="62" name="Freeform 15">
-              <a:extLst>
-                <a:ext uri="{FF2B5EF4-FFF2-40B4-BE49-F238E27FC236}">
-                  <a16:creationId xmlns:a16="http://schemas.microsoft.com/office/drawing/2014/main" id="{B88FFB19-5A5E-4078-B467-9D4ABD21BD9A}"/>
-                </a:ext>
-                <a:ext uri="{C183D7F6-B498-43B3-948B-1728B52AA6E4}">
-                  <adec:decorative xmlns:adec="http://schemas.microsoft.com/office/drawing/2017/decorative" val="1"/>
-                </a:ext>
-              </a:extLst>
-            </p:cNvPr>
-            <p:cNvSpPr>
-              <a:spLocks noEditPoints="1"/>
-            </p:cNvSpPr>
-            <p:nvPr>
-              <p:extLst>
-                <p:ext uri="{386F3935-93C4-4BCD-93E2-E3B085C9AB24}">
-                  <p16:designElem xmlns:p16="http://schemas.microsoft.com/office/powerpoint/2015/main" val="1"/>
-                </p:ext>
-              </p:extLst>
-            </p:nvPr>
-          </p:nvSpPr>
-          <p:spPr bwMode="auto">
-            <a:xfrm>
-              <a:off x="1020762" y="488950"/>
-              <a:ext cx="161925" cy="147638"/>
-            </a:xfrm>
-            <a:custGeom>
-              <a:avLst/>
-              <a:gdLst/>
-              <a:ahLst/>
-              <a:cxnLst/>
-              <a:rect l="0" t="0" r="r" b="b"/>
-              <a:pathLst>
-                <a:path w="34" h="31">
-                  <a:moveTo>
-                    <a:pt x="17" y="31"/>
-                  </a:moveTo>
-                  <a:cubicBezTo>
-                    <a:pt x="13" y="31"/>
-                    <a:pt x="9" y="30"/>
-                    <a:pt x="6" y="27"/>
-                  </a:cubicBezTo>
-                  <a:cubicBezTo>
-                    <a:pt x="0" y="20"/>
-                    <a:pt x="0" y="10"/>
-                    <a:pt x="6" y="4"/>
-                  </a:cubicBezTo>
-                  <a:cubicBezTo>
-                    <a:pt x="9" y="1"/>
-                    <a:pt x="13" y="0"/>
-                    <a:pt x="17" y="0"/>
-                  </a:cubicBezTo>
-                  <a:cubicBezTo>
-                    <a:pt x="21" y="0"/>
-                    <a:pt x="25" y="1"/>
-                    <a:pt x="28" y="4"/>
-                  </a:cubicBezTo>
-                  <a:cubicBezTo>
-                    <a:pt x="34" y="10"/>
-                    <a:pt x="34" y="20"/>
-                    <a:pt x="28" y="27"/>
-                  </a:cubicBezTo>
-                  <a:cubicBezTo>
-                    <a:pt x="25" y="30"/>
-                    <a:pt x="21" y="31"/>
-                    <a:pt x="17" y="31"/>
-                  </a:cubicBezTo>
-                  <a:close/>
-                  <a:moveTo>
-                    <a:pt x="17" y="4"/>
-                  </a:moveTo>
-                  <a:cubicBezTo>
-                    <a:pt x="14" y="4"/>
-                    <a:pt x="11" y="5"/>
-                    <a:pt x="9" y="7"/>
-                  </a:cubicBezTo>
-                  <a:cubicBezTo>
-                    <a:pt x="4" y="12"/>
-                    <a:pt x="4" y="19"/>
-                    <a:pt x="9" y="24"/>
-                  </a:cubicBezTo>
-                  <a:cubicBezTo>
-                    <a:pt x="11" y="26"/>
-                    <a:pt x="14" y="27"/>
-                    <a:pt x="17" y="27"/>
-                  </a:cubicBezTo>
-                  <a:cubicBezTo>
-                    <a:pt x="20" y="27"/>
-                    <a:pt x="23" y="26"/>
-                    <a:pt x="25" y="24"/>
-                  </a:cubicBezTo>
-                  <a:cubicBezTo>
-                    <a:pt x="30" y="19"/>
-                    <a:pt x="30" y="12"/>
-                    <a:pt x="25" y="7"/>
-                  </a:cubicBezTo>
-                  <a:cubicBezTo>
-                    <a:pt x="23" y="5"/>
-                    <a:pt x="20" y="4"/>
-                    <a:pt x="17" y="4"/>
-                  </a:cubicBezTo>
-                  <a:close/>
-                </a:path>
-              </a:pathLst>
-            </a:custGeom>
-            <a:grpFill/>
-            <a:ln>
-              <a:noFill/>
-            </a:ln>
-            <a:extLst>
-              <a:ext uri="{91240B29-F687-4f45-9708-019B960494DF}">
-                <a14:hiddenLine xmlns:a14="http://schemas.microsoft.com/office/drawing/2010/main" xmlns:p14="http://schemas.microsoft.com/office/powerpoint/2010/main" xmlns:a16="http://schemas.microsoft.com/office/drawing/2014/main" xmlns="" w="9525">
-                  <a:solidFill>
-                    <a:srgbClr val="000000"/>
-                  </a:solidFill>
-                  <a:round/>
-                  <a:headEnd/>
-                  <a:tailEnd/>
-                </a14:hiddenLine>
-              </a:ext>
-            </a:extLst>
-          </p:spPr>
-        </p:sp>
-        <p:sp>
-          <p:nvSpPr>
-            <p:cNvPr id="63" name="Line 16">
-              <a:extLst>
-                <a:ext uri="{FF2B5EF4-FFF2-40B4-BE49-F238E27FC236}">
-                  <a16:creationId xmlns:a16="http://schemas.microsoft.com/office/drawing/2014/main" id="{11042975-3D19-4728-BCDA-D3F5CD633EDB}"/>
-                </a:ext>
-                <a:ext uri="{C183D7F6-B498-43B3-948B-1728B52AA6E4}">
-                  <adec:decorative xmlns:adec="http://schemas.microsoft.com/office/drawing/2017/decorative" val="1"/>
-                </a:ext>
-              </a:extLst>
-            </p:cNvPr>
-            <p:cNvSpPr>
-              <a:spLocks noChangeShapeType="1"/>
-            </p:cNvSpPr>
-            <p:nvPr>
-              <p:extLst>
-                <p:ext uri="{386F3935-93C4-4BCD-93E2-E3B085C9AB24}">
-                  <p16:designElem xmlns:p16="http://schemas.microsoft.com/office/powerpoint/2015/main" val="1"/>
-                </p:ext>
-              </p:extLst>
-            </p:nvPr>
-          </p:nvSpPr>
-          <p:spPr bwMode="auto">
-            <a:xfrm>
-              <a:off x="-4763" y="9525"/>
-              <a:ext cx="0" cy="0"/>
-            </a:xfrm>
-            <a:prstGeom prst="line">
-              <a:avLst/>
-            </a:prstGeom>
-            <a:grpFill/>
-            <a:ln w="15" cap="flat">
-              <a:solidFill>
-                <a:srgbClr val="FFFFFF"/>
-              </a:solidFill>
-              <a:prstDash val="solid"/>
-              <a:miter lim="800000"/>
-              <a:headEnd/>
-              <a:tailEnd/>
-            </a:ln>
-          </p:spPr>
-        </p:sp>
-        <p:sp>
-          <p:nvSpPr>
-            <p:cNvPr id="64" name="Freeform 17">
-              <a:extLst>
-                <a:ext uri="{FF2B5EF4-FFF2-40B4-BE49-F238E27FC236}">
-                  <a16:creationId xmlns:a16="http://schemas.microsoft.com/office/drawing/2014/main" id="{A28972BD-D2E1-4DCA-A907-2E3B6F606649}"/>
-                </a:ext>
-                <a:ext uri="{C183D7F6-B498-43B3-948B-1728B52AA6E4}">
-                  <adec:decorative xmlns:adec="http://schemas.microsoft.com/office/drawing/2017/decorative" val="1"/>
-                </a:ext>
-              </a:extLst>
-            </p:cNvPr>
-            <p:cNvSpPr/>
-            <p:nvPr>
-              <p:extLst>
-                <p:ext uri="{386F3935-93C4-4BCD-93E2-E3B085C9AB24}">
-                  <p16:designElem xmlns:p16="http://schemas.microsoft.com/office/powerpoint/2015/main" val="1"/>
-                </p:ext>
-              </p:extLst>
-            </p:nvPr>
-          </p:nvSpPr>
-          <p:spPr bwMode="auto">
-            <a:xfrm>
-              <a:off x="9525" y="1801813"/>
-              <a:ext cx="123825" cy="127000"/>
-            </a:xfrm>
-            <a:custGeom>
-              <a:avLst/>
-              <a:gdLst/>
-              <a:ahLst/>
-              <a:cxnLst/>
-              <a:rect l="0" t="0" r="r" b="b"/>
-              <a:pathLst>
-                <a:path w="78" h="80">
-                  <a:moveTo>
-                    <a:pt x="6" y="80"/>
-                  </a:moveTo>
-                  <a:lnTo>
-                    <a:pt x="0" y="71"/>
-                  </a:lnTo>
-                  <a:lnTo>
-                    <a:pt x="69" y="0"/>
-                  </a:lnTo>
-                  <a:lnTo>
-                    <a:pt x="78" y="9"/>
-                  </a:lnTo>
-                  <a:lnTo>
-                    <a:pt x="6" y="80"/>
-                  </a:lnTo>
-                  <a:close/>
-                </a:path>
-              </a:pathLst>
-            </a:custGeom>
-            <a:grpFill/>
-            <a:ln>
-              <a:noFill/>
-            </a:ln>
-            <a:extLst>
-              <a:ext uri="{91240B29-F687-4f45-9708-019B960494DF}">
-                <a14:hiddenLine xmlns:a14="http://schemas.microsoft.com/office/drawing/2010/main" xmlns:p14="http://schemas.microsoft.com/office/powerpoint/2010/main" xmlns:a16="http://schemas.microsoft.com/office/drawing/2014/main" xmlns="" w="9525">
-                  <a:solidFill>
-                    <a:srgbClr val="000000"/>
-                  </a:solidFill>
-                  <a:round/>
-                  <a:headEnd/>
-                  <a:tailEnd/>
-                </a14:hiddenLine>
-              </a:ext>
-            </a:extLst>
-          </p:spPr>
-        </p:sp>
-        <p:sp>
-          <p:nvSpPr>
-            <p:cNvPr id="65" name="Freeform 18">
-              <a:extLst>
-                <a:ext uri="{FF2B5EF4-FFF2-40B4-BE49-F238E27FC236}">
-                  <a16:creationId xmlns:a16="http://schemas.microsoft.com/office/drawing/2014/main" id="{1C806824-5C2D-4747-B038-69EE4074B366}"/>
-                </a:ext>
-                <a:ext uri="{C183D7F6-B498-43B3-948B-1728B52AA6E4}">
-                  <adec:decorative xmlns:adec="http://schemas.microsoft.com/office/drawing/2017/decorative" val="1"/>
-                </a:ext>
-              </a:extLst>
-            </p:cNvPr>
-            <p:cNvSpPr/>
-            <p:nvPr>
-              <p:extLst>
-                <p:ext uri="{386F3935-93C4-4BCD-93E2-E3B085C9AB24}">
-                  <p16:designElem xmlns:p16="http://schemas.microsoft.com/office/powerpoint/2015/main" val="1"/>
-                </p:ext>
-              </p:extLst>
-            </p:nvPr>
-          </p:nvSpPr>
-          <p:spPr bwMode="auto">
-            <a:xfrm>
-              <a:off x="-9525" y="3549650"/>
-              <a:ext cx="147638" cy="481013"/>
-            </a:xfrm>
-            <a:custGeom>
-              <a:avLst/>
-              <a:gdLst/>
-              <a:ahLst/>
-              <a:cxnLst/>
-              <a:rect l="0" t="0" r="r" b="b"/>
-              <a:pathLst>
-                <a:path w="93" h="303">
-                  <a:moveTo>
-                    <a:pt x="93" y="303"/>
-                  </a:moveTo>
-                  <a:lnTo>
-                    <a:pt x="78" y="303"/>
-                  </a:lnTo>
-                  <a:lnTo>
-                    <a:pt x="78" y="78"/>
-                  </a:lnTo>
-                  <a:lnTo>
-                    <a:pt x="0" y="12"/>
-                  </a:lnTo>
-                  <a:lnTo>
-                    <a:pt x="12" y="0"/>
-                  </a:lnTo>
-                  <a:lnTo>
-                    <a:pt x="93" y="69"/>
-                  </a:lnTo>
-                  <a:lnTo>
-                    <a:pt x="93" y="303"/>
-                  </a:lnTo>
-                  <a:close/>
-                </a:path>
-              </a:pathLst>
-            </a:custGeom>
-            <a:grpFill/>
-            <a:ln>
-              <a:noFill/>
-            </a:ln>
-            <a:extLst>
-              <a:ext uri="{91240B29-F687-4f45-9708-019B960494DF}">
-                <a14:hiddenLine xmlns:a14="http://schemas.microsoft.com/office/drawing/2010/main" xmlns:p14="http://schemas.microsoft.com/office/powerpoint/2010/main" xmlns:a16="http://schemas.microsoft.com/office/drawing/2014/main" xmlns="" w="9525">
-                  <a:solidFill>
-                    <a:srgbClr val="000000"/>
-                  </a:solidFill>
-                  <a:round/>
-                  <a:headEnd/>
-                  <a:tailEnd/>
-                </a14:hiddenLine>
-              </a:ext>
-            </a:extLst>
-          </p:spPr>
-        </p:sp>
-        <p:sp>
-          <p:nvSpPr>
-            <p:cNvPr id="66" name="Freeform 19">
-              <a:extLst>
-                <a:ext uri="{FF2B5EF4-FFF2-40B4-BE49-F238E27FC236}">
-                  <a16:creationId xmlns:a16="http://schemas.microsoft.com/office/drawing/2014/main" id="{3B33F710-16D7-4F48-BFCA-66C9CA2352CB}"/>
-                </a:ext>
-                <a:ext uri="{C183D7F6-B498-43B3-948B-1728B52AA6E4}">
-                  <adec:decorative xmlns:adec="http://schemas.microsoft.com/office/drawing/2017/decorative" val="1"/>
-                </a:ext>
-              </a:extLst>
-            </p:cNvPr>
-            <p:cNvSpPr/>
-            <p:nvPr>
-              <p:extLst>
-                <p:ext uri="{386F3935-93C4-4BCD-93E2-E3B085C9AB24}">
-                  <p16:designElem xmlns:p16="http://schemas.microsoft.com/office/powerpoint/2015/main" val="1"/>
-                </p:ext>
-              </p:extLst>
-            </p:nvPr>
-          </p:nvSpPr>
-          <p:spPr bwMode="auto">
-            <a:xfrm>
-              <a:off x="128587" y="1382713"/>
-              <a:ext cx="142875" cy="476250"/>
-            </a:xfrm>
-            <a:custGeom>
-              <a:avLst/>
-              <a:gdLst/>
-              <a:ahLst/>
-              <a:cxnLst/>
-              <a:rect l="0" t="0" r="r" b="b"/>
-              <a:pathLst>
-                <a:path w="90" h="300">
-                  <a:moveTo>
-                    <a:pt x="90" y="300"/>
-                  </a:moveTo>
-                  <a:lnTo>
-                    <a:pt x="78" y="300"/>
-                  </a:lnTo>
-                  <a:lnTo>
-                    <a:pt x="78" y="84"/>
-                  </a:lnTo>
-                  <a:lnTo>
-                    <a:pt x="0" y="9"/>
-                  </a:lnTo>
-                  <a:lnTo>
-                    <a:pt x="9" y="0"/>
-                  </a:lnTo>
-                  <a:lnTo>
-                    <a:pt x="90" y="81"/>
-                  </a:lnTo>
-                  <a:lnTo>
-                    <a:pt x="90" y="300"/>
-                  </a:lnTo>
-                  <a:close/>
-                </a:path>
-              </a:pathLst>
-            </a:custGeom>
-            <a:grpFill/>
-            <a:ln>
-              <a:noFill/>
-            </a:ln>
-            <a:extLst>
-              <a:ext uri="{91240B29-F687-4f45-9708-019B960494DF}">
-                <a14:hiddenLine xmlns:a14="http://schemas.microsoft.com/office/drawing/2010/main" xmlns:p14="http://schemas.microsoft.com/office/powerpoint/2010/main" xmlns:a16="http://schemas.microsoft.com/office/drawing/2014/main" xmlns="" w="9525">
-                  <a:solidFill>
-                    <a:srgbClr val="000000"/>
-                  </a:solidFill>
-                  <a:round/>
-                  <a:headEnd/>
-                  <a:tailEnd/>
-                </a14:hiddenLine>
-              </a:ext>
-            </a:extLst>
-          </p:spPr>
-        </p:sp>
-        <p:sp>
-          <p:nvSpPr>
-            <p:cNvPr id="67" name="Freeform 20">
-              <a:extLst>
-                <a:ext uri="{FF2B5EF4-FFF2-40B4-BE49-F238E27FC236}">
-                  <a16:creationId xmlns:a16="http://schemas.microsoft.com/office/drawing/2014/main" id="{6C8C8ED4-90FA-4E97-AAF0-D5D51E6A935E}"/>
-                </a:ext>
-                <a:ext uri="{C183D7F6-B498-43B3-948B-1728B52AA6E4}">
-                  <adec:decorative xmlns:adec="http://schemas.microsoft.com/office/drawing/2017/decorative" val="1"/>
-                </a:ext>
-              </a:extLst>
-            </p:cNvPr>
-            <p:cNvSpPr>
-              <a:spLocks noEditPoints="1"/>
-            </p:cNvSpPr>
-            <p:nvPr>
-              <p:extLst>
-                <p:ext uri="{386F3935-93C4-4BCD-93E2-E3B085C9AB24}">
-                  <p16:designElem xmlns:p16="http://schemas.microsoft.com/office/powerpoint/2015/main" val="1"/>
-                </p:ext>
-              </p:extLst>
-            </p:nvPr>
-          </p:nvSpPr>
-          <p:spPr bwMode="auto">
-            <a:xfrm>
-              <a:off x="204787" y="1849438"/>
-              <a:ext cx="114300" cy="107950"/>
-            </a:xfrm>
-            <a:custGeom>
-              <a:avLst/>
-              <a:gdLst/>
-              <a:ahLst/>
-              <a:cxnLst/>
-              <a:rect l="0" t="0" r="r" b="b"/>
-              <a:pathLst>
-                <a:path w="24" h="23">
-                  <a:moveTo>
-                    <a:pt x="12" y="23"/>
-                  </a:moveTo>
-                  <a:cubicBezTo>
-                    <a:pt x="6" y="23"/>
-                    <a:pt x="0" y="18"/>
-                    <a:pt x="0" y="12"/>
-                  </a:cubicBezTo>
-                  <a:cubicBezTo>
-                    <a:pt x="0" y="5"/>
-                    <a:pt x="6" y="0"/>
-                    <a:pt x="12" y="0"/>
-                  </a:cubicBezTo>
-                  <a:cubicBezTo>
-                    <a:pt x="18" y="0"/>
-                    <a:pt x="24" y="5"/>
-                    <a:pt x="24" y="12"/>
-                  </a:cubicBezTo>
-                  <a:cubicBezTo>
-                    <a:pt x="24" y="18"/>
-                    <a:pt x="18" y="23"/>
-                    <a:pt x="12" y="23"/>
-                  </a:cubicBezTo>
-                  <a:close/>
-                  <a:moveTo>
-                    <a:pt x="12" y="4"/>
-                  </a:moveTo>
-                  <a:cubicBezTo>
-                    <a:pt x="8" y="4"/>
-                    <a:pt x="4" y="8"/>
-                    <a:pt x="4" y="12"/>
-                  </a:cubicBezTo>
-                  <a:cubicBezTo>
-                    <a:pt x="4" y="16"/>
-                    <a:pt x="8" y="19"/>
-                    <a:pt x="12" y="19"/>
-                  </a:cubicBezTo>
-                  <a:cubicBezTo>
-                    <a:pt x="16" y="19"/>
-                    <a:pt x="20" y="16"/>
-                    <a:pt x="20" y="12"/>
-                  </a:cubicBezTo>
-                  <a:cubicBezTo>
-                    <a:pt x="20" y="8"/>
-                    <a:pt x="16" y="4"/>
-                    <a:pt x="12" y="4"/>
-                  </a:cubicBezTo>
-                  <a:close/>
-                </a:path>
-              </a:pathLst>
-            </a:custGeom>
-            <a:grpFill/>
-            <a:ln>
-              <a:noFill/>
-            </a:ln>
-            <a:extLst>
-              <a:ext uri="{91240B29-F687-4f45-9708-019B960494DF}">
-                <a14:hiddenLine xmlns:a14="http://schemas.microsoft.com/office/drawing/2010/main" xmlns:p14="http://schemas.microsoft.com/office/powerpoint/2010/main" xmlns:a16="http://schemas.microsoft.com/office/drawing/2014/main" xmlns="" w="9525">
-                  <a:solidFill>
-                    <a:srgbClr val="000000"/>
-                  </a:solidFill>
-                  <a:round/>
-                  <a:headEnd/>
-                  <a:tailEnd/>
-                </a14:hiddenLine>
-              </a:ext>
-            </a:extLst>
-          </p:spPr>
-        </p:sp>
-        <p:sp>
-          <p:nvSpPr>
-            <p:cNvPr id="68" name="Rectangle 21">
-              <a:extLst>
-                <a:ext uri="{FF2B5EF4-FFF2-40B4-BE49-F238E27FC236}">
-                  <a16:creationId xmlns:a16="http://schemas.microsoft.com/office/drawing/2014/main" id="{6C5EB9C1-B25F-4172-8A96-5950ECC828FC}"/>
-                </a:ext>
-                <a:ext uri="{C183D7F6-B498-43B3-948B-1728B52AA6E4}">
-                  <adec:decorative xmlns:adec="http://schemas.microsoft.com/office/drawing/2017/decorative" val="1"/>
-                </a:ext>
-              </a:extLst>
-            </p:cNvPr>
-            <p:cNvSpPr>
-              <a:spLocks noChangeArrowheads="1"/>
-            </p:cNvSpPr>
-            <p:nvPr>
-              <p:extLst>
-                <p:ext uri="{386F3935-93C4-4BCD-93E2-E3B085C9AB24}">
-                  <p16:designElem xmlns:p16="http://schemas.microsoft.com/office/powerpoint/2015/main" val="1"/>
-                </p:ext>
-              </p:extLst>
-            </p:nvPr>
-          </p:nvSpPr>
-          <p:spPr bwMode="auto">
-            <a:xfrm>
-              <a:off x="133350" y="4662488"/>
-              <a:ext cx="23813" cy="2181225"/>
-            </a:xfrm>
-            <a:prstGeom prst="rect">
-              <a:avLst/>
-            </a:prstGeom>
-            <a:grpFill/>
-            <a:ln>
-              <a:noFill/>
-            </a:ln>
-            <a:extLst>
-              <a:ext uri="{91240B29-F687-4f45-9708-019B960494DF}">
-                <a14:hiddenLine xmlns:a14="http://schemas.microsoft.com/office/drawing/2010/main" xmlns:p14="http://schemas.microsoft.com/office/powerpoint/2010/main" xmlns:a16="http://schemas.microsoft.com/office/drawing/2014/main" xmlns="" w="9525">
-                  <a:solidFill>
-                    <a:srgbClr val="000000"/>
-                  </a:solidFill>
-                  <a:miter lim="800000"/>
-                  <a:headEnd/>
-                  <a:tailEnd/>
-                </a14:hiddenLine>
-              </a:ext>
-            </a:extLst>
-          </p:spPr>
-        </p:sp>
-        <p:sp>
-          <p:nvSpPr>
-            <p:cNvPr id="69" name="Freeform 22">
-              <a:extLst>
-                <a:ext uri="{FF2B5EF4-FFF2-40B4-BE49-F238E27FC236}">
-                  <a16:creationId xmlns:a16="http://schemas.microsoft.com/office/drawing/2014/main" id="{097E6E8A-9373-4655-882B-21715CCE97EE}"/>
-                </a:ext>
-                <a:ext uri="{C183D7F6-B498-43B3-948B-1728B52AA6E4}">
-                  <adec:decorative xmlns:adec="http://schemas.microsoft.com/office/drawing/2017/decorative" val="1"/>
-                </a:ext>
-              </a:extLst>
-            </p:cNvPr>
-            <p:cNvSpPr/>
-            <p:nvPr>
-              <p:extLst>
-                <p:ext uri="{386F3935-93C4-4BCD-93E2-E3B085C9AB24}">
-                  <p16:designElem xmlns:p16="http://schemas.microsoft.com/office/powerpoint/2015/main" val="1"/>
-                </p:ext>
-              </p:extLst>
-            </p:nvPr>
-          </p:nvSpPr>
-          <p:spPr bwMode="auto">
-            <a:xfrm>
-              <a:off x="223837" y="5041900"/>
-              <a:ext cx="369888" cy="1801813"/>
-            </a:xfrm>
-            <a:custGeom>
-              <a:avLst/>
-              <a:gdLst/>
-              <a:ahLst/>
-              <a:cxnLst/>
-              <a:rect l="0" t="0" r="r" b="b"/>
-              <a:pathLst>
-                <a:path w="233" h="1135">
-                  <a:moveTo>
-                    <a:pt x="15" y="1135"/>
-                  </a:moveTo>
-                  <a:lnTo>
-                    <a:pt x="0" y="1135"/>
-                  </a:lnTo>
-                  <a:lnTo>
-                    <a:pt x="0" y="515"/>
-                  </a:lnTo>
-                  <a:lnTo>
-                    <a:pt x="0" y="512"/>
-                  </a:lnTo>
-                  <a:lnTo>
-                    <a:pt x="218" y="0"/>
-                  </a:lnTo>
-                  <a:lnTo>
-                    <a:pt x="233" y="6"/>
-                  </a:lnTo>
-                  <a:lnTo>
-                    <a:pt x="15" y="518"/>
-                  </a:lnTo>
-                  <a:lnTo>
-                    <a:pt x="15" y="1135"/>
-                  </a:lnTo>
-                  <a:close/>
-                </a:path>
-              </a:pathLst>
-            </a:custGeom>
-            <a:grpFill/>
-            <a:ln>
-              <a:noFill/>
-            </a:ln>
-            <a:extLst>
-              <a:ext uri="{91240B29-F687-4f45-9708-019B960494DF}">
-                <a14:hiddenLine xmlns:a14="http://schemas.microsoft.com/office/drawing/2010/main" xmlns:p14="http://schemas.microsoft.com/office/powerpoint/2010/main" xmlns:a16="http://schemas.microsoft.com/office/drawing/2014/main" xmlns="" w="9525">
-                  <a:solidFill>
-                    <a:srgbClr val="000000"/>
-                  </a:solidFill>
-                  <a:round/>
-                  <a:headEnd/>
-                  <a:tailEnd/>
-                </a14:hiddenLine>
-              </a:ext>
-            </a:extLst>
-          </p:spPr>
-        </p:sp>
-        <p:sp>
-          <p:nvSpPr>
-            <p:cNvPr id="70" name="Freeform 23">
-              <a:extLst>
-                <a:ext uri="{FF2B5EF4-FFF2-40B4-BE49-F238E27FC236}">
-                  <a16:creationId xmlns:a16="http://schemas.microsoft.com/office/drawing/2014/main" id="{EB8CC766-1206-4372-ACAF-8230AF4D5421}"/>
-                </a:ext>
-                <a:ext uri="{C183D7F6-B498-43B3-948B-1728B52AA6E4}">
-                  <adec:decorative xmlns:adec="http://schemas.microsoft.com/office/drawing/2017/decorative" val="1"/>
-                </a:ext>
-              </a:extLst>
-            </p:cNvPr>
-            <p:cNvSpPr>
-              <a:spLocks noEditPoints="1"/>
-            </p:cNvSpPr>
-            <p:nvPr>
-              <p:extLst>
-                <p:ext uri="{386F3935-93C4-4BCD-93E2-E3B085C9AB24}">
-                  <p16:designElem xmlns:p16="http://schemas.microsoft.com/office/powerpoint/2015/main" val="1"/>
-                </p:ext>
-              </p:extLst>
-            </p:nvPr>
-          </p:nvSpPr>
-          <p:spPr bwMode="auto">
-            <a:xfrm>
-              <a:off x="52387" y="4481513"/>
-              <a:ext cx="190500" cy="190500"/>
-            </a:xfrm>
-            <a:custGeom>
-              <a:avLst/>
-              <a:gdLst/>
-              <a:ahLst/>
-              <a:cxnLst/>
-              <a:rect l="0" t="0" r="r" b="b"/>
-              <a:pathLst>
-                <a:path w="40" h="40">
-                  <a:moveTo>
-                    <a:pt x="20" y="40"/>
-                  </a:moveTo>
-                  <a:cubicBezTo>
-                    <a:pt x="9" y="40"/>
-                    <a:pt x="0" y="31"/>
-                    <a:pt x="0" y="20"/>
-                  </a:cubicBezTo>
-                  <a:cubicBezTo>
-                    <a:pt x="0" y="9"/>
-                    <a:pt x="9" y="0"/>
-                    <a:pt x="20" y="0"/>
-                  </a:cubicBezTo>
-                  <a:cubicBezTo>
-                    <a:pt x="31" y="0"/>
-                    <a:pt x="40" y="9"/>
-                    <a:pt x="40" y="20"/>
-                  </a:cubicBezTo>
-                  <a:cubicBezTo>
-                    <a:pt x="40" y="31"/>
-                    <a:pt x="31" y="40"/>
-                    <a:pt x="20" y="40"/>
-                  </a:cubicBezTo>
-                  <a:close/>
-                  <a:moveTo>
-                    <a:pt x="20" y="4"/>
-                  </a:moveTo>
-                  <a:cubicBezTo>
-                    <a:pt x="11" y="4"/>
-                    <a:pt x="4" y="11"/>
-                    <a:pt x="4" y="20"/>
-                  </a:cubicBezTo>
-                  <a:cubicBezTo>
-                    <a:pt x="4" y="29"/>
-                    <a:pt x="11" y="36"/>
-                    <a:pt x="20" y="36"/>
-                  </a:cubicBezTo>
-                  <a:cubicBezTo>
-                    <a:pt x="28" y="36"/>
-                    <a:pt x="36" y="29"/>
-                    <a:pt x="36" y="20"/>
-                  </a:cubicBezTo>
-                  <a:cubicBezTo>
-                    <a:pt x="36" y="11"/>
-                    <a:pt x="28" y="4"/>
-                    <a:pt x="20" y="4"/>
-                  </a:cubicBezTo>
-                  <a:close/>
-                </a:path>
-              </a:pathLst>
-            </a:custGeom>
-            <a:grpFill/>
-            <a:ln>
-              <a:noFill/>
-            </a:ln>
-            <a:extLst>
-              <a:ext uri="{91240B29-F687-4f45-9708-019B960494DF}">
-                <a14:hiddenLine xmlns:a14="http://schemas.microsoft.com/office/drawing/2010/main" xmlns:p14="http://schemas.microsoft.com/office/powerpoint/2010/main" xmlns:a16="http://schemas.microsoft.com/office/drawing/2014/main" xmlns="" w="9525">
-                  <a:solidFill>
-                    <a:srgbClr val="000000"/>
-                  </a:solidFill>
-                  <a:round/>
-                  <a:headEnd/>
-                  <a:tailEnd/>
-                </a14:hiddenLine>
-              </a:ext>
-            </a:extLst>
-          </p:spPr>
-        </p:sp>
-        <p:sp>
-          <p:nvSpPr>
-            <p:cNvPr id="71" name="Freeform 24">
-              <a:extLst>
-                <a:ext uri="{FF2B5EF4-FFF2-40B4-BE49-F238E27FC236}">
-                  <a16:creationId xmlns:a16="http://schemas.microsoft.com/office/drawing/2014/main" id="{1C8E2511-2489-47B2-9C19-C410910DD901}"/>
-                </a:ext>
-                <a:ext uri="{C183D7F6-B498-43B3-948B-1728B52AA6E4}">
-                  <adec:decorative xmlns:adec="http://schemas.microsoft.com/office/drawing/2017/decorative" val="1"/>
-                </a:ext>
-              </a:extLst>
-            </p:cNvPr>
-            <p:cNvSpPr/>
-            <p:nvPr>
-              <p:extLst>
-                <p:ext uri="{386F3935-93C4-4BCD-93E2-E3B085C9AB24}">
-                  <p16:designElem xmlns:p16="http://schemas.microsoft.com/office/powerpoint/2015/main" val="1"/>
-                </p:ext>
-              </p:extLst>
-            </p:nvPr>
-          </p:nvSpPr>
-          <p:spPr bwMode="auto">
-            <a:xfrm>
-              <a:off x="-14288" y="5627688"/>
-              <a:ext cx="85725" cy="1216025"/>
-            </a:xfrm>
-            <a:custGeom>
-              <a:avLst/>
-              <a:gdLst/>
-              <a:ahLst/>
-              <a:cxnLst/>
-              <a:rect l="0" t="0" r="r" b="b"/>
-              <a:pathLst>
-                <a:path w="54" h="766">
-                  <a:moveTo>
-                    <a:pt x="54" y="766"/>
-                  </a:moveTo>
-                  <a:lnTo>
-                    <a:pt x="36" y="766"/>
-                  </a:lnTo>
-                  <a:lnTo>
-                    <a:pt x="36" y="149"/>
-                  </a:lnTo>
-                  <a:lnTo>
-                    <a:pt x="0" y="3"/>
-                  </a:lnTo>
-                  <a:lnTo>
-                    <a:pt x="18" y="0"/>
-                  </a:lnTo>
-                  <a:lnTo>
-                    <a:pt x="54" y="146"/>
-                  </a:lnTo>
-                  <a:lnTo>
-                    <a:pt x="54" y="766"/>
-                  </a:lnTo>
-                  <a:close/>
-                </a:path>
-              </a:pathLst>
-            </a:custGeom>
-            <a:grpFill/>
-            <a:ln>
-              <a:noFill/>
-            </a:ln>
-            <a:extLst>
-              <a:ext uri="{91240B29-F687-4f45-9708-019B960494DF}">
-                <a14:hiddenLine xmlns:a14="http://schemas.microsoft.com/office/drawing/2010/main" xmlns:p14="http://schemas.microsoft.com/office/powerpoint/2010/main" xmlns:a16="http://schemas.microsoft.com/office/drawing/2014/main" xmlns="" w="9525">
-                  <a:solidFill>
-                    <a:srgbClr val="000000"/>
-                  </a:solidFill>
-                  <a:round/>
-                  <a:headEnd/>
-                  <a:tailEnd/>
-                </a14:hiddenLine>
-              </a:ext>
-            </a:extLst>
-          </p:spPr>
-        </p:sp>
-        <p:sp>
-          <p:nvSpPr>
-            <p:cNvPr id="72" name="Freeform 25">
-              <a:extLst>
-                <a:ext uri="{FF2B5EF4-FFF2-40B4-BE49-F238E27FC236}">
-                  <a16:creationId xmlns:a16="http://schemas.microsoft.com/office/drawing/2014/main" id="{D7820196-0A47-47EF-832C-A688E8977D60}"/>
-                </a:ext>
-                <a:ext uri="{C183D7F6-B498-43B3-948B-1728B52AA6E4}">
-                  <adec:decorative xmlns:adec="http://schemas.microsoft.com/office/drawing/2017/decorative" val="1"/>
-                </a:ext>
-              </a:extLst>
-            </p:cNvPr>
-            <p:cNvSpPr>
-              <a:spLocks noEditPoints="1"/>
-            </p:cNvSpPr>
-            <p:nvPr>
-              <p:extLst>
-                <p:ext uri="{386F3935-93C4-4BCD-93E2-E3B085C9AB24}">
-                  <p16:designElem xmlns:p16="http://schemas.microsoft.com/office/powerpoint/2015/main" val="1"/>
-                </p:ext>
-              </p:extLst>
-            </p:nvPr>
-          </p:nvSpPr>
-          <p:spPr bwMode="auto">
-            <a:xfrm>
-              <a:off x="527050" y="4867275"/>
-              <a:ext cx="190500" cy="188913"/>
-            </a:xfrm>
-            <a:custGeom>
-              <a:avLst/>
-              <a:gdLst/>
-              <a:ahLst/>
-              <a:cxnLst/>
-              <a:rect l="0" t="0" r="r" b="b"/>
-              <a:pathLst>
-                <a:path w="40" h="40">
-                  <a:moveTo>
-                    <a:pt x="20" y="40"/>
-                  </a:moveTo>
-                  <a:cubicBezTo>
-                    <a:pt x="9" y="40"/>
-                    <a:pt x="0" y="31"/>
-                    <a:pt x="0" y="20"/>
-                  </a:cubicBezTo>
-                  <a:cubicBezTo>
-                    <a:pt x="0" y="9"/>
-                    <a:pt x="9" y="0"/>
-                    <a:pt x="20" y="0"/>
-                  </a:cubicBezTo>
-                  <a:cubicBezTo>
-                    <a:pt x="31" y="0"/>
-                    <a:pt x="40" y="9"/>
-                    <a:pt x="40" y="20"/>
-                  </a:cubicBezTo>
-                  <a:cubicBezTo>
-                    <a:pt x="40" y="31"/>
-                    <a:pt x="31" y="40"/>
-                    <a:pt x="20" y="40"/>
-                  </a:cubicBezTo>
-                  <a:close/>
-                  <a:moveTo>
-                    <a:pt x="20" y="4"/>
-                  </a:moveTo>
-                  <a:cubicBezTo>
-                    <a:pt x="11" y="4"/>
-                    <a:pt x="4" y="11"/>
-                    <a:pt x="4" y="20"/>
-                  </a:cubicBezTo>
-                  <a:cubicBezTo>
-                    <a:pt x="4" y="29"/>
-                    <a:pt x="11" y="36"/>
-                    <a:pt x="20" y="36"/>
-                  </a:cubicBezTo>
-                  <a:cubicBezTo>
-                    <a:pt x="29" y="36"/>
-                    <a:pt x="36" y="29"/>
-                    <a:pt x="36" y="20"/>
-                  </a:cubicBezTo>
-                  <a:cubicBezTo>
-                    <a:pt x="36" y="11"/>
-                    <a:pt x="29" y="4"/>
-                    <a:pt x="20" y="4"/>
-                  </a:cubicBezTo>
-                  <a:close/>
-                </a:path>
-              </a:pathLst>
-            </a:custGeom>
-            <a:grpFill/>
-            <a:ln>
-              <a:noFill/>
-            </a:ln>
-            <a:extLst>
-              <a:ext uri="{91240B29-F687-4f45-9708-019B960494DF}">
-                <a14:hiddenLine xmlns:a14="http://schemas.microsoft.com/office/drawing/2010/main" xmlns:p14="http://schemas.microsoft.com/office/powerpoint/2010/main" xmlns:a16="http://schemas.microsoft.com/office/drawing/2014/main" xmlns="" w="9525">
-                  <a:solidFill>
-                    <a:srgbClr val="000000"/>
-                  </a:solidFill>
-                  <a:round/>
-                  <a:headEnd/>
-                  <a:tailEnd/>
-                </a14:hiddenLine>
-              </a:ext>
-            </a:extLst>
-          </p:spPr>
-        </p:sp>
-        <p:sp>
-          <p:nvSpPr>
-            <p:cNvPr id="73" name="Freeform 26">
-              <a:extLst>
-                <a:ext uri="{FF2B5EF4-FFF2-40B4-BE49-F238E27FC236}">
-                  <a16:creationId xmlns:a16="http://schemas.microsoft.com/office/drawing/2014/main" id="{4982E0BF-34AE-48A3-AD6B-E0F3CD05DB34}"/>
-                </a:ext>
-                <a:ext uri="{C183D7F6-B498-43B3-948B-1728B52AA6E4}">
-                  <adec:decorative xmlns:adec="http://schemas.microsoft.com/office/drawing/2017/decorative" val="1"/>
-                </a:ext>
-              </a:extLst>
-            </p:cNvPr>
-            <p:cNvSpPr/>
-            <p:nvPr>
-              <p:extLst>
-                <p:ext uri="{386F3935-93C4-4BCD-93E2-E3B085C9AB24}">
-                  <p16:designElem xmlns:p16="http://schemas.microsoft.com/office/powerpoint/2015/main" val="1"/>
-                </p:ext>
-              </p:extLst>
-            </p:nvPr>
-          </p:nvSpPr>
-          <p:spPr bwMode="auto">
-            <a:xfrm>
-              <a:off x="309562" y="5422900"/>
-              <a:ext cx="374650" cy="1425575"/>
-            </a:xfrm>
-            <a:custGeom>
-              <a:avLst/>
-              <a:gdLst/>
-              <a:ahLst/>
-              <a:cxnLst/>
-              <a:rect l="0" t="0" r="r" b="b"/>
-              <a:pathLst>
-                <a:path w="236" h="898">
-                  <a:moveTo>
-                    <a:pt x="18" y="898"/>
-                  </a:moveTo>
-                  <a:lnTo>
-                    <a:pt x="0" y="898"/>
-                  </a:lnTo>
-                  <a:lnTo>
-                    <a:pt x="0" y="515"/>
-                  </a:lnTo>
-                  <a:lnTo>
-                    <a:pt x="3" y="512"/>
-                  </a:lnTo>
-                  <a:lnTo>
-                    <a:pt x="221" y="0"/>
-                  </a:lnTo>
-                  <a:lnTo>
-                    <a:pt x="236" y="6"/>
-                  </a:lnTo>
-                  <a:lnTo>
-                    <a:pt x="18" y="518"/>
-                  </a:lnTo>
-                  <a:lnTo>
-                    <a:pt x="18" y="898"/>
-                  </a:lnTo>
-                  <a:close/>
-                </a:path>
-              </a:pathLst>
-            </a:custGeom>
-            <a:grpFill/>
-            <a:ln>
-              <a:noFill/>
-            </a:ln>
-            <a:extLst>
-              <a:ext uri="{91240B29-F687-4f45-9708-019B960494DF}">
-                <a14:hiddenLine xmlns:a14="http://schemas.microsoft.com/office/drawing/2010/main" xmlns:p14="http://schemas.microsoft.com/office/powerpoint/2010/main" xmlns:a16="http://schemas.microsoft.com/office/drawing/2014/main" xmlns="" w="9525">
-                  <a:solidFill>
-                    <a:srgbClr val="000000"/>
-                  </a:solidFill>
-                  <a:round/>
-                  <a:headEnd/>
-                  <a:tailEnd/>
-                </a14:hiddenLine>
-              </a:ext>
-            </a:extLst>
-          </p:spPr>
-        </p:sp>
-        <p:sp>
-          <p:nvSpPr>
-            <p:cNvPr id="74" name="Freeform 27">
-              <a:extLst>
-                <a:ext uri="{FF2B5EF4-FFF2-40B4-BE49-F238E27FC236}">
-                  <a16:creationId xmlns:a16="http://schemas.microsoft.com/office/drawing/2014/main" id="{CD34643B-9DF2-4310-8868-48252C3393F0}"/>
-                </a:ext>
-                <a:ext uri="{C183D7F6-B498-43B3-948B-1728B52AA6E4}">
-                  <adec:decorative xmlns:adec="http://schemas.microsoft.com/office/drawing/2017/decorative" val="1"/>
-                </a:ext>
-              </a:extLst>
-            </p:cNvPr>
-            <p:cNvSpPr/>
-            <p:nvPr>
-              <p:extLst>
-                <p:ext uri="{386F3935-93C4-4BCD-93E2-E3B085C9AB24}">
-                  <p16:designElem xmlns:p16="http://schemas.microsoft.com/office/powerpoint/2015/main" val="1"/>
-                </p:ext>
-              </p:extLst>
-            </p:nvPr>
-          </p:nvSpPr>
-          <p:spPr bwMode="auto">
-            <a:xfrm>
-              <a:off x="569912" y="5945188"/>
-              <a:ext cx="152400" cy="912813"/>
-            </a:xfrm>
-            <a:custGeom>
-              <a:avLst/>
-              <a:gdLst/>
-              <a:ahLst/>
-              <a:cxnLst/>
-              <a:rect l="0" t="0" r="r" b="b"/>
-              <a:pathLst>
-                <a:path w="96" h="575">
-                  <a:moveTo>
-                    <a:pt x="15" y="575"/>
-                  </a:moveTo>
-                  <a:lnTo>
-                    <a:pt x="0" y="569"/>
-                  </a:lnTo>
-                  <a:lnTo>
-                    <a:pt x="81" y="383"/>
-                  </a:lnTo>
-                  <a:lnTo>
-                    <a:pt x="81" y="0"/>
-                  </a:lnTo>
-                  <a:lnTo>
-                    <a:pt x="96" y="0"/>
-                  </a:lnTo>
-                  <a:lnTo>
-                    <a:pt x="96" y="386"/>
-                  </a:lnTo>
-                  <a:lnTo>
-                    <a:pt x="15" y="575"/>
-                  </a:lnTo>
-                  <a:close/>
-                </a:path>
-              </a:pathLst>
-            </a:custGeom>
-            <a:grpFill/>
-            <a:ln>
-              <a:noFill/>
-            </a:ln>
-            <a:extLst>
-              <a:ext uri="{91240B29-F687-4f45-9708-019B960494DF}">
-                <a14:hiddenLine xmlns:a14="http://schemas.microsoft.com/office/drawing/2010/main" xmlns:p14="http://schemas.microsoft.com/office/powerpoint/2010/main" xmlns:a16="http://schemas.microsoft.com/office/drawing/2014/main" xmlns="" w="9525">
-                  <a:solidFill>
-                    <a:srgbClr val="000000"/>
-                  </a:solidFill>
-                  <a:round/>
-                  <a:headEnd/>
-                  <a:tailEnd/>
-                </a14:hiddenLine>
-              </a:ext>
-            </a:extLst>
-          </p:spPr>
-        </p:sp>
-        <p:sp>
-          <p:nvSpPr>
-            <p:cNvPr id="75" name="Freeform 28">
-              <a:extLst>
-                <a:ext uri="{FF2B5EF4-FFF2-40B4-BE49-F238E27FC236}">
-                  <a16:creationId xmlns:a16="http://schemas.microsoft.com/office/drawing/2014/main" id="{4E020C4E-AF64-44A8-B830-779541D8D549}"/>
-                </a:ext>
-                <a:ext uri="{C183D7F6-B498-43B3-948B-1728B52AA6E4}">
-                  <adec:decorative xmlns:adec="http://schemas.microsoft.com/office/drawing/2017/decorative" val="1"/>
-                </a:ext>
-              </a:extLst>
-            </p:cNvPr>
-            <p:cNvSpPr>
-              <a:spLocks noEditPoints="1"/>
-            </p:cNvSpPr>
-            <p:nvPr>
-              <p:extLst>
-                <p:ext uri="{386F3935-93C4-4BCD-93E2-E3B085C9AB24}">
-                  <p16:designElem xmlns:p16="http://schemas.microsoft.com/office/powerpoint/2015/main" val="1"/>
-                </p:ext>
-              </p:extLst>
-            </p:nvPr>
-          </p:nvSpPr>
-          <p:spPr bwMode="auto">
-            <a:xfrm>
-              <a:off x="612775" y="5246688"/>
-              <a:ext cx="190500" cy="190500"/>
-            </a:xfrm>
-            <a:custGeom>
-              <a:avLst/>
-              <a:gdLst/>
-              <a:ahLst/>
-              <a:cxnLst/>
-              <a:rect l="0" t="0" r="r" b="b"/>
-              <a:pathLst>
-                <a:path w="40" h="40">
-                  <a:moveTo>
-                    <a:pt x="20" y="40"/>
-                  </a:moveTo>
-                  <a:cubicBezTo>
-                    <a:pt x="9" y="40"/>
-                    <a:pt x="0" y="31"/>
-                    <a:pt x="0" y="20"/>
-                  </a:cubicBezTo>
-                  <a:cubicBezTo>
-                    <a:pt x="0" y="9"/>
-                    <a:pt x="9" y="0"/>
-                    <a:pt x="20" y="0"/>
-                  </a:cubicBezTo>
-                  <a:cubicBezTo>
-                    <a:pt x="31" y="0"/>
-                    <a:pt x="40" y="9"/>
-                    <a:pt x="40" y="20"/>
-                  </a:cubicBezTo>
-                  <a:cubicBezTo>
-                    <a:pt x="40" y="31"/>
-                    <a:pt x="31" y="40"/>
-                    <a:pt x="20" y="40"/>
-                  </a:cubicBezTo>
-                  <a:close/>
-                  <a:moveTo>
-                    <a:pt x="20" y="4"/>
-                  </a:moveTo>
-                  <a:cubicBezTo>
-                    <a:pt x="12" y="4"/>
-                    <a:pt x="4" y="11"/>
-                    <a:pt x="4" y="20"/>
-                  </a:cubicBezTo>
-                  <a:cubicBezTo>
-                    <a:pt x="4" y="29"/>
-                    <a:pt x="12" y="36"/>
-                    <a:pt x="20" y="36"/>
-                  </a:cubicBezTo>
-                  <a:cubicBezTo>
-                    <a:pt x="29" y="36"/>
-                    <a:pt x="36" y="29"/>
-                    <a:pt x="36" y="20"/>
-                  </a:cubicBezTo>
-                  <a:cubicBezTo>
-                    <a:pt x="36" y="11"/>
-                    <a:pt x="29" y="4"/>
-                    <a:pt x="20" y="4"/>
-                  </a:cubicBezTo>
-                  <a:close/>
-                </a:path>
-              </a:pathLst>
-            </a:custGeom>
-            <a:grpFill/>
-            <a:ln>
-              <a:noFill/>
-            </a:ln>
-            <a:extLst>
-              <a:ext uri="{91240B29-F687-4f45-9708-019B960494DF}">
-                <a14:hiddenLine xmlns:a14="http://schemas.microsoft.com/office/drawing/2010/main" xmlns:p14="http://schemas.microsoft.com/office/powerpoint/2010/main" xmlns:a16="http://schemas.microsoft.com/office/drawing/2014/main" xmlns="" w="9525">
-                  <a:solidFill>
-                    <a:srgbClr val="000000"/>
-                  </a:solidFill>
-                  <a:round/>
-                  <a:headEnd/>
-                  <a:tailEnd/>
-                </a14:hiddenLine>
-              </a:ext>
-            </a:extLst>
-          </p:spPr>
-        </p:sp>
-        <p:sp>
-          <p:nvSpPr>
-            <p:cNvPr id="76" name="Freeform 29">
-              <a:extLst>
-                <a:ext uri="{FF2B5EF4-FFF2-40B4-BE49-F238E27FC236}">
-                  <a16:creationId xmlns:a16="http://schemas.microsoft.com/office/drawing/2014/main" id="{D97BC3D3-B1B3-4825-9169-BBEF1DBCF055}"/>
-                </a:ext>
-                <a:ext uri="{C183D7F6-B498-43B3-948B-1728B52AA6E4}">
-                  <adec:decorative xmlns:adec="http://schemas.microsoft.com/office/drawing/2017/decorative" val="1"/>
-                </a:ext>
-              </a:extLst>
-            </p:cNvPr>
-            <p:cNvSpPr>
-              <a:spLocks noEditPoints="1"/>
-            </p:cNvSpPr>
-            <p:nvPr>
-              <p:extLst>
-                <p:ext uri="{386F3935-93C4-4BCD-93E2-E3B085C9AB24}">
-                  <p16:designElem xmlns:p16="http://schemas.microsoft.com/office/powerpoint/2015/main" val="1"/>
-                </p:ext>
-              </p:extLst>
-            </p:nvPr>
-          </p:nvSpPr>
-          <p:spPr bwMode="auto">
-            <a:xfrm>
-              <a:off x="612775" y="5764213"/>
-              <a:ext cx="190500" cy="190500"/>
-            </a:xfrm>
-            <a:custGeom>
-              <a:avLst/>
-              <a:gdLst/>
-              <a:ahLst/>
-              <a:cxnLst/>
-              <a:rect l="0" t="0" r="r" b="b"/>
-              <a:pathLst>
-                <a:path w="40" h="40">
-                  <a:moveTo>
-                    <a:pt x="20" y="40"/>
-                  </a:moveTo>
-                  <a:cubicBezTo>
-                    <a:pt x="9" y="40"/>
-                    <a:pt x="0" y="31"/>
-                    <a:pt x="0" y="20"/>
-                  </a:cubicBezTo>
-                  <a:cubicBezTo>
-                    <a:pt x="0" y="9"/>
-                    <a:pt x="9" y="0"/>
-                    <a:pt x="20" y="0"/>
-                  </a:cubicBezTo>
-                  <a:cubicBezTo>
-                    <a:pt x="31" y="0"/>
-                    <a:pt x="40" y="9"/>
-                    <a:pt x="40" y="20"/>
-                  </a:cubicBezTo>
-                  <a:cubicBezTo>
-                    <a:pt x="40" y="31"/>
-                    <a:pt x="31" y="40"/>
-                    <a:pt x="20" y="40"/>
-                  </a:cubicBezTo>
-                  <a:close/>
-                  <a:moveTo>
-                    <a:pt x="20" y="4"/>
-                  </a:moveTo>
-                  <a:cubicBezTo>
-                    <a:pt x="12" y="4"/>
-                    <a:pt x="4" y="11"/>
-                    <a:pt x="4" y="20"/>
-                  </a:cubicBezTo>
-                  <a:cubicBezTo>
-                    <a:pt x="4" y="29"/>
-                    <a:pt x="12" y="36"/>
-                    <a:pt x="20" y="36"/>
-                  </a:cubicBezTo>
-                  <a:cubicBezTo>
-                    <a:pt x="29" y="36"/>
-                    <a:pt x="36" y="29"/>
-                    <a:pt x="36" y="20"/>
-                  </a:cubicBezTo>
-                  <a:cubicBezTo>
-                    <a:pt x="36" y="11"/>
-                    <a:pt x="29" y="4"/>
-                    <a:pt x="20" y="4"/>
-                  </a:cubicBezTo>
-                  <a:close/>
-                </a:path>
-              </a:pathLst>
-            </a:custGeom>
-            <a:grpFill/>
-            <a:ln>
-              <a:noFill/>
-            </a:ln>
-            <a:extLst>
-              <a:ext uri="{91240B29-F687-4f45-9708-019B960494DF}">
-                <a14:hiddenLine xmlns:a14="http://schemas.microsoft.com/office/drawing/2010/main" xmlns:p14="http://schemas.microsoft.com/office/powerpoint/2010/main" xmlns:a16="http://schemas.microsoft.com/office/drawing/2014/main" xmlns="" w="9525">
-                  <a:solidFill>
-                    <a:srgbClr val="000000"/>
-                  </a:solidFill>
-                  <a:round/>
-                  <a:headEnd/>
-                  <a:tailEnd/>
-                </a14:hiddenLine>
-              </a:ext>
-            </a:extLst>
-          </p:spPr>
-        </p:sp>
-        <p:sp>
-          <p:nvSpPr>
-            <p:cNvPr id="77" name="Freeform 30">
-              <a:extLst>
-                <a:ext uri="{FF2B5EF4-FFF2-40B4-BE49-F238E27FC236}">
-                  <a16:creationId xmlns:a16="http://schemas.microsoft.com/office/drawing/2014/main" id="{A750DC4F-1DAF-470E-98C6-6C68DEB93363}"/>
-                </a:ext>
-                <a:ext uri="{C183D7F6-B498-43B3-948B-1728B52AA6E4}">
-                  <adec:decorative xmlns:adec="http://schemas.microsoft.com/office/drawing/2017/decorative" val="1"/>
-                </a:ext>
-              </a:extLst>
-            </p:cNvPr>
-            <p:cNvSpPr/>
-            <p:nvPr>
-              <p:extLst>
-                <p:ext uri="{386F3935-93C4-4BCD-93E2-E3B085C9AB24}">
-                  <p16:designElem xmlns:p16="http://schemas.microsoft.com/office/powerpoint/2015/main" val="1"/>
-                </p:ext>
-              </p:extLst>
-            </p:nvPr>
-          </p:nvSpPr>
-          <p:spPr bwMode="auto">
-            <a:xfrm>
-              <a:off x="669925" y="6330950"/>
-              <a:ext cx="417513" cy="517525"/>
-            </a:xfrm>
-            <a:custGeom>
-              <a:avLst/>
-              <a:gdLst/>
-              <a:ahLst/>
-              <a:cxnLst/>
-              <a:rect l="0" t="0" r="r" b="b"/>
-              <a:pathLst>
-                <a:path w="263" h="326">
-                  <a:moveTo>
-                    <a:pt x="15" y="326"/>
-                  </a:moveTo>
-                  <a:lnTo>
-                    <a:pt x="0" y="320"/>
-                  </a:lnTo>
-                  <a:lnTo>
-                    <a:pt x="45" y="206"/>
-                  </a:lnTo>
-                  <a:lnTo>
-                    <a:pt x="48" y="206"/>
-                  </a:lnTo>
-                  <a:lnTo>
-                    <a:pt x="254" y="0"/>
-                  </a:lnTo>
-                  <a:lnTo>
-                    <a:pt x="263" y="12"/>
-                  </a:lnTo>
-                  <a:lnTo>
-                    <a:pt x="60" y="215"/>
-                  </a:lnTo>
-                  <a:lnTo>
-                    <a:pt x="15" y="326"/>
-                  </a:lnTo>
-                  <a:close/>
-                </a:path>
-              </a:pathLst>
-            </a:custGeom>
-            <a:grpFill/>
-            <a:ln>
-              <a:noFill/>
-            </a:ln>
-            <a:extLst>
-              <a:ext uri="{91240B29-F687-4f45-9708-019B960494DF}">
-                <a14:hiddenLine xmlns:a14="http://schemas.microsoft.com/office/drawing/2010/main" xmlns:p14="http://schemas.microsoft.com/office/powerpoint/2010/main" xmlns:a16="http://schemas.microsoft.com/office/drawing/2014/main" xmlns="" w="9525">
-                  <a:solidFill>
-                    <a:srgbClr val="000000"/>
-                  </a:solidFill>
-                  <a:round/>
-                  <a:headEnd/>
-                  <a:tailEnd/>
-                </a14:hiddenLine>
-              </a:ext>
-            </a:extLst>
-          </p:spPr>
-        </p:sp>
-        <p:sp>
-          <p:nvSpPr>
-            <p:cNvPr id="81" name="Freeform 31">
-              <a:extLst>
-                <a:ext uri="{FF2B5EF4-FFF2-40B4-BE49-F238E27FC236}">
-                  <a16:creationId xmlns:a16="http://schemas.microsoft.com/office/drawing/2014/main" id="{2F99594A-5BBD-4E10-A818-8BE52B7D952C}"/>
-                </a:ext>
-                <a:ext uri="{C183D7F6-B498-43B3-948B-1728B52AA6E4}">
-                  <adec:decorative xmlns:adec="http://schemas.microsoft.com/office/drawing/2017/decorative" val="1"/>
-                </a:ext>
-              </a:extLst>
-            </p:cNvPr>
-            <p:cNvSpPr>
-              <a:spLocks noEditPoints="1"/>
-            </p:cNvSpPr>
-            <p:nvPr>
-              <p:extLst>
-                <p:ext uri="{386F3935-93C4-4BCD-93E2-E3B085C9AB24}">
-                  <p16:designElem xmlns:p16="http://schemas.microsoft.com/office/powerpoint/2015/main" val="1"/>
-                </p:ext>
-              </p:extLst>
-            </p:nvPr>
-          </p:nvSpPr>
-          <p:spPr bwMode="auto">
-            <a:xfrm>
-              <a:off x="1049337" y="6221413"/>
-              <a:ext cx="157163" cy="147638"/>
-            </a:xfrm>
-            <a:custGeom>
-              <a:avLst/>
-              <a:gdLst/>
-              <a:ahLst/>
-              <a:cxnLst/>
-              <a:rect l="0" t="0" r="r" b="b"/>
-              <a:pathLst>
-                <a:path w="33" h="31">
-                  <a:moveTo>
-                    <a:pt x="16" y="31"/>
-                  </a:moveTo>
-                  <a:cubicBezTo>
-                    <a:pt x="12" y="31"/>
-                    <a:pt x="8" y="29"/>
-                    <a:pt x="5" y="26"/>
-                  </a:cubicBezTo>
-                  <a:cubicBezTo>
-                    <a:pt x="2" y="24"/>
-                    <a:pt x="0" y="20"/>
-                    <a:pt x="0" y="15"/>
-                  </a:cubicBezTo>
-                  <a:cubicBezTo>
-                    <a:pt x="0" y="11"/>
-                    <a:pt x="2" y="7"/>
-                    <a:pt x="5" y="4"/>
-                  </a:cubicBezTo>
-                  <a:cubicBezTo>
-                    <a:pt x="8" y="1"/>
-                    <a:pt x="12" y="0"/>
-                    <a:pt x="16" y="0"/>
-                  </a:cubicBezTo>
-                  <a:cubicBezTo>
-                    <a:pt x="20" y="0"/>
-                    <a:pt x="24" y="1"/>
-                    <a:pt x="27" y="4"/>
-                  </a:cubicBezTo>
-                  <a:cubicBezTo>
-                    <a:pt x="33" y="10"/>
-                    <a:pt x="33" y="20"/>
-                    <a:pt x="27" y="26"/>
-                  </a:cubicBezTo>
-                  <a:cubicBezTo>
-                    <a:pt x="24" y="29"/>
-                    <a:pt x="20" y="31"/>
-                    <a:pt x="16" y="31"/>
-                  </a:cubicBezTo>
-                  <a:close/>
-                  <a:moveTo>
-                    <a:pt x="16" y="4"/>
-                  </a:moveTo>
-                  <a:cubicBezTo>
-                    <a:pt x="13" y="4"/>
-                    <a:pt x="10" y="5"/>
-                    <a:pt x="8" y="7"/>
-                  </a:cubicBezTo>
-                  <a:cubicBezTo>
-                    <a:pt x="6" y="9"/>
-                    <a:pt x="4" y="12"/>
-                    <a:pt x="4" y="15"/>
-                  </a:cubicBezTo>
-                  <a:cubicBezTo>
-                    <a:pt x="4" y="19"/>
-                    <a:pt x="6" y="21"/>
-                    <a:pt x="8" y="24"/>
-                  </a:cubicBezTo>
-                  <a:cubicBezTo>
-                    <a:pt x="10" y="26"/>
-                    <a:pt x="13" y="27"/>
-                    <a:pt x="16" y="27"/>
-                  </a:cubicBezTo>
-                  <a:cubicBezTo>
-                    <a:pt x="19" y="27"/>
-                    <a:pt x="22" y="26"/>
-                    <a:pt x="24" y="24"/>
-                  </a:cubicBezTo>
-                  <a:cubicBezTo>
-                    <a:pt x="29" y="19"/>
-                    <a:pt x="29" y="12"/>
-                    <a:pt x="24" y="7"/>
-                  </a:cubicBezTo>
-                  <a:cubicBezTo>
-                    <a:pt x="22" y="5"/>
-                    <a:pt x="19" y="4"/>
-                    <a:pt x="16" y="4"/>
-                  </a:cubicBezTo>
-                  <a:close/>
-                </a:path>
-              </a:pathLst>
-            </a:custGeom>
-            <a:grpFill/>
-            <a:ln>
-              <a:noFill/>
-            </a:ln>
-            <a:extLst>
-              <a:ext uri="{91240B29-F687-4f45-9708-019B960494DF}">
-                <a14:hiddenLine xmlns:a14="http://schemas.microsoft.com/office/drawing/2010/main" xmlns:p14="http://schemas.microsoft.com/office/powerpoint/2010/main" xmlns:a16="http://schemas.microsoft.com/office/drawing/2014/main" xmlns="" w="9525">
-                  <a:solidFill>
-                    <a:srgbClr val="000000"/>
-                  </a:solidFill>
-                  <a:round/>
-                  <a:headEnd/>
-                  <a:tailEnd/>
-                </a14:hiddenLine>
-              </a:ext>
-            </a:extLst>
-          </p:spPr>
-        </p:sp>
-      </p:grpSp>
-      <p:sp>
-        <p:nvSpPr>
-          <p:cNvPr id="3" name="Segnaposto piè di pagina 2">
-            <a:extLst>
-              <a:ext uri="{FF2B5EF4-FFF2-40B4-BE49-F238E27FC236}">
-                <a16:creationId xmlns:a16="http://schemas.microsoft.com/office/drawing/2014/main" id="{FBF7A850-89B1-4613-B321-7E0C5F557A91}"/>
-              </a:ext>
-            </a:extLst>
-          </p:cNvPr>
-          <p:cNvSpPr>
-            <a:spLocks noGrp="1"/>
-          </p:cNvSpPr>
-          <p:nvPr>
-            <p:ph type="ftr" sz="quarter" idx="11"/>
-          </p:nvPr>
-        </p:nvSpPr>
-        <p:spPr>
-          <a:xfrm>
-            <a:off x="1149349" y="6394611"/>
-            <a:ext cx="6239309" cy="365125"/>
-          </a:xfrm>
-        </p:spPr>
-        <p:txBody>
-          <a:bodyPr/>
-          <a:lstStyle/>
-          <a:p>
-            <a:pPr rtl="0"/>
-            <a:r>
-              <a:rPr lang="it-IT" noProof="0" dirty="0"/>
-              <a:t>Anno Accademico 2021/2022</a:t>
-            </a:r>
-          </a:p>
-        </p:txBody>
-      </p:sp>
-      <p:sp>
-        <p:nvSpPr>
-          <p:cNvPr id="6" name="Segnaposto data 5">
-            <a:extLst>
-              <a:ext uri="{FF2B5EF4-FFF2-40B4-BE49-F238E27FC236}">
-                <a16:creationId xmlns:a16="http://schemas.microsoft.com/office/drawing/2014/main" id="{85DBA455-560A-4C35-8506-C8D87ABE9AC7}"/>
-              </a:ext>
-            </a:extLst>
-          </p:cNvPr>
-          <p:cNvSpPr>
-            <a:spLocks noGrp="1"/>
-          </p:cNvSpPr>
-          <p:nvPr>
-            <p:ph type="dt" sz="half" idx="10"/>
-          </p:nvPr>
-        </p:nvSpPr>
-        <p:spPr>
-          <a:xfrm>
-            <a:off x="7675329" y="6393288"/>
-            <a:ext cx="2743200" cy="365125"/>
-          </a:xfrm>
-        </p:spPr>
-        <p:txBody>
-          <a:bodyPr/>
-          <a:lstStyle/>
-          <a:p>
-            <a:pPr rtl="0"/>
-            <a:r>
-              <a:rPr lang="it-IT" noProof="0" dirty="0"/>
-              <a:t>Università degli Studi di Bologna</a:t>
-            </a:r>
-          </a:p>
-        </p:txBody>
-      </p:sp>
-      <p:sp>
-        <p:nvSpPr>
-          <p:cNvPr id="4" name="Segnaposto numero diapositiva 3">
-            <a:extLst>
-              <a:ext uri="{FF2B5EF4-FFF2-40B4-BE49-F238E27FC236}">
-                <a16:creationId xmlns:a16="http://schemas.microsoft.com/office/drawing/2014/main" id="{66708894-FD84-4235-A5FB-07D5CA6172BD}"/>
-              </a:ext>
-            </a:extLst>
-          </p:cNvPr>
-          <p:cNvSpPr>
-            <a:spLocks noGrp="1"/>
-          </p:cNvSpPr>
-          <p:nvPr>
-            <p:ph type="sldNum" sz="quarter" idx="12"/>
-          </p:nvPr>
-        </p:nvSpPr>
-        <p:spPr>
-          <a:xfrm>
-            <a:off x="10481895" y="6407944"/>
-            <a:ext cx="771089" cy="365125"/>
-          </a:xfrm>
-        </p:spPr>
-        <p:txBody>
-          <a:bodyPr/>
-          <a:lstStyle/>
-          <a:p>
-            <a:pPr rtl="0"/>
-            <a:fld id="{6D22F896-40B5-4ADD-8801-0D06FADFA095}" type="slidenum">
-              <a:rPr lang="it-IT" noProof="0" smtClean="0"/>
-              <a:t>6</a:t>
             </a:fld>
             <a:endParaRPr lang="it-IT" noProof="0" dirty="0"/>
           </a:p>
@@ -28697,7 +25986,7 @@
 </p:sld>
 </file>
 
-<file path=ppt/slides/slide7.xml><?xml version="1.0" encoding="utf-8"?>
+<file path=ppt/slides/slide6.xml><?xml version="1.0" encoding="utf-8"?>
 <p:sld xmlns:a="http://schemas.openxmlformats.org/drawingml/2006/main" xmlns:r="http://schemas.openxmlformats.org/officeDocument/2006/relationships" xmlns:p="http://schemas.openxmlformats.org/presentationml/2006/main">
   <p:cSld>
     <p:spTree>
@@ -28822,7 +26111,7 @@
           <a:noFill/>
           <a:extLst>
             <a:ext uri="{909E8E84-426E-40dd-AFC4-6F175D3DCCD1}">
-              <a14:hiddenFill xmlns="" xmlns:a16="http://schemas.microsoft.com/office/drawing/2014/main" xmlns:p14="http://schemas.microsoft.com/office/powerpoint/2010/main" xmlns:a14="http://schemas.microsoft.com/office/drawing/2010/main">
+              <a14:hiddenFill xmlns:a14="http://schemas.microsoft.com/office/drawing/2010/main" xmlns:p14="http://schemas.microsoft.com/office/powerpoint/2010/main" xmlns:a16="http://schemas.microsoft.com/office/drawing/2014/main" xmlns="">
                 <a:solidFill>
                   <a:srgbClr val="FFFFFF"/>
                 </a:solidFill>
@@ -28914,7 +26203,7 @@
             </a:ln>
             <a:extLst>
               <a:ext uri="{91240B29-F687-4f45-9708-019B960494DF}">
-                <a14:hiddenLine xmlns="" xmlns:a16="http://schemas.microsoft.com/office/drawing/2014/main" xmlns:p14="http://schemas.microsoft.com/office/powerpoint/2010/main" xmlns:a14="http://schemas.microsoft.com/office/drawing/2010/main" w="9525">
+                <a14:hiddenLine xmlns:a14="http://schemas.microsoft.com/office/drawing/2010/main" xmlns:p14="http://schemas.microsoft.com/office/powerpoint/2010/main" xmlns:a16="http://schemas.microsoft.com/office/drawing/2014/main" xmlns="" w="9525">
                   <a:solidFill>
                     <a:srgbClr val="000000"/>
                   </a:solidFill>
@@ -29019,7 +26308,7 @@
             </a:ln>
             <a:extLst>
               <a:ext uri="{91240B29-F687-4f45-9708-019B960494DF}">
-                <a14:hiddenLine xmlns="" xmlns:a16="http://schemas.microsoft.com/office/drawing/2014/main" xmlns:p14="http://schemas.microsoft.com/office/powerpoint/2010/main" xmlns:a14="http://schemas.microsoft.com/office/drawing/2010/main" w="9525">
+                <a14:hiddenLine xmlns:a14="http://schemas.microsoft.com/office/drawing/2010/main" xmlns:p14="http://schemas.microsoft.com/office/powerpoint/2010/main" xmlns:a16="http://schemas.microsoft.com/office/drawing/2014/main" xmlns="" w="9525">
                   <a:solidFill>
                     <a:srgbClr val="000000"/>
                   </a:solidFill>
@@ -29124,7 +26413,7 @@
             </a:ln>
             <a:extLst>
               <a:ext uri="{91240B29-F687-4f45-9708-019B960494DF}">
-                <a14:hiddenLine xmlns="" xmlns:a16="http://schemas.microsoft.com/office/drawing/2014/main" xmlns:p14="http://schemas.microsoft.com/office/powerpoint/2010/main" xmlns:a14="http://schemas.microsoft.com/office/drawing/2010/main" w="9525">
+                <a14:hiddenLine xmlns:a14="http://schemas.microsoft.com/office/drawing/2010/main" xmlns:p14="http://schemas.microsoft.com/office/powerpoint/2010/main" xmlns:a16="http://schemas.microsoft.com/office/drawing/2014/main" xmlns="" w="9525">
                   <a:solidFill>
                     <a:srgbClr val="000000"/>
                   </a:solidFill>
@@ -29201,7 +26490,7 @@
             </a:ln>
             <a:extLst>
               <a:ext uri="{91240B29-F687-4f45-9708-019B960494DF}">
-                <a14:hiddenLine xmlns="" xmlns:a16="http://schemas.microsoft.com/office/drawing/2014/main" xmlns:p14="http://schemas.microsoft.com/office/powerpoint/2010/main" xmlns:a14="http://schemas.microsoft.com/office/drawing/2010/main" w="9525">
+                <a14:hiddenLine xmlns:a14="http://schemas.microsoft.com/office/drawing/2010/main" xmlns:p14="http://schemas.microsoft.com/office/powerpoint/2010/main" xmlns:a16="http://schemas.microsoft.com/office/drawing/2014/main" xmlns="" w="9525">
                   <a:solidFill>
                     <a:srgbClr val="000000"/>
                   </a:solidFill>
@@ -29306,7 +26595,7 @@
             </a:ln>
             <a:extLst>
               <a:ext uri="{91240B29-F687-4f45-9708-019B960494DF}">
-                <a14:hiddenLine xmlns="" xmlns:a16="http://schemas.microsoft.com/office/drawing/2014/main" xmlns:p14="http://schemas.microsoft.com/office/powerpoint/2010/main" xmlns:a14="http://schemas.microsoft.com/office/drawing/2010/main" w="9525">
+                <a14:hiddenLine xmlns:a14="http://schemas.microsoft.com/office/drawing/2010/main" xmlns:p14="http://schemas.microsoft.com/office/powerpoint/2010/main" xmlns:a16="http://schemas.microsoft.com/office/drawing/2014/main" xmlns="" w="9525">
                   <a:solidFill>
                     <a:srgbClr val="000000"/>
                   </a:solidFill>
@@ -29383,7 +26672,7 @@
             </a:ln>
             <a:extLst>
               <a:ext uri="{91240B29-F687-4f45-9708-019B960494DF}">
-                <a14:hiddenLine xmlns="" xmlns:a16="http://schemas.microsoft.com/office/drawing/2014/main" xmlns:p14="http://schemas.microsoft.com/office/powerpoint/2010/main" xmlns:a14="http://schemas.microsoft.com/office/drawing/2010/main" w="9525">
+                <a14:hiddenLine xmlns:a14="http://schemas.microsoft.com/office/drawing/2010/main" xmlns:p14="http://schemas.microsoft.com/office/powerpoint/2010/main" xmlns:a16="http://schemas.microsoft.com/office/drawing/2014/main" xmlns="" w="9525">
                   <a:solidFill>
                     <a:srgbClr val="000000"/>
                   </a:solidFill>
@@ -29460,7 +26749,7 @@
             </a:ln>
             <a:extLst>
               <a:ext uri="{91240B29-F687-4f45-9708-019B960494DF}">
-                <a14:hiddenLine xmlns="" xmlns:a16="http://schemas.microsoft.com/office/drawing/2014/main" xmlns:p14="http://schemas.microsoft.com/office/powerpoint/2010/main" xmlns:a14="http://schemas.microsoft.com/office/drawing/2010/main" w="9525">
+                <a14:hiddenLine xmlns:a14="http://schemas.microsoft.com/office/drawing/2010/main" xmlns:p14="http://schemas.microsoft.com/office/powerpoint/2010/main" xmlns:a16="http://schemas.microsoft.com/office/drawing/2014/main" xmlns="" w="9525">
                   <a:solidFill>
                     <a:srgbClr val="000000"/>
                   </a:solidFill>
@@ -29565,7 +26854,7 @@
             </a:ln>
             <a:extLst>
               <a:ext uri="{91240B29-F687-4f45-9708-019B960494DF}">
-                <a14:hiddenLine xmlns="" xmlns:a16="http://schemas.microsoft.com/office/drawing/2014/main" xmlns:p14="http://schemas.microsoft.com/office/powerpoint/2010/main" xmlns:a14="http://schemas.microsoft.com/office/drawing/2010/main" w="9525">
+                <a14:hiddenLine xmlns:a14="http://schemas.microsoft.com/office/drawing/2010/main" xmlns:p14="http://schemas.microsoft.com/office/powerpoint/2010/main" xmlns:a16="http://schemas.microsoft.com/office/drawing/2014/main" xmlns="" w="9525">
                   <a:solidFill>
                     <a:srgbClr val="000000"/>
                   </a:solidFill>
@@ -29670,7 +26959,7 @@
             </a:ln>
             <a:extLst>
               <a:ext uri="{91240B29-F687-4f45-9708-019B960494DF}">
-                <a14:hiddenLine xmlns="" xmlns:a16="http://schemas.microsoft.com/office/drawing/2014/main" xmlns:p14="http://schemas.microsoft.com/office/powerpoint/2010/main" xmlns:a14="http://schemas.microsoft.com/office/drawing/2010/main" w="9525">
+                <a14:hiddenLine xmlns:a14="http://schemas.microsoft.com/office/drawing/2010/main" xmlns:p14="http://schemas.microsoft.com/office/powerpoint/2010/main" xmlns:a16="http://schemas.microsoft.com/office/drawing/2014/main" xmlns="" w="9525">
                   <a:solidFill>
                     <a:srgbClr val="000000"/>
                   </a:solidFill>
@@ -29747,7 +27036,7 @@
             </a:ln>
             <a:extLst>
               <a:ext uri="{91240B29-F687-4f45-9708-019B960494DF}">
-                <a14:hiddenLine xmlns="" xmlns:a16="http://schemas.microsoft.com/office/drawing/2014/main" xmlns:p14="http://schemas.microsoft.com/office/powerpoint/2010/main" xmlns:a14="http://schemas.microsoft.com/office/drawing/2010/main" w="9525">
+                <a14:hiddenLine xmlns:a14="http://schemas.microsoft.com/office/drawing/2010/main" xmlns:p14="http://schemas.microsoft.com/office/powerpoint/2010/main" xmlns:a16="http://schemas.microsoft.com/office/drawing/2014/main" xmlns="" w="9525">
                   <a:solidFill>
                     <a:srgbClr val="000000"/>
                   </a:solidFill>
@@ -29872,7 +27161,7 @@
             </a:ln>
             <a:extLst>
               <a:ext uri="{91240B29-F687-4f45-9708-019B960494DF}">
-                <a14:hiddenLine xmlns="" xmlns:a16="http://schemas.microsoft.com/office/drawing/2014/main" xmlns:p14="http://schemas.microsoft.com/office/powerpoint/2010/main" xmlns:a14="http://schemas.microsoft.com/office/drawing/2010/main" w="9525">
+                <a14:hiddenLine xmlns:a14="http://schemas.microsoft.com/office/drawing/2010/main" xmlns:p14="http://schemas.microsoft.com/office/powerpoint/2010/main" xmlns:a16="http://schemas.microsoft.com/office/drawing/2014/main" xmlns="" w="9525">
                   <a:solidFill>
                     <a:srgbClr val="000000"/>
                   </a:solidFill>
@@ -29986,7 +27275,7 @@
             </a:ln>
             <a:extLst>
               <a:ext uri="{91240B29-F687-4f45-9708-019B960494DF}">
-                <a14:hiddenLine xmlns="" xmlns:a16="http://schemas.microsoft.com/office/drawing/2014/main" xmlns:p14="http://schemas.microsoft.com/office/powerpoint/2010/main" xmlns:a14="http://schemas.microsoft.com/office/drawing/2010/main" w="9525">
+                <a14:hiddenLine xmlns:a14="http://schemas.microsoft.com/office/drawing/2010/main" xmlns:p14="http://schemas.microsoft.com/office/powerpoint/2010/main" xmlns:a16="http://schemas.microsoft.com/office/drawing/2014/main" xmlns="" w="9525">
                   <a:solidFill>
                     <a:srgbClr val="000000"/>
                   </a:solidFill>
@@ -30063,7 +27352,7 @@
             </a:ln>
             <a:extLst>
               <a:ext uri="{91240B29-F687-4f45-9708-019B960494DF}">
-                <a14:hiddenLine xmlns="" xmlns:a16="http://schemas.microsoft.com/office/drawing/2014/main" xmlns:p14="http://schemas.microsoft.com/office/powerpoint/2010/main" xmlns:a14="http://schemas.microsoft.com/office/drawing/2010/main" w="9525">
+                <a14:hiddenLine xmlns:a14="http://schemas.microsoft.com/office/drawing/2010/main" xmlns:p14="http://schemas.microsoft.com/office/powerpoint/2010/main" xmlns:a16="http://schemas.microsoft.com/office/drawing/2014/main" xmlns="" w="9525">
                   <a:solidFill>
                     <a:srgbClr val="000000"/>
                   </a:solidFill>
@@ -30140,7 +27429,7 @@
             </a:ln>
             <a:extLst>
               <a:ext uri="{91240B29-F687-4f45-9708-019B960494DF}">
-                <a14:hiddenLine xmlns="" xmlns:a16="http://schemas.microsoft.com/office/drawing/2014/main" xmlns:p14="http://schemas.microsoft.com/office/powerpoint/2010/main" xmlns:a14="http://schemas.microsoft.com/office/drawing/2010/main" w="9525">
+                <a14:hiddenLine xmlns:a14="http://schemas.microsoft.com/office/drawing/2010/main" xmlns:p14="http://schemas.microsoft.com/office/powerpoint/2010/main" xmlns:a16="http://schemas.microsoft.com/office/drawing/2014/main" xmlns="" w="9525">
                   <a:solidFill>
                     <a:srgbClr val="000000"/>
                   </a:solidFill>
@@ -30245,7 +27534,7 @@
             </a:ln>
             <a:extLst>
               <a:ext uri="{91240B29-F687-4f45-9708-019B960494DF}">
-                <a14:hiddenLine xmlns="" xmlns:a16="http://schemas.microsoft.com/office/drawing/2014/main" xmlns:p14="http://schemas.microsoft.com/office/powerpoint/2010/main" xmlns:a14="http://schemas.microsoft.com/office/drawing/2010/main" w="9525">
+                <a14:hiddenLine xmlns:a14="http://schemas.microsoft.com/office/drawing/2010/main" xmlns:p14="http://schemas.microsoft.com/office/powerpoint/2010/main" xmlns:a16="http://schemas.microsoft.com/office/drawing/2014/main" xmlns="" w="9525">
                   <a:solidFill>
                     <a:srgbClr val="000000"/>
                   </a:solidFill>
@@ -30294,7 +27583,7 @@
             </a:ln>
             <a:extLst>
               <a:ext uri="{91240B29-F687-4f45-9708-019B960494DF}">
-                <a14:hiddenLine xmlns="" xmlns:a16="http://schemas.microsoft.com/office/drawing/2014/main" xmlns:p14="http://schemas.microsoft.com/office/powerpoint/2010/main" xmlns:a14="http://schemas.microsoft.com/office/drawing/2010/main" w="9525">
+                <a14:hiddenLine xmlns:a14="http://schemas.microsoft.com/office/drawing/2010/main" xmlns:p14="http://schemas.microsoft.com/office/powerpoint/2010/main" xmlns:a16="http://schemas.microsoft.com/office/drawing/2014/main" xmlns="" w="9525">
                   <a:solidFill>
                     <a:srgbClr val="000000"/>
                   </a:solidFill>
@@ -30374,7 +27663,7 @@
             </a:ln>
             <a:extLst>
               <a:ext uri="{91240B29-F687-4f45-9708-019B960494DF}">
-                <a14:hiddenLine xmlns="" xmlns:a16="http://schemas.microsoft.com/office/drawing/2014/main" xmlns:p14="http://schemas.microsoft.com/office/powerpoint/2010/main" xmlns:a14="http://schemas.microsoft.com/office/drawing/2010/main" w="9525">
+                <a14:hiddenLine xmlns:a14="http://schemas.microsoft.com/office/drawing/2010/main" xmlns:p14="http://schemas.microsoft.com/office/powerpoint/2010/main" xmlns:a16="http://schemas.microsoft.com/office/drawing/2014/main" xmlns="" w="9525">
                   <a:solidFill>
                     <a:srgbClr val="000000"/>
                   </a:solidFill>
@@ -30479,7 +27768,7 @@
             </a:ln>
             <a:extLst>
               <a:ext uri="{91240B29-F687-4f45-9708-019B960494DF}">
-                <a14:hiddenLine xmlns="" xmlns:a16="http://schemas.microsoft.com/office/drawing/2014/main" xmlns:p14="http://schemas.microsoft.com/office/powerpoint/2010/main" xmlns:a14="http://schemas.microsoft.com/office/drawing/2010/main" w="9525">
+                <a14:hiddenLine xmlns:a14="http://schemas.microsoft.com/office/drawing/2010/main" xmlns:p14="http://schemas.microsoft.com/office/powerpoint/2010/main" xmlns:a16="http://schemas.microsoft.com/office/drawing/2014/main" xmlns="" w="9525">
                   <a:solidFill>
                     <a:srgbClr val="000000"/>
                   </a:solidFill>
@@ -30556,7 +27845,7 @@
             </a:ln>
             <a:extLst>
               <a:ext uri="{91240B29-F687-4f45-9708-019B960494DF}">
-                <a14:hiddenLine xmlns="" xmlns:a16="http://schemas.microsoft.com/office/drawing/2014/main" xmlns:p14="http://schemas.microsoft.com/office/powerpoint/2010/main" xmlns:a14="http://schemas.microsoft.com/office/drawing/2010/main" w="9525">
+                <a14:hiddenLine xmlns:a14="http://schemas.microsoft.com/office/drawing/2010/main" xmlns:p14="http://schemas.microsoft.com/office/powerpoint/2010/main" xmlns:a16="http://schemas.microsoft.com/office/drawing/2014/main" xmlns="" w="9525">
                   <a:solidFill>
                     <a:srgbClr val="000000"/>
                   </a:solidFill>
@@ -30661,7 +27950,7 @@
             </a:ln>
             <a:extLst>
               <a:ext uri="{91240B29-F687-4f45-9708-019B960494DF}">
-                <a14:hiddenLine xmlns="" xmlns:a16="http://schemas.microsoft.com/office/drawing/2014/main" xmlns:p14="http://schemas.microsoft.com/office/powerpoint/2010/main" xmlns:a14="http://schemas.microsoft.com/office/drawing/2010/main" w="9525">
+                <a14:hiddenLine xmlns:a14="http://schemas.microsoft.com/office/drawing/2010/main" xmlns:p14="http://schemas.microsoft.com/office/powerpoint/2010/main" xmlns:a16="http://schemas.microsoft.com/office/drawing/2014/main" xmlns="" w="9525">
                   <a:solidFill>
                     <a:srgbClr val="000000"/>
                   </a:solidFill>
@@ -30741,7 +28030,7 @@
             </a:ln>
             <a:extLst>
               <a:ext uri="{91240B29-F687-4f45-9708-019B960494DF}">
-                <a14:hiddenLine xmlns="" xmlns:a16="http://schemas.microsoft.com/office/drawing/2014/main" xmlns:p14="http://schemas.microsoft.com/office/powerpoint/2010/main" xmlns:a14="http://schemas.microsoft.com/office/drawing/2010/main" w="9525">
+                <a14:hiddenLine xmlns:a14="http://schemas.microsoft.com/office/drawing/2010/main" xmlns:p14="http://schemas.microsoft.com/office/powerpoint/2010/main" xmlns:a16="http://schemas.microsoft.com/office/drawing/2014/main" xmlns="" w="9525">
                   <a:solidFill>
                     <a:srgbClr val="000000"/>
                   </a:solidFill>
@@ -30818,7 +28107,7 @@
             </a:ln>
             <a:extLst>
               <a:ext uri="{91240B29-F687-4f45-9708-019B960494DF}">
-                <a14:hiddenLine xmlns="" xmlns:a16="http://schemas.microsoft.com/office/drawing/2014/main" xmlns:p14="http://schemas.microsoft.com/office/powerpoint/2010/main" xmlns:a14="http://schemas.microsoft.com/office/drawing/2010/main" w="9525">
+                <a14:hiddenLine xmlns:a14="http://schemas.microsoft.com/office/drawing/2010/main" xmlns:p14="http://schemas.microsoft.com/office/powerpoint/2010/main" xmlns:a16="http://schemas.microsoft.com/office/drawing/2014/main" xmlns="" w="9525">
                   <a:solidFill>
                     <a:srgbClr val="000000"/>
                   </a:solidFill>
@@ -30923,7 +28212,7 @@
             </a:ln>
             <a:extLst>
               <a:ext uri="{91240B29-F687-4f45-9708-019B960494DF}">
-                <a14:hiddenLine xmlns="" xmlns:a16="http://schemas.microsoft.com/office/drawing/2014/main" xmlns:p14="http://schemas.microsoft.com/office/powerpoint/2010/main" xmlns:a14="http://schemas.microsoft.com/office/drawing/2010/main" w="9525">
+                <a14:hiddenLine xmlns:a14="http://schemas.microsoft.com/office/drawing/2010/main" xmlns:p14="http://schemas.microsoft.com/office/powerpoint/2010/main" xmlns:a16="http://schemas.microsoft.com/office/drawing/2014/main" xmlns="" w="9525">
                   <a:solidFill>
                     <a:srgbClr val="000000"/>
                   </a:solidFill>
@@ -31028,7 +28317,7 @@
             </a:ln>
             <a:extLst>
               <a:ext uri="{91240B29-F687-4f45-9708-019B960494DF}">
-                <a14:hiddenLine xmlns="" xmlns:a16="http://schemas.microsoft.com/office/drawing/2014/main" xmlns:p14="http://schemas.microsoft.com/office/powerpoint/2010/main" xmlns:a14="http://schemas.microsoft.com/office/drawing/2010/main" w="9525">
+                <a14:hiddenLine xmlns:a14="http://schemas.microsoft.com/office/drawing/2010/main" xmlns:p14="http://schemas.microsoft.com/office/powerpoint/2010/main" xmlns:a16="http://schemas.microsoft.com/office/drawing/2014/main" xmlns="" w="9525">
                   <a:solidFill>
                     <a:srgbClr val="000000"/>
                   </a:solidFill>
@@ -31108,7 +28397,7 @@
             </a:ln>
             <a:extLst>
               <a:ext uri="{91240B29-F687-4f45-9708-019B960494DF}">
-                <a14:hiddenLine xmlns="" xmlns:a16="http://schemas.microsoft.com/office/drawing/2014/main" xmlns:p14="http://schemas.microsoft.com/office/powerpoint/2010/main" xmlns:a14="http://schemas.microsoft.com/office/drawing/2010/main" w="9525">
+                <a14:hiddenLine xmlns:a14="http://schemas.microsoft.com/office/drawing/2010/main" xmlns:p14="http://schemas.microsoft.com/office/powerpoint/2010/main" xmlns:a16="http://schemas.microsoft.com/office/drawing/2014/main" xmlns="" w="9525">
                   <a:solidFill>
                     <a:srgbClr val="000000"/>
                   </a:solidFill>
@@ -31243,7 +28532,7 @@
             </a:ln>
             <a:extLst>
               <a:ext uri="{91240B29-F687-4f45-9708-019B960494DF}">
-                <a14:hiddenLine xmlns="" xmlns:a16="http://schemas.microsoft.com/office/drawing/2014/main" xmlns:p14="http://schemas.microsoft.com/office/powerpoint/2010/main" xmlns:a14="http://schemas.microsoft.com/office/drawing/2010/main" w="9525">
+                <a14:hiddenLine xmlns:a14="http://schemas.microsoft.com/office/drawing/2010/main" xmlns:p14="http://schemas.microsoft.com/office/powerpoint/2010/main" xmlns:a16="http://schemas.microsoft.com/office/drawing/2014/main" xmlns="" w="9525">
                   <a:solidFill>
                     <a:srgbClr val="000000"/>
                   </a:solidFill>
@@ -31353,53 +28642,12 @@
             <a:pPr rtl="0"/>
             <a:fld id="{6D22F896-40B5-4ADD-8801-0D06FADFA095}" type="slidenum">
               <a:rPr lang="it-IT" noProof="0" smtClean="0"/>
-              <a:t>7</a:t>
+              <a:t>6</a:t>
             </a:fld>
             <a:endParaRPr lang="it-IT" noProof="0" dirty="0"/>
           </a:p>
         </p:txBody>
       </p:sp>
-      <p:pic>
-        <p:nvPicPr>
-          <p:cNvPr id="7" name="Immagine 6">
-            <a:extLst>
-              <a:ext uri="{FF2B5EF4-FFF2-40B4-BE49-F238E27FC236}">
-                <a16:creationId xmlns:a16="http://schemas.microsoft.com/office/drawing/2014/main" id="{9D976DA3-3985-4A9E-86AB-FF3876B607F0}"/>
-              </a:ext>
-            </a:extLst>
-          </p:cNvPr>
-          <p:cNvPicPr>
-            <a:picLocks noChangeAspect="1"/>
-          </p:cNvPicPr>
-          <p:nvPr/>
-        </p:nvPicPr>
-        <p:blipFill>
-          <a:blip r:embed="rId3"/>
-          <a:stretch>
-            <a:fillRect/>
-          </a:stretch>
-        </p:blipFill>
-        <p:spPr>
-          <a:xfrm>
-            <a:off x="6294967" y="76216"/>
-            <a:ext cx="5768445" cy="6681014"/>
-          </a:xfrm>
-          <a:prstGeom prst="roundRect">
-            <a:avLst>
-              <a:gd name="adj" fmla="val 2370"/>
-            </a:avLst>
-          </a:prstGeom>
-          <a:solidFill>
-            <a:srgbClr val="FFFFFF">
-              <a:shade val="85000"/>
-            </a:srgbClr>
-          </a:solidFill>
-          <a:ln>
-            <a:noFill/>
-          </a:ln>
-          <a:effectLst/>
-        </p:spPr>
-      </p:pic>
       <p:sp>
         <p:nvSpPr>
           <p:cNvPr id="9" name="CasellaDiTesto 8">
@@ -31414,7 +28662,7 @@
         </p:nvSpPr>
         <p:spPr>
           <a:xfrm>
-            <a:off x="2124892" y="340034"/>
+            <a:off x="2911830" y="23998"/>
             <a:ext cx="2547776" cy="430887"/>
           </a:xfrm>
           <a:prstGeom prst="rect">
@@ -31600,8 +28848,8 @@
         </p:nvCxnSpPr>
         <p:spPr>
           <a:xfrm flipV="1">
-            <a:off x="4672668" y="241770"/>
-            <a:ext cx="1584130" cy="313708"/>
+            <a:off x="5459606" y="235046"/>
+            <a:ext cx="968893" cy="4396"/>
           </a:xfrm>
           <a:prstGeom prst="straightConnector1">
             <a:avLst/>
@@ -31696,8 +28944,8 @@
         </p:nvCxnSpPr>
         <p:spPr>
           <a:xfrm flipV="1">
-            <a:off x="4440516" y="2747366"/>
-            <a:ext cx="1851737" cy="28039"/>
+            <a:off x="4440516" y="2765873"/>
+            <a:ext cx="1887028" cy="9532"/>
           </a:xfrm>
           <a:prstGeom prst="straightConnector1">
             <a:avLst/>
@@ -31823,10 +29071,3353 @@
           </a:fontRef>
         </p:style>
       </p:cxnSp>
+      <p:sp>
+        <p:nvSpPr>
+          <p:cNvPr id="2" name="CasellaDiTesto 1">
+            <a:extLst>
+              <a:ext uri="{FF2B5EF4-FFF2-40B4-BE49-F238E27FC236}">
+                <a16:creationId xmlns:a16="http://schemas.microsoft.com/office/drawing/2014/main" id="{FA721761-D178-468B-8B91-4D78A7A10F99}"/>
+              </a:ext>
+            </a:extLst>
+          </p:cNvPr>
+          <p:cNvSpPr txBox="1"/>
+          <p:nvPr/>
+        </p:nvSpPr>
+        <p:spPr>
+          <a:xfrm>
+            <a:off x="1058864" y="544810"/>
+            <a:ext cx="4461122" cy="430887"/>
+          </a:xfrm>
+          <a:prstGeom prst="rect">
+            <a:avLst/>
+          </a:prstGeom>
+          <a:noFill/>
+        </p:spPr>
+        <p:txBody>
+          <a:bodyPr wrap="square" rtlCol="0">
+            <a:spAutoFit/>
+          </a:bodyPr>
+          <a:lstStyle/>
+          <a:p>
+            <a:r>
+              <a:rPr lang="it-IT" sz="2200" dirty="0"/>
+              <a:t>Lettura directory mandata dal client</a:t>
+            </a:r>
+          </a:p>
+        </p:txBody>
+      </p:sp>
+      <p:sp>
+        <p:nvSpPr>
+          <p:cNvPr id="5" name="CasellaDiTesto 4">
+            <a:extLst>
+              <a:ext uri="{FF2B5EF4-FFF2-40B4-BE49-F238E27FC236}">
+                <a16:creationId xmlns:a16="http://schemas.microsoft.com/office/drawing/2014/main" id="{21FF95E4-9612-4CC7-B54B-3E14144C6772}"/>
+              </a:ext>
+            </a:extLst>
+          </p:cNvPr>
+          <p:cNvSpPr txBox="1"/>
+          <p:nvPr/>
+        </p:nvSpPr>
+        <p:spPr>
+          <a:xfrm>
+            <a:off x="1020676" y="2064853"/>
+            <a:ext cx="4448535" cy="430887"/>
+          </a:xfrm>
+          <a:prstGeom prst="rect">
+            <a:avLst/>
+          </a:prstGeom>
+          <a:noFill/>
+        </p:spPr>
+        <p:txBody>
+          <a:bodyPr wrap="square" rtlCol="0">
+            <a:spAutoFit/>
+          </a:bodyPr>
+          <a:lstStyle/>
+          <a:p>
+            <a:r>
+              <a:rPr lang="it-IT" sz="2200" dirty="0"/>
+              <a:t>ed eventuale comunicazione al client</a:t>
+            </a:r>
+          </a:p>
+        </p:txBody>
+      </p:sp>
+      <p:pic>
+        <p:nvPicPr>
+          <p:cNvPr id="16" name="Immagine 15">
+            <a:extLst>
+              <a:ext uri="{FF2B5EF4-FFF2-40B4-BE49-F238E27FC236}">
+                <a16:creationId xmlns:a16="http://schemas.microsoft.com/office/drawing/2014/main" id="{A2721FCC-8495-4BF5-A340-771872AEAD10}"/>
+              </a:ext>
+            </a:extLst>
+          </p:cNvPr>
+          <p:cNvPicPr>
+            <a:picLocks noChangeAspect="1"/>
+          </p:cNvPicPr>
+          <p:nvPr/>
+        </p:nvPicPr>
+        <p:blipFill>
+          <a:blip r:embed="rId3"/>
+          <a:stretch>
+            <a:fillRect/>
+          </a:stretch>
+        </p:blipFill>
+        <p:spPr>
+          <a:xfrm>
+            <a:off x="6588372" y="19073"/>
+            <a:ext cx="5580000" cy="6824640"/>
+          </a:xfrm>
+          <a:prstGeom prst="roundRect">
+            <a:avLst>
+              <a:gd name="adj" fmla="val 2034"/>
+            </a:avLst>
+          </a:prstGeom>
+          <a:solidFill>
+            <a:srgbClr val="FFFFFF">
+              <a:shade val="85000"/>
+            </a:srgbClr>
+          </a:solidFill>
+          <a:ln>
+            <a:noFill/>
+          </a:ln>
+          <a:effectLst/>
+        </p:spPr>
+      </p:pic>
+      <p:sp>
+        <p:nvSpPr>
+          <p:cNvPr id="13" name="CasellaDiTesto 12">
+            <a:extLst>
+              <a:ext uri="{FF2B5EF4-FFF2-40B4-BE49-F238E27FC236}">
+                <a16:creationId xmlns:a16="http://schemas.microsoft.com/office/drawing/2014/main" id="{8BDFE19A-B59D-4EC7-AD22-8B7B52145511}"/>
+              </a:ext>
+            </a:extLst>
+          </p:cNvPr>
+          <p:cNvSpPr txBox="1"/>
+          <p:nvPr/>
+        </p:nvSpPr>
+        <p:spPr>
+          <a:xfrm>
+            <a:off x="1286425" y="5873797"/>
+            <a:ext cx="3655667" cy="430887"/>
+          </a:xfrm>
+          <a:prstGeom prst="rect">
+            <a:avLst/>
+          </a:prstGeom>
+          <a:noFill/>
+        </p:spPr>
+        <p:txBody>
+          <a:bodyPr wrap="square" rtlCol="0">
+            <a:spAutoFit/>
+          </a:bodyPr>
+          <a:lstStyle/>
+          <a:p>
+            <a:r>
+              <a:rPr lang="it-IT" sz="2200" dirty="0"/>
+              <a:t>Dice al client quando fermarsi</a:t>
+            </a:r>
+          </a:p>
+        </p:txBody>
+      </p:sp>
+      <p:cxnSp>
+        <p:nvCxnSpPr>
+          <p:cNvPr id="78" name="Connettore 2 77">
+            <a:extLst>
+              <a:ext uri="{FF2B5EF4-FFF2-40B4-BE49-F238E27FC236}">
+                <a16:creationId xmlns:a16="http://schemas.microsoft.com/office/drawing/2014/main" id="{B7D1AF02-4F27-457F-A0B5-1AFC72EEE665}"/>
+              </a:ext>
+            </a:extLst>
+          </p:cNvPr>
+          <p:cNvCxnSpPr>
+            <a:cxnSpLocks/>
+            <a:stCxn id="2" idx="3"/>
+          </p:cNvCxnSpPr>
+          <p:nvPr/>
+        </p:nvCxnSpPr>
+        <p:spPr>
+          <a:xfrm>
+            <a:off x="5519986" y="760254"/>
+            <a:ext cx="982661" cy="0"/>
+          </a:xfrm>
+          <a:prstGeom prst="straightConnector1">
+            <a:avLst/>
+          </a:prstGeom>
+          <a:ln w="22225">
+            <a:solidFill>
+              <a:schemeClr val="tx2">
+                <a:lumMod val="60000"/>
+                <a:lumOff val="40000"/>
+              </a:schemeClr>
+            </a:solidFill>
+            <a:tailEnd type="triangle"/>
+          </a:ln>
+        </p:spPr>
+        <p:style>
+          <a:lnRef idx="1">
+            <a:schemeClr val="accent5"/>
+          </a:lnRef>
+          <a:fillRef idx="0">
+            <a:schemeClr val="accent5"/>
+          </a:fillRef>
+          <a:effectRef idx="0">
+            <a:schemeClr val="accent5"/>
+          </a:effectRef>
+          <a:fontRef idx="minor">
+            <a:schemeClr val="tx1"/>
+          </a:fontRef>
+        </p:style>
+      </p:cxnSp>
+      <p:sp>
+        <p:nvSpPr>
+          <p:cNvPr id="35" name="CasellaDiTesto 34">
+            <a:extLst>
+              <a:ext uri="{FF2B5EF4-FFF2-40B4-BE49-F238E27FC236}">
+                <a16:creationId xmlns:a16="http://schemas.microsoft.com/office/drawing/2014/main" id="{9233C67D-10BA-4689-8862-ADE48EA1C0BC}"/>
+              </a:ext>
+            </a:extLst>
+          </p:cNvPr>
+          <p:cNvSpPr txBox="1"/>
+          <p:nvPr/>
+        </p:nvSpPr>
+        <p:spPr>
+          <a:xfrm>
+            <a:off x="8563672" y="1426671"/>
+            <a:ext cx="2247710" cy="261610"/>
+          </a:xfrm>
+          <a:prstGeom prst="rect">
+            <a:avLst/>
+          </a:prstGeom>
+          <a:noFill/>
+        </p:spPr>
+        <p:txBody>
+          <a:bodyPr wrap="square" rtlCol="0">
+            <a:spAutoFit/>
+          </a:bodyPr>
+          <a:lstStyle/>
+          <a:p>
+            <a:pPr marL="171450" indent="-171450">
+              <a:buFont typeface="Arial" panose="020B0604020202020204" pitchFamily="34" charset="0"/>
+              <a:buChar char="•"/>
+            </a:pPr>
+            <a:r>
+              <a:rPr lang="it-IT" sz="1100" dirty="0">
+                <a:solidFill>
+                  <a:schemeClr val="bg1">
+                    <a:lumMod val="50000"/>
+                    <a:lumOff val="50000"/>
+                  </a:schemeClr>
+                </a:solidFill>
+              </a:rPr>
+              <a:t>Apertura directory</a:t>
+            </a:r>
+          </a:p>
+        </p:txBody>
+      </p:sp>
+      <p:cxnSp>
+        <p:nvCxnSpPr>
+          <p:cNvPr id="79" name="Connettore 2 78">
+            <a:extLst>
+              <a:ext uri="{FF2B5EF4-FFF2-40B4-BE49-F238E27FC236}">
+                <a16:creationId xmlns:a16="http://schemas.microsoft.com/office/drawing/2014/main" id="{E747376F-6545-40D8-9578-9AEE25309793}"/>
+              </a:ext>
+            </a:extLst>
+          </p:cNvPr>
+          <p:cNvCxnSpPr>
+            <a:cxnSpLocks/>
+            <a:stCxn id="13" idx="3"/>
+          </p:cNvCxnSpPr>
+          <p:nvPr/>
+        </p:nvCxnSpPr>
+        <p:spPr>
+          <a:xfrm>
+            <a:off x="4942092" y="6089241"/>
+            <a:ext cx="1522455" cy="385131"/>
+          </a:xfrm>
+          <a:prstGeom prst="straightConnector1">
+            <a:avLst/>
+          </a:prstGeom>
+          <a:ln w="22225">
+            <a:solidFill>
+              <a:schemeClr val="tx2">
+                <a:lumMod val="60000"/>
+                <a:lumOff val="40000"/>
+              </a:schemeClr>
+            </a:solidFill>
+            <a:tailEnd type="triangle"/>
+          </a:ln>
+        </p:spPr>
+        <p:style>
+          <a:lnRef idx="1">
+            <a:schemeClr val="accent1"/>
+          </a:lnRef>
+          <a:fillRef idx="0">
+            <a:schemeClr val="accent1"/>
+          </a:fillRef>
+          <a:effectRef idx="0">
+            <a:schemeClr val="accent1"/>
+          </a:effectRef>
+          <a:fontRef idx="minor">
+            <a:schemeClr val="tx1"/>
+          </a:fontRef>
+        </p:style>
+      </p:cxnSp>
     </p:spTree>
     <p:extLst>
       <p:ext uri="{BB962C8B-B14F-4D97-AF65-F5344CB8AC3E}">
-        <p14:creationId xmlns:p14="http://schemas.microsoft.com/office/powerpoint/2010/main" val="4292057779"/>
+        <p14:creationId xmlns:p14="http://schemas.microsoft.com/office/powerpoint/2010/main" val="20468022"/>
+      </p:ext>
+    </p:extLst>
+  </p:cSld>
+  <p:clrMapOvr>
+    <a:masterClrMapping/>
+  </p:clrMapOvr>
+</p:sld>
+</file>
+
+<file path=ppt/slides/slide7.xml><?xml version="1.0" encoding="utf-8"?>
+<p:sld xmlns:a="http://schemas.openxmlformats.org/drawingml/2006/main" xmlns:r="http://schemas.openxmlformats.org/officeDocument/2006/relationships" xmlns:p="http://schemas.openxmlformats.org/presentationml/2006/main">
+  <p:cSld>
+    <p:spTree>
+      <p:nvGrpSpPr>
+        <p:cNvPr id="1" name=""/>
+        <p:cNvGrpSpPr/>
+        <p:nvPr/>
+      </p:nvGrpSpPr>
+      <p:grpSpPr>
+        <a:xfrm>
+          <a:off x="0" y="0"/>
+          <a:ext cx="0" cy="0"/>
+          <a:chOff x="0" y="0"/>
+          <a:chExt cx="0" cy="0"/>
+        </a:xfrm>
+      </p:grpSpPr>
+      <p:sp useBgFill="1">
+        <p:nvSpPr>
+          <p:cNvPr id="43" name="Rectangle 46">
+            <a:extLst>
+              <a:ext uri="{FF2B5EF4-FFF2-40B4-BE49-F238E27FC236}">
+                <a16:creationId xmlns:a16="http://schemas.microsoft.com/office/drawing/2014/main" id="{C2E4E997-8672-4FFD-B8EC-9932A8E4714B}"/>
+              </a:ext>
+              <a:ext uri="{C183D7F6-B498-43B3-948B-1728B52AA6E4}">
+                <adec:decorative xmlns:adec="http://schemas.microsoft.com/office/drawing/2017/decorative" val="1"/>
+              </a:ext>
+            </a:extLst>
+          </p:cNvPr>
+          <p:cNvSpPr>
+            <a:spLocks noGrp="1" noRot="1" noChangeAspect="1" noMove="1" noResize="1" noEditPoints="1" noAdjustHandles="1" noChangeArrowheads="1" noChangeShapeType="1" noTextEdit="1"/>
+          </p:cNvSpPr>
+          <p:nvPr>
+            <p:extLst>
+              <p:ext uri="{386F3935-93C4-4BCD-93E2-E3B085C9AB24}">
+                <p16:designElem xmlns:p16="http://schemas.microsoft.com/office/powerpoint/2015/main" val="1"/>
+              </p:ext>
+            </p:extLst>
+          </p:nvPr>
+        </p:nvSpPr>
+        <p:spPr>
+          <a:xfrm>
+            <a:off x="0" y="0"/>
+            <a:ext cx="12192000" cy="6858000"/>
+          </a:xfrm>
+          <a:prstGeom prst="rect">
+            <a:avLst/>
+          </a:prstGeom>
+          <a:ln>
+            <a:noFill/>
+          </a:ln>
+        </p:spPr>
+        <p:style>
+          <a:lnRef idx="2">
+            <a:schemeClr val="accent1">
+              <a:shade val="50000"/>
+            </a:schemeClr>
+          </a:lnRef>
+          <a:fillRef idx="1003">
+            <a:schemeClr val="dk2"/>
+          </a:fillRef>
+          <a:effectRef idx="0">
+            <a:schemeClr val="accent1"/>
+          </a:effectRef>
+          <a:fontRef idx="minor">
+            <a:schemeClr val="lt1"/>
+          </a:fontRef>
+        </p:style>
+        <p:txBody>
+          <a:bodyPr rtlCol="0" anchor="ctr"/>
+          <a:lstStyle/>
+          <a:p>
+            <a:pPr algn="ctr"/>
+            <a:endParaRPr lang="en-US" dirty="0"/>
+          </a:p>
+        </p:txBody>
+      </p:sp>
+      <p:pic>
+        <p:nvPicPr>
+          <p:cNvPr id="49" name="Picture 2">
+            <a:extLst>
+              <a:ext uri="{FF2B5EF4-FFF2-40B4-BE49-F238E27FC236}">
+                <a16:creationId xmlns:a16="http://schemas.microsoft.com/office/drawing/2014/main" id="{FE6BA9E6-1D9E-4D30-B528-D49FA1342E4E}"/>
+              </a:ext>
+              <a:ext uri="{C183D7F6-B498-43B3-948B-1728B52AA6E4}">
+                <adec:decorative xmlns:adec="http://schemas.microsoft.com/office/drawing/2017/decorative" val="1"/>
+              </a:ext>
+            </a:extLst>
+          </p:cNvPr>
+          <p:cNvPicPr>
+            <a:picLocks noGrp="1" noRot="1" noChangeAspect="1" noMove="1" noResize="1" noEditPoints="1" noAdjustHandles="1" noChangeArrowheads="1" noChangeShapeType="1" noCrop="1"/>
+          </p:cNvPicPr>
+          <p:nvPr>
+            <p:extLst>
+              <p:ext uri="{386F3935-93C4-4BCD-93E2-E3B085C9AB24}">
+                <p16:designElem xmlns:p16="http://schemas.microsoft.com/office/powerpoint/2015/main" val="1"/>
+              </p:ext>
+            </p:extLst>
+          </p:nvPr>
+        </p:nvPicPr>
+        <p:blipFill>
+          <a:blip r:embed="rId2">
+            <a:alphaModFix amt="30000"/>
+            <a:extLst>
+              <a:ext uri="{28A0092B-C50C-407E-A947-70E740481C1C}">
+                <a14:useLocalDpi xmlns:a14="http://schemas.microsoft.com/office/drawing/2010/main" val="0"/>
+              </a:ext>
+            </a:extLst>
+          </a:blip>
+          <a:srcRect/>
+          <a:stretch>
+            <a:fillRect/>
+          </a:stretch>
+        </p:blipFill>
+        <p:spPr bwMode="auto">
+          <a:xfrm>
+            <a:off x="0" y="0"/>
+            <a:ext cx="12192003" cy="6858001"/>
+          </a:xfrm>
+          <a:prstGeom prst="rect">
+            <a:avLst/>
+          </a:prstGeom>
+          <a:noFill/>
+          <a:extLst>
+            <a:ext uri="{909E8E84-426E-40dd-AFC4-6F175D3DCCD1}">
+              <a14:hiddenFill xmlns:a14="http://schemas.microsoft.com/office/drawing/2010/main" xmlns:p14="http://schemas.microsoft.com/office/powerpoint/2010/main" xmlns:a16="http://schemas.microsoft.com/office/drawing/2014/main" xmlns="">
+                <a:solidFill>
+                  <a:srgbClr val="FFFFFF"/>
+                </a:solidFill>
+              </a14:hiddenFill>
+            </a:ext>
+          </a:extLst>
+        </p:spPr>
+      </p:pic>
+      <p:sp>
+        <p:nvSpPr>
+          <p:cNvPr id="2" name="Title 1">
+            <a:extLst>
+              <a:ext uri="{FF2B5EF4-FFF2-40B4-BE49-F238E27FC236}">
+                <a16:creationId xmlns:a16="http://schemas.microsoft.com/office/drawing/2014/main" id="{78C93F6B-8B30-4101-80EC-44579CCD9C0C}"/>
+              </a:ext>
+            </a:extLst>
+          </p:cNvPr>
+          <p:cNvSpPr>
+            <a:spLocks noGrp="1"/>
+          </p:cNvSpPr>
+          <p:nvPr>
+            <p:ph type="title"/>
+          </p:nvPr>
+        </p:nvSpPr>
+        <p:spPr>
+          <a:xfrm>
+            <a:off x="6105524" y="89239"/>
+            <a:ext cx="4241898" cy="1478570"/>
+          </a:xfrm>
+        </p:spPr>
+        <p:txBody>
+          <a:bodyPr>
+            <a:noAutofit/>
+          </a:bodyPr>
+          <a:lstStyle/>
+          <a:p>
+            <a:pPr algn="ctr"/>
+            <a:r>
+              <a:rPr lang="en-US" sz="6000" dirty="0"/>
+              <a:t>Server UDP</a:t>
+            </a:r>
+          </a:p>
+        </p:txBody>
+      </p:sp>
+      <p:grpSp>
+        <p:nvGrpSpPr>
+          <p:cNvPr id="48" name="Group 50">
+            <a:extLst>
+              <a:ext uri="{FF2B5EF4-FFF2-40B4-BE49-F238E27FC236}">
+                <a16:creationId xmlns:a16="http://schemas.microsoft.com/office/drawing/2014/main" id="{453E4DEE-E996-40F8-8635-0FF43D7348F9}"/>
+              </a:ext>
+              <a:ext uri="{C183D7F6-B498-43B3-948B-1728B52AA6E4}">
+                <adec:decorative xmlns:adec="http://schemas.microsoft.com/office/drawing/2017/decorative" val="1"/>
+              </a:ext>
+            </a:extLst>
+          </p:cNvPr>
+          <p:cNvGrpSpPr>
+            <a:grpSpLocks noGrp="1" noUngrp="1" noRot="1" noChangeAspect="1" noMove="1" noResize="1"/>
+          </p:cNvGrpSpPr>
+          <p:nvPr>
+            <p:extLst>
+              <p:ext uri="{386F3935-93C4-4BCD-93E2-E3B085C9AB24}">
+                <p16:designElem xmlns:p16="http://schemas.microsoft.com/office/powerpoint/2015/main" val="1"/>
+              </p:ext>
+            </p:extLst>
+          </p:nvPr>
+        </p:nvGrpSpPr>
+        <p:grpSpPr>
+          <a:xfrm>
+            <a:off x="0" y="0"/>
+            <a:ext cx="1220788" cy="6858001"/>
+            <a:chOff x="-14288" y="0"/>
+            <a:chExt cx="1220788" cy="6858001"/>
+          </a:xfrm>
+          <a:gradFill flip="none" rotWithShape="1">
+            <a:gsLst>
+              <a:gs pos="0">
+                <a:schemeClr val="tx2"/>
+              </a:gs>
+              <a:gs pos="100000">
+                <a:schemeClr val="bg2">
+                  <a:lumMod val="60000"/>
+                  <a:lumOff val="40000"/>
+                </a:schemeClr>
+              </a:gs>
+            </a:gsLst>
+            <a:lin ang="5400000" scaled="0"/>
+            <a:tileRect/>
+          </a:gradFill>
+        </p:grpSpPr>
+        <p:sp>
+          <p:nvSpPr>
+            <p:cNvPr id="52" name="Rectangle 5">
+              <a:extLst>
+                <a:ext uri="{FF2B5EF4-FFF2-40B4-BE49-F238E27FC236}">
+                  <a16:creationId xmlns:a16="http://schemas.microsoft.com/office/drawing/2014/main" id="{08BD1D3E-43CE-49EB-A424-0738950C6424}"/>
+                </a:ext>
+                <a:ext uri="{C183D7F6-B498-43B3-948B-1728B52AA6E4}">
+                  <adec:decorative xmlns:adec="http://schemas.microsoft.com/office/drawing/2017/decorative" val="1"/>
+                </a:ext>
+              </a:extLst>
+            </p:cNvPr>
+            <p:cNvSpPr>
+              <a:spLocks noChangeArrowheads="1"/>
+            </p:cNvSpPr>
+            <p:nvPr>
+              <p:extLst>
+                <p:ext uri="{386F3935-93C4-4BCD-93E2-E3B085C9AB24}">
+                  <p16:designElem xmlns:p16="http://schemas.microsoft.com/office/powerpoint/2015/main" val="1"/>
+                </p:ext>
+              </p:extLst>
+            </p:nvPr>
+          </p:nvSpPr>
+          <p:spPr bwMode="auto">
+            <a:xfrm>
+              <a:off x="114300" y="4763"/>
+              <a:ext cx="23813" cy="2181225"/>
+            </a:xfrm>
+            <a:prstGeom prst="rect">
+              <a:avLst/>
+            </a:prstGeom>
+            <a:grpFill/>
+            <a:ln>
+              <a:noFill/>
+            </a:ln>
+            <a:extLst>
+              <a:ext uri="{91240B29-F687-4f45-9708-019B960494DF}">
+                <a14:hiddenLine xmlns:a14="http://schemas.microsoft.com/office/drawing/2010/main" xmlns:p14="http://schemas.microsoft.com/office/powerpoint/2010/main" xmlns:a16="http://schemas.microsoft.com/office/drawing/2014/main" xmlns="" w="9525">
+                  <a:solidFill>
+                    <a:srgbClr val="000000"/>
+                  </a:solidFill>
+                  <a:miter lim="800000"/>
+                  <a:headEnd/>
+                  <a:tailEnd/>
+                </a14:hiddenLine>
+              </a:ext>
+            </a:extLst>
+          </p:spPr>
+        </p:sp>
+        <p:sp>
+          <p:nvSpPr>
+            <p:cNvPr id="53" name="Freeform 6">
+              <a:extLst>
+                <a:ext uri="{FF2B5EF4-FFF2-40B4-BE49-F238E27FC236}">
+                  <a16:creationId xmlns:a16="http://schemas.microsoft.com/office/drawing/2014/main" id="{E9182037-E3FA-489A-95D5-29E4248420D8}"/>
+                </a:ext>
+                <a:ext uri="{C183D7F6-B498-43B3-948B-1728B52AA6E4}">
+                  <adec:decorative xmlns:adec="http://schemas.microsoft.com/office/drawing/2017/decorative" val="1"/>
+                </a:ext>
+              </a:extLst>
+            </p:cNvPr>
+            <p:cNvSpPr>
+              <a:spLocks noEditPoints="1"/>
+            </p:cNvSpPr>
+            <p:nvPr>
+              <p:extLst>
+                <p:ext uri="{386F3935-93C4-4BCD-93E2-E3B085C9AB24}">
+                  <p16:designElem xmlns:p16="http://schemas.microsoft.com/office/powerpoint/2015/main" val="1"/>
+                </p:ext>
+              </p:extLst>
+            </p:nvPr>
+          </p:nvSpPr>
+          <p:spPr bwMode="auto">
+            <a:xfrm>
+              <a:off x="33337" y="2176463"/>
+              <a:ext cx="190500" cy="190500"/>
+            </a:xfrm>
+            <a:custGeom>
+              <a:avLst/>
+              <a:gdLst/>
+              <a:ahLst/>
+              <a:cxnLst/>
+              <a:rect l="0" t="0" r="r" b="b"/>
+              <a:pathLst>
+                <a:path w="40" h="40">
+                  <a:moveTo>
+                    <a:pt x="20" y="40"/>
+                  </a:moveTo>
+                  <a:cubicBezTo>
+                    <a:pt x="9" y="40"/>
+                    <a:pt x="0" y="31"/>
+                    <a:pt x="0" y="20"/>
+                  </a:cubicBezTo>
+                  <a:cubicBezTo>
+                    <a:pt x="0" y="9"/>
+                    <a:pt x="9" y="0"/>
+                    <a:pt x="20" y="0"/>
+                  </a:cubicBezTo>
+                  <a:cubicBezTo>
+                    <a:pt x="31" y="0"/>
+                    <a:pt x="40" y="9"/>
+                    <a:pt x="40" y="20"/>
+                  </a:cubicBezTo>
+                  <a:cubicBezTo>
+                    <a:pt x="40" y="31"/>
+                    <a:pt x="31" y="40"/>
+                    <a:pt x="20" y="40"/>
+                  </a:cubicBezTo>
+                  <a:close/>
+                  <a:moveTo>
+                    <a:pt x="20" y="4"/>
+                  </a:moveTo>
+                  <a:cubicBezTo>
+                    <a:pt x="11" y="4"/>
+                    <a:pt x="4" y="11"/>
+                    <a:pt x="4" y="20"/>
+                  </a:cubicBezTo>
+                  <a:cubicBezTo>
+                    <a:pt x="4" y="29"/>
+                    <a:pt x="11" y="36"/>
+                    <a:pt x="20" y="36"/>
+                  </a:cubicBezTo>
+                  <a:cubicBezTo>
+                    <a:pt x="28" y="36"/>
+                    <a:pt x="36" y="29"/>
+                    <a:pt x="36" y="20"/>
+                  </a:cubicBezTo>
+                  <a:cubicBezTo>
+                    <a:pt x="36" y="11"/>
+                    <a:pt x="28" y="4"/>
+                    <a:pt x="20" y="4"/>
+                  </a:cubicBezTo>
+                  <a:close/>
+                </a:path>
+              </a:pathLst>
+            </a:custGeom>
+            <a:grpFill/>
+            <a:ln>
+              <a:noFill/>
+            </a:ln>
+            <a:extLst>
+              <a:ext uri="{91240B29-F687-4f45-9708-019B960494DF}">
+                <a14:hiddenLine xmlns:a14="http://schemas.microsoft.com/office/drawing/2010/main" xmlns:p14="http://schemas.microsoft.com/office/powerpoint/2010/main" xmlns:a16="http://schemas.microsoft.com/office/drawing/2014/main" xmlns="" w="9525">
+                  <a:solidFill>
+                    <a:srgbClr val="000000"/>
+                  </a:solidFill>
+                  <a:round/>
+                  <a:headEnd/>
+                  <a:tailEnd/>
+                </a14:hiddenLine>
+              </a:ext>
+            </a:extLst>
+          </p:spPr>
+        </p:sp>
+        <p:sp>
+          <p:nvSpPr>
+            <p:cNvPr id="54" name="Freeform 7">
+              <a:extLst>
+                <a:ext uri="{FF2B5EF4-FFF2-40B4-BE49-F238E27FC236}">
+                  <a16:creationId xmlns:a16="http://schemas.microsoft.com/office/drawing/2014/main" id="{E8864E76-AD7F-4BEE-B3F6-A78FA42AEFAC}"/>
+                </a:ext>
+                <a:ext uri="{C183D7F6-B498-43B3-948B-1728B52AA6E4}">
+                  <adec:decorative xmlns:adec="http://schemas.microsoft.com/office/drawing/2017/decorative" val="1"/>
+                </a:ext>
+              </a:extLst>
+            </p:cNvPr>
+            <p:cNvSpPr>
+              <a:spLocks noEditPoints="1"/>
+            </p:cNvSpPr>
+            <p:nvPr>
+              <p:extLst>
+                <p:ext uri="{386F3935-93C4-4BCD-93E2-E3B085C9AB24}">
+                  <p16:designElem xmlns:p16="http://schemas.microsoft.com/office/powerpoint/2015/main" val="1"/>
+                </p:ext>
+              </p:extLst>
+            </p:nvPr>
+          </p:nvSpPr>
+          <p:spPr bwMode="auto">
+            <a:xfrm>
+              <a:off x="28575" y="4021138"/>
+              <a:ext cx="190500" cy="188913"/>
+            </a:xfrm>
+            <a:custGeom>
+              <a:avLst/>
+              <a:gdLst/>
+              <a:ahLst/>
+              <a:cxnLst/>
+              <a:rect l="0" t="0" r="r" b="b"/>
+              <a:pathLst>
+                <a:path w="40" h="40">
+                  <a:moveTo>
+                    <a:pt x="20" y="40"/>
+                  </a:moveTo>
+                  <a:cubicBezTo>
+                    <a:pt x="9" y="40"/>
+                    <a:pt x="0" y="31"/>
+                    <a:pt x="0" y="20"/>
+                  </a:cubicBezTo>
+                  <a:cubicBezTo>
+                    <a:pt x="0" y="9"/>
+                    <a:pt x="9" y="0"/>
+                    <a:pt x="20" y="0"/>
+                  </a:cubicBezTo>
+                  <a:cubicBezTo>
+                    <a:pt x="31" y="0"/>
+                    <a:pt x="40" y="9"/>
+                    <a:pt x="40" y="20"/>
+                  </a:cubicBezTo>
+                  <a:cubicBezTo>
+                    <a:pt x="40" y="31"/>
+                    <a:pt x="31" y="40"/>
+                    <a:pt x="20" y="40"/>
+                  </a:cubicBezTo>
+                  <a:close/>
+                  <a:moveTo>
+                    <a:pt x="20" y="4"/>
+                  </a:moveTo>
+                  <a:cubicBezTo>
+                    <a:pt x="12" y="4"/>
+                    <a:pt x="4" y="11"/>
+                    <a:pt x="4" y="20"/>
+                  </a:cubicBezTo>
+                  <a:cubicBezTo>
+                    <a:pt x="4" y="29"/>
+                    <a:pt x="12" y="36"/>
+                    <a:pt x="20" y="36"/>
+                  </a:cubicBezTo>
+                  <a:cubicBezTo>
+                    <a:pt x="29" y="36"/>
+                    <a:pt x="36" y="29"/>
+                    <a:pt x="36" y="20"/>
+                  </a:cubicBezTo>
+                  <a:cubicBezTo>
+                    <a:pt x="36" y="11"/>
+                    <a:pt x="29" y="4"/>
+                    <a:pt x="20" y="4"/>
+                  </a:cubicBezTo>
+                  <a:close/>
+                </a:path>
+              </a:pathLst>
+            </a:custGeom>
+            <a:grpFill/>
+            <a:ln>
+              <a:noFill/>
+            </a:ln>
+            <a:extLst>
+              <a:ext uri="{91240B29-F687-4f45-9708-019B960494DF}">
+                <a14:hiddenLine xmlns:a14="http://schemas.microsoft.com/office/drawing/2010/main" xmlns:p14="http://schemas.microsoft.com/office/powerpoint/2010/main" xmlns:a16="http://schemas.microsoft.com/office/drawing/2014/main" xmlns="" w="9525">
+                  <a:solidFill>
+                    <a:srgbClr val="000000"/>
+                  </a:solidFill>
+                  <a:round/>
+                  <a:headEnd/>
+                  <a:tailEnd/>
+                </a14:hiddenLine>
+              </a:ext>
+            </a:extLst>
+          </p:spPr>
+        </p:sp>
+        <p:sp>
+          <p:nvSpPr>
+            <p:cNvPr id="55" name="Freeform 8">
+              <a:extLst>
+                <a:ext uri="{FF2B5EF4-FFF2-40B4-BE49-F238E27FC236}">
+                  <a16:creationId xmlns:a16="http://schemas.microsoft.com/office/drawing/2014/main" id="{8AD071B3-046D-4479-91FE-01E9AD7C8AAB}"/>
+                </a:ext>
+                <a:ext uri="{C183D7F6-B498-43B3-948B-1728B52AA6E4}">
+                  <adec:decorative xmlns:adec="http://schemas.microsoft.com/office/drawing/2017/decorative" val="1"/>
+                </a:ext>
+              </a:extLst>
+            </p:cNvPr>
+            <p:cNvSpPr/>
+            <p:nvPr>
+              <p:extLst>
+                <p:ext uri="{386F3935-93C4-4BCD-93E2-E3B085C9AB24}">
+                  <p16:designElem xmlns:p16="http://schemas.microsoft.com/office/powerpoint/2015/main" val="1"/>
+                </p:ext>
+              </p:extLst>
+            </p:nvPr>
+          </p:nvSpPr>
+          <p:spPr bwMode="auto">
+            <a:xfrm>
+              <a:off x="200025" y="4763"/>
+              <a:ext cx="369888" cy="1811338"/>
+            </a:xfrm>
+            <a:custGeom>
+              <a:avLst/>
+              <a:gdLst/>
+              <a:ahLst/>
+              <a:cxnLst/>
+              <a:rect l="0" t="0" r="r" b="b"/>
+              <a:pathLst>
+                <a:path w="233" h="1141">
+                  <a:moveTo>
+                    <a:pt x="218" y="1141"/>
+                  </a:moveTo>
+                  <a:lnTo>
+                    <a:pt x="0" y="626"/>
+                  </a:lnTo>
+                  <a:lnTo>
+                    <a:pt x="0" y="0"/>
+                  </a:lnTo>
+                  <a:lnTo>
+                    <a:pt x="15" y="0"/>
+                  </a:lnTo>
+                  <a:lnTo>
+                    <a:pt x="15" y="623"/>
+                  </a:lnTo>
+                  <a:lnTo>
+                    <a:pt x="233" y="1135"/>
+                  </a:lnTo>
+                  <a:lnTo>
+                    <a:pt x="218" y="1141"/>
+                  </a:lnTo>
+                  <a:close/>
+                </a:path>
+              </a:pathLst>
+            </a:custGeom>
+            <a:grpFill/>
+            <a:ln>
+              <a:noFill/>
+            </a:ln>
+            <a:extLst>
+              <a:ext uri="{91240B29-F687-4f45-9708-019B960494DF}">
+                <a14:hiddenLine xmlns:a14="http://schemas.microsoft.com/office/drawing/2010/main" xmlns:p14="http://schemas.microsoft.com/office/powerpoint/2010/main" xmlns:a16="http://schemas.microsoft.com/office/drawing/2014/main" xmlns="" w="9525">
+                  <a:solidFill>
+                    <a:srgbClr val="000000"/>
+                  </a:solidFill>
+                  <a:round/>
+                  <a:headEnd/>
+                  <a:tailEnd/>
+                </a14:hiddenLine>
+              </a:ext>
+            </a:extLst>
+          </p:spPr>
+        </p:sp>
+        <p:sp>
+          <p:nvSpPr>
+            <p:cNvPr id="56" name="Freeform 9">
+              <a:extLst>
+                <a:ext uri="{FF2B5EF4-FFF2-40B4-BE49-F238E27FC236}">
+                  <a16:creationId xmlns:a16="http://schemas.microsoft.com/office/drawing/2014/main" id="{91D776F5-E902-4A4D-A75D-A46E063C9F38}"/>
+                </a:ext>
+                <a:ext uri="{C183D7F6-B498-43B3-948B-1728B52AA6E4}">
+                  <adec:decorative xmlns:adec="http://schemas.microsoft.com/office/drawing/2017/decorative" val="1"/>
+                </a:ext>
+              </a:extLst>
+            </p:cNvPr>
+            <p:cNvSpPr>
+              <a:spLocks noEditPoints="1"/>
+            </p:cNvSpPr>
+            <p:nvPr>
+              <p:extLst>
+                <p:ext uri="{386F3935-93C4-4BCD-93E2-E3B085C9AB24}">
+                  <p16:designElem xmlns:p16="http://schemas.microsoft.com/office/powerpoint/2015/main" val="1"/>
+                </p:ext>
+              </p:extLst>
+            </p:nvPr>
+          </p:nvSpPr>
+          <p:spPr bwMode="auto">
+            <a:xfrm>
+              <a:off x="503237" y="1801813"/>
+              <a:ext cx="190500" cy="188913"/>
+            </a:xfrm>
+            <a:custGeom>
+              <a:avLst/>
+              <a:gdLst/>
+              <a:ahLst/>
+              <a:cxnLst/>
+              <a:rect l="0" t="0" r="r" b="b"/>
+              <a:pathLst>
+                <a:path w="40" h="40">
+                  <a:moveTo>
+                    <a:pt x="20" y="40"/>
+                  </a:moveTo>
+                  <a:cubicBezTo>
+                    <a:pt x="9" y="40"/>
+                    <a:pt x="0" y="31"/>
+                    <a:pt x="0" y="20"/>
+                  </a:cubicBezTo>
+                  <a:cubicBezTo>
+                    <a:pt x="0" y="9"/>
+                    <a:pt x="9" y="0"/>
+                    <a:pt x="20" y="0"/>
+                  </a:cubicBezTo>
+                  <a:cubicBezTo>
+                    <a:pt x="33" y="0"/>
+                    <a:pt x="40" y="6"/>
+                    <a:pt x="40" y="20"/>
+                  </a:cubicBezTo>
+                  <a:cubicBezTo>
+                    <a:pt x="40" y="31"/>
+                    <a:pt x="31" y="40"/>
+                    <a:pt x="20" y="40"/>
+                  </a:cubicBezTo>
+                  <a:close/>
+                  <a:moveTo>
+                    <a:pt x="20" y="4"/>
+                  </a:moveTo>
+                  <a:cubicBezTo>
+                    <a:pt x="11" y="4"/>
+                    <a:pt x="4" y="11"/>
+                    <a:pt x="4" y="20"/>
+                  </a:cubicBezTo>
+                  <a:cubicBezTo>
+                    <a:pt x="4" y="29"/>
+                    <a:pt x="11" y="36"/>
+                    <a:pt x="20" y="36"/>
+                  </a:cubicBezTo>
+                  <a:cubicBezTo>
+                    <a:pt x="28" y="36"/>
+                    <a:pt x="36" y="29"/>
+                    <a:pt x="36" y="20"/>
+                  </a:cubicBezTo>
+                  <a:cubicBezTo>
+                    <a:pt x="36" y="9"/>
+                    <a:pt x="31" y="4"/>
+                    <a:pt x="20" y="4"/>
+                  </a:cubicBezTo>
+                  <a:close/>
+                </a:path>
+              </a:pathLst>
+            </a:custGeom>
+            <a:grpFill/>
+            <a:ln>
+              <a:noFill/>
+            </a:ln>
+            <a:extLst>
+              <a:ext uri="{91240B29-F687-4f45-9708-019B960494DF}">
+                <a14:hiddenLine xmlns:a14="http://schemas.microsoft.com/office/drawing/2010/main" xmlns:p14="http://schemas.microsoft.com/office/powerpoint/2010/main" xmlns:a16="http://schemas.microsoft.com/office/drawing/2014/main" xmlns="" w="9525">
+                  <a:solidFill>
+                    <a:srgbClr val="000000"/>
+                  </a:solidFill>
+                  <a:round/>
+                  <a:headEnd/>
+                  <a:tailEnd/>
+                </a14:hiddenLine>
+              </a:ext>
+            </a:extLst>
+          </p:spPr>
+        </p:sp>
+        <p:sp>
+          <p:nvSpPr>
+            <p:cNvPr id="57" name="Freeform 10">
+              <a:extLst>
+                <a:ext uri="{FF2B5EF4-FFF2-40B4-BE49-F238E27FC236}">
+                  <a16:creationId xmlns:a16="http://schemas.microsoft.com/office/drawing/2014/main" id="{EBED8F24-A998-4952-AB68-E2074F0746FE}"/>
+                </a:ext>
+                <a:ext uri="{C183D7F6-B498-43B3-948B-1728B52AA6E4}">
+                  <adec:decorative xmlns:adec="http://schemas.microsoft.com/office/drawing/2017/decorative" val="1"/>
+                </a:ext>
+              </a:extLst>
+            </p:cNvPr>
+            <p:cNvSpPr/>
+            <p:nvPr>
+              <p:extLst>
+                <p:ext uri="{386F3935-93C4-4BCD-93E2-E3B085C9AB24}">
+                  <p16:designElem xmlns:p16="http://schemas.microsoft.com/office/powerpoint/2015/main" val="1"/>
+                </p:ext>
+              </p:extLst>
+            </p:nvPr>
+          </p:nvSpPr>
+          <p:spPr bwMode="auto">
+            <a:xfrm>
+              <a:off x="285750" y="4763"/>
+              <a:ext cx="369888" cy="1430338"/>
+            </a:xfrm>
+            <a:custGeom>
+              <a:avLst/>
+              <a:gdLst/>
+              <a:ahLst/>
+              <a:cxnLst/>
+              <a:rect l="0" t="0" r="r" b="b"/>
+              <a:pathLst>
+                <a:path w="233" h="901">
+                  <a:moveTo>
+                    <a:pt x="221" y="901"/>
+                  </a:moveTo>
+                  <a:lnTo>
+                    <a:pt x="0" y="383"/>
+                  </a:lnTo>
+                  <a:lnTo>
+                    <a:pt x="0" y="0"/>
+                  </a:lnTo>
+                  <a:lnTo>
+                    <a:pt x="18" y="0"/>
+                  </a:lnTo>
+                  <a:lnTo>
+                    <a:pt x="18" y="380"/>
+                  </a:lnTo>
+                  <a:lnTo>
+                    <a:pt x="233" y="895"/>
+                  </a:lnTo>
+                  <a:lnTo>
+                    <a:pt x="221" y="901"/>
+                  </a:lnTo>
+                  <a:close/>
+                </a:path>
+              </a:pathLst>
+            </a:custGeom>
+            <a:grpFill/>
+            <a:ln>
+              <a:noFill/>
+            </a:ln>
+            <a:extLst>
+              <a:ext uri="{91240B29-F687-4f45-9708-019B960494DF}">
+                <a14:hiddenLine xmlns:a14="http://schemas.microsoft.com/office/drawing/2010/main" xmlns:p14="http://schemas.microsoft.com/office/powerpoint/2010/main" xmlns:a16="http://schemas.microsoft.com/office/drawing/2014/main" xmlns="" w="9525">
+                  <a:solidFill>
+                    <a:srgbClr val="000000"/>
+                  </a:solidFill>
+                  <a:round/>
+                  <a:headEnd/>
+                  <a:tailEnd/>
+                </a14:hiddenLine>
+              </a:ext>
+            </a:extLst>
+          </p:spPr>
+        </p:sp>
+        <p:sp>
+          <p:nvSpPr>
+            <p:cNvPr id="58" name="Freeform 11">
+              <a:extLst>
+                <a:ext uri="{FF2B5EF4-FFF2-40B4-BE49-F238E27FC236}">
+                  <a16:creationId xmlns:a16="http://schemas.microsoft.com/office/drawing/2014/main" id="{74D7A646-8CDC-49B3-9C44-3EF38DB4264C}"/>
+                </a:ext>
+                <a:ext uri="{C183D7F6-B498-43B3-948B-1728B52AA6E4}">
+                  <adec:decorative xmlns:adec="http://schemas.microsoft.com/office/drawing/2017/decorative" val="1"/>
+                </a:ext>
+              </a:extLst>
+            </p:cNvPr>
+            <p:cNvSpPr/>
+            <p:nvPr>
+              <p:extLst>
+                <p:ext uri="{386F3935-93C4-4BCD-93E2-E3B085C9AB24}">
+                  <p16:designElem xmlns:p16="http://schemas.microsoft.com/office/powerpoint/2015/main" val="1"/>
+                </p:ext>
+              </p:extLst>
+            </p:nvPr>
+          </p:nvSpPr>
+          <p:spPr bwMode="auto">
+            <a:xfrm>
+              <a:off x="546100" y="0"/>
+              <a:ext cx="152400" cy="912813"/>
+            </a:xfrm>
+            <a:custGeom>
+              <a:avLst/>
+              <a:gdLst/>
+              <a:ahLst/>
+              <a:cxnLst/>
+              <a:rect l="0" t="0" r="r" b="b"/>
+              <a:pathLst>
+                <a:path w="96" h="575">
+                  <a:moveTo>
+                    <a:pt x="96" y="575"/>
+                  </a:moveTo>
+                  <a:lnTo>
+                    <a:pt x="78" y="575"/>
+                  </a:lnTo>
+                  <a:lnTo>
+                    <a:pt x="78" y="192"/>
+                  </a:lnTo>
+                  <a:lnTo>
+                    <a:pt x="0" y="6"/>
+                  </a:lnTo>
+                  <a:lnTo>
+                    <a:pt x="15" y="0"/>
+                  </a:lnTo>
+                  <a:lnTo>
+                    <a:pt x="96" y="189"/>
+                  </a:lnTo>
+                  <a:lnTo>
+                    <a:pt x="96" y="575"/>
+                  </a:lnTo>
+                  <a:close/>
+                </a:path>
+              </a:pathLst>
+            </a:custGeom>
+            <a:grpFill/>
+            <a:ln>
+              <a:noFill/>
+            </a:ln>
+            <a:extLst>
+              <a:ext uri="{91240B29-F687-4f45-9708-019B960494DF}">
+                <a14:hiddenLine xmlns:a14="http://schemas.microsoft.com/office/drawing/2010/main" xmlns:p14="http://schemas.microsoft.com/office/powerpoint/2010/main" xmlns:a16="http://schemas.microsoft.com/office/drawing/2014/main" xmlns="" w="9525">
+                  <a:solidFill>
+                    <a:srgbClr val="000000"/>
+                  </a:solidFill>
+                  <a:round/>
+                  <a:headEnd/>
+                  <a:tailEnd/>
+                </a14:hiddenLine>
+              </a:ext>
+            </a:extLst>
+          </p:spPr>
+        </p:sp>
+        <p:sp>
+          <p:nvSpPr>
+            <p:cNvPr id="59" name="Freeform 12">
+              <a:extLst>
+                <a:ext uri="{FF2B5EF4-FFF2-40B4-BE49-F238E27FC236}">
+                  <a16:creationId xmlns:a16="http://schemas.microsoft.com/office/drawing/2014/main" id="{D4E99D14-E4F4-419B-9AAF-8D1CEAB28A2D}"/>
+                </a:ext>
+                <a:ext uri="{C183D7F6-B498-43B3-948B-1728B52AA6E4}">
+                  <adec:decorative xmlns:adec="http://schemas.microsoft.com/office/drawing/2017/decorative" val="1"/>
+                </a:ext>
+              </a:extLst>
+            </p:cNvPr>
+            <p:cNvSpPr>
+              <a:spLocks noEditPoints="1"/>
+            </p:cNvSpPr>
+            <p:nvPr>
+              <p:extLst>
+                <p:ext uri="{386F3935-93C4-4BCD-93E2-E3B085C9AB24}">
+                  <p16:designElem xmlns:p16="http://schemas.microsoft.com/office/powerpoint/2015/main" val="1"/>
+                </p:ext>
+              </p:extLst>
+            </p:nvPr>
+          </p:nvSpPr>
+          <p:spPr bwMode="auto">
+            <a:xfrm>
+              <a:off x="588962" y="1420813"/>
+              <a:ext cx="190500" cy="190500"/>
+            </a:xfrm>
+            <a:custGeom>
+              <a:avLst/>
+              <a:gdLst/>
+              <a:ahLst/>
+              <a:cxnLst/>
+              <a:rect l="0" t="0" r="r" b="b"/>
+              <a:pathLst>
+                <a:path w="40" h="40">
+                  <a:moveTo>
+                    <a:pt x="20" y="40"/>
+                  </a:moveTo>
+                  <a:cubicBezTo>
+                    <a:pt x="9" y="40"/>
+                    <a:pt x="0" y="31"/>
+                    <a:pt x="0" y="20"/>
+                  </a:cubicBezTo>
+                  <a:cubicBezTo>
+                    <a:pt x="0" y="9"/>
+                    <a:pt x="9" y="0"/>
+                    <a:pt x="20" y="0"/>
+                  </a:cubicBezTo>
+                  <a:cubicBezTo>
+                    <a:pt x="33" y="0"/>
+                    <a:pt x="40" y="7"/>
+                    <a:pt x="40" y="20"/>
+                  </a:cubicBezTo>
+                  <a:cubicBezTo>
+                    <a:pt x="40" y="31"/>
+                    <a:pt x="31" y="40"/>
+                    <a:pt x="20" y="40"/>
+                  </a:cubicBezTo>
+                  <a:close/>
+                  <a:moveTo>
+                    <a:pt x="20" y="4"/>
+                  </a:moveTo>
+                  <a:cubicBezTo>
+                    <a:pt x="11" y="4"/>
+                    <a:pt x="4" y="11"/>
+                    <a:pt x="4" y="20"/>
+                  </a:cubicBezTo>
+                  <a:cubicBezTo>
+                    <a:pt x="4" y="29"/>
+                    <a:pt x="11" y="36"/>
+                    <a:pt x="20" y="36"/>
+                  </a:cubicBezTo>
+                  <a:cubicBezTo>
+                    <a:pt x="29" y="36"/>
+                    <a:pt x="36" y="29"/>
+                    <a:pt x="36" y="20"/>
+                  </a:cubicBezTo>
+                  <a:cubicBezTo>
+                    <a:pt x="36" y="9"/>
+                    <a:pt x="31" y="4"/>
+                    <a:pt x="20" y="4"/>
+                  </a:cubicBezTo>
+                  <a:close/>
+                </a:path>
+              </a:pathLst>
+            </a:custGeom>
+            <a:grpFill/>
+            <a:ln>
+              <a:noFill/>
+            </a:ln>
+            <a:extLst>
+              <a:ext uri="{91240B29-F687-4f45-9708-019B960494DF}">
+                <a14:hiddenLine xmlns:a14="http://schemas.microsoft.com/office/drawing/2010/main" xmlns:p14="http://schemas.microsoft.com/office/powerpoint/2010/main" xmlns:a16="http://schemas.microsoft.com/office/drawing/2014/main" xmlns="" w="9525">
+                  <a:solidFill>
+                    <a:srgbClr val="000000"/>
+                  </a:solidFill>
+                  <a:round/>
+                  <a:headEnd/>
+                  <a:tailEnd/>
+                </a14:hiddenLine>
+              </a:ext>
+            </a:extLst>
+          </p:spPr>
+        </p:sp>
+        <p:sp>
+          <p:nvSpPr>
+            <p:cNvPr id="60" name="Freeform 13">
+              <a:extLst>
+                <a:ext uri="{FF2B5EF4-FFF2-40B4-BE49-F238E27FC236}">
+                  <a16:creationId xmlns:a16="http://schemas.microsoft.com/office/drawing/2014/main" id="{377E106C-5445-4A52-9F7E-DA1738744291}"/>
+                </a:ext>
+                <a:ext uri="{C183D7F6-B498-43B3-948B-1728B52AA6E4}">
+                  <adec:decorative xmlns:adec="http://schemas.microsoft.com/office/drawing/2017/decorative" val="1"/>
+                </a:ext>
+              </a:extLst>
+            </p:cNvPr>
+            <p:cNvSpPr>
+              <a:spLocks noEditPoints="1"/>
+            </p:cNvSpPr>
+            <p:nvPr>
+              <p:extLst>
+                <p:ext uri="{386F3935-93C4-4BCD-93E2-E3B085C9AB24}">
+                  <p16:designElem xmlns:p16="http://schemas.microsoft.com/office/powerpoint/2015/main" val="1"/>
+                </p:ext>
+              </p:extLst>
+            </p:nvPr>
+          </p:nvSpPr>
+          <p:spPr bwMode="auto">
+            <a:xfrm>
+              <a:off x="588962" y="903288"/>
+              <a:ext cx="190500" cy="190500"/>
+            </a:xfrm>
+            <a:custGeom>
+              <a:avLst/>
+              <a:gdLst/>
+              <a:ahLst/>
+              <a:cxnLst/>
+              <a:rect l="0" t="0" r="r" b="b"/>
+              <a:pathLst>
+                <a:path w="40" h="40">
+                  <a:moveTo>
+                    <a:pt x="20" y="40"/>
+                  </a:moveTo>
+                  <a:cubicBezTo>
+                    <a:pt x="9" y="40"/>
+                    <a:pt x="0" y="31"/>
+                    <a:pt x="0" y="20"/>
+                  </a:cubicBezTo>
+                  <a:cubicBezTo>
+                    <a:pt x="0" y="9"/>
+                    <a:pt x="9" y="0"/>
+                    <a:pt x="20" y="0"/>
+                  </a:cubicBezTo>
+                  <a:cubicBezTo>
+                    <a:pt x="31" y="0"/>
+                    <a:pt x="40" y="9"/>
+                    <a:pt x="40" y="20"/>
+                  </a:cubicBezTo>
+                  <a:cubicBezTo>
+                    <a:pt x="40" y="31"/>
+                    <a:pt x="31" y="40"/>
+                    <a:pt x="20" y="40"/>
+                  </a:cubicBezTo>
+                  <a:close/>
+                  <a:moveTo>
+                    <a:pt x="20" y="4"/>
+                  </a:moveTo>
+                  <a:cubicBezTo>
+                    <a:pt x="11" y="4"/>
+                    <a:pt x="4" y="11"/>
+                    <a:pt x="4" y="20"/>
+                  </a:cubicBezTo>
+                  <a:cubicBezTo>
+                    <a:pt x="4" y="29"/>
+                    <a:pt x="11" y="36"/>
+                    <a:pt x="20" y="36"/>
+                  </a:cubicBezTo>
+                  <a:cubicBezTo>
+                    <a:pt x="29" y="36"/>
+                    <a:pt x="36" y="29"/>
+                    <a:pt x="36" y="20"/>
+                  </a:cubicBezTo>
+                  <a:cubicBezTo>
+                    <a:pt x="36" y="11"/>
+                    <a:pt x="29" y="4"/>
+                    <a:pt x="20" y="4"/>
+                  </a:cubicBezTo>
+                  <a:close/>
+                </a:path>
+              </a:pathLst>
+            </a:custGeom>
+            <a:grpFill/>
+            <a:ln>
+              <a:noFill/>
+            </a:ln>
+            <a:extLst>
+              <a:ext uri="{91240B29-F687-4f45-9708-019B960494DF}">
+                <a14:hiddenLine xmlns:a14="http://schemas.microsoft.com/office/drawing/2010/main" xmlns:p14="http://schemas.microsoft.com/office/powerpoint/2010/main" xmlns:a16="http://schemas.microsoft.com/office/drawing/2014/main" xmlns="" w="9525">
+                  <a:solidFill>
+                    <a:srgbClr val="000000"/>
+                  </a:solidFill>
+                  <a:round/>
+                  <a:headEnd/>
+                  <a:tailEnd/>
+                </a14:hiddenLine>
+              </a:ext>
+            </a:extLst>
+          </p:spPr>
+        </p:sp>
+        <p:sp>
+          <p:nvSpPr>
+            <p:cNvPr id="61" name="Freeform 14">
+              <a:extLst>
+                <a:ext uri="{FF2B5EF4-FFF2-40B4-BE49-F238E27FC236}">
+                  <a16:creationId xmlns:a16="http://schemas.microsoft.com/office/drawing/2014/main" id="{752BFE96-D378-4BAE-A64B-F851A34C4770}"/>
+                </a:ext>
+                <a:ext uri="{C183D7F6-B498-43B3-948B-1728B52AA6E4}">
+                  <adec:decorative xmlns:adec="http://schemas.microsoft.com/office/drawing/2017/decorative" val="1"/>
+                </a:ext>
+              </a:extLst>
+            </p:cNvPr>
+            <p:cNvSpPr/>
+            <p:nvPr>
+              <p:extLst>
+                <p:ext uri="{386F3935-93C4-4BCD-93E2-E3B085C9AB24}">
+                  <p16:designElem xmlns:p16="http://schemas.microsoft.com/office/powerpoint/2015/main" val="1"/>
+                </p:ext>
+              </p:extLst>
+            </p:nvPr>
+          </p:nvSpPr>
+          <p:spPr bwMode="auto">
+            <a:xfrm>
+              <a:off x="641350" y="0"/>
+              <a:ext cx="422275" cy="527050"/>
+            </a:xfrm>
+            <a:custGeom>
+              <a:avLst/>
+              <a:gdLst/>
+              <a:ahLst/>
+              <a:cxnLst/>
+              <a:rect l="0" t="0" r="r" b="b"/>
+              <a:pathLst>
+                <a:path w="266" h="332">
+                  <a:moveTo>
+                    <a:pt x="257" y="332"/>
+                  </a:moveTo>
+                  <a:lnTo>
+                    <a:pt x="48" y="123"/>
+                  </a:lnTo>
+                  <a:lnTo>
+                    <a:pt x="0" y="6"/>
+                  </a:lnTo>
+                  <a:lnTo>
+                    <a:pt x="15" y="0"/>
+                  </a:lnTo>
+                  <a:lnTo>
+                    <a:pt x="63" y="114"/>
+                  </a:lnTo>
+                  <a:lnTo>
+                    <a:pt x="266" y="320"/>
+                  </a:lnTo>
+                  <a:lnTo>
+                    <a:pt x="257" y="332"/>
+                  </a:lnTo>
+                  <a:close/>
+                </a:path>
+              </a:pathLst>
+            </a:custGeom>
+            <a:grpFill/>
+            <a:ln>
+              <a:noFill/>
+            </a:ln>
+            <a:extLst>
+              <a:ext uri="{91240B29-F687-4f45-9708-019B960494DF}">
+                <a14:hiddenLine xmlns:a14="http://schemas.microsoft.com/office/drawing/2010/main" xmlns:p14="http://schemas.microsoft.com/office/powerpoint/2010/main" xmlns:a16="http://schemas.microsoft.com/office/drawing/2014/main" xmlns="" w="9525">
+                  <a:solidFill>
+                    <a:srgbClr val="000000"/>
+                  </a:solidFill>
+                  <a:round/>
+                  <a:headEnd/>
+                  <a:tailEnd/>
+                </a14:hiddenLine>
+              </a:ext>
+            </a:extLst>
+          </p:spPr>
+        </p:sp>
+        <p:sp>
+          <p:nvSpPr>
+            <p:cNvPr id="62" name="Freeform 15">
+              <a:extLst>
+                <a:ext uri="{FF2B5EF4-FFF2-40B4-BE49-F238E27FC236}">
+                  <a16:creationId xmlns:a16="http://schemas.microsoft.com/office/drawing/2014/main" id="{B88FFB19-5A5E-4078-B467-9D4ABD21BD9A}"/>
+                </a:ext>
+                <a:ext uri="{C183D7F6-B498-43B3-948B-1728B52AA6E4}">
+                  <adec:decorative xmlns:adec="http://schemas.microsoft.com/office/drawing/2017/decorative" val="1"/>
+                </a:ext>
+              </a:extLst>
+            </p:cNvPr>
+            <p:cNvSpPr>
+              <a:spLocks noEditPoints="1"/>
+            </p:cNvSpPr>
+            <p:nvPr>
+              <p:extLst>
+                <p:ext uri="{386F3935-93C4-4BCD-93E2-E3B085C9AB24}">
+                  <p16:designElem xmlns:p16="http://schemas.microsoft.com/office/powerpoint/2015/main" val="1"/>
+                </p:ext>
+              </p:extLst>
+            </p:nvPr>
+          </p:nvSpPr>
+          <p:spPr bwMode="auto">
+            <a:xfrm>
+              <a:off x="1020762" y="488950"/>
+              <a:ext cx="161925" cy="147638"/>
+            </a:xfrm>
+            <a:custGeom>
+              <a:avLst/>
+              <a:gdLst/>
+              <a:ahLst/>
+              <a:cxnLst/>
+              <a:rect l="0" t="0" r="r" b="b"/>
+              <a:pathLst>
+                <a:path w="34" h="31">
+                  <a:moveTo>
+                    <a:pt x="17" y="31"/>
+                  </a:moveTo>
+                  <a:cubicBezTo>
+                    <a:pt x="13" y="31"/>
+                    <a:pt x="9" y="30"/>
+                    <a:pt x="6" y="27"/>
+                  </a:cubicBezTo>
+                  <a:cubicBezTo>
+                    <a:pt x="0" y="20"/>
+                    <a:pt x="0" y="10"/>
+                    <a:pt x="6" y="4"/>
+                  </a:cubicBezTo>
+                  <a:cubicBezTo>
+                    <a:pt x="9" y="1"/>
+                    <a:pt x="13" y="0"/>
+                    <a:pt x="17" y="0"/>
+                  </a:cubicBezTo>
+                  <a:cubicBezTo>
+                    <a:pt x="21" y="0"/>
+                    <a:pt x="25" y="1"/>
+                    <a:pt x="28" y="4"/>
+                  </a:cubicBezTo>
+                  <a:cubicBezTo>
+                    <a:pt x="34" y="10"/>
+                    <a:pt x="34" y="20"/>
+                    <a:pt x="28" y="27"/>
+                  </a:cubicBezTo>
+                  <a:cubicBezTo>
+                    <a:pt x="25" y="30"/>
+                    <a:pt x="21" y="31"/>
+                    <a:pt x="17" y="31"/>
+                  </a:cubicBezTo>
+                  <a:close/>
+                  <a:moveTo>
+                    <a:pt x="17" y="4"/>
+                  </a:moveTo>
+                  <a:cubicBezTo>
+                    <a:pt x="14" y="4"/>
+                    <a:pt x="11" y="5"/>
+                    <a:pt x="9" y="7"/>
+                  </a:cubicBezTo>
+                  <a:cubicBezTo>
+                    <a:pt x="4" y="12"/>
+                    <a:pt x="4" y="19"/>
+                    <a:pt x="9" y="24"/>
+                  </a:cubicBezTo>
+                  <a:cubicBezTo>
+                    <a:pt x="11" y="26"/>
+                    <a:pt x="14" y="27"/>
+                    <a:pt x="17" y="27"/>
+                  </a:cubicBezTo>
+                  <a:cubicBezTo>
+                    <a:pt x="20" y="27"/>
+                    <a:pt x="23" y="26"/>
+                    <a:pt x="25" y="24"/>
+                  </a:cubicBezTo>
+                  <a:cubicBezTo>
+                    <a:pt x="30" y="19"/>
+                    <a:pt x="30" y="12"/>
+                    <a:pt x="25" y="7"/>
+                  </a:cubicBezTo>
+                  <a:cubicBezTo>
+                    <a:pt x="23" y="5"/>
+                    <a:pt x="20" y="4"/>
+                    <a:pt x="17" y="4"/>
+                  </a:cubicBezTo>
+                  <a:close/>
+                </a:path>
+              </a:pathLst>
+            </a:custGeom>
+            <a:grpFill/>
+            <a:ln>
+              <a:noFill/>
+            </a:ln>
+            <a:extLst>
+              <a:ext uri="{91240B29-F687-4f45-9708-019B960494DF}">
+                <a14:hiddenLine xmlns:a14="http://schemas.microsoft.com/office/drawing/2010/main" xmlns:p14="http://schemas.microsoft.com/office/powerpoint/2010/main" xmlns:a16="http://schemas.microsoft.com/office/drawing/2014/main" xmlns="" w="9525">
+                  <a:solidFill>
+                    <a:srgbClr val="000000"/>
+                  </a:solidFill>
+                  <a:round/>
+                  <a:headEnd/>
+                  <a:tailEnd/>
+                </a14:hiddenLine>
+              </a:ext>
+            </a:extLst>
+          </p:spPr>
+        </p:sp>
+        <p:sp>
+          <p:nvSpPr>
+            <p:cNvPr id="63" name="Line 16">
+              <a:extLst>
+                <a:ext uri="{FF2B5EF4-FFF2-40B4-BE49-F238E27FC236}">
+                  <a16:creationId xmlns:a16="http://schemas.microsoft.com/office/drawing/2014/main" id="{11042975-3D19-4728-BCDA-D3F5CD633EDB}"/>
+                </a:ext>
+                <a:ext uri="{C183D7F6-B498-43B3-948B-1728B52AA6E4}">
+                  <adec:decorative xmlns:adec="http://schemas.microsoft.com/office/drawing/2017/decorative" val="1"/>
+                </a:ext>
+              </a:extLst>
+            </p:cNvPr>
+            <p:cNvSpPr>
+              <a:spLocks noChangeShapeType="1"/>
+            </p:cNvSpPr>
+            <p:nvPr>
+              <p:extLst>
+                <p:ext uri="{386F3935-93C4-4BCD-93E2-E3B085C9AB24}">
+                  <p16:designElem xmlns:p16="http://schemas.microsoft.com/office/powerpoint/2015/main" val="1"/>
+                </p:ext>
+              </p:extLst>
+            </p:nvPr>
+          </p:nvSpPr>
+          <p:spPr bwMode="auto">
+            <a:xfrm>
+              <a:off x="-4763" y="9525"/>
+              <a:ext cx="0" cy="0"/>
+            </a:xfrm>
+            <a:prstGeom prst="line">
+              <a:avLst/>
+            </a:prstGeom>
+            <a:grpFill/>
+            <a:ln w="15" cap="flat">
+              <a:solidFill>
+                <a:srgbClr val="FFFFFF"/>
+              </a:solidFill>
+              <a:prstDash val="solid"/>
+              <a:miter lim="800000"/>
+              <a:headEnd/>
+              <a:tailEnd/>
+            </a:ln>
+          </p:spPr>
+        </p:sp>
+        <p:sp>
+          <p:nvSpPr>
+            <p:cNvPr id="64" name="Freeform 17">
+              <a:extLst>
+                <a:ext uri="{FF2B5EF4-FFF2-40B4-BE49-F238E27FC236}">
+                  <a16:creationId xmlns:a16="http://schemas.microsoft.com/office/drawing/2014/main" id="{A28972BD-D2E1-4DCA-A907-2E3B6F606649}"/>
+                </a:ext>
+                <a:ext uri="{C183D7F6-B498-43B3-948B-1728B52AA6E4}">
+                  <adec:decorative xmlns:adec="http://schemas.microsoft.com/office/drawing/2017/decorative" val="1"/>
+                </a:ext>
+              </a:extLst>
+            </p:cNvPr>
+            <p:cNvSpPr/>
+            <p:nvPr>
+              <p:extLst>
+                <p:ext uri="{386F3935-93C4-4BCD-93E2-E3B085C9AB24}">
+                  <p16:designElem xmlns:p16="http://schemas.microsoft.com/office/powerpoint/2015/main" val="1"/>
+                </p:ext>
+              </p:extLst>
+            </p:nvPr>
+          </p:nvSpPr>
+          <p:spPr bwMode="auto">
+            <a:xfrm>
+              <a:off x="9525" y="1801813"/>
+              <a:ext cx="123825" cy="127000"/>
+            </a:xfrm>
+            <a:custGeom>
+              <a:avLst/>
+              <a:gdLst/>
+              <a:ahLst/>
+              <a:cxnLst/>
+              <a:rect l="0" t="0" r="r" b="b"/>
+              <a:pathLst>
+                <a:path w="78" h="80">
+                  <a:moveTo>
+                    <a:pt x="6" y="80"/>
+                  </a:moveTo>
+                  <a:lnTo>
+                    <a:pt x="0" y="71"/>
+                  </a:lnTo>
+                  <a:lnTo>
+                    <a:pt x="69" y="0"/>
+                  </a:lnTo>
+                  <a:lnTo>
+                    <a:pt x="78" y="9"/>
+                  </a:lnTo>
+                  <a:lnTo>
+                    <a:pt x="6" y="80"/>
+                  </a:lnTo>
+                  <a:close/>
+                </a:path>
+              </a:pathLst>
+            </a:custGeom>
+            <a:grpFill/>
+            <a:ln>
+              <a:noFill/>
+            </a:ln>
+            <a:extLst>
+              <a:ext uri="{91240B29-F687-4f45-9708-019B960494DF}">
+                <a14:hiddenLine xmlns:a14="http://schemas.microsoft.com/office/drawing/2010/main" xmlns:p14="http://schemas.microsoft.com/office/powerpoint/2010/main" xmlns:a16="http://schemas.microsoft.com/office/drawing/2014/main" xmlns="" w="9525">
+                  <a:solidFill>
+                    <a:srgbClr val="000000"/>
+                  </a:solidFill>
+                  <a:round/>
+                  <a:headEnd/>
+                  <a:tailEnd/>
+                </a14:hiddenLine>
+              </a:ext>
+            </a:extLst>
+          </p:spPr>
+        </p:sp>
+        <p:sp>
+          <p:nvSpPr>
+            <p:cNvPr id="65" name="Freeform 18">
+              <a:extLst>
+                <a:ext uri="{FF2B5EF4-FFF2-40B4-BE49-F238E27FC236}">
+                  <a16:creationId xmlns:a16="http://schemas.microsoft.com/office/drawing/2014/main" id="{1C806824-5C2D-4747-B038-69EE4074B366}"/>
+                </a:ext>
+                <a:ext uri="{C183D7F6-B498-43B3-948B-1728B52AA6E4}">
+                  <adec:decorative xmlns:adec="http://schemas.microsoft.com/office/drawing/2017/decorative" val="1"/>
+                </a:ext>
+              </a:extLst>
+            </p:cNvPr>
+            <p:cNvSpPr/>
+            <p:nvPr>
+              <p:extLst>
+                <p:ext uri="{386F3935-93C4-4BCD-93E2-E3B085C9AB24}">
+                  <p16:designElem xmlns:p16="http://schemas.microsoft.com/office/powerpoint/2015/main" val="1"/>
+                </p:ext>
+              </p:extLst>
+            </p:nvPr>
+          </p:nvSpPr>
+          <p:spPr bwMode="auto">
+            <a:xfrm>
+              <a:off x="-9525" y="3549650"/>
+              <a:ext cx="147638" cy="481013"/>
+            </a:xfrm>
+            <a:custGeom>
+              <a:avLst/>
+              <a:gdLst/>
+              <a:ahLst/>
+              <a:cxnLst/>
+              <a:rect l="0" t="0" r="r" b="b"/>
+              <a:pathLst>
+                <a:path w="93" h="303">
+                  <a:moveTo>
+                    <a:pt x="93" y="303"/>
+                  </a:moveTo>
+                  <a:lnTo>
+                    <a:pt x="78" y="303"/>
+                  </a:lnTo>
+                  <a:lnTo>
+                    <a:pt x="78" y="78"/>
+                  </a:lnTo>
+                  <a:lnTo>
+                    <a:pt x="0" y="12"/>
+                  </a:lnTo>
+                  <a:lnTo>
+                    <a:pt x="12" y="0"/>
+                  </a:lnTo>
+                  <a:lnTo>
+                    <a:pt x="93" y="69"/>
+                  </a:lnTo>
+                  <a:lnTo>
+                    <a:pt x="93" y="303"/>
+                  </a:lnTo>
+                  <a:close/>
+                </a:path>
+              </a:pathLst>
+            </a:custGeom>
+            <a:grpFill/>
+            <a:ln>
+              <a:noFill/>
+            </a:ln>
+            <a:extLst>
+              <a:ext uri="{91240B29-F687-4f45-9708-019B960494DF}">
+                <a14:hiddenLine xmlns:a14="http://schemas.microsoft.com/office/drawing/2010/main" xmlns:p14="http://schemas.microsoft.com/office/powerpoint/2010/main" xmlns:a16="http://schemas.microsoft.com/office/drawing/2014/main" xmlns="" w="9525">
+                  <a:solidFill>
+                    <a:srgbClr val="000000"/>
+                  </a:solidFill>
+                  <a:round/>
+                  <a:headEnd/>
+                  <a:tailEnd/>
+                </a14:hiddenLine>
+              </a:ext>
+            </a:extLst>
+          </p:spPr>
+        </p:sp>
+        <p:sp>
+          <p:nvSpPr>
+            <p:cNvPr id="66" name="Freeform 19">
+              <a:extLst>
+                <a:ext uri="{FF2B5EF4-FFF2-40B4-BE49-F238E27FC236}">
+                  <a16:creationId xmlns:a16="http://schemas.microsoft.com/office/drawing/2014/main" id="{3B33F710-16D7-4F48-BFCA-66C9CA2352CB}"/>
+                </a:ext>
+                <a:ext uri="{C183D7F6-B498-43B3-948B-1728B52AA6E4}">
+                  <adec:decorative xmlns:adec="http://schemas.microsoft.com/office/drawing/2017/decorative" val="1"/>
+                </a:ext>
+              </a:extLst>
+            </p:cNvPr>
+            <p:cNvSpPr/>
+            <p:nvPr>
+              <p:extLst>
+                <p:ext uri="{386F3935-93C4-4BCD-93E2-E3B085C9AB24}">
+                  <p16:designElem xmlns:p16="http://schemas.microsoft.com/office/powerpoint/2015/main" val="1"/>
+                </p:ext>
+              </p:extLst>
+            </p:nvPr>
+          </p:nvSpPr>
+          <p:spPr bwMode="auto">
+            <a:xfrm>
+              <a:off x="128587" y="1382713"/>
+              <a:ext cx="142875" cy="476250"/>
+            </a:xfrm>
+            <a:custGeom>
+              <a:avLst/>
+              <a:gdLst/>
+              <a:ahLst/>
+              <a:cxnLst/>
+              <a:rect l="0" t="0" r="r" b="b"/>
+              <a:pathLst>
+                <a:path w="90" h="300">
+                  <a:moveTo>
+                    <a:pt x="90" y="300"/>
+                  </a:moveTo>
+                  <a:lnTo>
+                    <a:pt x="78" y="300"/>
+                  </a:lnTo>
+                  <a:lnTo>
+                    <a:pt x="78" y="84"/>
+                  </a:lnTo>
+                  <a:lnTo>
+                    <a:pt x="0" y="9"/>
+                  </a:lnTo>
+                  <a:lnTo>
+                    <a:pt x="9" y="0"/>
+                  </a:lnTo>
+                  <a:lnTo>
+                    <a:pt x="90" y="81"/>
+                  </a:lnTo>
+                  <a:lnTo>
+                    <a:pt x="90" y="300"/>
+                  </a:lnTo>
+                  <a:close/>
+                </a:path>
+              </a:pathLst>
+            </a:custGeom>
+            <a:grpFill/>
+            <a:ln>
+              <a:noFill/>
+            </a:ln>
+            <a:extLst>
+              <a:ext uri="{91240B29-F687-4f45-9708-019B960494DF}">
+                <a14:hiddenLine xmlns:a14="http://schemas.microsoft.com/office/drawing/2010/main" xmlns:p14="http://schemas.microsoft.com/office/powerpoint/2010/main" xmlns:a16="http://schemas.microsoft.com/office/drawing/2014/main" xmlns="" w="9525">
+                  <a:solidFill>
+                    <a:srgbClr val="000000"/>
+                  </a:solidFill>
+                  <a:round/>
+                  <a:headEnd/>
+                  <a:tailEnd/>
+                </a14:hiddenLine>
+              </a:ext>
+            </a:extLst>
+          </p:spPr>
+        </p:sp>
+        <p:sp>
+          <p:nvSpPr>
+            <p:cNvPr id="67" name="Freeform 20">
+              <a:extLst>
+                <a:ext uri="{FF2B5EF4-FFF2-40B4-BE49-F238E27FC236}">
+                  <a16:creationId xmlns:a16="http://schemas.microsoft.com/office/drawing/2014/main" id="{6C8C8ED4-90FA-4E97-AAF0-D5D51E6A935E}"/>
+                </a:ext>
+                <a:ext uri="{C183D7F6-B498-43B3-948B-1728B52AA6E4}">
+                  <adec:decorative xmlns:adec="http://schemas.microsoft.com/office/drawing/2017/decorative" val="1"/>
+                </a:ext>
+              </a:extLst>
+            </p:cNvPr>
+            <p:cNvSpPr>
+              <a:spLocks noEditPoints="1"/>
+            </p:cNvSpPr>
+            <p:nvPr>
+              <p:extLst>
+                <p:ext uri="{386F3935-93C4-4BCD-93E2-E3B085C9AB24}">
+                  <p16:designElem xmlns:p16="http://schemas.microsoft.com/office/powerpoint/2015/main" val="1"/>
+                </p:ext>
+              </p:extLst>
+            </p:nvPr>
+          </p:nvSpPr>
+          <p:spPr bwMode="auto">
+            <a:xfrm>
+              <a:off x="204787" y="1849438"/>
+              <a:ext cx="114300" cy="107950"/>
+            </a:xfrm>
+            <a:custGeom>
+              <a:avLst/>
+              <a:gdLst/>
+              <a:ahLst/>
+              <a:cxnLst/>
+              <a:rect l="0" t="0" r="r" b="b"/>
+              <a:pathLst>
+                <a:path w="24" h="23">
+                  <a:moveTo>
+                    <a:pt x="12" y="23"/>
+                  </a:moveTo>
+                  <a:cubicBezTo>
+                    <a:pt x="6" y="23"/>
+                    <a:pt x="0" y="18"/>
+                    <a:pt x="0" y="12"/>
+                  </a:cubicBezTo>
+                  <a:cubicBezTo>
+                    <a:pt x="0" y="5"/>
+                    <a:pt x="6" y="0"/>
+                    <a:pt x="12" y="0"/>
+                  </a:cubicBezTo>
+                  <a:cubicBezTo>
+                    <a:pt x="18" y="0"/>
+                    <a:pt x="24" y="5"/>
+                    <a:pt x="24" y="12"/>
+                  </a:cubicBezTo>
+                  <a:cubicBezTo>
+                    <a:pt x="24" y="18"/>
+                    <a:pt x="18" y="23"/>
+                    <a:pt x="12" y="23"/>
+                  </a:cubicBezTo>
+                  <a:close/>
+                  <a:moveTo>
+                    <a:pt x="12" y="4"/>
+                  </a:moveTo>
+                  <a:cubicBezTo>
+                    <a:pt x="8" y="4"/>
+                    <a:pt x="4" y="8"/>
+                    <a:pt x="4" y="12"/>
+                  </a:cubicBezTo>
+                  <a:cubicBezTo>
+                    <a:pt x="4" y="16"/>
+                    <a:pt x="8" y="19"/>
+                    <a:pt x="12" y="19"/>
+                  </a:cubicBezTo>
+                  <a:cubicBezTo>
+                    <a:pt x="16" y="19"/>
+                    <a:pt x="20" y="16"/>
+                    <a:pt x="20" y="12"/>
+                  </a:cubicBezTo>
+                  <a:cubicBezTo>
+                    <a:pt x="20" y="8"/>
+                    <a:pt x="16" y="4"/>
+                    <a:pt x="12" y="4"/>
+                  </a:cubicBezTo>
+                  <a:close/>
+                </a:path>
+              </a:pathLst>
+            </a:custGeom>
+            <a:grpFill/>
+            <a:ln>
+              <a:noFill/>
+            </a:ln>
+            <a:extLst>
+              <a:ext uri="{91240B29-F687-4f45-9708-019B960494DF}">
+                <a14:hiddenLine xmlns:a14="http://schemas.microsoft.com/office/drawing/2010/main" xmlns:p14="http://schemas.microsoft.com/office/powerpoint/2010/main" xmlns:a16="http://schemas.microsoft.com/office/drawing/2014/main" xmlns="" w="9525">
+                  <a:solidFill>
+                    <a:srgbClr val="000000"/>
+                  </a:solidFill>
+                  <a:round/>
+                  <a:headEnd/>
+                  <a:tailEnd/>
+                </a14:hiddenLine>
+              </a:ext>
+            </a:extLst>
+          </p:spPr>
+        </p:sp>
+        <p:sp>
+          <p:nvSpPr>
+            <p:cNvPr id="68" name="Rectangle 21">
+              <a:extLst>
+                <a:ext uri="{FF2B5EF4-FFF2-40B4-BE49-F238E27FC236}">
+                  <a16:creationId xmlns:a16="http://schemas.microsoft.com/office/drawing/2014/main" id="{6C5EB9C1-B25F-4172-8A96-5950ECC828FC}"/>
+                </a:ext>
+                <a:ext uri="{C183D7F6-B498-43B3-948B-1728B52AA6E4}">
+                  <adec:decorative xmlns:adec="http://schemas.microsoft.com/office/drawing/2017/decorative" val="1"/>
+                </a:ext>
+              </a:extLst>
+            </p:cNvPr>
+            <p:cNvSpPr>
+              <a:spLocks noChangeArrowheads="1"/>
+            </p:cNvSpPr>
+            <p:nvPr>
+              <p:extLst>
+                <p:ext uri="{386F3935-93C4-4BCD-93E2-E3B085C9AB24}">
+                  <p16:designElem xmlns:p16="http://schemas.microsoft.com/office/powerpoint/2015/main" val="1"/>
+                </p:ext>
+              </p:extLst>
+            </p:nvPr>
+          </p:nvSpPr>
+          <p:spPr bwMode="auto">
+            <a:xfrm>
+              <a:off x="133350" y="4662488"/>
+              <a:ext cx="23813" cy="2181225"/>
+            </a:xfrm>
+            <a:prstGeom prst="rect">
+              <a:avLst/>
+            </a:prstGeom>
+            <a:grpFill/>
+            <a:ln>
+              <a:noFill/>
+            </a:ln>
+            <a:extLst>
+              <a:ext uri="{91240B29-F687-4f45-9708-019B960494DF}">
+                <a14:hiddenLine xmlns:a14="http://schemas.microsoft.com/office/drawing/2010/main" xmlns:p14="http://schemas.microsoft.com/office/powerpoint/2010/main" xmlns:a16="http://schemas.microsoft.com/office/drawing/2014/main" xmlns="" w="9525">
+                  <a:solidFill>
+                    <a:srgbClr val="000000"/>
+                  </a:solidFill>
+                  <a:miter lim="800000"/>
+                  <a:headEnd/>
+                  <a:tailEnd/>
+                </a14:hiddenLine>
+              </a:ext>
+            </a:extLst>
+          </p:spPr>
+        </p:sp>
+        <p:sp>
+          <p:nvSpPr>
+            <p:cNvPr id="69" name="Freeform 22">
+              <a:extLst>
+                <a:ext uri="{FF2B5EF4-FFF2-40B4-BE49-F238E27FC236}">
+                  <a16:creationId xmlns:a16="http://schemas.microsoft.com/office/drawing/2014/main" id="{097E6E8A-9373-4655-882B-21715CCE97EE}"/>
+                </a:ext>
+                <a:ext uri="{C183D7F6-B498-43B3-948B-1728B52AA6E4}">
+                  <adec:decorative xmlns:adec="http://schemas.microsoft.com/office/drawing/2017/decorative" val="1"/>
+                </a:ext>
+              </a:extLst>
+            </p:cNvPr>
+            <p:cNvSpPr/>
+            <p:nvPr>
+              <p:extLst>
+                <p:ext uri="{386F3935-93C4-4BCD-93E2-E3B085C9AB24}">
+                  <p16:designElem xmlns:p16="http://schemas.microsoft.com/office/powerpoint/2015/main" val="1"/>
+                </p:ext>
+              </p:extLst>
+            </p:nvPr>
+          </p:nvSpPr>
+          <p:spPr bwMode="auto">
+            <a:xfrm>
+              <a:off x="223837" y="5041900"/>
+              <a:ext cx="369888" cy="1801813"/>
+            </a:xfrm>
+            <a:custGeom>
+              <a:avLst/>
+              <a:gdLst/>
+              <a:ahLst/>
+              <a:cxnLst/>
+              <a:rect l="0" t="0" r="r" b="b"/>
+              <a:pathLst>
+                <a:path w="233" h="1135">
+                  <a:moveTo>
+                    <a:pt x="15" y="1135"/>
+                  </a:moveTo>
+                  <a:lnTo>
+                    <a:pt x="0" y="1135"/>
+                  </a:lnTo>
+                  <a:lnTo>
+                    <a:pt x="0" y="515"/>
+                  </a:lnTo>
+                  <a:lnTo>
+                    <a:pt x="0" y="512"/>
+                  </a:lnTo>
+                  <a:lnTo>
+                    <a:pt x="218" y="0"/>
+                  </a:lnTo>
+                  <a:lnTo>
+                    <a:pt x="233" y="6"/>
+                  </a:lnTo>
+                  <a:lnTo>
+                    <a:pt x="15" y="518"/>
+                  </a:lnTo>
+                  <a:lnTo>
+                    <a:pt x="15" y="1135"/>
+                  </a:lnTo>
+                  <a:close/>
+                </a:path>
+              </a:pathLst>
+            </a:custGeom>
+            <a:grpFill/>
+            <a:ln>
+              <a:noFill/>
+            </a:ln>
+            <a:extLst>
+              <a:ext uri="{91240B29-F687-4f45-9708-019B960494DF}">
+                <a14:hiddenLine xmlns:a14="http://schemas.microsoft.com/office/drawing/2010/main" xmlns:p14="http://schemas.microsoft.com/office/powerpoint/2010/main" xmlns:a16="http://schemas.microsoft.com/office/drawing/2014/main" xmlns="" w="9525">
+                  <a:solidFill>
+                    <a:srgbClr val="000000"/>
+                  </a:solidFill>
+                  <a:round/>
+                  <a:headEnd/>
+                  <a:tailEnd/>
+                </a14:hiddenLine>
+              </a:ext>
+            </a:extLst>
+          </p:spPr>
+        </p:sp>
+        <p:sp>
+          <p:nvSpPr>
+            <p:cNvPr id="70" name="Freeform 23">
+              <a:extLst>
+                <a:ext uri="{FF2B5EF4-FFF2-40B4-BE49-F238E27FC236}">
+                  <a16:creationId xmlns:a16="http://schemas.microsoft.com/office/drawing/2014/main" id="{EB8CC766-1206-4372-ACAF-8230AF4D5421}"/>
+                </a:ext>
+                <a:ext uri="{C183D7F6-B498-43B3-948B-1728B52AA6E4}">
+                  <adec:decorative xmlns:adec="http://schemas.microsoft.com/office/drawing/2017/decorative" val="1"/>
+                </a:ext>
+              </a:extLst>
+            </p:cNvPr>
+            <p:cNvSpPr>
+              <a:spLocks noEditPoints="1"/>
+            </p:cNvSpPr>
+            <p:nvPr>
+              <p:extLst>
+                <p:ext uri="{386F3935-93C4-4BCD-93E2-E3B085C9AB24}">
+                  <p16:designElem xmlns:p16="http://schemas.microsoft.com/office/powerpoint/2015/main" val="1"/>
+                </p:ext>
+              </p:extLst>
+            </p:nvPr>
+          </p:nvSpPr>
+          <p:spPr bwMode="auto">
+            <a:xfrm>
+              <a:off x="52387" y="4481513"/>
+              <a:ext cx="190500" cy="190500"/>
+            </a:xfrm>
+            <a:custGeom>
+              <a:avLst/>
+              <a:gdLst/>
+              <a:ahLst/>
+              <a:cxnLst/>
+              <a:rect l="0" t="0" r="r" b="b"/>
+              <a:pathLst>
+                <a:path w="40" h="40">
+                  <a:moveTo>
+                    <a:pt x="20" y="40"/>
+                  </a:moveTo>
+                  <a:cubicBezTo>
+                    <a:pt x="9" y="40"/>
+                    <a:pt x="0" y="31"/>
+                    <a:pt x="0" y="20"/>
+                  </a:cubicBezTo>
+                  <a:cubicBezTo>
+                    <a:pt x="0" y="9"/>
+                    <a:pt x="9" y="0"/>
+                    <a:pt x="20" y="0"/>
+                  </a:cubicBezTo>
+                  <a:cubicBezTo>
+                    <a:pt x="31" y="0"/>
+                    <a:pt x="40" y="9"/>
+                    <a:pt x="40" y="20"/>
+                  </a:cubicBezTo>
+                  <a:cubicBezTo>
+                    <a:pt x="40" y="31"/>
+                    <a:pt x="31" y="40"/>
+                    <a:pt x="20" y="40"/>
+                  </a:cubicBezTo>
+                  <a:close/>
+                  <a:moveTo>
+                    <a:pt x="20" y="4"/>
+                  </a:moveTo>
+                  <a:cubicBezTo>
+                    <a:pt x="11" y="4"/>
+                    <a:pt x="4" y="11"/>
+                    <a:pt x="4" y="20"/>
+                  </a:cubicBezTo>
+                  <a:cubicBezTo>
+                    <a:pt x="4" y="29"/>
+                    <a:pt x="11" y="36"/>
+                    <a:pt x="20" y="36"/>
+                  </a:cubicBezTo>
+                  <a:cubicBezTo>
+                    <a:pt x="28" y="36"/>
+                    <a:pt x="36" y="29"/>
+                    <a:pt x="36" y="20"/>
+                  </a:cubicBezTo>
+                  <a:cubicBezTo>
+                    <a:pt x="36" y="11"/>
+                    <a:pt x="28" y="4"/>
+                    <a:pt x="20" y="4"/>
+                  </a:cubicBezTo>
+                  <a:close/>
+                </a:path>
+              </a:pathLst>
+            </a:custGeom>
+            <a:grpFill/>
+            <a:ln>
+              <a:noFill/>
+            </a:ln>
+            <a:extLst>
+              <a:ext uri="{91240B29-F687-4f45-9708-019B960494DF}">
+                <a14:hiddenLine xmlns:a14="http://schemas.microsoft.com/office/drawing/2010/main" xmlns:p14="http://schemas.microsoft.com/office/powerpoint/2010/main" xmlns:a16="http://schemas.microsoft.com/office/drawing/2014/main" xmlns="" w="9525">
+                  <a:solidFill>
+                    <a:srgbClr val="000000"/>
+                  </a:solidFill>
+                  <a:round/>
+                  <a:headEnd/>
+                  <a:tailEnd/>
+                </a14:hiddenLine>
+              </a:ext>
+            </a:extLst>
+          </p:spPr>
+        </p:sp>
+        <p:sp>
+          <p:nvSpPr>
+            <p:cNvPr id="71" name="Freeform 24">
+              <a:extLst>
+                <a:ext uri="{FF2B5EF4-FFF2-40B4-BE49-F238E27FC236}">
+                  <a16:creationId xmlns:a16="http://schemas.microsoft.com/office/drawing/2014/main" id="{1C8E2511-2489-47B2-9C19-C410910DD901}"/>
+                </a:ext>
+                <a:ext uri="{C183D7F6-B498-43B3-948B-1728B52AA6E4}">
+                  <adec:decorative xmlns:adec="http://schemas.microsoft.com/office/drawing/2017/decorative" val="1"/>
+                </a:ext>
+              </a:extLst>
+            </p:cNvPr>
+            <p:cNvSpPr/>
+            <p:nvPr>
+              <p:extLst>
+                <p:ext uri="{386F3935-93C4-4BCD-93E2-E3B085C9AB24}">
+                  <p16:designElem xmlns:p16="http://schemas.microsoft.com/office/powerpoint/2015/main" val="1"/>
+                </p:ext>
+              </p:extLst>
+            </p:nvPr>
+          </p:nvSpPr>
+          <p:spPr bwMode="auto">
+            <a:xfrm>
+              <a:off x="-14288" y="5627688"/>
+              <a:ext cx="85725" cy="1216025"/>
+            </a:xfrm>
+            <a:custGeom>
+              <a:avLst/>
+              <a:gdLst/>
+              <a:ahLst/>
+              <a:cxnLst/>
+              <a:rect l="0" t="0" r="r" b="b"/>
+              <a:pathLst>
+                <a:path w="54" h="766">
+                  <a:moveTo>
+                    <a:pt x="54" y="766"/>
+                  </a:moveTo>
+                  <a:lnTo>
+                    <a:pt x="36" y="766"/>
+                  </a:lnTo>
+                  <a:lnTo>
+                    <a:pt x="36" y="149"/>
+                  </a:lnTo>
+                  <a:lnTo>
+                    <a:pt x="0" y="3"/>
+                  </a:lnTo>
+                  <a:lnTo>
+                    <a:pt x="18" y="0"/>
+                  </a:lnTo>
+                  <a:lnTo>
+                    <a:pt x="54" y="146"/>
+                  </a:lnTo>
+                  <a:lnTo>
+                    <a:pt x="54" y="766"/>
+                  </a:lnTo>
+                  <a:close/>
+                </a:path>
+              </a:pathLst>
+            </a:custGeom>
+            <a:grpFill/>
+            <a:ln>
+              <a:noFill/>
+            </a:ln>
+            <a:extLst>
+              <a:ext uri="{91240B29-F687-4f45-9708-019B960494DF}">
+                <a14:hiddenLine xmlns:a14="http://schemas.microsoft.com/office/drawing/2010/main" xmlns:p14="http://schemas.microsoft.com/office/powerpoint/2010/main" xmlns:a16="http://schemas.microsoft.com/office/drawing/2014/main" xmlns="" w="9525">
+                  <a:solidFill>
+                    <a:srgbClr val="000000"/>
+                  </a:solidFill>
+                  <a:round/>
+                  <a:headEnd/>
+                  <a:tailEnd/>
+                </a14:hiddenLine>
+              </a:ext>
+            </a:extLst>
+          </p:spPr>
+        </p:sp>
+        <p:sp>
+          <p:nvSpPr>
+            <p:cNvPr id="72" name="Freeform 25">
+              <a:extLst>
+                <a:ext uri="{FF2B5EF4-FFF2-40B4-BE49-F238E27FC236}">
+                  <a16:creationId xmlns:a16="http://schemas.microsoft.com/office/drawing/2014/main" id="{D7820196-0A47-47EF-832C-A688E8977D60}"/>
+                </a:ext>
+                <a:ext uri="{C183D7F6-B498-43B3-948B-1728B52AA6E4}">
+                  <adec:decorative xmlns:adec="http://schemas.microsoft.com/office/drawing/2017/decorative" val="1"/>
+                </a:ext>
+              </a:extLst>
+            </p:cNvPr>
+            <p:cNvSpPr>
+              <a:spLocks noEditPoints="1"/>
+            </p:cNvSpPr>
+            <p:nvPr>
+              <p:extLst>
+                <p:ext uri="{386F3935-93C4-4BCD-93E2-E3B085C9AB24}">
+                  <p16:designElem xmlns:p16="http://schemas.microsoft.com/office/powerpoint/2015/main" val="1"/>
+                </p:ext>
+              </p:extLst>
+            </p:nvPr>
+          </p:nvSpPr>
+          <p:spPr bwMode="auto">
+            <a:xfrm>
+              <a:off x="527050" y="4867275"/>
+              <a:ext cx="190500" cy="188913"/>
+            </a:xfrm>
+            <a:custGeom>
+              <a:avLst/>
+              <a:gdLst/>
+              <a:ahLst/>
+              <a:cxnLst/>
+              <a:rect l="0" t="0" r="r" b="b"/>
+              <a:pathLst>
+                <a:path w="40" h="40">
+                  <a:moveTo>
+                    <a:pt x="20" y="40"/>
+                  </a:moveTo>
+                  <a:cubicBezTo>
+                    <a:pt x="9" y="40"/>
+                    <a:pt x="0" y="31"/>
+                    <a:pt x="0" y="20"/>
+                  </a:cubicBezTo>
+                  <a:cubicBezTo>
+                    <a:pt x="0" y="9"/>
+                    <a:pt x="9" y="0"/>
+                    <a:pt x="20" y="0"/>
+                  </a:cubicBezTo>
+                  <a:cubicBezTo>
+                    <a:pt x="31" y="0"/>
+                    <a:pt x="40" y="9"/>
+                    <a:pt x="40" y="20"/>
+                  </a:cubicBezTo>
+                  <a:cubicBezTo>
+                    <a:pt x="40" y="31"/>
+                    <a:pt x="31" y="40"/>
+                    <a:pt x="20" y="40"/>
+                  </a:cubicBezTo>
+                  <a:close/>
+                  <a:moveTo>
+                    <a:pt x="20" y="4"/>
+                  </a:moveTo>
+                  <a:cubicBezTo>
+                    <a:pt x="11" y="4"/>
+                    <a:pt x="4" y="11"/>
+                    <a:pt x="4" y="20"/>
+                  </a:cubicBezTo>
+                  <a:cubicBezTo>
+                    <a:pt x="4" y="29"/>
+                    <a:pt x="11" y="36"/>
+                    <a:pt x="20" y="36"/>
+                  </a:cubicBezTo>
+                  <a:cubicBezTo>
+                    <a:pt x="29" y="36"/>
+                    <a:pt x="36" y="29"/>
+                    <a:pt x="36" y="20"/>
+                  </a:cubicBezTo>
+                  <a:cubicBezTo>
+                    <a:pt x="36" y="11"/>
+                    <a:pt x="29" y="4"/>
+                    <a:pt x="20" y="4"/>
+                  </a:cubicBezTo>
+                  <a:close/>
+                </a:path>
+              </a:pathLst>
+            </a:custGeom>
+            <a:grpFill/>
+            <a:ln>
+              <a:noFill/>
+            </a:ln>
+            <a:extLst>
+              <a:ext uri="{91240B29-F687-4f45-9708-019B960494DF}">
+                <a14:hiddenLine xmlns:a14="http://schemas.microsoft.com/office/drawing/2010/main" xmlns:p14="http://schemas.microsoft.com/office/powerpoint/2010/main" xmlns:a16="http://schemas.microsoft.com/office/drawing/2014/main" xmlns="" w="9525">
+                  <a:solidFill>
+                    <a:srgbClr val="000000"/>
+                  </a:solidFill>
+                  <a:round/>
+                  <a:headEnd/>
+                  <a:tailEnd/>
+                </a14:hiddenLine>
+              </a:ext>
+            </a:extLst>
+          </p:spPr>
+        </p:sp>
+        <p:sp>
+          <p:nvSpPr>
+            <p:cNvPr id="73" name="Freeform 26">
+              <a:extLst>
+                <a:ext uri="{FF2B5EF4-FFF2-40B4-BE49-F238E27FC236}">
+                  <a16:creationId xmlns:a16="http://schemas.microsoft.com/office/drawing/2014/main" id="{4982E0BF-34AE-48A3-AD6B-E0F3CD05DB34}"/>
+                </a:ext>
+                <a:ext uri="{C183D7F6-B498-43B3-948B-1728B52AA6E4}">
+                  <adec:decorative xmlns:adec="http://schemas.microsoft.com/office/drawing/2017/decorative" val="1"/>
+                </a:ext>
+              </a:extLst>
+            </p:cNvPr>
+            <p:cNvSpPr/>
+            <p:nvPr>
+              <p:extLst>
+                <p:ext uri="{386F3935-93C4-4BCD-93E2-E3B085C9AB24}">
+                  <p16:designElem xmlns:p16="http://schemas.microsoft.com/office/powerpoint/2015/main" val="1"/>
+                </p:ext>
+              </p:extLst>
+            </p:nvPr>
+          </p:nvSpPr>
+          <p:spPr bwMode="auto">
+            <a:xfrm>
+              <a:off x="309562" y="5422900"/>
+              <a:ext cx="374650" cy="1425575"/>
+            </a:xfrm>
+            <a:custGeom>
+              <a:avLst/>
+              <a:gdLst/>
+              <a:ahLst/>
+              <a:cxnLst/>
+              <a:rect l="0" t="0" r="r" b="b"/>
+              <a:pathLst>
+                <a:path w="236" h="898">
+                  <a:moveTo>
+                    <a:pt x="18" y="898"/>
+                  </a:moveTo>
+                  <a:lnTo>
+                    <a:pt x="0" y="898"/>
+                  </a:lnTo>
+                  <a:lnTo>
+                    <a:pt x="0" y="515"/>
+                  </a:lnTo>
+                  <a:lnTo>
+                    <a:pt x="3" y="512"/>
+                  </a:lnTo>
+                  <a:lnTo>
+                    <a:pt x="221" y="0"/>
+                  </a:lnTo>
+                  <a:lnTo>
+                    <a:pt x="236" y="6"/>
+                  </a:lnTo>
+                  <a:lnTo>
+                    <a:pt x="18" y="518"/>
+                  </a:lnTo>
+                  <a:lnTo>
+                    <a:pt x="18" y="898"/>
+                  </a:lnTo>
+                  <a:close/>
+                </a:path>
+              </a:pathLst>
+            </a:custGeom>
+            <a:grpFill/>
+            <a:ln>
+              <a:noFill/>
+            </a:ln>
+            <a:extLst>
+              <a:ext uri="{91240B29-F687-4f45-9708-019B960494DF}">
+                <a14:hiddenLine xmlns:a14="http://schemas.microsoft.com/office/drawing/2010/main" xmlns:p14="http://schemas.microsoft.com/office/powerpoint/2010/main" xmlns:a16="http://schemas.microsoft.com/office/drawing/2014/main" xmlns="" w="9525">
+                  <a:solidFill>
+                    <a:srgbClr val="000000"/>
+                  </a:solidFill>
+                  <a:round/>
+                  <a:headEnd/>
+                  <a:tailEnd/>
+                </a14:hiddenLine>
+              </a:ext>
+            </a:extLst>
+          </p:spPr>
+        </p:sp>
+        <p:sp>
+          <p:nvSpPr>
+            <p:cNvPr id="74" name="Freeform 27">
+              <a:extLst>
+                <a:ext uri="{FF2B5EF4-FFF2-40B4-BE49-F238E27FC236}">
+                  <a16:creationId xmlns:a16="http://schemas.microsoft.com/office/drawing/2014/main" id="{CD34643B-9DF2-4310-8868-48252C3393F0}"/>
+                </a:ext>
+                <a:ext uri="{C183D7F6-B498-43B3-948B-1728B52AA6E4}">
+                  <adec:decorative xmlns:adec="http://schemas.microsoft.com/office/drawing/2017/decorative" val="1"/>
+                </a:ext>
+              </a:extLst>
+            </p:cNvPr>
+            <p:cNvSpPr/>
+            <p:nvPr>
+              <p:extLst>
+                <p:ext uri="{386F3935-93C4-4BCD-93E2-E3B085C9AB24}">
+                  <p16:designElem xmlns:p16="http://schemas.microsoft.com/office/powerpoint/2015/main" val="1"/>
+                </p:ext>
+              </p:extLst>
+            </p:nvPr>
+          </p:nvSpPr>
+          <p:spPr bwMode="auto">
+            <a:xfrm>
+              <a:off x="569912" y="5945188"/>
+              <a:ext cx="152400" cy="912813"/>
+            </a:xfrm>
+            <a:custGeom>
+              <a:avLst/>
+              <a:gdLst/>
+              <a:ahLst/>
+              <a:cxnLst/>
+              <a:rect l="0" t="0" r="r" b="b"/>
+              <a:pathLst>
+                <a:path w="96" h="575">
+                  <a:moveTo>
+                    <a:pt x="15" y="575"/>
+                  </a:moveTo>
+                  <a:lnTo>
+                    <a:pt x="0" y="569"/>
+                  </a:lnTo>
+                  <a:lnTo>
+                    <a:pt x="81" y="383"/>
+                  </a:lnTo>
+                  <a:lnTo>
+                    <a:pt x="81" y="0"/>
+                  </a:lnTo>
+                  <a:lnTo>
+                    <a:pt x="96" y="0"/>
+                  </a:lnTo>
+                  <a:lnTo>
+                    <a:pt x="96" y="386"/>
+                  </a:lnTo>
+                  <a:lnTo>
+                    <a:pt x="15" y="575"/>
+                  </a:lnTo>
+                  <a:close/>
+                </a:path>
+              </a:pathLst>
+            </a:custGeom>
+            <a:grpFill/>
+            <a:ln>
+              <a:noFill/>
+            </a:ln>
+            <a:extLst>
+              <a:ext uri="{91240B29-F687-4f45-9708-019B960494DF}">
+                <a14:hiddenLine xmlns:a14="http://schemas.microsoft.com/office/drawing/2010/main" xmlns:p14="http://schemas.microsoft.com/office/powerpoint/2010/main" xmlns:a16="http://schemas.microsoft.com/office/drawing/2014/main" xmlns="" w="9525">
+                  <a:solidFill>
+                    <a:srgbClr val="000000"/>
+                  </a:solidFill>
+                  <a:round/>
+                  <a:headEnd/>
+                  <a:tailEnd/>
+                </a14:hiddenLine>
+              </a:ext>
+            </a:extLst>
+          </p:spPr>
+        </p:sp>
+        <p:sp>
+          <p:nvSpPr>
+            <p:cNvPr id="75" name="Freeform 28">
+              <a:extLst>
+                <a:ext uri="{FF2B5EF4-FFF2-40B4-BE49-F238E27FC236}">
+                  <a16:creationId xmlns:a16="http://schemas.microsoft.com/office/drawing/2014/main" id="{4E020C4E-AF64-44A8-B830-779541D8D549}"/>
+                </a:ext>
+                <a:ext uri="{C183D7F6-B498-43B3-948B-1728B52AA6E4}">
+                  <adec:decorative xmlns:adec="http://schemas.microsoft.com/office/drawing/2017/decorative" val="1"/>
+                </a:ext>
+              </a:extLst>
+            </p:cNvPr>
+            <p:cNvSpPr>
+              <a:spLocks noEditPoints="1"/>
+            </p:cNvSpPr>
+            <p:nvPr>
+              <p:extLst>
+                <p:ext uri="{386F3935-93C4-4BCD-93E2-E3B085C9AB24}">
+                  <p16:designElem xmlns:p16="http://schemas.microsoft.com/office/powerpoint/2015/main" val="1"/>
+                </p:ext>
+              </p:extLst>
+            </p:nvPr>
+          </p:nvSpPr>
+          <p:spPr bwMode="auto">
+            <a:xfrm>
+              <a:off x="612775" y="5246688"/>
+              <a:ext cx="190500" cy="190500"/>
+            </a:xfrm>
+            <a:custGeom>
+              <a:avLst/>
+              <a:gdLst/>
+              <a:ahLst/>
+              <a:cxnLst/>
+              <a:rect l="0" t="0" r="r" b="b"/>
+              <a:pathLst>
+                <a:path w="40" h="40">
+                  <a:moveTo>
+                    <a:pt x="20" y="40"/>
+                  </a:moveTo>
+                  <a:cubicBezTo>
+                    <a:pt x="9" y="40"/>
+                    <a:pt x="0" y="31"/>
+                    <a:pt x="0" y="20"/>
+                  </a:cubicBezTo>
+                  <a:cubicBezTo>
+                    <a:pt x="0" y="9"/>
+                    <a:pt x="9" y="0"/>
+                    <a:pt x="20" y="0"/>
+                  </a:cubicBezTo>
+                  <a:cubicBezTo>
+                    <a:pt x="31" y="0"/>
+                    <a:pt x="40" y="9"/>
+                    <a:pt x="40" y="20"/>
+                  </a:cubicBezTo>
+                  <a:cubicBezTo>
+                    <a:pt x="40" y="31"/>
+                    <a:pt x="31" y="40"/>
+                    <a:pt x="20" y="40"/>
+                  </a:cubicBezTo>
+                  <a:close/>
+                  <a:moveTo>
+                    <a:pt x="20" y="4"/>
+                  </a:moveTo>
+                  <a:cubicBezTo>
+                    <a:pt x="12" y="4"/>
+                    <a:pt x="4" y="11"/>
+                    <a:pt x="4" y="20"/>
+                  </a:cubicBezTo>
+                  <a:cubicBezTo>
+                    <a:pt x="4" y="29"/>
+                    <a:pt x="12" y="36"/>
+                    <a:pt x="20" y="36"/>
+                  </a:cubicBezTo>
+                  <a:cubicBezTo>
+                    <a:pt x="29" y="36"/>
+                    <a:pt x="36" y="29"/>
+                    <a:pt x="36" y="20"/>
+                  </a:cubicBezTo>
+                  <a:cubicBezTo>
+                    <a:pt x="36" y="11"/>
+                    <a:pt x="29" y="4"/>
+                    <a:pt x="20" y="4"/>
+                  </a:cubicBezTo>
+                  <a:close/>
+                </a:path>
+              </a:pathLst>
+            </a:custGeom>
+            <a:grpFill/>
+            <a:ln>
+              <a:noFill/>
+            </a:ln>
+            <a:extLst>
+              <a:ext uri="{91240B29-F687-4f45-9708-019B960494DF}">
+                <a14:hiddenLine xmlns:a14="http://schemas.microsoft.com/office/drawing/2010/main" xmlns:p14="http://schemas.microsoft.com/office/powerpoint/2010/main" xmlns:a16="http://schemas.microsoft.com/office/drawing/2014/main" xmlns="" w="9525">
+                  <a:solidFill>
+                    <a:srgbClr val="000000"/>
+                  </a:solidFill>
+                  <a:round/>
+                  <a:headEnd/>
+                  <a:tailEnd/>
+                </a14:hiddenLine>
+              </a:ext>
+            </a:extLst>
+          </p:spPr>
+        </p:sp>
+        <p:sp>
+          <p:nvSpPr>
+            <p:cNvPr id="76" name="Freeform 29">
+              <a:extLst>
+                <a:ext uri="{FF2B5EF4-FFF2-40B4-BE49-F238E27FC236}">
+                  <a16:creationId xmlns:a16="http://schemas.microsoft.com/office/drawing/2014/main" id="{D97BC3D3-B1B3-4825-9169-BBEF1DBCF055}"/>
+                </a:ext>
+                <a:ext uri="{C183D7F6-B498-43B3-948B-1728B52AA6E4}">
+                  <adec:decorative xmlns:adec="http://schemas.microsoft.com/office/drawing/2017/decorative" val="1"/>
+                </a:ext>
+              </a:extLst>
+            </p:cNvPr>
+            <p:cNvSpPr>
+              <a:spLocks noEditPoints="1"/>
+            </p:cNvSpPr>
+            <p:nvPr>
+              <p:extLst>
+                <p:ext uri="{386F3935-93C4-4BCD-93E2-E3B085C9AB24}">
+                  <p16:designElem xmlns:p16="http://schemas.microsoft.com/office/powerpoint/2015/main" val="1"/>
+                </p:ext>
+              </p:extLst>
+            </p:nvPr>
+          </p:nvSpPr>
+          <p:spPr bwMode="auto">
+            <a:xfrm>
+              <a:off x="612775" y="5764213"/>
+              <a:ext cx="190500" cy="190500"/>
+            </a:xfrm>
+            <a:custGeom>
+              <a:avLst/>
+              <a:gdLst/>
+              <a:ahLst/>
+              <a:cxnLst/>
+              <a:rect l="0" t="0" r="r" b="b"/>
+              <a:pathLst>
+                <a:path w="40" h="40">
+                  <a:moveTo>
+                    <a:pt x="20" y="40"/>
+                  </a:moveTo>
+                  <a:cubicBezTo>
+                    <a:pt x="9" y="40"/>
+                    <a:pt x="0" y="31"/>
+                    <a:pt x="0" y="20"/>
+                  </a:cubicBezTo>
+                  <a:cubicBezTo>
+                    <a:pt x="0" y="9"/>
+                    <a:pt x="9" y="0"/>
+                    <a:pt x="20" y="0"/>
+                  </a:cubicBezTo>
+                  <a:cubicBezTo>
+                    <a:pt x="31" y="0"/>
+                    <a:pt x="40" y="9"/>
+                    <a:pt x="40" y="20"/>
+                  </a:cubicBezTo>
+                  <a:cubicBezTo>
+                    <a:pt x="40" y="31"/>
+                    <a:pt x="31" y="40"/>
+                    <a:pt x="20" y="40"/>
+                  </a:cubicBezTo>
+                  <a:close/>
+                  <a:moveTo>
+                    <a:pt x="20" y="4"/>
+                  </a:moveTo>
+                  <a:cubicBezTo>
+                    <a:pt x="12" y="4"/>
+                    <a:pt x="4" y="11"/>
+                    <a:pt x="4" y="20"/>
+                  </a:cubicBezTo>
+                  <a:cubicBezTo>
+                    <a:pt x="4" y="29"/>
+                    <a:pt x="12" y="36"/>
+                    <a:pt x="20" y="36"/>
+                  </a:cubicBezTo>
+                  <a:cubicBezTo>
+                    <a:pt x="29" y="36"/>
+                    <a:pt x="36" y="29"/>
+                    <a:pt x="36" y="20"/>
+                  </a:cubicBezTo>
+                  <a:cubicBezTo>
+                    <a:pt x="36" y="11"/>
+                    <a:pt x="29" y="4"/>
+                    <a:pt x="20" y="4"/>
+                  </a:cubicBezTo>
+                  <a:close/>
+                </a:path>
+              </a:pathLst>
+            </a:custGeom>
+            <a:grpFill/>
+            <a:ln>
+              <a:noFill/>
+            </a:ln>
+            <a:extLst>
+              <a:ext uri="{91240B29-F687-4f45-9708-019B960494DF}">
+                <a14:hiddenLine xmlns:a14="http://schemas.microsoft.com/office/drawing/2010/main" xmlns:p14="http://schemas.microsoft.com/office/powerpoint/2010/main" xmlns:a16="http://schemas.microsoft.com/office/drawing/2014/main" xmlns="" w="9525">
+                  <a:solidFill>
+                    <a:srgbClr val="000000"/>
+                  </a:solidFill>
+                  <a:round/>
+                  <a:headEnd/>
+                  <a:tailEnd/>
+                </a14:hiddenLine>
+              </a:ext>
+            </a:extLst>
+          </p:spPr>
+        </p:sp>
+        <p:sp>
+          <p:nvSpPr>
+            <p:cNvPr id="77" name="Freeform 30">
+              <a:extLst>
+                <a:ext uri="{FF2B5EF4-FFF2-40B4-BE49-F238E27FC236}">
+                  <a16:creationId xmlns:a16="http://schemas.microsoft.com/office/drawing/2014/main" id="{A750DC4F-1DAF-470E-98C6-6C68DEB93363}"/>
+                </a:ext>
+                <a:ext uri="{C183D7F6-B498-43B3-948B-1728B52AA6E4}">
+                  <adec:decorative xmlns:adec="http://schemas.microsoft.com/office/drawing/2017/decorative" val="1"/>
+                </a:ext>
+              </a:extLst>
+            </p:cNvPr>
+            <p:cNvSpPr/>
+            <p:nvPr>
+              <p:extLst>
+                <p:ext uri="{386F3935-93C4-4BCD-93E2-E3B085C9AB24}">
+                  <p16:designElem xmlns:p16="http://schemas.microsoft.com/office/powerpoint/2015/main" val="1"/>
+                </p:ext>
+              </p:extLst>
+            </p:nvPr>
+          </p:nvSpPr>
+          <p:spPr bwMode="auto">
+            <a:xfrm>
+              <a:off x="669925" y="6330950"/>
+              <a:ext cx="417513" cy="517525"/>
+            </a:xfrm>
+            <a:custGeom>
+              <a:avLst/>
+              <a:gdLst/>
+              <a:ahLst/>
+              <a:cxnLst/>
+              <a:rect l="0" t="0" r="r" b="b"/>
+              <a:pathLst>
+                <a:path w="263" h="326">
+                  <a:moveTo>
+                    <a:pt x="15" y="326"/>
+                  </a:moveTo>
+                  <a:lnTo>
+                    <a:pt x="0" y="320"/>
+                  </a:lnTo>
+                  <a:lnTo>
+                    <a:pt x="45" y="206"/>
+                  </a:lnTo>
+                  <a:lnTo>
+                    <a:pt x="48" y="206"/>
+                  </a:lnTo>
+                  <a:lnTo>
+                    <a:pt x="254" y="0"/>
+                  </a:lnTo>
+                  <a:lnTo>
+                    <a:pt x="263" y="12"/>
+                  </a:lnTo>
+                  <a:lnTo>
+                    <a:pt x="60" y="215"/>
+                  </a:lnTo>
+                  <a:lnTo>
+                    <a:pt x="15" y="326"/>
+                  </a:lnTo>
+                  <a:close/>
+                </a:path>
+              </a:pathLst>
+            </a:custGeom>
+            <a:grpFill/>
+            <a:ln>
+              <a:noFill/>
+            </a:ln>
+            <a:extLst>
+              <a:ext uri="{91240B29-F687-4f45-9708-019B960494DF}">
+                <a14:hiddenLine xmlns:a14="http://schemas.microsoft.com/office/drawing/2010/main" xmlns:p14="http://schemas.microsoft.com/office/powerpoint/2010/main" xmlns:a16="http://schemas.microsoft.com/office/drawing/2014/main" xmlns="" w="9525">
+                  <a:solidFill>
+                    <a:srgbClr val="000000"/>
+                  </a:solidFill>
+                  <a:round/>
+                  <a:headEnd/>
+                  <a:tailEnd/>
+                </a14:hiddenLine>
+              </a:ext>
+            </a:extLst>
+          </p:spPr>
+        </p:sp>
+        <p:sp>
+          <p:nvSpPr>
+            <p:cNvPr id="81" name="Freeform 31">
+              <a:extLst>
+                <a:ext uri="{FF2B5EF4-FFF2-40B4-BE49-F238E27FC236}">
+                  <a16:creationId xmlns:a16="http://schemas.microsoft.com/office/drawing/2014/main" id="{2F99594A-5BBD-4E10-A818-8BE52B7D952C}"/>
+                </a:ext>
+                <a:ext uri="{C183D7F6-B498-43B3-948B-1728B52AA6E4}">
+                  <adec:decorative xmlns:adec="http://schemas.microsoft.com/office/drawing/2017/decorative" val="1"/>
+                </a:ext>
+              </a:extLst>
+            </p:cNvPr>
+            <p:cNvSpPr>
+              <a:spLocks noEditPoints="1"/>
+            </p:cNvSpPr>
+            <p:nvPr>
+              <p:extLst>
+                <p:ext uri="{386F3935-93C4-4BCD-93E2-E3B085C9AB24}">
+                  <p16:designElem xmlns:p16="http://schemas.microsoft.com/office/powerpoint/2015/main" val="1"/>
+                </p:ext>
+              </p:extLst>
+            </p:nvPr>
+          </p:nvSpPr>
+          <p:spPr bwMode="auto">
+            <a:xfrm>
+              <a:off x="1049337" y="6221413"/>
+              <a:ext cx="157163" cy="147638"/>
+            </a:xfrm>
+            <a:custGeom>
+              <a:avLst/>
+              <a:gdLst/>
+              <a:ahLst/>
+              <a:cxnLst/>
+              <a:rect l="0" t="0" r="r" b="b"/>
+              <a:pathLst>
+                <a:path w="33" h="31">
+                  <a:moveTo>
+                    <a:pt x="16" y="31"/>
+                  </a:moveTo>
+                  <a:cubicBezTo>
+                    <a:pt x="12" y="31"/>
+                    <a:pt x="8" y="29"/>
+                    <a:pt x="5" y="26"/>
+                  </a:cubicBezTo>
+                  <a:cubicBezTo>
+                    <a:pt x="2" y="24"/>
+                    <a:pt x="0" y="20"/>
+                    <a:pt x="0" y="15"/>
+                  </a:cubicBezTo>
+                  <a:cubicBezTo>
+                    <a:pt x="0" y="11"/>
+                    <a:pt x="2" y="7"/>
+                    <a:pt x="5" y="4"/>
+                  </a:cubicBezTo>
+                  <a:cubicBezTo>
+                    <a:pt x="8" y="1"/>
+                    <a:pt x="12" y="0"/>
+                    <a:pt x="16" y="0"/>
+                  </a:cubicBezTo>
+                  <a:cubicBezTo>
+                    <a:pt x="20" y="0"/>
+                    <a:pt x="24" y="1"/>
+                    <a:pt x="27" y="4"/>
+                  </a:cubicBezTo>
+                  <a:cubicBezTo>
+                    <a:pt x="33" y="10"/>
+                    <a:pt x="33" y="20"/>
+                    <a:pt x="27" y="26"/>
+                  </a:cubicBezTo>
+                  <a:cubicBezTo>
+                    <a:pt x="24" y="29"/>
+                    <a:pt x="20" y="31"/>
+                    <a:pt x="16" y="31"/>
+                  </a:cubicBezTo>
+                  <a:close/>
+                  <a:moveTo>
+                    <a:pt x="16" y="4"/>
+                  </a:moveTo>
+                  <a:cubicBezTo>
+                    <a:pt x="13" y="4"/>
+                    <a:pt x="10" y="5"/>
+                    <a:pt x="8" y="7"/>
+                  </a:cubicBezTo>
+                  <a:cubicBezTo>
+                    <a:pt x="6" y="9"/>
+                    <a:pt x="4" y="12"/>
+                    <a:pt x="4" y="15"/>
+                  </a:cubicBezTo>
+                  <a:cubicBezTo>
+                    <a:pt x="4" y="19"/>
+                    <a:pt x="6" y="21"/>
+                    <a:pt x="8" y="24"/>
+                  </a:cubicBezTo>
+                  <a:cubicBezTo>
+                    <a:pt x="10" y="26"/>
+                    <a:pt x="13" y="27"/>
+                    <a:pt x="16" y="27"/>
+                  </a:cubicBezTo>
+                  <a:cubicBezTo>
+                    <a:pt x="19" y="27"/>
+                    <a:pt x="22" y="26"/>
+                    <a:pt x="24" y="24"/>
+                  </a:cubicBezTo>
+                  <a:cubicBezTo>
+                    <a:pt x="29" y="19"/>
+                    <a:pt x="29" y="12"/>
+                    <a:pt x="24" y="7"/>
+                  </a:cubicBezTo>
+                  <a:cubicBezTo>
+                    <a:pt x="22" y="5"/>
+                    <a:pt x="19" y="4"/>
+                    <a:pt x="16" y="4"/>
+                  </a:cubicBezTo>
+                  <a:close/>
+                </a:path>
+              </a:pathLst>
+            </a:custGeom>
+            <a:grpFill/>
+            <a:ln>
+              <a:noFill/>
+            </a:ln>
+            <a:extLst>
+              <a:ext uri="{91240B29-F687-4f45-9708-019B960494DF}">
+                <a14:hiddenLine xmlns:a14="http://schemas.microsoft.com/office/drawing/2010/main" xmlns:p14="http://schemas.microsoft.com/office/powerpoint/2010/main" xmlns:a16="http://schemas.microsoft.com/office/drawing/2014/main" xmlns="" w="9525">
+                  <a:solidFill>
+                    <a:srgbClr val="000000"/>
+                  </a:solidFill>
+                  <a:round/>
+                  <a:headEnd/>
+                  <a:tailEnd/>
+                </a14:hiddenLine>
+              </a:ext>
+            </a:extLst>
+          </p:spPr>
+        </p:sp>
+      </p:grpSp>
+      <p:sp>
+        <p:nvSpPr>
+          <p:cNvPr id="3" name="Segnaposto piè di pagina 2">
+            <a:extLst>
+              <a:ext uri="{FF2B5EF4-FFF2-40B4-BE49-F238E27FC236}">
+                <a16:creationId xmlns:a16="http://schemas.microsoft.com/office/drawing/2014/main" id="{FBF7A850-89B1-4613-B321-7E0C5F557A91}"/>
+              </a:ext>
+            </a:extLst>
+          </p:cNvPr>
+          <p:cNvSpPr>
+            <a:spLocks noGrp="1"/>
+          </p:cNvSpPr>
+          <p:nvPr>
+            <p:ph type="ftr" sz="quarter" idx="11"/>
+          </p:nvPr>
+        </p:nvSpPr>
+        <p:spPr>
+          <a:xfrm>
+            <a:off x="1149349" y="6394611"/>
+            <a:ext cx="6239309" cy="365125"/>
+          </a:xfrm>
+        </p:spPr>
+        <p:txBody>
+          <a:bodyPr/>
+          <a:lstStyle/>
+          <a:p>
+            <a:pPr rtl="0"/>
+            <a:r>
+              <a:rPr lang="it-IT" noProof="0" dirty="0"/>
+              <a:t>Anno Accademico 2021/2022</a:t>
+            </a:r>
+          </a:p>
+        </p:txBody>
+      </p:sp>
+      <p:sp>
+        <p:nvSpPr>
+          <p:cNvPr id="6" name="Segnaposto data 5">
+            <a:extLst>
+              <a:ext uri="{FF2B5EF4-FFF2-40B4-BE49-F238E27FC236}">
+                <a16:creationId xmlns:a16="http://schemas.microsoft.com/office/drawing/2014/main" id="{85DBA455-560A-4C35-8506-C8D87ABE9AC7}"/>
+              </a:ext>
+            </a:extLst>
+          </p:cNvPr>
+          <p:cNvSpPr>
+            <a:spLocks noGrp="1"/>
+          </p:cNvSpPr>
+          <p:nvPr>
+            <p:ph type="dt" sz="half" idx="10"/>
+          </p:nvPr>
+        </p:nvSpPr>
+        <p:spPr>
+          <a:xfrm>
+            <a:off x="7675329" y="6393288"/>
+            <a:ext cx="2743200" cy="365125"/>
+          </a:xfrm>
+        </p:spPr>
+        <p:txBody>
+          <a:bodyPr/>
+          <a:lstStyle/>
+          <a:p>
+            <a:pPr rtl="0"/>
+            <a:r>
+              <a:rPr lang="it-IT" noProof="0" dirty="0"/>
+              <a:t>Università degli Studi di Bologna</a:t>
+            </a:r>
+          </a:p>
+        </p:txBody>
+      </p:sp>
+      <p:sp>
+        <p:nvSpPr>
+          <p:cNvPr id="4" name="Segnaposto numero diapositiva 3">
+            <a:extLst>
+              <a:ext uri="{FF2B5EF4-FFF2-40B4-BE49-F238E27FC236}">
+                <a16:creationId xmlns:a16="http://schemas.microsoft.com/office/drawing/2014/main" id="{66708894-FD84-4235-A5FB-07D5CA6172BD}"/>
+              </a:ext>
+            </a:extLst>
+          </p:cNvPr>
+          <p:cNvSpPr>
+            <a:spLocks noGrp="1"/>
+          </p:cNvSpPr>
+          <p:nvPr>
+            <p:ph type="sldNum" sz="quarter" idx="12"/>
+          </p:nvPr>
+        </p:nvSpPr>
+        <p:spPr>
+          <a:xfrm>
+            <a:off x="10481895" y="6407944"/>
+            <a:ext cx="771089" cy="365125"/>
+          </a:xfrm>
+        </p:spPr>
+        <p:txBody>
+          <a:bodyPr/>
+          <a:lstStyle/>
+          <a:p>
+            <a:pPr rtl="0"/>
+            <a:fld id="{6D22F896-40B5-4ADD-8801-0D06FADFA095}" type="slidenum">
+              <a:rPr lang="it-IT" noProof="0" smtClean="0"/>
+              <a:t>7</a:t>
+            </a:fld>
+            <a:endParaRPr lang="it-IT" noProof="0" dirty="0"/>
+          </a:p>
+        </p:txBody>
+      </p:sp>
+      <p:pic>
+        <p:nvPicPr>
+          <p:cNvPr id="40" name="Immagine 39">
+            <a:extLst>
+              <a:ext uri="{FF2B5EF4-FFF2-40B4-BE49-F238E27FC236}">
+                <a16:creationId xmlns:a16="http://schemas.microsoft.com/office/drawing/2014/main" id="{DE4870DB-B15D-4DF7-9160-DDA08AC7A715}"/>
+              </a:ext>
+            </a:extLst>
+          </p:cNvPr>
+          <p:cNvPicPr>
+            <a:picLocks noChangeAspect="1"/>
+          </p:cNvPicPr>
+          <p:nvPr/>
+        </p:nvPicPr>
+        <p:blipFill>
+          <a:blip r:embed="rId3"/>
+          <a:stretch>
+            <a:fillRect/>
+          </a:stretch>
+        </p:blipFill>
+        <p:spPr>
+          <a:xfrm>
+            <a:off x="85725" y="89239"/>
+            <a:ext cx="5948362" cy="4639104"/>
+          </a:xfrm>
+          <a:prstGeom prst="roundRect">
+            <a:avLst>
+              <a:gd name="adj" fmla="val 3936"/>
+            </a:avLst>
+          </a:prstGeom>
+          <a:solidFill>
+            <a:srgbClr val="FFFFFF">
+              <a:shade val="85000"/>
+            </a:srgbClr>
+          </a:solidFill>
+          <a:ln>
+            <a:solidFill>
+              <a:schemeClr val="tx1">
+                <a:lumMod val="50000"/>
+              </a:schemeClr>
+            </a:solidFill>
+          </a:ln>
+          <a:effectLst/>
+        </p:spPr>
+      </p:pic>
+      <p:pic>
+        <p:nvPicPr>
+          <p:cNvPr id="9" name="Immagine 8">
+            <a:extLst>
+              <a:ext uri="{FF2B5EF4-FFF2-40B4-BE49-F238E27FC236}">
+                <a16:creationId xmlns:a16="http://schemas.microsoft.com/office/drawing/2014/main" id="{86BAB0BB-8367-4083-8D16-3752974880F8}"/>
+              </a:ext>
+            </a:extLst>
+          </p:cNvPr>
+          <p:cNvPicPr>
+            <a:picLocks noChangeAspect="1"/>
+          </p:cNvPicPr>
+          <p:nvPr/>
+        </p:nvPicPr>
+        <p:blipFill>
+          <a:blip r:embed="rId4"/>
+          <a:stretch>
+            <a:fillRect/>
+          </a:stretch>
+        </p:blipFill>
+        <p:spPr>
+          <a:xfrm>
+            <a:off x="5268590" y="2232127"/>
+            <a:ext cx="6775772" cy="4240393"/>
+          </a:xfrm>
+          <a:prstGeom prst="roundRect">
+            <a:avLst>
+              <a:gd name="adj" fmla="val 4849"/>
+            </a:avLst>
+          </a:prstGeom>
+          <a:solidFill>
+            <a:srgbClr val="FFFFFF">
+              <a:shade val="85000"/>
+            </a:srgbClr>
+          </a:solidFill>
+          <a:ln>
+            <a:solidFill>
+              <a:schemeClr val="tx1">
+                <a:lumMod val="50000"/>
+              </a:schemeClr>
+            </a:solidFill>
+          </a:ln>
+          <a:effectLst/>
+        </p:spPr>
+      </p:pic>
+      <p:sp>
+        <p:nvSpPr>
+          <p:cNvPr id="10" name="CasellaDiTesto 9">
+            <a:extLst>
+              <a:ext uri="{FF2B5EF4-FFF2-40B4-BE49-F238E27FC236}">
+                <a16:creationId xmlns:a16="http://schemas.microsoft.com/office/drawing/2014/main" id="{AB089851-1F4E-404A-9A2E-4DE2D4BB1468}"/>
+              </a:ext>
+            </a:extLst>
+          </p:cNvPr>
+          <p:cNvSpPr txBox="1"/>
+          <p:nvPr/>
+        </p:nvSpPr>
+        <p:spPr>
+          <a:xfrm>
+            <a:off x="2099158" y="5451972"/>
+            <a:ext cx="2219624" cy="769441"/>
+          </a:xfrm>
+          <a:prstGeom prst="rect">
+            <a:avLst/>
+          </a:prstGeom>
+          <a:noFill/>
+        </p:spPr>
+        <p:txBody>
+          <a:bodyPr wrap="square" rtlCol="0">
+            <a:spAutoFit/>
+          </a:bodyPr>
+          <a:lstStyle/>
+          <a:p>
+            <a:r>
+              <a:rPr lang="it-IT" sz="2200" dirty="0" err="1"/>
+              <a:t>Rinominazione</a:t>
+            </a:r>
+            <a:r>
+              <a:rPr lang="it-IT" sz="2200" dirty="0"/>
+              <a:t> file temporaneo</a:t>
+            </a:r>
+          </a:p>
+        </p:txBody>
+      </p:sp>
+      <p:cxnSp>
+        <p:nvCxnSpPr>
+          <p:cNvPr id="42" name="Connettore 2 41">
+            <a:extLst>
+              <a:ext uri="{FF2B5EF4-FFF2-40B4-BE49-F238E27FC236}">
+                <a16:creationId xmlns:a16="http://schemas.microsoft.com/office/drawing/2014/main" id="{51D5F06E-4305-41A4-90A1-8A2665AE2EFD}"/>
+              </a:ext>
+            </a:extLst>
+          </p:cNvPr>
+          <p:cNvCxnSpPr>
+            <a:cxnSpLocks/>
+            <a:stCxn id="10" idx="3"/>
+          </p:cNvCxnSpPr>
+          <p:nvPr/>
+        </p:nvCxnSpPr>
+        <p:spPr>
+          <a:xfrm>
+            <a:off x="4318782" y="5836693"/>
+            <a:ext cx="848092" cy="0"/>
+          </a:xfrm>
+          <a:prstGeom prst="straightConnector1">
+            <a:avLst/>
+          </a:prstGeom>
+          <a:ln w="22225">
+            <a:solidFill>
+              <a:schemeClr val="tx2">
+                <a:lumMod val="60000"/>
+                <a:lumOff val="40000"/>
+              </a:schemeClr>
+            </a:solidFill>
+            <a:tailEnd type="triangle"/>
+          </a:ln>
+        </p:spPr>
+        <p:style>
+          <a:lnRef idx="1">
+            <a:schemeClr val="accent1"/>
+          </a:lnRef>
+          <a:fillRef idx="0">
+            <a:schemeClr val="accent1"/>
+          </a:fillRef>
+          <a:effectRef idx="0">
+            <a:schemeClr val="accent1"/>
+          </a:effectRef>
+          <a:fontRef idx="minor">
+            <a:schemeClr val="tx1"/>
+          </a:fontRef>
+        </p:style>
+      </p:cxnSp>
+      <p:sp>
+        <p:nvSpPr>
+          <p:cNvPr id="15" name="CasellaDiTesto 14">
+            <a:extLst>
+              <a:ext uri="{FF2B5EF4-FFF2-40B4-BE49-F238E27FC236}">
+                <a16:creationId xmlns:a16="http://schemas.microsoft.com/office/drawing/2014/main" id="{0AD493BA-3C65-41E7-8F83-374991F4C0BE}"/>
+              </a:ext>
+            </a:extLst>
+          </p:cNvPr>
+          <p:cNvSpPr txBox="1"/>
+          <p:nvPr/>
+        </p:nvSpPr>
+        <p:spPr>
+          <a:xfrm>
+            <a:off x="1230409" y="4874371"/>
+            <a:ext cx="3216659" cy="769441"/>
+          </a:xfrm>
+          <a:prstGeom prst="rect">
+            <a:avLst/>
+          </a:prstGeom>
+          <a:noFill/>
+        </p:spPr>
+        <p:txBody>
+          <a:bodyPr wrap="square" rtlCol="0">
+            <a:spAutoFit/>
+          </a:bodyPr>
+          <a:lstStyle/>
+          <a:p>
+            <a:r>
+              <a:rPr lang="it-IT" sz="2200" dirty="0"/>
+              <a:t>Ciclo per cercare le parole da eliminare</a:t>
+            </a:r>
+          </a:p>
+        </p:txBody>
+      </p:sp>
+      <p:cxnSp>
+        <p:nvCxnSpPr>
+          <p:cNvPr id="50" name="Connettore 2 49">
+            <a:extLst>
+              <a:ext uri="{FF2B5EF4-FFF2-40B4-BE49-F238E27FC236}">
+                <a16:creationId xmlns:a16="http://schemas.microsoft.com/office/drawing/2014/main" id="{F94C2D21-0B02-46C9-B96B-213FEEF1FFCC}"/>
+              </a:ext>
+            </a:extLst>
+          </p:cNvPr>
+          <p:cNvCxnSpPr>
+            <a:cxnSpLocks/>
+            <a:stCxn id="15" idx="3"/>
+            <a:endCxn id="9" idx="1"/>
+          </p:cNvCxnSpPr>
+          <p:nvPr/>
+        </p:nvCxnSpPr>
+        <p:spPr>
+          <a:xfrm flipV="1">
+            <a:off x="4447068" y="4352324"/>
+            <a:ext cx="821522" cy="906768"/>
+          </a:xfrm>
+          <a:prstGeom prst="straightConnector1">
+            <a:avLst/>
+          </a:prstGeom>
+          <a:ln w="22225">
+            <a:solidFill>
+              <a:schemeClr val="bg2">
+                <a:lumMod val="60000"/>
+                <a:lumOff val="40000"/>
+              </a:schemeClr>
+            </a:solidFill>
+            <a:tailEnd type="triangle"/>
+          </a:ln>
+        </p:spPr>
+        <p:style>
+          <a:lnRef idx="1">
+            <a:schemeClr val="accent1"/>
+          </a:lnRef>
+          <a:fillRef idx="0">
+            <a:schemeClr val="accent1"/>
+          </a:fillRef>
+          <a:effectRef idx="0">
+            <a:schemeClr val="accent1"/>
+          </a:effectRef>
+          <a:fontRef idx="minor">
+            <a:schemeClr val="tx1"/>
+          </a:fontRef>
+        </p:style>
+      </p:cxnSp>
+      <p:sp>
+        <p:nvSpPr>
+          <p:cNvPr id="22" name="CasellaDiTesto 21">
+            <a:extLst>
+              <a:ext uri="{FF2B5EF4-FFF2-40B4-BE49-F238E27FC236}">
+                <a16:creationId xmlns:a16="http://schemas.microsoft.com/office/drawing/2014/main" id="{C8C2C942-DB30-41B5-80D1-4F69EB4467F4}"/>
+              </a:ext>
+            </a:extLst>
+          </p:cNvPr>
+          <p:cNvSpPr txBox="1"/>
+          <p:nvPr/>
+        </p:nvSpPr>
+        <p:spPr>
+          <a:xfrm>
+            <a:off x="6971451" y="1279647"/>
+            <a:ext cx="3022278" cy="769441"/>
+          </a:xfrm>
+          <a:prstGeom prst="rect">
+            <a:avLst/>
+          </a:prstGeom>
+          <a:noFill/>
+        </p:spPr>
+        <p:txBody>
+          <a:bodyPr wrap="square" rtlCol="0">
+            <a:spAutoFit/>
+          </a:bodyPr>
+          <a:lstStyle/>
+          <a:p>
+            <a:r>
+              <a:rPr lang="it-IT" sz="2200" dirty="0"/>
+              <a:t>Accettazione richieste ed apertura file</a:t>
+            </a:r>
+          </a:p>
+        </p:txBody>
+      </p:sp>
+      <p:cxnSp>
+        <p:nvCxnSpPr>
+          <p:cNvPr id="78" name="Connettore 2 77">
+            <a:extLst>
+              <a:ext uri="{FF2B5EF4-FFF2-40B4-BE49-F238E27FC236}">
+                <a16:creationId xmlns:a16="http://schemas.microsoft.com/office/drawing/2014/main" id="{F280A597-649E-4253-BB24-F01C15A10991}"/>
+              </a:ext>
+            </a:extLst>
+          </p:cNvPr>
+          <p:cNvCxnSpPr>
+            <a:cxnSpLocks/>
+            <a:stCxn id="22" idx="1"/>
+          </p:cNvCxnSpPr>
+          <p:nvPr/>
+        </p:nvCxnSpPr>
+        <p:spPr>
+          <a:xfrm flipH="1">
+            <a:off x="6105524" y="1664368"/>
+            <a:ext cx="865927" cy="0"/>
+          </a:xfrm>
+          <a:prstGeom prst="straightConnector1">
+            <a:avLst/>
+          </a:prstGeom>
+          <a:ln w="22225">
+            <a:solidFill>
+              <a:schemeClr val="tx2">
+                <a:lumMod val="60000"/>
+                <a:lumOff val="40000"/>
+              </a:schemeClr>
+            </a:solidFill>
+            <a:tailEnd type="triangle"/>
+          </a:ln>
+        </p:spPr>
+        <p:style>
+          <a:lnRef idx="1">
+            <a:schemeClr val="accent1"/>
+          </a:lnRef>
+          <a:fillRef idx="0">
+            <a:schemeClr val="accent1"/>
+          </a:fillRef>
+          <a:effectRef idx="0">
+            <a:schemeClr val="accent1"/>
+          </a:effectRef>
+          <a:fontRef idx="minor">
+            <a:schemeClr val="tx1"/>
+          </a:fontRef>
+        </p:style>
+      </p:cxnSp>
+    </p:spTree>
+    <p:extLst>
+      <p:ext uri="{BB962C8B-B14F-4D97-AF65-F5344CB8AC3E}">
+        <p14:creationId xmlns:p14="http://schemas.microsoft.com/office/powerpoint/2010/main" val="478417283"/>
       </p:ext>
     </p:extLst>
   </p:cSld>
@@ -31988,7 +32579,7 @@
         </p:nvSpPr>
         <p:spPr>
           <a:xfrm>
-            <a:off x="3702106" y="643428"/>
+            <a:off x="3720050" y="160405"/>
             <a:ext cx="4842388" cy="1478570"/>
           </a:xfrm>
         </p:spPr>
@@ -34568,6 +35159,122 @@
             <a:r>
               <a:rPr lang="it-IT" noProof="0" dirty="0"/>
               <a:t>Università degli Studi di Bologna</a:t>
+            </a:r>
+          </a:p>
+        </p:txBody>
+      </p:sp>
+      <p:pic>
+        <p:nvPicPr>
+          <p:cNvPr id="14" name="Immagine 13">
+            <a:extLst>
+              <a:ext uri="{FF2B5EF4-FFF2-40B4-BE49-F238E27FC236}">
+                <a16:creationId xmlns:a16="http://schemas.microsoft.com/office/drawing/2014/main" id="{C0DED6BF-C5B8-43AB-B95B-0F8B16DC36AA}"/>
+              </a:ext>
+            </a:extLst>
+          </p:cNvPr>
+          <p:cNvPicPr>
+            <a:picLocks noChangeAspect="1"/>
+          </p:cNvPicPr>
+          <p:nvPr/>
+        </p:nvPicPr>
+        <p:blipFill>
+          <a:blip r:embed="rId3"/>
+          <a:stretch>
+            <a:fillRect/>
+          </a:stretch>
+        </p:blipFill>
+        <p:spPr>
+          <a:xfrm>
+            <a:off x="4670320" y="1760442"/>
+            <a:ext cx="7219974" cy="4273671"/>
+          </a:xfrm>
+          <a:prstGeom prst="roundRect">
+            <a:avLst>
+              <a:gd name="adj" fmla="val 2652"/>
+            </a:avLst>
+          </a:prstGeom>
+          <a:solidFill>
+            <a:srgbClr val="FFFFFF">
+              <a:shade val="85000"/>
+            </a:srgbClr>
+          </a:solidFill>
+          <a:ln>
+            <a:noFill/>
+          </a:ln>
+          <a:effectLst/>
+        </p:spPr>
+      </p:pic>
+      <p:sp>
+        <p:nvSpPr>
+          <p:cNvPr id="9" name="CasellaDiTesto 8">
+            <a:extLst>
+              <a:ext uri="{FF2B5EF4-FFF2-40B4-BE49-F238E27FC236}">
+                <a16:creationId xmlns:a16="http://schemas.microsoft.com/office/drawing/2014/main" id="{140DAD36-76C7-48CA-9408-6F988B992C1A}"/>
+              </a:ext>
+            </a:extLst>
+          </p:cNvPr>
+          <p:cNvSpPr txBox="1"/>
+          <p:nvPr/>
+        </p:nvSpPr>
+        <p:spPr>
+          <a:xfrm>
+            <a:off x="4626854" y="1790313"/>
+            <a:ext cx="1198179" cy="276999"/>
+          </a:xfrm>
+          <a:prstGeom prst="rect">
+            <a:avLst/>
+          </a:prstGeom>
+          <a:noFill/>
+        </p:spPr>
+        <p:txBody>
+          <a:bodyPr wrap="square" rtlCol="0">
+            <a:spAutoFit/>
+          </a:bodyPr>
+          <a:lstStyle/>
+          <a:p>
+            <a:r>
+              <a:rPr lang="it-IT" sz="1200" dirty="0"/>
+              <a:t>Tempo </a:t>
+            </a:r>
+            <a:r>
+              <a:rPr lang="it-IT" sz="1200" dirty="0" err="1"/>
+              <a:t>ms</a:t>
+            </a:r>
+            <a:endParaRPr lang="it-IT" sz="1200" dirty="0"/>
+          </a:p>
+        </p:txBody>
+      </p:sp>
+      <p:sp>
+        <p:nvSpPr>
+          <p:cNvPr id="10" name="CasellaDiTesto 9">
+            <a:extLst>
+              <a:ext uri="{FF2B5EF4-FFF2-40B4-BE49-F238E27FC236}">
+                <a16:creationId xmlns:a16="http://schemas.microsoft.com/office/drawing/2014/main" id="{892D9064-CF40-4418-A788-CBCADB4B88BE}"/>
+              </a:ext>
+            </a:extLst>
+          </p:cNvPr>
+          <p:cNvSpPr txBox="1"/>
+          <p:nvPr/>
+        </p:nvSpPr>
+        <p:spPr>
+          <a:xfrm>
+            <a:off x="11786858" y="5768154"/>
+            <a:ext cx="515007" cy="276999"/>
+          </a:xfrm>
+          <a:prstGeom prst="rect">
+            <a:avLst/>
+          </a:prstGeom>
+          <a:noFill/>
+        </p:spPr>
+        <p:txBody>
+          <a:bodyPr wrap="square" rtlCol="0">
+            <a:spAutoFit/>
+          </a:bodyPr>
+          <a:lstStyle/>
+          <a:p>
+            <a:r>
+              <a:rPr lang="it-IT" sz="1200" dirty="0"/>
+              <a:t>byte</a:t>
             </a:r>
           </a:p>
         </p:txBody>

--- a/Esercitazione_4/esercitazione4.pptx
+++ b/Esercitazione_4/esercitazione4.pptx
@@ -738,7 +738,7 @@
           <a:noFill/>
           <a:extLst>
             <a:ext uri="{909E8E84-426E-40dd-AFC4-6F175D3DCCD1}">
-              <a14:hiddenFill xmlns:a14="http://schemas.microsoft.com/office/drawing/2010/main" xmlns="">
+              <a14:hiddenFill xmlns="" xmlns:a14="http://schemas.microsoft.com/office/drawing/2010/main">
                 <a:solidFill>
                   <a:srgbClr val="FFFFFF"/>
                 </a:solidFill>
@@ -798,7 +798,7 @@
             </a:ln>
             <a:extLst>
               <a:ext uri="{91240B29-F687-4f45-9708-019B960494DF}">
-                <a14:hiddenLine xmlns:a14="http://schemas.microsoft.com/office/drawing/2010/main" xmlns="" w="9525">
+                <a14:hiddenLine xmlns="" xmlns:a14="http://schemas.microsoft.com/office/drawing/2010/main" w="9525">
                   <a:solidFill>
                     <a:srgbClr val="000000"/>
                   </a:solidFill>
@@ -888,7 +888,7 @@
             </a:ln>
             <a:extLst>
               <a:ext uri="{91240B29-F687-4f45-9708-019B960494DF}">
-                <a14:hiddenLine xmlns:a14="http://schemas.microsoft.com/office/drawing/2010/main" xmlns="" w="9525">
+                <a14:hiddenLine xmlns="" xmlns:a14="http://schemas.microsoft.com/office/drawing/2010/main" w="9525">
                   <a:solidFill>
                     <a:srgbClr val="000000"/>
                   </a:solidFill>
@@ -978,7 +978,7 @@
             </a:ln>
             <a:extLst>
               <a:ext uri="{91240B29-F687-4f45-9708-019B960494DF}">
-                <a14:hiddenLine xmlns:a14="http://schemas.microsoft.com/office/drawing/2010/main" xmlns="" w="9525">
+                <a14:hiddenLine xmlns="" xmlns:a14="http://schemas.microsoft.com/office/drawing/2010/main" w="9525">
                   <a:solidFill>
                     <a:srgbClr val="000000"/>
                   </a:solidFill>
@@ -1012,7 +1012,7 @@
             </a:ln>
             <a:extLst>
               <a:ext uri="{91240B29-F687-4f45-9708-019B960494DF}">
-                <a14:hiddenLine xmlns:a14="http://schemas.microsoft.com/office/drawing/2010/main" xmlns="" w="9525">
+                <a14:hiddenLine xmlns="" xmlns:a14="http://schemas.microsoft.com/office/drawing/2010/main" w="9525">
                   <a:solidFill>
                     <a:srgbClr val="000000"/>
                   </a:solidFill>
@@ -1102,7 +1102,7 @@
             </a:ln>
             <a:extLst>
               <a:ext uri="{91240B29-F687-4f45-9708-019B960494DF}">
-                <a14:hiddenLine xmlns:a14="http://schemas.microsoft.com/office/drawing/2010/main" xmlns="" w="9525">
+                <a14:hiddenLine xmlns="" xmlns:a14="http://schemas.microsoft.com/office/drawing/2010/main" w="9525">
                   <a:solidFill>
                     <a:srgbClr val="000000"/>
                   </a:solidFill>
@@ -1164,7 +1164,7 @@
             </a:ln>
             <a:extLst>
               <a:ext uri="{91240B29-F687-4f45-9708-019B960494DF}">
-                <a14:hiddenLine xmlns:a14="http://schemas.microsoft.com/office/drawing/2010/main" xmlns="" w="9525">
+                <a14:hiddenLine xmlns="" xmlns:a14="http://schemas.microsoft.com/office/drawing/2010/main" w="9525">
                   <a:solidFill>
                     <a:srgbClr val="000000"/>
                   </a:solidFill>
@@ -1226,7 +1226,7 @@
             </a:ln>
             <a:extLst>
               <a:ext uri="{91240B29-F687-4f45-9708-019B960494DF}">
-                <a14:hiddenLine xmlns:a14="http://schemas.microsoft.com/office/drawing/2010/main" xmlns="" w="9525">
+                <a14:hiddenLine xmlns="" xmlns:a14="http://schemas.microsoft.com/office/drawing/2010/main" w="9525">
                   <a:solidFill>
                     <a:srgbClr val="000000"/>
                   </a:solidFill>
@@ -1316,7 +1316,7 @@
             </a:ln>
             <a:extLst>
               <a:ext uri="{91240B29-F687-4f45-9708-019B960494DF}">
-                <a14:hiddenLine xmlns:a14="http://schemas.microsoft.com/office/drawing/2010/main" xmlns="" w="9525">
+                <a14:hiddenLine xmlns="" xmlns:a14="http://schemas.microsoft.com/office/drawing/2010/main" w="9525">
                   <a:solidFill>
                     <a:srgbClr val="000000"/>
                   </a:solidFill>
@@ -1378,7 +1378,7 @@
             </a:ln>
             <a:extLst>
               <a:ext uri="{91240B29-F687-4f45-9708-019B960494DF}">
-                <a14:hiddenLine xmlns:a14="http://schemas.microsoft.com/office/drawing/2010/main" xmlns="" w="9525">
+                <a14:hiddenLine xmlns="" xmlns:a14="http://schemas.microsoft.com/office/drawing/2010/main" w="9525">
                   <a:solidFill>
                     <a:srgbClr val="000000"/>
                   </a:solidFill>
@@ -1440,7 +1440,7 @@
             </a:ln>
             <a:extLst>
               <a:ext uri="{91240B29-F687-4f45-9708-019B960494DF}">
-                <a14:hiddenLine xmlns:a14="http://schemas.microsoft.com/office/drawing/2010/main" xmlns="" w="9525">
+                <a14:hiddenLine xmlns="" xmlns:a14="http://schemas.microsoft.com/office/drawing/2010/main" w="9525">
                   <a:solidFill>
                     <a:srgbClr val="000000"/>
                   </a:solidFill>
@@ -1530,7 +1530,7 @@
             </a:ln>
             <a:extLst>
               <a:ext uri="{91240B29-F687-4f45-9708-019B960494DF}">
-                <a14:hiddenLine xmlns:a14="http://schemas.microsoft.com/office/drawing/2010/main" xmlns="" w="9525">
+                <a14:hiddenLine xmlns="" xmlns:a14="http://schemas.microsoft.com/office/drawing/2010/main" w="9525">
                   <a:solidFill>
                     <a:srgbClr val="000000"/>
                   </a:solidFill>
@@ -1620,7 +1620,7 @@
             </a:ln>
             <a:extLst>
               <a:ext uri="{91240B29-F687-4f45-9708-019B960494DF}">
-                <a14:hiddenLine xmlns:a14="http://schemas.microsoft.com/office/drawing/2010/main" xmlns="" w="9525">
+                <a14:hiddenLine xmlns="" xmlns:a14="http://schemas.microsoft.com/office/drawing/2010/main" w="9525">
                   <a:solidFill>
                     <a:srgbClr val="000000"/>
                   </a:solidFill>
@@ -1682,7 +1682,7 @@
             </a:ln>
             <a:extLst>
               <a:ext uri="{91240B29-F687-4f45-9708-019B960494DF}">
-                <a14:hiddenLine xmlns:a14="http://schemas.microsoft.com/office/drawing/2010/main" xmlns="" w="9525">
+                <a14:hiddenLine xmlns="" xmlns:a14="http://schemas.microsoft.com/office/drawing/2010/main" w="9525">
                   <a:solidFill>
                     <a:srgbClr val="000000"/>
                   </a:solidFill>
@@ -1792,7 +1792,7 @@
             </a:ln>
             <a:extLst>
               <a:ext uri="{91240B29-F687-4f45-9708-019B960494DF}">
-                <a14:hiddenLine xmlns:a14="http://schemas.microsoft.com/office/drawing/2010/main" xmlns="" w="9525">
+                <a14:hiddenLine xmlns="" xmlns:a14="http://schemas.microsoft.com/office/drawing/2010/main" w="9525">
                   <a:solidFill>
                     <a:srgbClr val="000000"/>
                   </a:solidFill>
@@ -1854,7 +1854,7 @@
             </a:ln>
             <a:extLst>
               <a:ext uri="{91240B29-F687-4f45-9708-019B960494DF}">
-                <a14:hiddenLine xmlns:a14="http://schemas.microsoft.com/office/drawing/2010/main" xmlns="" w="9525">
+                <a14:hiddenLine xmlns="" xmlns:a14="http://schemas.microsoft.com/office/drawing/2010/main" w="9525">
                   <a:solidFill>
                     <a:srgbClr val="000000"/>
                   </a:solidFill>
@@ -1944,7 +1944,7 @@
             </a:ln>
             <a:extLst>
               <a:ext uri="{91240B29-F687-4f45-9708-019B960494DF}">
-                <a14:hiddenLine xmlns:a14="http://schemas.microsoft.com/office/drawing/2010/main" xmlns="" w="9525">
+                <a14:hiddenLine xmlns="" xmlns:a14="http://schemas.microsoft.com/office/drawing/2010/main" w="9525">
                   <a:solidFill>
                     <a:srgbClr val="000000"/>
                   </a:solidFill>
@@ -2034,7 +2034,7 @@
             </a:ln>
             <a:extLst>
               <a:ext uri="{91240B29-F687-4f45-9708-019B960494DF}">
-                <a14:hiddenLine xmlns:a14="http://schemas.microsoft.com/office/drawing/2010/main" xmlns="" w="9525">
+                <a14:hiddenLine xmlns="" xmlns:a14="http://schemas.microsoft.com/office/drawing/2010/main" w="9525">
                   <a:solidFill>
                     <a:srgbClr val="000000"/>
                   </a:solidFill>
@@ -2096,7 +2096,7 @@
             </a:ln>
             <a:extLst>
               <a:ext uri="{91240B29-F687-4f45-9708-019B960494DF}">
-                <a14:hiddenLine xmlns:a14="http://schemas.microsoft.com/office/drawing/2010/main" xmlns="" w="9525">
+                <a14:hiddenLine xmlns="" xmlns:a14="http://schemas.microsoft.com/office/drawing/2010/main" w="9525">
                   <a:solidFill>
                     <a:srgbClr val="000000"/>
                   </a:solidFill>
@@ -2186,7 +2186,7 @@
             </a:ln>
             <a:extLst>
               <a:ext uri="{91240B29-F687-4f45-9708-019B960494DF}">
-                <a14:hiddenLine xmlns:a14="http://schemas.microsoft.com/office/drawing/2010/main" xmlns="" w="9525">
+                <a14:hiddenLine xmlns="" xmlns:a14="http://schemas.microsoft.com/office/drawing/2010/main" w="9525">
                   <a:solidFill>
                     <a:srgbClr val="000000"/>
                   </a:solidFill>
@@ -2276,7 +2276,7 @@
             </a:ln>
             <a:extLst>
               <a:ext uri="{91240B29-F687-4f45-9708-019B960494DF}">
-                <a14:hiddenLine xmlns:a14="http://schemas.microsoft.com/office/drawing/2010/main" xmlns="" w="9525">
+                <a14:hiddenLine xmlns="" xmlns:a14="http://schemas.microsoft.com/office/drawing/2010/main" w="9525">
                   <a:solidFill>
                     <a:srgbClr val="000000"/>
                   </a:solidFill>
@@ -2332,7 +2332,7 @@
             </a:ln>
             <a:extLst>
               <a:ext uri="{91240B29-F687-4f45-9708-019B960494DF}">
-                <a14:hiddenLine xmlns:a14="http://schemas.microsoft.com/office/drawing/2010/main" xmlns="" w="9525">
+                <a14:hiddenLine xmlns="" xmlns:a14="http://schemas.microsoft.com/office/drawing/2010/main" w="9525">
                   <a:solidFill>
                     <a:srgbClr val="000000"/>
                   </a:solidFill>
@@ -2422,7 +2422,7 @@
             </a:ln>
             <a:extLst>
               <a:ext uri="{91240B29-F687-4f45-9708-019B960494DF}">
-                <a14:hiddenLine xmlns:a14="http://schemas.microsoft.com/office/drawing/2010/main" xmlns="" w="9525">
+                <a14:hiddenLine xmlns="" xmlns:a14="http://schemas.microsoft.com/office/drawing/2010/main" w="9525">
                   <a:solidFill>
                     <a:srgbClr val="000000"/>
                   </a:solidFill>
@@ -2478,7 +2478,7 @@
             </a:ln>
             <a:extLst>
               <a:ext uri="{91240B29-F687-4f45-9708-019B960494DF}">
-                <a14:hiddenLine xmlns:a14="http://schemas.microsoft.com/office/drawing/2010/main" xmlns="" w="9525">
+                <a14:hiddenLine xmlns="" xmlns:a14="http://schemas.microsoft.com/office/drawing/2010/main" w="9525">
                   <a:solidFill>
                     <a:srgbClr val="000000"/>
                   </a:solidFill>
@@ -2568,7 +2568,7 @@
             </a:ln>
             <a:extLst>
               <a:ext uri="{91240B29-F687-4f45-9708-019B960494DF}">
-                <a14:hiddenLine xmlns:a14="http://schemas.microsoft.com/office/drawing/2010/main" xmlns="" w="9525">
+                <a14:hiddenLine xmlns="" xmlns:a14="http://schemas.microsoft.com/office/drawing/2010/main" w="9525">
                   <a:solidFill>
                     <a:srgbClr val="000000"/>
                   </a:solidFill>
@@ -2636,7 +2636,7 @@
             </a:ln>
             <a:extLst>
               <a:ext uri="{91240B29-F687-4f45-9708-019B960494DF}">
-                <a14:hiddenLine xmlns:a14="http://schemas.microsoft.com/office/drawing/2010/main" xmlns="" w="9525">
+                <a14:hiddenLine xmlns="" xmlns:a14="http://schemas.microsoft.com/office/drawing/2010/main" w="9525">
                   <a:solidFill>
                     <a:srgbClr val="000000"/>
                   </a:solidFill>
@@ -2726,7 +2726,7 @@
             </a:ln>
             <a:extLst>
               <a:ext uri="{91240B29-F687-4f45-9708-019B960494DF}">
-                <a14:hiddenLine xmlns:a14="http://schemas.microsoft.com/office/drawing/2010/main" xmlns="" w="9525">
+                <a14:hiddenLine xmlns="" xmlns:a14="http://schemas.microsoft.com/office/drawing/2010/main" w="9525">
                   <a:solidFill>
                     <a:srgbClr val="000000"/>
                   </a:solidFill>
@@ -2794,7 +2794,7 @@
             </a:ln>
             <a:extLst>
               <a:ext uri="{91240B29-F687-4f45-9708-019B960494DF}">
-                <a14:hiddenLine xmlns:a14="http://schemas.microsoft.com/office/drawing/2010/main" xmlns="" w="9525">
+                <a14:hiddenLine xmlns="" xmlns:a14="http://schemas.microsoft.com/office/drawing/2010/main" w="9525">
                   <a:solidFill>
                     <a:srgbClr val="000000"/>
                   </a:solidFill>
@@ -2884,7 +2884,7 @@
             </a:ln>
             <a:extLst>
               <a:ext uri="{91240B29-F687-4f45-9708-019B960494DF}">
-                <a14:hiddenLine xmlns:a14="http://schemas.microsoft.com/office/drawing/2010/main" xmlns="" w="9525">
+                <a14:hiddenLine xmlns="" xmlns:a14="http://schemas.microsoft.com/office/drawing/2010/main" w="9525">
                   <a:solidFill>
                     <a:srgbClr val="000000"/>
                   </a:solidFill>
@@ -2918,7 +2918,7 @@
             </a:ln>
             <a:extLst>
               <a:ext uri="{91240B29-F687-4f45-9708-019B960494DF}">
-                <a14:hiddenLine xmlns:a14="http://schemas.microsoft.com/office/drawing/2010/main" xmlns="" w="9525">
+                <a14:hiddenLine xmlns="" xmlns:a14="http://schemas.microsoft.com/office/drawing/2010/main" w="9525">
                   <a:solidFill>
                     <a:srgbClr val="000000"/>
                   </a:solidFill>
@@ -3008,7 +3008,7 @@
             </a:ln>
             <a:extLst>
               <a:ext uri="{91240B29-F687-4f45-9708-019B960494DF}">
-                <a14:hiddenLine xmlns:a14="http://schemas.microsoft.com/office/drawing/2010/main" xmlns="" w="9525">
+                <a14:hiddenLine xmlns="" xmlns:a14="http://schemas.microsoft.com/office/drawing/2010/main" w="9525">
                   <a:solidFill>
                     <a:srgbClr val="000000"/>
                   </a:solidFill>
@@ -3070,7 +3070,7 @@
             </a:ln>
             <a:extLst>
               <a:ext uri="{91240B29-F687-4f45-9708-019B960494DF}">
-                <a14:hiddenLine xmlns:a14="http://schemas.microsoft.com/office/drawing/2010/main" xmlns="" w="9525">
+                <a14:hiddenLine xmlns="" xmlns:a14="http://schemas.microsoft.com/office/drawing/2010/main" w="9525">
                   <a:solidFill>
                     <a:srgbClr val="000000"/>
                   </a:solidFill>
@@ -3132,7 +3132,7 @@
             </a:ln>
             <a:extLst>
               <a:ext uri="{91240B29-F687-4f45-9708-019B960494DF}">
-                <a14:hiddenLine xmlns:a14="http://schemas.microsoft.com/office/drawing/2010/main" xmlns="" w="9525">
+                <a14:hiddenLine xmlns="" xmlns:a14="http://schemas.microsoft.com/office/drawing/2010/main" w="9525">
                   <a:solidFill>
                     <a:srgbClr val="000000"/>
                   </a:solidFill>
@@ -3222,7 +3222,7 @@
             </a:ln>
             <a:extLst>
               <a:ext uri="{91240B29-F687-4f45-9708-019B960494DF}">
-                <a14:hiddenLine xmlns:a14="http://schemas.microsoft.com/office/drawing/2010/main" xmlns="" w="9525">
+                <a14:hiddenLine xmlns="" xmlns:a14="http://schemas.microsoft.com/office/drawing/2010/main" w="9525">
                   <a:solidFill>
                     <a:srgbClr val="000000"/>
                   </a:solidFill>
@@ -3290,7 +3290,7 @@
             </a:ln>
             <a:extLst>
               <a:ext uri="{91240B29-F687-4f45-9708-019B960494DF}">
-                <a14:hiddenLine xmlns:a14="http://schemas.microsoft.com/office/drawing/2010/main" xmlns="" w="9525">
+                <a14:hiddenLine xmlns="" xmlns:a14="http://schemas.microsoft.com/office/drawing/2010/main" w="9525">
                   <a:solidFill>
                     <a:srgbClr val="000000"/>
                   </a:solidFill>
@@ -3352,7 +3352,7 @@
             </a:ln>
             <a:extLst>
               <a:ext uri="{91240B29-F687-4f45-9708-019B960494DF}">
-                <a14:hiddenLine xmlns:a14="http://schemas.microsoft.com/office/drawing/2010/main" xmlns="" w="9525">
+                <a14:hiddenLine xmlns="" xmlns:a14="http://schemas.microsoft.com/office/drawing/2010/main" w="9525">
                   <a:solidFill>
                     <a:srgbClr val="000000"/>
                   </a:solidFill>
@@ -3442,7 +3442,7 @@
             </a:ln>
             <a:extLst>
               <a:ext uri="{91240B29-F687-4f45-9708-019B960494DF}">
-                <a14:hiddenLine xmlns:a14="http://schemas.microsoft.com/office/drawing/2010/main" xmlns="" w="9525">
+                <a14:hiddenLine xmlns="" xmlns:a14="http://schemas.microsoft.com/office/drawing/2010/main" w="9525">
                   <a:solidFill>
                     <a:srgbClr val="000000"/>
                   </a:solidFill>
@@ -3504,7 +3504,7 @@
             </a:ln>
             <a:extLst>
               <a:ext uri="{91240B29-F687-4f45-9708-019B960494DF}">
-                <a14:hiddenLine xmlns:a14="http://schemas.microsoft.com/office/drawing/2010/main" xmlns="" w="9525">
+                <a14:hiddenLine xmlns="" xmlns:a14="http://schemas.microsoft.com/office/drawing/2010/main" w="9525">
                   <a:solidFill>
                     <a:srgbClr val="000000"/>
                   </a:solidFill>
@@ -3594,7 +3594,7 @@
             </a:ln>
             <a:extLst>
               <a:ext uri="{91240B29-F687-4f45-9708-019B960494DF}">
-                <a14:hiddenLine xmlns:a14="http://schemas.microsoft.com/office/drawing/2010/main" xmlns="" w="9525">
+                <a14:hiddenLine xmlns="" xmlns:a14="http://schemas.microsoft.com/office/drawing/2010/main" w="9525">
                   <a:solidFill>
                     <a:srgbClr val="000000"/>
                   </a:solidFill>
@@ -3656,7 +3656,7 @@
             </a:ln>
             <a:extLst>
               <a:ext uri="{91240B29-F687-4f45-9708-019B960494DF}">
-                <a14:hiddenLine xmlns:a14="http://schemas.microsoft.com/office/drawing/2010/main" xmlns="" w="9525">
+                <a14:hiddenLine xmlns="" xmlns:a14="http://schemas.microsoft.com/office/drawing/2010/main" w="9525">
                   <a:solidFill>
                     <a:srgbClr val="000000"/>
                   </a:solidFill>
@@ -3746,7 +3746,7 @@
             </a:ln>
             <a:extLst>
               <a:ext uri="{91240B29-F687-4f45-9708-019B960494DF}">
-                <a14:hiddenLine xmlns:a14="http://schemas.microsoft.com/office/drawing/2010/main" xmlns="" w="9525">
+                <a14:hiddenLine xmlns="" xmlns:a14="http://schemas.microsoft.com/office/drawing/2010/main" w="9525">
                   <a:solidFill>
                     <a:srgbClr val="000000"/>
                   </a:solidFill>
@@ -3780,7 +3780,7 @@
             </a:ln>
             <a:extLst>
               <a:ext uri="{91240B29-F687-4f45-9708-019B960494DF}">
-                <a14:hiddenLine xmlns:a14="http://schemas.microsoft.com/office/drawing/2010/main" xmlns="" w="9525">
+                <a14:hiddenLine xmlns="" xmlns:a14="http://schemas.microsoft.com/office/drawing/2010/main" w="9525">
                   <a:solidFill>
                     <a:srgbClr val="000000"/>
                   </a:solidFill>
@@ -3845,7 +3845,7 @@
             </a:ln>
             <a:extLst>
               <a:ext uri="{91240B29-F687-4f45-9708-019B960494DF}">
-                <a14:hiddenLine xmlns:a14="http://schemas.microsoft.com/office/drawing/2010/main" xmlns="" w="9525">
+                <a14:hiddenLine xmlns="" xmlns:a14="http://schemas.microsoft.com/office/drawing/2010/main" w="9525">
                   <a:solidFill>
                     <a:srgbClr val="000000"/>
                   </a:solidFill>
@@ -3935,7 +3935,7 @@
             </a:ln>
             <a:extLst>
               <a:ext uri="{91240B29-F687-4f45-9708-019B960494DF}">
-                <a14:hiddenLine xmlns:a14="http://schemas.microsoft.com/office/drawing/2010/main" xmlns="" w="9525">
+                <a14:hiddenLine xmlns="" xmlns:a14="http://schemas.microsoft.com/office/drawing/2010/main" w="9525">
                   <a:solidFill>
                     <a:srgbClr val="000000"/>
                   </a:solidFill>
@@ -3997,7 +3997,7 @@
             </a:ln>
             <a:extLst>
               <a:ext uri="{91240B29-F687-4f45-9708-019B960494DF}">
-                <a14:hiddenLine xmlns:a14="http://schemas.microsoft.com/office/drawing/2010/main" xmlns="" w="9525">
+                <a14:hiddenLine xmlns="" xmlns:a14="http://schemas.microsoft.com/office/drawing/2010/main" w="9525">
                   <a:solidFill>
                     <a:srgbClr val="000000"/>
                   </a:solidFill>
@@ -4087,7 +4087,7 @@
             </a:ln>
             <a:extLst>
               <a:ext uri="{91240B29-F687-4f45-9708-019B960494DF}">
-                <a14:hiddenLine xmlns:a14="http://schemas.microsoft.com/office/drawing/2010/main" xmlns="" w="9525">
+                <a14:hiddenLine xmlns="" xmlns:a14="http://schemas.microsoft.com/office/drawing/2010/main" w="9525">
                   <a:solidFill>
                     <a:srgbClr val="000000"/>
                   </a:solidFill>
@@ -4177,7 +4177,7 @@
             </a:ln>
             <a:extLst>
               <a:ext uri="{91240B29-F687-4f45-9708-019B960494DF}">
-                <a14:hiddenLine xmlns:a14="http://schemas.microsoft.com/office/drawing/2010/main" xmlns="" w="9525">
+                <a14:hiddenLine xmlns="" xmlns:a14="http://schemas.microsoft.com/office/drawing/2010/main" w="9525">
                   <a:solidFill>
                     <a:srgbClr val="000000"/>
                   </a:solidFill>
@@ -4242,7 +4242,7 @@
             </a:ln>
             <a:extLst>
               <a:ext uri="{91240B29-F687-4f45-9708-019B960494DF}">
-                <a14:hiddenLine xmlns:a14="http://schemas.microsoft.com/office/drawing/2010/main" xmlns="" w="9525">
+                <a14:hiddenLine xmlns="" xmlns:a14="http://schemas.microsoft.com/office/drawing/2010/main" w="9525">
                   <a:solidFill>
                     <a:srgbClr val="000000"/>
                   </a:solidFill>
@@ -4304,7 +4304,7 @@
             </a:ln>
             <a:extLst>
               <a:ext uri="{91240B29-F687-4f45-9708-019B960494DF}">
-                <a14:hiddenLine xmlns:a14="http://schemas.microsoft.com/office/drawing/2010/main" xmlns="" w="9525">
+                <a14:hiddenLine xmlns="" xmlns:a14="http://schemas.microsoft.com/office/drawing/2010/main" w="9525">
                   <a:solidFill>
                     <a:srgbClr val="000000"/>
                   </a:solidFill>
@@ -4394,7 +4394,7 @@
             </a:ln>
             <a:extLst>
               <a:ext uri="{91240B29-F687-4f45-9708-019B960494DF}">
-                <a14:hiddenLine xmlns:a14="http://schemas.microsoft.com/office/drawing/2010/main" xmlns="" w="9525">
+                <a14:hiddenLine xmlns="" xmlns:a14="http://schemas.microsoft.com/office/drawing/2010/main" w="9525">
                   <a:solidFill>
                     <a:srgbClr val="000000"/>
                   </a:solidFill>
@@ -4484,7 +4484,7 @@
             </a:ln>
             <a:extLst>
               <a:ext uri="{91240B29-F687-4f45-9708-019B960494DF}">
-                <a14:hiddenLine xmlns:a14="http://schemas.microsoft.com/office/drawing/2010/main" xmlns="" w="9525">
+                <a14:hiddenLine xmlns="" xmlns:a14="http://schemas.microsoft.com/office/drawing/2010/main" w="9525">
                   <a:solidFill>
                     <a:srgbClr val="000000"/>
                   </a:solidFill>
@@ -4546,7 +4546,7 @@
             </a:ln>
             <a:extLst>
               <a:ext uri="{91240B29-F687-4f45-9708-019B960494DF}">
-                <a14:hiddenLine xmlns:a14="http://schemas.microsoft.com/office/drawing/2010/main" xmlns="" w="9525">
+                <a14:hiddenLine xmlns="" xmlns:a14="http://schemas.microsoft.com/office/drawing/2010/main" w="9525">
                   <a:solidFill>
                     <a:srgbClr val="000000"/>
                   </a:solidFill>
@@ -4666,7 +4666,7 @@
             </a:ln>
             <a:extLst>
               <a:ext uri="{91240B29-F687-4f45-9708-019B960494DF}">
-                <a14:hiddenLine xmlns:a14="http://schemas.microsoft.com/office/drawing/2010/main" xmlns="" w="9525">
+                <a14:hiddenLine xmlns="" xmlns:a14="http://schemas.microsoft.com/office/drawing/2010/main" w="9525">
                   <a:solidFill>
                     <a:srgbClr val="000000"/>
                   </a:solidFill>
@@ -4734,7 +4734,7 @@
             </a:ln>
             <a:extLst>
               <a:ext uri="{91240B29-F687-4f45-9708-019B960494DF}">
-                <a14:hiddenLine xmlns:a14="http://schemas.microsoft.com/office/drawing/2010/main" xmlns="" w="9525">
+                <a14:hiddenLine xmlns="" xmlns:a14="http://schemas.microsoft.com/office/drawing/2010/main" w="9525">
                   <a:solidFill>
                     <a:srgbClr val="000000"/>
                   </a:solidFill>
@@ -4824,7 +4824,7 @@
             </a:ln>
             <a:extLst>
               <a:ext uri="{91240B29-F687-4f45-9708-019B960494DF}">
-                <a14:hiddenLine xmlns:a14="http://schemas.microsoft.com/office/drawing/2010/main" xmlns="" w="9525">
+                <a14:hiddenLine xmlns="" xmlns:a14="http://schemas.microsoft.com/office/drawing/2010/main" w="9525">
                   <a:solidFill>
                     <a:srgbClr val="000000"/>
                   </a:solidFill>
@@ -9729,7 +9729,7 @@
           <a:noFill/>
           <a:extLst>
             <a:ext uri="{909E8E84-426E-40dd-AFC4-6F175D3DCCD1}">
-              <a14:hiddenFill xmlns:a14="http://schemas.microsoft.com/office/drawing/2010/main" xmlns="">
+              <a14:hiddenFill xmlns="" xmlns:a14="http://schemas.microsoft.com/office/drawing/2010/main">
                 <a:solidFill>
                   <a:srgbClr val="FFFFFF"/>
                 </a:solidFill>
@@ -9803,7 +9803,7 @@
               </a:ln>
               <a:extLst>
                 <a:ext uri="{91240B29-F687-4f45-9708-019B960494DF}">
-                  <a14:hiddenLine xmlns:a14="http://schemas.microsoft.com/office/drawing/2010/main" xmlns="" w="9525">
+                  <a14:hiddenLine xmlns="" xmlns:a14="http://schemas.microsoft.com/office/drawing/2010/main" w="9525">
                     <a:solidFill>
                       <a:srgbClr val="000000"/>
                     </a:solidFill>
@@ -9893,7 +9893,7 @@
               </a:ln>
               <a:extLst>
                 <a:ext uri="{91240B29-F687-4f45-9708-019B960494DF}">
-                  <a14:hiddenLine xmlns:a14="http://schemas.microsoft.com/office/drawing/2010/main" xmlns="" w="9525">
+                  <a14:hiddenLine xmlns="" xmlns:a14="http://schemas.microsoft.com/office/drawing/2010/main" w="9525">
                     <a:solidFill>
                       <a:srgbClr val="000000"/>
                     </a:solidFill>
@@ -9983,7 +9983,7 @@
               </a:ln>
               <a:extLst>
                 <a:ext uri="{91240B29-F687-4f45-9708-019B960494DF}">
-                  <a14:hiddenLine xmlns:a14="http://schemas.microsoft.com/office/drawing/2010/main" xmlns="" w="9525">
+                  <a14:hiddenLine xmlns="" xmlns:a14="http://schemas.microsoft.com/office/drawing/2010/main" w="9525">
                     <a:solidFill>
                       <a:srgbClr val="000000"/>
                     </a:solidFill>
@@ -10045,7 +10045,7 @@
               </a:ln>
               <a:extLst>
                 <a:ext uri="{91240B29-F687-4f45-9708-019B960494DF}">
-                  <a14:hiddenLine xmlns:a14="http://schemas.microsoft.com/office/drawing/2010/main" xmlns="" w="9525">
+                  <a14:hiddenLine xmlns="" xmlns:a14="http://schemas.microsoft.com/office/drawing/2010/main" w="9525">
                     <a:solidFill>
                       <a:srgbClr val="000000"/>
                     </a:solidFill>
@@ -10135,7 +10135,7 @@
               </a:ln>
               <a:extLst>
                 <a:ext uri="{91240B29-F687-4f45-9708-019B960494DF}">
-                  <a14:hiddenLine xmlns:a14="http://schemas.microsoft.com/office/drawing/2010/main" xmlns="" w="9525">
+                  <a14:hiddenLine xmlns="" xmlns:a14="http://schemas.microsoft.com/office/drawing/2010/main" w="9525">
                     <a:solidFill>
                       <a:srgbClr val="000000"/>
                     </a:solidFill>
@@ -10197,7 +10197,7 @@
               </a:ln>
               <a:extLst>
                 <a:ext uri="{91240B29-F687-4f45-9708-019B960494DF}">
-                  <a14:hiddenLine xmlns:a14="http://schemas.microsoft.com/office/drawing/2010/main" xmlns="" w="9525">
+                  <a14:hiddenLine xmlns="" xmlns:a14="http://schemas.microsoft.com/office/drawing/2010/main" w="9525">
                     <a:solidFill>
                       <a:srgbClr val="000000"/>
                     </a:solidFill>
@@ -10259,7 +10259,7 @@
               </a:ln>
               <a:extLst>
                 <a:ext uri="{91240B29-F687-4f45-9708-019B960494DF}">
-                  <a14:hiddenLine xmlns:a14="http://schemas.microsoft.com/office/drawing/2010/main" xmlns="" w="9525">
+                  <a14:hiddenLine xmlns="" xmlns:a14="http://schemas.microsoft.com/office/drawing/2010/main" w="9525">
                     <a:solidFill>
                       <a:srgbClr val="000000"/>
                     </a:solidFill>
@@ -10349,7 +10349,7 @@
               </a:ln>
               <a:extLst>
                 <a:ext uri="{91240B29-F687-4f45-9708-019B960494DF}">
-                  <a14:hiddenLine xmlns:a14="http://schemas.microsoft.com/office/drawing/2010/main" xmlns="" w="9525">
+                  <a14:hiddenLine xmlns="" xmlns:a14="http://schemas.microsoft.com/office/drawing/2010/main" w="9525">
                     <a:solidFill>
                       <a:srgbClr val="000000"/>
                     </a:solidFill>
@@ -10439,7 +10439,7 @@
               </a:ln>
               <a:extLst>
                 <a:ext uri="{91240B29-F687-4f45-9708-019B960494DF}">
-                  <a14:hiddenLine xmlns:a14="http://schemas.microsoft.com/office/drawing/2010/main" xmlns="" w="9525">
+                  <a14:hiddenLine xmlns="" xmlns:a14="http://schemas.microsoft.com/office/drawing/2010/main" w="9525">
                     <a:solidFill>
                       <a:srgbClr val="000000"/>
                     </a:solidFill>
@@ -10501,7 +10501,7 @@
               </a:ln>
               <a:extLst>
                 <a:ext uri="{91240B29-F687-4f45-9708-019B960494DF}">
-                  <a14:hiddenLine xmlns:a14="http://schemas.microsoft.com/office/drawing/2010/main" xmlns="" w="9525">
+                  <a14:hiddenLine xmlns="" xmlns:a14="http://schemas.microsoft.com/office/drawing/2010/main" w="9525">
                     <a:solidFill>
                       <a:srgbClr val="000000"/>
                     </a:solidFill>
@@ -10611,7 +10611,7 @@
               </a:ln>
               <a:extLst>
                 <a:ext uri="{91240B29-F687-4f45-9708-019B960494DF}">
-                  <a14:hiddenLine xmlns:a14="http://schemas.microsoft.com/office/drawing/2010/main" xmlns="" w="9525">
+                  <a14:hiddenLine xmlns="" xmlns:a14="http://schemas.microsoft.com/office/drawing/2010/main" w="9525">
                     <a:solidFill>
                       <a:srgbClr val="000000"/>
                     </a:solidFill>
@@ -10695,7 +10695,7 @@
               </a:ln>
               <a:extLst>
                 <a:ext uri="{91240B29-F687-4f45-9708-019B960494DF}">
-                  <a14:hiddenLine xmlns:a14="http://schemas.microsoft.com/office/drawing/2010/main" xmlns="" w="9525">
+                  <a14:hiddenLine xmlns="" xmlns:a14="http://schemas.microsoft.com/office/drawing/2010/main" w="9525">
                     <a:solidFill>
                       <a:srgbClr val="000000"/>
                     </a:solidFill>
@@ -10757,7 +10757,7 @@
               </a:ln>
               <a:extLst>
                 <a:ext uri="{91240B29-F687-4f45-9708-019B960494DF}">
-                  <a14:hiddenLine xmlns:a14="http://schemas.microsoft.com/office/drawing/2010/main" xmlns="" w="9525">
+                  <a14:hiddenLine xmlns="" xmlns:a14="http://schemas.microsoft.com/office/drawing/2010/main" w="9525">
                     <a:solidFill>
                       <a:srgbClr val="000000"/>
                     </a:solidFill>
@@ -10819,7 +10819,7 @@
               </a:ln>
               <a:extLst>
                 <a:ext uri="{91240B29-F687-4f45-9708-019B960494DF}">
-                  <a14:hiddenLine xmlns:a14="http://schemas.microsoft.com/office/drawing/2010/main" xmlns="" w="9525">
+                  <a14:hiddenLine xmlns="" xmlns:a14="http://schemas.microsoft.com/office/drawing/2010/main" w="9525">
                     <a:solidFill>
                       <a:srgbClr val="000000"/>
                     </a:solidFill>
@@ -10909,7 +10909,7 @@
               </a:ln>
               <a:extLst>
                 <a:ext uri="{91240B29-F687-4f45-9708-019B960494DF}">
-                  <a14:hiddenLine xmlns:a14="http://schemas.microsoft.com/office/drawing/2010/main" xmlns="" w="9525">
+                  <a14:hiddenLine xmlns="" xmlns:a14="http://schemas.microsoft.com/office/drawing/2010/main" w="9525">
                     <a:solidFill>
                       <a:srgbClr val="000000"/>
                     </a:solidFill>
@@ -10943,7 +10943,7 @@
               </a:ln>
               <a:extLst>
                 <a:ext uri="{91240B29-F687-4f45-9708-019B960494DF}">
-                  <a14:hiddenLine xmlns:a14="http://schemas.microsoft.com/office/drawing/2010/main" xmlns="" w="9525">
+                  <a14:hiddenLine xmlns="" xmlns:a14="http://schemas.microsoft.com/office/drawing/2010/main" w="9525">
                     <a:solidFill>
                       <a:srgbClr val="000000"/>
                     </a:solidFill>
@@ -11008,7 +11008,7 @@
               </a:ln>
               <a:extLst>
                 <a:ext uri="{91240B29-F687-4f45-9708-019B960494DF}">
-                  <a14:hiddenLine xmlns:a14="http://schemas.microsoft.com/office/drawing/2010/main" xmlns="" w="9525">
+                  <a14:hiddenLine xmlns="" xmlns:a14="http://schemas.microsoft.com/office/drawing/2010/main" w="9525">
                     <a:solidFill>
                       <a:srgbClr val="000000"/>
                     </a:solidFill>
@@ -11098,7 +11098,7 @@
               </a:ln>
               <a:extLst>
                 <a:ext uri="{91240B29-F687-4f45-9708-019B960494DF}">
-                  <a14:hiddenLine xmlns:a14="http://schemas.microsoft.com/office/drawing/2010/main" xmlns="" w="9525">
+                  <a14:hiddenLine xmlns="" xmlns:a14="http://schemas.microsoft.com/office/drawing/2010/main" w="9525">
                     <a:solidFill>
                       <a:srgbClr val="000000"/>
                     </a:solidFill>
@@ -11160,7 +11160,7 @@
               </a:ln>
               <a:extLst>
                 <a:ext uri="{91240B29-F687-4f45-9708-019B960494DF}">
-                  <a14:hiddenLine xmlns:a14="http://schemas.microsoft.com/office/drawing/2010/main" xmlns="" w="9525">
+                  <a14:hiddenLine xmlns="" xmlns:a14="http://schemas.microsoft.com/office/drawing/2010/main" w="9525">
                     <a:solidFill>
                       <a:srgbClr val="000000"/>
                     </a:solidFill>
@@ -11250,7 +11250,7 @@
               </a:ln>
               <a:extLst>
                 <a:ext uri="{91240B29-F687-4f45-9708-019B960494DF}">
-                  <a14:hiddenLine xmlns:a14="http://schemas.microsoft.com/office/drawing/2010/main" xmlns="" w="9525">
+                  <a14:hiddenLine xmlns="" xmlns:a14="http://schemas.microsoft.com/office/drawing/2010/main" w="9525">
                     <a:solidFill>
                       <a:srgbClr val="000000"/>
                     </a:solidFill>
@@ -11315,7 +11315,7 @@
               </a:ln>
               <a:extLst>
                 <a:ext uri="{91240B29-F687-4f45-9708-019B960494DF}">
-                  <a14:hiddenLine xmlns:a14="http://schemas.microsoft.com/office/drawing/2010/main" xmlns="" w="9525">
+                  <a14:hiddenLine xmlns="" xmlns:a14="http://schemas.microsoft.com/office/drawing/2010/main" w="9525">
                     <a:solidFill>
                       <a:srgbClr val="000000"/>
                     </a:solidFill>
@@ -11377,7 +11377,7 @@
               </a:ln>
               <a:extLst>
                 <a:ext uri="{91240B29-F687-4f45-9708-019B960494DF}">
-                  <a14:hiddenLine xmlns:a14="http://schemas.microsoft.com/office/drawing/2010/main" xmlns="" w="9525">
+                  <a14:hiddenLine xmlns="" xmlns:a14="http://schemas.microsoft.com/office/drawing/2010/main" w="9525">
                     <a:solidFill>
                       <a:srgbClr val="000000"/>
                     </a:solidFill>
@@ -11467,7 +11467,7 @@
               </a:ln>
               <a:extLst>
                 <a:ext uri="{91240B29-F687-4f45-9708-019B960494DF}">
-                  <a14:hiddenLine xmlns:a14="http://schemas.microsoft.com/office/drawing/2010/main" xmlns="" w="9525">
+                  <a14:hiddenLine xmlns="" xmlns:a14="http://schemas.microsoft.com/office/drawing/2010/main" w="9525">
                     <a:solidFill>
                       <a:srgbClr val="000000"/>
                     </a:solidFill>
@@ -11557,7 +11557,7 @@
               </a:ln>
               <a:extLst>
                 <a:ext uri="{91240B29-F687-4f45-9708-019B960494DF}">
-                  <a14:hiddenLine xmlns:a14="http://schemas.microsoft.com/office/drawing/2010/main" xmlns="" w="9525">
+                  <a14:hiddenLine xmlns="" xmlns:a14="http://schemas.microsoft.com/office/drawing/2010/main" w="9525">
                     <a:solidFill>
                       <a:srgbClr val="000000"/>
                     </a:solidFill>
@@ -11622,7 +11622,7 @@
               </a:ln>
               <a:extLst>
                 <a:ext uri="{91240B29-F687-4f45-9708-019B960494DF}">
-                  <a14:hiddenLine xmlns:a14="http://schemas.microsoft.com/office/drawing/2010/main" xmlns="" w="9525">
+                  <a14:hiddenLine xmlns="" xmlns:a14="http://schemas.microsoft.com/office/drawing/2010/main" w="9525">
                     <a:solidFill>
                       <a:srgbClr val="000000"/>
                     </a:solidFill>
@@ -11742,7 +11742,7 @@
               </a:ln>
               <a:extLst>
                 <a:ext uri="{91240B29-F687-4f45-9708-019B960494DF}">
-                  <a14:hiddenLine xmlns:a14="http://schemas.microsoft.com/office/drawing/2010/main" xmlns="" w="9525">
+                  <a14:hiddenLine xmlns="" xmlns:a14="http://schemas.microsoft.com/office/drawing/2010/main" w="9525">
                     <a:solidFill>
                       <a:srgbClr val="000000"/>
                     </a:solidFill>
@@ -11840,7 +11840,7 @@
               </a:ln>
               <a:extLst>
                 <a:ext uri="{91240B29-F687-4f45-9708-019B960494DF}">
-                  <a14:hiddenLine xmlns:a14="http://schemas.microsoft.com/office/drawing/2010/main" xmlns="" w="9525">
+                  <a14:hiddenLine xmlns="" xmlns:a14="http://schemas.microsoft.com/office/drawing/2010/main" w="9525">
                     <a:solidFill>
                       <a:srgbClr val="000000"/>
                     </a:solidFill>
@@ -11955,7 +11955,7 @@
               </a:ln>
               <a:extLst>
                 <a:ext uri="{91240B29-F687-4f45-9708-019B960494DF}">
-                  <a14:hiddenLine xmlns:a14="http://schemas.microsoft.com/office/drawing/2010/main" xmlns="" w="9525">
+                  <a14:hiddenLine xmlns="" xmlns:a14="http://schemas.microsoft.com/office/drawing/2010/main" w="9525">
                     <a:solidFill>
                       <a:srgbClr val="000000"/>
                     </a:solidFill>
@@ -12045,7 +12045,7 @@
               </a:ln>
               <a:extLst>
                 <a:ext uri="{91240B29-F687-4f45-9708-019B960494DF}">
-                  <a14:hiddenLine xmlns:a14="http://schemas.microsoft.com/office/drawing/2010/main" xmlns="" w="9525">
+                  <a14:hiddenLine xmlns="" xmlns:a14="http://schemas.microsoft.com/office/drawing/2010/main" w="9525">
                     <a:solidFill>
                       <a:srgbClr val="000000"/>
                     </a:solidFill>
@@ -12110,7 +12110,7 @@
               </a:ln>
               <a:extLst>
                 <a:ext uri="{91240B29-F687-4f45-9708-019B960494DF}">
-                  <a14:hiddenLine xmlns:a14="http://schemas.microsoft.com/office/drawing/2010/main" xmlns="" w="9525">
+                  <a14:hiddenLine xmlns="" xmlns:a14="http://schemas.microsoft.com/office/drawing/2010/main" w="9525">
                     <a:solidFill>
                       <a:srgbClr val="000000"/>
                     </a:solidFill>
@@ -12200,7 +12200,7 @@
               </a:ln>
               <a:extLst>
                 <a:ext uri="{91240B29-F687-4f45-9708-019B960494DF}">
-                  <a14:hiddenLine xmlns:a14="http://schemas.microsoft.com/office/drawing/2010/main" xmlns="" w="9525">
+                  <a14:hiddenLine xmlns="" xmlns:a14="http://schemas.microsoft.com/office/drawing/2010/main" w="9525">
                     <a:solidFill>
                       <a:srgbClr val="000000"/>
                     </a:solidFill>
@@ -12268,7 +12268,7 @@
               </a:ln>
               <a:extLst>
                 <a:ext uri="{91240B29-F687-4f45-9708-019B960494DF}">
-                  <a14:hiddenLine xmlns:a14="http://schemas.microsoft.com/office/drawing/2010/main" xmlns="" w="9525">
+                  <a14:hiddenLine xmlns="" xmlns:a14="http://schemas.microsoft.com/office/drawing/2010/main" w="9525">
                     <a:solidFill>
                       <a:srgbClr val="000000"/>
                     </a:solidFill>
@@ -12358,7 +12358,7 @@
               </a:ln>
               <a:extLst>
                 <a:ext uri="{91240B29-F687-4f45-9708-019B960494DF}">
-                  <a14:hiddenLine xmlns:a14="http://schemas.microsoft.com/office/drawing/2010/main" xmlns="" w="9525">
+                  <a14:hiddenLine xmlns="" xmlns:a14="http://schemas.microsoft.com/office/drawing/2010/main" w="9525">
                     <a:solidFill>
                       <a:srgbClr val="000000"/>
                     </a:solidFill>
@@ -12426,7 +12426,7 @@
               </a:ln>
               <a:extLst>
                 <a:ext uri="{91240B29-F687-4f45-9708-019B960494DF}">
-                  <a14:hiddenLine xmlns:a14="http://schemas.microsoft.com/office/drawing/2010/main" xmlns="" w="9525">
+                  <a14:hiddenLine xmlns="" xmlns:a14="http://schemas.microsoft.com/office/drawing/2010/main" w="9525">
                     <a:solidFill>
                       <a:srgbClr val="000000"/>
                     </a:solidFill>
@@ -12516,7 +12516,7 @@
               </a:ln>
               <a:extLst>
                 <a:ext uri="{91240B29-F687-4f45-9708-019B960494DF}">
-                  <a14:hiddenLine xmlns:a14="http://schemas.microsoft.com/office/drawing/2010/main" xmlns="" w="9525">
+                  <a14:hiddenLine xmlns="" xmlns:a14="http://schemas.microsoft.com/office/drawing/2010/main" w="9525">
                     <a:solidFill>
                       <a:srgbClr val="000000"/>
                     </a:solidFill>
@@ -12550,7 +12550,7 @@
               </a:ln>
               <a:extLst>
                 <a:ext uri="{91240B29-F687-4f45-9708-019B960494DF}">
-                  <a14:hiddenLine xmlns:a14="http://schemas.microsoft.com/office/drawing/2010/main" xmlns="" w="9525">
+                  <a14:hiddenLine xmlns="" xmlns:a14="http://schemas.microsoft.com/office/drawing/2010/main" w="9525">
                     <a:solidFill>
                       <a:srgbClr val="000000"/>
                     </a:solidFill>
@@ -13896,7 +13896,7 @@
           <a:noFill/>
           <a:extLst>
             <a:ext uri="{909E8E84-426E-40dd-AFC4-6F175D3DCCD1}">
-              <a14:hiddenFill xmlns:a14="http://schemas.microsoft.com/office/drawing/2010/main" xmlns:p14="http://schemas.microsoft.com/office/powerpoint/2010/main" xmlns:a16="http://schemas.microsoft.com/office/drawing/2014/main" xmlns="">
+              <a14:hiddenFill xmlns="" xmlns:a16="http://schemas.microsoft.com/office/drawing/2014/main" xmlns:p14="http://schemas.microsoft.com/office/powerpoint/2010/main" xmlns:a14="http://schemas.microsoft.com/office/drawing/2010/main">
                 <a:solidFill>
                   <a:srgbClr val="FFFFFF"/>
                 </a:solidFill>
@@ -14025,7 +14025,7 @@
             </a:ln>
             <a:extLst>
               <a:ext uri="{91240B29-F687-4f45-9708-019B960494DF}">
-                <a14:hiddenLine xmlns:a14="http://schemas.microsoft.com/office/drawing/2010/main" xmlns:p14="http://schemas.microsoft.com/office/powerpoint/2010/main" xmlns:a16="http://schemas.microsoft.com/office/drawing/2014/main" xmlns="" w="9525">
+                <a14:hiddenLine xmlns="" xmlns:a16="http://schemas.microsoft.com/office/drawing/2014/main" xmlns:p14="http://schemas.microsoft.com/office/powerpoint/2010/main" xmlns:a14="http://schemas.microsoft.com/office/drawing/2010/main" w="9525">
                   <a:solidFill>
                     <a:srgbClr val="000000"/>
                   </a:solidFill>
@@ -14130,7 +14130,7 @@
             </a:ln>
             <a:extLst>
               <a:ext uri="{91240B29-F687-4f45-9708-019B960494DF}">
-                <a14:hiddenLine xmlns:a14="http://schemas.microsoft.com/office/drawing/2010/main" xmlns:p14="http://schemas.microsoft.com/office/powerpoint/2010/main" xmlns:a16="http://schemas.microsoft.com/office/drawing/2014/main" xmlns="" w="9525">
+                <a14:hiddenLine xmlns="" xmlns:a16="http://schemas.microsoft.com/office/drawing/2014/main" xmlns:p14="http://schemas.microsoft.com/office/powerpoint/2010/main" xmlns:a14="http://schemas.microsoft.com/office/drawing/2010/main" w="9525">
                   <a:solidFill>
                     <a:srgbClr val="000000"/>
                   </a:solidFill>
@@ -14235,7 +14235,7 @@
             </a:ln>
             <a:extLst>
               <a:ext uri="{91240B29-F687-4f45-9708-019B960494DF}">
-                <a14:hiddenLine xmlns:a14="http://schemas.microsoft.com/office/drawing/2010/main" xmlns:p14="http://schemas.microsoft.com/office/powerpoint/2010/main" xmlns:a16="http://schemas.microsoft.com/office/drawing/2014/main" xmlns="" w="9525">
+                <a14:hiddenLine xmlns="" xmlns:a16="http://schemas.microsoft.com/office/drawing/2014/main" xmlns:p14="http://schemas.microsoft.com/office/powerpoint/2010/main" xmlns:a14="http://schemas.microsoft.com/office/drawing/2010/main" w="9525">
                   <a:solidFill>
                     <a:srgbClr val="000000"/>
                   </a:solidFill>
@@ -14312,7 +14312,7 @@
             </a:ln>
             <a:extLst>
               <a:ext uri="{91240B29-F687-4f45-9708-019B960494DF}">
-                <a14:hiddenLine xmlns:a14="http://schemas.microsoft.com/office/drawing/2010/main" xmlns:p14="http://schemas.microsoft.com/office/powerpoint/2010/main" xmlns:a16="http://schemas.microsoft.com/office/drawing/2014/main" xmlns="" w="9525">
+                <a14:hiddenLine xmlns="" xmlns:a16="http://schemas.microsoft.com/office/drawing/2014/main" xmlns:p14="http://schemas.microsoft.com/office/powerpoint/2010/main" xmlns:a14="http://schemas.microsoft.com/office/drawing/2010/main" w="9525">
                   <a:solidFill>
                     <a:srgbClr val="000000"/>
                   </a:solidFill>
@@ -14417,7 +14417,7 @@
             </a:ln>
             <a:extLst>
               <a:ext uri="{91240B29-F687-4f45-9708-019B960494DF}">
-                <a14:hiddenLine xmlns:a14="http://schemas.microsoft.com/office/drawing/2010/main" xmlns:p14="http://schemas.microsoft.com/office/powerpoint/2010/main" xmlns:a16="http://schemas.microsoft.com/office/drawing/2014/main" xmlns="" w="9525">
+                <a14:hiddenLine xmlns="" xmlns:a16="http://schemas.microsoft.com/office/drawing/2014/main" xmlns:p14="http://schemas.microsoft.com/office/powerpoint/2010/main" xmlns:a14="http://schemas.microsoft.com/office/drawing/2010/main" w="9525">
                   <a:solidFill>
                     <a:srgbClr val="000000"/>
                   </a:solidFill>
@@ -14494,7 +14494,7 @@
             </a:ln>
             <a:extLst>
               <a:ext uri="{91240B29-F687-4f45-9708-019B960494DF}">
-                <a14:hiddenLine xmlns:a14="http://schemas.microsoft.com/office/drawing/2010/main" xmlns:p14="http://schemas.microsoft.com/office/powerpoint/2010/main" xmlns:a16="http://schemas.microsoft.com/office/drawing/2014/main" xmlns="" w="9525">
+                <a14:hiddenLine xmlns="" xmlns:a16="http://schemas.microsoft.com/office/drawing/2014/main" xmlns:p14="http://schemas.microsoft.com/office/powerpoint/2010/main" xmlns:a14="http://schemas.microsoft.com/office/drawing/2010/main" w="9525">
                   <a:solidFill>
                     <a:srgbClr val="000000"/>
                   </a:solidFill>
@@ -14571,7 +14571,7 @@
             </a:ln>
             <a:extLst>
               <a:ext uri="{91240B29-F687-4f45-9708-019B960494DF}">
-                <a14:hiddenLine xmlns:a14="http://schemas.microsoft.com/office/drawing/2010/main" xmlns:p14="http://schemas.microsoft.com/office/powerpoint/2010/main" xmlns:a16="http://schemas.microsoft.com/office/drawing/2014/main" xmlns="" w="9525">
+                <a14:hiddenLine xmlns="" xmlns:a16="http://schemas.microsoft.com/office/drawing/2014/main" xmlns:p14="http://schemas.microsoft.com/office/powerpoint/2010/main" xmlns:a14="http://schemas.microsoft.com/office/drawing/2010/main" w="9525">
                   <a:solidFill>
                     <a:srgbClr val="000000"/>
                   </a:solidFill>
@@ -14676,7 +14676,7 @@
             </a:ln>
             <a:extLst>
               <a:ext uri="{91240B29-F687-4f45-9708-019B960494DF}">
-                <a14:hiddenLine xmlns:a14="http://schemas.microsoft.com/office/drawing/2010/main" xmlns:p14="http://schemas.microsoft.com/office/powerpoint/2010/main" xmlns:a16="http://schemas.microsoft.com/office/drawing/2014/main" xmlns="" w="9525">
+                <a14:hiddenLine xmlns="" xmlns:a16="http://schemas.microsoft.com/office/drawing/2014/main" xmlns:p14="http://schemas.microsoft.com/office/powerpoint/2010/main" xmlns:a14="http://schemas.microsoft.com/office/drawing/2010/main" w="9525">
                   <a:solidFill>
                     <a:srgbClr val="000000"/>
                   </a:solidFill>
@@ -14781,7 +14781,7 @@
             </a:ln>
             <a:extLst>
               <a:ext uri="{91240B29-F687-4f45-9708-019B960494DF}">
-                <a14:hiddenLine xmlns:a14="http://schemas.microsoft.com/office/drawing/2010/main" xmlns:p14="http://schemas.microsoft.com/office/powerpoint/2010/main" xmlns:a16="http://schemas.microsoft.com/office/drawing/2014/main" xmlns="" w="9525">
+                <a14:hiddenLine xmlns="" xmlns:a16="http://schemas.microsoft.com/office/drawing/2014/main" xmlns:p14="http://schemas.microsoft.com/office/powerpoint/2010/main" xmlns:a14="http://schemas.microsoft.com/office/drawing/2010/main" w="9525">
                   <a:solidFill>
                     <a:srgbClr val="000000"/>
                   </a:solidFill>
@@ -14858,7 +14858,7 @@
             </a:ln>
             <a:extLst>
               <a:ext uri="{91240B29-F687-4f45-9708-019B960494DF}">
-                <a14:hiddenLine xmlns:a14="http://schemas.microsoft.com/office/drawing/2010/main" xmlns:p14="http://schemas.microsoft.com/office/powerpoint/2010/main" xmlns:a16="http://schemas.microsoft.com/office/drawing/2014/main" xmlns="" w="9525">
+                <a14:hiddenLine xmlns="" xmlns:a16="http://schemas.microsoft.com/office/drawing/2014/main" xmlns:p14="http://schemas.microsoft.com/office/powerpoint/2010/main" xmlns:a14="http://schemas.microsoft.com/office/drawing/2010/main" w="9525">
                   <a:solidFill>
                     <a:srgbClr val="000000"/>
                   </a:solidFill>
@@ -14983,7 +14983,7 @@
             </a:ln>
             <a:extLst>
               <a:ext uri="{91240B29-F687-4f45-9708-019B960494DF}">
-                <a14:hiddenLine xmlns:a14="http://schemas.microsoft.com/office/drawing/2010/main" xmlns:p14="http://schemas.microsoft.com/office/powerpoint/2010/main" xmlns:a16="http://schemas.microsoft.com/office/drawing/2014/main" xmlns="" w="9525">
+                <a14:hiddenLine xmlns="" xmlns:a16="http://schemas.microsoft.com/office/drawing/2014/main" xmlns:p14="http://schemas.microsoft.com/office/powerpoint/2010/main" xmlns:a14="http://schemas.microsoft.com/office/drawing/2010/main" w="9525">
                   <a:solidFill>
                     <a:srgbClr val="000000"/>
                   </a:solidFill>
@@ -15097,7 +15097,7 @@
             </a:ln>
             <a:extLst>
               <a:ext uri="{91240B29-F687-4f45-9708-019B960494DF}">
-                <a14:hiddenLine xmlns:a14="http://schemas.microsoft.com/office/drawing/2010/main" xmlns:p14="http://schemas.microsoft.com/office/powerpoint/2010/main" xmlns:a16="http://schemas.microsoft.com/office/drawing/2014/main" xmlns="" w="9525">
+                <a14:hiddenLine xmlns="" xmlns:a16="http://schemas.microsoft.com/office/drawing/2014/main" xmlns:p14="http://schemas.microsoft.com/office/powerpoint/2010/main" xmlns:a14="http://schemas.microsoft.com/office/drawing/2010/main" w="9525">
                   <a:solidFill>
                     <a:srgbClr val="000000"/>
                   </a:solidFill>
@@ -15174,7 +15174,7 @@
             </a:ln>
             <a:extLst>
               <a:ext uri="{91240B29-F687-4f45-9708-019B960494DF}">
-                <a14:hiddenLine xmlns:a14="http://schemas.microsoft.com/office/drawing/2010/main" xmlns:p14="http://schemas.microsoft.com/office/powerpoint/2010/main" xmlns:a16="http://schemas.microsoft.com/office/drawing/2014/main" xmlns="" w="9525">
+                <a14:hiddenLine xmlns="" xmlns:a16="http://schemas.microsoft.com/office/drawing/2014/main" xmlns:p14="http://schemas.microsoft.com/office/powerpoint/2010/main" xmlns:a14="http://schemas.microsoft.com/office/drawing/2010/main" w="9525">
                   <a:solidFill>
                     <a:srgbClr val="000000"/>
                   </a:solidFill>
@@ -15251,7 +15251,7 @@
             </a:ln>
             <a:extLst>
               <a:ext uri="{91240B29-F687-4f45-9708-019B960494DF}">
-                <a14:hiddenLine xmlns:a14="http://schemas.microsoft.com/office/drawing/2010/main" xmlns:p14="http://schemas.microsoft.com/office/powerpoint/2010/main" xmlns:a16="http://schemas.microsoft.com/office/drawing/2014/main" xmlns="" w="9525">
+                <a14:hiddenLine xmlns="" xmlns:a16="http://schemas.microsoft.com/office/drawing/2014/main" xmlns:p14="http://schemas.microsoft.com/office/powerpoint/2010/main" xmlns:a14="http://schemas.microsoft.com/office/drawing/2010/main" w="9525">
                   <a:solidFill>
                     <a:srgbClr val="000000"/>
                   </a:solidFill>
@@ -15356,7 +15356,7 @@
             </a:ln>
             <a:extLst>
               <a:ext uri="{91240B29-F687-4f45-9708-019B960494DF}">
-                <a14:hiddenLine xmlns:a14="http://schemas.microsoft.com/office/drawing/2010/main" xmlns:p14="http://schemas.microsoft.com/office/powerpoint/2010/main" xmlns:a16="http://schemas.microsoft.com/office/drawing/2014/main" xmlns="" w="9525">
+                <a14:hiddenLine xmlns="" xmlns:a16="http://schemas.microsoft.com/office/drawing/2014/main" xmlns:p14="http://schemas.microsoft.com/office/powerpoint/2010/main" xmlns:a14="http://schemas.microsoft.com/office/drawing/2010/main" w="9525">
                   <a:solidFill>
                     <a:srgbClr val="000000"/>
                   </a:solidFill>
@@ -15405,7 +15405,7 @@
             </a:ln>
             <a:extLst>
               <a:ext uri="{91240B29-F687-4f45-9708-019B960494DF}">
-                <a14:hiddenLine xmlns:a14="http://schemas.microsoft.com/office/drawing/2010/main" xmlns:p14="http://schemas.microsoft.com/office/powerpoint/2010/main" xmlns:a16="http://schemas.microsoft.com/office/drawing/2014/main" xmlns="" w="9525">
+                <a14:hiddenLine xmlns="" xmlns:a16="http://schemas.microsoft.com/office/drawing/2014/main" xmlns:p14="http://schemas.microsoft.com/office/powerpoint/2010/main" xmlns:a14="http://schemas.microsoft.com/office/drawing/2010/main" w="9525">
                   <a:solidFill>
                     <a:srgbClr val="000000"/>
                   </a:solidFill>
@@ -15485,7 +15485,7 @@
             </a:ln>
             <a:extLst>
               <a:ext uri="{91240B29-F687-4f45-9708-019B960494DF}">
-                <a14:hiddenLine xmlns:a14="http://schemas.microsoft.com/office/drawing/2010/main" xmlns:p14="http://schemas.microsoft.com/office/powerpoint/2010/main" xmlns:a16="http://schemas.microsoft.com/office/drawing/2014/main" xmlns="" w="9525">
+                <a14:hiddenLine xmlns="" xmlns:a16="http://schemas.microsoft.com/office/drawing/2014/main" xmlns:p14="http://schemas.microsoft.com/office/powerpoint/2010/main" xmlns:a14="http://schemas.microsoft.com/office/drawing/2010/main" w="9525">
                   <a:solidFill>
                     <a:srgbClr val="000000"/>
                   </a:solidFill>
@@ -15590,7 +15590,7 @@
             </a:ln>
             <a:extLst>
               <a:ext uri="{91240B29-F687-4f45-9708-019B960494DF}">
-                <a14:hiddenLine xmlns:a14="http://schemas.microsoft.com/office/drawing/2010/main" xmlns:p14="http://schemas.microsoft.com/office/powerpoint/2010/main" xmlns:a16="http://schemas.microsoft.com/office/drawing/2014/main" xmlns="" w="9525">
+                <a14:hiddenLine xmlns="" xmlns:a16="http://schemas.microsoft.com/office/drawing/2014/main" xmlns:p14="http://schemas.microsoft.com/office/powerpoint/2010/main" xmlns:a14="http://schemas.microsoft.com/office/drawing/2010/main" w="9525">
                   <a:solidFill>
                     <a:srgbClr val="000000"/>
                   </a:solidFill>
@@ -15667,7 +15667,7 @@
             </a:ln>
             <a:extLst>
               <a:ext uri="{91240B29-F687-4f45-9708-019B960494DF}">
-                <a14:hiddenLine xmlns:a14="http://schemas.microsoft.com/office/drawing/2010/main" xmlns:p14="http://schemas.microsoft.com/office/powerpoint/2010/main" xmlns:a16="http://schemas.microsoft.com/office/drawing/2014/main" xmlns="" w="9525">
+                <a14:hiddenLine xmlns="" xmlns:a16="http://schemas.microsoft.com/office/drawing/2014/main" xmlns:p14="http://schemas.microsoft.com/office/powerpoint/2010/main" xmlns:a14="http://schemas.microsoft.com/office/drawing/2010/main" w="9525">
                   <a:solidFill>
                     <a:srgbClr val="000000"/>
                   </a:solidFill>
@@ -15772,7 +15772,7 @@
             </a:ln>
             <a:extLst>
               <a:ext uri="{91240B29-F687-4f45-9708-019B960494DF}">
-                <a14:hiddenLine xmlns:a14="http://schemas.microsoft.com/office/drawing/2010/main" xmlns:p14="http://schemas.microsoft.com/office/powerpoint/2010/main" xmlns:a16="http://schemas.microsoft.com/office/drawing/2014/main" xmlns="" w="9525">
+                <a14:hiddenLine xmlns="" xmlns:a16="http://schemas.microsoft.com/office/drawing/2014/main" xmlns:p14="http://schemas.microsoft.com/office/powerpoint/2010/main" xmlns:a14="http://schemas.microsoft.com/office/drawing/2010/main" w="9525">
                   <a:solidFill>
                     <a:srgbClr val="000000"/>
                   </a:solidFill>
@@ -15852,7 +15852,7 @@
             </a:ln>
             <a:extLst>
               <a:ext uri="{91240B29-F687-4f45-9708-019B960494DF}">
-                <a14:hiddenLine xmlns:a14="http://schemas.microsoft.com/office/drawing/2010/main" xmlns:p14="http://schemas.microsoft.com/office/powerpoint/2010/main" xmlns:a16="http://schemas.microsoft.com/office/drawing/2014/main" xmlns="" w="9525">
+                <a14:hiddenLine xmlns="" xmlns:a16="http://schemas.microsoft.com/office/drawing/2014/main" xmlns:p14="http://schemas.microsoft.com/office/powerpoint/2010/main" xmlns:a14="http://schemas.microsoft.com/office/drawing/2010/main" w="9525">
                   <a:solidFill>
                     <a:srgbClr val="000000"/>
                   </a:solidFill>
@@ -15929,7 +15929,7 @@
             </a:ln>
             <a:extLst>
               <a:ext uri="{91240B29-F687-4f45-9708-019B960494DF}">
-                <a14:hiddenLine xmlns:a14="http://schemas.microsoft.com/office/drawing/2010/main" xmlns:p14="http://schemas.microsoft.com/office/powerpoint/2010/main" xmlns:a16="http://schemas.microsoft.com/office/drawing/2014/main" xmlns="" w="9525">
+                <a14:hiddenLine xmlns="" xmlns:a16="http://schemas.microsoft.com/office/drawing/2014/main" xmlns:p14="http://schemas.microsoft.com/office/powerpoint/2010/main" xmlns:a14="http://schemas.microsoft.com/office/drawing/2010/main" w="9525">
                   <a:solidFill>
                     <a:srgbClr val="000000"/>
                   </a:solidFill>
@@ -16034,7 +16034,7 @@
             </a:ln>
             <a:extLst>
               <a:ext uri="{91240B29-F687-4f45-9708-019B960494DF}">
-                <a14:hiddenLine xmlns:a14="http://schemas.microsoft.com/office/drawing/2010/main" xmlns:p14="http://schemas.microsoft.com/office/powerpoint/2010/main" xmlns:a16="http://schemas.microsoft.com/office/drawing/2014/main" xmlns="" w="9525">
+                <a14:hiddenLine xmlns="" xmlns:a16="http://schemas.microsoft.com/office/drawing/2014/main" xmlns:p14="http://schemas.microsoft.com/office/powerpoint/2010/main" xmlns:a14="http://schemas.microsoft.com/office/drawing/2010/main" w="9525">
                   <a:solidFill>
                     <a:srgbClr val="000000"/>
                   </a:solidFill>
@@ -16139,7 +16139,7 @@
             </a:ln>
             <a:extLst>
               <a:ext uri="{91240B29-F687-4f45-9708-019B960494DF}">
-                <a14:hiddenLine xmlns:a14="http://schemas.microsoft.com/office/drawing/2010/main" xmlns:p14="http://schemas.microsoft.com/office/powerpoint/2010/main" xmlns:a16="http://schemas.microsoft.com/office/drawing/2014/main" xmlns="" w="9525">
+                <a14:hiddenLine xmlns="" xmlns:a16="http://schemas.microsoft.com/office/drawing/2014/main" xmlns:p14="http://schemas.microsoft.com/office/powerpoint/2010/main" xmlns:a14="http://schemas.microsoft.com/office/drawing/2010/main" w="9525">
                   <a:solidFill>
                     <a:srgbClr val="000000"/>
                   </a:solidFill>
@@ -16219,7 +16219,7 @@
             </a:ln>
             <a:extLst>
               <a:ext uri="{91240B29-F687-4f45-9708-019B960494DF}">
-                <a14:hiddenLine xmlns:a14="http://schemas.microsoft.com/office/drawing/2010/main" xmlns:p14="http://schemas.microsoft.com/office/powerpoint/2010/main" xmlns:a16="http://schemas.microsoft.com/office/drawing/2014/main" xmlns="" w="9525">
+                <a14:hiddenLine xmlns="" xmlns:a16="http://schemas.microsoft.com/office/drawing/2014/main" xmlns:p14="http://schemas.microsoft.com/office/powerpoint/2010/main" xmlns:a14="http://schemas.microsoft.com/office/drawing/2010/main" w="9525">
                   <a:solidFill>
                     <a:srgbClr val="000000"/>
                   </a:solidFill>
@@ -16354,7 +16354,7 @@
             </a:ln>
             <a:extLst>
               <a:ext uri="{91240B29-F687-4f45-9708-019B960494DF}">
-                <a14:hiddenLine xmlns:a14="http://schemas.microsoft.com/office/drawing/2010/main" xmlns:p14="http://schemas.microsoft.com/office/powerpoint/2010/main" xmlns:a16="http://schemas.microsoft.com/office/drawing/2014/main" xmlns="" w="9525">
+                <a14:hiddenLine xmlns="" xmlns:a16="http://schemas.microsoft.com/office/drawing/2014/main" xmlns:p14="http://schemas.microsoft.com/office/powerpoint/2010/main" xmlns:a14="http://schemas.microsoft.com/office/drawing/2010/main" w="9525">
                   <a:solidFill>
                     <a:srgbClr val="000000"/>
                   </a:solidFill>
@@ -16966,7 +16966,7 @@
           <a:noFill/>
           <a:extLst>
             <a:ext uri="{909E8E84-426E-40dd-AFC4-6F175D3DCCD1}">
-              <a14:hiddenFill xmlns="" xmlns:a16="http://schemas.microsoft.com/office/drawing/2014/main" xmlns:p14="http://schemas.microsoft.com/office/powerpoint/2010/main" xmlns:a14="http://schemas.microsoft.com/office/drawing/2010/main">
+              <a14:hiddenFill xmlns:a14="http://schemas.microsoft.com/office/drawing/2010/main" xmlns:p14="http://schemas.microsoft.com/office/powerpoint/2010/main" xmlns:a16="http://schemas.microsoft.com/office/drawing/2014/main" xmlns="">
                 <a:solidFill>
                   <a:srgbClr val="FFFFFF"/>
                 </a:solidFill>
@@ -17094,7 +17094,7 @@
             </a:ln>
             <a:extLst>
               <a:ext uri="{91240B29-F687-4f45-9708-019B960494DF}">
-                <a14:hiddenLine xmlns="" xmlns:a16="http://schemas.microsoft.com/office/drawing/2014/main" xmlns:p14="http://schemas.microsoft.com/office/powerpoint/2010/main" xmlns:a14="http://schemas.microsoft.com/office/drawing/2010/main" w="9525">
+                <a14:hiddenLine xmlns:a14="http://schemas.microsoft.com/office/drawing/2010/main" xmlns:p14="http://schemas.microsoft.com/office/powerpoint/2010/main" xmlns:a16="http://schemas.microsoft.com/office/drawing/2014/main" xmlns="" w="9525">
                   <a:solidFill>
                     <a:srgbClr val="000000"/>
                   </a:solidFill>
@@ -17199,7 +17199,7 @@
             </a:ln>
             <a:extLst>
               <a:ext uri="{91240B29-F687-4f45-9708-019B960494DF}">
-                <a14:hiddenLine xmlns="" xmlns:a16="http://schemas.microsoft.com/office/drawing/2014/main" xmlns:p14="http://schemas.microsoft.com/office/powerpoint/2010/main" xmlns:a14="http://schemas.microsoft.com/office/drawing/2010/main" w="9525">
+                <a14:hiddenLine xmlns:a14="http://schemas.microsoft.com/office/drawing/2010/main" xmlns:p14="http://schemas.microsoft.com/office/powerpoint/2010/main" xmlns:a16="http://schemas.microsoft.com/office/drawing/2014/main" xmlns="" w="9525">
                   <a:solidFill>
                     <a:srgbClr val="000000"/>
                   </a:solidFill>
@@ -17304,7 +17304,7 @@
             </a:ln>
             <a:extLst>
               <a:ext uri="{91240B29-F687-4f45-9708-019B960494DF}">
-                <a14:hiddenLine xmlns="" xmlns:a16="http://schemas.microsoft.com/office/drawing/2014/main" xmlns:p14="http://schemas.microsoft.com/office/powerpoint/2010/main" xmlns:a14="http://schemas.microsoft.com/office/drawing/2010/main" w="9525">
+                <a14:hiddenLine xmlns:a14="http://schemas.microsoft.com/office/drawing/2010/main" xmlns:p14="http://schemas.microsoft.com/office/powerpoint/2010/main" xmlns:a16="http://schemas.microsoft.com/office/drawing/2014/main" xmlns="" w="9525">
                   <a:solidFill>
                     <a:srgbClr val="000000"/>
                   </a:solidFill>
@@ -17381,7 +17381,7 @@
             </a:ln>
             <a:extLst>
               <a:ext uri="{91240B29-F687-4f45-9708-019B960494DF}">
-                <a14:hiddenLine xmlns="" xmlns:a16="http://schemas.microsoft.com/office/drawing/2014/main" xmlns:p14="http://schemas.microsoft.com/office/powerpoint/2010/main" xmlns:a14="http://schemas.microsoft.com/office/drawing/2010/main" w="9525">
+                <a14:hiddenLine xmlns:a14="http://schemas.microsoft.com/office/drawing/2010/main" xmlns:p14="http://schemas.microsoft.com/office/powerpoint/2010/main" xmlns:a16="http://schemas.microsoft.com/office/drawing/2014/main" xmlns="" w="9525">
                   <a:solidFill>
                     <a:srgbClr val="000000"/>
                   </a:solidFill>
@@ -17486,7 +17486,7 @@
             </a:ln>
             <a:extLst>
               <a:ext uri="{91240B29-F687-4f45-9708-019B960494DF}">
-                <a14:hiddenLine xmlns="" xmlns:a16="http://schemas.microsoft.com/office/drawing/2014/main" xmlns:p14="http://schemas.microsoft.com/office/powerpoint/2010/main" xmlns:a14="http://schemas.microsoft.com/office/drawing/2010/main" w="9525">
+                <a14:hiddenLine xmlns:a14="http://schemas.microsoft.com/office/drawing/2010/main" xmlns:p14="http://schemas.microsoft.com/office/powerpoint/2010/main" xmlns:a16="http://schemas.microsoft.com/office/drawing/2014/main" xmlns="" w="9525">
                   <a:solidFill>
                     <a:srgbClr val="000000"/>
                   </a:solidFill>
@@ -17563,7 +17563,7 @@
             </a:ln>
             <a:extLst>
               <a:ext uri="{91240B29-F687-4f45-9708-019B960494DF}">
-                <a14:hiddenLine xmlns="" xmlns:a16="http://schemas.microsoft.com/office/drawing/2014/main" xmlns:p14="http://schemas.microsoft.com/office/powerpoint/2010/main" xmlns:a14="http://schemas.microsoft.com/office/drawing/2010/main" w="9525">
+                <a14:hiddenLine xmlns:a14="http://schemas.microsoft.com/office/drawing/2010/main" xmlns:p14="http://schemas.microsoft.com/office/powerpoint/2010/main" xmlns:a16="http://schemas.microsoft.com/office/drawing/2014/main" xmlns="" w="9525">
                   <a:solidFill>
                     <a:srgbClr val="000000"/>
                   </a:solidFill>
@@ -17640,7 +17640,7 @@
             </a:ln>
             <a:extLst>
               <a:ext uri="{91240B29-F687-4f45-9708-019B960494DF}">
-                <a14:hiddenLine xmlns="" xmlns:a16="http://schemas.microsoft.com/office/drawing/2014/main" xmlns:p14="http://schemas.microsoft.com/office/powerpoint/2010/main" xmlns:a14="http://schemas.microsoft.com/office/drawing/2010/main" w="9525">
+                <a14:hiddenLine xmlns:a14="http://schemas.microsoft.com/office/drawing/2010/main" xmlns:p14="http://schemas.microsoft.com/office/powerpoint/2010/main" xmlns:a16="http://schemas.microsoft.com/office/drawing/2014/main" xmlns="" w="9525">
                   <a:solidFill>
                     <a:srgbClr val="000000"/>
                   </a:solidFill>
@@ -17745,7 +17745,7 @@
             </a:ln>
             <a:extLst>
               <a:ext uri="{91240B29-F687-4f45-9708-019B960494DF}">
-                <a14:hiddenLine xmlns="" xmlns:a16="http://schemas.microsoft.com/office/drawing/2014/main" xmlns:p14="http://schemas.microsoft.com/office/powerpoint/2010/main" xmlns:a14="http://schemas.microsoft.com/office/drawing/2010/main" w="9525">
+                <a14:hiddenLine xmlns:a14="http://schemas.microsoft.com/office/drawing/2010/main" xmlns:p14="http://schemas.microsoft.com/office/powerpoint/2010/main" xmlns:a16="http://schemas.microsoft.com/office/drawing/2014/main" xmlns="" w="9525">
                   <a:solidFill>
                     <a:srgbClr val="000000"/>
                   </a:solidFill>
@@ -17850,7 +17850,7 @@
             </a:ln>
             <a:extLst>
               <a:ext uri="{91240B29-F687-4f45-9708-019B960494DF}">
-                <a14:hiddenLine xmlns="" xmlns:a16="http://schemas.microsoft.com/office/drawing/2014/main" xmlns:p14="http://schemas.microsoft.com/office/powerpoint/2010/main" xmlns:a14="http://schemas.microsoft.com/office/drawing/2010/main" w="9525">
+                <a14:hiddenLine xmlns:a14="http://schemas.microsoft.com/office/drawing/2010/main" xmlns:p14="http://schemas.microsoft.com/office/powerpoint/2010/main" xmlns:a16="http://schemas.microsoft.com/office/drawing/2014/main" xmlns="" w="9525">
                   <a:solidFill>
                     <a:srgbClr val="000000"/>
                   </a:solidFill>
@@ -17927,7 +17927,7 @@
             </a:ln>
             <a:extLst>
               <a:ext uri="{91240B29-F687-4f45-9708-019B960494DF}">
-                <a14:hiddenLine xmlns="" xmlns:a16="http://schemas.microsoft.com/office/drawing/2014/main" xmlns:p14="http://schemas.microsoft.com/office/powerpoint/2010/main" xmlns:a14="http://schemas.microsoft.com/office/drawing/2010/main" w="9525">
+                <a14:hiddenLine xmlns:a14="http://schemas.microsoft.com/office/drawing/2010/main" xmlns:p14="http://schemas.microsoft.com/office/powerpoint/2010/main" xmlns:a16="http://schemas.microsoft.com/office/drawing/2014/main" xmlns="" w="9525">
                   <a:solidFill>
                     <a:srgbClr val="000000"/>
                   </a:solidFill>
@@ -18052,7 +18052,7 @@
             </a:ln>
             <a:extLst>
               <a:ext uri="{91240B29-F687-4f45-9708-019B960494DF}">
-                <a14:hiddenLine xmlns="" xmlns:a16="http://schemas.microsoft.com/office/drawing/2014/main" xmlns:p14="http://schemas.microsoft.com/office/powerpoint/2010/main" xmlns:a14="http://schemas.microsoft.com/office/drawing/2010/main" w="9525">
+                <a14:hiddenLine xmlns:a14="http://schemas.microsoft.com/office/drawing/2010/main" xmlns:p14="http://schemas.microsoft.com/office/powerpoint/2010/main" xmlns:a16="http://schemas.microsoft.com/office/drawing/2014/main" xmlns="" w="9525">
                   <a:solidFill>
                     <a:srgbClr val="000000"/>
                   </a:solidFill>
@@ -18166,7 +18166,7 @@
             </a:ln>
             <a:extLst>
               <a:ext uri="{91240B29-F687-4f45-9708-019B960494DF}">
-                <a14:hiddenLine xmlns="" xmlns:a16="http://schemas.microsoft.com/office/drawing/2014/main" xmlns:p14="http://schemas.microsoft.com/office/powerpoint/2010/main" xmlns:a14="http://schemas.microsoft.com/office/drawing/2010/main" w="9525">
+                <a14:hiddenLine xmlns:a14="http://schemas.microsoft.com/office/drawing/2010/main" xmlns:p14="http://schemas.microsoft.com/office/powerpoint/2010/main" xmlns:a16="http://schemas.microsoft.com/office/drawing/2014/main" xmlns="" w="9525">
                   <a:solidFill>
                     <a:srgbClr val="000000"/>
                   </a:solidFill>
@@ -18243,7 +18243,7 @@
             </a:ln>
             <a:extLst>
               <a:ext uri="{91240B29-F687-4f45-9708-019B960494DF}">
-                <a14:hiddenLine xmlns="" xmlns:a16="http://schemas.microsoft.com/office/drawing/2014/main" xmlns:p14="http://schemas.microsoft.com/office/powerpoint/2010/main" xmlns:a14="http://schemas.microsoft.com/office/drawing/2010/main" w="9525">
+                <a14:hiddenLine xmlns:a14="http://schemas.microsoft.com/office/drawing/2010/main" xmlns:p14="http://schemas.microsoft.com/office/powerpoint/2010/main" xmlns:a16="http://schemas.microsoft.com/office/drawing/2014/main" xmlns="" w="9525">
                   <a:solidFill>
                     <a:srgbClr val="000000"/>
                   </a:solidFill>
@@ -18320,7 +18320,7 @@
             </a:ln>
             <a:extLst>
               <a:ext uri="{91240B29-F687-4f45-9708-019B960494DF}">
-                <a14:hiddenLine xmlns="" xmlns:a16="http://schemas.microsoft.com/office/drawing/2014/main" xmlns:p14="http://schemas.microsoft.com/office/powerpoint/2010/main" xmlns:a14="http://schemas.microsoft.com/office/drawing/2010/main" w="9525">
+                <a14:hiddenLine xmlns:a14="http://schemas.microsoft.com/office/drawing/2010/main" xmlns:p14="http://schemas.microsoft.com/office/powerpoint/2010/main" xmlns:a16="http://schemas.microsoft.com/office/drawing/2014/main" xmlns="" w="9525">
                   <a:solidFill>
                     <a:srgbClr val="000000"/>
                   </a:solidFill>
@@ -18425,7 +18425,7 @@
             </a:ln>
             <a:extLst>
               <a:ext uri="{91240B29-F687-4f45-9708-019B960494DF}">
-                <a14:hiddenLine xmlns="" xmlns:a16="http://schemas.microsoft.com/office/drawing/2014/main" xmlns:p14="http://schemas.microsoft.com/office/powerpoint/2010/main" xmlns:a14="http://schemas.microsoft.com/office/drawing/2010/main" w="9525">
+                <a14:hiddenLine xmlns:a14="http://schemas.microsoft.com/office/drawing/2010/main" xmlns:p14="http://schemas.microsoft.com/office/powerpoint/2010/main" xmlns:a16="http://schemas.microsoft.com/office/drawing/2014/main" xmlns="" w="9525">
                   <a:solidFill>
                     <a:srgbClr val="000000"/>
                   </a:solidFill>
@@ -18474,7 +18474,7 @@
             </a:ln>
             <a:extLst>
               <a:ext uri="{91240B29-F687-4f45-9708-019B960494DF}">
-                <a14:hiddenLine xmlns="" xmlns:a16="http://schemas.microsoft.com/office/drawing/2014/main" xmlns:p14="http://schemas.microsoft.com/office/powerpoint/2010/main" xmlns:a14="http://schemas.microsoft.com/office/drawing/2010/main" w="9525">
+                <a14:hiddenLine xmlns:a14="http://schemas.microsoft.com/office/drawing/2010/main" xmlns:p14="http://schemas.microsoft.com/office/powerpoint/2010/main" xmlns:a16="http://schemas.microsoft.com/office/drawing/2014/main" xmlns="" w="9525">
                   <a:solidFill>
                     <a:srgbClr val="000000"/>
                   </a:solidFill>
@@ -18554,7 +18554,7 @@
             </a:ln>
             <a:extLst>
               <a:ext uri="{91240B29-F687-4f45-9708-019B960494DF}">
-                <a14:hiddenLine xmlns="" xmlns:a16="http://schemas.microsoft.com/office/drawing/2014/main" xmlns:p14="http://schemas.microsoft.com/office/powerpoint/2010/main" xmlns:a14="http://schemas.microsoft.com/office/drawing/2010/main" w="9525">
+                <a14:hiddenLine xmlns:a14="http://schemas.microsoft.com/office/drawing/2010/main" xmlns:p14="http://schemas.microsoft.com/office/powerpoint/2010/main" xmlns:a16="http://schemas.microsoft.com/office/drawing/2014/main" xmlns="" w="9525">
                   <a:solidFill>
                     <a:srgbClr val="000000"/>
                   </a:solidFill>
@@ -18659,7 +18659,7 @@
             </a:ln>
             <a:extLst>
               <a:ext uri="{91240B29-F687-4f45-9708-019B960494DF}">
-                <a14:hiddenLine xmlns="" xmlns:a16="http://schemas.microsoft.com/office/drawing/2014/main" xmlns:p14="http://schemas.microsoft.com/office/powerpoint/2010/main" xmlns:a14="http://schemas.microsoft.com/office/drawing/2010/main" w="9525">
+                <a14:hiddenLine xmlns:a14="http://schemas.microsoft.com/office/drawing/2010/main" xmlns:p14="http://schemas.microsoft.com/office/powerpoint/2010/main" xmlns:a16="http://schemas.microsoft.com/office/drawing/2014/main" xmlns="" w="9525">
                   <a:solidFill>
                     <a:srgbClr val="000000"/>
                   </a:solidFill>
@@ -18736,7 +18736,7 @@
             </a:ln>
             <a:extLst>
               <a:ext uri="{91240B29-F687-4f45-9708-019B960494DF}">
-                <a14:hiddenLine xmlns="" xmlns:a16="http://schemas.microsoft.com/office/drawing/2014/main" xmlns:p14="http://schemas.microsoft.com/office/powerpoint/2010/main" xmlns:a14="http://schemas.microsoft.com/office/drawing/2010/main" w="9525">
+                <a14:hiddenLine xmlns:a14="http://schemas.microsoft.com/office/drawing/2010/main" xmlns:p14="http://schemas.microsoft.com/office/powerpoint/2010/main" xmlns:a16="http://schemas.microsoft.com/office/drawing/2014/main" xmlns="" w="9525">
                   <a:solidFill>
                     <a:srgbClr val="000000"/>
                   </a:solidFill>
@@ -18841,7 +18841,7 @@
             </a:ln>
             <a:extLst>
               <a:ext uri="{91240B29-F687-4f45-9708-019B960494DF}">
-                <a14:hiddenLine xmlns="" xmlns:a16="http://schemas.microsoft.com/office/drawing/2014/main" xmlns:p14="http://schemas.microsoft.com/office/powerpoint/2010/main" xmlns:a14="http://schemas.microsoft.com/office/drawing/2010/main" w="9525">
+                <a14:hiddenLine xmlns:a14="http://schemas.microsoft.com/office/drawing/2010/main" xmlns:p14="http://schemas.microsoft.com/office/powerpoint/2010/main" xmlns:a16="http://schemas.microsoft.com/office/drawing/2014/main" xmlns="" w="9525">
                   <a:solidFill>
                     <a:srgbClr val="000000"/>
                   </a:solidFill>
@@ -18921,7 +18921,7 @@
             </a:ln>
             <a:extLst>
               <a:ext uri="{91240B29-F687-4f45-9708-019B960494DF}">
-                <a14:hiddenLine xmlns="" xmlns:a16="http://schemas.microsoft.com/office/drawing/2014/main" xmlns:p14="http://schemas.microsoft.com/office/powerpoint/2010/main" xmlns:a14="http://schemas.microsoft.com/office/drawing/2010/main" w="9525">
+                <a14:hiddenLine xmlns:a14="http://schemas.microsoft.com/office/drawing/2010/main" xmlns:p14="http://schemas.microsoft.com/office/powerpoint/2010/main" xmlns:a16="http://schemas.microsoft.com/office/drawing/2014/main" xmlns="" w="9525">
                   <a:solidFill>
                     <a:srgbClr val="000000"/>
                   </a:solidFill>
@@ -18998,7 +18998,7 @@
             </a:ln>
             <a:extLst>
               <a:ext uri="{91240B29-F687-4f45-9708-019B960494DF}">
-                <a14:hiddenLine xmlns="" xmlns:a16="http://schemas.microsoft.com/office/drawing/2014/main" xmlns:p14="http://schemas.microsoft.com/office/powerpoint/2010/main" xmlns:a14="http://schemas.microsoft.com/office/drawing/2010/main" w="9525">
+                <a14:hiddenLine xmlns:a14="http://schemas.microsoft.com/office/drawing/2010/main" xmlns:p14="http://schemas.microsoft.com/office/powerpoint/2010/main" xmlns:a16="http://schemas.microsoft.com/office/drawing/2014/main" xmlns="" w="9525">
                   <a:solidFill>
                     <a:srgbClr val="000000"/>
                   </a:solidFill>
@@ -19103,7 +19103,7 @@
             </a:ln>
             <a:extLst>
               <a:ext uri="{91240B29-F687-4f45-9708-019B960494DF}">
-                <a14:hiddenLine xmlns="" xmlns:a16="http://schemas.microsoft.com/office/drawing/2014/main" xmlns:p14="http://schemas.microsoft.com/office/powerpoint/2010/main" xmlns:a14="http://schemas.microsoft.com/office/drawing/2010/main" w="9525">
+                <a14:hiddenLine xmlns:a14="http://schemas.microsoft.com/office/drawing/2010/main" xmlns:p14="http://schemas.microsoft.com/office/powerpoint/2010/main" xmlns:a16="http://schemas.microsoft.com/office/drawing/2014/main" xmlns="" w="9525">
                   <a:solidFill>
                     <a:srgbClr val="000000"/>
                   </a:solidFill>
@@ -19208,7 +19208,7 @@
             </a:ln>
             <a:extLst>
               <a:ext uri="{91240B29-F687-4f45-9708-019B960494DF}">
-                <a14:hiddenLine xmlns="" xmlns:a16="http://schemas.microsoft.com/office/drawing/2014/main" xmlns:p14="http://schemas.microsoft.com/office/powerpoint/2010/main" xmlns:a14="http://schemas.microsoft.com/office/drawing/2010/main" w="9525">
+                <a14:hiddenLine xmlns:a14="http://schemas.microsoft.com/office/drawing/2010/main" xmlns:p14="http://schemas.microsoft.com/office/powerpoint/2010/main" xmlns:a16="http://schemas.microsoft.com/office/drawing/2014/main" xmlns="" w="9525">
                   <a:solidFill>
                     <a:srgbClr val="000000"/>
                   </a:solidFill>
@@ -19288,7 +19288,7 @@
             </a:ln>
             <a:extLst>
               <a:ext uri="{91240B29-F687-4f45-9708-019B960494DF}">
-                <a14:hiddenLine xmlns="" xmlns:a16="http://schemas.microsoft.com/office/drawing/2014/main" xmlns:p14="http://schemas.microsoft.com/office/powerpoint/2010/main" xmlns:a14="http://schemas.microsoft.com/office/drawing/2010/main" w="9525">
+                <a14:hiddenLine xmlns:a14="http://schemas.microsoft.com/office/drawing/2010/main" xmlns:p14="http://schemas.microsoft.com/office/powerpoint/2010/main" xmlns:a16="http://schemas.microsoft.com/office/drawing/2014/main" xmlns="" w="9525">
                   <a:solidFill>
                     <a:srgbClr val="000000"/>
                   </a:solidFill>
@@ -19423,7 +19423,7 @@
             </a:ln>
             <a:extLst>
               <a:ext uri="{91240B29-F687-4f45-9708-019B960494DF}">
-                <a14:hiddenLine xmlns="" xmlns:a16="http://schemas.microsoft.com/office/drawing/2014/main" xmlns:p14="http://schemas.microsoft.com/office/powerpoint/2010/main" xmlns:a14="http://schemas.microsoft.com/office/drawing/2010/main" w="9525">
+                <a14:hiddenLine xmlns:a14="http://schemas.microsoft.com/office/drawing/2010/main" xmlns:p14="http://schemas.microsoft.com/office/powerpoint/2010/main" xmlns:a16="http://schemas.microsoft.com/office/drawing/2014/main" xmlns="" w="9525">
                   <a:solidFill>
                     <a:srgbClr val="000000"/>
                   </a:solidFill>
@@ -20048,7 +20048,7 @@
           <a:noFill/>
           <a:extLst>
             <a:ext uri="{909E8E84-426E-40dd-AFC4-6F175D3DCCD1}">
-              <a14:hiddenFill xmlns:a14="http://schemas.microsoft.com/office/drawing/2010/main" xmlns:p14="http://schemas.microsoft.com/office/powerpoint/2010/main" xmlns:a16="http://schemas.microsoft.com/office/drawing/2014/main" xmlns="">
+              <a14:hiddenFill xmlns="" xmlns:a16="http://schemas.microsoft.com/office/drawing/2014/main" xmlns:p14="http://schemas.microsoft.com/office/powerpoint/2010/main" xmlns:a14="http://schemas.microsoft.com/office/drawing/2010/main">
                 <a:solidFill>
                   <a:srgbClr val="FFFFFF"/>
                 </a:solidFill>
@@ -20176,7 +20176,7 @@
             </a:ln>
             <a:extLst>
               <a:ext uri="{91240B29-F687-4f45-9708-019B960494DF}">
-                <a14:hiddenLine xmlns:a14="http://schemas.microsoft.com/office/drawing/2010/main" xmlns:p14="http://schemas.microsoft.com/office/powerpoint/2010/main" xmlns:a16="http://schemas.microsoft.com/office/drawing/2014/main" xmlns="" w="9525">
+                <a14:hiddenLine xmlns="" xmlns:a16="http://schemas.microsoft.com/office/drawing/2014/main" xmlns:p14="http://schemas.microsoft.com/office/powerpoint/2010/main" xmlns:a14="http://schemas.microsoft.com/office/drawing/2010/main" w="9525">
                   <a:solidFill>
                     <a:srgbClr val="000000"/>
                   </a:solidFill>
@@ -20281,7 +20281,7 @@
             </a:ln>
             <a:extLst>
               <a:ext uri="{91240B29-F687-4f45-9708-019B960494DF}">
-                <a14:hiddenLine xmlns:a14="http://schemas.microsoft.com/office/drawing/2010/main" xmlns:p14="http://schemas.microsoft.com/office/powerpoint/2010/main" xmlns:a16="http://schemas.microsoft.com/office/drawing/2014/main" xmlns="" w="9525">
+                <a14:hiddenLine xmlns="" xmlns:a16="http://schemas.microsoft.com/office/drawing/2014/main" xmlns:p14="http://schemas.microsoft.com/office/powerpoint/2010/main" xmlns:a14="http://schemas.microsoft.com/office/drawing/2010/main" w="9525">
                   <a:solidFill>
                     <a:srgbClr val="000000"/>
                   </a:solidFill>
@@ -20386,7 +20386,7 @@
             </a:ln>
             <a:extLst>
               <a:ext uri="{91240B29-F687-4f45-9708-019B960494DF}">
-                <a14:hiddenLine xmlns:a14="http://schemas.microsoft.com/office/drawing/2010/main" xmlns:p14="http://schemas.microsoft.com/office/powerpoint/2010/main" xmlns:a16="http://schemas.microsoft.com/office/drawing/2014/main" xmlns="" w="9525">
+                <a14:hiddenLine xmlns="" xmlns:a16="http://schemas.microsoft.com/office/drawing/2014/main" xmlns:p14="http://schemas.microsoft.com/office/powerpoint/2010/main" xmlns:a14="http://schemas.microsoft.com/office/drawing/2010/main" w="9525">
                   <a:solidFill>
                     <a:srgbClr val="000000"/>
                   </a:solidFill>
@@ -20463,7 +20463,7 @@
             </a:ln>
             <a:extLst>
               <a:ext uri="{91240B29-F687-4f45-9708-019B960494DF}">
-                <a14:hiddenLine xmlns:a14="http://schemas.microsoft.com/office/drawing/2010/main" xmlns:p14="http://schemas.microsoft.com/office/powerpoint/2010/main" xmlns:a16="http://schemas.microsoft.com/office/drawing/2014/main" xmlns="" w="9525">
+                <a14:hiddenLine xmlns="" xmlns:a16="http://schemas.microsoft.com/office/drawing/2014/main" xmlns:p14="http://schemas.microsoft.com/office/powerpoint/2010/main" xmlns:a14="http://schemas.microsoft.com/office/drawing/2010/main" w="9525">
                   <a:solidFill>
                     <a:srgbClr val="000000"/>
                   </a:solidFill>
@@ -20568,7 +20568,7 @@
             </a:ln>
             <a:extLst>
               <a:ext uri="{91240B29-F687-4f45-9708-019B960494DF}">
-                <a14:hiddenLine xmlns:a14="http://schemas.microsoft.com/office/drawing/2010/main" xmlns:p14="http://schemas.microsoft.com/office/powerpoint/2010/main" xmlns:a16="http://schemas.microsoft.com/office/drawing/2014/main" xmlns="" w="9525">
+                <a14:hiddenLine xmlns="" xmlns:a16="http://schemas.microsoft.com/office/drawing/2014/main" xmlns:p14="http://schemas.microsoft.com/office/powerpoint/2010/main" xmlns:a14="http://schemas.microsoft.com/office/drawing/2010/main" w="9525">
                   <a:solidFill>
                     <a:srgbClr val="000000"/>
                   </a:solidFill>
@@ -20645,7 +20645,7 @@
             </a:ln>
             <a:extLst>
               <a:ext uri="{91240B29-F687-4f45-9708-019B960494DF}">
-                <a14:hiddenLine xmlns:a14="http://schemas.microsoft.com/office/drawing/2010/main" xmlns:p14="http://schemas.microsoft.com/office/powerpoint/2010/main" xmlns:a16="http://schemas.microsoft.com/office/drawing/2014/main" xmlns="" w="9525">
+                <a14:hiddenLine xmlns="" xmlns:a16="http://schemas.microsoft.com/office/drawing/2014/main" xmlns:p14="http://schemas.microsoft.com/office/powerpoint/2010/main" xmlns:a14="http://schemas.microsoft.com/office/drawing/2010/main" w="9525">
                   <a:solidFill>
                     <a:srgbClr val="000000"/>
                   </a:solidFill>
@@ -20722,7 +20722,7 @@
             </a:ln>
             <a:extLst>
               <a:ext uri="{91240B29-F687-4f45-9708-019B960494DF}">
-                <a14:hiddenLine xmlns:a14="http://schemas.microsoft.com/office/drawing/2010/main" xmlns:p14="http://schemas.microsoft.com/office/powerpoint/2010/main" xmlns:a16="http://schemas.microsoft.com/office/drawing/2014/main" xmlns="" w="9525">
+                <a14:hiddenLine xmlns="" xmlns:a16="http://schemas.microsoft.com/office/drawing/2014/main" xmlns:p14="http://schemas.microsoft.com/office/powerpoint/2010/main" xmlns:a14="http://schemas.microsoft.com/office/drawing/2010/main" w="9525">
                   <a:solidFill>
                     <a:srgbClr val="000000"/>
                   </a:solidFill>
@@ -20827,7 +20827,7 @@
             </a:ln>
             <a:extLst>
               <a:ext uri="{91240B29-F687-4f45-9708-019B960494DF}">
-                <a14:hiddenLine xmlns:a14="http://schemas.microsoft.com/office/drawing/2010/main" xmlns:p14="http://schemas.microsoft.com/office/powerpoint/2010/main" xmlns:a16="http://schemas.microsoft.com/office/drawing/2014/main" xmlns="" w="9525">
+                <a14:hiddenLine xmlns="" xmlns:a16="http://schemas.microsoft.com/office/drawing/2014/main" xmlns:p14="http://schemas.microsoft.com/office/powerpoint/2010/main" xmlns:a14="http://schemas.microsoft.com/office/drawing/2010/main" w="9525">
                   <a:solidFill>
                     <a:srgbClr val="000000"/>
                   </a:solidFill>
@@ -20932,7 +20932,7 @@
             </a:ln>
             <a:extLst>
               <a:ext uri="{91240B29-F687-4f45-9708-019B960494DF}">
-                <a14:hiddenLine xmlns:a14="http://schemas.microsoft.com/office/drawing/2010/main" xmlns:p14="http://schemas.microsoft.com/office/powerpoint/2010/main" xmlns:a16="http://schemas.microsoft.com/office/drawing/2014/main" xmlns="" w="9525">
+                <a14:hiddenLine xmlns="" xmlns:a16="http://schemas.microsoft.com/office/drawing/2014/main" xmlns:p14="http://schemas.microsoft.com/office/powerpoint/2010/main" xmlns:a14="http://schemas.microsoft.com/office/drawing/2010/main" w="9525">
                   <a:solidFill>
                     <a:srgbClr val="000000"/>
                   </a:solidFill>
@@ -21009,7 +21009,7 @@
             </a:ln>
             <a:extLst>
               <a:ext uri="{91240B29-F687-4f45-9708-019B960494DF}">
-                <a14:hiddenLine xmlns:a14="http://schemas.microsoft.com/office/drawing/2010/main" xmlns:p14="http://schemas.microsoft.com/office/powerpoint/2010/main" xmlns:a16="http://schemas.microsoft.com/office/drawing/2014/main" xmlns="" w="9525">
+                <a14:hiddenLine xmlns="" xmlns:a16="http://schemas.microsoft.com/office/drawing/2014/main" xmlns:p14="http://schemas.microsoft.com/office/powerpoint/2010/main" xmlns:a14="http://schemas.microsoft.com/office/drawing/2010/main" w="9525">
                   <a:solidFill>
                     <a:srgbClr val="000000"/>
                   </a:solidFill>
@@ -21134,7 +21134,7 @@
             </a:ln>
             <a:extLst>
               <a:ext uri="{91240B29-F687-4f45-9708-019B960494DF}">
-                <a14:hiddenLine xmlns:a14="http://schemas.microsoft.com/office/drawing/2010/main" xmlns:p14="http://schemas.microsoft.com/office/powerpoint/2010/main" xmlns:a16="http://schemas.microsoft.com/office/drawing/2014/main" xmlns="" w="9525">
+                <a14:hiddenLine xmlns="" xmlns:a16="http://schemas.microsoft.com/office/drawing/2014/main" xmlns:p14="http://schemas.microsoft.com/office/powerpoint/2010/main" xmlns:a14="http://schemas.microsoft.com/office/drawing/2010/main" w="9525">
                   <a:solidFill>
                     <a:srgbClr val="000000"/>
                   </a:solidFill>
@@ -21248,7 +21248,7 @@
             </a:ln>
             <a:extLst>
               <a:ext uri="{91240B29-F687-4f45-9708-019B960494DF}">
-                <a14:hiddenLine xmlns:a14="http://schemas.microsoft.com/office/drawing/2010/main" xmlns:p14="http://schemas.microsoft.com/office/powerpoint/2010/main" xmlns:a16="http://schemas.microsoft.com/office/drawing/2014/main" xmlns="" w="9525">
+                <a14:hiddenLine xmlns="" xmlns:a16="http://schemas.microsoft.com/office/drawing/2014/main" xmlns:p14="http://schemas.microsoft.com/office/powerpoint/2010/main" xmlns:a14="http://schemas.microsoft.com/office/drawing/2010/main" w="9525">
                   <a:solidFill>
                     <a:srgbClr val="000000"/>
                   </a:solidFill>
@@ -21325,7 +21325,7 @@
             </a:ln>
             <a:extLst>
               <a:ext uri="{91240B29-F687-4f45-9708-019B960494DF}">
-                <a14:hiddenLine xmlns:a14="http://schemas.microsoft.com/office/drawing/2010/main" xmlns:p14="http://schemas.microsoft.com/office/powerpoint/2010/main" xmlns:a16="http://schemas.microsoft.com/office/drawing/2014/main" xmlns="" w="9525">
+                <a14:hiddenLine xmlns="" xmlns:a16="http://schemas.microsoft.com/office/drawing/2014/main" xmlns:p14="http://schemas.microsoft.com/office/powerpoint/2010/main" xmlns:a14="http://schemas.microsoft.com/office/drawing/2010/main" w="9525">
                   <a:solidFill>
                     <a:srgbClr val="000000"/>
                   </a:solidFill>
@@ -21402,7 +21402,7 @@
             </a:ln>
             <a:extLst>
               <a:ext uri="{91240B29-F687-4f45-9708-019B960494DF}">
-                <a14:hiddenLine xmlns:a14="http://schemas.microsoft.com/office/drawing/2010/main" xmlns:p14="http://schemas.microsoft.com/office/powerpoint/2010/main" xmlns:a16="http://schemas.microsoft.com/office/drawing/2014/main" xmlns="" w="9525">
+                <a14:hiddenLine xmlns="" xmlns:a16="http://schemas.microsoft.com/office/drawing/2014/main" xmlns:p14="http://schemas.microsoft.com/office/powerpoint/2010/main" xmlns:a14="http://schemas.microsoft.com/office/drawing/2010/main" w="9525">
                   <a:solidFill>
                     <a:srgbClr val="000000"/>
                   </a:solidFill>
@@ -21507,7 +21507,7 @@
             </a:ln>
             <a:extLst>
               <a:ext uri="{91240B29-F687-4f45-9708-019B960494DF}">
-                <a14:hiddenLine xmlns:a14="http://schemas.microsoft.com/office/drawing/2010/main" xmlns:p14="http://schemas.microsoft.com/office/powerpoint/2010/main" xmlns:a16="http://schemas.microsoft.com/office/drawing/2014/main" xmlns="" w="9525">
+                <a14:hiddenLine xmlns="" xmlns:a16="http://schemas.microsoft.com/office/drawing/2014/main" xmlns:p14="http://schemas.microsoft.com/office/powerpoint/2010/main" xmlns:a14="http://schemas.microsoft.com/office/drawing/2010/main" w="9525">
                   <a:solidFill>
                     <a:srgbClr val="000000"/>
                   </a:solidFill>
@@ -21556,7 +21556,7 @@
             </a:ln>
             <a:extLst>
               <a:ext uri="{91240B29-F687-4f45-9708-019B960494DF}">
-                <a14:hiddenLine xmlns:a14="http://schemas.microsoft.com/office/drawing/2010/main" xmlns:p14="http://schemas.microsoft.com/office/powerpoint/2010/main" xmlns:a16="http://schemas.microsoft.com/office/drawing/2014/main" xmlns="" w="9525">
+                <a14:hiddenLine xmlns="" xmlns:a16="http://schemas.microsoft.com/office/drawing/2014/main" xmlns:p14="http://schemas.microsoft.com/office/powerpoint/2010/main" xmlns:a14="http://schemas.microsoft.com/office/drawing/2010/main" w="9525">
                   <a:solidFill>
                     <a:srgbClr val="000000"/>
                   </a:solidFill>
@@ -21636,7 +21636,7 @@
             </a:ln>
             <a:extLst>
               <a:ext uri="{91240B29-F687-4f45-9708-019B960494DF}">
-                <a14:hiddenLine xmlns:a14="http://schemas.microsoft.com/office/drawing/2010/main" xmlns:p14="http://schemas.microsoft.com/office/powerpoint/2010/main" xmlns:a16="http://schemas.microsoft.com/office/drawing/2014/main" xmlns="" w="9525">
+                <a14:hiddenLine xmlns="" xmlns:a16="http://schemas.microsoft.com/office/drawing/2014/main" xmlns:p14="http://schemas.microsoft.com/office/powerpoint/2010/main" xmlns:a14="http://schemas.microsoft.com/office/drawing/2010/main" w="9525">
                   <a:solidFill>
                     <a:srgbClr val="000000"/>
                   </a:solidFill>
@@ -21741,7 +21741,7 @@
             </a:ln>
             <a:extLst>
               <a:ext uri="{91240B29-F687-4f45-9708-019B960494DF}">
-                <a14:hiddenLine xmlns:a14="http://schemas.microsoft.com/office/drawing/2010/main" xmlns:p14="http://schemas.microsoft.com/office/powerpoint/2010/main" xmlns:a16="http://schemas.microsoft.com/office/drawing/2014/main" xmlns="" w="9525">
+                <a14:hiddenLine xmlns="" xmlns:a16="http://schemas.microsoft.com/office/drawing/2014/main" xmlns:p14="http://schemas.microsoft.com/office/powerpoint/2010/main" xmlns:a14="http://schemas.microsoft.com/office/drawing/2010/main" w="9525">
                   <a:solidFill>
                     <a:srgbClr val="000000"/>
                   </a:solidFill>
@@ -21818,7 +21818,7 @@
             </a:ln>
             <a:extLst>
               <a:ext uri="{91240B29-F687-4f45-9708-019B960494DF}">
-                <a14:hiddenLine xmlns:a14="http://schemas.microsoft.com/office/drawing/2010/main" xmlns:p14="http://schemas.microsoft.com/office/powerpoint/2010/main" xmlns:a16="http://schemas.microsoft.com/office/drawing/2014/main" xmlns="" w="9525">
+                <a14:hiddenLine xmlns="" xmlns:a16="http://schemas.microsoft.com/office/drawing/2014/main" xmlns:p14="http://schemas.microsoft.com/office/powerpoint/2010/main" xmlns:a14="http://schemas.microsoft.com/office/drawing/2010/main" w="9525">
                   <a:solidFill>
                     <a:srgbClr val="000000"/>
                   </a:solidFill>
@@ -21923,7 +21923,7 @@
             </a:ln>
             <a:extLst>
               <a:ext uri="{91240B29-F687-4f45-9708-019B960494DF}">
-                <a14:hiddenLine xmlns:a14="http://schemas.microsoft.com/office/drawing/2010/main" xmlns:p14="http://schemas.microsoft.com/office/powerpoint/2010/main" xmlns:a16="http://schemas.microsoft.com/office/drawing/2014/main" xmlns="" w="9525">
+                <a14:hiddenLine xmlns="" xmlns:a16="http://schemas.microsoft.com/office/drawing/2014/main" xmlns:p14="http://schemas.microsoft.com/office/powerpoint/2010/main" xmlns:a14="http://schemas.microsoft.com/office/drawing/2010/main" w="9525">
                   <a:solidFill>
                     <a:srgbClr val="000000"/>
                   </a:solidFill>
@@ -22003,7 +22003,7 @@
             </a:ln>
             <a:extLst>
               <a:ext uri="{91240B29-F687-4f45-9708-019B960494DF}">
-                <a14:hiddenLine xmlns:a14="http://schemas.microsoft.com/office/drawing/2010/main" xmlns:p14="http://schemas.microsoft.com/office/powerpoint/2010/main" xmlns:a16="http://schemas.microsoft.com/office/drawing/2014/main" xmlns="" w="9525">
+                <a14:hiddenLine xmlns="" xmlns:a16="http://schemas.microsoft.com/office/drawing/2014/main" xmlns:p14="http://schemas.microsoft.com/office/powerpoint/2010/main" xmlns:a14="http://schemas.microsoft.com/office/drawing/2010/main" w="9525">
                   <a:solidFill>
                     <a:srgbClr val="000000"/>
                   </a:solidFill>
@@ -22080,7 +22080,7 @@
             </a:ln>
             <a:extLst>
               <a:ext uri="{91240B29-F687-4f45-9708-019B960494DF}">
-                <a14:hiddenLine xmlns:a14="http://schemas.microsoft.com/office/drawing/2010/main" xmlns:p14="http://schemas.microsoft.com/office/powerpoint/2010/main" xmlns:a16="http://schemas.microsoft.com/office/drawing/2014/main" xmlns="" w="9525">
+                <a14:hiddenLine xmlns="" xmlns:a16="http://schemas.microsoft.com/office/drawing/2014/main" xmlns:p14="http://schemas.microsoft.com/office/powerpoint/2010/main" xmlns:a14="http://schemas.microsoft.com/office/drawing/2010/main" w="9525">
                   <a:solidFill>
                     <a:srgbClr val="000000"/>
                   </a:solidFill>
@@ -22185,7 +22185,7 @@
             </a:ln>
             <a:extLst>
               <a:ext uri="{91240B29-F687-4f45-9708-019B960494DF}">
-                <a14:hiddenLine xmlns:a14="http://schemas.microsoft.com/office/drawing/2010/main" xmlns:p14="http://schemas.microsoft.com/office/powerpoint/2010/main" xmlns:a16="http://schemas.microsoft.com/office/drawing/2014/main" xmlns="" w="9525">
+                <a14:hiddenLine xmlns="" xmlns:a16="http://schemas.microsoft.com/office/drawing/2014/main" xmlns:p14="http://schemas.microsoft.com/office/powerpoint/2010/main" xmlns:a14="http://schemas.microsoft.com/office/drawing/2010/main" w="9525">
                   <a:solidFill>
                     <a:srgbClr val="000000"/>
                   </a:solidFill>
@@ -22290,7 +22290,7 @@
             </a:ln>
             <a:extLst>
               <a:ext uri="{91240B29-F687-4f45-9708-019B960494DF}">
-                <a14:hiddenLine xmlns:a14="http://schemas.microsoft.com/office/drawing/2010/main" xmlns:p14="http://schemas.microsoft.com/office/powerpoint/2010/main" xmlns:a16="http://schemas.microsoft.com/office/drawing/2014/main" xmlns="" w="9525">
+                <a14:hiddenLine xmlns="" xmlns:a16="http://schemas.microsoft.com/office/drawing/2014/main" xmlns:p14="http://schemas.microsoft.com/office/powerpoint/2010/main" xmlns:a14="http://schemas.microsoft.com/office/drawing/2010/main" w="9525">
                   <a:solidFill>
                     <a:srgbClr val="000000"/>
                   </a:solidFill>
@@ -22370,7 +22370,7 @@
             </a:ln>
             <a:extLst>
               <a:ext uri="{91240B29-F687-4f45-9708-019B960494DF}">
-                <a14:hiddenLine xmlns:a14="http://schemas.microsoft.com/office/drawing/2010/main" xmlns:p14="http://schemas.microsoft.com/office/powerpoint/2010/main" xmlns:a16="http://schemas.microsoft.com/office/drawing/2014/main" xmlns="" w="9525">
+                <a14:hiddenLine xmlns="" xmlns:a16="http://schemas.microsoft.com/office/drawing/2014/main" xmlns:p14="http://schemas.microsoft.com/office/powerpoint/2010/main" xmlns:a14="http://schemas.microsoft.com/office/drawing/2010/main" w="9525">
                   <a:solidFill>
                     <a:srgbClr val="000000"/>
                   </a:solidFill>
@@ -22505,7 +22505,7 @@
             </a:ln>
             <a:extLst>
               <a:ext uri="{91240B29-F687-4f45-9708-019B960494DF}">
-                <a14:hiddenLine xmlns:a14="http://schemas.microsoft.com/office/drawing/2010/main" xmlns:p14="http://schemas.microsoft.com/office/powerpoint/2010/main" xmlns:a16="http://schemas.microsoft.com/office/drawing/2014/main" xmlns="" w="9525">
+                <a14:hiddenLine xmlns="" xmlns:a16="http://schemas.microsoft.com/office/drawing/2014/main" xmlns:p14="http://schemas.microsoft.com/office/powerpoint/2010/main" xmlns:a14="http://schemas.microsoft.com/office/drawing/2010/main" w="9525">
                   <a:solidFill>
                     <a:srgbClr val="000000"/>
                   </a:solidFill>
@@ -23047,7 +23047,7 @@
           <a:noFill/>
           <a:extLst>
             <a:ext uri="{909E8E84-426E-40dd-AFC4-6F175D3DCCD1}">
-              <a14:hiddenFill xmlns:a14="http://schemas.microsoft.com/office/drawing/2010/main" xmlns:p14="http://schemas.microsoft.com/office/powerpoint/2010/main" xmlns:a16="http://schemas.microsoft.com/office/drawing/2014/main" xmlns="">
+              <a14:hiddenFill xmlns="" xmlns:a16="http://schemas.microsoft.com/office/drawing/2014/main" xmlns:p14="http://schemas.microsoft.com/office/powerpoint/2010/main" xmlns:a14="http://schemas.microsoft.com/office/drawing/2010/main">
                 <a:solidFill>
                   <a:srgbClr val="FFFFFF"/>
                 </a:solidFill>
@@ -23180,7 +23180,7 @@
             </a:ln>
             <a:extLst>
               <a:ext uri="{91240B29-F687-4f45-9708-019B960494DF}">
-                <a14:hiddenLine xmlns:a14="http://schemas.microsoft.com/office/drawing/2010/main" xmlns:p14="http://schemas.microsoft.com/office/powerpoint/2010/main" xmlns:a16="http://schemas.microsoft.com/office/drawing/2014/main" xmlns="" w="9525">
+                <a14:hiddenLine xmlns="" xmlns:a16="http://schemas.microsoft.com/office/drawing/2014/main" xmlns:p14="http://schemas.microsoft.com/office/powerpoint/2010/main" xmlns:a14="http://schemas.microsoft.com/office/drawing/2010/main" w="9525">
                   <a:solidFill>
                     <a:srgbClr val="000000"/>
                   </a:solidFill>
@@ -23285,7 +23285,7 @@
             </a:ln>
             <a:extLst>
               <a:ext uri="{91240B29-F687-4f45-9708-019B960494DF}">
-                <a14:hiddenLine xmlns:a14="http://schemas.microsoft.com/office/drawing/2010/main" xmlns:p14="http://schemas.microsoft.com/office/powerpoint/2010/main" xmlns:a16="http://schemas.microsoft.com/office/drawing/2014/main" xmlns="" w="9525">
+                <a14:hiddenLine xmlns="" xmlns:a16="http://schemas.microsoft.com/office/drawing/2014/main" xmlns:p14="http://schemas.microsoft.com/office/powerpoint/2010/main" xmlns:a14="http://schemas.microsoft.com/office/drawing/2010/main" w="9525">
                   <a:solidFill>
                     <a:srgbClr val="000000"/>
                   </a:solidFill>
@@ -23390,7 +23390,7 @@
             </a:ln>
             <a:extLst>
               <a:ext uri="{91240B29-F687-4f45-9708-019B960494DF}">
-                <a14:hiddenLine xmlns:a14="http://schemas.microsoft.com/office/drawing/2010/main" xmlns:p14="http://schemas.microsoft.com/office/powerpoint/2010/main" xmlns:a16="http://schemas.microsoft.com/office/drawing/2014/main" xmlns="" w="9525">
+                <a14:hiddenLine xmlns="" xmlns:a16="http://schemas.microsoft.com/office/drawing/2014/main" xmlns:p14="http://schemas.microsoft.com/office/powerpoint/2010/main" xmlns:a14="http://schemas.microsoft.com/office/drawing/2010/main" w="9525">
                   <a:solidFill>
                     <a:srgbClr val="000000"/>
                   </a:solidFill>
@@ -23467,7 +23467,7 @@
             </a:ln>
             <a:extLst>
               <a:ext uri="{91240B29-F687-4f45-9708-019B960494DF}">
-                <a14:hiddenLine xmlns:a14="http://schemas.microsoft.com/office/drawing/2010/main" xmlns:p14="http://schemas.microsoft.com/office/powerpoint/2010/main" xmlns:a16="http://schemas.microsoft.com/office/drawing/2014/main" xmlns="" w="9525">
+                <a14:hiddenLine xmlns="" xmlns:a16="http://schemas.microsoft.com/office/drawing/2014/main" xmlns:p14="http://schemas.microsoft.com/office/powerpoint/2010/main" xmlns:a14="http://schemas.microsoft.com/office/drawing/2010/main" w="9525">
                   <a:solidFill>
                     <a:srgbClr val="000000"/>
                   </a:solidFill>
@@ -23572,7 +23572,7 @@
             </a:ln>
             <a:extLst>
               <a:ext uri="{91240B29-F687-4f45-9708-019B960494DF}">
-                <a14:hiddenLine xmlns:a14="http://schemas.microsoft.com/office/drawing/2010/main" xmlns:p14="http://schemas.microsoft.com/office/powerpoint/2010/main" xmlns:a16="http://schemas.microsoft.com/office/drawing/2014/main" xmlns="" w="9525">
+                <a14:hiddenLine xmlns="" xmlns:a16="http://schemas.microsoft.com/office/drawing/2014/main" xmlns:p14="http://schemas.microsoft.com/office/powerpoint/2010/main" xmlns:a14="http://schemas.microsoft.com/office/drawing/2010/main" w="9525">
                   <a:solidFill>
                     <a:srgbClr val="000000"/>
                   </a:solidFill>
@@ -23649,7 +23649,7 @@
             </a:ln>
             <a:extLst>
               <a:ext uri="{91240B29-F687-4f45-9708-019B960494DF}">
-                <a14:hiddenLine xmlns:a14="http://schemas.microsoft.com/office/drawing/2010/main" xmlns:p14="http://schemas.microsoft.com/office/powerpoint/2010/main" xmlns:a16="http://schemas.microsoft.com/office/drawing/2014/main" xmlns="" w="9525">
+                <a14:hiddenLine xmlns="" xmlns:a16="http://schemas.microsoft.com/office/drawing/2014/main" xmlns:p14="http://schemas.microsoft.com/office/powerpoint/2010/main" xmlns:a14="http://schemas.microsoft.com/office/drawing/2010/main" w="9525">
                   <a:solidFill>
                     <a:srgbClr val="000000"/>
                   </a:solidFill>
@@ -23726,7 +23726,7 @@
             </a:ln>
             <a:extLst>
               <a:ext uri="{91240B29-F687-4f45-9708-019B960494DF}">
-                <a14:hiddenLine xmlns:a14="http://schemas.microsoft.com/office/drawing/2010/main" xmlns:p14="http://schemas.microsoft.com/office/powerpoint/2010/main" xmlns:a16="http://schemas.microsoft.com/office/drawing/2014/main" xmlns="" w="9525">
+                <a14:hiddenLine xmlns="" xmlns:a16="http://schemas.microsoft.com/office/drawing/2014/main" xmlns:p14="http://schemas.microsoft.com/office/powerpoint/2010/main" xmlns:a14="http://schemas.microsoft.com/office/drawing/2010/main" w="9525">
                   <a:solidFill>
                     <a:srgbClr val="000000"/>
                   </a:solidFill>
@@ -23831,7 +23831,7 @@
             </a:ln>
             <a:extLst>
               <a:ext uri="{91240B29-F687-4f45-9708-019B960494DF}">
-                <a14:hiddenLine xmlns:a14="http://schemas.microsoft.com/office/drawing/2010/main" xmlns:p14="http://schemas.microsoft.com/office/powerpoint/2010/main" xmlns:a16="http://schemas.microsoft.com/office/drawing/2014/main" xmlns="" w="9525">
+                <a14:hiddenLine xmlns="" xmlns:a16="http://schemas.microsoft.com/office/drawing/2014/main" xmlns:p14="http://schemas.microsoft.com/office/powerpoint/2010/main" xmlns:a14="http://schemas.microsoft.com/office/drawing/2010/main" w="9525">
                   <a:solidFill>
                     <a:srgbClr val="000000"/>
                   </a:solidFill>
@@ -23936,7 +23936,7 @@
             </a:ln>
             <a:extLst>
               <a:ext uri="{91240B29-F687-4f45-9708-019B960494DF}">
-                <a14:hiddenLine xmlns:a14="http://schemas.microsoft.com/office/drawing/2010/main" xmlns:p14="http://schemas.microsoft.com/office/powerpoint/2010/main" xmlns:a16="http://schemas.microsoft.com/office/drawing/2014/main" xmlns="" w="9525">
+                <a14:hiddenLine xmlns="" xmlns:a16="http://schemas.microsoft.com/office/drawing/2014/main" xmlns:p14="http://schemas.microsoft.com/office/powerpoint/2010/main" xmlns:a14="http://schemas.microsoft.com/office/drawing/2010/main" w="9525">
                   <a:solidFill>
                     <a:srgbClr val="000000"/>
                   </a:solidFill>
@@ -24013,7 +24013,7 @@
             </a:ln>
             <a:extLst>
               <a:ext uri="{91240B29-F687-4f45-9708-019B960494DF}">
-                <a14:hiddenLine xmlns:a14="http://schemas.microsoft.com/office/drawing/2010/main" xmlns:p14="http://schemas.microsoft.com/office/powerpoint/2010/main" xmlns:a16="http://schemas.microsoft.com/office/drawing/2014/main" xmlns="" w="9525">
+                <a14:hiddenLine xmlns="" xmlns:a16="http://schemas.microsoft.com/office/drawing/2014/main" xmlns:p14="http://schemas.microsoft.com/office/powerpoint/2010/main" xmlns:a14="http://schemas.microsoft.com/office/drawing/2010/main" w="9525">
                   <a:solidFill>
                     <a:srgbClr val="000000"/>
                   </a:solidFill>
@@ -24138,7 +24138,7 @@
             </a:ln>
             <a:extLst>
               <a:ext uri="{91240B29-F687-4f45-9708-019B960494DF}">
-                <a14:hiddenLine xmlns:a14="http://schemas.microsoft.com/office/drawing/2010/main" xmlns:p14="http://schemas.microsoft.com/office/powerpoint/2010/main" xmlns:a16="http://schemas.microsoft.com/office/drawing/2014/main" xmlns="" w="9525">
+                <a14:hiddenLine xmlns="" xmlns:a16="http://schemas.microsoft.com/office/drawing/2014/main" xmlns:p14="http://schemas.microsoft.com/office/powerpoint/2010/main" xmlns:a14="http://schemas.microsoft.com/office/drawing/2010/main" w="9525">
                   <a:solidFill>
                     <a:srgbClr val="000000"/>
                   </a:solidFill>
@@ -24252,7 +24252,7 @@
             </a:ln>
             <a:extLst>
               <a:ext uri="{91240B29-F687-4f45-9708-019B960494DF}">
-                <a14:hiddenLine xmlns:a14="http://schemas.microsoft.com/office/drawing/2010/main" xmlns:p14="http://schemas.microsoft.com/office/powerpoint/2010/main" xmlns:a16="http://schemas.microsoft.com/office/drawing/2014/main" xmlns="" w="9525">
+                <a14:hiddenLine xmlns="" xmlns:a16="http://schemas.microsoft.com/office/drawing/2014/main" xmlns:p14="http://schemas.microsoft.com/office/powerpoint/2010/main" xmlns:a14="http://schemas.microsoft.com/office/drawing/2010/main" w="9525">
                   <a:solidFill>
                     <a:srgbClr val="000000"/>
                   </a:solidFill>
@@ -24329,7 +24329,7 @@
             </a:ln>
             <a:extLst>
               <a:ext uri="{91240B29-F687-4f45-9708-019B960494DF}">
-                <a14:hiddenLine xmlns:a14="http://schemas.microsoft.com/office/drawing/2010/main" xmlns:p14="http://schemas.microsoft.com/office/powerpoint/2010/main" xmlns:a16="http://schemas.microsoft.com/office/drawing/2014/main" xmlns="" w="9525">
+                <a14:hiddenLine xmlns="" xmlns:a16="http://schemas.microsoft.com/office/drawing/2014/main" xmlns:p14="http://schemas.microsoft.com/office/powerpoint/2010/main" xmlns:a14="http://schemas.microsoft.com/office/drawing/2010/main" w="9525">
                   <a:solidFill>
                     <a:srgbClr val="000000"/>
                   </a:solidFill>
@@ -24406,7 +24406,7 @@
             </a:ln>
             <a:extLst>
               <a:ext uri="{91240B29-F687-4f45-9708-019B960494DF}">
-                <a14:hiddenLine xmlns:a14="http://schemas.microsoft.com/office/drawing/2010/main" xmlns:p14="http://schemas.microsoft.com/office/powerpoint/2010/main" xmlns:a16="http://schemas.microsoft.com/office/drawing/2014/main" xmlns="" w="9525">
+                <a14:hiddenLine xmlns="" xmlns:a16="http://schemas.microsoft.com/office/drawing/2014/main" xmlns:p14="http://schemas.microsoft.com/office/powerpoint/2010/main" xmlns:a14="http://schemas.microsoft.com/office/drawing/2010/main" w="9525">
                   <a:solidFill>
                     <a:srgbClr val="000000"/>
                   </a:solidFill>
@@ -24511,7 +24511,7 @@
             </a:ln>
             <a:extLst>
               <a:ext uri="{91240B29-F687-4f45-9708-019B960494DF}">
-                <a14:hiddenLine xmlns:a14="http://schemas.microsoft.com/office/drawing/2010/main" xmlns:p14="http://schemas.microsoft.com/office/powerpoint/2010/main" xmlns:a16="http://schemas.microsoft.com/office/drawing/2014/main" xmlns="" w="9525">
+                <a14:hiddenLine xmlns="" xmlns:a16="http://schemas.microsoft.com/office/drawing/2014/main" xmlns:p14="http://schemas.microsoft.com/office/powerpoint/2010/main" xmlns:a14="http://schemas.microsoft.com/office/drawing/2010/main" w="9525">
                   <a:solidFill>
                     <a:srgbClr val="000000"/>
                   </a:solidFill>
@@ -24560,7 +24560,7 @@
             </a:ln>
             <a:extLst>
               <a:ext uri="{91240B29-F687-4f45-9708-019B960494DF}">
-                <a14:hiddenLine xmlns:a14="http://schemas.microsoft.com/office/drawing/2010/main" xmlns:p14="http://schemas.microsoft.com/office/powerpoint/2010/main" xmlns:a16="http://schemas.microsoft.com/office/drawing/2014/main" xmlns="" w="9525">
+                <a14:hiddenLine xmlns="" xmlns:a16="http://schemas.microsoft.com/office/drawing/2014/main" xmlns:p14="http://schemas.microsoft.com/office/powerpoint/2010/main" xmlns:a14="http://schemas.microsoft.com/office/drawing/2010/main" w="9525">
                   <a:solidFill>
                     <a:srgbClr val="000000"/>
                   </a:solidFill>
@@ -24640,7 +24640,7 @@
             </a:ln>
             <a:extLst>
               <a:ext uri="{91240B29-F687-4f45-9708-019B960494DF}">
-                <a14:hiddenLine xmlns:a14="http://schemas.microsoft.com/office/drawing/2010/main" xmlns:p14="http://schemas.microsoft.com/office/powerpoint/2010/main" xmlns:a16="http://schemas.microsoft.com/office/drawing/2014/main" xmlns="" w="9525">
+                <a14:hiddenLine xmlns="" xmlns:a16="http://schemas.microsoft.com/office/drawing/2014/main" xmlns:p14="http://schemas.microsoft.com/office/powerpoint/2010/main" xmlns:a14="http://schemas.microsoft.com/office/drawing/2010/main" w="9525">
                   <a:solidFill>
                     <a:srgbClr val="000000"/>
                   </a:solidFill>
@@ -24745,7 +24745,7 @@
             </a:ln>
             <a:extLst>
               <a:ext uri="{91240B29-F687-4f45-9708-019B960494DF}">
-                <a14:hiddenLine xmlns:a14="http://schemas.microsoft.com/office/drawing/2010/main" xmlns:p14="http://schemas.microsoft.com/office/powerpoint/2010/main" xmlns:a16="http://schemas.microsoft.com/office/drawing/2014/main" xmlns="" w="9525">
+                <a14:hiddenLine xmlns="" xmlns:a16="http://schemas.microsoft.com/office/drawing/2014/main" xmlns:p14="http://schemas.microsoft.com/office/powerpoint/2010/main" xmlns:a14="http://schemas.microsoft.com/office/drawing/2010/main" w="9525">
                   <a:solidFill>
                     <a:srgbClr val="000000"/>
                   </a:solidFill>
@@ -24822,7 +24822,7 @@
             </a:ln>
             <a:extLst>
               <a:ext uri="{91240B29-F687-4f45-9708-019B960494DF}">
-                <a14:hiddenLine xmlns:a14="http://schemas.microsoft.com/office/drawing/2010/main" xmlns:p14="http://schemas.microsoft.com/office/powerpoint/2010/main" xmlns:a16="http://schemas.microsoft.com/office/drawing/2014/main" xmlns="" w="9525">
+                <a14:hiddenLine xmlns="" xmlns:a16="http://schemas.microsoft.com/office/drawing/2014/main" xmlns:p14="http://schemas.microsoft.com/office/powerpoint/2010/main" xmlns:a14="http://schemas.microsoft.com/office/drawing/2010/main" w="9525">
                   <a:solidFill>
                     <a:srgbClr val="000000"/>
                   </a:solidFill>
@@ -24927,7 +24927,7 @@
             </a:ln>
             <a:extLst>
               <a:ext uri="{91240B29-F687-4f45-9708-019B960494DF}">
-                <a14:hiddenLine xmlns:a14="http://schemas.microsoft.com/office/drawing/2010/main" xmlns:p14="http://schemas.microsoft.com/office/powerpoint/2010/main" xmlns:a16="http://schemas.microsoft.com/office/drawing/2014/main" xmlns="" w="9525">
+                <a14:hiddenLine xmlns="" xmlns:a16="http://schemas.microsoft.com/office/drawing/2014/main" xmlns:p14="http://schemas.microsoft.com/office/powerpoint/2010/main" xmlns:a14="http://schemas.microsoft.com/office/drawing/2010/main" w="9525">
                   <a:solidFill>
                     <a:srgbClr val="000000"/>
                   </a:solidFill>
@@ -25007,7 +25007,7 @@
             </a:ln>
             <a:extLst>
               <a:ext uri="{91240B29-F687-4f45-9708-019B960494DF}">
-                <a14:hiddenLine xmlns:a14="http://schemas.microsoft.com/office/drawing/2010/main" xmlns:p14="http://schemas.microsoft.com/office/powerpoint/2010/main" xmlns:a16="http://schemas.microsoft.com/office/drawing/2014/main" xmlns="" w="9525">
+                <a14:hiddenLine xmlns="" xmlns:a16="http://schemas.microsoft.com/office/drawing/2014/main" xmlns:p14="http://schemas.microsoft.com/office/powerpoint/2010/main" xmlns:a14="http://schemas.microsoft.com/office/drawing/2010/main" w="9525">
                   <a:solidFill>
                     <a:srgbClr val="000000"/>
                   </a:solidFill>
@@ -25084,7 +25084,7 @@
             </a:ln>
             <a:extLst>
               <a:ext uri="{91240B29-F687-4f45-9708-019B960494DF}">
-                <a14:hiddenLine xmlns:a14="http://schemas.microsoft.com/office/drawing/2010/main" xmlns:p14="http://schemas.microsoft.com/office/powerpoint/2010/main" xmlns:a16="http://schemas.microsoft.com/office/drawing/2014/main" xmlns="" w="9525">
+                <a14:hiddenLine xmlns="" xmlns:a16="http://schemas.microsoft.com/office/drawing/2014/main" xmlns:p14="http://schemas.microsoft.com/office/powerpoint/2010/main" xmlns:a14="http://schemas.microsoft.com/office/drawing/2010/main" w="9525">
                   <a:solidFill>
                     <a:srgbClr val="000000"/>
                   </a:solidFill>
@@ -25189,7 +25189,7 @@
             </a:ln>
             <a:extLst>
               <a:ext uri="{91240B29-F687-4f45-9708-019B960494DF}">
-                <a14:hiddenLine xmlns:a14="http://schemas.microsoft.com/office/drawing/2010/main" xmlns:p14="http://schemas.microsoft.com/office/powerpoint/2010/main" xmlns:a16="http://schemas.microsoft.com/office/drawing/2014/main" xmlns="" w="9525">
+                <a14:hiddenLine xmlns="" xmlns:a16="http://schemas.microsoft.com/office/drawing/2014/main" xmlns:p14="http://schemas.microsoft.com/office/powerpoint/2010/main" xmlns:a14="http://schemas.microsoft.com/office/drawing/2010/main" w="9525">
                   <a:solidFill>
                     <a:srgbClr val="000000"/>
                   </a:solidFill>
@@ -25294,7 +25294,7 @@
             </a:ln>
             <a:extLst>
               <a:ext uri="{91240B29-F687-4f45-9708-019B960494DF}">
-                <a14:hiddenLine xmlns:a14="http://schemas.microsoft.com/office/drawing/2010/main" xmlns:p14="http://schemas.microsoft.com/office/powerpoint/2010/main" xmlns:a16="http://schemas.microsoft.com/office/drawing/2014/main" xmlns="" w="9525">
+                <a14:hiddenLine xmlns="" xmlns:a16="http://schemas.microsoft.com/office/drawing/2014/main" xmlns:p14="http://schemas.microsoft.com/office/powerpoint/2010/main" xmlns:a14="http://schemas.microsoft.com/office/drawing/2010/main" w="9525">
                   <a:solidFill>
                     <a:srgbClr val="000000"/>
                   </a:solidFill>
@@ -25374,7 +25374,7 @@
             </a:ln>
             <a:extLst>
               <a:ext uri="{91240B29-F687-4f45-9708-019B960494DF}">
-                <a14:hiddenLine xmlns:a14="http://schemas.microsoft.com/office/drawing/2010/main" xmlns:p14="http://schemas.microsoft.com/office/powerpoint/2010/main" xmlns:a16="http://schemas.microsoft.com/office/drawing/2014/main" xmlns="" w="9525">
+                <a14:hiddenLine xmlns="" xmlns:a16="http://schemas.microsoft.com/office/drawing/2014/main" xmlns:p14="http://schemas.microsoft.com/office/powerpoint/2010/main" xmlns:a14="http://schemas.microsoft.com/office/drawing/2010/main" w="9525">
                   <a:solidFill>
                     <a:srgbClr val="000000"/>
                   </a:solidFill>
@@ -25509,7 +25509,7 @@
             </a:ln>
             <a:extLst>
               <a:ext uri="{91240B29-F687-4f45-9708-019B960494DF}">
-                <a14:hiddenLine xmlns:a14="http://schemas.microsoft.com/office/drawing/2010/main" xmlns:p14="http://schemas.microsoft.com/office/powerpoint/2010/main" xmlns:a16="http://schemas.microsoft.com/office/drawing/2014/main" xmlns="" w="9525">
+                <a14:hiddenLine xmlns="" xmlns:a16="http://schemas.microsoft.com/office/drawing/2014/main" xmlns:p14="http://schemas.microsoft.com/office/powerpoint/2010/main" xmlns:a14="http://schemas.microsoft.com/office/drawing/2010/main" w="9525">
                   <a:solidFill>
                     <a:srgbClr val="000000"/>
                   </a:solidFill>
@@ -26111,7 +26111,7 @@
           <a:noFill/>
           <a:extLst>
             <a:ext uri="{909E8E84-426E-40dd-AFC4-6F175D3DCCD1}">
-              <a14:hiddenFill xmlns:a14="http://schemas.microsoft.com/office/drawing/2010/main" xmlns:p14="http://schemas.microsoft.com/office/powerpoint/2010/main" xmlns:a16="http://schemas.microsoft.com/office/drawing/2014/main" xmlns="">
+              <a14:hiddenFill xmlns="" xmlns:a16="http://schemas.microsoft.com/office/drawing/2014/main" xmlns:p14="http://schemas.microsoft.com/office/powerpoint/2010/main" xmlns:a14="http://schemas.microsoft.com/office/drawing/2010/main">
                 <a:solidFill>
                   <a:srgbClr val="FFFFFF"/>
                 </a:solidFill>
@@ -26203,7 +26203,7 @@
             </a:ln>
             <a:extLst>
               <a:ext uri="{91240B29-F687-4f45-9708-019B960494DF}">
-                <a14:hiddenLine xmlns:a14="http://schemas.microsoft.com/office/drawing/2010/main" xmlns:p14="http://schemas.microsoft.com/office/powerpoint/2010/main" xmlns:a16="http://schemas.microsoft.com/office/drawing/2014/main" xmlns="" w="9525">
+                <a14:hiddenLine xmlns="" xmlns:a16="http://schemas.microsoft.com/office/drawing/2014/main" xmlns:p14="http://schemas.microsoft.com/office/powerpoint/2010/main" xmlns:a14="http://schemas.microsoft.com/office/drawing/2010/main" w="9525">
                   <a:solidFill>
                     <a:srgbClr val="000000"/>
                   </a:solidFill>
@@ -26308,7 +26308,7 @@
             </a:ln>
             <a:extLst>
               <a:ext uri="{91240B29-F687-4f45-9708-019B960494DF}">
-                <a14:hiddenLine xmlns:a14="http://schemas.microsoft.com/office/drawing/2010/main" xmlns:p14="http://schemas.microsoft.com/office/powerpoint/2010/main" xmlns:a16="http://schemas.microsoft.com/office/drawing/2014/main" xmlns="" w="9525">
+                <a14:hiddenLine xmlns="" xmlns:a16="http://schemas.microsoft.com/office/drawing/2014/main" xmlns:p14="http://schemas.microsoft.com/office/powerpoint/2010/main" xmlns:a14="http://schemas.microsoft.com/office/drawing/2010/main" w="9525">
                   <a:solidFill>
                     <a:srgbClr val="000000"/>
                   </a:solidFill>
@@ -26413,7 +26413,7 @@
             </a:ln>
             <a:extLst>
               <a:ext uri="{91240B29-F687-4f45-9708-019B960494DF}">
-                <a14:hiddenLine xmlns:a14="http://schemas.microsoft.com/office/drawing/2010/main" xmlns:p14="http://schemas.microsoft.com/office/powerpoint/2010/main" xmlns:a16="http://schemas.microsoft.com/office/drawing/2014/main" xmlns="" w="9525">
+                <a14:hiddenLine xmlns="" xmlns:a16="http://schemas.microsoft.com/office/drawing/2014/main" xmlns:p14="http://schemas.microsoft.com/office/powerpoint/2010/main" xmlns:a14="http://schemas.microsoft.com/office/drawing/2010/main" w="9525">
                   <a:solidFill>
                     <a:srgbClr val="000000"/>
                   </a:solidFill>
@@ -26490,7 +26490,7 @@
             </a:ln>
             <a:extLst>
               <a:ext uri="{91240B29-F687-4f45-9708-019B960494DF}">
-                <a14:hiddenLine xmlns:a14="http://schemas.microsoft.com/office/drawing/2010/main" xmlns:p14="http://schemas.microsoft.com/office/powerpoint/2010/main" xmlns:a16="http://schemas.microsoft.com/office/drawing/2014/main" xmlns="" w="9525">
+                <a14:hiddenLine xmlns="" xmlns:a16="http://schemas.microsoft.com/office/drawing/2014/main" xmlns:p14="http://schemas.microsoft.com/office/powerpoint/2010/main" xmlns:a14="http://schemas.microsoft.com/office/drawing/2010/main" w="9525">
                   <a:solidFill>
                     <a:srgbClr val="000000"/>
                   </a:solidFill>
@@ -26595,7 +26595,7 @@
             </a:ln>
             <a:extLst>
               <a:ext uri="{91240B29-F687-4f45-9708-019B960494DF}">
-                <a14:hiddenLine xmlns:a14="http://schemas.microsoft.com/office/drawing/2010/main" xmlns:p14="http://schemas.microsoft.com/office/powerpoint/2010/main" xmlns:a16="http://schemas.microsoft.com/office/drawing/2014/main" xmlns="" w="9525">
+                <a14:hiddenLine xmlns="" xmlns:a16="http://schemas.microsoft.com/office/drawing/2014/main" xmlns:p14="http://schemas.microsoft.com/office/powerpoint/2010/main" xmlns:a14="http://schemas.microsoft.com/office/drawing/2010/main" w="9525">
                   <a:solidFill>
                     <a:srgbClr val="000000"/>
                   </a:solidFill>
@@ -26672,7 +26672,7 @@
             </a:ln>
             <a:extLst>
               <a:ext uri="{91240B29-F687-4f45-9708-019B960494DF}">
-                <a14:hiddenLine xmlns:a14="http://schemas.microsoft.com/office/drawing/2010/main" xmlns:p14="http://schemas.microsoft.com/office/powerpoint/2010/main" xmlns:a16="http://schemas.microsoft.com/office/drawing/2014/main" xmlns="" w="9525">
+                <a14:hiddenLine xmlns="" xmlns:a16="http://schemas.microsoft.com/office/drawing/2014/main" xmlns:p14="http://schemas.microsoft.com/office/powerpoint/2010/main" xmlns:a14="http://schemas.microsoft.com/office/drawing/2010/main" w="9525">
                   <a:solidFill>
                     <a:srgbClr val="000000"/>
                   </a:solidFill>
@@ -26749,7 +26749,7 @@
             </a:ln>
             <a:extLst>
               <a:ext uri="{91240B29-F687-4f45-9708-019B960494DF}">
-                <a14:hiddenLine xmlns:a14="http://schemas.microsoft.com/office/drawing/2010/main" xmlns:p14="http://schemas.microsoft.com/office/powerpoint/2010/main" xmlns:a16="http://schemas.microsoft.com/office/drawing/2014/main" xmlns="" w="9525">
+                <a14:hiddenLine xmlns="" xmlns:a16="http://schemas.microsoft.com/office/drawing/2014/main" xmlns:p14="http://schemas.microsoft.com/office/powerpoint/2010/main" xmlns:a14="http://schemas.microsoft.com/office/drawing/2010/main" w="9525">
                   <a:solidFill>
                     <a:srgbClr val="000000"/>
                   </a:solidFill>
@@ -26854,7 +26854,7 @@
             </a:ln>
             <a:extLst>
               <a:ext uri="{91240B29-F687-4f45-9708-019B960494DF}">
-                <a14:hiddenLine xmlns:a14="http://schemas.microsoft.com/office/drawing/2010/main" xmlns:p14="http://schemas.microsoft.com/office/powerpoint/2010/main" xmlns:a16="http://schemas.microsoft.com/office/drawing/2014/main" xmlns="" w="9525">
+                <a14:hiddenLine xmlns="" xmlns:a16="http://schemas.microsoft.com/office/drawing/2014/main" xmlns:p14="http://schemas.microsoft.com/office/powerpoint/2010/main" xmlns:a14="http://schemas.microsoft.com/office/drawing/2010/main" w="9525">
                   <a:solidFill>
                     <a:srgbClr val="000000"/>
                   </a:solidFill>
@@ -26959,7 +26959,7 @@
             </a:ln>
             <a:extLst>
               <a:ext uri="{91240B29-F687-4f45-9708-019B960494DF}">
-                <a14:hiddenLine xmlns:a14="http://schemas.microsoft.com/office/drawing/2010/main" xmlns:p14="http://schemas.microsoft.com/office/powerpoint/2010/main" xmlns:a16="http://schemas.microsoft.com/office/drawing/2014/main" xmlns="" w="9525">
+                <a14:hiddenLine xmlns="" xmlns:a16="http://schemas.microsoft.com/office/drawing/2014/main" xmlns:p14="http://schemas.microsoft.com/office/powerpoint/2010/main" xmlns:a14="http://schemas.microsoft.com/office/drawing/2010/main" w="9525">
                   <a:solidFill>
                     <a:srgbClr val="000000"/>
                   </a:solidFill>
@@ -27036,7 +27036,7 @@
             </a:ln>
             <a:extLst>
               <a:ext uri="{91240B29-F687-4f45-9708-019B960494DF}">
-                <a14:hiddenLine xmlns:a14="http://schemas.microsoft.com/office/drawing/2010/main" xmlns:p14="http://schemas.microsoft.com/office/powerpoint/2010/main" xmlns:a16="http://schemas.microsoft.com/office/drawing/2014/main" xmlns="" w="9525">
+                <a14:hiddenLine xmlns="" xmlns:a16="http://schemas.microsoft.com/office/drawing/2014/main" xmlns:p14="http://schemas.microsoft.com/office/powerpoint/2010/main" xmlns:a14="http://schemas.microsoft.com/office/drawing/2010/main" w="9525">
                   <a:solidFill>
                     <a:srgbClr val="000000"/>
                   </a:solidFill>
@@ -27161,7 +27161,7 @@
             </a:ln>
             <a:extLst>
               <a:ext uri="{91240B29-F687-4f45-9708-019B960494DF}">
-                <a14:hiddenLine xmlns:a14="http://schemas.microsoft.com/office/drawing/2010/main" xmlns:p14="http://schemas.microsoft.com/office/powerpoint/2010/main" xmlns:a16="http://schemas.microsoft.com/office/drawing/2014/main" xmlns="" w="9525">
+                <a14:hiddenLine xmlns="" xmlns:a16="http://schemas.microsoft.com/office/drawing/2014/main" xmlns:p14="http://schemas.microsoft.com/office/powerpoint/2010/main" xmlns:a14="http://schemas.microsoft.com/office/drawing/2010/main" w="9525">
                   <a:solidFill>
                     <a:srgbClr val="000000"/>
                   </a:solidFill>
@@ -27275,7 +27275,7 @@
             </a:ln>
             <a:extLst>
               <a:ext uri="{91240B29-F687-4f45-9708-019B960494DF}">
-                <a14:hiddenLine xmlns:a14="http://schemas.microsoft.com/office/drawing/2010/main" xmlns:p14="http://schemas.microsoft.com/office/powerpoint/2010/main" xmlns:a16="http://schemas.microsoft.com/office/drawing/2014/main" xmlns="" w="9525">
+                <a14:hiddenLine xmlns="" xmlns:a16="http://schemas.microsoft.com/office/drawing/2014/main" xmlns:p14="http://schemas.microsoft.com/office/powerpoint/2010/main" xmlns:a14="http://schemas.microsoft.com/office/drawing/2010/main" w="9525">
                   <a:solidFill>
                     <a:srgbClr val="000000"/>
                   </a:solidFill>
@@ -27352,7 +27352,7 @@
             </a:ln>
             <a:extLst>
               <a:ext uri="{91240B29-F687-4f45-9708-019B960494DF}">
-                <a14:hiddenLine xmlns:a14="http://schemas.microsoft.com/office/drawing/2010/main" xmlns:p14="http://schemas.microsoft.com/office/powerpoint/2010/main" xmlns:a16="http://schemas.microsoft.com/office/drawing/2014/main" xmlns="" w="9525">
+                <a14:hiddenLine xmlns="" xmlns:a16="http://schemas.microsoft.com/office/drawing/2014/main" xmlns:p14="http://schemas.microsoft.com/office/powerpoint/2010/main" xmlns:a14="http://schemas.microsoft.com/office/drawing/2010/main" w="9525">
                   <a:solidFill>
                     <a:srgbClr val="000000"/>
                   </a:solidFill>
@@ -27429,7 +27429,7 @@
             </a:ln>
             <a:extLst>
               <a:ext uri="{91240B29-F687-4f45-9708-019B960494DF}">
-                <a14:hiddenLine xmlns:a14="http://schemas.microsoft.com/office/drawing/2010/main" xmlns:p14="http://schemas.microsoft.com/office/powerpoint/2010/main" xmlns:a16="http://schemas.microsoft.com/office/drawing/2014/main" xmlns="" w="9525">
+                <a14:hiddenLine xmlns="" xmlns:a16="http://schemas.microsoft.com/office/drawing/2014/main" xmlns:p14="http://schemas.microsoft.com/office/powerpoint/2010/main" xmlns:a14="http://schemas.microsoft.com/office/drawing/2010/main" w="9525">
                   <a:solidFill>
                     <a:srgbClr val="000000"/>
                   </a:solidFill>
@@ -27534,7 +27534,7 @@
             </a:ln>
             <a:extLst>
               <a:ext uri="{91240B29-F687-4f45-9708-019B960494DF}">
-                <a14:hiddenLine xmlns:a14="http://schemas.microsoft.com/office/drawing/2010/main" xmlns:p14="http://schemas.microsoft.com/office/powerpoint/2010/main" xmlns:a16="http://schemas.microsoft.com/office/drawing/2014/main" xmlns="" w="9525">
+                <a14:hiddenLine xmlns="" xmlns:a16="http://schemas.microsoft.com/office/drawing/2014/main" xmlns:p14="http://schemas.microsoft.com/office/powerpoint/2010/main" xmlns:a14="http://schemas.microsoft.com/office/drawing/2010/main" w="9525">
                   <a:solidFill>
                     <a:srgbClr val="000000"/>
                   </a:solidFill>
@@ -27583,7 +27583,7 @@
             </a:ln>
             <a:extLst>
               <a:ext uri="{91240B29-F687-4f45-9708-019B960494DF}">
-                <a14:hiddenLine xmlns:a14="http://schemas.microsoft.com/office/drawing/2010/main" xmlns:p14="http://schemas.microsoft.com/office/powerpoint/2010/main" xmlns:a16="http://schemas.microsoft.com/office/drawing/2014/main" xmlns="" w="9525">
+                <a14:hiddenLine xmlns="" xmlns:a16="http://schemas.microsoft.com/office/drawing/2014/main" xmlns:p14="http://schemas.microsoft.com/office/powerpoint/2010/main" xmlns:a14="http://schemas.microsoft.com/office/drawing/2010/main" w="9525">
                   <a:solidFill>
                     <a:srgbClr val="000000"/>
                   </a:solidFill>
@@ -27663,7 +27663,7 @@
             </a:ln>
             <a:extLst>
               <a:ext uri="{91240B29-F687-4f45-9708-019B960494DF}">
-                <a14:hiddenLine xmlns:a14="http://schemas.microsoft.com/office/drawing/2010/main" xmlns:p14="http://schemas.microsoft.com/office/powerpoint/2010/main" xmlns:a16="http://schemas.microsoft.com/office/drawing/2014/main" xmlns="" w="9525">
+                <a14:hiddenLine xmlns="" xmlns:a16="http://schemas.microsoft.com/office/drawing/2014/main" xmlns:p14="http://schemas.microsoft.com/office/powerpoint/2010/main" xmlns:a14="http://schemas.microsoft.com/office/drawing/2010/main" w="9525">
                   <a:solidFill>
                     <a:srgbClr val="000000"/>
                   </a:solidFill>
@@ -27768,7 +27768,7 @@
             </a:ln>
             <a:extLst>
               <a:ext uri="{91240B29-F687-4f45-9708-019B960494DF}">
-                <a14:hiddenLine xmlns:a14="http://schemas.microsoft.com/office/drawing/2010/main" xmlns:p14="http://schemas.microsoft.com/office/powerpoint/2010/main" xmlns:a16="http://schemas.microsoft.com/office/drawing/2014/main" xmlns="" w="9525">
+                <a14:hiddenLine xmlns="" xmlns:a16="http://schemas.microsoft.com/office/drawing/2014/main" xmlns:p14="http://schemas.microsoft.com/office/powerpoint/2010/main" xmlns:a14="http://schemas.microsoft.com/office/drawing/2010/main" w="9525">
                   <a:solidFill>
                     <a:srgbClr val="000000"/>
                   </a:solidFill>
@@ -27845,7 +27845,7 @@
             </a:ln>
             <a:extLst>
               <a:ext uri="{91240B29-F687-4f45-9708-019B960494DF}">
-                <a14:hiddenLine xmlns:a14="http://schemas.microsoft.com/office/drawing/2010/main" xmlns:p14="http://schemas.microsoft.com/office/powerpoint/2010/main" xmlns:a16="http://schemas.microsoft.com/office/drawing/2014/main" xmlns="" w="9525">
+                <a14:hiddenLine xmlns="" xmlns:a16="http://schemas.microsoft.com/office/drawing/2014/main" xmlns:p14="http://schemas.microsoft.com/office/powerpoint/2010/main" xmlns:a14="http://schemas.microsoft.com/office/drawing/2010/main" w="9525">
                   <a:solidFill>
                     <a:srgbClr val="000000"/>
                   </a:solidFill>
@@ -27950,7 +27950,7 @@
             </a:ln>
             <a:extLst>
               <a:ext uri="{91240B29-F687-4f45-9708-019B960494DF}">
-                <a14:hiddenLine xmlns:a14="http://schemas.microsoft.com/office/drawing/2010/main" xmlns:p14="http://schemas.microsoft.com/office/powerpoint/2010/main" xmlns:a16="http://schemas.microsoft.com/office/drawing/2014/main" xmlns="" w="9525">
+                <a14:hiddenLine xmlns="" xmlns:a16="http://schemas.microsoft.com/office/drawing/2014/main" xmlns:p14="http://schemas.microsoft.com/office/powerpoint/2010/main" xmlns:a14="http://schemas.microsoft.com/office/drawing/2010/main" w="9525">
                   <a:solidFill>
                     <a:srgbClr val="000000"/>
                   </a:solidFill>
@@ -28030,7 +28030,7 @@
             </a:ln>
             <a:extLst>
               <a:ext uri="{91240B29-F687-4f45-9708-019B960494DF}">
-                <a14:hiddenLine xmlns:a14="http://schemas.microsoft.com/office/drawing/2010/main" xmlns:p14="http://schemas.microsoft.com/office/powerpoint/2010/main" xmlns:a16="http://schemas.microsoft.com/office/drawing/2014/main" xmlns="" w="9525">
+                <a14:hiddenLine xmlns="" xmlns:a16="http://schemas.microsoft.com/office/drawing/2014/main" xmlns:p14="http://schemas.microsoft.com/office/powerpoint/2010/main" xmlns:a14="http://schemas.microsoft.com/office/drawing/2010/main" w="9525">
                   <a:solidFill>
                     <a:srgbClr val="000000"/>
                   </a:solidFill>
@@ -28107,7 +28107,7 @@
             </a:ln>
             <a:extLst>
               <a:ext uri="{91240B29-F687-4f45-9708-019B960494DF}">
-                <a14:hiddenLine xmlns:a14="http://schemas.microsoft.com/office/drawing/2010/main" xmlns:p14="http://schemas.microsoft.com/office/powerpoint/2010/main" xmlns:a16="http://schemas.microsoft.com/office/drawing/2014/main" xmlns="" w="9525">
+                <a14:hiddenLine xmlns="" xmlns:a16="http://schemas.microsoft.com/office/drawing/2014/main" xmlns:p14="http://schemas.microsoft.com/office/powerpoint/2010/main" xmlns:a14="http://schemas.microsoft.com/office/drawing/2010/main" w="9525">
                   <a:solidFill>
                     <a:srgbClr val="000000"/>
                   </a:solidFill>
@@ -28212,7 +28212,7 @@
             </a:ln>
             <a:extLst>
               <a:ext uri="{91240B29-F687-4f45-9708-019B960494DF}">
-                <a14:hiddenLine xmlns:a14="http://schemas.microsoft.com/office/drawing/2010/main" xmlns:p14="http://schemas.microsoft.com/office/powerpoint/2010/main" xmlns:a16="http://schemas.microsoft.com/office/drawing/2014/main" xmlns="" w="9525">
+                <a14:hiddenLine xmlns="" xmlns:a16="http://schemas.microsoft.com/office/drawing/2014/main" xmlns:p14="http://schemas.microsoft.com/office/powerpoint/2010/main" xmlns:a14="http://schemas.microsoft.com/office/drawing/2010/main" w="9525">
                   <a:solidFill>
                     <a:srgbClr val="000000"/>
                   </a:solidFill>
@@ -28317,7 +28317,7 @@
             </a:ln>
             <a:extLst>
               <a:ext uri="{91240B29-F687-4f45-9708-019B960494DF}">
-                <a14:hiddenLine xmlns:a14="http://schemas.microsoft.com/office/drawing/2010/main" xmlns:p14="http://schemas.microsoft.com/office/powerpoint/2010/main" xmlns:a16="http://schemas.microsoft.com/office/drawing/2014/main" xmlns="" w="9525">
+                <a14:hiddenLine xmlns="" xmlns:a16="http://schemas.microsoft.com/office/drawing/2014/main" xmlns:p14="http://schemas.microsoft.com/office/powerpoint/2010/main" xmlns:a14="http://schemas.microsoft.com/office/drawing/2010/main" w="9525">
                   <a:solidFill>
                     <a:srgbClr val="000000"/>
                   </a:solidFill>
@@ -28397,7 +28397,7 @@
             </a:ln>
             <a:extLst>
               <a:ext uri="{91240B29-F687-4f45-9708-019B960494DF}">
-                <a14:hiddenLine xmlns:a14="http://schemas.microsoft.com/office/drawing/2010/main" xmlns:p14="http://schemas.microsoft.com/office/powerpoint/2010/main" xmlns:a16="http://schemas.microsoft.com/office/drawing/2014/main" xmlns="" w="9525">
+                <a14:hiddenLine xmlns="" xmlns:a16="http://schemas.microsoft.com/office/drawing/2014/main" xmlns:p14="http://schemas.microsoft.com/office/powerpoint/2010/main" xmlns:a14="http://schemas.microsoft.com/office/drawing/2010/main" w="9525">
                   <a:solidFill>
                     <a:srgbClr val="000000"/>
                   </a:solidFill>
@@ -28532,7 +28532,7 @@
             </a:ln>
             <a:extLst>
               <a:ext uri="{91240B29-F687-4f45-9708-019B960494DF}">
-                <a14:hiddenLine xmlns:a14="http://schemas.microsoft.com/office/drawing/2010/main" xmlns:p14="http://schemas.microsoft.com/office/powerpoint/2010/main" xmlns:a16="http://schemas.microsoft.com/office/drawing/2014/main" xmlns="" w="9525">
+                <a14:hiddenLine xmlns="" xmlns:a16="http://schemas.microsoft.com/office/drawing/2014/main" xmlns:p14="http://schemas.microsoft.com/office/powerpoint/2010/main" xmlns:a14="http://schemas.microsoft.com/office/drawing/2010/main" w="9525">
                   <a:solidFill>
                     <a:srgbClr val="000000"/>
                   </a:solidFill>
@@ -29497,7 +29497,7 @@
           <a:noFill/>
           <a:extLst>
             <a:ext uri="{909E8E84-426E-40dd-AFC4-6F175D3DCCD1}">
-              <a14:hiddenFill xmlns:a14="http://schemas.microsoft.com/office/drawing/2010/main" xmlns:p14="http://schemas.microsoft.com/office/powerpoint/2010/main" xmlns:a16="http://schemas.microsoft.com/office/drawing/2014/main" xmlns="">
+              <a14:hiddenFill xmlns="" xmlns:a16="http://schemas.microsoft.com/office/drawing/2014/main" xmlns:p14="http://schemas.microsoft.com/office/powerpoint/2010/main" xmlns:a14="http://schemas.microsoft.com/office/drawing/2010/main">
                 <a:solidFill>
                   <a:srgbClr val="FFFFFF"/>
                 </a:solidFill>
@@ -29625,7 +29625,7 @@
             </a:ln>
             <a:extLst>
               <a:ext uri="{91240B29-F687-4f45-9708-019B960494DF}">
-                <a14:hiddenLine xmlns:a14="http://schemas.microsoft.com/office/drawing/2010/main" xmlns:p14="http://schemas.microsoft.com/office/powerpoint/2010/main" xmlns:a16="http://schemas.microsoft.com/office/drawing/2014/main" xmlns="" w="9525">
+                <a14:hiddenLine xmlns="" xmlns:a16="http://schemas.microsoft.com/office/drawing/2014/main" xmlns:p14="http://schemas.microsoft.com/office/powerpoint/2010/main" xmlns:a14="http://schemas.microsoft.com/office/drawing/2010/main" w="9525">
                   <a:solidFill>
                     <a:srgbClr val="000000"/>
                   </a:solidFill>
@@ -29730,7 +29730,7 @@
             </a:ln>
             <a:extLst>
               <a:ext uri="{91240B29-F687-4f45-9708-019B960494DF}">
-                <a14:hiddenLine xmlns:a14="http://schemas.microsoft.com/office/drawing/2010/main" xmlns:p14="http://schemas.microsoft.com/office/powerpoint/2010/main" xmlns:a16="http://schemas.microsoft.com/office/drawing/2014/main" xmlns="" w="9525">
+                <a14:hiddenLine xmlns="" xmlns:a16="http://schemas.microsoft.com/office/drawing/2014/main" xmlns:p14="http://schemas.microsoft.com/office/powerpoint/2010/main" xmlns:a14="http://schemas.microsoft.com/office/drawing/2010/main" w="9525">
                   <a:solidFill>
                     <a:srgbClr val="000000"/>
                   </a:solidFill>
@@ -29835,7 +29835,7 @@
             </a:ln>
             <a:extLst>
               <a:ext uri="{91240B29-F687-4f45-9708-019B960494DF}">
-                <a14:hiddenLine xmlns:a14="http://schemas.microsoft.com/office/drawing/2010/main" xmlns:p14="http://schemas.microsoft.com/office/powerpoint/2010/main" xmlns:a16="http://schemas.microsoft.com/office/drawing/2014/main" xmlns="" w="9525">
+                <a14:hiddenLine xmlns="" xmlns:a16="http://schemas.microsoft.com/office/drawing/2014/main" xmlns:p14="http://schemas.microsoft.com/office/powerpoint/2010/main" xmlns:a14="http://schemas.microsoft.com/office/drawing/2010/main" w="9525">
                   <a:solidFill>
                     <a:srgbClr val="000000"/>
                   </a:solidFill>
@@ -29912,7 +29912,7 @@
             </a:ln>
             <a:extLst>
               <a:ext uri="{91240B29-F687-4f45-9708-019B960494DF}">
-                <a14:hiddenLine xmlns:a14="http://schemas.microsoft.com/office/drawing/2010/main" xmlns:p14="http://schemas.microsoft.com/office/powerpoint/2010/main" xmlns:a16="http://schemas.microsoft.com/office/drawing/2014/main" xmlns="" w="9525">
+                <a14:hiddenLine xmlns="" xmlns:a16="http://schemas.microsoft.com/office/drawing/2014/main" xmlns:p14="http://schemas.microsoft.com/office/powerpoint/2010/main" xmlns:a14="http://schemas.microsoft.com/office/drawing/2010/main" w="9525">
                   <a:solidFill>
                     <a:srgbClr val="000000"/>
                   </a:solidFill>
@@ -30017,7 +30017,7 @@
             </a:ln>
             <a:extLst>
               <a:ext uri="{91240B29-F687-4f45-9708-019B960494DF}">
-                <a14:hiddenLine xmlns:a14="http://schemas.microsoft.com/office/drawing/2010/main" xmlns:p14="http://schemas.microsoft.com/office/powerpoint/2010/main" xmlns:a16="http://schemas.microsoft.com/office/drawing/2014/main" xmlns="" w="9525">
+                <a14:hiddenLine xmlns="" xmlns:a16="http://schemas.microsoft.com/office/drawing/2014/main" xmlns:p14="http://schemas.microsoft.com/office/powerpoint/2010/main" xmlns:a14="http://schemas.microsoft.com/office/drawing/2010/main" w="9525">
                   <a:solidFill>
                     <a:srgbClr val="000000"/>
                   </a:solidFill>
@@ -30094,7 +30094,7 @@
             </a:ln>
             <a:extLst>
               <a:ext uri="{91240B29-F687-4f45-9708-019B960494DF}">
-                <a14:hiddenLine xmlns:a14="http://schemas.microsoft.com/office/drawing/2010/main" xmlns:p14="http://schemas.microsoft.com/office/powerpoint/2010/main" xmlns:a16="http://schemas.microsoft.com/office/drawing/2014/main" xmlns="" w="9525">
+                <a14:hiddenLine xmlns="" xmlns:a16="http://schemas.microsoft.com/office/drawing/2014/main" xmlns:p14="http://schemas.microsoft.com/office/powerpoint/2010/main" xmlns:a14="http://schemas.microsoft.com/office/drawing/2010/main" w="9525">
                   <a:solidFill>
                     <a:srgbClr val="000000"/>
                   </a:solidFill>
@@ -30171,7 +30171,7 @@
             </a:ln>
             <a:extLst>
               <a:ext uri="{91240B29-F687-4f45-9708-019B960494DF}">
-                <a14:hiddenLine xmlns:a14="http://schemas.microsoft.com/office/drawing/2010/main" xmlns:p14="http://schemas.microsoft.com/office/powerpoint/2010/main" xmlns:a16="http://schemas.microsoft.com/office/drawing/2014/main" xmlns="" w="9525">
+                <a14:hiddenLine xmlns="" xmlns:a16="http://schemas.microsoft.com/office/drawing/2014/main" xmlns:p14="http://schemas.microsoft.com/office/powerpoint/2010/main" xmlns:a14="http://schemas.microsoft.com/office/drawing/2010/main" w="9525">
                   <a:solidFill>
                     <a:srgbClr val="000000"/>
                   </a:solidFill>
@@ -30276,7 +30276,7 @@
             </a:ln>
             <a:extLst>
               <a:ext uri="{91240B29-F687-4f45-9708-019B960494DF}">
-                <a14:hiddenLine xmlns:a14="http://schemas.microsoft.com/office/drawing/2010/main" xmlns:p14="http://schemas.microsoft.com/office/powerpoint/2010/main" xmlns:a16="http://schemas.microsoft.com/office/drawing/2014/main" xmlns="" w="9525">
+                <a14:hiddenLine xmlns="" xmlns:a16="http://schemas.microsoft.com/office/drawing/2014/main" xmlns:p14="http://schemas.microsoft.com/office/powerpoint/2010/main" xmlns:a14="http://schemas.microsoft.com/office/drawing/2010/main" w="9525">
                   <a:solidFill>
                     <a:srgbClr val="000000"/>
                   </a:solidFill>
@@ -30381,7 +30381,7 @@
             </a:ln>
             <a:extLst>
               <a:ext uri="{91240B29-F687-4f45-9708-019B960494DF}">
-                <a14:hiddenLine xmlns:a14="http://schemas.microsoft.com/office/drawing/2010/main" xmlns:p14="http://schemas.microsoft.com/office/powerpoint/2010/main" xmlns:a16="http://schemas.microsoft.com/office/drawing/2014/main" xmlns="" w="9525">
+                <a14:hiddenLine xmlns="" xmlns:a16="http://schemas.microsoft.com/office/drawing/2014/main" xmlns:p14="http://schemas.microsoft.com/office/powerpoint/2010/main" xmlns:a14="http://schemas.microsoft.com/office/drawing/2010/main" w="9525">
                   <a:solidFill>
                     <a:srgbClr val="000000"/>
                   </a:solidFill>
@@ -30458,7 +30458,7 @@
             </a:ln>
             <a:extLst>
               <a:ext uri="{91240B29-F687-4f45-9708-019B960494DF}">
-                <a14:hiddenLine xmlns:a14="http://schemas.microsoft.com/office/drawing/2010/main" xmlns:p14="http://schemas.microsoft.com/office/powerpoint/2010/main" xmlns:a16="http://schemas.microsoft.com/office/drawing/2014/main" xmlns="" w="9525">
+                <a14:hiddenLine xmlns="" xmlns:a16="http://schemas.microsoft.com/office/drawing/2014/main" xmlns:p14="http://schemas.microsoft.com/office/powerpoint/2010/main" xmlns:a14="http://schemas.microsoft.com/office/drawing/2010/main" w="9525">
                   <a:solidFill>
                     <a:srgbClr val="000000"/>
                   </a:solidFill>
@@ -30583,7 +30583,7 @@
             </a:ln>
             <a:extLst>
               <a:ext uri="{91240B29-F687-4f45-9708-019B960494DF}">
-                <a14:hiddenLine xmlns:a14="http://schemas.microsoft.com/office/drawing/2010/main" xmlns:p14="http://schemas.microsoft.com/office/powerpoint/2010/main" xmlns:a16="http://schemas.microsoft.com/office/drawing/2014/main" xmlns="" w="9525">
+                <a14:hiddenLine xmlns="" xmlns:a16="http://schemas.microsoft.com/office/drawing/2014/main" xmlns:p14="http://schemas.microsoft.com/office/powerpoint/2010/main" xmlns:a14="http://schemas.microsoft.com/office/drawing/2010/main" w="9525">
                   <a:solidFill>
                     <a:srgbClr val="000000"/>
                   </a:solidFill>
@@ -30697,7 +30697,7 @@
             </a:ln>
             <a:extLst>
               <a:ext uri="{91240B29-F687-4f45-9708-019B960494DF}">
-                <a14:hiddenLine xmlns:a14="http://schemas.microsoft.com/office/drawing/2010/main" xmlns:p14="http://schemas.microsoft.com/office/powerpoint/2010/main" xmlns:a16="http://schemas.microsoft.com/office/drawing/2014/main" xmlns="" w="9525">
+                <a14:hiddenLine xmlns="" xmlns:a16="http://schemas.microsoft.com/office/drawing/2014/main" xmlns:p14="http://schemas.microsoft.com/office/powerpoint/2010/main" xmlns:a14="http://schemas.microsoft.com/office/drawing/2010/main" w="9525">
                   <a:solidFill>
                     <a:srgbClr val="000000"/>
                   </a:solidFill>
@@ -30774,7 +30774,7 @@
             </a:ln>
             <a:extLst>
               <a:ext uri="{91240B29-F687-4f45-9708-019B960494DF}">
-                <a14:hiddenLine xmlns:a14="http://schemas.microsoft.com/office/drawing/2010/main" xmlns:p14="http://schemas.microsoft.com/office/powerpoint/2010/main" xmlns:a16="http://schemas.microsoft.com/office/drawing/2014/main" xmlns="" w="9525">
+                <a14:hiddenLine xmlns="" xmlns:a16="http://schemas.microsoft.com/office/drawing/2014/main" xmlns:p14="http://schemas.microsoft.com/office/powerpoint/2010/main" xmlns:a14="http://schemas.microsoft.com/office/drawing/2010/main" w="9525">
                   <a:solidFill>
                     <a:srgbClr val="000000"/>
                   </a:solidFill>
@@ -30851,7 +30851,7 @@
             </a:ln>
             <a:extLst>
               <a:ext uri="{91240B29-F687-4f45-9708-019B960494DF}">
-                <a14:hiddenLine xmlns:a14="http://schemas.microsoft.com/office/drawing/2010/main" xmlns:p14="http://schemas.microsoft.com/office/powerpoint/2010/main" xmlns:a16="http://schemas.microsoft.com/office/drawing/2014/main" xmlns="" w="9525">
+                <a14:hiddenLine xmlns="" xmlns:a16="http://schemas.microsoft.com/office/drawing/2014/main" xmlns:p14="http://schemas.microsoft.com/office/powerpoint/2010/main" xmlns:a14="http://schemas.microsoft.com/office/drawing/2010/main" w="9525">
                   <a:solidFill>
                     <a:srgbClr val="000000"/>
                   </a:solidFill>
@@ -30956,7 +30956,7 @@
             </a:ln>
             <a:extLst>
               <a:ext uri="{91240B29-F687-4f45-9708-019B960494DF}">
-                <a14:hiddenLine xmlns:a14="http://schemas.microsoft.com/office/drawing/2010/main" xmlns:p14="http://schemas.microsoft.com/office/powerpoint/2010/main" xmlns:a16="http://schemas.microsoft.com/office/drawing/2014/main" xmlns="" w="9525">
+                <a14:hiddenLine xmlns="" xmlns:a16="http://schemas.microsoft.com/office/drawing/2014/main" xmlns:p14="http://schemas.microsoft.com/office/powerpoint/2010/main" xmlns:a14="http://schemas.microsoft.com/office/drawing/2010/main" w="9525">
                   <a:solidFill>
                     <a:srgbClr val="000000"/>
                   </a:solidFill>
@@ -31005,7 +31005,7 @@
             </a:ln>
             <a:extLst>
               <a:ext uri="{91240B29-F687-4f45-9708-019B960494DF}">
-                <a14:hiddenLine xmlns:a14="http://schemas.microsoft.com/office/drawing/2010/main" xmlns:p14="http://schemas.microsoft.com/office/powerpoint/2010/main" xmlns:a16="http://schemas.microsoft.com/office/drawing/2014/main" xmlns="" w="9525">
+                <a14:hiddenLine xmlns="" xmlns:a16="http://schemas.microsoft.com/office/drawing/2014/main" xmlns:p14="http://schemas.microsoft.com/office/powerpoint/2010/main" xmlns:a14="http://schemas.microsoft.com/office/drawing/2010/main" w="9525">
                   <a:solidFill>
                     <a:srgbClr val="000000"/>
                   </a:solidFill>
@@ -31085,7 +31085,7 @@
             </a:ln>
             <a:extLst>
               <a:ext uri="{91240B29-F687-4f45-9708-019B960494DF}">
-                <a14:hiddenLine xmlns:a14="http://schemas.microsoft.com/office/drawing/2010/main" xmlns:p14="http://schemas.microsoft.com/office/powerpoint/2010/main" xmlns:a16="http://schemas.microsoft.com/office/drawing/2014/main" xmlns="" w="9525">
+                <a14:hiddenLine xmlns="" xmlns:a16="http://schemas.microsoft.com/office/drawing/2014/main" xmlns:p14="http://schemas.microsoft.com/office/powerpoint/2010/main" xmlns:a14="http://schemas.microsoft.com/office/drawing/2010/main" w="9525">
                   <a:solidFill>
                     <a:srgbClr val="000000"/>
                   </a:solidFill>
@@ -31190,7 +31190,7 @@
             </a:ln>
             <a:extLst>
               <a:ext uri="{91240B29-F687-4f45-9708-019B960494DF}">
-                <a14:hiddenLine xmlns:a14="http://schemas.microsoft.com/office/drawing/2010/main" xmlns:p14="http://schemas.microsoft.com/office/powerpoint/2010/main" xmlns:a16="http://schemas.microsoft.com/office/drawing/2014/main" xmlns="" w="9525">
+                <a14:hiddenLine xmlns="" xmlns:a16="http://schemas.microsoft.com/office/drawing/2014/main" xmlns:p14="http://schemas.microsoft.com/office/powerpoint/2010/main" xmlns:a14="http://schemas.microsoft.com/office/drawing/2010/main" w="9525">
                   <a:solidFill>
                     <a:srgbClr val="000000"/>
                   </a:solidFill>
@@ -31267,7 +31267,7 @@
             </a:ln>
             <a:extLst>
               <a:ext uri="{91240B29-F687-4f45-9708-019B960494DF}">
-                <a14:hiddenLine xmlns:a14="http://schemas.microsoft.com/office/drawing/2010/main" xmlns:p14="http://schemas.microsoft.com/office/powerpoint/2010/main" xmlns:a16="http://schemas.microsoft.com/office/drawing/2014/main" xmlns="" w="9525">
+                <a14:hiddenLine xmlns="" xmlns:a16="http://schemas.microsoft.com/office/drawing/2014/main" xmlns:p14="http://schemas.microsoft.com/office/powerpoint/2010/main" xmlns:a14="http://schemas.microsoft.com/office/drawing/2010/main" w="9525">
                   <a:solidFill>
                     <a:srgbClr val="000000"/>
                   </a:solidFill>
@@ -31372,7 +31372,7 @@
             </a:ln>
             <a:extLst>
               <a:ext uri="{91240B29-F687-4f45-9708-019B960494DF}">
-                <a14:hiddenLine xmlns:a14="http://schemas.microsoft.com/office/drawing/2010/main" xmlns:p14="http://schemas.microsoft.com/office/powerpoint/2010/main" xmlns:a16="http://schemas.microsoft.com/office/drawing/2014/main" xmlns="" w="9525">
+                <a14:hiddenLine xmlns="" xmlns:a16="http://schemas.microsoft.com/office/drawing/2014/main" xmlns:p14="http://schemas.microsoft.com/office/powerpoint/2010/main" xmlns:a14="http://schemas.microsoft.com/office/drawing/2010/main" w="9525">
                   <a:solidFill>
                     <a:srgbClr val="000000"/>
                   </a:solidFill>
@@ -31452,7 +31452,7 @@
             </a:ln>
             <a:extLst>
               <a:ext uri="{91240B29-F687-4f45-9708-019B960494DF}">
-                <a14:hiddenLine xmlns:a14="http://schemas.microsoft.com/office/drawing/2010/main" xmlns:p14="http://schemas.microsoft.com/office/powerpoint/2010/main" xmlns:a16="http://schemas.microsoft.com/office/drawing/2014/main" xmlns="" w="9525">
+                <a14:hiddenLine xmlns="" xmlns:a16="http://schemas.microsoft.com/office/drawing/2014/main" xmlns:p14="http://schemas.microsoft.com/office/powerpoint/2010/main" xmlns:a14="http://schemas.microsoft.com/office/drawing/2010/main" w="9525">
                   <a:solidFill>
                     <a:srgbClr val="000000"/>
                   </a:solidFill>
@@ -31529,7 +31529,7 @@
             </a:ln>
             <a:extLst>
               <a:ext uri="{91240B29-F687-4f45-9708-019B960494DF}">
-                <a14:hiddenLine xmlns:a14="http://schemas.microsoft.com/office/drawing/2010/main" xmlns:p14="http://schemas.microsoft.com/office/powerpoint/2010/main" xmlns:a16="http://schemas.microsoft.com/office/drawing/2014/main" xmlns="" w="9525">
+                <a14:hiddenLine xmlns="" xmlns:a16="http://schemas.microsoft.com/office/drawing/2014/main" xmlns:p14="http://schemas.microsoft.com/office/powerpoint/2010/main" xmlns:a14="http://schemas.microsoft.com/office/drawing/2010/main" w="9525">
                   <a:solidFill>
                     <a:srgbClr val="000000"/>
                   </a:solidFill>
@@ -31634,7 +31634,7 @@
             </a:ln>
             <a:extLst>
               <a:ext uri="{91240B29-F687-4f45-9708-019B960494DF}">
-                <a14:hiddenLine xmlns:a14="http://schemas.microsoft.com/office/drawing/2010/main" xmlns:p14="http://schemas.microsoft.com/office/powerpoint/2010/main" xmlns:a16="http://schemas.microsoft.com/office/drawing/2014/main" xmlns="" w="9525">
+                <a14:hiddenLine xmlns="" xmlns:a16="http://schemas.microsoft.com/office/drawing/2014/main" xmlns:p14="http://schemas.microsoft.com/office/powerpoint/2010/main" xmlns:a14="http://schemas.microsoft.com/office/drawing/2010/main" w="9525">
                   <a:solidFill>
                     <a:srgbClr val="000000"/>
                   </a:solidFill>
@@ -31739,7 +31739,7 @@
             </a:ln>
             <a:extLst>
               <a:ext uri="{91240B29-F687-4f45-9708-019B960494DF}">
-                <a14:hiddenLine xmlns:a14="http://schemas.microsoft.com/office/drawing/2010/main" xmlns:p14="http://schemas.microsoft.com/office/powerpoint/2010/main" xmlns:a16="http://schemas.microsoft.com/office/drawing/2014/main" xmlns="" w="9525">
+                <a14:hiddenLine xmlns="" xmlns:a16="http://schemas.microsoft.com/office/drawing/2014/main" xmlns:p14="http://schemas.microsoft.com/office/powerpoint/2010/main" xmlns:a14="http://schemas.microsoft.com/office/drawing/2010/main" w="9525">
                   <a:solidFill>
                     <a:srgbClr val="000000"/>
                   </a:solidFill>
@@ -31819,7 +31819,7 @@
             </a:ln>
             <a:extLst>
               <a:ext uri="{91240B29-F687-4f45-9708-019B960494DF}">
-                <a14:hiddenLine xmlns:a14="http://schemas.microsoft.com/office/drawing/2010/main" xmlns:p14="http://schemas.microsoft.com/office/powerpoint/2010/main" xmlns:a16="http://schemas.microsoft.com/office/drawing/2014/main" xmlns="" w="9525">
+                <a14:hiddenLine xmlns="" xmlns:a16="http://schemas.microsoft.com/office/drawing/2014/main" xmlns:p14="http://schemas.microsoft.com/office/powerpoint/2010/main" xmlns:a14="http://schemas.microsoft.com/office/drawing/2010/main" w="9525">
                   <a:solidFill>
                     <a:srgbClr val="000000"/>
                   </a:solidFill>
@@ -31954,7 +31954,7 @@
             </a:ln>
             <a:extLst>
               <a:ext uri="{91240B29-F687-4f45-9708-019B960494DF}">
-                <a14:hiddenLine xmlns:a14="http://schemas.microsoft.com/office/drawing/2010/main" xmlns:p14="http://schemas.microsoft.com/office/powerpoint/2010/main" xmlns:a16="http://schemas.microsoft.com/office/drawing/2014/main" xmlns="" w="9525">
+                <a14:hiddenLine xmlns="" xmlns:a16="http://schemas.microsoft.com/office/drawing/2014/main" xmlns:p14="http://schemas.microsoft.com/office/powerpoint/2010/main" xmlns:a14="http://schemas.microsoft.com/office/drawing/2010/main" w="9525">
                   <a:solidFill>
                     <a:srgbClr val="000000"/>
                   </a:solidFill>
@@ -32552,7 +32552,7 @@
           <a:noFill/>
           <a:extLst>
             <a:ext uri="{909E8E84-426E-40dd-AFC4-6F175D3DCCD1}">
-              <a14:hiddenFill xmlns="" xmlns:a16="http://schemas.microsoft.com/office/drawing/2014/main" xmlns:p14="http://schemas.microsoft.com/office/powerpoint/2010/main" xmlns:a14="http://schemas.microsoft.com/office/drawing/2010/main">
+              <a14:hiddenFill xmlns:a14="http://schemas.microsoft.com/office/drawing/2010/main" xmlns:p14="http://schemas.microsoft.com/office/powerpoint/2010/main" xmlns:a16="http://schemas.microsoft.com/office/drawing/2014/main" xmlns="">
                 <a:solidFill>
                   <a:srgbClr val="FFFFFF"/>
                 </a:solidFill>
@@ -32679,7 +32679,7 @@
             </a:ln>
             <a:extLst>
               <a:ext uri="{91240B29-F687-4f45-9708-019B960494DF}">
-                <a14:hiddenLine xmlns="" xmlns:a16="http://schemas.microsoft.com/office/drawing/2014/main" xmlns:p14="http://schemas.microsoft.com/office/powerpoint/2010/main" xmlns:a14="http://schemas.microsoft.com/office/drawing/2010/main" w="9525">
+                <a14:hiddenLine xmlns:a14="http://schemas.microsoft.com/office/drawing/2010/main" xmlns:p14="http://schemas.microsoft.com/office/powerpoint/2010/main" xmlns:a16="http://schemas.microsoft.com/office/drawing/2014/main" xmlns="" w="9525">
                   <a:solidFill>
                     <a:srgbClr val="000000"/>
                   </a:solidFill>
@@ -32784,7 +32784,7 @@
             </a:ln>
             <a:extLst>
               <a:ext uri="{91240B29-F687-4f45-9708-019B960494DF}">
-                <a14:hiddenLine xmlns="" xmlns:a16="http://schemas.microsoft.com/office/drawing/2014/main" xmlns:p14="http://schemas.microsoft.com/office/powerpoint/2010/main" xmlns:a14="http://schemas.microsoft.com/office/drawing/2010/main" w="9525">
+                <a14:hiddenLine xmlns:a14="http://schemas.microsoft.com/office/drawing/2010/main" xmlns:p14="http://schemas.microsoft.com/office/powerpoint/2010/main" xmlns:a16="http://schemas.microsoft.com/office/drawing/2014/main" xmlns="" w="9525">
                   <a:solidFill>
                     <a:srgbClr val="000000"/>
                   </a:solidFill>
@@ -32889,7 +32889,7 @@
             </a:ln>
             <a:extLst>
               <a:ext uri="{91240B29-F687-4f45-9708-019B960494DF}">
-                <a14:hiddenLine xmlns="" xmlns:a16="http://schemas.microsoft.com/office/drawing/2014/main" xmlns:p14="http://schemas.microsoft.com/office/powerpoint/2010/main" xmlns:a14="http://schemas.microsoft.com/office/drawing/2010/main" w="9525">
+                <a14:hiddenLine xmlns:a14="http://schemas.microsoft.com/office/drawing/2010/main" xmlns:p14="http://schemas.microsoft.com/office/powerpoint/2010/main" xmlns:a16="http://schemas.microsoft.com/office/drawing/2014/main" xmlns="" w="9525">
                   <a:solidFill>
                     <a:srgbClr val="000000"/>
                   </a:solidFill>
@@ -32966,7 +32966,7 @@
             </a:ln>
             <a:extLst>
               <a:ext uri="{91240B29-F687-4f45-9708-019B960494DF}">
-                <a14:hiddenLine xmlns="" xmlns:a16="http://schemas.microsoft.com/office/drawing/2014/main" xmlns:p14="http://schemas.microsoft.com/office/powerpoint/2010/main" xmlns:a14="http://schemas.microsoft.com/office/drawing/2010/main" w="9525">
+                <a14:hiddenLine xmlns:a14="http://schemas.microsoft.com/office/drawing/2010/main" xmlns:p14="http://schemas.microsoft.com/office/powerpoint/2010/main" xmlns:a16="http://schemas.microsoft.com/office/drawing/2014/main" xmlns="" w="9525">
                   <a:solidFill>
                     <a:srgbClr val="000000"/>
                   </a:solidFill>
@@ -33071,7 +33071,7 @@
             </a:ln>
             <a:extLst>
               <a:ext uri="{91240B29-F687-4f45-9708-019B960494DF}">
-                <a14:hiddenLine xmlns="" xmlns:a16="http://schemas.microsoft.com/office/drawing/2014/main" xmlns:p14="http://schemas.microsoft.com/office/powerpoint/2010/main" xmlns:a14="http://schemas.microsoft.com/office/drawing/2010/main" w="9525">
+                <a14:hiddenLine xmlns:a14="http://schemas.microsoft.com/office/drawing/2010/main" xmlns:p14="http://schemas.microsoft.com/office/powerpoint/2010/main" xmlns:a16="http://schemas.microsoft.com/office/drawing/2014/main" xmlns="" w="9525">
                   <a:solidFill>
                     <a:srgbClr val="000000"/>
                   </a:solidFill>
@@ -33148,7 +33148,7 @@
             </a:ln>
             <a:extLst>
               <a:ext uri="{91240B29-F687-4f45-9708-019B960494DF}">
-                <a14:hiddenLine xmlns="" xmlns:a16="http://schemas.microsoft.com/office/drawing/2014/main" xmlns:p14="http://schemas.microsoft.com/office/powerpoint/2010/main" xmlns:a14="http://schemas.microsoft.com/office/drawing/2010/main" w="9525">
+                <a14:hiddenLine xmlns:a14="http://schemas.microsoft.com/office/drawing/2010/main" xmlns:p14="http://schemas.microsoft.com/office/powerpoint/2010/main" xmlns:a16="http://schemas.microsoft.com/office/drawing/2014/main" xmlns="" w="9525">
                   <a:solidFill>
                     <a:srgbClr val="000000"/>
                   </a:solidFill>
@@ -33225,7 +33225,7 @@
             </a:ln>
             <a:extLst>
               <a:ext uri="{91240B29-F687-4f45-9708-019B960494DF}">
-                <a14:hiddenLine xmlns="" xmlns:a16="http://schemas.microsoft.com/office/drawing/2014/main" xmlns:p14="http://schemas.microsoft.com/office/powerpoint/2010/main" xmlns:a14="http://schemas.microsoft.com/office/drawing/2010/main" w="9525">
+                <a14:hiddenLine xmlns:a14="http://schemas.microsoft.com/office/drawing/2010/main" xmlns:p14="http://schemas.microsoft.com/office/powerpoint/2010/main" xmlns:a16="http://schemas.microsoft.com/office/drawing/2014/main" xmlns="" w="9525">
                   <a:solidFill>
                     <a:srgbClr val="000000"/>
                   </a:solidFill>
@@ -33330,7 +33330,7 @@
             </a:ln>
             <a:extLst>
               <a:ext uri="{91240B29-F687-4f45-9708-019B960494DF}">
-                <a14:hiddenLine xmlns="" xmlns:a16="http://schemas.microsoft.com/office/drawing/2014/main" xmlns:p14="http://schemas.microsoft.com/office/powerpoint/2010/main" xmlns:a14="http://schemas.microsoft.com/office/drawing/2010/main" w="9525">
+                <a14:hiddenLine xmlns:a14="http://schemas.microsoft.com/office/drawing/2010/main" xmlns:p14="http://schemas.microsoft.com/office/powerpoint/2010/main" xmlns:a16="http://schemas.microsoft.com/office/drawing/2014/main" xmlns="" w="9525">
                   <a:solidFill>
                     <a:srgbClr val="000000"/>
                   </a:solidFill>
@@ -33435,7 +33435,7 @@
             </a:ln>
             <a:extLst>
               <a:ext uri="{91240B29-F687-4f45-9708-019B960494DF}">
-                <a14:hiddenLine xmlns="" xmlns:a16="http://schemas.microsoft.com/office/drawing/2014/main" xmlns:p14="http://schemas.microsoft.com/office/powerpoint/2010/main" xmlns:a14="http://schemas.microsoft.com/office/drawing/2010/main" w="9525">
+                <a14:hiddenLine xmlns:a14="http://schemas.microsoft.com/office/drawing/2010/main" xmlns:p14="http://schemas.microsoft.com/office/powerpoint/2010/main" xmlns:a16="http://schemas.microsoft.com/office/drawing/2014/main" xmlns="" w="9525">
                   <a:solidFill>
                     <a:srgbClr val="000000"/>
                   </a:solidFill>
@@ -33512,7 +33512,7 @@
             </a:ln>
             <a:extLst>
               <a:ext uri="{91240B29-F687-4f45-9708-019B960494DF}">
-                <a14:hiddenLine xmlns="" xmlns:a16="http://schemas.microsoft.com/office/drawing/2014/main" xmlns:p14="http://schemas.microsoft.com/office/powerpoint/2010/main" xmlns:a14="http://schemas.microsoft.com/office/drawing/2010/main" w="9525">
+                <a14:hiddenLine xmlns:a14="http://schemas.microsoft.com/office/drawing/2010/main" xmlns:p14="http://schemas.microsoft.com/office/powerpoint/2010/main" xmlns:a16="http://schemas.microsoft.com/office/drawing/2014/main" xmlns="" w="9525">
                   <a:solidFill>
                     <a:srgbClr val="000000"/>
                   </a:solidFill>
@@ -33637,7 +33637,7 @@
             </a:ln>
             <a:extLst>
               <a:ext uri="{91240B29-F687-4f45-9708-019B960494DF}">
-                <a14:hiddenLine xmlns="" xmlns:a16="http://schemas.microsoft.com/office/drawing/2014/main" xmlns:p14="http://schemas.microsoft.com/office/powerpoint/2010/main" xmlns:a14="http://schemas.microsoft.com/office/drawing/2010/main" w="9525">
+                <a14:hiddenLine xmlns:a14="http://schemas.microsoft.com/office/drawing/2010/main" xmlns:p14="http://schemas.microsoft.com/office/powerpoint/2010/main" xmlns:a16="http://schemas.microsoft.com/office/drawing/2014/main" xmlns="" w="9525">
                   <a:solidFill>
                     <a:srgbClr val="000000"/>
                   </a:solidFill>
@@ -33751,7 +33751,7 @@
             </a:ln>
             <a:extLst>
               <a:ext uri="{91240B29-F687-4f45-9708-019B960494DF}">
-                <a14:hiddenLine xmlns="" xmlns:a16="http://schemas.microsoft.com/office/drawing/2014/main" xmlns:p14="http://schemas.microsoft.com/office/powerpoint/2010/main" xmlns:a14="http://schemas.microsoft.com/office/drawing/2010/main" w="9525">
+                <a14:hiddenLine xmlns:a14="http://schemas.microsoft.com/office/drawing/2010/main" xmlns:p14="http://schemas.microsoft.com/office/powerpoint/2010/main" xmlns:a16="http://schemas.microsoft.com/office/drawing/2014/main" xmlns="" w="9525">
                   <a:solidFill>
                     <a:srgbClr val="000000"/>
                   </a:solidFill>
@@ -33828,7 +33828,7 @@
             </a:ln>
             <a:extLst>
               <a:ext uri="{91240B29-F687-4f45-9708-019B960494DF}">
-                <a14:hiddenLine xmlns="" xmlns:a16="http://schemas.microsoft.com/office/drawing/2014/main" xmlns:p14="http://schemas.microsoft.com/office/powerpoint/2010/main" xmlns:a14="http://schemas.microsoft.com/office/drawing/2010/main" w="9525">
+                <a14:hiddenLine xmlns:a14="http://schemas.microsoft.com/office/drawing/2010/main" xmlns:p14="http://schemas.microsoft.com/office/powerpoint/2010/main" xmlns:a16="http://schemas.microsoft.com/office/drawing/2014/main" xmlns="" w="9525">
                   <a:solidFill>
                     <a:srgbClr val="000000"/>
                   </a:solidFill>
@@ -33905,7 +33905,7 @@
             </a:ln>
             <a:extLst>
               <a:ext uri="{91240B29-F687-4f45-9708-019B960494DF}">
-                <a14:hiddenLine xmlns="" xmlns:a16="http://schemas.microsoft.com/office/drawing/2014/main" xmlns:p14="http://schemas.microsoft.com/office/powerpoint/2010/main" xmlns:a14="http://schemas.microsoft.com/office/drawing/2010/main" w="9525">
+                <a14:hiddenLine xmlns:a14="http://schemas.microsoft.com/office/drawing/2010/main" xmlns:p14="http://schemas.microsoft.com/office/powerpoint/2010/main" xmlns:a16="http://schemas.microsoft.com/office/drawing/2014/main" xmlns="" w="9525">
                   <a:solidFill>
                     <a:srgbClr val="000000"/>
                   </a:solidFill>
@@ -34010,7 +34010,7 @@
             </a:ln>
             <a:extLst>
               <a:ext uri="{91240B29-F687-4f45-9708-019B960494DF}">
-                <a14:hiddenLine xmlns="" xmlns:a16="http://schemas.microsoft.com/office/drawing/2014/main" xmlns:p14="http://schemas.microsoft.com/office/powerpoint/2010/main" xmlns:a14="http://schemas.microsoft.com/office/drawing/2010/main" w="9525">
+                <a14:hiddenLine xmlns:a14="http://schemas.microsoft.com/office/drawing/2010/main" xmlns:p14="http://schemas.microsoft.com/office/powerpoint/2010/main" xmlns:a16="http://schemas.microsoft.com/office/drawing/2014/main" xmlns="" w="9525">
                   <a:solidFill>
                     <a:srgbClr val="000000"/>
                   </a:solidFill>
@@ -34059,7 +34059,7 @@
             </a:ln>
             <a:extLst>
               <a:ext uri="{91240B29-F687-4f45-9708-019B960494DF}">
-                <a14:hiddenLine xmlns="" xmlns:a16="http://schemas.microsoft.com/office/drawing/2014/main" xmlns:p14="http://schemas.microsoft.com/office/powerpoint/2010/main" xmlns:a14="http://schemas.microsoft.com/office/drawing/2010/main" w="9525">
+                <a14:hiddenLine xmlns:a14="http://schemas.microsoft.com/office/drawing/2010/main" xmlns:p14="http://schemas.microsoft.com/office/powerpoint/2010/main" xmlns:a16="http://schemas.microsoft.com/office/drawing/2014/main" xmlns="" w="9525">
                   <a:solidFill>
                     <a:srgbClr val="000000"/>
                   </a:solidFill>
@@ -34139,7 +34139,7 @@
             </a:ln>
             <a:extLst>
               <a:ext uri="{91240B29-F687-4f45-9708-019B960494DF}">
-                <a14:hiddenLine xmlns="" xmlns:a16="http://schemas.microsoft.com/office/drawing/2014/main" xmlns:p14="http://schemas.microsoft.com/office/powerpoint/2010/main" xmlns:a14="http://schemas.microsoft.com/office/drawing/2010/main" w="9525">
+                <a14:hiddenLine xmlns:a14="http://schemas.microsoft.com/office/drawing/2010/main" xmlns:p14="http://schemas.microsoft.com/office/powerpoint/2010/main" xmlns:a16="http://schemas.microsoft.com/office/drawing/2014/main" xmlns="" w="9525">
                   <a:solidFill>
                     <a:srgbClr val="000000"/>
                   </a:solidFill>
@@ -34244,7 +34244,7 @@
             </a:ln>
             <a:extLst>
               <a:ext uri="{91240B29-F687-4f45-9708-019B960494DF}">
-                <a14:hiddenLine xmlns="" xmlns:a16="http://schemas.microsoft.com/office/drawing/2014/main" xmlns:p14="http://schemas.microsoft.com/office/powerpoint/2010/main" xmlns:a14="http://schemas.microsoft.com/office/drawing/2010/main" w="9525">
+                <a14:hiddenLine xmlns:a14="http://schemas.microsoft.com/office/drawing/2010/main" xmlns:p14="http://schemas.microsoft.com/office/powerpoint/2010/main" xmlns:a16="http://schemas.microsoft.com/office/drawing/2014/main" xmlns="" w="9525">
                   <a:solidFill>
                     <a:srgbClr val="000000"/>
                   </a:solidFill>
@@ -34321,7 +34321,7 @@
             </a:ln>
             <a:extLst>
               <a:ext uri="{91240B29-F687-4f45-9708-019B960494DF}">
-                <a14:hiddenLine xmlns="" xmlns:a16="http://schemas.microsoft.com/office/drawing/2014/main" xmlns:p14="http://schemas.microsoft.com/office/powerpoint/2010/main" xmlns:a14="http://schemas.microsoft.com/office/drawing/2010/main" w="9525">
+                <a14:hiddenLine xmlns:a14="http://schemas.microsoft.com/office/drawing/2010/main" xmlns:p14="http://schemas.microsoft.com/office/powerpoint/2010/main" xmlns:a16="http://schemas.microsoft.com/office/drawing/2014/main" xmlns="" w="9525">
                   <a:solidFill>
                     <a:srgbClr val="000000"/>
                   </a:solidFill>
@@ -34426,7 +34426,7 @@
             </a:ln>
             <a:extLst>
               <a:ext uri="{91240B29-F687-4f45-9708-019B960494DF}">
-                <a14:hiddenLine xmlns="" xmlns:a16="http://schemas.microsoft.com/office/drawing/2014/main" xmlns:p14="http://schemas.microsoft.com/office/powerpoint/2010/main" xmlns:a14="http://schemas.microsoft.com/office/drawing/2010/main" w="9525">
+                <a14:hiddenLine xmlns:a14="http://schemas.microsoft.com/office/drawing/2010/main" xmlns:p14="http://schemas.microsoft.com/office/powerpoint/2010/main" xmlns:a16="http://schemas.microsoft.com/office/drawing/2014/main" xmlns="" w="9525">
                   <a:solidFill>
                     <a:srgbClr val="000000"/>
                   </a:solidFill>
@@ -34506,7 +34506,7 @@
             </a:ln>
             <a:extLst>
               <a:ext uri="{91240B29-F687-4f45-9708-019B960494DF}">
-                <a14:hiddenLine xmlns="" xmlns:a16="http://schemas.microsoft.com/office/drawing/2014/main" xmlns:p14="http://schemas.microsoft.com/office/powerpoint/2010/main" xmlns:a14="http://schemas.microsoft.com/office/drawing/2010/main" w="9525">
+                <a14:hiddenLine xmlns:a14="http://schemas.microsoft.com/office/drawing/2010/main" xmlns:p14="http://schemas.microsoft.com/office/powerpoint/2010/main" xmlns:a16="http://schemas.microsoft.com/office/drawing/2014/main" xmlns="" w="9525">
                   <a:solidFill>
                     <a:srgbClr val="000000"/>
                   </a:solidFill>
@@ -34583,7 +34583,7 @@
             </a:ln>
             <a:extLst>
               <a:ext uri="{91240B29-F687-4f45-9708-019B960494DF}">
-                <a14:hiddenLine xmlns="" xmlns:a16="http://schemas.microsoft.com/office/drawing/2014/main" xmlns:p14="http://schemas.microsoft.com/office/powerpoint/2010/main" xmlns:a14="http://schemas.microsoft.com/office/drawing/2010/main" w="9525">
+                <a14:hiddenLine xmlns:a14="http://schemas.microsoft.com/office/drawing/2010/main" xmlns:p14="http://schemas.microsoft.com/office/powerpoint/2010/main" xmlns:a16="http://schemas.microsoft.com/office/drawing/2014/main" xmlns="" w="9525">
                   <a:solidFill>
                     <a:srgbClr val="000000"/>
                   </a:solidFill>
@@ -34688,7 +34688,7 @@
             </a:ln>
             <a:extLst>
               <a:ext uri="{91240B29-F687-4f45-9708-019B960494DF}">
-                <a14:hiddenLine xmlns="" xmlns:a16="http://schemas.microsoft.com/office/drawing/2014/main" xmlns:p14="http://schemas.microsoft.com/office/powerpoint/2010/main" xmlns:a14="http://schemas.microsoft.com/office/drawing/2010/main" w="9525">
+                <a14:hiddenLine xmlns:a14="http://schemas.microsoft.com/office/drawing/2010/main" xmlns:p14="http://schemas.microsoft.com/office/powerpoint/2010/main" xmlns:a16="http://schemas.microsoft.com/office/drawing/2014/main" xmlns="" w="9525">
                   <a:solidFill>
                     <a:srgbClr val="000000"/>
                   </a:solidFill>
@@ -34793,7 +34793,7 @@
             </a:ln>
             <a:extLst>
               <a:ext uri="{91240B29-F687-4f45-9708-019B960494DF}">
-                <a14:hiddenLine xmlns="" xmlns:a16="http://schemas.microsoft.com/office/drawing/2014/main" xmlns:p14="http://schemas.microsoft.com/office/powerpoint/2010/main" xmlns:a14="http://schemas.microsoft.com/office/drawing/2010/main" w="9525">
+                <a14:hiddenLine xmlns:a14="http://schemas.microsoft.com/office/drawing/2010/main" xmlns:p14="http://schemas.microsoft.com/office/powerpoint/2010/main" xmlns:a16="http://schemas.microsoft.com/office/drawing/2014/main" xmlns="" w="9525">
                   <a:solidFill>
                     <a:srgbClr val="000000"/>
                   </a:solidFill>
@@ -34873,7 +34873,7 @@
             </a:ln>
             <a:extLst>
               <a:ext uri="{91240B29-F687-4f45-9708-019B960494DF}">
-                <a14:hiddenLine xmlns="" xmlns:a16="http://schemas.microsoft.com/office/drawing/2014/main" xmlns:p14="http://schemas.microsoft.com/office/powerpoint/2010/main" xmlns:a14="http://schemas.microsoft.com/office/drawing/2010/main" w="9525">
+                <a14:hiddenLine xmlns:a14="http://schemas.microsoft.com/office/drawing/2010/main" xmlns:p14="http://schemas.microsoft.com/office/powerpoint/2010/main" xmlns:a16="http://schemas.microsoft.com/office/drawing/2014/main" xmlns="" w="9525">
                   <a:solidFill>
                     <a:srgbClr val="000000"/>
                   </a:solidFill>
@@ -35008,7 +35008,7 @@
             </a:ln>
             <a:extLst>
               <a:ext uri="{91240B29-F687-4f45-9708-019B960494DF}">
-                <a14:hiddenLine xmlns="" xmlns:a16="http://schemas.microsoft.com/office/drawing/2014/main" xmlns:p14="http://schemas.microsoft.com/office/powerpoint/2010/main" xmlns:a14="http://schemas.microsoft.com/office/drawing/2010/main" w="9525">
+                <a14:hiddenLine xmlns:a14="http://schemas.microsoft.com/office/drawing/2010/main" xmlns:p14="http://schemas.microsoft.com/office/powerpoint/2010/main" xmlns:a16="http://schemas.microsoft.com/office/drawing/2014/main" xmlns="" w="9525">
                   <a:solidFill>
                     <a:srgbClr val="000000"/>
                   </a:solidFill>
@@ -35258,7 +35258,7 @@
         </p:nvSpPr>
         <p:spPr>
           <a:xfrm>
-            <a:off x="11786858" y="5768154"/>
+            <a:off x="11526140" y="6017080"/>
             <a:ext cx="515007" cy="276999"/>
           </a:xfrm>
           <a:prstGeom prst="rect">
@@ -36143,12 +36143,6 @@
 </file>
 
 <file path=customXml/item2.xml><?xml version="1.0" encoding="utf-8"?>
-<p:properties xmlns:p="http://schemas.microsoft.com/office/2006/metadata/properties" xmlns:xsi="http://www.w3.org/2001/XMLSchema-instance" xmlns:pc="http://schemas.microsoft.com/office/infopath/2007/PartnerControls">
-  <documentManagement/>
-</p:properties>
-</file>
-
-<file path=customXml/item3.xml><?xml version="1.0" encoding="utf-8"?>
 <ct:contentTypeSchema xmlns:ct="http://schemas.microsoft.com/office/2006/metadata/contentType" xmlns:ma="http://schemas.microsoft.com/office/2006/metadata/properties/metaAttributes" ct:_="" ma:_="" ma:contentTypeName="Document" ma:contentTypeID="0x010100F6544C1E39CC704E9B655547C2A8EEA9" ma:contentTypeVersion="2" ma:contentTypeDescription="Create a new document." ma:contentTypeScope="" ma:versionID="3fe2086bbb13892a04151ef672109fb5">
   <xsd:schema xmlns:xsd="http://www.w3.org/2001/XMLSchema" xmlns:xs="http://www.w3.org/2001/XMLSchema" xmlns:p="http://schemas.microsoft.com/office/2006/metadata/properties" xmlns:ns3="b4ea0a96-3951-4160-baca-c74dadb8c17f" targetNamespace="http://schemas.microsoft.com/office/2006/metadata/properties" ma:root="true" ma:fieldsID="00c6c909f9b37d6c43d157d3aea4a463" ns3:_="">
     <xsd:import namespace="b4ea0a96-3951-4160-baca-c74dadb8c17f"/>
@@ -36280,6 +36274,12 @@
 </ct:contentTypeSchema>
 </file>
 
+<file path=customXml/item3.xml><?xml version="1.0" encoding="utf-8"?>
+<p:properties xmlns:p="http://schemas.microsoft.com/office/2006/metadata/properties" xmlns:xsi="http://www.w3.org/2001/XMLSchema-instance" xmlns:pc="http://schemas.microsoft.com/office/infopath/2007/PartnerControls">
+  <documentManagement/>
+</p:properties>
+</file>
+
 <file path=customXml/itemProps1.xml><?xml version="1.0" encoding="utf-8"?>
 <ds:datastoreItem xmlns:ds="http://schemas.openxmlformats.org/officeDocument/2006/customXml" ds:itemID="{3057252C-AA3B-4053-A64D-51B970623905}">
   <ds:schemaRefs>
@@ -36289,22 +36289,6 @@
 </file>
 
 <file path=customXml/itemProps2.xml><?xml version="1.0" encoding="utf-8"?>
-<ds:datastoreItem xmlns:ds="http://schemas.openxmlformats.org/officeDocument/2006/customXml" ds:itemID="{D8463AF2-9ABC-4087-AAED-E5A30A3C4C54}">
-  <ds:schemaRefs>
-    <ds:schemaRef ds:uri="http://www.w3.org/XML/1998/namespace"/>
-    <ds:schemaRef ds:uri="http://schemas.microsoft.com/office/infopath/2007/PartnerControls"/>
-    <ds:schemaRef ds:uri="http://purl.org/dc/elements/1.1/"/>
-    <ds:schemaRef ds:uri="http://schemas.openxmlformats.org/package/2006/metadata/core-properties"/>
-    <ds:schemaRef ds:uri="http://schemas.microsoft.com/office/2006/metadata/properties"/>
-    <ds:schemaRef ds:uri="b4ea0a96-3951-4160-baca-c74dadb8c17f"/>
-    <ds:schemaRef ds:uri="http://purl.org/dc/dcmitype/"/>
-    <ds:schemaRef ds:uri="http://schemas.microsoft.com/office/2006/documentManagement/types"/>
-    <ds:schemaRef ds:uri="http://purl.org/dc/terms/"/>
-  </ds:schemaRefs>
-</ds:datastoreItem>
-</file>
-
-<file path=customXml/itemProps3.xml><?xml version="1.0" encoding="utf-8"?>
 <ds:datastoreItem xmlns:ds="http://schemas.openxmlformats.org/officeDocument/2006/customXml" ds:itemID="{44ED1FCC-97A6-4B60-A765-2D292F04234A}">
   <ds:schemaRefs>
     <ds:schemaRef ds:uri="http://schemas.microsoft.com/office/2006/metadata/contentType"/>
@@ -36320,4 +36304,20 @@
     <ds:schemaRef ds:uri="http://schemas.microsoft.com/internal/obd"/>
   </ds:schemaRefs>
 </ds:datastoreItem>
+</file>
+
+<file path=customXml/itemProps3.xml><?xml version="1.0" encoding="utf-8"?>
+<ds:datastoreItem xmlns:ds="http://schemas.openxmlformats.org/officeDocument/2006/customXml" ds:itemID="{D8463AF2-9ABC-4087-AAED-E5A30A3C4C54}">
+  <ds:schemaRefs>
+    <ds:schemaRef ds:uri="http://www.w3.org/XML/1998/namespace"/>
+    <ds:schemaRef ds:uri="http://schemas.microsoft.com/office/infopath/2007/PartnerControls"/>
+    <ds:schemaRef ds:uri="http://purl.org/dc/elements/1.1/"/>
+    <ds:schemaRef ds:uri="http://schemas.openxmlformats.org/package/2006/metadata/core-properties"/>
+    <ds:schemaRef ds:uri="http://schemas.microsoft.com/office/2006/metadata/properties"/>
+    <ds:schemaRef ds:uri="b4ea0a96-3951-4160-baca-c74dadb8c17f"/>
+    <ds:schemaRef ds:uri="http://purl.org/dc/dcmitype/"/>
+    <ds:schemaRef ds:uri="http://schemas.microsoft.com/office/2006/documentManagement/types"/>
+    <ds:schemaRef ds:uri="http://purl.org/dc/terms/"/>
+  </ds:schemaRefs>
+</ds:datastoreItem>
 </file>
--- a/Esercitazione_4/esercitazione4.pptx
+++ b/Esercitazione_4/esercitazione4.pptx
@@ -242,7 +242,7 @@
           <a:p>
             <a:fld id="{B55857BA-F4AF-4FDB-9BD7-33CC67AEAE19}" type="datetimeFigureOut">
               <a:rPr lang="it-IT" smtClean="0"/>
-              <a:t>08/11/2021</a:t>
+              <a:t>09/11/2021</a:t>
             </a:fld>
             <a:endParaRPr lang="it-IT"/>
           </a:p>
@@ -420,7 +420,7 @@
           <a:p>
             <a:fld id="{1FCC0C39-E717-4206-B48F-03024D75E04C}" type="datetimeFigureOut">
               <a:rPr lang="it-IT" noProof="0" smtClean="0"/>
-              <a:t>08/11/2021</a:t>
+              <a:t>09/11/2021</a:t>
             </a:fld>
             <a:endParaRPr lang="it-IT" noProof="0"/>
           </a:p>
@@ -738,7 +738,7 @@
           <a:noFill/>
           <a:extLst>
             <a:ext uri="{909E8E84-426E-40dd-AFC4-6F175D3DCCD1}">
-              <a14:hiddenFill xmlns="" xmlns:a14="http://schemas.microsoft.com/office/drawing/2010/main">
+              <a14:hiddenFill xmlns:a14="http://schemas.microsoft.com/office/drawing/2010/main" xmlns="">
                 <a:solidFill>
                   <a:srgbClr val="FFFFFF"/>
                 </a:solidFill>
@@ -798,7 +798,7 @@
             </a:ln>
             <a:extLst>
               <a:ext uri="{91240B29-F687-4f45-9708-019B960494DF}">
-                <a14:hiddenLine xmlns="" xmlns:a14="http://schemas.microsoft.com/office/drawing/2010/main" w="9525">
+                <a14:hiddenLine xmlns:a14="http://schemas.microsoft.com/office/drawing/2010/main" xmlns="" w="9525">
                   <a:solidFill>
                     <a:srgbClr val="000000"/>
                   </a:solidFill>
@@ -888,7 +888,7 @@
             </a:ln>
             <a:extLst>
               <a:ext uri="{91240B29-F687-4f45-9708-019B960494DF}">
-                <a14:hiddenLine xmlns="" xmlns:a14="http://schemas.microsoft.com/office/drawing/2010/main" w="9525">
+                <a14:hiddenLine xmlns:a14="http://schemas.microsoft.com/office/drawing/2010/main" xmlns="" w="9525">
                   <a:solidFill>
                     <a:srgbClr val="000000"/>
                   </a:solidFill>
@@ -978,7 +978,7 @@
             </a:ln>
             <a:extLst>
               <a:ext uri="{91240B29-F687-4f45-9708-019B960494DF}">
-                <a14:hiddenLine xmlns="" xmlns:a14="http://schemas.microsoft.com/office/drawing/2010/main" w="9525">
+                <a14:hiddenLine xmlns:a14="http://schemas.microsoft.com/office/drawing/2010/main" xmlns="" w="9525">
                   <a:solidFill>
                     <a:srgbClr val="000000"/>
                   </a:solidFill>
@@ -1012,7 +1012,7 @@
             </a:ln>
             <a:extLst>
               <a:ext uri="{91240B29-F687-4f45-9708-019B960494DF}">
-                <a14:hiddenLine xmlns="" xmlns:a14="http://schemas.microsoft.com/office/drawing/2010/main" w="9525">
+                <a14:hiddenLine xmlns:a14="http://schemas.microsoft.com/office/drawing/2010/main" xmlns="" w="9525">
                   <a:solidFill>
                     <a:srgbClr val="000000"/>
                   </a:solidFill>
@@ -1102,7 +1102,7 @@
             </a:ln>
             <a:extLst>
               <a:ext uri="{91240B29-F687-4f45-9708-019B960494DF}">
-                <a14:hiddenLine xmlns="" xmlns:a14="http://schemas.microsoft.com/office/drawing/2010/main" w="9525">
+                <a14:hiddenLine xmlns:a14="http://schemas.microsoft.com/office/drawing/2010/main" xmlns="" w="9525">
                   <a:solidFill>
                     <a:srgbClr val="000000"/>
                   </a:solidFill>
@@ -1164,7 +1164,7 @@
             </a:ln>
             <a:extLst>
               <a:ext uri="{91240B29-F687-4f45-9708-019B960494DF}">
-                <a14:hiddenLine xmlns="" xmlns:a14="http://schemas.microsoft.com/office/drawing/2010/main" w="9525">
+                <a14:hiddenLine xmlns:a14="http://schemas.microsoft.com/office/drawing/2010/main" xmlns="" w="9525">
                   <a:solidFill>
                     <a:srgbClr val="000000"/>
                   </a:solidFill>
@@ -1226,7 +1226,7 @@
             </a:ln>
             <a:extLst>
               <a:ext uri="{91240B29-F687-4f45-9708-019B960494DF}">
-                <a14:hiddenLine xmlns="" xmlns:a14="http://schemas.microsoft.com/office/drawing/2010/main" w="9525">
+                <a14:hiddenLine xmlns:a14="http://schemas.microsoft.com/office/drawing/2010/main" xmlns="" w="9525">
                   <a:solidFill>
                     <a:srgbClr val="000000"/>
                   </a:solidFill>
@@ -1316,7 +1316,7 @@
             </a:ln>
             <a:extLst>
               <a:ext uri="{91240B29-F687-4f45-9708-019B960494DF}">
-                <a14:hiddenLine xmlns="" xmlns:a14="http://schemas.microsoft.com/office/drawing/2010/main" w="9525">
+                <a14:hiddenLine xmlns:a14="http://schemas.microsoft.com/office/drawing/2010/main" xmlns="" w="9525">
                   <a:solidFill>
                     <a:srgbClr val="000000"/>
                   </a:solidFill>
@@ -1378,7 +1378,7 @@
             </a:ln>
             <a:extLst>
               <a:ext uri="{91240B29-F687-4f45-9708-019B960494DF}">
-                <a14:hiddenLine xmlns="" xmlns:a14="http://schemas.microsoft.com/office/drawing/2010/main" w="9525">
+                <a14:hiddenLine xmlns:a14="http://schemas.microsoft.com/office/drawing/2010/main" xmlns="" w="9525">
                   <a:solidFill>
                     <a:srgbClr val="000000"/>
                   </a:solidFill>
@@ -1440,7 +1440,7 @@
             </a:ln>
             <a:extLst>
               <a:ext uri="{91240B29-F687-4f45-9708-019B960494DF}">
-                <a14:hiddenLine xmlns="" xmlns:a14="http://schemas.microsoft.com/office/drawing/2010/main" w="9525">
+                <a14:hiddenLine xmlns:a14="http://schemas.microsoft.com/office/drawing/2010/main" xmlns="" w="9525">
                   <a:solidFill>
                     <a:srgbClr val="000000"/>
                   </a:solidFill>
@@ -1530,7 +1530,7 @@
             </a:ln>
             <a:extLst>
               <a:ext uri="{91240B29-F687-4f45-9708-019B960494DF}">
-                <a14:hiddenLine xmlns="" xmlns:a14="http://schemas.microsoft.com/office/drawing/2010/main" w="9525">
+                <a14:hiddenLine xmlns:a14="http://schemas.microsoft.com/office/drawing/2010/main" xmlns="" w="9525">
                   <a:solidFill>
                     <a:srgbClr val="000000"/>
                   </a:solidFill>
@@ -1620,7 +1620,7 @@
             </a:ln>
             <a:extLst>
               <a:ext uri="{91240B29-F687-4f45-9708-019B960494DF}">
-                <a14:hiddenLine xmlns="" xmlns:a14="http://schemas.microsoft.com/office/drawing/2010/main" w="9525">
+                <a14:hiddenLine xmlns:a14="http://schemas.microsoft.com/office/drawing/2010/main" xmlns="" w="9525">
                   <a:solidFill>
                     <a:srgbClr val="000000"/>
                   </a:solidFill>
@@ -1682,7 +1682,7 @@
             </a:ln>
             <a:extLst>
               <a:ext uri="{91240B29-F687-4f45-9708-019B960494DF}">
-                <a14:hiddenLine xmlns="" xmlns:a14="http://schemas.microsoft.com/office/drawing/2010/main" w="9525">
+                <a14:hiddenLine xmlns:a14="http://schemas.microsoft.com/office/drawing/2010/main" xmlns="" w="9525">
                   <a:solidFill>
                     <a:srgbClr val="000000"/>
                   </a:solidFill>
@@ -1792,7 +1792,7 @@
             </a:ln>
             <a:extLst>
               <a:ext uri="{91240B29-F687-4f45-9708-019B960494DF}">
-                <a14:hiddenLine xmlns="" xmlns:a14="http://schemas.microsoft.com/office/drawing/2010/main" w="9525">
+                <a14:hiddenLine xmlns:a14="http://schemas.microsoft.com/office/drawing/2010/main" xmlns="" w="9525">
                   <a:solidFill>
                     <a:srgbClr val="000000"/>
                   </a:solidFill>
@@ -1854,7 +1854,7 @@
             </a:ln>
             <a:extLst>
               <a:ext uri="{91240B29-F687-4f45-9708-019B960494DF}">
-                <a14:hiddenLine xmlns="" xmlns:a14="http://schemas.microsoft.com/office/drawing/2010/main" w="9525">
+                <a14:hiddenLine xmlns:a14="http://schemas.microsoft.com/office/drawing/2010/main" xmlns="" w="9525">
                   <a:solidFill>
                     <a:srgbClr val="000000"/>
                   </a:solidFill>
@@ -1944,7 +1944,7 @@
             </a:ln>
             <a:extLst>
               <a:ext uri="{91240B29-F687-4f45-9708-019B960494DF}">
-                <a14:hiddenLine xmlns="" xmlns:a14="http://schemas.microsoft.com/office/drawing/2010/main" w="9525">
+                <a14:hiddenLine xmlns:a14="http://schemas.microsoft.com/office/drawing/2010/main" xmlns="" w="9525">
                   <a:solidFill>
                     <a:srgbClr val="000000"/>
                   </a:solidFill>
@@ -2034,7 +2034,7 @@
             </a:ln>
             <a:extLst>
               <a:ext uri="{91240B29-F687-4f45-9708-019B960494DF}">
-                <a14:hiddenLine xmlns="" xmlns:a14="http://schemas.microsoft.com/office/drawing/2010/main" w="9525">
+                <a14:hiddenLine xmlns:a14="http://schemas.microsoft.com/office/drawing/2010/main" xmlns="" w="9525">
                   <a:solidFill>
                     <a:srgbClr val="000000"/>
                   </a:solidFill>
@@ -2096,7 +2096,7 @@
             </a:ln>
             <a:extLst>
               <a:ext uri="{91240B29-F687-4f45-9708-019B960494DF}">
-                <a14:hiddenLine xmlns="" xmlns:a14="http://schemas.microsoft.com/office/drawing/2010/main" w="9525">
+                <a14:hiddenLine xmlns:a14="http://schemas.microsoft.com/office/drawing/2010/main" xmlns="" w="9525">
                   <a:solidFill>
                     <a:srgbClr val="000000"/>
                   </a:solidFill>
@@ -2186,7 +2186,7 @@
             </a:ln>
             <a:extLst>
               <a:ext uri="{91240B29-F687-4f45-9708-019B960494DF}">
-                <a14:hiddenLine xmlns="" xmlns:a14="http://schemas.microsoft.com/office/drawing/2010/main" w="9525">
+                <a14:hiddenLine xmlns:a14="http://schemas.microsoft.com/office/drawing/2010/main" xmlns="" w="9525">
                   <a:solidFill>
                     <a:srgbClr val="000000"/>
                   </a:solidFill>
@@ -2276,7 +2276,7 @@
             </a:ln>
             <a:extLst>
               <a:ext uri="{91240B29-F687-4f45-9708-019B960494DF}">
-                <a14:hiddenLine xmlns="" xmlns:a14="http://schemas.microsoft.com/office/drawing/2010/main" w="9525">
+                <a14:hiddenLine xmlns:a14="http://schemas.microsoft.com/office/drawing/2010/main" xmlns="" w="9525">
                   <a:solidFill>
                     <a:srgbClr val="000000"/>
                   </a:solidFill>
@@ -2332,7 +2332,7 @@
             </a:ln>
             <a:extLst>
               <a:ext uri="{91240B29-F687-4f45-9708-019B960494DF}">
-                <a14:hiddenLine xmlns="" xmlns:a14="http://schemas.microsoft.com/office/drawing/2010/main" w="9525">
+                <a14:hiddenLine xmlns:a14="http://schemas.microsoft.com/office/drawing/2010/main" xmlns="" w="9525">
                   <a:solidFill>
                     <a:srgbClr val="000000"/>
                   </a:solidFill>
@@ -2422,7 +2422,7 @@
             </a:ln>
             <a:extLst>
               <a:ext uri="{91240B29-F687-4f45-9708-019B960494DF}">
-                <a14:hiddenLine xmlns="" xmlns:a14="http://schemas.microsoft.com/office/drawing/2010/main" w="9525">
+                <a14:hiddenLine xmlns:a14="http://schemas.microsoft.com/office/drawing/2010/main" xmlns="" w="9525">
                   <a:solidFill>
                     <a:srgbClr val="000000"/>
                   </a:solidFill>
@@ -2478,7 +2478,7 @@
             </a:ln>
             <a:extLst>
               <a:ext uri="{91240B29-F687-4f45-9708-019B960494DF}">
-                <a14:hiddenLine xmlns="" xmlns:a14="http://schemas.microsoft.com/office/drawing/2010/main" w="9525">
+                <a14:hiddenLine xmlns:a14="http://schemas.microsoft.com/office/drawing/2010/main" xmlns="" w="9525">
                   <a:solidFill>
                     <a:srgbClr val="000000"/>
                   </a:solidFill>
@@ -2568,7 +2568,7 @@
             </a:ln>
             <a:extLst>
               <a:ext uri="{91240B29-F687-4f45-9708-019B960494DF}">
-                <a14:hiddenLine xmlns="" xmlns:a14="http://schemas.microsoft.com/office/drawing/2010/main" w="9525">
+                <a14:hiddenLine xmlns:a14="http://schemas.microsoft.com/office/drawing/2010/main" xmlns="" w="9525">
                   <a:solidFill>
                     <a:srgbClr val="000000"/>
                   </a:solidFill>
@@ -2636,7 +2636,7 @@
             </a:ln>
             <a:extLst>
               <a:ext uri="{91240B29-F687-4f45-9708-019B960494DF}">
-                <a14:hiddenLine xmlns="" xmlns:a14="http://schemas.microsoft.com/office/drawing/2010/main" w="9525">
+                <a14:hiddenLine xmlns:a14="http://schemas.microsoft.com/office/drawing/2010/main" xmlns="" w="9525">
                   <a:solidFill>
                     <a:srgbClr val="000000"/>
                   </a:solidFill>
@@ -2726,7 +2726,7 @@
             </a:ln>
             <a:extLst>
               <a:ext uri="{91240B29-F687-4f45-9708-019B960494DF}">
-                <a14:hiddenLine xmlns="" xmlns:a14="http://schemas.microsoft.com/office/drawing/2010/main" w="9525">
+                <a14:hiddenLine xmlns:a14="http://schemas.microsoft.com/office/drawing/2010/main" xmlns="" w="9525">
                   <a:solidFill>
                     <a:srgbClr val="000000"/>
                   </a:solidFill>
@@ -2794,7 +2794,7 @@
             </a:ln>
             <a:extLst>
               <a:ext uri="{91240B29-F687-4f45-9708-019B960494DF}">
-                <a14:hiddenLine xmlns="" xmlns:a14="http://schemas.microsoft.com/office/drawing/2010/main" w="9525">
+                <a14:hiddenLine xmlns:a14="http://schemas.microsoft.com/office/drawing/2010/main" xmlns="" w="9525">
                   <a:solidFill>
                     <a:srgbClr val="000000"/>
                   </a:solidFill>
@@ -2884,7 +2884,7 @@
             </a:ln>
             <a:extLst>
               <a:ext uri="{91240B29-F687-4f45-9708-019B960494DF}">
-                <a14:hiddenLine xmlns="" xmlns:a14="http://schemas.microsoft.com/office/drawing/2010/main" w="9525">
+                <a14:hiddenLine xmlns:a14="http://schemas.microsoft.com/office/drawing/2010/main" xmlns="" w="9525">
                   <a:solidFill>
                     <a:srgbClr val="000000"/>
                   </a:solidFill>
@@ -2918,7 +2918,7 @@
             </a:ln>
             <a:extLst>
               <a:ext uri="{91240B29-F687-4f45-9708-019B960494DF}">
-                <a14:hiddenLine xmlns="" xmlns:a14="http://schemas.microsoft.com/office/drawing/2010/main" w="9525">
+                <a14:hiddenLine xmlns:a14="http://schemas.microsoft.com/office/drawing/2010/main" xmlns="" w="9525">
                   <a:solidFill>
                     <a:srgbClr val="000000"/>
                   </a:solidFill>
@@ -3008,7 +3008,7 @@
             </a:ln>
             <a:extLst>
               <a:ext uri="{91240B29-F687-4f45-9708-019B960494DF}">
-                <a14:hiddenLine xmlns="" xmlns:a14="http://schemas.microsoft.com/office/drawing/2010/main" w="9525">
+                <a14:hiddenLine xmlns:a14="http://schemas.microsoft.com/office/drawing/2010/main" xmlns="" w="9525">
                   <a:solidFill>
                     <a:srgbClr val="000000"/>
                   </a:solidFill>
@@ -3070,7 +3070,7 @@
             </a:ln>
             <a:extLst>
               <a:ext uri="{91240B29-F687-4f45-9708-019B960494DF}">
-                <a14:hiddenLine xmlns="" xmlns:a14="http://schemas.microsoft.com/office/drawing/2010/main" w="9525">
+                <a14:hiddenLine xmlns:a14="http://schemas.microsoft.com/office/drawing/2010/main" xmlns="" w="9525">
                   <a:solidFill>
                     <a:srgbClr val="000000"/>
                   </a:solidFill>
@@ -3132,7 +3132,7 @@
             </a:ln>
             <a:extLst>
               <a:ext uri="{91240B29-F687-4f45-9708-019B960494DF}">
-                <a14:hiddenLine xmlns="" xmlns:a14="http://schemas.microsoft.com/office/drawing/2010/main" w="9525">
+                <a14:hiddenLine xmlns:a14="http://schemas.microsoft.com/office/drawing/2010/main" xmlns="" w="9525">
                   <a:solidFill>
                     <a:srgbClr val="000000"/>
                   </a:solidFill>
@@ -3222,7 +3222,7 @@
             </a:ln>
             <a:extLst>
               <a:ext uri="{91240B29-F687-4f45-9708-019B960494DF}">
-                <a14:hiddenLine xmlns="" xmlns:a14="http://schemas.microsoft.com/office/drawing/2010/main" w="9525">
+                <a14:hiddenLine xmlns:a14="http://schemas.microsoft.com/office/drawing/2010/main" xmlns="" w="9525">
                   <a:solidFill>
                     <a:srgbClr val="000000"/>
                   </a:solidFill>
@@ -3290,7 +3290,7 @@
             </a:ln>
             <a:extLst>
               <a:ext uri="{91240B29-F687-4f45-9708-019B960494DF}">
-                <a14:hiddenLine xmlns="" xmlns:a14="http://schemas.microsoft.com/office/drawing/2010/main" w="9525">
+                <a14:hiddenLine xmlns:a14="http://schemas.microsoft.com/office/drawing/2010/main" xmlns="" w="9525">
                   <a:solidFill>
                     <a:srgbClr val="000000"/>
                   </a:solidFill>
@@ -3352,7 +3352,7 @@
             </a:ln>
             <a:extLst>
               <a:ext uri="{91240B29-F687-4f45-9708-019B960494DF}">
-                <a14:hiddenLine xmlns="" xmlns:a14="http://schemas.microsoft.com/office/drawing/2010/main" w="9525">
+                <a14:hiddenLine xmlns:a14="http://schemas.microsoft.com/office/drawing/2010/main" xmlns="" w="9525">
                   <a:solidFill>
                     <a:srgbClr val="000000"/>
                   </a:solidFill>
@@ -3442,7 +3442,7 @@
             </a:ln>
             <a:extLst>
               <a:ext uri="{91240B29-F687-4f45-9708-019B960494DF}">
-                <a14:hiddenLine xmlns="" xmlns:a14="http://schemas.microsoft.com/office/drawing/2010/main" w="9525">
+                <a14:hiddenLine xmlns:a14="http://schemas.microsoft.com/office/drawing/2010/main" xmlns="" w="9525">
                   <a:solidFill>
                     <a:srgbClr val="000000"/>
                   </a:solidFill>
@@ -3504,7 +3504,7 @@
             </a:ln>
             <a:extLst>
               <a:ext uri="{91240B29-F687-4f45-9708-019B960494DF}">
-                <a14:hiddenLine xmlns="" xmlns:a14="http://schemas.microsoft.com/office/drawing/2010/main" w="9525">
+                <a14:hiddenLine xmlns:a14="http://schemas.microsoft.com/office/drawing/2010/main" xmlns="" w="9525">
                   <a:solidFill>
                     <a:srgbClr val="000000"/>
                   </a:solidFill>
@@ -3594,7 +3594,7 @@
             </a:ln>
             <a:extLst>
               <a:ext uri="{91240B29-F687-4f45-9708-019B960494DF}">
-                <a14:hiddenLine xmlns="" xmlns:a14="http://schemas.microsoft.com/office/drawing/2010/main" w="9525">
+                <a14:hiddenLine xmlns:a14="http://schemas.microsoft.com/office/drawing/2010/main" xmlns="" w="9525">
                   <a:solidFill>
                     <a:srgbClr val="000000"/>
                   </a:solidFill>
@@ -3656,7 +3656,7 @@
             </a:ln>
             <a:extLst>
               <a:ext uri="{91240B29-F687-4f45-9708-019B960494DF}">
-                <a14:hiddenLine xmlns="" xmlns:a14="http://schemas.microsoft.com/office/drawing/2010/main" w="9525">
+                <a14:hiddenLine xmlns:a14="http://schemas.microsoft.com/office/drawing/2010/main" xmlns="" w="9525">
                   <a:solidFill>
                     <a:srgbClr val="000000"/>
                   </a:solidFill>
@@ -3746,7 +3746,7 @@
             </a:ln>
             <a:extLst>
               <a:ext uri="{91240B29-F687-4f45-9708-019B960494DF}">
-                <a14:hiddenLine xmlns="" xmlns:a14="http://schemas.microsoft.com/office/drawing/2010/main" w="9525">
+                <a14:hiddenLine xmlns:a14="http://schemas.microsoft.com/office/drawing/2010/main" xmlns="" w="9525">
                   <a:solidFill>
                     <a:srgbClr val="000000"/>
                   </a:solidFill>
@@ -3780,7 +3780,7 @@
             </a:ln>
             <a:extLst>
               <a:ext uri="{91240B29-F687-4f45-9708-019B960494DF}">
-                <a14:hiddenLine xmlns="" xmlns:a14="http://schemas.microsoft.com/office/drawing/2010/main" w="9525">
+                <a14:hiddenLine xmlns:a14="http://schemas.microsoft.com/office/drawing/2010/main" xmlns="" w="9525">
                   <a:solidFill>
                     <a:srgbClr val="000000"/>
                   </a:solidFill>
@@ -3845,7 +3845,7 @@
             </a:ln>
             <a:extLst>
               <a:ext uri="{91240B29-F687-4f45-9708-019B960494DF}">
-                <a14:hiddenLine xmlns="" xmlns:a14="http://schemas.microsoft.com/office/drawing/2010/main" w="9525">
+                <a14:hiddenLine xmlns:a14="http://schemas.microsoft.com/office/drawing/2010/main" xmlns="" w="9525">
                   <a:solidFill>
                     <a:srgbClr val="000000"/>
                   </a:solidFill>
@@ -3935,7 +3935,7 @@
             </a:ln>
             <a:extLst>
               <a:ext uri="{91240B29-F687-4f45-9708-019B960494DF}">
-                <a14:hiddenLine xmlns="" xmlns:a14="http://schemas.microsoft.com/office/drawing/2010/main" w="9525">
+                <a14:hiddenLine xmlns:a14="http://schemas.microsoft.com/office/drawing/2010/main" xmlns="" w="9525">
                   <a:solidFill>
                     <a:srgbClr val="000000"/>
                   </a:solidFill>
@@ -3997,7 +3997,7 @@
             </a:ln>
             <a:extLst>
               <a:ext uri="{91240B29-F687-4f45-9708-019B960494DF}">
-                <a14:hiddenLine xmlns="" xmlns:a14="http://schemas.microsoft.com/office/drawing/2010/main" w="9525">
+                <a14:hiddenLine xmlns:a14="http://schemas.microsoft.com/office/drawing/2010/main" xmlns="" w="9525">
                   <a:solidFill>
                     <a:srgbClr val="000000"/>
                   </a:solidFill>
@@ -4087,7 +4087,7 @@
             </a:ln>
             <a:extLst>
               <a:ext uri="{91240B29-F687-4f45-9708-019B960494DF}">
-                <a14:hiddenLine xmlns="" xmlns:a14="http://schemas.microsoft.com/office/drawing/2010/main" w="9525">
+                <a14:hiddenLine xmlns:a14="http://schemas.microsoft.com/office/drawing/2010/main" xmlns="" w="9525">
                   <a:solidFill>
                     <a:srgbClr val="000000"/>
                   </a:solidFill>
@@ -4177,7 +4177,7 @@
             </a:ln>
             <a:extLst>
               <a:ext uri="{91240B29-F687-4f45-9708-019B960494DF}">
-                <a14:hiddenLine xmlns="" xmlns:a14="http://schemas.microsoft.com/office/drawing/2010/main" w="9525">
+                <a14:hiddenLine xmlns:a14="http://schemas.microsoft.com/office/drawing/2010/main" xmlns="" w="9525">
                   <a:solidFill>
                     <a:srgbClr val="000000"/>
                   </a:solidFill>
@@ -4242,7 +4242,7 @@
             </a:ln>
             <a:extLst>
               <a:ext uri="{91240B29-F687-4f45-9708-019B960494DF}">
-                <a14:hiddenLine xmlns="" xmlns:a14="http://schemas.microsoft.com/office/drawing/2010/main" w="9525">
+                <a14:hiddenLine xmlns:a14="http://schemas.microsoft.com/office/drawing/2010/main" xmlns="" w="9525">
                   <a:solidFill>
                     <a:srgbClr val="000000"/>
                   </a:solidFill>
@@ -4304,7 +4304,7 @@
             </a:ln>
             <a:extLst>
               <a:ext uri="{91240B29-F687-4f45-9708-019B960494DF}">
-                <a14:hiddenLine xmlns="" xmlns:a14="http://schemas.microsoft.com/office/drawing/2010/main" w="9525">
+                <a14:hiddenLine xmlns:a14="http://schemas.microsoft.com/office/drawing/2010/main" xmlns="" w="9525">
                   <a:solidFill>
                     <a:srgbClr val="000000"/>
                   </a:solidFill>
@@ -4394,7 +4394,7 @@
             </a:ln>
             <a:extLst>
               <a:ext uri="{91240B29-F687-4f45-9708-019B960494DF}">
-                <a14:hiddenLine xmlns="" xmlns:a14="http://schemas.microsoft.com/office/drawing/2010/main" w="9525">
+                <a14:hiddenLine xmlns:a14="http://schemas.microsoft.com/office/drawing/2010/main" xmlns="" w="9525">
                   <a:solidFill>
                     <a:srgbClr val="000000"/>
                   </a:solidFill>
@@ -4484,7 +4484,7 @@
             </a:ln>
             <a:extLst>
               <a:ext uri="{91240B29-F687-4f45-9708-019B960494DF}">
-                <a14:hiddenLine xmlns="" xmlns:a14="http://schemas.microsoft.com/office/drawing/2010/main" w="9525">
+                <a14:hiddenLine xmlns:a14="http://schemas.microsoft.com/office/drawing/2010/main" xmlns="" w="9525">
                   <a:solidFill>
                     <a:srgbClr val="000000"/>
                   </a:solidFill>
@@ -4546,7 +4546,7 @@
             </a:ln>
             <a:extLst>
               <a:ext uri="{91240B29-F687-4f45-9708-019B960494DF}">
-                <a14:hiddenLine xmlns="" xmlns:a14="http://schemas.microsoft.com/office/drawing/2010/main" w="9525">
+                <a14:hiddenLine xmlns:a14="http://schemas.microsoft.com/office/drawing/2010/main" xmlns="" w="9525">
                   <a:solidFill>
                     <a:srgbClr val="000000"/>
                   </a:solidFill>
@@ -4666,7 +4666,7 @@
             </a:ln>
             <a:extLst>
               <a:ext uri="{91240B29-F687-4f45-9708-019B960494DF}">
-                <a14:hiddenLine xmlns="" xmlns:a14="http://schemas.microsoft.com/office/drawing/2010/main" w="9525">
+                <a14:hiddenLine xmlns:a14="http://schemas.microsoft.com/office/drawing/2010/main" xmlns="" w="9525">
                   <a:solidFill>
                     <a:srgbClr val="000000"/>
                   </a:solidFill>
@@ -4734,7 +4734,7 @@
             </a:ln>
             <a:extLst>
               <a:ext uri="{91240B29-F687-4f45-9708-019B960494DF}">
-                <a14:hiddenLine xmlns="" xmlns:a14="http://schemas.microsoft.com/office/drawing/2010/main" w="9525">
+                <a14:hiddenLine xmlns:a14="http://schemas.microsoft.com/office/drawing/2010/main" xmlns="" w="9525">
                   <a:solidFill>
                     <a:srgbClr val="000000"/>
                   </a:solidFill>
@@ -4824,7 +4824,7 @@
             </a:ln>
             <a:extLst>
               <a:ext uri="{91240B29-F687-4f45-9708-019B960494DF}">
-                <a14:hiddenLine xmlns="" xmlns:a14="http://schemas.microsoft.com/office/drawing/2010/main" w="9525">
+                <a14:hiddenLine xmlns:a14="http://schemas.microsoft.com/office/drawing/2010/main" xmlns="" w="9525">
                   <a:solidFill>
                     <a:srgbClr val="000000"/>
                   </a:solidFill>
@@ -9729,7 +9729,7 @@
           <a:noFill/>
           <a:extLst>
             <a:ext uri="{909E8E84-426E-40dd-AFC4-6F175D3DCCD1}">
-              <a14:hiddenFill xmlns="" xmlns:a14="http://schemas.microsoft.com/office/drawing/2010/main">
+              <a14:hiddenFill xmlns:a14="http://schemas.microsoft.com/office/drawing/2010/main" xmlns="">
                 <a:solidFill>
                   <a:srgbClr val="FFFFFF"/>
                 </a:solidFill>
@@ -9803,7 +9803,7 @@
               </a:ln>
               <a:extLst>
                 <a:ext uri="{91240B29-F687-4f45-9708-019B960494DF}">
-                  <a14:hiddenLine xmlns="" xmlns:a14="http://schemas.microsoft.com/office/drawing/2010/main" w="9525">
+                  <a14:hiddenLine xmlns:a14="http://schemas.microsoft.com/office/drawing/2010/main" xmlns="" w="9525">
                     <a:solidFill>
                       <a:srgbClr val="000000"/>
                     </a:solidFill>
@@ -9893,7 +9893,7 @@
               </a:ln>
               <a:extLst>
                 <a:ext uri="{91240B29-F687-4f45-9708-019B960494DF}">
-                  <a14:hiddenLine xmlns="" xmlns:a14="http://schemas.microsoft.com/office/drawing/2010/main" w="9525">
+                  <a14:hiddenLine xmlns:a14="http://schemas.microsoft.com/office/drawing/2010/main" xmlns="" w="9525">
                     <a:solidFill>
                       <a:srgbClr val="000000"/>
                     </a:solidFill>
@@ -9983,7 +9983,7 @@
               </a:ln>
               <a:extLst>
                 <a:ext uri="{91240B29-F687-4f45-9708-019B960494DF}">
-                  <a14:hiddenLine xmlns="" xmlns:a14="http://schemas.microsoft.com/office/drawing/2010/main" w="9525">
+                  <a14:hiddenLine xmlns:a14="http://schemas.microsoft.com/office/drawing/2010/main" xmlns="" w="9525">
                     <a:solidFill>
                       <a:srgbClr val="000000"/>
                     </a:solidFill>
@@ -10045,7 +10045,7 @@
               </a:ln>
               <a:extLst>
                 <a:ext uri="{91240B29-F687-4f45-9708-019B960494DF}">
-                  <a14:hiddenLine xmlns="" xmlns:a14="http://schemas.microsoft.com/office/drawing/2010/main" w="9525">
+                  <a14:hiddenLine xmlns:a14="http://schemas.microsoft.com/office/drawing/2010/main" xmlns="" w="9525">
                     <a:solidFill>
                       <a:srgbClr val="000000"/>
                     </a:solidFill>
@@ -10135,7 +10135,7 @@
               </a:ln>
               <a:extLst>
                 <a:ext uri="{91240B29-F687-4f45-9708-019B960494DF}">
-                  <a14:hiddenLine xmlns="" xmlns:a14="http://schemas.microsoft.com/office/drawing/2010/main" w="9525">
+                  <a14:hiddenLine xmlns:a14="http://schemas.microsoft.com/office/drawing/2010/main" xmlns="" w="9525">
                     <a:solidFill>
                       <a:srgbClr val="000000"/>
                     </a:solidFill>
@@ -10197,7 +10197,7 @@
               </a:ln>
               <a:extLst>
                 <a:ext uri="{91240B29-F687-4f45-9708-019B960494DF}">
-                  <a14:hiddenLine xmlns="" xmlns:a14="http://schemas.microsoft.com/office/drawing/2010/main" w="9525">
+                  <a14:hiddenLine xmlns:a14="http://schemas.microsoft.com/office/drawing/2010/main" xmlns="" w="9525">
                     <a:solidFill>
                       <a:srgbClr val="000000"/>
                     </a:solidFill>
@@ -10259,7 +10259,7 @@
               </a:ln>
               <a:extLst>
                 <a:ext uri="{91240B29-F687-4f45-9708-019B960494DF}">
-                  <a14:hiddenLine xmlns="" xmlns:a14="http://schemas.microsoft.com/office/drawing/2010/main" w="9525">
+                  <a14:hiddenLine xmlns:a14="http://schemas.microsoft.com/office/drawing/2010/main" xmlns="" w="9525">
                     <a:solidFill>
                       <a:srgbClr val="000000"/>
                     </a:solidFill>
@@ -10349,7 +10349,7 @@
               </a:ln>
               <a:extLst>
                 <a:ext uri="{91240B29-F687-4f45-9708-019B960494DF}">
-                  <a14:hiddenLine xmlns="" xmlns:a14="http://schemas.microsoft.com/office/drawing/2010/main" w="9525">
+                  <a14:hiddenLine xmlns:a14="http://schemas.microsoft.com/office/drawing/2010/main" xmlns="" w="9525">
                     <a:solidFill>
                       <a:srgbClr val="000000"/>
                     </a:solidFill>
@@ -10439,7 +10439,7 @@
               </a:ln>
               <a:extLst>
                 <a:ext uri="{91240B29-F687-4f45-9708-019B960494DF}">
-                  <a14:hiddenLine xmlns="" xmlns:a14="http://schemas.microsoft.com/office/drawing/2010/main" w="9525">
+                  <a14:hiddenLine xmlns:a14="http://schemas.microsoft.com/office/drawing/2010/main" xmlns="" w="9525">
                     <a:solidFill>
                       <a:srgbClr val="000000"/>
                     </a:solidFill>
@@ -10501,7 +10501,7 @@
               </a:ln>
               <a:extLst>
                 <a:ext uri="{91240B29-F687-4f45-9708-019B960494DF}">
-                  <a14:hiddenLine xmlns="" xmlns:a14="http://schemas.microsoft.com/office/drawing/2010/main" w="9525">
+                  <a14:hiddenLine xmlns:a14="http://schemas.microsoft.com/office/drawing/2010/main" xmlns="" w="9525">
                     <a:solidFill>
                       <a:srgbClr val="000000"/>
                     </a:solidFill>
@@ -10611,7 +10611,7 @@
               </a:ln>
               <a:extLst>
                 <a:ext uri="{91240B29-F687-4f45-9708-019B960494DF}">
-                  <a14:hiddenLine xmlns="" xmlns:a14="http://schemas.microsoft.com/office/drawing/2010/main" w="9525">
+                  <a14:hiddenLine xmlns:a14="http://schemas.microsoft.com/office/drawing/2010/main" xmlns="" w="9525">
                     <a:solidFill>
                       <a:srgbClr val="000000"/>
                     </a:solidFill>
@@ -10695,7 +10695,7 @@
               </a:ln>
               <a:extLst>
                 <a:ext uri="{91240B29-F687-4f45-9708-019B960494DF}">
-                  <a14:hiddenLine xmlns="" xmlns:a14="http://schemas.microsoft.com/office/drawing/2010/main" w="9525">
+                  <a14:hiddenLine xmlns:a14="http://schemas.microsoft.com/office/drawing/2010/main" xmlns="" w="9525">
                     <a:solidFill>
                       <a:srgbClr val="000000"/>
                     </a:solidFill>
@@ -10757,7 +10757,7 @@
               </a:ln>
               <a:extLst>
                 <a:ext uri="{91240B29-F687-4f45-9708-019B960494DF}">
-                  <a14:hiddenLine xmlns="" xmlns:a14="http://schemas.microsoft.com/office/drawing/2010/main" w="9525">
+                  <a14:hiddenLine xmlns:a14="http://schemas.microsoft.com/office/drawing/2010/main" xmlns="" w="9525">
                     <a:solidFill>
                       <a:srgbClr val="000000"/>
                     </a:solidFill>
@@ -10819,7 +10819,7 @@
               </a:ln>
               <a:extLst>
                 <a:ext uri="{91240B29-F687-4f45-9708-019B960494DF}">
-                  <a14:hiddenLine xmlns="" xmlns:a14="http://schemas.microsoft.com/office/drawing/2010/main" w="9525">
+                  <a14:hiddenLine xmlns:a14="http://schemas.microsoft.com/office/drawing/2010/main" xmlns="" w="9525">
                     <a:solidFill>
                       <a:srgbClr val="000000"/>
                     </a:solidFill>
@@ -10909,7 +10909,7 @@
               </a:ln>
               <a:extLst>
                 <a:ext uri="{91240B29-F687-4f45-9708-019B960494DF}">
-                  <a14:hiddenLine xmlns="" xmlns:a14="http://schemas.microsoft.com/office/drawing/2010/main" w="9525">
+                  <a14:hiddenLine xmlns:a14="http://schemas.microsoft.com/office/drawing/2010/main" xmlns="" w="9525">
                     <a:solidFill>
                       <a:srgbClr val="000000"/>
                     </a:solidFill>
@@ -10943,7 +10943,7 @@
               </a:ln>
               <a:extLst>
                 <a:ext uri="{91240B29-F687-4f45-9708-019B960494DF}">
-                  <a14:hiddenLine xmlns="" xmlns:a14="http://schemas.microsoft.com/office/drawing/2010/main" w="9525">
+                  <a14:hiddenLine xmlns:a14="http://schemas.microsoft.com/office/drawing/2010/main" xmlns="" w="9525">
                     <a:solidFill>
                       <a:srgbClr val="000000"/>
                     </a:solidFill>
@@ -11008,7 +11008,7 @@
               </a:ln>
               <a:extLst>
                 <a:ext uri="{91240B29-F687-4f45-9708-019B960494DF}">
-                  <a14:hiddenLine xmlns="" xmlns:a14="http://schemas.microsoft.com/office/drawing/2010/main" w="9525">
+                  <a14:hiddenLine xmlns:a14="http://schemas.microsoft.com/office/drawing/2010/main" xmlns="" w="9525">
                     <a:solidFill>
                       <a:srgbClr val="000000"/>
                     </a:solidFill>
@@ -11098,7 +11098,7 @@
               </a:ln>
               <a:extLst>
                 <a:ext uri="{91240B29-F687-4f45-9708-019B960494DF}">
-                  <a14:hiddenLine xmlns="" xmlns:a14="http://schemas.microsoft.com/office/drawing/2010/main" w="9525">
+                  <a14:hiddenLine xmlns:a14="http://schemas.microsoft.com/office/drawing/2010/main" xmlns="" w="9525">
                     <a:solidFill>
                       <a:srgbClr val="000000"/>
                     </a:solidFill>
@@ -11160,7 +11160,7 @@
               </a:ln>
               <a:extLst>
                 <a:ext uri="{91240B29-F687-4f45-9708-019B960494DF}">
-                  <a14:hiddenLine xmlns="" xmlns:a14="http://schemas.microsoft.com/office/drawing/2010/main" w="9525">
+                  <a14:hiddenLine xmlns:a14="http://schemas.microsoft.com/office/drawing/2010/main" xmlns="" w="9525">
                     <a:solidFill>
                       <a:srgbClr val="000000"/>
                     </a:solidFill>
@@ -11250,7 +11250,7 @@
               </a:ln>
               <a:extLst>
                 <a:ext uri="{91240B29-F687-4f45-9708-019B960494DF}">
-                  <a14:hiddenLine xmlns="" xmlns:a14="http://schemas.microsoft.com/office/drawing/2010/main" w="9525">
+                  <a14:hiddenLine xmlns:a14="http://schemas.microsoft.com/office/drawing/2010/main" xmlns="" w="9525">
                     <a:solidFill>
                       <a:srgbClr val="000000"/>
                     </a:solidFill>
@@ -11315,7 +11315,7 @@
               </a:ln>
               <a:extLst>
                 <a:ext uri="{91240B29-F687-4f45-9708-019B960494DF}">
-                  <a14:hiddenLine xmlns="" xmlns:a14="http://schemas.microsoft.com/office/drawing/2010/main" w="9525">
+                  <a14:hiddenLine xmlns:a14="http://schemas.microsoft.com/office/drawing/2010/main" xmlns="" w="9525">
                     <a:solidFill>
                       <a:srgbClr val="000000"/>
                     </a:solidFill>
@@ -11377,7 +11377,7 @@
               </a:ln>
               <a:extLst>
                 <a:ext uri="{91240B29-F687-4f45-9708-019B960494DF}">
-                  <a14:hiddenLine xmlns="" xmlns:a14="http://schemas.microsoft.com/office/drawing/2010/main" w="9525">
+                  <a14:hiddenLine xmlns:a14="http://schemas.microsoft.com/office/drawing/2010/main" xmlns="" w="9525">
                     <a:solidFill>
                       <a:srgbClr val="000000"/>
                     </a:solidFill>
@@ -11467,7 +11467,7 @@
               </a:ln>
               <a:extLst>
                 <a:ext uri="{91240B29-F687-4f45-9708-019B960494DF}">
-                  <a14:hiddenLine xmlns="" xmlns:a14="http://schemas.microsoft.com/office/drawing/2010/main" w="9525">
+                  <a14:hiddenLine xmlns:a14="http://schemas.microsoft.com/office/drawing/2010/main" xmlns="" w="9525">
                     <a:solidFill>
                       <a:srgbClr val="000000"/>
                     </a:solidFill>
@@ -11557,7 +11557,7 @@
               </a:ln>
               <a:extLst>
                 <a:ext uri="{91240B29-F687-4f45-9708-019B960494DF}">
-                  <a14:hiddenLine xmlns="" xmlns:a14="http://schemas.microsoft.com/office/drawing/2010/main" w="9525">
+                  <a14:hiddenLine xmlns:a14="http://schemas.microsoft.com/office/drawing/2010/main" xmlns="" w="9525">
                     <a:solidFill>
                       <a:srgbClr val="000000"/>
                     </a:solidFill>
@@ -11622,7 +11622,7 @@
               </a:ln>
               <a:extLst>
                 <a:ext uri="{91240B29-F687-4f45-9708-019B960494DF}">
-                  <a14:hiddenLine xmlns="" xmlns:a14="http://schemas.microsoft.com/office/drawing/2010/main" w="9525">
+                  <a14:hiddenLine xmlns:a14="http://schemas.microsoft.com/office/drawing/2010/main" xmlns="" w="9525">
                     <a:solidFill>
                       <a:srgbClr val="000000"/>
                     </a:solidFill>
@@ -11742,7 +11742,7 @@
               </a:ln>
               <a:extLst>
                 <a:ext uri="{91240B29-F687-4f45-9708-019B960494DF}">
-                  <a14:hiddenLine xmlns="" xmlns:a14="http://schemas.microsoft.com/office/drawing/2010/main" w="9525">
+                  <a14:hiddenLine xmlns:a14="http://schemas.microsoft.com/office/drawing/2010/main" xmlns="" w="9525">
                     <a:solidFill>
                       <a:srgbClr val="000000"/>
                     </a:solidFill>
@@ -11840,7 +11840,7 @@
               </a:ln>
               <a:extLst>
                 <a:ext uri="{91240B29-F687-4f45-9708-019B960494DF}">
-                  <a14:hiddenLine xmlns="" xmlns:a14="http://schemas.microsoft.com/office/drawing/2010/main" w="9525">
+                  <a14:hiddenLine xmlns:a14="http://schemas.microsoft.com/office/drawing/2010/main" xmlns="" w="9525">
                     <a:solidFill>
                       <a:srgbClr val="000000"/>
                     </a:solidFill>
@@ -11955,7 +11955,7 @@
               </a:ln>
               <a:extLst>
                 <a:ext uri="{91240B29-F687-4f45-9708-019B960494DF}">
-                  <a14:hiddenLine xmlns="" xmlns:a14="http://schemas.microsoft.com/office/drawing/2010/main" w="9525">
+                  <a14:hiddenLine xmlns:a14="http://schemas.microsoft.com/office/drawing/2010/main" xmlns="" w="9525">
                     <a:solidFill>
                       <a:srgbClr val="000000"/>
                     </a:solidFill>
@@ -12045,7 +12045,7 @@
               </a:ln>
               <a:extLst>
                 <a:ext uri="{91240B29-F687-4f45-9708-019B960494DF}">
-                  <a14:hiddenLine xmlns="" xmlns:a14="http://schemas.microsoft.com/office/drawing/2010/main" w="9525">
+                  <a14:hiddenLine xmlns:a14="http://schemas.microsoft.com/office/drawing/2010/main" xmlns="" w="9525">
                     <a:solidFill>
                       <a:srgbClr val="000000"/>
                     </a:solidFill>
@@ -12110,7 +12110,7 @@
               </a:ln>
               <a:extLst>
                 <a:ext uri="{91240B29-F687-4f45-9708-019B960494DF}">
-                  <a14:hiddenLine xmlns="" xmlns:a14="http://schemas.microsoft.com/office/drawing/2010/main" w="9525">
+                  <a14:hiddenLine xmlns:a14="http://schemas.microsoft.com/office/drawing/2010/main" xmlns="" w="9525">
                     <a:solidFill>
                       <a:srgbClr val="000000"/>
                     </a:solidFill>
@@ -12200,7 +12200,7 @@
               </a:ln>
               <a:extLst>
                 <a:ext uri="{91240B29-F687-4f45-9708-019B960494DF}">
-                  <a14:hiddenLine xmlns="" xmlns:a14="http://schemas.microsoft.com/office/drawing/2010/main" w="9525">
+                  <a14:hiddenLine xmlns:a14="http://schemas.microsoft.com/office/drawing/2010/main" xmlns="" w="9525">
                     <a:solidFill>
                       <a:srgbClr val="000000"/>
                     </a:solidFill>
@@ -12268,7 +12268,7 @@
               </a:ln>
               <a:extLst>
                 <a:ext uri="{91240B29-F687-4f45-9708-019B960494DF}">
-                  <a14:hiddenLine xmlns="" xmlns:a14="http://schemas.microsoft.com/office/drawing/2010/main" w="9525">
+                  <a14:hiddenLine xmlns:a14="http://schemas.microsoft.com/office/drawing/2010/main" xmlns="" w="9525">
                     <a:solidFill>
                       <a:srgbClr val="000000"/>
                     </a:solidFill>
@@ -12358,7 +12358,7 @@
               </a:ln>
               <a:extLst>
                 <a:ext uri="{91240B29-F687-4f45-9708-019B960494DF}">
-                  <a14:hiddenLine xmlns="" xmlns:a14="http://schemas.microsoft.com/office/drawing/2010/main" w="9525">
+                  <a14:hiddenLine xmlns:a14="http://schemas.microsoft.com/office/drawing/2010/main" xmlns="" w="9525">
                     <a:solidFill>
                       <a:srgbClr val="000000"/>
                     </a:solidFill>
@@ -12426,7 +12426,7 @@
               </a:ln>
               <a:extLst>
                 <a:ext uri="{91240B29-F687-4f45-9708-019B960494DF}">
-                  <a14:hiddenLine xmlns="" xmlns:a14="http://schemas.microsoft.com/office/drawing/2010/main" w="9525">
+                  <a14:hiddenLine xmlns:a14="http://schemas.microsoft.com/office/drawing/2010/main" xmlns="" w="9525">
                     <a:solidFill>
                       <a:srgbClr val="000000"/>
                     </a:solidFill>
@@ -12516,7 +12516,7 @@
               </a:ln>
               <a:extLst>
                 <a:ext uri="{91240B29-F687-4f45-9708-019B960494DF}">
-                  <a14:hiddenLine xmlns="" xmlns:a14="http://schemas.microsoft.com/office/drawing/2010/main" w="9525">
+                  <a14:hiddenLine xmlns:a14="http://schemas.microsoft.com/office/drawing/2010/main" xmlns="" w="9525">
                     <a:solidFill>
                       <a:srgbClr val="000000"/>
                     </a:solidFill>
@@ -12550,7 +12550,7 @@
               </a:ln>
               <a:extLst>
                 <a:ext uri="{91240B29-F687-4f45-9708-019B960494DF}">
-                  <a14:hiddenLine xmlns="" xmlns:a14="http://schemas.microsoft.com/office/drawing/2010/main" w="9525">
+                  <a14:hiddenLine xmlns:a14="http://schemas.microsoft.com/office/drawing/2010/main" xmlns="" w="9525">
                     <a:solidFill>
                       <a:srgbClr val="000000"/>
                     </a:solidFill>
@@ -13635,51 +13635,6 @@
           </a:p>
         </p:txBody>
       </p:sp>
-      <p:cxnSp>
-        <p:nvCxnSpPr>
-          <p:cNvPr id="4" name="Connettore 2 3">
-            <a:extLst>
-              <a:ext uri="{FF2B5EF4-FFF2-40B4-BE49-F238E27FC236}">
-                <a16:creationId xmlns:a16="http://schemas.microsoft.com/office/drawing/2014/main" id="{7478F287-C718-45CE-95BC-6442F00D4E32}"/>
-              </a:ext>
-            </a:extLst>
-          </p:cNvPr>
-          <p:cNvCxnSpPr/>
-          <p:nvPr/>
-        </p:nvCxnSpPr>
-        <p:spPr>
-          <a:xfrm>
-            <a:off x="8958262" y="646875"/>
-            <a:ext cx="1621305" cy="876300"/>
-          </a:xfrm>
-          <a:prstGeom prst="straightConnector1">
-            <a:avLst/>
-          </a:prstGeom>
-          <a:ln>
-            <a:solidFill>
-              <a:schemeClr val="tx2">
-                <a:lumMod val="60000"/>
-                <a:lumOff val="40000"/>
-              </a:schemeClr>
-            </a:solidFill>
-            <a:tailEnd type="triangle"/>
-          </a:ln>
-        </p:spPr>
-        <p:style>
-          <a:lnRef idx="3">
-            <a:schemeClr val="accent6"/>
-          </a:lnRef>
-          <a:fillRef idx="0">
-            <a:schemeClr val="accent6"/>
-          </a:fillRef>
-          <a:effectRef idx="2">
-            <a:schemeClr val="accent6"/>
-          </a:effectRef>
-          <a:fontRef idx="minor">
-            <a:schemeClr val="tx1"/>
-          </a:fontRef>
-        </p:style>
-      </p:cxnSp>
       <p:sp>
         <p:nvSpPr>
           <p:cNvPr id="5" name="CasellaDiTesto 4">
@@ -13896,7 +13851,7 @@
           <a:noFill/>
           <a:extLst>
             <a:ext uri="{909E8E84-426E-40dd-AFC4-6F175D3DCCD1}">
-              <a14:hiddenFill xmlns="" xmlns:a16="http://schemas.microsoft.com/office/drawing/2014/main" xmlns:p14="http://schemas.microsoft.com/office/powerpoint/2010/main" xmlns:a14="http://schemas.microsoft.com/office/drawing/2010/main">
+              <a14:hiddenFill xmlns:a14="http://schemas.microsoft.com/office/drawing/2010/main" xmlns:p14="http://schemas.microsoft.com/office/powerpoint/2010/main" xmlns:a16="http://schemas.microsoft.com/office/drawing/2014/main" xmlns="">
                 <a:solidFill>
                   <a:srgbClr val="FFFFFF"/>
                 </a:solidFill>
@@ -14025,7 +13980,7 @@
             </a:ln>
             <a:extLst>
               <a:ext uri="{91240B29-F687-4f45-9708-019B960494DF}">
-                <a14:hiddenLine xmlns="" xmlns:a16="http://schemas.microsoft.com/office/drawing/2014/main" xmlns:p14="http://schemas.microsoft.com/office/powerpoint/2010/main" xmlns:a14="http://schemas.microsoft.com/office/drawing/2010/main" w="9525">
+                <a14:hiddenLine xmlns:a14="http://schemas.microsoft.com/office/drawing/2010/main" xmlns:p14="http://schemas.microsoft.com/office/powerpoint/2010/main" xmlns:a16="http://schemas.microsoft.com/office/drawing/2014/main" xmlns="" w="9525">
                   <a:solidFill>
                     <a:srgbClr val="000000"/>
                   </a:solidFill>
@@ -14130,7 +14085,7 @@
             </a:ln>
             <a:extLst>
               <a:ext uri="{91240B29-F687-4f45-9708-019B960494DF}">
-                <a14:hiddenLine xmlns="" xmlns:a16="http://schemas.microsoft.com/office/drawing/2014/main" xmlns:p14="http://schemas.microsoft.com/office/powerpoint/2010/main" xmlns:a14="http://schemas.microsoft.com/office/drawing/2010/main" w="9525">
+                <a14:hiddenLine xmlns:a14="http://schemas.microsoft.com/office/drawing/2010/main" xmlns:p14="http://schemas.microsoft.com/office/powerpoint/2010/main" xmlns:a16="http://schemas.microsoft.com/office/drawing/2014/main" xmlns="" w="9525">
                   <a:solidFill>
                     <a:srgbClr val="000000"/>
                   </a:solidFill>
@@ -14235,7 +14190,7 @@
             </a:ln>
             <a:extLst>
               <a:ext uri="{91240B29-F687-4f45-9708-019B960494DF}">
-                <a14:hiddenLine xmlns="" xmlns:a16="http://schemas.microsoft.com/office/drawing/2014/main" xmlns:p14="http://schemas.microsoft.com/office/powerpoint/2010/main" xmlns:a14="http://schemas.microsoft.com/office/drawing/2010/main" w="9525">
+                <a14:hiddenLine xmlns:a14="http://schemas.microsoft.com/office/drawing/2010/main" xmlns:p14="http://schemas.microsoft.com/office/powerpoint/2010/main" xmlns:a16="http://schemas.microsoft.com/office/drawing/2014/main" xmlns="" w="9525">
                   <a:solidFill>
                     <a:srgbClr val="000000"/>
                   </a:solidFill>
@@ -14312,7 +14267,7 @@
             </a:ln>
             <a:extLst>
               <a:ext uri="{91240B29-F687-4f45-9708-019B960494DF}">
-                <a14:hiddenLine xmlns="" xmlns:a16="http://schemas.microsoft.com/office/drawing/2014/main" xmlns:p14="http://schemas.microsoft.com/office/powerpoint/2010/main" xmlns:a14="http://schemas.microsoft.com/office/drawing/2010/main" w="9525">
+                <a14:hiddenLine xmlns:a14="http://schemas.microsoft.com/office/drawing/2010/main" xmlns:p14="http://schemas.microsoft.com/office/powerpoint/2010/main" xmlns:a16="http://schemas.microsoft.com/office/drawing/2014/main" xmlns="" w="9525">
                   <a:solidFill>
                     <a:srgbClr val="000000"/>
                   </a:solidFill>
@@ -14417,7 +14372,7 @@
             </a:ln>
             <a:extLst>
               <a:ext uri="{91240B29-F687-4f45-9708-019B960494DF}">
-                <a14:hiddenLine xmlns="" xmlns:a16="http://schemas.microsoft.com/office/drawing/2014/main" xmlns:p14="http://schemas.microsoft.com/office/powerpoint/2010/main" xmlns:a14="http://schemas.microsoft.com/office/drawing/2010/main" w="9525">
+                <a14:hiddenLine xmlns:a14="http://schemas.microsoft.com/office/drawing/2010/main" xmlns:p14="http://schemas.microsoft.com/office/powerpoint/2010/main" xmlns:a16="http://schemas.microsoft.com/office/drawing/2014/main" xmlns="" w="9525">
                   <a:solidFill>
                     <a:srgbClr val="000000"/>
                   </a:solidFill>
@@ -14494,7 +14449,7 @@
             </a:ln>
             <a:extLst>
               <a:ext uri="{91240B29-F687-4f45-9708-019B960494DF}">
-                <a14:hiddenLine xmlns="" xmlns:a16="http://schemas.microsoft.com/office/drawing/2014/main" xmlns:p14="http://schemas.microsoft.com/office/powerpoint/2010/main" xmlns:a14="http://schemas.microsoft.com/office/drawing/2010/main" w="9525">
+                <a14:hiddenLine xmlns:a14="http://schemas.microsoft.com/office/drawing/2010/main" xmlns:p14="http://schemas.microsoft.com/office/powerpoint/2010/main" xmlns:a16="http://schemas.microsoft.com/office/drawing/2014/main" xmlns="" w="9525">
                   <a:solidFill>
                     <a:srgbClr val="000000"/>
                   </a:solidFill>
@@ -14571,7 +14526,7 @@
             </a:ln>
             <a:extLst>
               <a:ext uri="{91240B29-F687-4f45-9708-019B960494DF}">
-                <a14:hiddenLine xmlns="" xmlns:a16="http://schemas.microsoft.com/office/drawing/2014/main" xmlns:p14="http://schemas.microsoft.com/office/powerpoint/2010/main" xmlns:a14="http://schemas.microsoft.com/office/drawing/2010/main" w="9525">
+                <a14:hiddenLine xmlns:a14="http://schemas.microsoft.com/office/drawing/2010/main" xmlns:p14="http://schemas.microsoft.com/office/powerpoint/2010/main" xmlns:a16="http://schemas.microsoft.com/office/drawing/2014/main" xmlns="" w="9525">
                   <a:solidFill>
                     <a:srgbClr val="000000"/>
                   </a:solidFill>
@@ -14676,7 +14631,7 @@
             </a:ln>
             <a:extLst>
               <a:ext uri="{91240B29-F687-4f45-9708-019B960494DF}">
-                <a14:hiddenLine xmlns="" xmlns:a16="http://schemas.microsoft.com/office/drawing/2014/main" xmlns:p14="http://schemas.microsoft.com/office/powerpoint/2010/main" xmlns:a14="http://schemas.microsoft.com/office/drawing/2010/main" w="9525">
+                <a14:hiddenLine xmlns:a14="http://schemas.microsoft.com/office/drawing/2010/main" xmlns:p14="http://schemas.microsoft.com/office/powerpoint/2010/main" xmlns:a16="http://schemas.microsoft.com/office/drawing/2014/main" xmlns="" w="9525">
                   <a:solidFill>
                     <a:srgbClr val="000000"/>
                   </a:solidFill>
@@ -14781,7 +14736,7 @@
             </a:ln>
             <a:extLst>
               <a:ext uri="{91240B29-F687-4f45-9708-019B960494DF}">
-                <a14:hiddenLine xmlns="" xmlns:a16="http://schemas.microsoft.com/office/drawing/2014/main" xmlns:p14="http://schemas.microsoft.com/office/powerpoint/2010/main" xmlns:a14="http://schemas.microsoft.com/office/drawing/2010/main" w="9525">
+                <a14:hiddenLine xmlns:a14="http://schemas.microsoft.com/office/drawing/2010/main" xmlns:p14="http://schemas.microsoft.com/office/powerpoint/2010/main" xmlns:a16="http://schemas.microsoft.com/office/drawing/2014/main" xmlns="" w="9525">
                   <a:solidFill>
                     <a:srgbClr val="000000"/>
                   </a:solidFill>
@@ -14858,7 +14813,7 @@
             </a:ln>
             <a:extLst>
               <a:ext uri="{91240B29-F687-4f45-9708-019B960494DF}">
-                <a14:hiddenLine xmlns="" xmlns:a16="http://schemas.microsoft.com/office/drawing/2014/main" xmlns:p14="http://schemas.microsoft.com/office/powerpoint/2010/main" xmlns:a14="http://schemas.microsoft.com/office/drawing/2010/main" w="9525">
+                <a14:hiddenLine xmlns:a14="http://schemas.microsoft.com/office/drawing/2010/main" xmlns:p14="http://schemas.microsoft.com/office/powerpoint/2010/main" xmlns:a16="http://schemas.microsoft.com/office/drawing/2014/main" xmlns="" w="9525">
                   <a:solidFill>
                     <a:srgbClr val="000000"/>
                   </a:solidFill>
@@ -14983,7 +14938,7 @@
             </a:ln>
             <a:extLst>
               <a:ext uri="{91240B29-F687-4f45-9708-019B960494DF}">
-                <a14:hiddenLine xmlns="" xmlns:a16="http://schemas.microsoft.com/office/drawing/2014/main" xmlns:p14="http://schemas.microsoft.com/office/powerpoint/2010/main" xmlns:a14="http://schemas.microsoft.com/office/drawing/2010/main" w="9525">
+                <a14:hiddenLine xmlns:a14="http://schemas.microsoft.com/office/drawing/2010/main" xmlns:p14="http://schemas.microsoft.com/office/powerpoint/2010/main" xmlns:a16="http://schemas.microsoft.com/office/drawing/2014/main" xmlns="" w="9525">
                   <a:solidFill>
                     <a:srgbClr val="000000"/>
                   </a:solidFill>
@@ -15097,7 +15052,7 @@
             </a:ln>
             <a:extLst>
               <a:ext uri="{91240B29-F687-4f45-9708-019B960494DF}">
-                <a14:hiddenLine xmlns="" xmlns:a16="http://schemas.microsoft.com/office/drawing/2014/main" xmlns:p14="http://schemas.microsoft.com/office/powerpoint/2010/main" xmlns:a14="http://schemas.microsoft.com/office/drawing/2010/main" w="9525">
+                <a14:hiddenLine xmlns:a14="http://schemas.microsoft.com/office/drawing/2010/main" xmlns:p14="http://schemas.microsoft.com/office/powerpoint/2010/main" xmlns:a16="http://schemas.microsoft.com/office/drawing/2014/main" xmlns="" w="9525">
                   <a:solidFill>
                     <a:srgbClr val="000000"/>
                   </a:solidFill>
@@ -15174,7 +15129,7 @@
             </a:ln>
             <a:extLst>
               <a:ext uri="{91240B29-F687-4f45-9708-019B960494DF}">
-                <a14:hiddenLine xmlns="" xmlns:a16="http://schemas.microsoft.com/office/drawing/2014/main" xmlns:p14="http://schemas.microsoft.com/office/powerpoint/2010/main" xmlns:a14="http://schemas.microsoft.com/office/drawing/2010/main" w="9525">
+                <a14:hiddenLine xmlns:a14="http://schemas.microsoft.com/office/drawing/2010/main" xmlns:p14="http://schemas.microsoft.com/office/powerpoint/2010/main" xmlns:a16="http://schemas.microsoft.com/office/drawing/2014/main" xmlns="" w="9525">
                   <a:solidFill>
                     <a:srgbClr val="000000"/>
                   </a:solidFill>
@@ -15251,7 +15206,7 @@
             </a:ln>
             <a:extLst>
               <a:ext uri="{91240B29-F687-4f45-9708-019B960494DF}">
-                <a14:hiddenLine xmlns="" xmlns:a16="http://schemas.microsoft.com/office/drawing/2014/main" xmlns:p14="http://schemas.microsoft.com/office/powerpoint/2010/main" xmlns:a14="http://schemas.microsoft.com/office/drawing/2010/main" w="9525">
+                <a14:hiddenLine xmlns:a14="http://schemas.microsoft.com/office/drawing/2010/main" xmlns:p14="http://schemas.microsoft.com/office/powerpoint/2010/main" xmlns:a16="http://schemas.microsoft.com/office/drawing/2014/main" xmlns="" w="9525">
                   <a:solidFill>
                     <a:srgbClr val="000000"/>
                   </a:solidFill>
@@ -15356,7 +15311,7 @@
             </a:ln>
             <a:extLst>
               <a:ext uri="{91240B29-F687-4f45-9708-019B960494DF}">
-                <a14:hiddenLine xmlns="" xmlns:a16="http://schemas.microsoft.com/office/drawing/2014/main" xmlns:p14="http://schemas.microsoft.com/office/powerpoint/2010/main" xmlns:a14="http://schemas.microsoft.com/office/drawing/2010/main" w="9525">
+                <a14:hiddenLine xmlns:a14="http://schemas.microsoft.com/office/drawing/2010/main" xmlns:p14="http://schemas.microsoft.com/office/powerpoint/2010/main" xmlns:a16="http://schemas.microsoft.com/office/drawing/2014/main" xmlns="" w="9525">
                   <a:solidFill>
                     <a:srgbClr val="000000"/>
                   </a:solidFill>
@@ -15405,7 +15360,7 @@
             </a:ln>
             <a:extLst>
               <a:ext uri="{91240B29-F687-4f45-9708-019B960494DF}">
-                <a14:hiddenLine xmlns="" xmlns:a16="http://schemas.microsoft.com/office/drawing/2014/main" xmlns:p14="http://schemas.microsoft.com/office/powerpoint/2010/main" xmlns:a14="http://schemas.microsoft.com/office/drawing/2010/main" w="9525">
+                <a14:hiddenLine xmlns:a14="http://schemas.microsoft.com/office/drawing/2010/main" xmlns:p14="http://schemas.microsoft.com/office/powerpoint/2010/main" xmlns:a16="http://schemas.microsoft.com/office/drawing/2014/main" xmlns="" w="9525">
                   <a:solidFill>
                     <a:srgbClr val="000000"/>
                   </a:solidFill>
@@ -15485,7 +15440,7 @@
             </a:ln>
             <a:extLst>
               <a:ext uri="{91240B29-F687-4f45-9708-019B960494DF}">
-                <a14:hiddenLine xmlns="" xmlns:a16="http://schemas.microsoft.com/office/drawing/2014/main" xmlns:p14="http://schemas.microsoft.com/office/powerpoint/2010/main" xmlns:a14="http://schemas.microsoft.com/office/drawing/2010/main" w="9525">
+                <a14:hiddenLine xmlns:a14="http://schemas.microsoft.com/office/drawing/2010/main" xmlns:p14="http://schemas.microsoft.com/office/powerpoint/2010/main" xmlns:a16="http://schemas.microsoft.com/office/drawing/2014/main" xmlns="" w="9525">
                   <a:solidFill>
                     <a:srgbClr val="000000"/>
                   </a:solidFill>
@@ -15590,7 +15545,7 @@
             </a:ln>
             <a:extLst>
               <a:ext uri="{91240B29-F687-4f45-9708-019B960494DF}">
-                <a14:hiddenLine xmlns="" xmlns:a16="http://schemas.microsoft.com/office/drawing/2014/main" xmlns:p14="http://schemas.microsoft.com/office/powerpoint/2010/main" xmlns:a14="http://schemas.microsoft.com/office/drawing/2010/main" w="9525">
+                <a14:hiddenLine xmlns:a14="http://schemas.microsoft.com/office/drawing/2010/main" xmlns:p14="http://schemas.microsoft.com/office/powerpoint/2010/main" xmlns:a16="http://schemas.microsoft.com/office/drawing/2014/main" xmlns="" w="9525">
                   <a:solidFill>
                     <a:srgbClr val="000000"/>
                   </a:solidFill>
@@ -15667,7 +15622,7 @@
             </a:ln>
             <a:extLst>
               <a:ext uri="{91240B29-F687-4f45-9708-019B960494DF}">
-                <a14:hiddenLine xmlns="" xmlns:a16="http://schemas.microsoft.com/office/drawing/2014/main" xmlns:p14="http://schemas.microsoft.com/office/powerpoint/2010/main" xmlns:a14="http://schemas.microsoft.com/office/drawing/2010/main" w="9525">
+                <a14:hiddenLine xmlns:a14="http://schemas.microsoft.com/office/drawing/2010/main" xmlns:p14="http://schemas.microsoft.com/office/powerpoint/2010/main" xmlns:a16="http://schemas.microsoft.com/office/drawing/2014/main" xmlns="" w="9525">
                   <a:solidFill>
                     <a:srgbClr val="000000"/>
                   </a:solidFill>
@@ -15772,7 +15727,7 @@
             </a:ln>
             <a:extLst>
               <a:ext uri="{91240B29-F687-4f45-9708-019B960494DF}">
-                <a14:hiddenLine xmlns="" xmlns:a16="http://schemas.microsoft.com/office/drawing/2014/main" xmlns:p14="http://schemas.microsoft.com/office/powerpoint/2010/main" xmlns:a14="http://schemas.microsoft.com/office/drawing/2010/main" w="9525">
+                <a14:hiddenLine xmlns:a14="http://schemas.microsoft.com/office/drawing/2010/main" xmlns:p14="http://schemas.microsoft.com/office/powerpoint/2010/main" xmlns:a16="http://schemas.microsoft.com/office/drawing/2014/main" xmlns="" w="9525">
                   <a:solidFill>
                     <a:srgbClr val="000000"/>
                   </a:solidFill>
@@ -15852,7 +15807,7 @@
             </a:ln>
             <a:extLst>
               <a:ext uri="{91240B29-F687-4f45-9708-019B960494DF}">
-                <a14:hiddenLine xmlns="" xmlns:a16="http://schemas.microsoft.com/office/drawing/2014/main" xmlns:p14="http://schemas.microsoft.com/office/powerpoint/2010/main" xmlns:a14="http://schemas.microsoft.com/office/drawing/2010/main" w="9525">
+                <a14:hiddenLine xmlns:a14="http://schemas.microsoft.com/office/drawing/2010/main" xmlns:p14="http://schemas.microsoft.com/office/powerpoint/2010/main" xmlns:a16="http://schemas.microsoft.com/office/drawing/2014/main" xmlns="" w="9525">
                   <a:solidFill>
                     <a:srgbClr val="000000"/>
                   </a:solidFill>
@@ -15929,7 +15884,7 @@
             </a:ln>
             <a:extLst>
               <a:ext uri="{91240B29-F687-4f45-9708-019B960494DF}">
-                <a14:hiddenLine xmlns="" xmlns:a16="http://schemas.microsoft.com/office/drawing/2014/main" xmlns:p14="http://schemas.microsoft.com/office/powerpoint/2010/main" xmlns:a14="http://schemas.microsoft.com/office/drawing/2010/main" w="9525">
+                <a14:hiddenLine xmlns:a14="http://schemas.microsoft.com/office/drawing/2010/main" xmlns:p14="http://schemas.microsoft.com/office/powerpoint/2010/main" xmlns:a16="http://schemas.microsoft.com/office/drawing/2014/main" xmlns="" w="9525">
                   <a:solidFill>
                     <a:srgbClr val="000000"/>
                   </a:solidFill>
@@ -16034,7 +15989,7 @@
             </a:ln>
             <a:extLst>
               <a:ext uri="{91240B29-F687-4f45-9708-019B960494DF}">
-                <a14:hiddenLine xmlns="" xmlns:a16="http://schemas.microsoft.com/office/drawing/2014/main" xmlns:p14="http://schemas.microsoft.com/office/powerpoint/2010/main" xmlns:a14="http://schemas.microsoft.com/office/drawing/2010/main" w="9525">
+                <a14:hiddenLine xmlns:a14="http://schemas.microsoft.com/office/drawing/2010/main" xmlns:p14="http://schemas.microsoft.com/office/powerpoint/2010/main" xmlns:a16="http://schemas.microsoft.com/office/drawing/2014/main" xmlns="" w="9525">
                   <a:solidFill>
                     <a:srgbClr val="000000"/>
                   </a:solidFill>
@@ -16139,7 +16094,7 @@
             </a:ln>
             <a:extLst>
               <a:ext uri="{91240B29-F687-4f45-9708-019B960494DF}">
-                <a14:hiddenLine xmlns="" xmlns:a16="http://schemas.microsoft.com/office/drawing/2014/main" xmlns:p14="http://schemas.microsoft.com/office/powerpoint/2010/main" xmlns:a14="http://schemas.microsoft.com/office/drawing/2010/main" w="9525">
+                <a14:hiddenLine xmlns:a14="http://schemas.microsoft.com/office/drawing/2010/main" xmlns:p14="http://schemas.microsoft.com/office/powerpoint/2010/main" xmlns:a16="http://schemas.microsoft.com/office/drawing/2014/main" xmlns="" w="9525">
                   <a:solidFill>
                     <a:srgbClr val="000000"/>
                   </a:solidFill>
@@ -16219,7 +16174,7 @@
             </a:ln>
             <a:extLst>
               <a:ext uri="{91240B29-F687-4f45-9708-019B960494DF}">
-                <a14:hiddenLine xmlns="" xmlns:a16="http://schemas.microsoft.com/office/drawing/2014/main" xmlns:p14="http://schemas.microsoft.com/office/powerpoint/2010/main" xmlns:a14="http://schemas.microsoft.com/office/drawing/2010/main" w="9525">
+                <a14:hiddenLine xmlns:a14="http://schemas.microsoft.com/office/drawing/2010/main" xmlns:p14="http://schemas.microsoft.com/office/powerpoint/2010/main" xmlns:a16="http://schemas.microsoft.com/office/drawing/2014/main" xmlns="" w="9525">
                   <a:solidFill>
                     <a:srgbClr val="000000"/>
                   </a:solidFill>
@@ -16354,7 +16309,7 @@
             </a:ln>
             <a:extLst>
               <a:ext uri="{91240B29-F687-4f45-9708-019B960494DF}">
-                <a14:hiddenLine xmlns="" xmlns:a16="http://schemas.microsoft.com/office/drawing/2014/main" xmlns:p14="http://schemas.microsoft.com/office/powerpoint/2010/main" xmlns:a14="http://schemas.microsoft.com/office/drawing/2010/main" w="9525">
+                <a14:hiddenLine xmlns:a14="http://schemas.microsoft.com/office/drawing/2010/main" xmlns:p14="http://schemas.microsoft.com/office/powerpoint/2010/main" xmlns:a16="http://schemas.microsoft.com/office/drawing/2014/main" xmlns="" w="9525">
                   <a:solidFill>
                     <a:srgbClr val="000000"/>
                   </a:solidFill>
@@ -16385,8 +16340,8 @@
         </p:nvSpPr>
         <p:spPr>
           <a:xfrm>
-            <a:off x="1056480" y="1420812"/>
-            <a:ext cx="5039520" cy="2500313"/>
+            <a:off x="1031478" y="1263737"/>
+            <a:ext cx="5149028" cy="2609851"/>
           </a:xfrm>
         </p:spPr>
         <p:txBody>
@@ -16410,7 +16365,13 @@
           <a:p>
             <a:r>
               <a:rPr lang="it-IT" sz="2200" dirty="0"/>
-              <a:t>Il Client chiede all’utente il nome di un file e una parola, invia al server una richiesta; infine attende una risposta che indica il numero di eliminazioni della parola effettuate sul file. </a:t>
+              <a:t>Il Client chiede all’utente il nome di un file e una parola e invia al Server la richiesta di eliminazione delle occorrenze della parola dal file.</a:t>
+            </a:r>
+          </a:p>
+          <a:p>
+            <a:r>
+              <a:rPr lang="it-IT" sz="2200" dirty="0"/>
+              <a:t>Attende quindi l’esito dell’operazione.</a:t>
             </a:r>
           </a:p>
         </p:txBody>
@@ -16735,13 +16696,13 @@
           <a:p>
             <a:r>
               <a:rPr lang="it-IT" sz="2200" dirty="0"/>
-              <a:t>Chiede il nome del direttorio, invia al server una richiesta.</a:t>
+              <a:t>Chiede il nome del direttorio da esplorare e lo invia al Server.</a:t>
             </a:r>
           </a:p>
           <a:p>
             <a:r>
               <a:rPr lang="it-IT" sz="2200" dirty="0"/>
-              <a:t>Se esiste, riceve la lista di nomi di file remoti che stanno nei sotto direttori.</a:t>
+              <a:t>Riceve dal Server i nomi dei file individuati nelle directory di secondo grado</a:t>
             </a:r>
           </a:p>
         </p:txBody>
@@ -16760,7 +16721,7 @@
         </p:nvSpPr>
         <p:spPr>
           <a:xfrm>
-            <a:off x="1220924" y="4115594"/>
+            <a:off x="1220788" y="4112201"/>
             <a:ext cx="9989666" cy="1954381"/>
           </a:xfrm>
           <a:prstGeom prst="rect">
@@ -16805,7 +16766,15 @@
             </a:pPr>
             <a:r>
               <a:rPr lang="it-IT" sz="2200" dirty="0"/>
-              <a:t>Gestione sequenziale delle richieste UDP.</a:t>
+              <a:t>Gestione </a:t>
+            </a:r>
+            <a:r>
+              <a:rPr lang="it-IT" sz="2200" u="sng" dirty="0"/>
+              <a:t>concorrente</a:t>
+            </a:r>
+            <a:r>
+              <a:rPr lang="it-IT" sz="2200" dirty="0"/>
+              <a:t> delle richieste UDP.</a:t>
             </a:r>
           </a:p>
           <a:p>
@@ -16966,7 +16935,7 @@
           <a:noFill/>
           <a:extLst>
             <a:ext uri="{909E8E84-426E-40dd-AFC4-6F175D3DCCD1}">
-              <a14:hiddenFill xmlns:a14="http://schemas.microsoft.com/office/drawing/2010/main" xmlns:p14="http://schemas.microsoft.com/office/powerpoint/2010/main" xmlns:a16="http://schemas.microsoft.com/office/drawing/2014/main" xmlns="">
+              <a14:hiddenFill xmlns="" xmlns:a16="http://schemas.microsoft.com/office/drawing/2014/main" xmlns:p14="http://schemas.microsoft.com/office/powerpoint/2010/main" xmlns:a14="http://schemas.microsoft.com/office/drawing/2010/main">
                 <a:solidFill>
                   <a:srgbClr val="FFFFFF"/>
                 </a:solidFill>
@@ -17094,7 +17063,7 @@
             </a:ln>
             <a:extLst>
               <a:ext uri="{91240B29-F687-4f45-9708-019B960494DF}">
-                <a14:hiddenLine xmlns:a14="http://schemas.microsoft.com/office/drawing/2010/main" xmlns:p14="http://schemas.microsoft.com/office/powerpoint/2010/main" xmlns:a16="http://schemas.microsoft.com/office/drawing/2014/main" xmlns="" w="9525">
+                <a14:hiddenLine xmlns="" xmlns:a16="http://schemas.microsoft.com/office/drawing/2014/main" xmlns:p14="http://schemas.microsoft.com/office/powerpoint/2010/main" xmlns:a14="http://schemas.microsoft.com/office/drawing/2010/main" w="9525">
                   <a:solidFill>
                     <a:srgbClr val="000000"/>
                   </a:solidFill>
@@ -17199,7 +17168,7 @@
             </a:ln>
             <a:extLst>
               <a:ext uri="{91240B29-F687-4f45-9708-019B960494DF}">
-                <a14:hiddenLine xmlns:a14="http://schemas.microsoft.com/office/drawing/2010/main" xmlns:p14="http://schemas.microsoft.com/office/powerpoint/2010/main" xmlns:a16="http://schemas.microsoft.com/office/drawing/2014/main" xmlns="" w="9525">
+                <a14:hiddenLine xmlns="" xmlns:a16="http://schemas.microsoft.com/office/drawing/2014/main" xmlns:p14="http://schemas.microsoft.com/office/powerpoint/2010/main" xmlns:a14="http://schemas.microsoft.com/office/drawing/2010/main" w="9525">
                   <a:solidFill>
                     <a:srgbClr val="000000"/>
                   </a:solidFill>
@@ -17304,7 +17273,7 @@
             </a:ln>
             <a:extLst>
               <a:ext uri="{91240B29-F687-4f45-9708-019B960494DF}">
-                <a14:hiddenLine xmlns:a14="http://schemas.microsoft.com/office/drawing/2010/main" xmlns:p14="http://schemas.microsoft.com/office/powerpoint/2010/main" xmlns:a16="http://schemas.microsoft.com/office/drawing/2014/main" xmlns="" w="9525">
+                <a14:hiddenLine xmlns="" xmlns:a16="http://schemas.microsoft.com/office/drawing/2014/main" xmlns:p14="http://schemas.microsoft.com/office/powerpoint/2010/main" xmlns:a14="http://schemas.microsoft.com/office/drawing/2010/main" w="9525">
                   <a:solidFill>
                     <a:srgbClr val="000000"/>
                   </a:solidFill>
@@ -17381,7 +17350,7 @@
             </a:ln>
             <a:extLst>
               <a:ext uri="{91240B29-F687-4f45-9708-019B960494DF}">
-                <a14:hiddenLine xmlns:a14="http://schemas.microsoft.com/office/drawing/2010/main" xmlns:p14="http://schemas.microsoft.com/office/powerpoint/2010/main" xmlns:a16="http://schemas.microsoft.com/office/drawing/2014/main" xmlns="" w="9525">
+                <a14:hiddenLine xmlns="" xmlns:a16="http://schemas.microsoft.com/office/drawing/2014/main" xmlns:p14="http://schemas.microsoft.com/office/powerpoint/2010/main" xmlns:a14="http://schemas.microsoft.com/office/drawing/2010/main" w="9525">
                   <a:solidFill>
                     <a:srgbClr val="000000"/>
                   </a:solidFill>
@@ -17486,7 +17455,7 @@
             </a:ln>
             <a:extLst>
               <a:ext uri="{91240B29-F687-4f45-9708-019B960494DF}">
-                <a14:hiddenLine xmlns:a14="http://schemas.microsoft.com/office/drawing/2010/main" xmlns:p14="http://schemas.microsoft.com/office/powerpoint/2010/main" xmlns:a16="http://schemas.microsoft.com/office/drawing/2014/main" xmlns="" w="9525">
+                <a14:hiddenLine xmlns="" xmlns:a16="http://schemas.microsoft.com/office/drawing/2014/main" xmlns:p14="http://schemas.microsoft.com/office/powerpoint/2010/main" xmlns:a14="http://schemas.microsoft.com/office/drawing/2010/main" w="9525">
                   <a:solidFill>
                     <a:srgbClr val="000000"/>
                   </a:solidFill>
@@ -17563,7 +17532,7 @@
             </a:ln>
             <a:extLst>
               <a:ext uri="{91240B29-F687-4f45-9708-019B960494DF}">
-                <a14:hiddenLine xmlns:a14="http://schemas.microsoft.com/office/drawing/2010/main" xmlns:p14="http://schemas.microsoft.com/office/powerpoint/2010/main" xmlns:a16="http://schemas.microsoft.com/office/drawing/2014/main" xmlns="" w="9525">
+                <a14:hiddenLine xmlns="" xmlns:a16="http://schemas.microsoft.com/office/drawing/2014/main" xmlns:p14="http://schemas.microsoft.com/office/powerpoint/2010/main" xmlns:a14="http://schemas.microsoft.com/office/drawing/2010/main" w="9525">
                   <a:solidFill>
                     <a:srgbClr val="000000"/>
                   </a:solidFill>
@@ -17640,7 +17609,7 @@
             </a:ln>
             <a:extLst>
               <a:ext uri="{91240B29-F687-4f45-9708-019B960494DF}">
-                <a14:hiddenLine xmlns:a14="http://schemas.microsoft.com/office/drawing/2010/main" xmlns:p14="http://schemas.microsoft.com/office/powerpoint/2010/main" xmlns:a16="http://schemas.microsoft.com/office/drawing/2014/main" xmlns="" w="9525">
+                <a14:hiddenLine xmlns="" xmlns:a16="http://schemas.microsoft.com/office/drawing/2014/main" xmlns:p14="http://schemas.microsoft.com/office/powerpoint/2010/main" xmlns:a14="http://schemas.microsoft.com/office/drawing/2010/main" w="9525">
                   <a:solidFill>
                     <a:srgbClr val="000000"/>
                   </a:solidFill>
@@ -17745,7 +17714,7 @@
             </a:ln>
             <a:extLst>
               <a:ext uri="{91240B29-F687-4f45-9708-019B960494DF}">
-                <a14:hiddenLine xmlns:a14="http://schemas.microsoft.com/office/drawing/2010/main" xmlns:p14="http://schemas.microsoft.com/office/powerpoint/2010/main" xmlns:a16="http://schemas.microsoft.com/office/drawing/2014/main" xmlns="" w="9525">
+                <a14:hiddenLine xmlns="" xmlns:a16="http://schemas.microsoft.com/office/drawing/2014/main" xmlns:p14="http://schemas.microsoft.com/office/powerpoint/2010/main" xmlns:a14="http://schemas.microsoft.com/office/drawing/2010/main" w="9525">
                   <a:solidFill>
                     <a:srgbClr val="000000"/>
                   </a:solidFill>
@@ -17850,7 +17819,7 @@
             </a:ln>
             <a:extLst>
               <a:ext uri="{91240B29-F687-4f45-9708-019B960494DF}">
-                <a14:hiddenLine xmlns:a14="http://schemas.microsoft.com/office/drawing/2010/main" xmlns:p14="http://schemas.microsoft.com/office/powerpoint/2010/main" xmlns:a16="http://schemas.microsoft.com/office/drawing/2014/main" xmlns="" w="9525">
+                <a14:hiddenLine xmlns="" xmlns:a16="http://schemas.microsoft.com/office/drawing/2014/main" xmlns:p14="http://schemas.microsoft.com/office/powerpoint/2010/main" xmlns:a14="http://schemas.microsoft.com/office/drawing/2010/main" w="9525">
                   <a:solidFill>
                     <a:srgbClr val="000000"/>
                   </a:solidFill>
@@ -17927,7 +17896,7 @@
             </a:ln>
             <a:extLst>
               <a:ext uri="{91240B29-F687-4f45-9708-019B960494DF}">
-                <a14:hiddenLine xmlns:a14="http://schemas.microsoft.com/office/drawing/2010/main" xmlns:p14="http://schemas.microsoft.com/office/powerpoint/2010/main" xmlns:a16="http://schemas.microsoft.com/office/drawing/2014/main" xmlns="" w="9525">
+                <a14:hiddenLine xmlns="" xmlns:a16="http://schemas.microsoft.com/office/drawing/2014/main" xmlns:p14="http://schemas.microsoft.com/office/powerpoint/2010/main" xmlns:a14="http://schemas.microsoft.com/office/drawing/2010/main" w="9525">
                   <a:solidFill>
                     <a:srgbClr val="000000"/>
                   </a:solidFill>
@@ -18052,7 +18021,7 @@
             </a:ln>
             <a:extLst>
               <a:ext uri="{91240B29-F687-4f45-9708-019B960494DF}">
-                <a14:hiddenLine xmlns:a14="http://schemas.microsoft.com/office/drawing/2010/main" xmlns:p14="http://schemas.microsoft.com/office/powerpoint/2010/main" xmlns:a16="http://schemas.microsoft.com/office/drawing/2014/main" xmlns="" w="9525">
+                <a14:hiddenLine xmlns="" xmlns:a16="http://schemas.microsoft.com/office/drawing/2014/main" xmlns:p14="http://schemas.microsoft.com/office/powerpoint/2010/main" xmlns:a14="http://schemas.microsoft.com/office/drawing/2010/main" w="9525">
                   <a:solidFill>
                     <a:srgbClr val="000000"/>
                   </a:solidFill>
@@ -18166,7 +18135,7 @@
             </a:ln>
             <a:extLst>
               <a:ext uri="{91240B29-F687-4f45-9708-019B960494DF}">
-                <a14:hiddenLine xmlns:a14="http://schemas.microsoft.com/office/drawing/2010/main" xmlns:p14="http://schemas.microsoft.com/office/powerpoint/2010/main" xmlns:a16="http://schemas.microsoft.com/office/drawing/2014/main" xmlns="" w="9525">
+                <a14:hiddenLine xmlns="" xmlns:a16="http://schemas.microsoft.com/office/drawing/2014/main" xmlns:p14="http://schemas.microsoft.com/office/powerpoint/2010/main" xmlns:a14="http://schemas.microsoft.com/office/drawing/2010/main" w="9525">
                   <a:solidFill>
                     <a:srgbClr val="000000"/>
                   </a:solidFill>
@@ -18243,7 +18212,7 @@
             </a:ln>
             <a:extLst>
               <a:ext uri="{91240B29-F687-4f45-9708-019B960494DF}">
-                <a14:hiddenLine xmlns:a14="http://schemas.microsoft.com/office/drawing/2010/main" xmlns:p14="http://schemas.microsoft.com/office/powerpoint/2010/main" xmlns:a16="http://schemas.microsoft.com/office/drawing/2014/main" xmlns="" w="9525">
+                <a14:hiddenLine xmlns="" xmlns:a16="http://schemas.microsoft.com/office/drawing/2014/main" xmlns:p14="http://schemas.microsoft.com/office/powerpoint/2010/main" xmlns:a14="http://schemas.microsoft.com/office/drawing/2010/main" w="9525">
                   <a:solidFill>
                     <a:srgbClr val="000000"/>
                   </a:solidFill>
@@ -18320,7 +18289,7 @@
             </a:ln>
             <a:extLst>
               <a:ext uri="{91240B29-F687-4f45-9708-019B960494DF}">
-                <a14:hiddenLine xmlns:a14="http://schemas.microsoft.com/office/drawing/2010/main" xmlns:p14="http://schemas.microsoft.com/office/powerpoint/2010/main" xmlns:a16="http://schemas.microsoft.com/office/drawing/2014/main" xmlns="" w="9525">
+                <a14:hiddenLine xmlns="" xmlns:a16="http://schemas.microsoft.com/office/drawing/2014/main" xmlns:p14="http://schemas.microsoft.com/office/powerpoint/2010/main" xmlns:a14="http://schemas.microsoft.com/office/drawing/2010/main" w="9525">
                   <a:solidFill>
                     <a:srgbClr val="000000"/>
                   </a:solidFill>
@@ -18425,7 +18394,7 @@
             </a:ln>
             <a:extLst>
               <a:ext uri="{91240B29-F687-4f45-9708-019B960494DF}">
-                <a14:hiddenLine xmlns:a14="http://schemas.microsoft.com/office/drawing/2010/main" xmlns:p14="http://schemas.microsoft.com/office/powerpoint/2010/main" xmlns:a16="http://schemas.microsoft.com/office/drawing/2014/main" xmlns="" w="9525">
+                <a14:hiddenLine xmlns="" xmlns:a16="http://schemas.microsoft.com/office/drawing/2014/main" xmlns:p14="http://schemas.microsoft.com/office/powerpoint/2010/main" xmlns:a14="http://schemas.microsoft.com/office/drawing/2010/main" w="9525">
                   <a:solidFill>
                     <a:srgbClr val="000000"/>
                   </a:solidFill>
@@ -18474,7 +18443,7 @@
             </a:ln>
             <a:extLst>
               <a:ext uri="{91240B29-F687-4f45-9708-019B960494DF}">
-                <a14:hiddenLine xmlns:a14="http://schemas.microsoft.com/office/drawing/2010/main" xmlns:p14="http://schemas.microsoft.com/office/powerpoint/2010/main" xmlns:a16="http://schemas.microsoft.com/office/drawing/2014/main" xmlns="" w="9525">
+                <a14:hiddenLine xmlns="" xmlns:a16="http://schemas.microsoft.com/office/drawing/2014/main" xmlns:p14="http://schemas.microsoft.com/office/powerpoint/2010/main" xmlns:a14="http://schemas.microsoft.com/office/drawing/2010/main" w="9525">
                   <a:solidFill>
                     <a:srgbClr val="000000"/>
                   </a:solidFill>
@@ -18554,7 +18523,7 @@
             </a:ln>
             <a:extLst>
               <a:ext uri="{91240B29-F687-4f45-9708-019B960494DF}">
-                <a14:hiddenLine xmlns:a14="http://schemas.microsoft.com/office/drawing/2010/main" xmlns:p14="http://schemas.microsoft.com/office/powerpoint/2010/main" xmlns:a16="http://schemas.microsoft.com/office/drawing/2014/main" xmlns="" w="9525">
+                <a14:hiddenLine xmlns="" xmlns:a16="http://schemas.microsoft.com/office/drawing/2014/main" xmlns:p14="http://schemas.microsoft.com/office/powerpoint/2010/main" xmlns:a14="http://schemas.microsoft.com/office/drawing/2010/main" w="9525">
                   <a:solidFill>
                     <a:srgbClr val="000000"/>
                   </a:solidFill>
@@ -18659,7 +18628,7 @@
             </a:ln>
             <a:extLst>
               <a:ext uri="{91240B29-F687-4f45-9708-019B960494DF}">
-                <a14:hiddenLine xmlns:a14="http://schemas.microsoft.com/office/drawing/2010/main" xmlns:p14="http://schemas.microsoft.com/office/powerpoint/2010/main" xmlns:a16="http://schemas.microsoft.com/office/drawing/2014/main" xmlns="" w="9525">
+                <a14:hiddenLine xmlns="" xmlns:a16="http://schemas.microsoft.com/office/drawing/2014/main" xmlns:p14="http://schemas.microsoft.com/office/powerpoint/2010/main" xmlns:a14="http://schemas.microsoft.com/office/drawing/2010/main" w="9525">
                   <a:solidFill>
                     <a:srgbClr val="000000"/>
                   </a:solidFill>
@@ -18736,7 +18705,7 @@
             </a:ln>
             <a:extLst>
               <a:ext uri="{91240B29-F687-4f45-9708-019B960494DF}">
-                <a14:hiddenLine xmlns:a14="http://schemas.microsoft.com/office/drawing/2010/main" xmlns:p14="http://schemas.microsoft.com/office/powerpoint/2010/main" xmlns:a16="http://schemas.microsoft.com/office/drawing/2014/main" xmlns="" w="9525">
+                <a14:hiddenLine xmlns="" xmlns:a16="http://schemas.microsoft.com/office/drawing/2014/main" xmlns:p14="http://schemas.microsoft.com/office/powerpoint/2010/main" xmlns:a14="http://schemas.microsoft.com/office/drawing/2010/main" w="9525">
                   <a:solidFill>
                     <a:srgbClr val="000000"/>
                   </a:solidFill>
@@ -18841,7 +18810,7 @@
             </a:ln>
             <a:extLst>
               <a:ext uri="{91240B29-F687-4f45-9708-019B960494DF}">
-                <a14:hiddenLine xmlns:a14="http://schemas.microsoft.com/office/drawing/2010/main" xmlns:p14="http://schemas.microsoft.com/office/powerpoint/2010/main" xmlns:a16="http://schemas.microsoft.com/office/drawing/2014/main" xmlns="" w="9525">
+                <a14:hiddenLine xmlns="" xmlns:a16="http://schemas.microsoft.com/office/drawing/2014/main" xmlns:p14="http://schemas.microsoft.com/office/powerpoint/2010/main" xmlns:a14="http://schemas.microsoft.com/office/drawing/2010/main" w="9525">
                   <a:solidFill>
                     <a:srgbClr val="000000"/>
                   </a:solidFill>
@@ -18921,7 +18890,7 @@
             </a:ln>
             <a:extLst>
               <a:ext uri="{91240B29-F687-4f45-9708-019B960494DF}">
-                <a14:hiddenLine xmlns:a14="http://schemas.microsoft.com/office/drawing/2010/main" xmlns:p14="http://schemas.microsoft.com/office/powerpoint/2010/main" xmlns:a16="http://schemas.microsoft.com/office/drawing/2014/main" xmlns="" w="9525">
+                <a14:hiddenLine xmlns="" xmlns:a16="http://schemas.microsoft.com/office/drawing/2014/main" xmlns:p14="http://schemas.microsoft.com/office/powerpoint/2010/main" xmlns:a14="http://schemas.microsoft.com/office/drawing/2010/main" w="9525">
                   <a:solidFill>
                     <a:srgbClr val="000000"/>
                   </a:solidFill>
@@ -18998,7 +18967,7 @@
             </a:ln>
             <a:extLst>
               <a:ext uri="{91240B29-F687-4f45-9708-019B960494DF}">
-                <a14:hiddenLine xmlns:a14="http://schemas.microsoft.com/office/drawing/2010/main" xmlns:p14="http://schemas.microsoft.com/office/powerpoint/2010/main" xmlns:a16="http://schemas.microsoft.com/office/drawing/2014/main" xmlns="" w="9525">
+                <a14:hiddenLine xmlns="" xmlns:a16="http://schemas.microsoft.com/office/drawing/2014/main" xmlns:p14="http://schemas.microsoft.com/office/powerpoint/2010/main" xmlns:a14="http://schemas.microsoft.com/office/drawing/2010/main" w="9525">
                   <a:solidFill>
                     <a:srgbClr val="000000"/>
                   </a:solidFill>
@@ -19103,7 +19072,7 @@
             </a:ln>
             <a:extLst>
               <a:ext uri="{91240B29-F687-4f45-9708-019B960494DF}">
-                <a14:hiddenLine xmlns:a14="http://schemas.microsoft.com/office/drawing/2010/main" xmlns:p14="http://schemas.microsoft.com/office/powerpoint/2010/main" xmlns:a16="http://schemas.microsoft.com/office/drawing/2014/main" xmlns="" w="9525">
+                <a14:hiddenLine xmlns="" xmlns:a16="http://schemas.microsoft.com/office/drawing/2014/main" xmlns:p14="http://schemas.microsoft.com/office/powerpoint/2010/main" xmlns:a14="http://schemas.microsoft.com/office/drawing/2010/main" w="9525">
                   <a:solidFill>
                     <a:srgbClr val="000000"/>
                   </a:solidFill>
@@ -19208,7 +19177,7 @@
             </a:ln>
             <a:extLst>
               <a:ext uri="{91240B29-F687-4f45-9708-019B960494DF}">
-                <a14:hiddenLine xmlns:a14="http://schemas.microsoft.com/office/drawing/2010/main" xmlns:p14="http://schemas.microsoft.com/office/powerpoint/2010/main" xmlns:a16="http://schemas.microsoft.com/office/drawing/2014/main" xmlns="" w="9525">
+                <a14:hiddenLine xmlns="" xmlns:a16="http://schemas.microsoft.com/office/drawing/2014/main" xmlns:p14="http://schemas.microsoft.com/office/powerpoint/2010/main" xmlns:a14="http://schemas.microsoft.com/office/drawing/2010/main" w="9525">
                   <a:solidFill>
                     <a:srgbClr val="000000"/>
                   </a:solidFill>
@@ -19288,7 +19257,7 @@
             </a:ln>
             <a:extLst>
               <a:ext uri="{91240B29-F687-4f45-9708-019B960494DF}">
-                <a14:hiddenLine xmlns:a14="http://schemas.microsoft.com/office/drawing/2010/main" xmlns:p14="http://schemas.microsoft.com/office/powerpoint/2010/main" xmlns:a16="http://schemas.microsoft.com/office/drawing/2014/main" xmlns="" w="9525">
+                <a14:hiddenLine xmlns="" xmlns:a16="http://schemas.microsoft.com/office/drawing/2014/main" xmlns:p14="http://schemas.microsoft.com/office/powerpoint/2010/main" xmlns:a14="http://schemas.microsoft.com/office/drawing/2010/main" w="9525">
                   <a:solidFill>
                     <a:srgbClr val="000000"/>
                   </a:solidFill>
@@ -19423,7 +19392,7 @@
             </a:ln>
             <a:extLst>
               <a:ext uri="{91240B29-F687-4f45-9708-019B960494DF}">
-                <a14:hiddenLine xmlns:a14="http://schemas.microsoft.com/office/drawing/2010/main" xmlns:p14="http://schemas.microsoft.com/office/powerpoint/2010/main" xmlns:a16="http://schemas.microsoft.com/office/drawing/2014/main" xmlns="" w="9525">
+                <a14:hiddenLine xmlns="" xmlns:a16="http://schemas.microsoft.com/office/drawing/2014/main" xmlns:p14="http://schemas.microsoft.com/office/powerpoint/2010/main" xmlns:a14="http://schemas.microsoft.com/office/drawing/2010/main" w="9525">
                   <a:solidFill>
                     <a:srgbClr val="000000"/>
                   </a:solidFill>
@@ -20048,7 +20017,7 @@
           <a:noFill/>
           <a:extLst>
             <a:ext uri="{909E8E84-426E-40dd-AFC4-6F175D3DCCD1}">
-              <a14:hiddenFill xmlns="" xmlns:a16="http://schemas.microsoft.com/office/drawing/2014/main" xmlns:p14="http://schemas.microsoft.com/office/powerpoint/2010/main" xmlns:a14="http://schemas.microsoft.com/office/drawing/2010/main">
+              <a14:hiddenFill xmlns:a14="http://schemas.microsoft.com/office/drawing/2010/main" xmlns:p14="http://schemas.microsoft.com/office/powerpoint/2010/main" xmlns:a16="http://schemas.microsoft.com/office/drawing/2014/main" xmlns="">
                 <a:solidFill>
                   <a:srgbClr val="FFFFFF"/>
                 </a:solidFill>
@@ -20176,7 +20145,7 @@
             </a:ln>
             <a:extLst>
               <a:ext uri="{91240B29-F687-4f45-9708-019B960494DF}">
-                <a14:hiddenLine xmlns="" xmlns:a16="http://schemas.microsoft.com/office/drawing/2014/main" xmlns:p14="http://schemas.microsoft.com/office/powerpoint/2010/main" xmlns:a14="http://schemas.microsoft.com/office/drawing/2010/main" w="9525">
+                <a14:hiddenLine xmlns:a14="http://schemas.microsoft.com/office/drawing/2010/main" xmlns:p14="http://schemas.microsoft.com/office/powerpoint/2010/main" xmlns:a16="http://schemas.microsoft.com/office/drawing/2014/main" xmlns="" w="9525">
                   <a:solidFill>
                     <a:srgbClr val="000000"/>
                   </a:solidFill>
@@ -20281,7 +20250,7 @@
             </a:ln>
             <a:extLst>
               <a:ext uri="{91240B29-F687-4f45-9708-019B960494DF}">
-                <a14:hiddenLine xmlns="" xmlns:a16="http://schemas.microsoft.com/office/drawing/2014/main" xmlns:p14="http://schemas.microsoft.com/office/powerpoint/2010/main" xmlns:a14="http://schemas.microsoft.com/office/drawing/2010/main" w="9525">
+                <a14:hiddenLine xmlns:a14="http://schemas.microsoft.com/office/drawing/2010/main" xmlns:p14="http://schemas.microsoft.com/office/powerpoint/2010/main" xmlns:a16="http://schemas.microsoft.com/office/drawing/2014/main" xmlns="" w="9525">
                   <a:solidFill>
                     <a:srgbClr val="000000"/>
                   </a:solidFill>
@@ -20386,7 +20355,7 @@
             </a:ln>
             <a:extLst>
               <a:ext uri="{91240B29-F687-4f45-9708-019B960494DF}">
-                <a14:hiddenLine xmlns="" xmlns:a16="http://schemas.microsoft.com/office/drawing/2014/main" xmlns:p14="http://schemas.microsoft.com/office/powerpoint/2010/main" xmlns:a14="http://schemas.microsoft.com/office/drawing/2010/main" w="9525">
+                <a14:hiddenLine xmlns:a14="http://schemas.microsoft.com/office/drawing/2010/main" xmlns:p14="http://schemas.microsoft.com/office/powerpoint/2010/main" xmlns:a16="http://schemas.microsoft.com/office/drawing/2014/main" xmlns="" w="9525">
                   <a:solidFill>
                     <a:srgbClr val="000000"/>
                   </a:solidFill>
@@ -20463,7 +20432,7 @@
             </a:ln>
             <a:extLst>
               <a:ext uri="{91240B29-F687-4f45-9708-019B960494DF}">
-                <a14:hiddenLine xmlns="" xmlns:a16="http://schemas.microsoft.com/office/drawing/2014/main" xmlns:p14="http://schemas.microsoft.com/office/powerpoint/2010/main" xmlns:a14="http://schemas.microsoft.com/office/drawing/2010/main" w="9525">
+                <a14:hiddenLine xmlns:a14="http://schemas.microsoft.com/office/drawing/2010/main" xmlns:p14="http://schemas.microsoft.com/office/powerpoint/2010/main" xmlns:a16="http://schemas.microsoft.com/office/drawing/2014/main" xmlns="" w="9525">
                   <a:solidFill>
                     <a:srgbClr val="000000"/>
                   </a:solidFill>
@@ -20568,7 +20537,7 @@
             </a:ln>
             <a:extLst>
               <a:ext uri="{91240B29-F687-4f45-9708-019B960494DF}">
-                <a14:hiddenLine xmlns="" xmlns:a16="http://schemas.microsoft.com/office/drawing/2014/main" xmlns:p14="http://schemas.microsoft.com/office/powerpoint/2010/main" xmlns:a14="http://schemas.microsoft.com/office/drawing/2010/main" w="9525">
+                <a14:hiddenLine xmlns:a14="http://schemas.microsoft.com/office/drawing/2010/main" xmlns:p14="http://schemas.microsoft.com/office/powerpoint/2010/main" xmlns:a16="http://schemas.microsoft.com/office/drawing/2014/main" xmlns="" w="9525">
                   <a:solidFill>
                     <a:srgbClr val="000000"/>
                   </a:solidFill>
@@ -20645,7 +20614,7 @@
             </a:ln>
             <a:extLst>
               <a:ext uri="{91240B29-F687-4f45-9708-019B960494DF}">
-                <a14:hiddenLine xmlns="" xmlns:a16="http://schemas.microsoft.com/office/drawing/2014/main" xmlns:p14="http://schemas.microsoft.com/office/powerpoint/2010/main" xmlns:a14="http://schemas.microsoft.com/office/drawing/2010/main" w="9525">
+                <a14:hiddenLine xmlns:a14="http://schemas.microsoft.com/office/drawing/2010/main" xmlns:p14="http://schemas.microsoft.com/office/powerpoint/2010/main" xmlns:a16="http://schemas.microsoft.com/office/drawing/2014/main" xmlns="" w="9525">
                   <a:solidFill>
                     <a:srgbClr val="000000"/>
                   </a:solidFill>
@@ -20722,7 +20691,7 @@
             </a:ln>
             <a:extLst>
               <a:ext uri="{91240B29-F687-4f45-9708-019B960494DF}">
-                <a14:hiddenLine xmlns="" xmlns:a16="http://schemas.microsoft.com/office/drawing/2014/main" xmlns:p14="http://schemas.microsoft.com/office/powerpoint/2010/main" xmlns:a14="http://schemas.microsoft.com/office/drawing/2010/main" w="9525">
+                <a14:hiddenLine xmlns:a14="http://schemas.microsoft.com/office/drawing/2010/main" xmlns:p14="http://schemas.microsoft.com/office/powerpoint/2010/main" xmlns:a16="http://schemas.microsoft.com/office/drawing/2014/main" xmlns="" w="9525">
                   <a:solidFill>
                     <a:srgbClr val="000000"/>
                   </a:solidFill>
@@ -20827,7 +20796,7 @@
             </a:ln>
             <a:extLst>
               <a:ext uri="{91240B29-F687-4f45-9708-019B960494DF}">
-                <a14:hiddenLine xmlns="" xmlns:a16="http://schemas.microsoft.com/office/drawing/2014/main" xmlns:p14="http://schemas.microsoft.com/office/powerpoint/2010/main" xmlns:a14="http://schemas.microsoft.com/office/drawing/2010/main" w="9525">
+                <a14:hiddenLine xmlns:a14="http://schemas.microsoft.com/office/drawing/2010/main" xmlns:p14="http://schemas.microsoft.com/office/powerpoint/2010/main" xmlns:a16="http://schemas.microsoft.com/office/drawing/2014/main" xmlns="" w="9525">
                   <a:solidFill>
                     <a:srgbClr val="000000"/>
                   </a:solidFill>
@@ -20932,7 +20901,7 @@
             </a:ln>
             <a:extLst>
               <a:ext uri="{91240B29-F687-4f45-9708-019B960494DF}">
-                <a14:hiddenLine xmlns="" xmlns:a16="http://schemas.microsoft.com/office/drawing/2014/main" xmlns:p14="http://schemas.microsoft.com/office/powerpoint/2010/main" xmlns:a14="http://schemas.microsoft.com/office/drawing/2010/main" w="9525">
+                <a14:hiddenLine xmlns:a14="http://schemas.microsoft.com/office/drawing/2010/main" xmlns:p14="http://schemas.microsoft.com/office/powerpoint/2010/main" xmlns:a16="http://schemas.microsoft.com/office/drawing/2014/main" xmlns="" w="9525">
                   <a:solidFill>
                     <a:srgbClr val="000000"/>
                   </a:solidFill>
@@ -21009,7 +20978,7 @@
             </a:ln>
             <a:extLst>
               <a:ext uri="{91240B29-F687-4f45-9708-019B960494DF}">
-                <a14:hiddenLine xmlns="" xmlns:a16="http://schemas.microsoft.com/office/drawing/2014/main" xmlns:p14="http://schemas.microsoft.com/office/powerpoint/2010/main" xmlns:a14="http://schemas.microsoft.com/office/drawing/2010/main" w="9525">
+                <a14:hiddenLine xmlns:a14="http://schemas.microsoft.com/office/drawing/2010/main" xmlns:p14="http://schemas.microsoft.com/office/powerpoint/2010/main" xmlns:a16="http://schemas.microsoft.com/office/drawing/2014/main" xmlns="" w="9525">
                   <a:solidFill>
                     <a:srgbClr val="000000"/>
                   </a:solidFill>
@@ -21134,7 +21103,7 @@
             </a:ln>
             <a:extLst>
               <a:ext uri="{91240B29-F687-4f45-9708-019B960494DF}">
-                <a14:hiddenLine xmlns="" xmlns:a16="http://schemas.microsoft.com/office/drawing/2014/main" xmlns:p14="http://schemas.microsoft.com/office/powerpoint/2010/main" xmlns:a14="http://schemas.microsoft.com/office/drawing/2010/main" w="9525">
+                <a14:hiddenLine xmlns:a14="http://schemas.microsoft.com/office/drawing/2010/main" xmlns:p14="http://schemas.microsoft.com/office/powerpoint/2010/main" xmlns:a16="http://schemas.microsoft.com/office/drawing/2014/main" xmlns="" w="9525">
                   <a:solidFill>
                     <a:srgbClr val="000000"/>
                   </a:solidFill>
@@ -21248,7 +21217,7 @@
             </a:ln>
             <a:extLst>
               <a:ext uri="{91240B29-F687-4f45-9708-019B960494DF}">
-                <a14:hiddenLine xmlns="" xmlns:a16="http://schemas.microsoft.com/office/drawing/2014/main" xmlns:p14="http://schemas.microsoft.com/office/powerpoint/2010/main" xmlns:a14="http://schemas.microsoft.com/office/drawing/2010/main" w="9525">
+                <a14:hiddenLine xmlns:a14="http://schemas.microsoft.com/office/drawing/2010/main" xmlns:p14="http://schemas.microsoft.com/office/powerpoint/2010/main" xmlns:a16="http://schemas.microsoft.com/office/drawing/2014/main" xmlns="" w="9525">
                   <a:solidFill>
                     <a:srgbClr val="000000"/>
                   </a:solidFill>
@@ -21325,7 +21294,7 @@
             </a:ln>
             <a:extLst>
               <a:ext uri="{91240B29-F687-4f45-9708-019B960494DF}">
-                <a14:hiddenLine xmlns="" xmlns:a16="http://schemas.microsoft.com/office/drawing/2014/main" xmlns:p14="http://schemas.microsoft.com/office/powerpoint/2010/main" xmlns:a14="http://schemas.microsoft.com/office/drawing/2010/main" w="9525">
+                <a14:hiddenLine xmlns:a14="http://schemas.microsoft.com/office/drawing/2010/main" xmlns:p14="http://schemas.microsoft.com/office/powerpoint/2010/main" xmlns:a16="http://schemas.microsoft.com/office/drawing/2014/main" xmlns="" w="9525">
                   <a:solidFill>
                     <a:srgbClr val="000000"/>
                   </a:solidFill>
@@ -21402,7 +21371,7 @@
             </a:ln>
             <a:extLst>
               <a:ext uri="{91240B29-F687-4f45-9708-019B960494DF}">
-                <a14:hiddenLine xmlns="" xmlns:a16="http://schemas.microsoft.com/office/drawing/2014/main" xmlns:p14="http://schemas.microsoft.com/office/powerpoint/2010/main" xmlns:a14="http://schemas.microsoft.com/office/drawing/2010/main" w="9525">
+                <a14:hiddenLine xmlns:a14="http://schemas.microsoft.com/office/drawing/2010/main" xmlns:p14="http://schemas.microsoft.com/office/powerpoint/2010/main" xmlns:a16="http://schemas.microsoft.com/office/drawing/2014/main" xmlns="" w="9525">
                   <a:solidFill>
                     <a:srgbClr val="000000"/>
                   </a:solidFill>
@@ -21507,7 +21476,7 @@
             </a:ln>
             <a:extLst>
               <a:ext uri="{91240B29-F687-4f45-9708-019B960494DF}">
-                <a14:hiddenLine xmlns="" xmlns:a16="http://schemas.microsoft.com/office/drawing/2014/main" xmlns:p14="http://schemas.microsoft.com/office/powerpoint/2010/main" xmlns:a14="http://schemas.microsoft.com/office/drawing/2010/main" w="9525">
+                <a14:hiddenLine xmlns:a14="http://schemas.microsoft.com/office/drawing/2010/main" xmlns:p14="http://schemas.microsoft.com/office/powerpoint/2010/main" xmlns:a16="http://schemas.microsoft.com/office/drawing/2014/main" xmlns="" w="9525">
                   <a:solidFill>
                     <a:srgbClr val="000000"/>
                   </a:solidFill>
@@ -21556,7 +21525,7 @@
             </a:ln>
             <a:extLst>
               <a:ext uri="{91240B29-F687-4f45-9708-019B960494DF}">
-                <a14:hiddenLine xmlns="" xmlns:a16="http://schemas.microsoft.com/office/drawing/2014/main" xmlns:p14="http://schemas.microsoft.com/office/powerpoint/2010/main" xmlns:a14="http://schemas.microsoft.com/office/drawing/2010/main" w="9525">
+                <a14:hiddenLine xmlns:a14="http://schemas.microsoft.com/office/drawing/2010/main" xmlns:p14="http://schemas.microsoft.com/office/powerpoint/2010/main" xmlns:a16="http://schemas.microsoft.com/office/drawing/2014/main" xmlns="" w="9525">
                   <a:solidFill>
                     <a:srgbClr val="000000"/>
                   </a:solidFill>
@@ -21636,7 +21605,7 @@
             </a:ln>
             <a:extLst>
               <a:ext uri="{91240B29-F687-4f45-9708-019B960494DF}">
-                <a14:hiddenLine xmlns="" xmlns:a16="http://schemas.microsoft.com/office/drawing/2014/main" xmlns:p14="http://schemas.microsoft.com/office/powerpoint/2010/main" xmlns:a14="http://schemas.microsoft.com/office/drawing/2010/main" w="9525">
+                <a14:hiddenLine xmlns:a14="http://schemas.microsoft.com/office/drawing/2010/main" xmlns:p14="http://schemas.microsoft.com/office/powerpoint/2010/main" xmlns:a16="http://schemas.microsoft.com/office/drawing/2014/main" xmlns="" w="9525">
                   <a:solidFill>
                     <a:srgbClr val="000000"/>
                   </a:solidFill>
@@ -21741,7 +21710,7 @@
             </a:ln>
             <a:extLst>
               <a:ext uri="{91240B29-F687-4f45-9708-019B960494DF}">
-                <a14:hiddenLine xmlns="" xmlns:a16="http://schemas.microsoft.com/office/drawing/2014/main" xmlns:p14="http://schemas.microsoft.com/office/powerpoint/2010/main" xmlns:a14="http://schemas.microsoft.com/office/drawing/2010/main" w="9525">
+                <a14:hiddenLine xmlns:a14="http://schemas.microsoft.com/office/drawing/2010/main" xmlns:p14="http://schemas.microsoft.com/office/powerpoint/2010/main" xmlns:a16="http://schemas.microsoft.com/office/drawing/2014/main" xmlns="" w="9525">
                   <a:solidFill>
                     <a:srgbClr val="000000"/>
                   </a:solidFill>
@@ -21818,7 +21787,7 @@
             </a:ln>
             <a:extLst>
               <a:ext uri="{91240B29-F687-4f45-9708-019B960494DF}">
-                <a14:hiddenLine xmlns="" xmlns:a16="http://schemas.microsoft.com/office/drawing/2014/main" xmlns:p14="http://schemas.microsoft.com/office/powerpoint/2010/main" xmlns:a14="http://schemas.microsoft.com/office/drawing/2010/main" w="9525">
+                <a14:hiddenLine xmlns:a14="http://schemas.microsoft.com/office/drawing/2010/main" xmlns:p14="http://schemas.microsoft.com/office/powerpoint/2010/main" xmlns:a16="http://schemas.microsoft.com/office/drawing/2014/main" xmlns="" w="9525">
                   <a:solidFill>
                     <a:srgbClr val="000000"/>
                   </a:solidFill>
@@ -21923,7 +21892,7 @@
             </a:ln>
             <a:extLst>
               <a:ext uri="{91240B29-F687-4f45-9708-019B960494DF}">
-                <a14:hiddenLine xmlns="" xmlns:a16="http://schemas.microsoft.com/office/drawing/2014/main" xmlns:p14="http://schemas.microsoft.com/office/powerpoint/2010/main" xmlns:a14="http://schemas.microsoft.com/office/drawing/2010/main" w="9525">
+                <a14:hiddenLine xmlns:a14="http://schemas.microsoft.com/office/drawing/2010/main" xmlns:p14="http://schemas.microsoft.com/office/powerpoint/2010/main" xmlns:a16="http://schemas.microsoft.com/office/drawing/2014/main" xmlns="" w="9525">
                   <a:solidFill>
                     <a:srgbClr val="000000"/>
                   </a:solidFill>
@@ -22003,7 +21972,7 @@
             </a:ln>
             <a:extLst>
               <a:ext uri="{91240B29-F687-4f45-9708-019B960494DF}">
-                <a14:hiddenLine xmlns="" xmlns:a16="http://schemas.microsoft.com/office/drawing/2014/main" xmlns:p14="http://schemas.microsoft.com/office/powerpoint/2010/main" xmlns:a14="http://schemas.microsoft.com/office/drawing/2010/main" w="9525">
+                <a14:hiddenLine xmlns:a14="http://schemas.microsoft.com/office/drawing/2010/main" xmlns:p14="http://schemas.microsoft.com/office/powerpoint/2010/main" xmlns:a16="http://schemas.microsoft.com/office/drawing/2014/main" xmlns="" w="9525">
                   <a:solidFill>
                     <a:srgbClr val="000000"/>
                   </a:solidFill>
@@ -22080,7 +22049,7 @@
             </a:ln>
             <a:extLst>
               <a:ext uri="{91240B29-F687-4f45-9708-019B960494DF}">
-                <a14:hiddenLine xmlns="" xmlns:a16="http://schemas.microsoft.com/office/drawing/2014/main" xmlns:p14="http://schemas.microsoft.com/office/powerpoint/2010/main" xmlns:a14="http://schemas.microsoft.com/office/drawing/2010/main" w="9525">
+                <a14:hiddenLine xmlns:a14="http://schemas.microsoft.com/office/drawing/2010/main" xmlns:p14="http://schemas.microsoft.com/office/powerpoint/2010/main" xmlns:a16="http://schemas.microsoft.com/office/drawing/2014/main" xmlns="" w="9525">
                   <a:solidFill>
                     <a:srgbClr val="000000"/>
                   </a:solidFill>
@@ -22185,7 +22154,7 @@
             </a:ln>
             <a:extLst>
               <a:ext uri="{91240B29-F687-4f45-9708-019B960494DF}">
-                <a14:hiddenLine xmlns="" xmlns:a16="http://schemas.microsoft.com/office/drawing/2014/main" xmlns:p14="http://schemas.microsoft.com/office/powerpoint/2010/main" xmlns:a14="http://schemas.microsoft.com/office/drawing/2010/main" w="9525">
+                <a14:hiddenLine xmlns:a14="http://schemas.microsoft.com/office/drawing/2010/main" xmlns:p14="http://schemas.microsoft.com/office/powerpoint/2010/main" xmlns:a16="http://schemas.microsoft.com/office/drawing/2014/main" xmlns="" w="9525">
                   <a:solidFill>
                     <a:srgbClr val="000000"/>
                   </a:solidFill>
@@ -22290,7 +22259,7 @@
             </a:ln>
             <a:extLst>
               <a:ext uri="{91240B29-F687-4f45-9708-019B960494DF}">
-                <a14:hiddenLine xmlns="" xmlns:a16="http://schemas.microsoft.com/office/drawing/2014/main" xmlns:p14="http://schemas.microsoft.com/office/powerpoint/2010/main" xmlns:a14="http://schemas.microsoft.com/office/drawing/2010/main" w="9525">
+                <a14:hiddenLine xmlns:a14="http://schemas.microsoft.com/office/drawing/2010/main" xmlns:p14="http://schemas.microsoft.com/office/powerpoint/2010/main" xmlns:a16="http://schemas.microsoft.com/office/drawing/2014/main" xmlns="" w="9525">
                   <a:solidFill>
                     <a:srgbClr val="000000"/>
                   </a:solidFill>
@@ -22370,7 +22339,7 @@
             </a:ln>
             <a:extLst>
               <a:ext uri="{91240B29-F687-4f45-9708-019B960494DF}">
-                <a14:hiddenLine xmlns="" xmlns:a16="http://schemas.microsoft.com/office/drawing/2014/main" xmlns:p14="http://schemas.microsoft.com/office/powerpoint/2010/main" xmlns:a14="http://schemas.microsoft.com/office/drawing/2010/main" w="9525">
+                <a14:hiddenLine xmlns:a14="http://schemas.microsoft.com/office/drawing/2010/main" xmlns:p14="http://schemas.microsoft.com/office/powerpoint/2010/main" xmlns:a16="http://schemas.microsoft.com/office/drawing/2014/main" xmlns="" w="9525">
                   <a:solidFill>
                     <a:srgbClr val="000000"/>
                   </a:solidFill>
@@ -22505,7 +22474,7 @@
             </a:ln>
             <a:extLst>
               <a:ext uri="{91240B29-F687-4f45-9708-019B960494DF}">
-                <a14:hiddenLine xmlns="" xmlns:a16="http://schemas.microsoft.com/office/drawing/2014/main" xmlns:p14="http://schemas.microsoft.com/office/powerpoint/2010/main" xmlns:a14="http://schemas.microsoft.com/office/drawing/2010/main" w="9525">
+                <a14:hiddenLine xmlns:a14="http://schemas.microsoft.com/office/drawing/2010/main" xmlns:p14="http://schemas.microsoft.com/office/powerpoint/2010/main" xmlns:a16="http://schemas.microsoft.com/office/drawing/2014/main" xmlns="" w="9525">
                   <a:solidFill>
                     <a:srgbClr val="000000"/>
                   </a:solidFill>
@@ -23047,7 +23016,7 @@
           <a:noFill/>
           <a:extLst>
             <a:ext uri="{909E8E84-426E-40dd-AFC4-6F175D3DCCD1}">
-              <a14:hiddenFill xmlns="" xmlns:a16="http://schemas.microsoft.com/office/drawing/2014/main" xmlns:p14="http://schemas.microsoft.com/office/powerpoint/2010/main" xmlns:a14="http://schemas.microsoft.com/office/drawing/2010/main">
+              <a14:hiddenFill xmlns:a14="http://schemas.microsoft.com/office/drawing/2010/main" xmlns:p14="http://schemas.microsoft.com/office/powerpoint/2010/main" xmlns:a16="http://schemas.microsoft.com/office/drawing/2014/main" xmlns="">
                 <a:solidFill>
                   <a:srgbClr val="FFFFFF"/>
                 </a:solidFill>
@@ -23180,7 +23149,7 @@
             </a:ln>
             <a:extLst>
               <a:ext uri="{91240B29-F687-4f45-9708-019B960494DF}">
-                <a14:hiddenLine xmlns="" xmlns:a16="http://schemas.microsoft.com/office/drawing/2014/main" xmlns:p14="http://schemas.microsoft.com/office/powerpoint/2010/main" xmlns:a14="http://schemas.microsoft.com/office/drawing/2010/main" w="9525">
+                <a14:hiddenLine xmlns:a14="http://schemas.microsoft.com/office/drawing/2010/main" xmlns:p14="http://schemas.microsoft.com/office/powerpoint/2010/main" xmlns:a16="http://schemas.microsoft.com/office/drawing/2014/main" xmlns="" w="9525">
                   <a:solidFill>
                     <a:srgbClr val="000000"/>
                   </a:solidFill>
@@ -23285,7 +23254,7 @@
             </a:ln>
             <a:extLst>
               <a:ext uri="{91240B29-F687-4f45-9708-019B960494DF}">
-                <a14:hiddenLine xmlns="" xmlns:a16="http://schemas.microsoft.com/office/drawing/2014/main" xmlns:p14="http://schemas.microsoft.com/office/powerpoint/2010/main" xmlns:a14="http://schemas.microsoft.com/office/drawing/2010/main" w="9525">
+                <a14:hiddenLine xmlns:a14="http://schemas.microsoft.com/office/drawing/2010/main" xmlns:p14="http://schemas.microsoft.com/office/powerpoint/2010/main" xmlns:a16="http://schemas.microsoft.com/office/drawing/2014/main" xmlns="" w="9525">
                   <a:solidFill>
                     <a:srgbClr val="000000"/>
                   </a:solidFill>
@@ -23390,7 +23359,7 @@
             </a:ln>
             <a:extLst>
               <a:ext uri="{91240B29-F687-4f45-9708-019B960494DF}">
-                <a14:hiddenLine xmlns="" xmlns:a16="http://schemas.microsoft.com/office/drawing/2014/main" xmlns:p14="http://schemas.microsoft.com/office/powerpoint/2010/main" xmlns:a14="http://schemas.microsoft.com/office/drawing/2010/main" w="9525">
+                <a14:hiddenLine xmlns:a14="http://schemas.microsoft.com/office/drawing/2010/main" xmlns:p14="http://schemas.microsoft.com/office/powerpoint/2010/main" xmlns:a16="http://schemas.microsoft.com/office/drawing/2014/main" xmlns="" w="9525">
                   <a:solidFill>
                     <a:srgbClr val="000000"/>
                   </a:solidFill>
@@ -23467,7 +23436,7 @@
             </a:ln>
             <a:extLst>
               <a:ext uri="{91240B29-F687-4f45-9708-019B960494DF}">
-                <a14:hiddenLine xmlns="" xmlns:a16="http://schemas.microsoft.com/office/drawing/2014/main" xmlns:p14="http://schemas.microsoft.com/office/powerpoint/2010/main" xmlns:a14="http://schemas.microsoft.com/office/drawing/2010/main" w="9525">
+                <a14:hiddenLine xmlns:a14="http://schemas.microsoft.com/office/drawing/2010/main" xmlns:p14="http://schemas.microsoft.com/office/powerpoint/2010/main" xmlns:a16="http://schemas.microsoft.com/office/drawing/2014/main" xmlns="" w="9525">
                   <a:solidFill>
                     <a:srgbClr val="000000"/>
                   </a:solidFill>
@@ -23572,7 +23541,7 @@
             </a:ln>
             <a:extLst>
               <a:ext uri="{91240B29-F687-4f45-9708-019B960494DF}">
-                <a14:hiddenLine xmlns="" xmlns:a16="http://schemas.microsoft.com/office/drawing/2014/main" xmlns:p14="http://schemas.microsoft.com/office/powerpoint/2010/main" xmlns:a14="http://schemas.microsoft.com/office/drawing/2010/main" w="9525">
+                <a14:hiddenLine xmlns:a14="http://schemas.microsoft.com/office/drawing/2010/main" xmlns:p14="http://schemas.microsoft.com/office/powerpoint/2010/main" xmlns:a16="http://schemas.microsoft.com/office/drawing/2014/main" xmlns="" w="9525">
                   <a:solidFill>
                     <a:srgbClr val="000000"/>
                   </a:solidFill>
@@ -23649,7 +23618,7 @@
             </a:ln>
             <a:extLst>
               <a:ext uri="{91240B29-F687-4f45-9708-019B960494DF}">
-                <a14:hiddenLine xmlns="" xmlns:a16="http://schemas.microsoft.com/office/drawing/2014/main" xmlns:p14="http://schemas.microsoft.com/office/powerpoint/2010/main" xmlns:a14="http://schemas.microsoft.com/office/drawing/2010/main" w="9525">
+                <a14:hiddenLine xmlns:a14="http://schemas.microsoft.com/office/drawing/2010/main" xmlns:p14="http://schemas.microsoft.com/office/powerpoint/2010/main" xmlns:a16="http://schemas.microsoft.com/office/drawing/2014/main" xmlns="" w="9525">
                   <a:solidFill>
                     <a:srgbClr val="000000"/>
                   </a:solidFill>
@@ -23726,7 +23695,7 @@
             </a:ln>
             <a:extLst>
               <a:ext uri="{91240B29-F687-4f45-9708-019B960494DF}">
-                <a14:hiddenLine xmlns="" xmlns:a16="http://schemas.microsoft.com/office/drawing/2014/main" xmlns:p14="http://schemas.microsoft.com/office/powerpoint/2010/main" xmlns:a14="http://schemas.microsoft.com/office/drawing/2010/main" w="9525">
+                <a14:hiddenLine xmlns:a14="http://schemas.microsoft.com/office/drawing/2010/main" xmlns:p14="http://schemas.microsoft.com/office/powerpoint/2010/main" xmlns:a16="http://schemas.microsoft.com/office/drawing/2014/main" xmlns="" w="9525">
                   <a:solidFill>
                     <a:srgbClr val="000000"/>
                   </a:solidFill>
@@ -23831,7 +23800,7 @@
             </a:ln>
             <a:extLst>
               <a:ext uri="{91240B29-F687-4f45-9708-019B960494DF}">
-                <a14:hiddenLine xmlns="" xmlns:a16="http://schemas.microsoft.com/office/drawing/2014/main" xmlns:p14="http://schemas.microsoft.com/office/powerpoint/2010/main" xmlns:a14="http://schemas.microsoft.com/office/drawing/2010/main" w="9525">
+                <a14:hiddenLine xmlns:a14="http://schemas.microsoft.com/office/drawing/2010/main" xmlns:p14="http://schemas.microsoft.com/office/powerpoint/2010/main" xmlns:a16="http://schemas.microsoft.com/office/drawing/2014/main" xmlns="" w="9525">
                   <a:solidFill>
                     <a:srgbClr val="000000"/>
                   </a:solidFill>
@@ -23936,7 +23905,7 @@
             </a:ln>
             <a:extLst>
               <a:ext uri="{91240B29-F687-4f45-9708-019B960494DF}">
-                <a14:hiddenLine xmlns="" xmlns:a16="http://schemas.microsoft.com/office/drawing/2014/main" xmlns:p14="http://schemas.microsoft.com/office/powerpoint/2010/main" xmlns:a14="http://schemas.microsoft.com/office/drawing/2010/main" w="9525">
+                <a14:hiddenLine xmlns:a14="http://schemas.microsoft.com/office/drawing/2010/main" xmlns:p14="http://schemas.microsoft.com/office/powerpoint/2010/main" xmlns:a16="http://schemas.microsoft.com/office/drawing/2014/main" xmlns="" w="9525">
                   <a:solidFill>
                     <a:srgbClr val="000000"/>
                   </a:solidFill>
@@ -24013,7 +23982,7 @@
             </a:ln>
             <a:extLst>
               <a:ext uri="{91240B29-F687-4f45-9708-019B960494DF}">
-                <a14:hiddenLine xmlns="" xmlns:a16="http://schemas.microsoft.com/office/drawing/2014/main" xmlns:p14="http://schemas.microsoft.com/office/powerpoint/2010/main" xmlns:a14="http://schemas.microsoft.com/office/drawing/2010/main" w="9525">
+                <a14:hiddenLine xmlns:a14="http://schemas.microsoft.com/office/drawing/2010/main" xmlns:p14="http://schemas.microsoft.com/office/powerpoint/2010/main" xmlns:a16="http://schemas.microsoft.com/office/drawing/2014/main" xmlns="" w="9525">
                   <a:solidFill>
                     <a:srgbClr val="000000"/>
                   </a:solidFill>
@@ -24138,7 +24107,7 @@
             </a:ln>
             <a:extLst>
               <a:ext uri="{91240B29-F687-4f45-9708-019B960494DF}">
-                <a14:hiddenLine xmlns="" xmlns:a16="http://schemas.microsoft.com/office/drawing/2014/main" xmlns:p14="http://schemas.microsoft.com/office/powerpoint/2010/main" xmlns:a14="http://schemas.microsoft.com/office/drawing/2010/main" w="9525">
+                <a14:hiddenLine xmlns:a14="http://schemas.microsoft.com/office/drawing/2010/main" xmlns:p14="http://schemas.microsoft.com/office/powerpoint/2010/main" xmlns:a16="http://schemas.microsoft.com/office/drawing/2014/main" xmlns="" w="9525">
                   <a:solidFill>
                     <a:srgbClr val="000000"/>
                   </a:solidFill>
@@ -24252,7 +24221,7 @@
             </a:ln>
             <a:extLst>
               <a:ext uri="{91240B29-F687-4f45-9708-019B960494DF}">
-                <a14:hiddenLine xmlns="" xmlns:a16="http://schemas.microsoft.com/office/drawing/2014/main" xmlns:p14="http://schemas.microsoft.com/office/powerpoint/2010/main" xmlns:a14="http://schemas.microsoft.com/office/drawing/2010/main" w="9525">
+                <a14:hiddenLine xmlns:a14="http://schemas.microsoft.com/office/drawing/2010/main" xmlns:p14="http://schemas.microsoft.com/office/powerpoint/2010/main" xmlns:a16="http://schemas.microsoft.com/office/drawing/2014/main" xmlns="" w="9525">
                   <a:solidFill>
                     <a:srgbClr val="000000"/>
                   </a:solidFill>
@@ -24329,7 +24298,7 @@
             </a:ln>
             <a:extLst>
               <a:ext uri="{91240B29-F687-4f45-9708-019B960494DF}">
-                <a14:hiddenLine xmlns="" xmlns:a16="http://schemas.microsoft.com/office/drawing/2014/main" xmlns:p14="http://schemas.microsoft.com/office/powerpoint/2010/main" xmlns:a14="http://schemas.microsoft.com/office/drawing/2010/main" w="9525">
+                <a14:hiddenLine xmlns:a14="http://schemas.microsoft.com/office/drawing/2010/main" xmlns:p14="http://schemas.microsoft.com/office/powerpoint/2010/main" xmlns:a16="http://schemas.microsoft.com/office/drawing/2014/main" xmlns="" w="9525">
                   <a:solidFill>
                     <a:srgbClr val="000000"/>
                   </a:solidFill>
@@ -24406,7 +24375,7 @@
             </a:ln>
             <a:extLst>
               <a:ext uri="{91240B29-F687-4f45-9708-019B960494DF}">
-                <a14:hiddenLine xmlns="" xmlns:a16="http://schemas.microsoft.com/office/drawing/2014/main" xmlns:p14="http://schemas.microsoft.com/office/powerpoint/2010/main" xmlns:a14="http://schemas.microsoft.com/office/drawing/2010/main" w="9525">
+                <a14:hiddenLine xmlns:a14="http://schemas.microsoft.com/office/drawing/2010/main" xmlns:p14="http://schemas.microsoft.com/office/powerpoint/2010/main" xmlns:a16="http://schemas.microsoft.com/office/drawing/2014/main" xmlns="" w="9525">
                   <a:solidFill>
                     <a:srgbClr val="000000"/>
                   </a:solidFill>
@@ -24511,7 +24480,7 @@
             </a:ln>
             <a:extLst>
               <a:ext uri="{91240B29-F687-4f45-9708-019B960494DF}">
-                <a14:hiddenLine xmlns="" xmlns:a16="http://schemas.microsoft.com/office/drawing/2014/main" xmlns:p14="http://schemas.microsoft.com/office/powerpoint/2010/main" xmlns:a14="http://schemas.microsoft.com/office/drawing/2010/main" w="9525">
+                <a14:hiddenLine xmlns:a14="http://schemas.microsoft.com/office/drawing/2010/main" xmlns:p14="http://schemas.microsoft.com/office/powerpoint/2010/main" xmlns:a16="http://schemas.microsoft.com/office/drawing/2014/main" xmlns="" w="9525">
                   <a:solidFill>
                     <a:srgbClr val="000000"/>
                   </a:solidFill>
@@ -24560,7 +24529,7 @@
             </a:ln>
             <a:extLst>
               <a:ext uri="{91240B29-F687-4f45-9708-019B960494DF}">
-                <a14:hiddenLine xmlns="" xmlns:a16="http://schemas.microsoft.com/office/drawing/2014/main" xmlns:p14="http://schemas.microsoft.com/office/powerpoint/2010/main" xmlns:a14="http://schemas.microsoft.com/office/drawing/2010/main" w="9525">
+                <a14:hiddenLine xmlns:a14="http://schemas.microsoft.com/office/drawing/2010/main" xmlns:p14="http://schemas.microsoft.com/office/powerpoint/2010/main" xmlns:a16="http://schemas.microsoft.com/office/drawing/2014/main" xmlns="" w="9525">
                   <a:solidFill>
                     <a:srgbClr val="000000"/>
                   </a:solidFill>
@@ -24640,7 +24609,7 @@
             </a:ln>
             <a:extLst>
               <a:ext uri="{91240B29-F687-4f45-9708-019B960494DF}">
-                <a14:hiddenLine xmlns="" xmlns:a16="http://schemas.microsoft.com/office/drawing/2014/main" xmlns:p14="http://schemas.microsoft.com/office/powerpoint/2010/main" xmlns:a14="http://schemas.microsoft.com/office/drawing/2010/main" w="9525">
+                <a14:hiddenLine xmlns:a14="http://schemas.microsoft.com/office/drawing/2010/main" xmlns:p14="http://schemas.microsoft.com/office/powerpoint/2010/main" xmlns:a16="http://schemas.microsoft.com/office/drawing/2014/main" xmlns="" w="9525">
                   <a:solidFill>
                     <a:srgbClr val="000000"/>
                   </a:solidFill>
@@ -24745,7 +24714,7 @@
             </a:ln>
             <a:extLst>
               <a:ext uri="{91240B29-F687-4f45-9708-019B960494DF}">
-                <a14:hiddenLine xmlns="" xmlns:a16="http://schemas.microsoft.com/office/drawing/2014/main" xmlns:p14="http://schemas.microsoft.com/office/powerpoint/2010/main" xmlns:a14="http://schemas.microsoft.com/office/drawing/2010/main" w="9525">
+                <a14:hiddenLine xmlns:a14="http://schemas.microsoft.com/office/drawing/2010/main" xmlns:p14="http://schemas.microsoft.com/office/powerpoint/2010/main" xmlns:a16="http://schemas.microsoft.com/office/drawing/2014/main" xmlns="" w="9525">
                   <a:solidFill>
                     <a:srgbClr val="000000"/>
                   </a:solidFill>
@@ -24822,7 +24791,7 @@
             </a:ln>
             <a:extLst>
               <a:ext uri="{91240B29-F687-4f45-9708-019B960494DF}">
-                <a14:hiddenLine xmlns="" xmlns:a16="http://schemas.microsoft.com/office/drawing/2014/main" xmlns:p14="http://schemas.microsoft.com/office/powerpoint/2010/main" xmlns:a14="http://schemas.microsoft.com/office/drawing/2010/main" w="9525">
+                <a14:hiddenLine xmlns:a14="http://schemas.microsoft.com/office/drawing/2010/main" xmlns:p14="http://schemas.microsoft.com/office/powerpoint/2010/main" xmlns:a16="http://schemas.microsoft.com/office/drawing/2014/main" xmlns="" w="9525">
                   <a:solidFill>
                     <a:srgbClr val="000000"/>
                   </a:solidFill>
@@ -24927,7 +24896,7 @@
             </a:ln>
             <a:extLst>
               <a:ext uri="{91240B29-F687-4f45-9708-019B960494DF}">
-                <a14:hiddenLine xmlns="" xmlns:a16="http://schemas.microsoft.com/office/drawing/2014/main" xmlns:p14="http://schemas.microsoft.com/office/powerpoint/2010/main" xmlns:a14="http://schemas.microsoft.com/office/drawing/2010/main" w="9525">
+                <a14:hiddenLine xmlns:a14="http://schemas.microsoft.com/office/drawing/2010/main" xmlns:p14="http://schemas.microsoft.com/office/powerpoint/2010/main" xmlns:a16="http://schemas.microsoft.com/office/drawing/2014/main" xmlns="" w="9525">
                   <a:solidFill>
                     <a:srgbClr val="000000"/>
                   </a:solidFill>
@@ -25007,7 +24976,7 @@
             </a:ln>
             <a:extLst>
               <a:ext uri="{91240B29-F687-4f45-9708-019B960494DF}">
-                <a14:hiddenLine xmlns="" xmlns:a16="http://schemas.microsoft.com/office/drawing/2014/main" xmlns:p14="http://schemas.microsoft.com/office/powerpoint/2010/main" xmlns:a14="http://schemas.microsoft.com/office/drawing/2010/main" w="9525">
+                <a14:hiddenLine xmlns:a14="http://schemas.microsoft.com/office/drawing/2010/main" xmlns:p14="http://schemas.microsoft.com/office/powerpoint/2010/main" xmlns:a16="http://schemas.microsoft.com/office/drawing/2014/main" xmlns="" w="9525">
                   <a:solidFill>
                     <a:srgbClr val="000000"/>
                   </a:solidFill>
@@ -25084,7 +25053,7 @@
             </a:ln>
             <a:extLst>
               <a:ext uri="{91240B29-F687-4f45-9708-019B960494DF}">
-                <a14:hiddenLine xmlns="" xmlns:a16="http://schemas.microsoft.com/office/drawing/2014/main" xmlns:p14="http://schemas.microsoft.com/office/powerpoint/2010/main" xmlns:a14="http://schemas.microsoft.com/office/drawing/2010/main" w="9525">
+                <a14:hiddenLine xmlns:a14="http://schemas.microsoft.com/office/drawing/2010/main" xmlns:p14="http://schemas.microsoft.com/office/powerpoint/2010/main" xmlns:a16="http://schemas.microsoft.com/office/drawing/2014/main" xmlns="" w="9525">
                   <a:solidFill>
                     <a:srgbClr val="000000"/>
                   </a:solidFill>
@@ -25189,7 +25158,7 @@
             </a:ln>
             <a:extLst>
               <a:ext uri="{91240B29-F687-4f45-9708-019B960494DF}">
-                <a14:hiddenLine xmlns="" xmlns:a16="http://schemas.microsoft.com/office/drawing/2014/main" xmlns:p14="http://schemas.microsoft.com/office/powerpoint/2010/main" xmlns:a14="http://schemas.microsoft.com/office/drawing/2010/main" w="9525">
+                <a14:hiddenLine xmlns:a14="http://schemas.microsoft.com/office/drawing/2010/main" xmlns:p14="http://schemas.microsoft.com/office/powerpoint/2010/main" xmlns:a16="http://schemas.microsoft.com/office/drawing/2014/main" xmlns="" w="9525">
                   <a:solidFill>
                     <a:srgbClr val="000000"/>
                   </a:solidFill>
@@ -25294,7 +25263,7 @@
             </a:ln>
             <a:extLst>
               <a:ext uri="{91240B29-F687-4f45-9708-019B960494DF}">
-                <a14:hiddenLine xmlns="" xmlns:a16="http://schemas.microsoft.com/office/drawing/2014/main" xmlns:p14="http://schemas.microsoft.com/office/powerpoint/2010/main" xmlns:a14="http://schemas.microsoft.com/office/drawing/2010/main" w="9525">
+                <a14:hiddenLine xmlns:a14="http://schemas.microsoft.com/office/drawing/2010/main" xmlns:p14="http://schemas.microsoft.com/office/powerpoint/2010/main" xmlns:a16="http://schemas.microsoft.com/office/drawing/2014/main" xmlns="" w="9525">
                   <a:solidFill>
                     <a:srgbClr val="000000"/>
                   </a:solidFill>
@@ -25374,7 +25343,7 @@
             </a:ln>
             <a:extLst>
               <a:ext uri="{91240B29-F687-4f45-9708-019B960494DF}">
-                <a14:hiddenLine xmlns="" xmlns:a16="http://schemas.microsoft.com/office/drawing/2014/main" xmlns:p14="http://schemas.microsoft.com/office/powerpoint/2010/main" xmlns:a14="http://schemas.microsoft.com/office/drawing/2010/main" w="9525">
+                <a14:hiddenLine xmlns:a14="http://schemas.microsoft.com/office/drawing/2010/main" xmlns:p14="http://schemas.microsoft.com/office/powerpoint/2010/main" xmlns:a16="http://schemas.microsoft.com/office/drawing/2014/main" xmlns="" w="9525">
                   <a:solidFill>
                     <a:srgbClr val="000000"/>
                   </a:solidFill>
@@ -25509,7 +25478,7 @@
             </a:ln>
             <a:extLst>
               <a:ext uri="{91240B29-F687-4f45-9708-019B960494DF}">
-                <a14:hiddenLine xmlns="" xmlns:a16="http://schemas.microsoft.com/office/drawing/2014/main" xmlns:p14="http://schemas.microsoft.com/office/powerpoint/2010/main" xmlns:a14="http://schemas.microsoft.com/office/drawing/2010/main" w="9525">
+                <a14:hiddenLine xmlns:a14="http://schemas.microsoft.com/office/drawing/2010/main" xmlns:p14="http://schemas.microsoft.com/office/powerpoint/2010/main" xmlns:a16="http://schemas.microsoft.com/office/drawing/2014/main" xmlns="" w="9525">
                   <a:solidFill>
                     <a:srgbClr val="000000"/>
                   </a:solidFill>
@@ -26111,7 +26080,7 @@
           <a:noFill/>
           <a:extLst>
             <a:ext uri="{909E8E84-426E-40dd-AFC4-6F175D3DCCD1}">
-              <a14:hiddenFill xmlns="" xmlns:a16="http://schemas.microsoft.com/office/drawing/2014/main" xmlns:p14="http://schemas.microsoft.com/office/powerpoint/2010/main" xmlns:a14="http://schemas.microsoft.com/office/drawing/2010/main">
+              <a14:hiddenFill xmlns:a14="http://schemas.microsoft.com/office/drawing/2010/main" xmlns:p14="http://schemas.microsoft.com/office/powerpoint/2010/main" xmlns:a16="http://schemas.microsoft.com/office/drawing/2014/main" xmlns="">
                 <a:solidFill>
                   <a:srgbClr val="FFFFFF"/>
                 </a:solidFill>
@@ -26203,7 +26172,7 @@
             </a:ln>
             <a:extLst>
               <a:ext uri="{91240B29-F687-4f45-9708-019B960494DF}">
-                <a14:hiddenLine xmlns="" xmlns:a16="http://schemas.microsoft.com/office/drawing/2014/main" xmlns:p14="http://schemas.microsoft.com/office/powerpoint/2010/main" xmlns:a14="http://schemas.microsoft.com/office/drawing/2010/main" w="9525">
+                <a14:hiddenLine xmlns:a14="http://schemas.microsoft.com/office/drawing/2010/main" xmlns:p14="http://schemas.microsoft.com/office/powerpoint/2010/main" xmlns:a16="http://schemas.microsoft.com/office/drawing/2014/main" xmlns="" w="9525">
                   <a:solidFill>
                     <a:srgbClr val="000000"/>
                   </a:solidFill>
@@ -26308,7 +26277,7 @@
             </a:ln>
             <a:extLst>
               <a:ext uri="{91240B29-F687-4f45-9708-019B960494DF}">
-                <a14:hiddenLine xmlns="" xmlns:a16="http://schemas.microsoft.com/office/drawing/2014/main" xmlns:p14="http://schemas.microsoft.com/office/powerpoint/2010/main" xmlns:a14="http://schemas.microsoft.com/office/drawing/2010/main" w="9525">
+                <a14:hiddenLine xmlns:a14="http://schemas.microsoft.com/office/drawing/2010/main" xmlns:p14="http://schemas.microsoft.com/office/powerpoint/2010/main" xmlns:a16="http://schemas.microsoft.com/office/drawing/2014/main" xmlns="" w="9525">
                   <a:solidFill>
                     <a:srgbClr val="000000"/>
                   </a:solidFill>
@@ -26413,7 +26382,7 @@
             </a:ln>
             <a:extLst>
               <a:ext uri="{91240B29-F687-4f45-9708-019B960494DF}">
-                <a14:hiddenLine xmlns="" xmlns:a16="http://schemas.microsoft.com/office/drawing/2014/main" xmlns:p14="http://schemas.microsoft.com/office/powerpoint/2010/main" xmlns:a14="http://schemas.microsoft.com/office/drawing/2010/main" w="9525">
+                <a14:hiddenLine xmlns:a14="http://schemas.microsoft.com/office/drawing/2010/main" xmlns:p14="http://schemas.microsoft.com/office/powerpoint/2010/main" xmlns:a16="http://schemas.microsoft.com/office/drawing/2014/main" xmlns="" w="9525">
                   <a:solidFill>
                     <a:srgbClr val="000000"/>
                   </a:solidFill>
@@ -26490,7 +26459,7 @@
             </a:ln>
             <a:extLst>
               <a:ext uri="{91240B29-F687-4f45-9708-019B960494DF}">
-                <a14:hiddenLine xmlns="" xmlns:a16="http://schemas.microsoft.com/office/drawing/2014/main" xmlns:p14="http://schemas.microsoft.com/office/powerpoint/2010/main" xmlns:a14="http://schemas.microsoft.com/office/drawing/2010/main" w="9525">
+                <a14:hiddenLine xmlns:a14="http://schemas.microsoft.com/office/drawing/2010/main" xmlns:p14="http://schemas.microsoft.com/office/powerpoint/2010/main" xmlns:a16="http://schemas.microsoft.com/office/drawing/2014/main" xmlns="" w="9525">
                   <a:solidFill>
                     <a:srgbClr val="000000"/>
                   </a:solidFill>
@@ -26595,7 +26564,7 @@
             </a:ln>
             <a:extLst>
               <a:ext uri="{91240B29-F687-4f45-9708-019B960494DF}">
-                <a14:hiddenLine xmlns="" xmlns:a16="http://schemas.microsoft.com/office/drawing/2014/main" xmlns:p14="http://schemas.microsoft.com/office/powerpoint/2010/main" xmlns:a14="http://schemas.microsoft.com/office/drawing/2010/main" w="9525">
+                <a14:hiddenLine xmlns:a14="http://schemas.microsoft.com/office/drawing/2010/main" xmlns:p14="http://schemas.microsoft.com/office/powerpoint/2010/main" xmlns:a16="http://schemas.microsoft.com/office/drawing/2014/main" xmlns="" w="9525">
                   <a:solidFill>
                     <a:srgbClr val="000000"/>
                   </a:solidFill>
@@ -26672,7 +26641,7 @@
             </a:ln>
             <a:extLst>
               <a:ext uri="{91240B29-F687-4f45-9708-019B960494DF}">
-                <a14:hiddenLine xmlns="" xmlns:a16="http://schemas.microsoft.com/office/drawing/2014/main" xmlns:p14="http://schemas.microsoft.com/office/powerpoint/2010/main" xmlns:a14="http://schemas.microsoft.com/office/drawing/2010/main" w="9525">
+                <a14:hiddenLine xmlns:a14="http://schemas.microsoft.com/office/drawing/2010/main" xmlns:p14="http://schemas.microsoft.com/office/powerpoint/2010/main" xmlns:a16="http://schemas.microsoft.com/office/drawing/2014/main" xmlns="" w="9525">
                   <a:solidFill>
                     <a:srgbClr val="000000"/>
                   </a:solidFill>
@@ -26749,7 +26718,7 @@
             </a:ln>
             <a:extLst>
               <a:ext uri="{91240B29-F687-4f45-9708-019B960494DF}">
-                <a14:hiddenLine xmlns="" xmlns:a16="http://schemas.microsoft.com/office/drawing/2014/main" xmlns:p14="http://schemas.microsoft.com/office/powerpoint/2010/main" xmlns:a14="http://schemas.microsoft.com/office/drawing/2010/main" w="9525">
+                <a14:hiddenLine xmlns:a14="http://schemas.microsoft.com/office/drawing/2010/main" xmlns:p14="http://schemas.microsoft.com/office/powerpoint/2010/main" xmlns:a16="http://schemas.microsoft.com/office/drawing/2014/main" xmlns="" w="9525">
                   <a:solidFill>
                     <a:srgbClr val="000000"/>
                   </a:solidFill>
@@ -26854,7 +26823,7 @@
             </a:ln>
             <a:extLst>
               <a:ext uri="{91240B29-F687-4f45-9708-019B960494DF}">
-                <a14:hiddenLine xmlns="" xmlns:a16="http://schemas.microsoft.com/office/drawing/2014/main" xmlns:p14="http://schemas.microsoft.com/office/powerpoint/2010/main" xmlns:a14="http://schemas.microsoft.com/office/drawing/2010/main" w="9525">
+                <a14:hiddenLine xmlns:a14="http://schemas.microsoft.com/office/drawing/2010/main" xmlns:p14="http://schemas.microsoft.com/office/powerpoint/2010/main" xmlns:a16="http://schemas.microsoft.com/office/drawing/2014/main" xmlns="" w="9525">
                   <a:solidFill>
                     <a:srgbClr val="000000"/>
                   </a:solidFill>
@@ -26959,7 +26928,7 @@
             </a:ln>
             <a:extLst>
               <a:ext uri="{91240B29-F687-4f45-9708-019B960494DF}">
-                <a14:hiddenLine xmlns="" xmlns:a16="http://schemas.microsoft.com/office/drawing/2014/main" xmlns:p14="http://schemas.microsoft.com/office/powerpoint/2010/main" xmlns:a14="http://schemas.microsoft.com/office/drawing/2010/main" w="9525">
+                <a14:hiddenLine xmlns:a14="http://schemas.microsoft.com/office/drawing/2010/main" xmlns:p14="http://schemas.microsoft.com/office/powerpoint/2010/main" xmlns:a16="http://schemas.microsoft.com/office/drawing/2014/main" xmlns="" w="9525">
                   <a:solidFill>
                     <a:srgbClr val="000000"/>
                   </a:solidFill>
@@ -27036,7 +27005,7 @@
             </a:ln>
             <a:extLst>
               <a:ext uri="{91240B29-F687-4f45-9708-019B960494DF}">
-                <a14:hiddenLine xmlns="" xmlns:a16="http://schemas.microsoft.com/office/drawing/2014/main" xmlns:p14="http://schemas.microsoft.com/office/powerpoint/2010/main" xmlns:a14="http://schemas.microsoft.com/office/drawing/2010/main" w="9525">
+                <a14:hiddenLine xmlns:a14="http://schemas.microsoft.com/office/drawing/2010/main" xmlns:p14="http://schemas.microsoft.com/office/powerpoint/2010/main" xmlns:a16="http://schemas.microsoft.com/office/drawing/2014/main" xmlns="" w="9525">
                   <a:solidFill>
                     <a:srgbClr val="000000"/>
                   </a:solidFill>
@@ -27161,7 +27130,7 @@
             </a:ln>
             <a:extLst>
               <a:ext uri="{91240B29-F687-4f45-9708-019B960494DF}">
-                <a14:hiddenLine xmlns="" xmlns:a16="http://schemas.microsoft.com/office/drawing/2014/main" xmlns:p14="http://schemas.microsoft.com/office/powerpoint/2010/main" xmlns:a14="http://schemas.microsoft.com/office/drawing/2010/main" w="9525">
+                <a14:hiddenLine xmlns:a14="http://schemas.microsoft.com/office/drawing/2010/main" xmlns:p14="http://schemas.microsoft.com/office/powerpoint/2010/main" xmlns:a16="http://schemas.microsoft.com/office/drawing/2014/main" xmlns="" w="9525">
                   <a:solidFill>
                     <a:srgbClr val="000000"/>
                   </a:solidFill>
@@ -27275,7 +27244,7 @@
             </a:ln>
             <a:extLst>
               <a:ext uri="{91240B29-F687-4f45-9708-019B960494DF}">
-                <a14:hiddenLine xmlns="" xmlns:a16="http://schemas.microsoft.com/office/drawing/2014/main" xmlns:p14="http://schemas.microsoft.com/office/powerpoint/2010/main" xmlns:a14="http://schemas.microsoft.com/office/drawing/2010/main" w="9525">
+                <a14:hiddenLine xmlns:a14="http://schemas.microsoft.com/office/drawing/2010/main" xmlns:p14="http://schemas.microsoft.com/office/powerpoint/2010/main" xmlns:a16="http://schemas.microsoft.com/office/drawing/2014/main" xmlns="" w="9525">
                   <a:solidFill>
                     <a:srgbClr val="000000"/>
                   </a:solidFill>
@@ -27352,7 +27321,7 @@
             </a:ln>
             <a:extLst>
               <a:ext uri="{91240B29-F687-4f45-9708-019B960494DF}">
-                <a14:hiddenLine xmlns="" xmlns:a16="http://schemas.microsoft.com/office/drawing/2014/main" xmlns:p14="http://schemas.microsoft.com/office/powerpoint/2010/main" xmlns:a14="http://schemas.microsoft.com/office/drawing/2010/main" w="9525">
+                <a14:hiddenLine xmlns:a14="http://schemas.microsoft.com/office/drawing/2010/main" xmlns:p14="http://schemas.microsoft.com/office/powerpoint/2010/main" xmlns:a16="http://schemas.microsoft.com/office/drawing/2014/main" xmlns="" w="9525">
                   <a:solidFill>
                     <a:srgbClr val="000000"/>
                   </a:solidFill>
@@ -27429,7 +27398,7 @@
             </a:ln>
             <a:extLst>
               <a:ext uri="{91240B29-F687-4f45-9708-019B960494DF}">
-                <a14:hiddenLine xmlns="" xmlns:a16="http://schemas.microsoft.com/office/drawing/2014/main" xmlns:p14="http://schemas.microsoft.com/office/powerpoint/2010/main" xmlns:a14="http://schemas.microsoft.com/office/drawing/2010/main" w="9525">
+                <a14:hiddenLine xmlns:a14="http://schemas.microsoft.com/office/drawing/2010/main" xmlns:p14="http://schemas.microsoft.com/office/powerpoint/2010/main" xmlns:a16="http://schemas.microsoft.com/office/drawing/2014/main" xmlns="" w="9525">
                   <a:solidFill>
                     <a:srgbClr val="000000"/>
                   </a:solidFill>
@@ -27534,7 +27503,7 @@
             </a:ln>
             <a:extLst>
               <a:ext uri="{91240B29-F687-4f45-9708-019B960494DF}">
-                <a14:hiddenLine xmlns="" xmlns:a16="http://schemas.microsoft.com/office/drawing/2014/main" xmlns:p14="http://schemas.microsoft.com/office/powerpoint/2010/main" xmlns:a14="http://schemas.microsoft.com/office/drawing/2010/main" w="9525">
+                <a14:hiddenLine xmlns:a14="http://schemas.microsoft.com/office/drawing/2010/main" xmlns:p14="http://schemas.microsoft.com/office/powerpoint/2010/main" xmlns:a16="http://schemas.microsoft.com/office/drawing/2014/main" xmlns="" w="9525">
                   <a:solidFill>
                     <a:srgbClr val="000000"/>
                   </a:solidFill>
@@ -27583,7 +27552,7 @@
             </a:ln>
             <a:extLst>
               <a:ext uri="{91240B29-F687-4f45-9708-019B960494DF}">
-                <a14:hiddenLine xmlns="" xmlns:a16="http://schemas.microsoft.com/office/drawing/2014/main" xmlns:p14="http://schemas.microsoft.com/office/powerpoint/2010/main" xmlns:a14="http://schemas.microsoft.com/office/drawing/2010/main" w="9525">
+                <a14:hiddenLine xmlns:a14="http://schemas.microsoft.com/office/drawing/2010/main" xmlns:p14="http://schemas.microsoft.com/office/powerpoint/2010/main" xmlns:a16="http://schemas.microsoft.com/office/drawing/2014/main" xmlns="" w="9525">
                   <a:solidFill>
                     <a:srgbClr val="000000"/>
                   </a:solidFill>
@@ -27663,7 +27632,7 @@
             </a:ln>
             <a:extLst>
               <a:ext uri="{91240B29-F687-4f45-9708-019B960494DF}">
-                <a14:hiddenLine xmlns="" xmlns:a16="http://schemas.microsoft.com/office/drawing/2014/main" xmlns:p14="http://schemas.microsoft.com/office/powerpoint/2010/main" xmlns:a14="http://schemas.microsoft.com/office/drawing/2010/main" w="9525">
+                <a14:hiddenLine xmlns:a14="http://schemas.microsoft.com/office/drawing/2010/main" xmlns:p14="http://schemas.microsoft.com/office/powerpoint/2010/main" xmlns:a16="http://schemas.microsoft.com/office/drawing/2014/main" xmlns="" w="9525">
                   <a:solidFill>
                     <a:srgbClr val="000000"/>
                   </a:solidFill>
@@ -27768,7 +27737,7 @@
             </a:ln>
             <a:extLst>
               <a:ext uri="{91240B29-F687-4f45-9708-019B960494DF}">
-                <a14:hiddenLine xmlns="" xmlns:a16="http://schemas.microsoft.com/office/drawing/2014/main" xmlns:p14="http://schemas.microsoft.com/office/powerpoint/2010/main" xmlns:a14="http://schemas.microsoft.com/office/drawing/2010/main" w="9525">
+                <a14:hiddenLine xmlns:a14="http://schemas.microsoft.com/office/drawing/2010/main" xmlns:p14="http://schemas.microsoft.com/office/powerpoint/2010/main" xmlns:a16="http://schemas.microsoft.com/office/drawing/2014/main" xmlns="" w="9525">
                   <a:solidFill>
                     <a:srgbClr val="000000"/>
                   </a:solidFill>
@@ -27845,7 +27814,7 @@
             </a:ln>
             <a:extLst>
               <a:ext uri="{91240B29-F687-4f45-9708-019B960494DF}">
-                <a14:hiddenLine xmlns="" xmlns:a16="http://schemas.microsoft.com/office/drawing/2014/main" xmlns:p14="http://schemas.microsoft.com/office/powerpoint/2010/main" xmlns:a14="http://schemas.microsoft.com/office/drawing/2010/main" w="9525">
+                <a14:hiddenLine xmlns:a14="http://schemas.microsoft.com/office/drawing/2010/main" xmlns:p14="http://schemas.microsoft.com/office/powerpoint/2010/main" xmlns:a16="http://schemas.microsoft.com/office/drawing/2014/main" xmlns="" w="9525">
                   <a:solidFill>
                     <a:srgbClr val="000000"/>
                   </a:solidFill>
@@ -27950,7 +27919,7 @@
             </a:ln>
             <a:extLst>
               <a:ext uri="{91240B29-F687-4f45-9708-019B960494DF}">
-                <a14:hiddenLine xmlns="" xmlns:a16="http://schemas.microsoft.com/office/drawing/2014/main" xmlns:p14="http://schemas.microsoft.com/office/powerpoint/2010/main" xmlns:a14="http://schemas.microsoft.com/office/drawing/2010/main" w="9525">
+                <a14:hiddenLine xmlns:a14="http://schemas.microsoft.com/office/drawing/2010/main" xmlns:p14="http://schemas.microsoft.com/office/powerpoint/2010/main" xmlns:a16="http://schemas.microsoft.com/office/drawing/2014/main" xmlns="" w="9525">
                   <a:solidFill>
                     <a:srgbClr val="000000"/>
                   </a:solidFill>
@@ -28030,7 +27999,7 @@
             </a:ln>
             <a:extLst>
               <a:ext uri="{91240B29-F687-4f45-9708-019B960494DF}">
-                <a14:hiddenLine xmlns="" xmlns:a16="http://schemas.microsoft.com/office/drawing/2014/main" xmlns:p14="http://schemas.microsoft.com/office/powerpoint/2010/main" xmlns:a14="http://schemas.microsoft.com/office/drawing/2010/main" w="9525">
+                <a14:hiddenLine xmlns:a14="http://schemas.microsoft.com/office/drawing/2010/main" xmlns:p14="http://schemas.microsoft.com/office/powerpoint/2010/main" xmlns:a16="http://schemas.microsoft.com/office/drawing/2014/main" xmlns="" w="9525">
                   <a:solidFill>
                     <a:srgbClr val="000000"/>
                   </a:solidFill>
@@ -28107,7 +28076,7 @@
             </a:ln>
             <a:extLst>
               <a:ext uri="{91240B29-F687-4f45-9708-019B960494DF}">
-                <a14:hiddenLine xmlns="" xmlns:a16="http://schemas.microsoft.com/office/drawing/2014/main" xmlns:p14="http://schemas.microsoft.com/office/powerpoint/2010/main" xmlns:a14="http://schemas.microsoft.com/office/drawing/2010/main" w="9525">
+                <a14:hiddenLine xmlns:a14="http://schemas.microsoft.com/office/drawing/2010/main" xmlns:p14="http://schemas.microsoft.com/office/powerpoint/2010/main" xmlns:a16="http://schemas.microsoft.com/office/drawing/2014/main" xmlns="" w="9525">
                   <a:solidFill>
                     <a:srgbClr val="000000"/>
                   </a:solidFill>
@@ -28212,7 +28181,7 @@
             </a:ln>
             <a:extLst>
               <a:ext uri="{91240B29-F687-4f45-9708-019B960494DF}">
-                <a14:hiddenLine xmlns="" xmlns:a16="http://schemas.microsoft.com/office/drawing/2014/main" xmlns:p14="http://schemas.microsoft.com/office/powerpoint/2010/main" xmlns:a14="http://schemas.microsoft.com/office/drawing/2010/main" w="9525">
+                <a14:hiddenLine xmlns:a14="http://schemas.microsoft.com/office/drawing/2010/main" xmlns:p14="http://schemas.microsoft.com/office/powerpoint/2010/main" xmlns:a16="http://schemas.microsoft.com/office/drawing/2014/main" xmlns="" w="9525">
                   <a:solidFill>
                     <a:srgbClr val="000000"/>
                   </a:solidFill>
@@ -28317,7 +28286,7 @@
             </a:ln>
             <a:extLst>
               <a:ext uri="{91240B29-F687-4f45-9708-019B960494DF}">
-                <a14:hiddenLine xmlns="" xmlns:a16="http://schemas.microsoft.com/office/drawing/2014/main" xmlns:p14="http://schemas.microsoft.com/office/powerpoint/2010/main" xmlns:a14="http://schemas.microsoft.com/office/drawing/2010/main" w="9525">
+                <a14:hiddenLine xmlns:a14="http://schemas.microsoft.com/office/drawing/2010/main" xmlns:p14="http://schemas.microsoft.com/office/powerpoint/2010/main" xmlns:a16="http://schemas.microsoft.com/office/drawing/2014/main" xmlns="" w="9525">
                   <a:solidFill>
                     <a:srgbClr val="000000"/>
                   </a:solidFill>
@@ -28397,7 +28366,7 @@
             </a:ln>
             <a:extLst>
               <a:ext uri="{91240B29-F687-4f45-9708-019B960494DF}">
-                <a14:hiddenLine xmlns="" xmlns:a16="http://schemas.microsoft.com/office/drawing/2014/main" xmlns:p14="http://schemas.microsoft.com/office/powerpoint/2010/main" xmlns:a14="http://schemas.microsoft.com/office/drawing/2010/main" w="9525">
+                <a14:hiddenLine xmlns:a14="http://schemas.microsoft.com/office/drawing/2010/main" xmlns:p14="http://schemas.microsoft.com/office/powerpoint/2010/main" xmlns:a16="http://schemas.microsoft.com/office/drawing/2014/main" xmlns="" w="9525">
                   <a:solidFill>
                     <a:srgbClr val="000000"/>
                   </a:solidFill>
@@ -28532,7 +28501,7 @@
             </a:ln>
             <a:extLst>
               <a:ext uri="{91240B29-F687-4f45-9708-019B960494DF}">
-                <a14:hiddenLine xmlns="" xmlns:a16="http://schemas.microsoft.com/office/drawing/2014/main" xmlns:p14="http://schemas.microsoft.com/office/powerpoint/2010/main" xmlns:a14="http://schemas.microsoft.com/office/drawing/2010/main" w="9525">
+                <a14:hiddenLine xmlns:a14="http://schemas.microsoft.com/office/drawing/2010/main" xmlns:p14="http://schemas.microsoft.com/office/powerpoint/2010/main" xmlns:a16="http://schemas.microsoft.com/office/drawing/2014/main" xmlns="" w="9525">
                   <a:solidFill>
                     <a:srgbClr val="000000"/>
                   </a:solidFill>
@@ -29497,7 +29466,7 @@
           <a:noFill/>
           <a:extLst>
             <a:ext uri="{909E8E84-426E-40dd-AFC4-6F175D3DCCD1}">
-              <a14:hiddenFill xmlns="" xmlns:a16="http://schemas.microsoft.com/office/drawing/2014/main" xmlns:p14="http://schemas.microsoft.com/office/powerpoint/2010/main" xmlns:a14="http://schemas.microsoft.com/office/drawing/2010/main">
+              <a14:hiddenFill xmlns:a14="http://schemas.microsoft.com/office/drawing/2010/main" xmlns:p14="http://schemas.microsoft.com/office/powerpoint/2010/main" xmlns:a16="http://schemas.microsoft.com/office/drawing/2014/main" xmlns="">
                 <a:solidFill>
                   <a:srgbClr val="FFFFFF"/>
                 </a:solidFill>
@@ -29625,7 +29594,7 @@
             </a:ln>
             <a:extLst>
               <a:ext uri="{91240B29-F687-4f45-9708-019B960494DF}">
-                <a14:hiddenLine xmlns="" xmlns:a16="http://schemas.microsoft.com/office/drawing/2014/main" xmlns:p14="http://schemas.microsoft.com/office/powerpoint/2010/main" xmlns:a14="http://schemas.microsoft.com/office/drawing/2010/main" w="9525">
+                <a14:hiddenLine xmlns:a14="http://schemas.microsoft.com/office/drawing/2010/main" xmlns:p14="http://schemas.microsoft.com/office/powerpoint/2010/main" xmlns:a16="http://schemas.microsoft.com/office/drawing/2014/main" xmlns="" w="9525">
                   <a:solidFill>
                     <a:srgbClr val="000000"/>
                   </a:solidFill>
@@ -29730,7 +29699,7 @@
             </a:ln>
             <a:extLst>
               <a:ext uri="{91240B29-F687-4f45-9708-019B960494DF}">
-                <a14:hiddenLine xmlns="" xmlns:a16="http://schemas.microsoft.com/office/drawing/2014/main" xmlns:p14="http://schemas.microsoft.com/office/powerpoint/2010/main" xmlns:a14="http://schemas.microsoft.com/office/drawing/2010/main" w="9525">
+                <a14:hiddenLine xmlns:a14="http://schemas.microsoft.com/office/drawing/2010/main" xmlns:p14="http://schemas.microsoft.com/office/powerpoint/2010/main" xmlns:a16="http://schemas.microsoft.com/office/drawing/2014/main" xmlns="" w="9525">
                   <a:solidFill>
                     <a:srgbClr val="000000"/>
                   </a:solidFill>
@@ -29835,7 +29804,7 @@
             </a:ln>
             <a:extLst>
               <a:ext uri="{91240B29-F687-4f45-9708-019B960494DF}">
-                <a14:hiddenLine xmlns="" xmlns:a16="http://schemas.microsoft.com/office/drawing/2014/main" xmlns:p14="http://schemas.microsoft.com/office/powerpoint/2010/main" xmlns:a14="http://schemas.microsoft.com/office/drawing/2010/main" w="9525">
+                <a14:hiddenLine xmlns:a14="http://schemas.microsoft.com/office/drawing/2010/main" xmlns:p14="http://schemas.microsoft.com/office/powerpoint/2010/main" xmlns:a16="http://schemas.microsoft.com/office/drawing/2014/main" xmlns="" w="9525">
                   <a:solidFill>
                     <a:srgbClr val="000000"/>
                   </a:solidFill>
@@ -29912,7 +29881,7 @@
             </a:ln>
             <a:extLst>
               <a:ext uri="{91240B29-F687-4f45-9708-019B960494DF}">
-                <a14:hiddenLine xmlns="" xmlns:a16="http://schemas.microsoft.com/office/drawing/2014/main" xmlns:p14="http://schemas.microsoft.com/office/powerpoint/2010/main" xmlns:a14="http://schemas.microsoft.com/office/drawing/2010/main" w="9525">
+                <a14:hiddenLine xmlns:a14="http://schemas.microsoft.com/office/drawing/2010/main" xmlns:p14="http://schemas.microsoft.com/office/powerpoint/2010/main" xmlns:a16="http://schemas.microsoft.com/office/drawing/2014/main" xmlns="" w="9525">
                   <a:solidFill>
                     <a:srgbClr val="000000"/>
                   </a:solidFill>
@@ -30017,7 +29986,7 @@
             </a:ln>
             <a:extLst>
               <a:ext uri="{91240B29-F687-4f45-9708-019B960494DF}">
-                <a14:hiddenLine xmlns="" xmlns:a16="http://schemas.microsoft.com/office/drawing/2014/main" xmlns:p14="http://schemas.microsoft.com/office/powerpoint/2010/main" xmlns:a14="http://schemas.microsoft.com/office/drawing/2010/main" w="9525">
+                <a14:hiddenLine xmlns:a14="http://schemas.microsoft.com/office/drawing/2010/main" xmlns:p14="http://schemas.microsoft.com/office/powerpoint/2010/main" xmlns:a16="http://schemas.microsoft.com/office/drawing/2014/main" xmlns="" w="9525">
                   <a:solidFill>
                     <a:srgbClr val="000000"/>
                   </a:solidFill>
@@ -30094,7 +30063,7 @@
             </a:ln>
             <a:extLst>
               <a:ext uri="{91240B29-F687-4f45-9708-019B960494DF}">
-                <a14:hiddenLine xmlns="" xmlns:a16="http://schemas.microsoft.com/office/drawing/2014/main" xmlns:p14="http://schemas.microsoft.com/office/powerpoint/2010/main" xmlns:a14="http://schemas.microsoft.com/office/drawing/2010/main" w="9525">
+                <a14:hiddenLine xmlns:a14="http://schemas.microsoft.com/office/drawing/2010/main" xmlns:p14="http://schemas.microsoft.com/office/powerpoint/2010/main" xmlns:a16="http://schemas.microsoft.com/office/drawing/2014/main" xmlns="" w="9525">
                   <a:solidFill>
                     <a:srgbClr val="000000"/>
                   </a:solidFill>
@@ -30171,7 +30140,7 @@
             </a:ln>
             <a:extLst>
               <a:ext uri="{91240B29-F687-4f45-9708-019B960494DF}">
-                <a14:hiddenLine xmlns="" xmlns:a16="http://schemas.microsoft.com/office/drawing/2014/main" xmlns:p14="http://schemas.microsoft.com/office/powerpoint/2010/main" xmlns:a14="http://schemas.microsoft.com/office/drawing/2010/main" w="9525">
+                <a14:hiddenLine xmlns:a14="http://schemas.microsoft.com/office/drawing/2010/main" xmlns:p14="http://schemas.microsoft.com/office/powerpoint/2010/main" xmlns:a16="http://schemas.microsoft.com/office/drawing/2014/main" xmlns="" w="9525">
                   <a:solidFill>
                     <a:srgbClr val="000000"/>
                   </a:solidFill>
@@ -30276,7 +30245,7 @@
             </a:ln>
             <a:extLst>
               <a:ext uri="{91240B29-F687-4f45-9708-019B960494DF}">
-                <a14:hiddenLine xmlns="" xmlns:a16="http://schemas.microsoft.com/office/drawing/2014/main" xmlns:p14="http://schemas.microsoft.com/office/powerpoint/2010/main" xmlns:a14="http://schemas.microsoft.com/office/drawing/2010/main" w="9525">
+                <a14:hiddenLine xmlns:a14="http://schemas.microsoft.com/office/drawing/2010/main" xmlns:p14="http://schemas.microsoft.com/office/powerpoint/2010/main" xmlns:a16="http://schemas.microsoft.com/office/drawing/2014/main" xmlns="" w="9525">
                   <a:solidFill>
                     <a:srgbClr val="000000"/>
                   </a:solidFill>
@@ -30381,7 +30350,7 @@
             </a:ln>
             <a:extLst>
               <a:ext uri="{91240B29-F687-4f45-9708-019B960494DF}">
-                <a14:hiddenLine xmlns="" xmlns:a16="http://schemas.microsoft.com/office/drawing/2014/main" xmlns:p14="http://schemas.microsoft.com/office/powerpoint/2010/main" xmlns:a14="http://schemas.microsoft.com/office/drawing/2010/main" w="9525">
+                <a14:hiddenLine xmlns:a14="http://schemas.microsoft.com/office/drawing/2010/main" xmlns:p14="http://schemas.microsoft.com/office/powerpoint/2010/main" xmlns:a16="http://schemas.microsoft.com/office/drawing/2014/main" xmlns="" w="9525">
                   <a:solidFill>
                     <a:srgbClr val="000000"/>
                   </a:solidFill>
@@ -30458,7 +30427,7 @@
             </a:ln>
             <a:extLst>
               <a:ext uri="{91240B29-F687-4f45-9708-019B960494DF}">
-                <a14:hiddenLine xmlns="" xmlns:a16="http://schemas.microsoft.com/office/drawing/2014/main" xmlns:p14="http://schemas.microsoft.com/office/powerpoint/2010/main" xmlns:a14="http://schemas.microsoft.com/office/drawing/2010/main" w="9525">
+                <a14:hiddenLine xmlns:a14="http://schemas.microsoft.com/office/drawing/2010/main" xmlns:p14="http://schemas.microsoft.com/office/powerpoint/2010/main" xmlns:a16="http://schemas.microsoft.com/office/drawing/2014/main" xmlns="" w="9525">
                   <a:solidFill>
                     <a:srgbClr val="000000"/>
                   </a:solidFill>
@@ -30583,7 +30552,7 @@
             </a:ln>
             <a:extLst>
               <a:ext uri="{91240B29-F687-4f45-9708-019B960494DF}">
-                <a14:hiddenLine xmlns="" xmlns:a16="http://schemas.microsoft.com/office/drawing/2014/main" xmlns:p14="http://schemas.microsoft.com/office/powerpoint/2010/main" xmlns:a14="http://schemas.microsoft.com/office/drawing/2010/main" w="9525">
+                <a14:hiddenLine xmlns:a14="http://schemas.microsoft.com/office/drawing/2010/main" xmlns:p14="http://schemas.microsoft.com/office/powerpoint/2010/main" xmlns:a16="http://schemas.microsoft.com/office/drawing/2014/main" xmlns="" w="9525">
                   <a:solidFill>
                     <a:srgbClr val="000000"/>
                   </a:solidFill>
@@ -30697,7 +30666,7 @@
             </a:ln>
             <a:extLst>
               <a:ext uri="{91240B29-F687-4f45-9708-019B960494DF}">
-                <a14:hiddenLine xmlns="" xmlns:a16="http://schemas.microsoft.com/office/drawing/2014/main" xmlns:p14="http://schemas.microsoft.com/office/powerpoint/2010/main" xmlns:a14="http://schemas.microsoft.com/office/drawing/2010/main" w="9525">
+                <a14:hiddenLine xmlns:a14="http://schemas.microsoft.com/office/drawing/2010/main" xmlns:p14="http://schemas.microsoft.com/office/powerpoint/2010/main" xmlns:a16="http://schemas.microsoft.com/office/drawing/2014/main" xmlns="" w="9525">
                   <a:solidFill>
                     <a:srgbClr val="000000"/>
                   </a:solidFill>
@@ -30774,7 +30743,7 @@
             </a:ln>
             <a:extLst>
               <a:ext uri="{91240B29-F687-4f45-9708-019B960494DF}">
-                <a14:hiddenLine xmlns="" xmlns:a16="http://schemas.microsoft.com/office/drawing/2014/main" xmlns:p14="http://schemas.microsoft.com/office/powerpoint/2010/main" xmlns:a14="http://schemas.microsoft.com/office/drawing/2010/main" w="9525">
+                <a14:hiddenLine xmlns:a14="http://schemas.microsoft.com/office/drawing/2010/main" xmlns:p14="http://schemas.microsoft.com/office/powerpoint/2010/main" xmlns:a16="http://schemas.microsoft.com/office/drawing/2014/main" xmlns="" w="9525">
                   <a:solidFill>
                     <a:srgbClr val="000000"/>
                   </a:solidFill>
@@ -30851,7 +30820,7 @@
             </a:ln>
             <a:extLst>
               <a:ext uri="{91240B29-F687-4f45-9708-019B960494DF}">
-                <a14:hiddenLine xmlns="" xmlns:a16="http://schemas.microsoft.com/office/drawing/2014/main" xmlns:p14="http://schemas.microsoft.com/office/powerpoint/2010/main" xmlns:a14="http://schemas.microsoft.com/office/drawing/2010/main" w="9525">
+                <a14:hiddenLine xmlns:a14="http://schemas.microsoft.com/office/drawing/2010/main" xmlns:p14="http://schemas.microsoft.com/office/powerpoint/2010/main" xmlns:a16="http://schemas.microsoft.com/office/drawing/2014/main" xmlns="" w="9525">
                   <a:solidFill>
                     <a:srgbClr val="000000"/>
                   </a:solidFill>
@@ -30956,7 +30925,7 @@
             </a:ln>
             <a:extLst>
               <a:ext uri="{91240B29-F687-4f45-9708-019B960494DF}">
-                <a14:hiddenLine xmlns="" xmlns:a16="http://schemas.microsoft.com/office/drawing/2014/main" xmlns:p14="http://schemas.microsoft.com/office/powerpoint/2010/main" xmlns:a14="http://schemas.microsoft.com/office/drawing/2010/main" w="9525">
+                <a14:hiddenLine xmlns:a14="http://schemas.microsoft.com/office/drawing/2010/main" xmlns:p14="http://schemas.microsoft.com/office/powerpoint/2010/main" xmlns:a16="http://schemas.microsoft.com/office/drawing/2014/main" xmlns="" w="9525">
                   <a:solidFill>
                     <a:srgbClr val="000000"/>
                   </a:solidFill>
@@ -31005,7 +30974,7 @@
             </a:ln>
             <a:extLst>
               <a:ext uri="{91240B29-F687-4f45-9708-019B960494DF}">
-                <a14:hiddenLine xmlns="" xmlns:a16="http://schemas.microsoft.com/office/drawing/2014/main" xmlns:p14="http://schemas.microsoft.com/office/powerpoint/2010/main" xmlns:a14="http://schemas.microsoft.com/office/drawing/2010/main" w="9525">
+                <a14:hiddenLine xmlns:a14="http://schemas.microsoft.com/office/drawing/2010/main" xmlns:p14="http://schemas.microsoft.com/office/powerpoint/2010/main" xmlns:a16="http://schemas.microsoft.com/office/drawing/2014/main" xmlns="" w="9525">
                   <a:solidFill>
                     <a:srgbClr val="000000"/>
                   </a:solidFill>
@@ -31085,7 +31054,7 @@
             </a:ln>
             <a:extLst>
               <a:ext uri="{91240B29-F687-4f45-9708-019B960494DF}">
-                <a14:hiddenLine xmlns="" xmlns:a16="http://schemas.microsoft.com/office/drawing/2014/main" xmlns:p14="http://schemas.microsoft.com/office/powerpoint/2010/main" xmlns:a14="http://schemas.microsoft.com/office/drawing/2010/main" w="9525">
+                <a14:hiddenLine xmlns:a14="http://schemas.microsoft.com/office/drawing/2010/main" xmlns:p14="http://schemas.microsoft.com/office/powerpoint/2010/main" xmlns:a16="http://schemas.microsoft.com/office/drawing/2014/main" xmlns="" w="9525">
                   <a:solidFill>
                     <a:srgbClr val="000000"/>
                   </a:solidFill>
@@ -31190,7 +31159,7 @@
             </a:ln>
             <a:extLst>
               <a:ext uri="{91240B29-F687-4f45-9708-019B960494DF}">
-                <a14:hiddenLine xmlns="" xmlns:a16="http://schemas.microsoft.com/office/drawing/2014/main" xmlns:p14="http://schemas.microsoft.com/office/powerpoint/2010/main" xmlns:a14="http://schemas.microsoft.com/office/drawing/2010/main" w="9525">
+                <a14:hiddenLine xmlns:a14="http://schemas.microsoft.com/office/drawing/2010/main" xmlns:p14="http://schemas.microsoft.com/office/powerpoint/2010/main" xmlns:a16="http://schemas.microsoft.com/office/drawing/2014/main" xmlns="" w="9525">
                   <a:solidFill>
                     <a:srgbClr val="000000"/>
                   </a:solidFill>
@@ -31267,7 +31236,7 @@
             </a:ln>
             <a:extLst>
               <a:ext uri="{91240B29-F687-4f45-9708-019B960494DF}">
-                <a14:hiddenLine xmlns="" xmlns:a16="http://schemas.microsoft.com/office/drawing/2014/main" xmlns:p14="http://schemas.microsoft.com/office/powerpoint/2010/main" xmlns:a14="http://schemas.microsoft.com/office/drawing/2010/main" w="9525">
+                <a14:hiddenLine xmlns:a14="http://schemas.microsoft.com/office/drawing/2010/main" xmlns:p14="http://schemas.microsoft.com/office/powerpoint/2010/main" xmlns:a16="http://schemas.microsoft.com/office/drawing/2014/main" xmlns="" w="9525">
                   <a:solidFill>
                     <a:srgbClr val="000000"/>
                   </a:solidFill>
@@ -31372,7 +31341,7 @@
             </a:ln>
             <a:extLst>
               <a:ext uri="{91240B29-F687-4f45-9708-019B960494DF}">
-                <a14:hiddenLine xmlns="" xmlns:a16="http://schemas.microsoft.com/office/drawing/2014/main" xmlns:p14="http://schemas.microsoft.com/office/powerpoint/2010/main" xmlns:a14="http://schemas.microsoft.com/office/drawing/2010/main" w="9525">
+                <a14:hiddenLine xmlns:a14="http://schemas.microsoft.com/office/drawing/2010/main" xmlns:p14="http://schemas.microsoft.com/office/powerpoint/2010/main" xmlns:a16="http://schemas.microsoft.com/office/drawing/2014/main" xmlns="" w="9525">
                   <a:solidFill>
                     <a:srgbClr val="000000"/>
                   </a:solidFill>
@@ -31452,7 +31421,7 @@
             </a:ln>
             <a:extLst>
               <a:ext uri="{91240B29-F687-4f45-9708-019B960494DF}">
-                <a14:hiddenLine xmlns="" xmlns:a16="http://schemas.microsoft.com/office/drawing/2014/main" xmlns:p14="http://schemas.microsoft.com/office/powerpoint/2010/main" xmlns:a14="http://schemas.microsoft.com/office/drawing/2010/main" w="9525">
+                <a14:hiddenLine xmlns:a14="http://schemas.microsoft.com/office/drawing/2010/main" xmlns:p14="http://schemas.microsoft.com/office/powerpoint/2010/main" xmlns:a16="http://schemas.microsoft.com/office/drawing/2014/main" xmlns="" w="9525">
                   <a:solidFill>
                     <a:srgbClr val="000000"/>
                   </a:solidFill>
@@ -31529,7 +31498,7 @@
             </a:ln>
             <a:extLst>
               <a:ext uri="{91240B29-F687-4f45-9708-019B960494DF}">
-                <a14:hiddenLine xmlns="" xmlns:a16="http://schemas.microsoft.com/office/drawing/2014/main" xmlns:p14="http://schemas.microsoft.com/office/powerpoint/2010/main" xmlns:a14="http://schemas.microsoft.com/office/drawing/2010/main" w="9525">
+                <a14:hiddenLine xmlns:a14="http://schemas.microsoft.com/office/drawing/2010/main" xmlns:p14="http://schemas.microsoft.com/office/powerpoint/2010/main" xmlns:a16="http://schemas.microsoft.com/office/drawing/2014/main" xmlns="" w="9525">
                   <a:solidFill>
                     <a:srgbClr val="000000"/>
                   </a:solidFill>
@@ -31634,7 +31603,7 @@
             </a:ln>
             <a:extLst>
               <a:ext uri="{91240B29-F687-4f45-9708-019B960494DF}">
-                <a14:hiddenLine xmlns="" xmlns:a16="http://schemas.microsoft.com/office/drawing/2014/main" xmlns:p14="http://schemas.microsoft.com/office/powerpoint/2010/main" xmlns:a14="http://schemas.microsoft.com/office/drawing/2010/main" w="9525">
+                <a14:hiddenLine xmlns:a14="http://schemas.microsoft.com/office/drawing/2010/main" xmlns:p14="http://schemas.microsoft.com/office/powerpoint/2010/main" xmlns:a16="http://schemas.microsoft.com/office/drawing/2014/main" xmlns="" w="9525">
                   <a:solidFill>
                     <a:srgbClr val="000000"/>
                   </a:solidFill>
@@ -31739,7 +31708,7 @@
             </a:ln>
             <a:extLst>
               <a:ext uri="{91240B29-F687-4f45-9708-019B960494DF}">
-                <a14:hiddenLine xmlns="" xmlns:a16="http://schemas.microsoft.com/office/drawing/2014/main" xmlns:p14="http://schemas.microsoft.com/office/powerpoint/2010/main" xmlns:a14="http://schemas.microsoft.com/office/drawing/2010/main" w="9525">
+                <a14:hiddenLine xmlns:a14="http://schemas.microsoft.com/office/drawing/2010/main" xmlns:p14="http://schemas.microsoft.com/office/powerpoint/2010/main" xmlns:a16="http://schemas.microsoft.com/office/drawing/2014/main" xmlns="" w="9525">
                   <a:solidFill>
                     <a:srgbClr val="000000"/>
                   </a:solidFill>
@@ -31819,7 +31788,7 @@
             </a:ln>
             <a:extLst>
               <a:ext uri="{91240B29-F687-4f45-9708-019B960494DF}">
-                <a14:hiddenLine xmlns="" xmlns:a16="http://schemas.microsoft.com/office/drawing/2014/main" xmlns:p14="http://schemas.microsoft.com/office/powerpoint/2010/main" xmlns:a14="http://schemas.microsoft.com/office/drawing/2010/main" w="9525">
+                <a14:hiddenLine xmlns:a14="http://schemas.microsoft.com/office/drawing/2010/main" xmlns:p14="http://schemas.microsoft.com/office/powerpoint/2010/main" xmlns:a16="http://schemas.microsoft.com/office/drawing/2014/main" xmlns="" w="9525">
                   <a:solidFill>
                     <a:srgbClr val="000000"/>
                   </a:solidFill>
@@ -31954,7 +31923,7 @@
             </a:ln>
             <a:extLst>
               <a:ext uri="{91240B29-F687-4f45-9708-019B960494DF}">
-                <a14:hiddenLine xmlns="" xmlns:a16="http://schemas.microsoft.com/office/drawing/2014/main" xmlns:p14="http://schemas.microsoft.com/office/powerpoint/2010/main" xmlns:a14="http://schemas.microsoft.com/office/drawing/2010/main" w="9525">
+                <a14:hiddenLine xmlns:a14="http://schemas.microsoft.com/office/drawing/2010/main" xmlns:p14="http://schemas.microsoft.com/office/powerpoint/2010/main" xmlns:a16="http://schemas.microsoft.com/office/drawing/2014/main" xmlns="" w="9525">
                   <a:solidFill>
                     <a:srgbClr val="000000"/>
                   </a:solidFill>
@@ -32174,8 +32143,8 @@
         </p:nvSpPr>
         <p:spPr>
           <a:xfrm>
-            <a:off x="2099158" y="5451972"/>
-            <a:ext cx="2219624" cy="769441"/>
+            <a:off x="2395329" y="5479142"/>
+            <a:ext cx="2346211" cy="769441"/>
           </a:xfrm>
           <a:prstGeom prst="rect">
             <a:avLst/>
@@ -32210,14 +32179,13 @@
           </p:cNvPr>
           <p:cNvCxnSpPr>
             <a:cxnSpLocks/>
-            <a:stCxn id="10" idx="3"/>
           </p:cNvCxnSpPr>
           <p:nvPr/>
         </p:nvCxnSpPr>
         <p:spPr>
-          <a:xfrm>
-            <a:off x="4318782" y="5836693"/>
-            <a:ext cx="848092" cy="0"/>
+          <a:xfrm flipV="1">
+            <a:off x="4338315" y="5836695"/>
+            <a:ext cx="828559" cy="106111"/>
           </a:xfrm>
           <a:prstGeom prst="straightConnector1">
             <a:avLst/>
@@ -32261,7 +32229,7 @@
         </p:nvSpPr>
         <p:spPr>
           <a:xfrm>
-            <a:off x="1230409" y="4874371"/>
+            <a:off x="667936" y="4772951"/>
             <a:ext cx="3216659" cy="769441"/>
           </a:xfrm>
           <a:prstGeom prst="rect">
@@ -32300,8 +32268,8 @@
         </p:nvCxnSpPr>
         <p:spPr>
           <a:xfrm flipV="1">
-            <a:off x="4447068" y="4352324"/>
-            <a:ext cx="821522" cy="906768"/>
+            <a:off x="3884595" y="4352324"/>
+            <a:ext cx="1383995" cy="805348"/>
           </a:xfrm>
           <a:prstGeom prst="straightConnector1">
             <a:avLst/>
@@ -32552,7 +32520,7 @@
           <a:noFill/>
           <a:extLst>
             <a:ext uri="{909E8E84-426E-40dd-AFC4-6F175D3DCCD1}">
-              <a14:hiddenFill xmlns:a14="http://schemas.microsoft.com/office/drawing/2010/main" xmlns:p14="http://schemas.microsoft.com/office/powerpoint/2010/main" xmlns:a16="http://schemas.microsoft.com/office/drawing/2014/main" xmlns="">
+              <a14:hiddenFill xmlns="" xmlns:a16="http://schemas.microsoft.com/office/drawing/2014/main" xmlns:p14="http://schemas.microsoft.com/office/powerpoint/2010/main" xmlns:a14="http://schemas.microsoft.com/office/drawing/2010/main">
                 <a:solidFill>
                   <a:srgbClr val="FFFFFF"/>
                 </a:solidFill>
@@ -32679,7 +32647,7 @@
             </a:ln>
             <a:extLst>
               <a:ext uri="{91240B29-F687-4f45-9708-019B960494DF}">
-                <a14:hiddenLine xmlns:a14="http://schemas.microsoft.com/office/drawing/2010/main" xmlns:p14="http://schemas.microsoft.com/office/powerpoint/2010/main" xmlns:a16="http://schemas.microsoft.com/office/drawing/2014/main" xmlns="" w="9525">
+                <a14:hiddenLine xmlns="" xmlns:a16="http://schemas.microsoft.com/office/drawing/2014/main" xmlns:p14="http://schemas.microsoft.com/office/powerpoint/2010/main" xmlns:a14="http://schemas.microsoft.com/office/drawing/2010/main" w="9525">
                   <a:solidFill>
                     <a:srgbClr val="000000"/>
                   </a:solidFill>
@@ -32784,7 +32752,7 @@
             </a:ln>
             <a:extLst>
               <a:ext uri="{91240B29-F687-4f45-9708-019B960494DF}">
-                <a14:hiddenLine xmlns:a14="http://schemas.microsoft.com/office/drawing/2010/main" xmlns:p14="http://schemas.microsoft.com/office/powerpoint/2010/main" xmlns:a16="http://schemas.microsoft.com/office/drawing/2014/main" xmlns="" w="9525">
+                <a14:hiddenLine xmlns="" xmlns:a16="http://schemas.microsoft.com/office/drawing/2014/main" xmlns:p14="http://schemas.microsoft.com/office/powerpoint/2010/main" xmlns:a14="http://schemas.microsoft.com/office/drawing/2010/main" w="9525">
                   <a:solidFill>
                     <a:srgbClr val="000000"/>
                   </a:solidFill>
@@ -32889,7 +32857,7 @@
             </a:ln>
             <a:extLst>
               <a:ext uri="{91240B29-F687-4f45-9708-019B960494DF}">
-                <a14:hiddenLine xmlns:a14="http://schemas.microsoft.com/office/drawing/2010/main" xmlns:p14="http://schemas.microsoft.com/office/powerpoint/2010/main" xmlns:a16="http://schemas.microsoft.com/office/drawing/2014/main" xmlns="" w="9525">
+                <a14:hiddenLine xmlns="" xmlns:a16="http://schemas.microsoft.com/office/drawing/2014/main" xmlns:p14="http://schemas.microsoft.com/office/powerpoint/2010/main" xmlns:a14="http://schemas.microsoft.com/office/drawing/2010/main" w="9525">
                   <a:solidFill>
                     <a:srgbClr val="000000"/>
                   </a:solidFill>
@@ -32966,7 +32934,7 @@
             </a:ln>
             <a:extLst>
               <a:ext uri="{91240B29-F687-4f45-9708-019B960494DF}">
-                <a14:hiddenLine xmlns:a14="http://schemas.microsoft.com/office/drawing/2010/main" xmlns:p14="http://schemas.microsoft.com/office/powerpoint/2010/main" xmlns:a16="http://schemas.microsoft.com/office/drawing/2014/main" xmlns="" w="9525">
+                <a14:hiddenLine xmlns="" xmlns:a16="http://schemas.microsoft.com/office/drawing/2014/main" xmlns:p14="http://schemas.microsoft.com/office/powerpoint/2010/main" xmlns:a14="http://schemas.microsoft.com/office/drawing/2010/main" w="9525">
                   <a:solidFill>
                     <a:srgbClr val="000000"/>
                   </a:solidFill>
@@ -33071,7 +33039,7 @@
             </a:ln>
             <a:extLst>
               <a:ext uri="{91240B29-F687-4f45-9708-019B960494DF}">
-                <a14:hiddenLine xmlns:a14="http://schemas.microsoft.com/office/drawing/2010/main" xmlns:p14="http://schemas.microsoft.com/office/powerpoint/2010/main" xmlns:a16="http://schemas.microsoft.com/office/drawing/2014/main" xmlns="" w="9525">
+                <a14:hiddenLine xmlns="" xmlns:a16="http://schemas.microsoft.com/office/drawing/2014/main" xmlns:p14="http://schemas.microsoft.com/office/powerpoint/2010/main" xmlns:a14="http://schemas.microsoft.com/office/drawing/2010/main" w="9525">
                   <a:solidFill>
                     <a:srgbClr val="000000"/>
                   </a:solidFill>
@@ -33148,7 +33116,7 @@
             </a:ln>
             <a:extLst>
               <a:ext uri="{91240B29-F687-4f45-9708-019B960494DF}">
-                <a14:hiddenLine xmlns:a14="http://schemas.microsoft.com/office/drawing/2010/main" xmlns:p14="http://schemas.microsoft.com/office/powerpoint/2010/main" xmlns:a16="http://schemas.microsoft.com/office/drawing/2014/main" xmlns="" w="9525">
+                <a14:hiddenLine xmlns="" xmlns:a16="http://schemas.microsoft.com/office/drawing/2014/main" xmlns:p14="http://schemas.microsoft.com/office/powerpoint/2010/main" xmlns:a14="http://schemas.microsoft.com/office/drawing/2010/main" w="9525">
                   <a:solidFill>
                     <a:srgbClr val="000000"/>
                   </a:solidFill>
@@ -33225,7 +33193,7 @@
             </a:ln>
             <a:extLst>
               <a:ext uri="{91240B29-F687-4f45-9708-019B960494DF}">
-                <a14:hiddenLine xmlns:a14="http://schemas.microsoft.com/office/drawing/2010/main" xmlns:p14="http://schemas.microsoft.com/office/powerpoint/2010/main" xmlns:a16="http://schemas.microsoft.com/office/drawing/2014/main" xmlns="" w="9525">
+                <a14:hiddenLine xmlns="" xmlns:a16="http://schemas.microsoft.com/office/drawing/2014/main" xmlns:p14="http://schemas.microsoft.com/office/powerpoint/2010/main" xmlns:a14="http://schemas.microsoft.com/office/drawing/2010/main" w="9525">
                   <a:solidFill>
                     <a:srgbClr val="000000"/>
                   </a:solidFill>
@@ -33330,7 +33298,7 @@
             </a:ln>
             <a:extLst>
               <a:ext uri="{91240B29-F687-4f45-9708-019B960494DF}">
-                <a14:hiddenLine xmlns:a14="http://schemas.microsoft.com/office/drawing/2010/main" xmlns:p14="http://schemas.microsoft.com/office/powerpoint/2010/main" xmlns:a16="http://schemas.microsoft.com/office/drawing/2014/main" xmlns="" w="9525">
+                <a14:hiddenLine xmlns="" xmlns:a16="http://schemas.microsoft.com/office/drawing/2014/main" xmlns:p14="http://schemas.microsoft.com/office/powerpoint/2010/main" xmlns:a14="http://schemas.microsoft.com/office/drawing/2010/main" w="9525">
                   <a:solidFill>
                     <a:srgbClr val="000000"/>
                   </a:solidFill>
@@ -33435,7 +33403,7 @@
             </a:ln>
             <a:extLst>
               <a:ext uri="{91240B29-F687-4f45-9708-019B960494DF}">
-                <a14:hiddenLine xmlns:a14="http://schemas.microsoft.com/office/drawing/2010/main" xmlns:p14="http://schemas.microsoft.com/office/powerpoint/2010/main" xmlns:a16="http://schemas.microsoft.com/office/drawing/2014/main" xmlns="" w="9525">
+                <a14:hiddenLine xmlns="" xmlns:a16="http://schemas.microsoft.com/office/drawing/2014/main" xmlns:p14="http://schemas.microsoft.com/office/powerpoint/2010/main" xmlns:a14="http://schemas.microsoft.com/office/drawing/2010/main" w="9525">
                   <a:solidFill>
                     <a:srgbClr val="000000"/>
                   </a:solidFill>
@@ -33512,7 +33480,7 @@
             </a:ln>
             <a:extLst>
               <a:ext uri="{91240B29-F687-4f45-9708-019B960494DF}">
-                <a14:hiddenLine xmlns:a14="http://schemas.microsoft.com/office/drawing/2010/main" xmlns:p14="http://schemas.microsoft.com/office/powerpoint/2010/main" xmlns:a16="http://schemas.microsoft.com/office/drawing/2014/main" xmlns="" w="9525">
+                <a14:hiddenLine xmlns="" xmlns:a16="http://schemas.microsoft.com/office/drawing/2014/main" xmlns:p14="http://schemas.microsoft.com/office/powerpoint/2010/main" xmlns:a14="http://schemas.microsoft.com/office/drawing/2010/main" w="9525">
                   <a:solidFill>
                     <a:srgbClr val="000000"/>
                   </a:solidFill>
@@ -33637,7 +33605,7 @@
             </a:ln>
             <a:extLst>
               <a:ext uri="{91240B29-F687-4f45-9708-019B960494DF}">
-                <a14:hiddenLine xmlns:a14="http://schemas.microsoft.com/office/drawing/2010/main" xmlns:p14="http://schemas.microsoft.com/office/powerpoint/2010/main" xmlns:a16="http://schemas.microsoft.com/office/drawing/2014/main" xmlns="" w="9525">
+                <a14:hiddenLine xmlns="" xmlns:a16="http://schemas.microsoft.com/office/drawing/2014/main" xmlns:p14="http://schemas.microsoft.com/office/powerpoint/2010/main" xmlns:a14="http://schemas.microsoft.com/office/drawing/2010/main" w="9525">
                   <a:solidFill>
                     <a:srgbClr val="000000"/>
                   </a:solidFill>
@@ -33751,7 +33719,7 @@
             </a:ln>
             <a:extLst>
               <a:ext uri="{91240B29-F687-4f45-9708-019B960494DF}">
-                <a14:hiddenLine xmlns:a14="http://schemas.microsoft.com/office/drawing/2010/main" xmlns:p14="http://schemas.microsoft.com/office/powerpoint/2010/main" xmlns:a16="http://schemas.microsoft.com/office/drawing/2014/main" xmlns="" w="9525">
+                <a14:hiddenLine xmlns="" xmlns:a16="http://schemas.microsoft.com/office/drawing/2014/main" xmlns:p14="http://schemas.microsoft.com/office/powerpoint/2010/main" xmlns:a14="http://schemas.microsoft.com/office/drawing/2010/main" w="9525">
                   <a:solidFill>
                     <a:srgbClr val="000000"/>
                   </a:solidFill>
@@ -33828,7 +33796,7 @@
             </a:ln>
             <a:extLst>
               <a:ext uri="{91240B29-F687-4f45-9708-019B960494DF}">
-                <a14:hiddenLine xmlns:a14="http://schemas.microsoft.com/office/drawing/2010/main" xmlns:p14="http://schemas.microsoft.com/office/powerpoint/2010/main" xmlns:a16="http://schemas.microsoft.com/office/drawing/2014/main" xmlns="" w="9525">
+                <a14:hiddenLine xmlns="" xmlns:a16="http://schemas.microsoft.com/office/drawing/2014/main" xmlns:p14="http://schemas.microsoft.com/office/powerpoint/2010/main" xmlns:a14="http://schemas.microsoft.com/office/drawing/2010/main" w="9525">
                   <a:solidFill>
                     <a:srgbClr val="000000"/>
                   </a:solidFill>
@@ -33905,7 +33873,7 @@
             </a:ln>
             <a:extLst>
               <a:ext uri="{91240B29-F687-4f45-9708-019B960494DF}">
-                <a14:hiddenLine xmlns:a14="http://schemas.microsoft.com/office/drawing/2010/main" xmlns:p14="http://schemas.microsoft.com/office/powerpoint/2010/main" xmlns:a16="http://schemas.microsoft.com/office/drawing/2014/main" xmlns="" w="9525">
+                <a14:hiddenLine xmlns="" xmlns:a16="http://schemas.microsoft.com/office/drawing/2014/main" xmlns:p14="http://schemas.microsoft.com/office/powerpoint/2010/main" xmlns:a14="http://schemas.microsoft.com/office/drawing/2010/main" w="9525">
                   <a:solidFill>
                     <a:srgbClr val="000000"/>
                   </a:solidFill>
@@ -34010,7 +33978,7 @@
             </a:ln>
             <a:extLst>
               <a:ext uri="{91240B29-F687-4f45-9708-019B960494DF}">
-                <a14:hiddenLine xmlns:a14="http://schemas.microsoft.com/office/drawing/2010/main" xmlns:p14="http://schemas.microsoft.com/office/powerpoint/2010/main" xmlns:a16="http://schemas.microsoft.com/office/drawing/2014/main" xmlns="" w="9525">
+                <a14:hiddenLine xmlns="" xmlns:a16="http://schemas.microsoft.com/office/drawing/2014/main" xmlns:p14="http://schemas.microsoft.com/office/powerpoint/2010/main" xmlns:a14="http://schemas.microsoft.com/office/drawing/2010/main" w="9525">
                   <a:solidFill>
                     <a:srgbClr val="000000"/>
                   </a:solidFill>
@@ -34059,7 +34027,7 @@
             </a:ln>
             <a:extLst>
               <a:ext uri="{91240B29-F687-4f45-9708-019B960494DF}">
-                <a14:hiddenLine xmlns:a14="http://schemas.microsoft.com/office/drawing/2010/main" xmlns:p14="http://schemas.microsoft.com/office/powerpoint/2010/main" xmlns:a16="http://schemas.microsoft.com/office/drawing/2014/main" xmlns="" w="9525">
+                <a14:hiddenLine xmlns="" xmlns:a16="http://schemas.microsoft.com/office/drawing/2014/main" xmlns:p14="http://schemas.microsoft.com/office/powerpoint/2010/main" xmlns:a14="http://schemas.microsoft.com/office/drawing/2010/main" w="9525">
                   <a:solidFill>
                     <a:srgbClr val="000000"/>
                   </a:solidFill>
@@ -34139,7 +34107,7 @@
             </a:ln>
             <a:extLst>
               <a:ext uri="{91240B29-F687-4f45-9708-019B960494DF}">
-                <a14:hiddenLine xmlns:a14="http://schemas.microsoft.com/office/drawing/2010/main" xmlns:p14="http://schemas.microsoft.com/office/powerpoint/2010/main" xmlns:a16="http://schemas.microsoft.com/office/drawing/2014/main" xmlns="" w="9525">
+                <a14:hiddenLine xmlns="" xmlns:a16="http://schemas.microsoft.com/office/drawing/2014/main" xmlns:p14="http://schemas.microsoft.com/office/powerpoint/2010/main" xmlns:a14="http://schemas.microsoft.com/office/drawing/2010/main" w="9525">
                   <a:solidFill>
                     <a:srgbClr val="000000"/>
                   </a:solidFill>
@@ -34244,7 +34212,7 @@
             </a:ln>
             <a:extLst>
               <a:ext uri="{91240B29-F687-4f45-9708-019B960494DF}">
-                <a14:hiddenLine xmlns:a14="http://schemas.microsoft.com/office/drawing/2010/main" xmlns:p14="http://schemas.microsoft.com/office/powerpoint/2010/main" xmlns:a16="http://schemas.microsoft.com/office/drawing/2014/main" xmlns="" w="9525">
+                <a14:hiddenLine xmlns="" xmlns:a16="http://schemas.microsoft.com/office/drawing/2014/main" xmlns:p14="http://schemas.microsoft.com/office/powerpoint/2010/main" xmlns:a14="http://schemas.microsoft.com/office/drawing/2010/main" w="9525">
                   <a:solidFill>
                     <a:srgbClr val="000000"/>
                   </a:solidFill>
@@ -34321,7 +34289,7 @@
             </a:ln>
             <a:extLst>
               <a:ext uri="{91240B29-F687-4f45-9708-019B960494DF}">
-                <a14:hiddenLine xmlns:a14="http://schemas.microsoft.com/office/drawing/2010/main" xmlns:p14="http://schemas.microsoft.com/office/powerpoint/2010/main" xmlns:a16="http://schemas.microsoft.com/office/drawing/2014/main" xmlns="" w="9525">
+                <a14:hiddenLine xmlns="" xmlns:a16="http://schemas.microsoft.com/office/drawing/2014/main" xmlns:p14="http://schemas.microsoft.com/office/powerpoint/2010/main" xmlns:a14="http://schemas.microsoft.com/office/drawing/2010/main" w="9525">
                   <a:solidFill>
                     <a:srgbClr val="000000"/>
                   </a:solidFill>
@@ -34426,7 +34394,7 @@
             </a:ln>
             <a:extLst>
               <a:ext uri="{91240B29-F687-4f45-9708-019B960494DF}">
-                <a14:hiddenLine xmlns:a14="http://schemas.microsoft.com/office/drawing/2010/main" xmlns:p14="http://schemas.microsoft.com/office/powerpoint/2010/main" xmlns:a16="http://schemas.microsoft.com/office/drawing/2014/main" xmlns="" w="9525">
+                <a14:hiddenLine xmlns="" xmlns:a16="http://schemas.microsoft.com/office/drawing/2014/main" xmlns:p14="http://schemas.microsoft.com/office/powerpoint/2010/main" xmlns:a14="http://schemas.microsoft.com/office/drawing/2010/main" w="9525">
                   <a:solidFill>
                     <a:srgbClr val="000000"/>
                   </a:solidFill>
@@ -34506,7 +34474,7 @@
             </a:ln>
             <a:extLst>
               <a:ext uri="{91240B29-F687-4f45-9708-019B960494DF}">
-                <a14:hiddenLine xmlns:a14="http://schemas.microsoft.com/office/drawing/2010/main" xmlns:p14="http://schemas.microsoft.com/office/powerpoint/2010/main" xmlns:a16="http://schemas.microsoft.com/office/drawing/2014/main" xmlns="" w="9525">
+                <a14:hiddenLine xmlns="" xmlns:a16="http://schemas.microsoft.com/office/drawing/2014/main" xmlns:p14="http://schemas.microsoft.com/office/powerpoint/2010/main" xmlns:a14="http://schemas.microsoft.com/office/drawing/2010/main" w="9525">
                   <a:solidFill>
                     <a:srgbClr val="000000"/>
                   </a:solidFill>
@@ -34583,7 +34551,7 @@
             </a:ln>
             <a:extLst>
               <a:ext uri="{91240B29-F687-4f45-9708-019B960494DF}">
-                <a14:hiddenLine xmlns:a14="http://schemas.microsoft.com/office/drawing/2010/main" xmlns:p14="http://schemas.microsoft.com/office/powerpoint/2010/main" xmlns:a16="http://schemas.microsoft.com/office/drawing/2014/main" xmlns="" w="9525">
+                <a14:hiddenLine xmlns="" xmlns:a16="http://schemas.microsoft.com/office/drawing/2014/main" xmlns:p14="http://schemas.microsoft.com/office/powerpoint/2010/main" xmlns:a14="http://schemas.microsoft.com/office/drawing/2010/main" w="9525">
                   <a:solidFill>
                     <a:srgbClr val="000000"/>
                   </a:solidFill>
@@ -34688,7 +34656,7 @@
             </a:ln>
             <a:extLst>
               <a:ext uri="{91240B29-F687-4f45-9708-019B960494DF}">
-                <a14:hiddenLine xmlns:a14="http://schemas.microsoft.com/office/drawing/2010/main" xmlns:p14="http://schemas.microsoft.com/office/powerpoint/2010/main" xmlns:a16="http://schemas.microsoft.com/office/drawing/2014/main" xmlns="" w="9525">
+                <a14:hiddenLine xmlns="" xmlns:a16="http://schemas.microsoft.com/office/drawing/2014/main" xmlns:p14="http://schemas.microsoft.com/office/powerpoint/2010/main" xmlns:a14="http://schemas.microsoft.com/office/drawing/2010/main" w="9525">
                   <a:solidFill>
                     <a:srgbClr val="000000"/>
                   </a:solidFill>
@@ -34793,7 +34761,7 @@
             </a:ln>
             <a:extLst>
               <a:ext uri="{91240B29-F687-4f45-9708-019B960494DF}">
-                <a14:hiddenLine xmlns:a14="http://schemas.microsoft.com/office/drawing/2010/main" xmlns:p14="http://schemas.microsoft.com/office/powerpoint/2010/main" xmlns:a16="http://schemas.microsoft.com/office/drawing/2014/main" xmlns="" w="9525">
+                <a14:hiddenLine xmlns="" xmlns:a16="http://schemas.microsoft.com/office/drawing/2014/main" xmlns:p14="http://schemas.microsoft.com/office/powerpoint/2010/main" xmlns:a14="http://schemas.microsoft.com/office/drawing/2010/main" w="9525">
                   <a:solidFill>
                     <a:srgbClr val="000000"/>
                   </a:solidFill>
@@ -34873,7 +34841,7 @@
             </a:ln>
             <a:extLst>
               <a:ext uri="{91240B29-F687-4f45-9708-019B960494DF}">
-                <a14:hiddenLine xmlns:a14="http://schemas.microsoft.com/office/drawing/2010/main" xmlns:p14="http://schemas.microsoft.com/office/powerpoint/2010/main" xmlns:a16="http://schemas.microsoft.com/office/drawing/2014/main" xmlns="" w="9525">
+                <a14:hiddenLine xmlns="" xmlns:a16="http://schemas.microsoft.com/office/drawing/2014/main" xmlns:p14="http://schemas.microsoft.com/office/powerpoint/2010/main" xmlns:a14="http://schemas.microsoft.com/office/drawing/2010/main" w="9525">
                   <a:solidFill>
                     <a:srgbClr val="000000"/>
                   </a:solidFill>
@@ -35008,7 +34976,7 @@
             </a:ln>
             <a:extLst>
               <a:ext uri="{91240B29-F687-4f45-9708-019B960494DF}">
-                <a14:hiddenLine xmlns:a14="http://schemas.microsoft.com/office/drawing/2010/main" xmlns:p14="http://schemas.microsoft.com/office/powerpoint/2010/main" xmlns:a16="http://schemas.microsoft.com/office/drawing/2014/main" xmlns="" w="9525">
+                <a14:hiddenLine xmlns="" xmlns:a16="http://schemas.microsoft.com/office/drawing/2014/main" xmlns:p14="http://schemas.microsoft.com/office/powerpoint/2010/main" xmlns:a14="http://schemas.microsoft.com/office/drawing/2010/main" w="9525">
                   <a:solidFill>
                     <a:srgbClr val="000000"/>
                   </a:solidFill>
@@ -35021,45 +34989,6 @@
           </p:spPr>
         </p:sp>
       </p:grpSp>
-      <p:sp>
-        <p:nvSpPr>
-          <p:cNvPr id="4" name="Segnaposto contenuto 3">
-            <a:extLst>
-              <a:ext uri="{FF2B5EF4-FFF2-40B4-BE49-F238E27FC236}">
-                <a16:creationId xmlns:a16="http://schemas.microsoft.com/office/drawing/2014/main" id="{BDE47210-A816-4CBC-B2C7-0A83DD657ED5}"/>
-              </a:ext>
-            </a:extLst>
-          </p:cNvPr>
-          <p:cNvSpPr>
-            <a:spLocks noGrp="1"/>
-          </p:cNvSpPr>
-          <p:nvPr>
-            <p:ph idx="1"/>
-          </p:nvPr>
-        </p:nvSpPr>
-        <p:spPr>
-          <a:xfrm>
-            <a:off x="1314450" y="2561129"/>
-            <a:ext cx="9905999" cy="2174874"/>
-          </a:xfrm>
-        </p:spPr>
-        <p:txBody>
-          <a:bodyPr/>
-          <a:lstStyle/>
-          <a:p>
-            <a:endParaRPr lang="it-IT" dirty="0"/>
-          </a:p>
-          <a:p>
-            <a:pPr marL="0" indent="0">
-              <a:buNone/>
-            </a:pPr>
-            <a:endParaRPr lang="it-IT" dirty="0"/>
-          </a:p>
-          <a:p>
-            <a:endParaRPr lang="it-IT" dirty="0"/>
-          </a:p>
-        </p:txBody>
-      </p:sp>
       <p:sp>
         <p:nvSpPr>
           <p:cNvPr id="3" name="Segnaposto piè di pagina 2">
@@ -35185,7 +35114,7 @@
         </p:blipFill>
         <p:spPr>
           <a:xfrm>
-            <a:off x="4670320" y="1760442"/>
+            <a:off x="4268764" y="1516063"/>
             <a:ext cx="7219974" cy="4273671"/>
           </a:xfrm>
           <a:prstGeom prst="roundRect">
@@ -35218,7 +35147,7 @@
         </p:nvSpPr>
         <p:spPr>
           <a:xfrm>
-            <a:off x="4626854" y="1790313"/>
+            <a:off x="4354489" y="1546117"/>
             <a:ext cx="1198179" cy="276999"/>
           </a:xfrm>
           <a:prstGeom prst="rect">
@@ -35258,7 +35187,7 @@
         </p:nvSpPr>
         <p:spPr>
           <a:xfrm>
-            <a:off x="11526140" y="6017080"/>
+            <a:off x="11126669" y="5367818"/>
             <a:ext cx="515007" cy="276999"/>
           </a:xfrm>
           <a:prstGeom prst="rect">
@@ -35276,6 +35205,314 @@
               <a:rPr lang="it-IT" sz="1200" dirty="0"/>
               <a:t>byte</a:t>
             </a:r>
+          </a:p>
+        </p:txBody>
+      </p:sp>
+      <p:sp>
+        <p:nvSpPr>
+          <p:cNvPr id="7" name="CasellaDiTesto 6">
+            <a:extLst>
+              <a:ext uri="{FF2B5EF4-FFF2-40B4-BE49-F238E27FC236}">
+                <a16:creationId xmlns:a16="http://schemas.microsoft.com/office/drawing/2014/main" id="{9F18A953-701E-4AAE-8D94-C29CC77BDDE9}"/>
+              </a:ext>
+            </a:extLst>
+          </p:cNvPr>
+          <p:cNvSpPr txBox="1"/>
+          <p:nvPr/>
+        </p:nvSpPr>
+        <p:spPr>
+          <a:xfrm>
+            <a:off x="6782936" y="5764213"/>
+            <a:ext cx="701386" cy="307777"/>
+          </a:xfrm>
+          <a:prstGeom prst="rect">
+            <a:avLst/>
+          </a:prstGeom>
+          <a:noFill/>
+        </p:spPr>
+        <p:txBody>
+          <a:bodyPr wrap="square" rtlCol="0">
+            <a:spAutoFit/>
+          </a:bodyPr>
+          <a:lstStyle/>
+          <a:p>
+            <a:pPr algn="ctr"/>
+            <a:r>
+              <a:rPr lang="it-IT" sz="1400" dirty="0"/>
+              <a:t>1 Kb</a:t>
+            </a:r>
+          </a:p>
+        </p:txBody>
+      </p:sp>
+      <p:sp>
+        <p:nvSpPr>
+          <p:cNvPr id="44" name="CasellaDiTesto 43">
+            <a:extLst>
+              <a:ext uri="{FF2B5EF4-FFF2-40B4-BE49-F238E27FC236}">
+                <a16:creationId xmlns:a16="http://schemas.microsoft.com/office/drawing/2014/main" id="{9E41FAD4-CF91-4942-B200-E84BEB9C8C9A}"/>
+              </a:ext>
+            </a:extLst>
+          </p:cNvPr>
+          <p:cNvSpPr txBox="1"/>
+          <p:nvPr/>
+        </p:nvSpPr>
+        <p:spPr>
+          <a:xfrm>
+            <a:off x="9206224" y="5784069"/>
+            <a:ext cx="701386" cy="307777"/>
+          </a:xfrm>
+          <a:prstGeom prst="rect">
+            <a:avLst/>
+          </a:prstGeom>
+          <a:noFill/>
+        </p:spPr>
+        <p:txBody>
+          <a:bodyPr wrap="square" rtlCol="0">
+            <a:spAutoFit/>
+          </a:bodyPr>
+          <a:lstStyle/>
+          <a:p>
+            <a:pPr algn="ctr"/>
+            <a:r>
+              <a:rPr lang="it-IT" sz="1400" dirty="0"/>
+              <a:t>1 Mb</a:t>
+            </a:r>
+          </a:p>
+        </p:txBody>
+      </p:sp>
+      <p:sp>
+        <p:nvSpPr>
+          <p:cNvPr id="45" name="CasellaDiTesto 44">
+            <a:extLst>
+              <a:ext uri="{FF2B5EF4-FFF2-40B4-BE49-F238E27FC236}">
+                <a16:creationId xmlns:a16="http://schemas.microsoft.com/office/drawing/2014/main" id="{92483487-8F3C-4F06-942D-DECC3070D721}"/>
+              </a:ext>
+            </a:extLst>
+          </p:cNvPr>
+          <p:cNvSpPr txBox="1"/>
+          <p:nvPr/>
+        </p:nvSpPr>
+        <p:spPr>
+          <a:xfrm>
+            <a:off x="7623221" y="5789734"/>
+            <a:ext cx="701386" cy="307777"/>
+          </a:xfrm>
+          <a:prstGeom prst="rect">
+            <a:avLst/>
+          </a:prstGeom>
+          <a:noFill/>
+        </p:spPr>
+        <p:txBody>
+          <a:bodyPr wrap="square" rtlCol="0">
+            <a:spAutoFit/>
+          </a:bodyPr>
+          <a:lstStyle/>
+          <a:p>
+            <a:pPr algn="ctr"/>
+            <a:r>
+              <a:rPr lang="it-IT" sz="1400" dirty="0"/>
+              <a:t>10 Kb</a:t>
+            </a:r>
+          </a:p>
+        </p:txBody>
+      </p:sp>
+      <p:sp>
+        <p:nvSpPr>
+          <p:cNvPr id="46" name="CasellaDiTesto 45">
+            <a:extLst>
+              <a:ext uri="{FF2B5EF4-FFF2-40B4-BE49-F238E27FC236}">
+                <a16:creationId xmlns:a16="http://schemas.microsoft.com/office/drawing/2014/main" id="{BDA9DF40-482B-4869-9A65-0A8C91CAED5B}"/>
+              </a:ext>
+            </a:extLst>
+          </p:cNvPr>
+          <p:cNvSpPr txBox="1"/>
+          <p:nvPr/>
+        </p:nvSpPr>
+        <p:spPr>
+          <a:xfrm>
+            <a:off x="8372560" y="5778404"/>
+            <a:ext cx="762037" cy="307777"/>
+          </a:xfrm>
+          <a:prstGeom prst="rect">
+            <a:avLst/>
+          </a:prstGeom>
+          <a:noFill/>
+        </p:spPr>
+        <p:txBody>
+          <a:bodyPr wrap="square" rtlCol="0">
+            <a:spAutoFit/>
+          </a:bodyPr>
+          <a:lstStyle/>
+          <a:p>
+            <a:pPr algn="ctr"/>
+            <a:r>
+              <a:rPr lang="it-IT" sz="1400" dirty="0"/>
+              <a:t>100 Kb</a:t>
+            </a:r>
+          </a:p>
+        </p:txBody>
+      </p:sp>
+      <p:sp>
+        <p:nvSpPr>
+          <p:cNvPr id="47" name="CasellaDiTesto 46">
+            <a:extLst>
+              <a:ext uri="{FF2B5EF4-FFF2-40B4-BE49-F238E27FC236}">
+                <a16:creationId xmlns:a16="http://schemas.microsoft.com/office/drawing/2014/main" id="{6826DD0E-5E26-4A04-B319-C209A62EA3F7}"/>
+              </a:ext>
+            </a:extLst>
+          </p:cNvPr>
+          <p:cNvSpPr txBox="1"/>
+          <p:nvPr/>
+        </p:nvSpPr>
+        <p:spPr>
+          <a:xfrm>
+            <a:off x="9984511" y="5786828"/>
+            <a:ext cx="701386" cy="307777"/>
+          </a:xfrm>
+          <a:prstGeom prst="rect">
+            <a:avLst/>
+          </a:prstGeom>
+          <a:noFill/>
+        </p:spPr>
+        <p:txBody>
+          <a:bodyPr wrap="square" rtlCol="0">
+            <a:spAutoFit/>
+          </a:bodyPr>
+          <a:lstStyle/>
+          <a:p>
+            <a:pPr algn="ctr"/>
+            <a:r>
+              <a:rPr lang="it-IT" sz="1400" dirty="0"/>
+              <a:t>10 Mb</a:t>
+            </a:r>
+          </a:p>
+        </p:txBody>
+      </p:sp>
+      <p:sp>
+        <p:nvSpPr>
+          <p:cNvPr id="50" name="CasellaDiTesto 49">
+            <a:extLst>
+              <a:ext uri="{FF2B5EF4-FFF2-40B4-BE49-F238E27FC236}">
+                <a16:creationId xmlns:a16="http://schemas.microsoft.com/office/drawing/2014/main" id="{2DCBAC20-E4B2-429D-B41F-A33E0B0D55E5}"/>
+              </a:ext>
+            </a:extLst>
+          </p:cNvPr>
+          <p:cNvSpPr txBox="1"/>
+          <p:nvPr/>
+        </p:nvSpPr>
+        <p:spPr>
+          <a:xfrm>
+            <a:off x="10787352" y="5801126"/>
+            <a:ext cx="798966" cy="307777"/>
+          </a:xfrm>
+          <a:prstGeom prst="rect">
+            <a:avLst/>
+          </a:prstGeom>
+          <a:noFill/>
+        </p:spPr>
+        <p:txBody>
+          <a:bodyPr wrap="square" rtlCol="0">
+            <a:spAutoFit/>
+          </a:bodyPr>
+          <a:lstStyle/>
+          <a:p>
+            <a:pPr algn="ctr"/>
+            <a:r>
+              <a:rPr lang="it-IT" sz="1400" dirty="0"/>
+              <a:t>100 Mb</a:t>
+            </a:r>
+          </a:p>
+        </p:txBody>
+      </p:sp>
+      <p:sp>
+        <p:nvSpPr>
+          <p:cNvPr id="12" name="CasellaDiTesto 11">
+            <a:extLst>
+              <a:ext uri="{FF2B5EF4-FFF2-40B4-BE49-F238E27FC236}">
+                <a16:creationId xmlns:a16="http://schemas.microsoft.com/office/drawing/2014/main" id="{111B1E4B-20C5-4CD3-B3C7-2C94A522280C}"/>
+              </a:ext>
+            </a:extLst>
+          </p:cNvPr>
+          <p:cNvSpPr txBox="1"/>
+          <p:nvPr/>
+        </p:nvSpPr>
+        <p:spPr>
+          <a:xfrm>
+            <a:off x="608015" y="1987115"/>
+            <a:ext cx="3551211" cy="830997"/>
+          </a:xfrm>
+          <a:prstGeom prst="rect">
+            <a:avLst/>
+          </a:prstGeom>
+          <a:noFill/>
+        </p:spPr>
+        <p:txBody>
+          <a:bodyPr wrap="square" rtlCol="0">
+            <a:spAutoFit/>
+          </a:bodyPr>
+          <a:lstStyle/>
+          <a:p>
+            <a:pPr algn="ctr"/>
+            <a:r>
+              <a:rPr lang="it-IT" sz="2400" dirty="0"/>
+              <a:t>Analisi tempo di esecuzione del Server concorrente </a:t>
+            </a:r>
+          </a:p>
+        </p:txBody>
+      </p:sp>
+      <p:sp>
+        <p:nvSpPr>
+          <p:cNvPr id="13" name="CasellaDiTesto 12">
+            <a:extLst>
+              <a:ext uri="{FF2B5EF4-FFF2-40B4-BE49-F238E27FC236}">
+                <a16:creationId xmlns:a16="http://schemas.microsoft.com/office/drawing/2014/main" id="{F57C1088-2654-45F6-B050-3D6B95367211}"/>
+              </a:ext>
+            </a:extLst>
+          </p:cNvPr>
+          <p:cNvSpPr txBox="1"/>
+          <p:nvPr/>
+        </p:nvSpPr>
+        <p:spPr>
+          <a:xfrm>
+            <a:off x="731838" y="2955626"/>
+            <a:ext cx="3551211" cy="2554545"/>
+          </a:xfrm>
+          <a:prstGeom prst="rect">
+            <a:avLst/>
+          </a:prstGeom>
+          <a:noFill/>
+        </p:spPr>
+        <p:txBody>
+          <a:bodyPr wrap="square" rtlCol="0">
+            <a:spAutoFit/>
+          </a:bodyPr>
+          <a:lstStyle/>
+          <a:p>
+            <a:pPr marL="285750" indent="-285750">
+              <a:buFont typeface="Arial" panose="020B0604020202020204" pitchFamily="34" charset="0"/>
+              <a:buChar char="•"/>
+            </a:pPr>
+            <a:r>
+              <a:rPr lang="it-IT" sz="2000" dirty="0"/>
+              <a:t>Il test misura il tempo necessario all’eliminazione di 1 parola all’interno di un file.</a:t>
+            </a:r>
+          </a:p>
+          <a:p>
+            <a:pPr marL="285750" indent="-285750">
+              <a:buFont typeface="Arial" panose="020B0604020202020204" pitchFamily="34" charset="0"/>
+              <a:buChar char="•"/>
+            </a:pPr>
+            <a:r>
+              <a:rPr lang="it-IT" sz="2000" dirty="0"/>
+              <a:t>Il test è stato eseguito in modo concorrente, cioè eseguendo contemporaneamente un client TCP ed uno UDP.</a:t>
+            </a:r>
+          </a:p>
+          <a:p>
+            <a:pPr marL="285750" indent="-285750">
+              <a:buFont typeface="Arial" panose="020B0604020202020204" pitchFamily="34" charset="0"/>
+              <a:buChar char="•"/>
+            </a:pPr>
+            <a:endParaRPr lang="it-IT" sz="2000" dirty="0"/>
           </a:p>
         </p:txBody>
       </p:sp>
@@ -36134,12 +36371,9 @@
 </file>
 
 <file path=customXml/item1.xml><?xml version="1.0" encoding="utf-8"?>
-<?mso-contentType ?>
-<FormTemplates xmlns="http://schemas.microsoft.com/sharepoint/v3/contenttype/forms">
-  <Display>DocumentLibraryForm</Display>
-  <Edit>DocumentLibraryForm</Edit>
-  <New>DocumentLibraryForm</New>
-</FormTemplates>
+<p:properties xmlns:p="http://schemas.microsoft.com/office/2006/metadata/properties" xmlns:xsi="http://www.w3.org/2001/XMLSchema-instance" xmlns:pc="http://schemas.microsoft.com/office/infopath/2007/PartnerControls">
+  <documentManagement/>
+</p:properties>
 </file>
 
 <file path=customXml/item2.xml><?xml version="1.0" encoding="utf-8"?>
@@ -36275,15 +36509,26 @@
 </file>
 
 <file path=customXml/item3.xml><?xml version="1.0" encoding="utf-8"?>
-<p:properties xmlns:p="http://schemas.microsoft.com/office/2006/metadata/properties" xmlns:xsi="http://www.w3.org/2001/XMLSchema-instance" xmlns:pc="http://schemas.microsoft.com/office/infopath/2007/PartnerControls">
-  <documentManagement/>
-</p:properties>
+<?mso-contentType ?>
+<FormTemplates xmlns="http://schemas.microsoft.com/sharepoint/v3/contenttype/forms">
+  <Display>DocumentLibraryForm</Display>
+  <Edit>DocumentLibraryForm</Edit>
+  <New>DocumentLibraryForm</New>
+</FormTemplates>
 </file>
 
 <file path=customXml/itemProps1.xml><?xml version="1.0" encoding="utf-8"?>
-<ds:datastoreItem xmlns:ds="http://schemas.openxmlformats.org/officeDocument/2006/customXml" ds:itemID="{3057252C-AA3B-4053-A64D-51B970623905}">
+<ds:datastoreItem xmlns:ds="http://schemas.openxmlformats.org/officeDocument/2006/customXml" ds:itemID="{D8463AF2-9ABC-4087-AAED-E5A30A3C4C54}">
   <ds:schemaRefs>
-    <ds:schemaRef ds:uri="http://schemas.microsoft.com/sharepoint/v3/contenttype/forms"/>
+    <ds:schemaRef ds:uri="http://www.w3.org/XML/1998/namespace"/>
+    <ds:schemaRef ds:uri="http://schemas.microsoft.com/office/infopath/2007/PartnerControls"/>
+    <ds:schemaRef ds:uri="http://purl.org/dc/elements/1.1/"/>
+    <ds:schemaRef ds:uri="http://schemas.openxmlformats.org/package/2006/metadata/core-properties"/>
+    <ds:schemaRef ds:uri="http://schemas.microsoft.com/office/2006/metadata/properties"/>
+    <ds:schemaRef ds:uri="b4ea0a96-3951-4160-baca-c74dadb8c17f"/>
+    <ds:schemaRef ds:uri="http://purl.org/dc/dcmitype/"/>
+    <ds:schemaRef ds:uri="http://schemas.microsoft.com/office/2006/documentManagement/types"/>
+    <ds:schemaRef ds:uri="http://purl.org/dc/terms/"/>
   </ds:schemaRefs>
 </ds:datastoreItem>
 </file>
@@ -36307,17 +36552,9 @@
 </file>
 
 <file path=customXml/itemProps3.xml><?xml version="1.0" encoding="utf-8"?>
-<ds:datastoreItem xmlns:ds="http://schemas.openxmlformats.org/officeDocument/2006/customXml" ds:itemID="{D8463AF2-9ABC-4087-AAED-E5A30A3C4C54}">
+<ds:datastoreItem xmlns:ds="http://schemas.openxmlformats.org/officeDocument/2006/customXml" ds:itemID="{3057252C-AA3B-4053-A64D-51B970623905}">
   <ds:schemaRefs>
-    <ds:schemaRef ds:uri="http://www.w3.org/XML/1998/namespace"/>
-    <ds:schemaRef ds:uri="http://schemas.microsoft.com/office/infopath/2007/PartnerControls"/>
-    <ds:schemaRef ds:uri="http://purl.org/dc/elements/1.1/"/>
-    <ds:schemaRef ds:uri="http://schemas.openxmlformats.org/package/2006/metadata/core-properties"/>
-    <ds:schemaRef ds:uri="http://schemas.microsoft.com/office/2006/metadata/properties"/>
-    <ds:schemaRef ds:uri="b4ea0a96-3951-4160-baca-c74dadb8c17f"/>
-    <ds:schemaRef ds:uri="http://purl.org/dc/dcmitype/"/>
-    <ds:schemaRef ds:uri="http://schemas.microsoft.com/office/2006/documentManagement/types"/>
-    <ds:schemaRef ds:uri="http://purl.org/dc/terms/"/>
+    <ds:schemaRef ds:uri="http://schemas.microsoft.com/sharepoint/v3/contenttype/forms"/>
   </ds:schemaRefs>
 </ds:datastoreItem>
 </file>